--- a/slides/chap2_exploration.pptx
+++ b/slides/chap2_exploration.pptx
@@ -5,45 +5,46 @@
     <p:sldMasterId id="2147483675" r:id="rId1"/>
   </p:sldMasterIdLst>
   <p:notesMasterIdLst>
-    <p:notesMasterId r:id="rId38"/>
+    <p:notesMasterId r:id="rId39"/>
   </p:notesMasterIdLst>
   <p:sldIdLst>
-    <p:sldId id="256" r:id="rId2"/>
-    <p:sldId id="305" r:id="rId3"/>
-    <p:sldId id="258" r:id="rId4"/>
-    <p:sldId id="259" r:id="rId5"/>
-    <p:sldId id="306" r:id="rId6"/>
-    <p:sldId id="262" r:id="rId7"/>
-    <p:sldId id="263" r:id="rId8"/>
-    <p:sldId id="264" r:id="rId9"/>
-    <p:sldId id="265" r:id="rId10"/>
-    <p:sldId id="266" r:id="rId11"/>
-    <p:sldId id="267" r:id="rId12"/>
-    <p:sldId id="268" r:id="rId13"/>
-    <p:sldId id="307" r:id="rId14"/>
-    <p:sldId id="270" r:id="rId15"/>
-    <p:sldId id="271" r:id="rId16"/>
-    <p:sldId id="272" r:id="rId17"/>
-    <p:sldId id="273" r:id="rId18"/>
-    <p:sldId id="274" r:id="rId19"/>
-    <p:sldId id="260" r:id="rId20"/>
-    <p:sldId id="275" r:id="rId21"/>
-    <p:sldId id="276" r:id="rId22"/>
-    <p:sldId id="277" r:id="rId23"/>
-    <p:sldId id="279" r:id="rId24"/>
-    <p:sldId id="280" r:id="rId25"/>
-    <p:sldId id="278" r:id="rId26"/>
-    <p:sldId id="281" r:id="rId27"/>
-    <p:sldId id="282" r:id="rId28"/>
-    <p:sldId id="283" r:id="rId29"/>
-    <p:sldId id="285" r:id="rId30"/>
-    <p:sldId id="286" r:id="rId31"/>
-    <p:sldId id="287" r:id="rId32"/>
-    <p:sldId id="288" r:id="rId33"/>
-    <p:sldId id="289" r:id="rId34"/>
-    <p:sldId id="290" r:id="rId35"/>
-    <p:sldId id="291" r:id="rId36"/>
-    <p:sldId id="292" r:id="rId37"/>
+    <p:sldId id="334" r:id="rId2"/>
+    <p:sldId id="335" r:id="rId3"/>
+    <p:sldId id="305" r:id="rId4"/>
+    <p:sldId id="258" r:id="rId5"/>
+    <p:sldId id="259" r:id="rId6"/>
+    <p:sldId id="306" r:id="rId7"/>
+    <p:sldId id="262" r:id="rId8"/>
+    <p:sldId id="263" r:id="rId9"/>
+    <p:sldId id="264" r:id="rId10"/>
+    <p:sldId id="265" r:id="rId11"/>
+    <p:sldId id="266" r:id="rId12"/>
+    <p:sldId id="267" r:id="rId13"/>
+    <p:sldId id="268" r:id="rId14"/>
+    <p:sldId id="307" r:id="rId15"/>
+    <p:sldId id="270" r:id="rId16"/>
+    <p:sldId id="271" r:id="rId17"/>
+    <p:sldId id="272" r:id="rId18"/>
+    <p:sldId id="273" r:id="rId19"/>
+    <p:sldId id="274" r:id="rId20"/>
+    <p:sldId id="260" r:id="rId21"/>
+    <p:sldId id="275" r:id="rId22"/>
+    <p:sldId id="276" r:id="rId23"/>
+    <p:sldId id="277" r:id="rId24"/>
+    <p:sldId id="279" r:id="rId25"/>
+    <p:sldId id="280" r:id="rId26"/>
+    <p:sldId id="278" r:id="rId27"/>
+    <p:sldId id="281" r:id="rId28"/>
+    <p:sldId id="282" r:id="rId29"/>
+    <p:sldId id="283" r:id="rId30"/>
+    <p:sldId id="285" r:id="rId31"/>
+    <p:sldId id="286" r:id="rId32"/>
+    <p:sldId id="287" r:id="rId33"/>
+    <p:sldId id="288" r:id="rId34"/>
+    <p:sldId id="289" r:id="rId35"/>
+    <p:sldId id="290" r:id="rId36"/>
+    <p:sldId id="291" r:id="rId37"/>
+    <p:sldId id="292" r:id="rId38"/>
   </p:sldIdLst>
   <p:sldSz cx="9144000" cy="6858000" type="screen4x3"/>
   <p:notesSz cx="7315200" cy="9601200"/>
@@ -626,10 +627,42 @@
       </p:grpSpPr>
       <p:sp>
         <p:nvSpPr>
-          <p:cNvPr id="54273" name="Rectangle 1">
+          <p:cNvPr id="7" name="Rectangle 6">
             <a:extLst>
               <a:ext uri="{FF2B5EF4-FFF2-40B4-BE49-F238E27FC236}">
-                <a16:creationId xmlns:a16="http://schemas.microsoft.com/office/drawing/2014/main" id="{7F74AFD6-E3BB-4E78-A48C-C0D648B792D4}"/>
+                <a16:creationId xmlns:a16="http://schemas.microsoft.com/office/drawing/2014/main" id="{39C5A6EE-2107-4610-A3EE-3D7D4253C8CF}"/>
+              </a:ext>
+            </a:extLst>
+          </p:cNvPr>
+          <p:cNvSpPr>
+            <a:spLocks noGrp="1" noChangeArrowheads="1"/>
+          </p:cNvSpPr>
+          <p:nvPr>
+            <p:ph type="sldNum"/>
+          </p:nvPr>
+        </p:nvSpPr>
+        <p:spPr>
+          <a:ln/>
+        </p:spPr>
+        <p:txBody>
+          <a:bodyPr/>
+          <a:lstStyle/>
+          <a:p>
+            <a:fld id="{0EAF9E2E-023C-4A8D-996B-ED8627AE5C58}" type="slidenum">
+              <a:rPr lang="en-US" altLang="en-US"/>
+              <a:pPr/>
+              <a:t>1</a:t>
+            </a:fld>
+            <a:endParaRPr lang="en-US" altLang="en-US"/>
+          </a:p>
+        </p:txBody>
+      </p:sp>
+      <p:sp>
+        <p:nvSpPr>
+          <p:cNvPr id="77825" name="Rectangle 1">
+            <a:extLst>
+              <a:ext uri="{FF2B5EF4-FFF2-40B4-BE49-F238E27FC236}">
+                <a16:creationId xmlns:a16="http://schemas.microsoft.com/office/drawing/2014/main" id="{9E2F1D6F-3701-48F2-860A-7FDFCFE5FE41}"/>
               </a:ext>
             </a:extLst>
           </p:cNvPr>
@@ -642,8 +675,8 @@
         </p:nvSpPr>
         <p:spPr bwMode="auto">
           <a:xfrm>
-            <a:off x="1262063" y="722313"/>
-            <a:ext cx="4795837" cy="3597275"/>
+            <a:off x="1371600" y="763588"/>
+            <a:ext cx="5029200" cy="3771900"/>
           </a:xfrm>
           <a:prstGeom prst="rect">
             <a:avLst/>
@@ -674,10 +707,10 @@
       </p:sp>
       <p:sp>
         <p:nvSpPr>
-          <p:cNvPr id="54274" name="Rectangle 2">
+          <p:cNvPr id="77826" name="Rectangle 2">
             <a:extLst>
               <a:ext uri="{FF2B5EF4-FFF2-40B4-BE49-F238E27FC236}">
-                <a16:creationId xmlns:a16="http://schemas.microsoft.com/office/drawing/2014/main" id="{A7A4575A-0107-4AAB-81CB-134E5E4A38AB}"/>
+                <a16:creationId xmlns:a16="http://schemas.microsoft.com/office/drawing/2014/main" id="{54E14DE4-C6AA-4E5B-B597-F7D16B910F69}"/>
               </a:ext>
             </a:extLst>
           </p:cNvPr>
@@ -690,8 +723,8 @@
         </p:nvSpPr>
         <p:spPr bwMode="auto">
           <a:xfrm>
-            <a:off x="973138" y="4560888"/>
-            <a:ext cx="5367337" cy="4316412"/>
+            <a:off x="777875" y="4776788"/>
+            <a:ext cx="6218238" cy="4525962"/>
           </a:xfrm>
           <a:prstGeom prst="rect">
             <a:avLst/>
@@ -5873,7 +5906,7 @@
           <a:p>
             <a:fld id="{AEE3A5ED-0979-46C2-BDB3-6C1F641153D0}" type="datetimeFigureOut">
               <a:rPr lang="en-US" smtClean="0"/>
-              <a:t>3/9/2021</a:t>
+              <a:t>6/18/2024</a:t>
             </a:fld>
             <a:endParaRPr lang="en-US"/>
           </a:p>
@@ -6071,7 +6104,7 @@
           <a:p>
             <a:fld id="{AEE3A5ED-0979-46C2-BDB3-6C1F641153D0}" type="datetimeFigureOut">
               <a:rPr lang="en-US" smtClean="0"/>
-              <a:t>3/9/2021</a:t>
+              <a:t>6/18/2024</a:t>
             </a:fld>
             <a:endParaRPr lang="en-US"/>
           </a:p>
@@ -6279,7 +6312,7 @@
           <a:p>
             <a:fld id="{AEE3A5ED-0979-46C2-BDB3-6C1F641153D0}" type="datetimeFigureOut">
               <a:rPr lang="en-US" smtClean="0"/>
-              <a:t>3/9/2021</a:t>
+              <a:t>6/18/2024</a:t>
             </a:fld>
             <a:endParaRPr lang="en-US"/>
           </a:p>
@@ -7179,7 +7212,7 @@
           <a:p>
             <a:fld id="{AEE3A5ED-0979-46C2-BDB3-6C1F641153D0}" type="datetimeFigureOut">
               <a:rPr lang="en-US" smtClean="0"/>
-              <a:t>3/9/2021</a:t>
+              <a:t>6/18/2024</a:t>
             </a:fld>
             <a:endParaRPr lang="en-US"/>
           </a:p>
@@ -7454,7 +7487,7 @@
           <a:p>
             <a:fld id="{AEE3A5ED-0979-46C2-BDB3-6C1F641153D0}" type="datetimeFigureOut">
               <a:rPr lang="en-US" smtClean="0"/>
-              <a:t>3/9/2021</a:t>
+              <a:t>6/18/2024</a:t>
             </a:fld>
             <a:endParaRPr lang="en-US"/>
           </a:p>
@@ -7719,7 +7752,7 @@
           <a:p>
             <a:fld id="{AEE3A5ED-0979-46C2-BDB3-6C1F641153D0}" type="datetimeFigureOut">
               <a:rPr lang="en-US" smtClean="0"/>
-              <a:t>3/9/2021</a:t>
+              <a:t>6/18/2024</a:t>
             </a:fld>
             <a:endParaRPr lang="en-US"/>
           </a:p>
@@ -8131,7 +8164,7 @@
           <a:p>
             <a:fld id="{AEE3A5ED-0979-46C2-BDB3-6C1F641153D0}" type="datetimeFigureOut">
               <a:rPr lang="en-US" smtClean="0"/>
-              <a:t>3/9/2021</a:t>
+              <a:t>6/18/2024</a:t>
             </a:fld>
             <a:endParaRPr lang="en-US"/>
           </a:p>
@@ -8272,7 +8305,7 @@
           <a:p>
             <a:fld id="{AEE3A5ED-0979-46C2-BDB3-6C1F641153D0}" type="datetimeFigureOut">
               <a:rPr lang="en-US" smtClean="0"/>
-              <a:t>3/9/2021</a:t>
+              <a:t>6/18/2024</a:t>
             </a:fld>
             <a:endParaRPr lang="en-US"/>
           </a:p>
@@ -8385,7 +8418,7 @@
           <a:p>
             <a:fld id="{AEE3A5ED-0979-46C2-BDB3-6C1F641153D0}" type="datetimeFigureOut">
               <a:rPr lang="en-US" smtClean="0"/>
-              <a:t>3/9/2021</a:t>
+              <a:t>6/18/2024</a:t>
             </a:fld>
             <a:endParaRPr lang="en-US"/>
           </a:p>
@@ -8696,7 +8729,7 @@
           <a:p>
             <a:fld id="{AEE3A5ED-0979-46C2-BDB3-6C1F641153D0}" type="datetimeFigureOut">
               <a:rPr lang="en-US" smtClean="0"/>
-              <a:t>3/9/2021</a:t>
+              <a:t>6/18/2024</a:t>
             </a:fld>
             <a:endParaRPr lang="en-US"/>
           </a:p>
@@ -8984,7 +9017,7 @@
           <a:p>
             <a:fld id="{AEE3A5ED-0979-46C2-BDB3-6C1F641153D0}" type="datetimeFigureOut">
               <a:rPr lang="en-US" smtClean="0"/>
-              <a:t>3/9/2021</a:t>
+              <a:t>6/18/2024</a:t>
             </a:fld>
             <a:endParaRPr lang="en-US"/>
           </a:p>
@@ -9225,7 +9258,7 @@
           <a:p>
             <a:fld id="{AEE3A5ED-0979-46C2-BDB3-6C1F641153D0}" type="datetimeFigureOut">
               <a:rPr lang="en-US" smtClean="0"/>
-              <a:t>3/9/2021</a:t>
+              <a:t>6/18/2024</a:t>
             </a:fld>
             <a:endParaRPr lang="en-US"/>
           </a:p>
@@ -9631,6 +9664,14 @@
 <file path=ppt/slides/slide1.xml><?xml version="1.0" encoding="utf-8"?>
 <p:sld xmlns:a="http://schemas.openxmlformats.org/drawingml/2006/main" xmlns:r="http://schemas.openxmlformats.org/officeDocument/2006/relationships" xmlns:p="http://schemas.openxmlformats.org/presentationml/2006/main">
   <p:cSld>
+    <p:bg>
+      <p:bgPr>
+        <a:solidFill>
+          <a:schemeClr val="bg1"/>
+        </a:solidFill>
+        <a:effectLst/>
+      </p:bgPr>
+    </p:bg>
     <p:spTree>
       <p:nvGrpSpPr>
         <p:cNvPr id="1" name=""/>
@@ -9645,17 +9686,203 @@
           <a:chExt cx="0" cy="0"/>
         </a:xfrm>
       </p:grpSpPr>
+      <p:sp useBgFill="1">
+        <p:nvSpPr>
+          <p:cNvPr id="16" name="Rectangle 15">
+            <a:extLst>
+              <a:ext uri="{FF2B5EF4-FFF2-40B4-BE49-F238E27FC236}">
+                <a16:creationId xmlns:a16="http://schemas.microsoft.com/office/drawing/2014/main" id="{0671A8AE-40A1-4631-A6B8-581AFF065482}"/>
+              </a:ext>
+              <a:ext uri="{C183D7F6-B498-43B3-948B-1728B52AA6E4}">
+                <adec:decorative xmlns:adec="http://schemas.microsoft.com/office/drawing/2017/decorative" val="1"/>
+              </a:ext>
+            </a:extLst>
+          </p:cNvPr>
+          <p:cNvSpPr>
+            <a:spLocks noGrp="1" noRot="1" noChangeAspect="1" noMove="1" noResize="1" noEditPoints="1" noAdjustHandles="1" noChangeArrowheads="1" noChangeShapeType="1" noTextEdit="1"/>
+          </p:cNvSpPr>
+          <p:nvPr>
+            <p:extLst>
+              <p:ext uri="{386F3935-93C4-4BCD-93E2-E3B085C9AB24}">
+                <p16:designElem xmlns:p16="http://schemas.microsoft.com/office/powerpoint/2015/main" val="1"/>
+              </p:ext>
+            </p:extLst>
+          </p:nvPr>
+        </p:nvSpPr>
+        <p:spPr>
+          <a:xfrm>
+            <a:off x="0" y="0"/>
+            <a:ext cx="9144000" cy="6858000"/>
+          </a:xfrm>
+          <a:prstGeom prst="rect">
+            <a:avLst/>
+          </a:prstGeom>
+          <a:ln>
+            <a:noFill/>
+          </a:ln>
+        </p:spPr>
+        <p:style>
+          <a:lnRef idx="2">
+            <a:schemeClr val="accent1">
+              <a:shade val="50000"/>
+            </a:schemeClr>
+          </a:lnRef>
+          <a:fillRef idx="1">
+            <a:schemeClr val="accent1"/>
+          </a:fillRef>
+          <a:effectRef idx="0">
+            <a:schemeClr val="accent1"/>
+          </a:effectRef>
+          <a:fontRef idx="minor">
+            <a:schemeClr val="lt1"/>
+          </a:fontRef>
+        </p:style>
+        <p:txBody>
+          <a:bodyPr rtlCol="0" anchor="ctr"/>
+          <a:lstStyle/>
+          <a:p>
+            <a:pPr algn="ctr"/>
+            <a:endParaRPr lang="en-US"/>
+          </a:p>
+        </p:txBody>
+      </p:sp>
+      <p:pic>
+        <p:nvPicPr>
+          <p:cNvPr id="2" name="Picture 2">
+            <a:extLst>
+              <a:ext uri="{FF2B5EF4-FFF2-40B4-BE49-F238E27FC236}">
+                <a16:creationId xmlns:a16="http://schemas.microsoft.com/office/drawing/2014/main" id="{8346D40D-7D49-C79C-B85E-C5B52AF37843}"/>
+              </a:ext>
+            </a:extLst>
+          </p:cNvPr>
+          <p:cNvPicPr>
+            <a:picLocks noChangeAspect="1" noChangeArrowheads="1"/>
+          </p:cNvPicPr>
+          <p:nvPr/>
+        </p:nvPicPr>
+        <p:blipFill rotWithShape="1">
+          <a:blip r:embed="rId3">
+            <a:extLst>
+              <a:ext uri="{28A0092B-C50C-407E-A947-70E740481C1C}">
+                <a14:useLocalDpi xmlns:a14="http://schemas.microsoft.com/office/drawing/2010/main" val="0"/>
+              </a:ext>
+            </a:extLst>
+          </a:blip>
+          <a:srcRect r="26481" b="-1"/>
+          <a:stretch/>
+        </p:blipFill>
+        <p:spPr bwMode="auto">
+          <a:xfrm>
+            <a:off x="2642616" y="10"/>
+            <a:ext cx="6501384" cy="6857990"/>
+          </a:xfrm>
+          <a:prstGeom prst="rect">
+            <a:avLst/>
+          </a:prstGeom>
+          <a:noFill/>
+          <a:extLst>
+            <a:ext uri="{909E8E84-426E-40DD-AFC4-6F175D3DCCD1}">
+              <a14:hiddenFill xmlns:a14="http://schemas.microsoft.com/office/drawing/2010/main">
+                <a:solidFill>
+                  <a:srgbClr val="FFFFFF"/>
+                </a:solidFill>
+              </a14:hiddenFill>
+            </a:ext>
+          </a:extLst>
+        </p:spPr>
+      </p:pic>
       <p:sp>
         <p:nvSpPr>
-          <p:cNvPr id="4097" name="Rectangle 1">
+          <p:cNvPr id="18" name="Rectangle 17">
             <a:extLst>
               <a:ext uri="{FF2B5EF4-FFF2-40B4-BE49-F238E27FC236}">
-                <a16:creationId xmlns:a16="http://schemas.microsoft.com/office/drawing/2014/main" id="{6DE878DD-634F-4522-9A5A-021A740C3FC9}"/>
+                <a16:creationId xmlns:a16="http://schemas.microsoft.com/office/drawing/2014/main" id="{AB58EF07-17C2-48CF-ABB0-EEF1F17CB8F0}"/>
+              </a:ext>
+              <a:ext uri="{C183D7F6-B498-43B3-948B-1728B52AA6E4}">
+                <adec:decorative xmlns:adec="http://schemas.microsoft.com/office/drawing/2017/decorative" val="1"/>
               </a:ext>
             </a:extLst>
           </p:cNvPr>
           <p:cNvSpPr>
-            <a:spLocks noGrp="1" noChangeArrowheads="1"/>
+            <a:spLocks noGrp="1" noRot="1" noChangeAspect="1" noMove="1" noResize="1" noEditPoints="1" noAdjustHandles="1" noChangeArrowheads="1" noChangeShapeType="1" noTextEdit="1"/>
+          </p:cNvSpPr>
+          <p:nvPr>
+            <p:extLst>
+              <p:ext uri="{386F3935-93C4-4BCD-93E2-E3B085C9AB24}">
+                <p16:designElem xmlns:p16="http://schemas.microsoft.com/office/powerpoint/2015/main" val="1"/>
+              </p:ext>
+            </p:extLst>
+          </p:nvPr>
+        </p:nvSpPr>
+        <p:spPr>
+          <a:xfrm>
+            <a:off x="2" y="0"/>
+            <a:ext cx="7004404" cy="6858000"/>
+          </a:xfrm>
+          <a:prstGeom prst="rect">
+            <a:avLst/>
+          </a:prstGeom>
+          <a:gradFill>
+            <a:gsLst>
+              <a:gs pos="58000">
+                <a:schemeClr val="tx1"/>
+              </a:gs>
+              <a:gs pos="33000">
+                <a:schemeClr val="tx1">
+                  <a:alpha val="64000"/>
+                </a:schemeClr>
+              </a:gs>
+              <a:gs pos="0">
+                <a:schemeClr val="tx1">
+                  <a:alpha val="0"/>
+                </a:schemeClr>
+              </a:gs>
+              <a:gs pos="100000">
+                <a:schemeClr val="tx1"/>
+              </a:gs>
+            </a:gsLst>
+            <a:lin ang="10800000" scaled="0"/>
+          </a:gradFill>
+          <a:ln>
+            <a:noFill/>
+          </a:ln>
+        </p:spPr>
+        <p:style>
+          <a:lnRef idx="2">
+            <a:schemeClr val="accent1">
+              <a:shade val="50000"/>
+            </a:schemeClr>
+          </a:lnRef>
+          <a:fillRef idx="1">
+            <a:schemeClr val="accent1"/>
+          </a:fillRef>
+          <a:effectRef idx="0">
+            <a:schemeClr val="accent1"/>
+          </a:effectRef>
+          <a:fontRef idx="minor">
+            <a:schemeClr val="lt1"/>
+          </a:fontRef>
+        </p:style>
+        <p:txBody>
+          <a:bodyPr rtlCol="0" anchor="ctr"/>
+          <a:lstStyle/>
+          <a:p>
+            <a:pPr algn="ctr"/>
+            <a:endParaRPr lang="en-US" dirty="0"/>
+          </a:p>
+        </p:txBody>
+      </p:sp>
+      <p:sp>
+        <p:nvSpPr>
+          <p:cNvPr id="6" name="Title 5">
+            <a:extLst>
+              <a:ext uri="{FF2B5EF4-FFF2-40B4-BE49-F238E27FC236}">
+                <a16:creationId xmlns:a16="http://schemas.microsoft.com/office/drawing/2014/main" id="{BCEE1335-9E38-4786-82B6-B419D03FC41D}"/>
+              </a:ext>
+            </a:extLst>
+          </p:cNvPr>
+          <p:cNvSpPr>
+            <a:spLocks noGrp="1"/>
           </p:cNvSpPr>
           <p:nvPr>
             <p:ph type="ctrTitle"/>
@@ -9663,47 +9890,90 @@
         </p:nvSpPr>
         <p:spPr>
           <a:xfrm>
-            <a:off x="1143000" y="665925"/>
-            <a:ext cx="6858000" cy="935037"/>
+            <a:off x="358485" y="1122363"/>
+            <a:ext cx="3017520" cy="3204134"/>
           </a:xfrm>
-          <a:ln/>
         </p:spPr>
         <p:txBody>
-          <a:bodyPr/>
+          <a:bodyPr vert="horz" lIns="91440" tIns="45720" rIns="91440" bIns="45720" rtlCol="0" anchor="b">
+            <a:normAutofit/>
+          </a:bodyPr>
           <a:lstStyle/>
           <a:p>
-            <a:pPr algn="ctr">
-              <a:buClrTx/>
-              <a:buFontTx/>
-              <a:buNone/>
-              <a:tabLst>
-                <a:tab pos="0" algn="l"/>
-                <a:tab pos="914400" algn="l"/>
-                <a:tab pos="1828800" algn="l"/>
-                <a:tab pos="2743200" algn="l"/>
-                <a:tab pos="3657600" algn="l"/>
-                <a:tab pos="4572000" algn="l"/>
-                <a:tab pos="5486400" algn="l"/>
-                <a:tab pos="6400800" algn="l"/>
-                <a:tab pos="7315200" algn="l"/>
-                <a:tab pos="8229600" algn="l"/>
-                <a:tab pos="9144000" algn="l"/>
-                <a:tab pos="10058400" algn="l"/>
-              </a:tabLst>
-            </a:pPr>
+            <a:pPr algn="l" defTabSz="914400"/>
             <a:r>
-              <a:rPr lang="en-US" altLang="en-US" dirty="0"/>
-              <a:t>Data Mining: Exploring Data</a:t>
+              <a:rPr lang="en-US" altLang="en-US" sz="2900" b="1" dirty="0">
+                <a:solidFill>
+                  <a:schemeClr val="bg1"/>
+                </a:solidFill>
+              </a:rPr>
+              <a:t>Introduction to Data Mining </a:t>
             </a:r>
+            <a:br>
+              <a:rPr lang="en-US" altLang="en-US" sz="2900" dirty="0">
+                <a:solidFill>
+                  <a:schemeClr val="bg1"/>
+                </a:solidFill>
+              </a:rPr>
+            </a:br>
+            <a:br>
+              <a:rPr lang="en-US" altLang="en-US" sz="2900" dirty="0">
+                <a:solidFill>
+                  <a:schemeClr val="bg1"/>
+                </a:solidFill>
+              </a:rPr>
+            </a:br>
+            <a:br>
+              <a:rPr lang="en-US" altLang="en-US" sz="2900" dirty="0">
+                <a:solidFill>
+                  <a:schemeClr val="bg1"/>
+                </a:solidFill>
+              </a:rPr>
+            </a:br>
+            <a:r>
+              <a:rPr lang="en-US" altLang="en-US" sz="2900" dirty="0">
+                <a:solidFill>
+                  <a:schemeClr val="bg1"/>
+                </a:solidFill>
+              </a:rPr>
+              <a:t>Chapter 3 </a:t>
+            </a:r>
+            <a:br>
+              <a:rPr lang="en-US" altLang="en-US" sz="2900" dirty="0">
+                <a:solidFill>
+                  <a:schemeClr val="bg1"/>
+                </a:solidFill>
+              </a:rPr>
+            </a:br>
+            <a:r>
+              <a:rPr lang="en-US" altLang="en-US" sz="2900" dirty="0">
+                <a:solidFill>
+                  <a:schemeClr val="bg1"/>
+                </a:solidFill>
+              </a:rPr>
+              <a:t>Data Exploration</a:t>
+            </a:r>
+            <a:br>
+              <a:rPr lang="en-US" altLang="en-US" sz="2900" dirty="0">
+                <a:solidFill>
+                  <a:schemeClr val="bg1"/>
+                </a:solidFill>
+              </a:rPr>
+            </a:br>
+            <a:endParaRPr lang="en-US" sz="2900" dirty="0">
+              <a:solidFill>
+                <a:schemeClr val="bg1"/>
+              </a:solidFill>
+            </a:endParaRPr>
           </a:p>
         </p:txBody>
       </p:sp>
       <p:sp>
         <p:nvSpPr>
-          <p:cNvPr id="3" name="Subtitle 2">
+          <p:cNvPr id="7" name="Subtitle 6">
             <a:extLst>
               <a:ext uri="{FF2B5EF4-FFF2-40B4-BE49-F238E27FC236}">
-                <a16:creationId xmlns:a16="http://schemas.microsoft.com/office/drawing/2014/main" id="{65DFAD96-313F-4B4C-8518-38E5021C878F}"/>
+                <a16:creationId xmlns:a16="http://schemas.microsoft.com/office/drawing/2014/main" id="{CBA47D24-3166-4DDB-A131-F89CCFB76419}"/>
               </a:ext>
             </a:extLst>
           </p:cNvPr>
@@ -9716,76 +9986,289 @@
         </p:nvSpPr>
         <p:spPr>
           <a:xfrm>
-            <a:off x="1143000" y="4495800"/>
-            <a:ext cx="6858000" cy="1239836"/>
+            <a:off x="358485" y="4872922"/>
+            <a:ext cx="3017519" cy="1208141"/>
           </a:xfrm>
         </p:spPr>
         <p:txBody>
-          <a:bodyPr/>
+          <a:bodyPr vert="horz" lIns="91440" tIns="45720" rIns="91440" bIns="45720" rtlCol="0">
+            <a:normAutofit/>
+          </a:bodyPr>
           <a:lstStyle/>
           <a:p>
-            <a:pPr>
+            <a:pPr algn="l" defTabSz="914400">
               <a:spcBef>
-                <a:spcPts val="800"/>
+                <a:spcPts val="1000"/>
               </a:spcBef>
-              <a:buSzPct val="60000"/>
             </a:pPr>
             <a:r>
-              <a:rPr lang="en-US" altLang="en-US" sz="3200" dirty="0">
-                <a:latin typeface="Arial" panose="020B0604020202020204" pitchFamily="34" charset="0"/>
+              <a:rPr lang="en-US" altLang="en-US" sz="1700" dirty="0">
+                <a:solidFill>
+                  <a:schemeClr val="bg1"/>
+                </a:solidFill>
               </a:rPr>
-              <a:t>Lecture Notes for Chapter 3</a:t>
+              <a:t>by Michael Hahsler </a:t>
             </a:r>
           </a:p>
           <a:p>
-            <a:pPr>
+            <a:pPr algn="l" defTabSz="914400">
               <a:spcBef>
-                <a:spcPts val="700"/>
+                <a:spcPts val="1000"/>
               </a:spcBef>
-              <a:buSzPct val="60000"/>
             </a:pPr>
             <a:r>
-              <a:rPr lang="en-US" altLang="en-US" dirty="0">
-                <a:latin typeface="Arial" panose="020B0604020202020204" pitchFamily="34" charset="0"/>
+              <a:rPr lang="en-US" altLang="en-US" sz="1700" dirty="0">
+                <a:solidFill>
+                  <a:schemeClr val="bg1"/>
+                </a:solidFill>
               </a:rPr>
-              <a:t>Slides by Tan, Steinbach, Kumar adapted by Michael </a:t>
+              <a:t>Based in Slides by </a:t>
             </a:r>
             <a:r>
-              <a:rPr lang="en-US" altLang="en-US" dirty="0" err="1">
-                <a:latin typeface="Arial" panose="020B0604020202020204" pitchFamily="34" charset="0"/>
+              <a:rPr lang="en-US" sz="1700" dirty="0" err="1">
+                <a:solidFill>
+                  <a:schemeClr val="bg1"/>
+                </a:solidFill>
               </a:rPr>
-              <a:t>Hahsler</a:t>
+              <a:t>by</a:t>
             </a:r>
-            <a:endParaRPr lang="en-US" altLang="en-US" sz="1600" dirty="0">
-              <a:latin typeface="Arial" panose="020B0604020202020204" pitchFamily="34" charset="0"/>
+            <a:r>
+              <a:rPr lang="en-US" sz="1700" dirty="0">
+                <a:solidFill>
+                  <a:schemeClr val="bg1"/>
+                </a:solidFill>
+              </a:rPr>
+              <a:t> Tan, Steinbach, </a:t>
+            </a:r>
+            <a:r>
+              <a:rPr lang="en-US" sz="1700" dirty="0" err="1">
+                <a:solidFill>
+                  <a:schemeClr val="bg1"/>
+                </a:solidFill>
+              </a:rPr>
+              <a:t>Karpatne</a:t>
+            </a:r>
+            <a:r>
+              <a:rPr lang="en-US" sz="1700" dirty="0">
+                <a:solidFill>
+                  <a:schemeClr val="bg1"/>
+                </a:solidFill>
+              </a:rPr>
+              <a:t>, Kumar</a:t>
+            </a:r>
+            <a:endParaRPr lang="en-US" altLang="en-US" sz="1700" dirty="0">
+              <a:solidFill>
+                <a:schemeClr val="bg1"/>
+              </a:solidFill>
             </a:endParaRPr>
           </a:p>
           <a:p>
-            <a:endParaRPr lang="en-US" altLang="en-US" sz="1600" dirty="0">
-              <a:latin typeface="Arial" panose="020B0604020202020204" pitchFamily="34" charset="0"/>
+            <a:pPr algn="l" defTabSz="914400">
+              <a:spcBef>
+                <a:spcPts val="1000"/>
+              </a:spcBef>
+            </a:pPr>
+            <a:endParaRPr lang="en-US" sz="1700" dirty="0">
+              <a:solidFill>
+                <a:schemeClr val="bg1"/>
+              </a:solidFill>
             </a:endParaRPr>
-          </a:p>
-          <a:p>
-            <a:endParaRPr lang="en-US" altLang="en-US" sz="1600" dirty="0">
-              <a:latin typeface="Arial" panose="020B0604020202020204" pitchFamily="34" charset="0"/>
-            </a:endParaRPr>
-          </a:p>
-          <a:p>
-            <a:endParaRPr lang="en-US" altLang="en-US" sz="1600" dirty="0">
-              <a:latin typeface="Arial" panose="020B0604020202020204" pitchFamily="34" charset="0"/>
-            </a:endParaRPr>
-          </a:p>
-          <a:p>
-            <a:endParaRPr lang="en-US" dirty="0"/>
           </a:p>
         </p:txBody>
       </p:sp>
+      <p:sp>
+        <p:nvSpPr>
+          <p:cNvPr id="20" name="Rectangle 19">
+            <a:extLst>
+              <a:ext uri="{FF2B5EF4-FFF2-40B4-BE49-F238E27FC236}">
+                <a16:creationId xmlns:a16="http://schemas.microsoft.com/office/drawing/2014/main" id="{AF2F604E-43BE-4DC3-B983-E071523364F8}"/>
+              </a:ext>
+              <a:ext uri="{C183D7F6-B498-43B3-948B-1728B52AA6E4}">
+                <adec:decorative xmlns:adec="http://schemas.microsoft.com/office/drawing/2017/decorative" val="1"/>
+              </a:ext>
+            </a:extLst>
+          </p:cNvPr>
+          <p:cNvSpPr>
+            <a:spLocks noGrp="1" noRot="1" noChangeAspect="1" noMove="1" noResize="1" noEditPoints="1" noAdjustHandles="1" noChangeArrowheads="1" noChangeShapeType="1" noTextEdit="1"/>
+          </p:cNvSpPr>
+          <p:nvPr>
+            <p:extLst>
+              <p:ext uri="{386F3935-93C4-4BCD-93E2-E3B085C9AB24}">
+                <p16:designElem xmlns:p16="http://schemas.microsoft.com/office/powerpoint/2015/main" val="1"/>
+              </p:ext>
+            </p:extLst>
+          </p:nvPr>
+        </p:nvSpPr>
+        <p:spPr>
+          <a:xfrm rot="5400000">
+            <a:off x="551653" y="434802"/>
+            <a:ext cx="146304" cy="528066"/>
+          </a:xfrm>
+          <a:prstGeom prst="rect">
+            <a:avLst/>
+          </a:prstGeom>
+          <a:solidFill>
+            <a:schemeClr val="accent2"/>
+          </a:solidFill>
+          <a:ln>
+            <a:noFill/>
+          </a:ln>
+        </p:spPr>
+        <p:style>
+          <a:lnRef idx="2">
+            <a:schemeClr val="accent1">
+              <a:shade val="50000"/>
+            </a:schemeClr>
+          </a:lnRef>
+          <a:fillRef idx="1">
+            <a:schemeClr val="accent1"/>
+          </a:fillRef>
+          <a:effectRef idx="0">
+            <a:schemeClr val="accent1"/>
+          </a:effectRef>
+          <a:fontRef idx="minor">
+            <a:schemeClr val="lt1"/>
+          </a:fontRef>
+        </p:style>
+        <p:txBody>
+          <a:bodyPr rtlCol="0" anchor="ctr"/>
+          <a:lstStyle/>
+          <a:p>
+            <a:pPr algn="ctr"/>
+            <a:endParaRPr lang="en-US">
+              <a:solidFill>
+                <a:prstClr val="white"/>
+              </a:solidFill>
+              <a:latin typeface="Calibri" panose="020F0502020204030204"/>
+            </a:endParaRPr>
+          </a:p>
+        </p:txBody>
+      </p:sp>
+      <p:sp>
+        <p:nvSpPr>
+          <p:cNvPr id="22" name="Rectangle 21">
+            <a:extLst>
+              <a:ext uri="{FF2B5EF4-FFF2-40B4-BE49-F238E27FC236}">
+                <a16:creationId xmlns:a16="http://schemas.microsoft.com/office/drawing/2014/main" id="{08C9B587-E65E-4B52-B37C-ABEBB6E87928}"/>
+              </a:ext>
+              <a:ext uri="{C183D7F6-B498-43B3-948B-1728B52AA6E4}">
+                <adec:decorative xmlns:adec="http://schemas.microsoft.com/office/drawing/2017/decorative" val="1"/>
+              </a:ext>
+            </a:extLst>
+          </p:cNvPr>
+          <p:cNvSpPr>
+            <a:spLocks noGrp="1" noRot="1" noChangeAspect="1" noMove="1" noResize="1" noEditPoints="1" noAdjustHandles="1" noChangeArrowheads="1" noChangeShapeType="1" noTextEdit="1"/>
+          </p:cNvSpPr>
+          <p:nvPr>
+            <p:extLst>
+              <p:ext uri="{386F3935-93C4-4BCD-93E2-E3B085C9AB24}">
+                <p16:designElem xmlns:p16="http://schemas.microsoft.com/office/powerpoint/2015/main" val="1"/>
+              </p:ext>
+            </p:extLst>
+          </p:nvPr>
+        </p:nvSpPr>
+        <p:spPr>
+          <a:xfrm>
+            <a:off x="360771" y="4546920"/>
+            <a:ext cx="2983230" cy="18288"/>
+          </a:xfrm>
+          <a:prstGeom prst="rect">
+            <a:avLst/>
+          </a:prstGeom>
+          <a:solidFill>
+            <a:schemeClr val="tx1"/>
+          </a:solidFill>
+          <a:ln w="3175">
+            <a:noFill/>
+          </a:ln>
+          <a:effectLst/>
+        </p:spPr>
+        <p:style>
+          <a:lnRef idx="2">
+            <a:schemeClr val="accent1">
+              <a:shade val="50000"/>
+            </a:schemeClr>
+          </a:lnRef>
+          <a:fillRef idx="1">
+            <a:schemeClr val="accent1"/>
+          </a:fillRef>
+          <a:effectRef idx="0">
+            <a:schemeClr val="accent1"/>
+          </a:effectRef>
+          <a:fontRef idx="minor">
+            <a:schemeClr val="lt1"/>
+          </a:fontRef>
+        </p:style>
+        <p:txBody>
+          <a:bodyPr rtlCol="0" anchor="ctr"/>
+          <a:lstStyle/>
+          <a:p>
+            <a:pPr marL="0" marR="0" lvl="0" indent="0" algn="ctr" defTabSz="914400" rtl="0" eaLnBrk="1" fontAlgn="auto" latinLnBrk="0" hangingPunct="1">
+              <a:lnSpc>
+                <a:spcPct val="100000"/>
+              </a:lnSpc>
+              <a:spcBef>
+                <a:spcPts val="0"/>
+              </a:spcBef>
+              <a:spcAft>
+                <a:spcPts val="0"/>
+              </a:spcAft>
+              <a:buClrTx/>
+              <a:buSzTx/>
+              <a:buFontTx/>
+              <a:buNone/>
+              <a:tabLst/>
+              <a:defRPr/>
+            </a:pPr>
+            <a:endParaRPr kumimoji="0" lang="en-US" sz="1800" b="0" i="0" u="none" strike="noStrike" kern="1200" cap="none" spc="0" normalizeH="0" baseline="0" noProof="0">
+              <a:ln>
+                <a:noFill/>
+              </a:ln>
+              <a:solidFill>
+                <a:prstClr val="white"/>
+              </a:solidFill>
+              <a:effectLst/>
+              <a:uLnTx/>
+              <a:uFillTx/>
+              <a:latin typeface="Calibri" panose="020F0502020204030204"/>
+              <a:ea typeface="+mn-ea"/>
+              <a:cs typeface="+mn-cs"/>
+            </a:endParaRPr>
+          </a:p>
+        </p:txBody>
+      </p:sp>
+    </p:spTree>
+  </p:cSld>
+  <p:clrMapOvr>
+    <a:masterClrMapping/>
+  </p:clrMapOvr>
+  <p:transition spd="slow"/>
+</p:sld>
+</file>
+
+<file path=ppt/slides/slide10.xml><?xml version="1.0" encoding="utf-8"?>
+<p:sld xmlns:a="http://schemas.openxmlformats.org/drawingml/2006/main" xmlns:r="http://schemas.openxmlformats.org/officeDocument/2006/relationships" xmlns:p="http://schemas.openxmlformats.org/presentationml/2006/main">
+  <p:cSld>
+    <p:spTree>
+      <p:nvGrpSpPr>
+        <p:cNvPr id="1" name=""/>
+        <p:cNvGrpSpPr/>
+        <p:nvPr/>
+      </p:nvGrpSpPr>
+      <p:grpSpPr>
+        <a:xfrm>
+          <a:off x="0" y="0"/>
+          <a:ext cx="0" cy="0"/>
+          <a:chOff x="0" y="0"/>
+          <a:chExt cx="0" cy="0"/>
+        </a:xfrm>
+      </p:grpSpPr>
       <p:pic>
         <p:nvPicPr>
-          <p:cNvPr id="4099" name="Picture 3">
+          <p:cNvPr id="13316" name="Picture 4">
             <a:extLst>
               <a:ext uri="{FF2B5EF4-FFF2-40B4-BE49-F238E27FC236}">
-                <a16:creationId xmlns:a16="http://schemas.microsoft.com/office/drawing/2014/main" id="{A35F4D11-2324-494D-B0FA-0B50DD55BC7E}"/>
+                <a16:creationId xmlns:a16="http://schemas.microsoft.com/office/drawing/2014/main" id="{38E2721B-97D5-4F70-9D0A-E9E433E4C3F6}"/>
               </a:ext>
             </a:extLst>
           </p:cNvPr>
@@ -9809,8 +10292,8 @@
         </p:blipFill>
         <p:spPr bwMode="auto">
           <a:xfrm>
-            <a:off x="682625" y="1873250"/>
-            <a:ext cx="7699375" cy="2393950"/>
+            <a:off x="1589256" y="4191000"/>
+            <a:ext cx="5268744" cy="2073274"/>
           </a:xfrm>
           <a:prstGeom prst="rect">
             <a:avLst/>
@@ -9854,431 +10337,228 @@
           </a:extLst>
         </p:spPr>
       </p:pic>
-      <p:grpSp>
-        <p:nvGrpSpPr>
-          <p:cNvPr id="4100" name="Group 4">
+      <p:graphicFrame>
+        <p:nvGraphicFramePr>
+          <p:cNvPr id="13315" name="Object 3">
             <a:extLst>
               <a:ext uri="{FF2B5EF4-FFF2-40B4-BE49-F238E27FC236}">
-                <a16:creationId xmlns:a16="http://schemas.microsoft.com/office/drawing/2014/main" id="{65433DE4-9C60-45AC-8732-2FEF8E48C170}"/>
+                <a16:creationId xmlns:a16="http://schemas.microsoft.com/office/drawing/2014/main" id="{79741D28-E26E-4793-AE08-9FD8B66F1BC1}"/>
               </a:ext>
             </a:extLst>
           </p:cNvPr>
-          <p:cNvGrpSpPr>
-            <a:grpSpLocks/>
-          </p:cNvGrpSpPr>
+          <p:cNvGraphicFramePr>
+            <a:graphicFrameLocks noChangeAspect="1"/>
+          </p:cNvGraphicFramePr>
+          <p:nvPr>
+            <p:extLst>
+              <p:ext uri="{D42A27DB-BD31-4B8C-83A1-F6EECF244321}">
+                <p14:modId xmlns:p14="http://schemas.microsoft.com/office/powerpoint/2010/main" val="1756295091"/>
+              </p:ext>
+            </p:extLst>
+          </p:nvPr>
+        </p:nvGraphicFramePr>
+        <p:xfrm>
+          <a:off x="822325" y="1752600"/>
+          <a:ext cx="6505575" cy="1909762"/>
+        </p:xfrm>
+        <a:graphic>
+          <a:graphicData uri="http://schemas.openxmlformats.org/presentationml/2006/ole">
+            <mc:AlternateContent xmlns:mc="http://schemas.openxmlformats.org/markup-compatibility/2006">
+              <mc:Choice xmlns:v="urn:schemas-microsoft-com:vml" Requires="v">
+                <p:oleObj r:id="rId4" imgW="6506280" imgH="1909440" progId="">
+                  <p:embed/>
+                </p:oleObj>
+              </mc:Choice>
+              <mc:Fallback>
+                <p:oleObj r:id="rId4" imgW="6506280" imgH="1909440" progId="">
+                  <p:embed/>
+                  <p:pic>
+                    <p:nvPicPr>
+                      <p:cNvPr id="0" name="Object 3"/>
+                      <p:cNvPicPr>
+                        <a:picLocks noChangeAspect="1" noChangeArrowheads="1"/>
+                      </p:cNvPicPr>
+                      <p:nvPr/>
+                    </p:nvPicPr>
+                    <p:blipFill>
+                      <a:blip r:embed="rId5">
+                        <a:extLst>
+                          <a:ext uri="{28A0092B-C50C-407E-A947-70E740481C1C}">
+                            <a14:useLocalDpi xmlns:a14="http://schemas.microsoft.com/office/drawing/2010/main" val="0"/>
+                          </a:ext>
+                        </a:extLst>
+                      </a:blip>
+                      <a:srcRect/>
+                      <a:stretch>
+                        <a:fillRect/>
+                      </a:stretch>
+                    </p:blipFill>
+                    <p:spPr bwMode="auto">
+                      <a:xfrm>
+                        <a:off x="822325" y="1752600"/>
+                        <a:ext cx="6505575" cy="1909762"/>
+                      </a:xfrm>
+                      <a:prstGeom prst="rect">
+                        <a:avLst/>
+                      </a:prstGeom>
+                      <a:noFill/>
+                      <a:effectLst/>
+                    </p:spPr>
+                  </p:pic>
+                </p:oleObj>
+              </mc:Fallback>
+            </mc:AlternateContent>
+          </a:graphicData>
+        </a:graphic>
+      </p:graphicFrame>
+      <p:sp>
+        <p:nvSpPr>
+          <p:cNvPr id="13313" name="Rectangle 1">
+            <a:extLst>
+              <a:ext uri="{FF2B5EF4-FFF2-40B4-BE49-F238E27FC236}">
+                <a16:creationId xmlns:a16="http://schemas.microsoft.com/office/drawing/2014/main" id="{4DB3A995-39B7-4FE7-A0F6-93F991C4BE6C}"/>
+              </a:ext>
+            </a:extLst>
+          </p:cNvPr>
+          <p:cNvSpPr>
+            <a:spLocks noGrp="1" noChangeArrowheads="1"/>
+          </p:cNvSpPr>
+          <p:nvPr>
+            <p:ph type="title"/>
+          </p:nvPr>
+        </p:nvSpPr>
+        <p:spPr/>
+        <p:txBody>
+          <a:bodyPr/>
+          <a:lstStyle/>
+          <a:p>
+            <a:r>
+              <a:rPr lang="en-US" altLang="en-US"/>
+              <a:t>Measures of Spread: Range and Variance</a:t>
+            </a:r>
+          </a:p>
+        </p:txBody>
+      </p:sp>
+      <p:sp>
+        <p:nvSpPr>
+          <p:cNvPr id="13314" name="Rectangle 2">
+            <a:extLst>
+              <a:ext uri="{FF2B5EF4-FFF2-40B4-BE49-F238E27FC236}">
+                <a16:creationId xmlns:a16="http://schemas.microsoft.com/office/drawing/2014/main" id="{DAAF4BEE-76FA-4B9F-973D-1D40621BDD3B}"/>
+              </a:ext>
+            </a:extLst>
+          </p:cNvPr>
+          <p:cNvSpPr>
+            <a:spLocks noGrp="1" noChangeArrowheads="1"/>
+          </p:cNvSpPr>
+          <p:nvPr>
+            <p:ph idx="1"/>
+          </p:nvPr>
+        </p:nvSpPr>
+        <p:spPr/>
+        <p:txBody>
+          <a:bodyPr/>
+          <a:lstStyle/>
+          <a:p>
+            <a:r>
+              <a:rPr lang="en-US" altLang="en-US" dirty="0"/>
+              <a:t>Range is the difference between the max and min</a:t>
+            </a:r>
+          </a:p>
+          <a:p>
+            <a:r>
+              <a:rPr lang="en-US" altLang="en-US" dirty="0"/>
+              <a:t>The variance or standard deviation is the most common measure of the spread of a set of points. </a:t>
+            </a:r>
+          </a:p>
+          <a:p>
+            <a:endParaRPr lang="en-US" altLang="en-US" dirty="0"/>
+          </a:p>
+          <a:p>
+            <a:endParaRPr lang="en-US" altLang="en-US" dirty="0"/>
+          </a:p>
+          <a:p>
+            <a:r>
+              <a:rPr lang="en-US" altLang="en-US" dirty="0"/>
+              <a:t>However, this is also sensitive to outliers, so that other measures are often used.  </a:t>
+            </a:r>
+          </a:p>
+        </p:txBody>
+      </p:sp>
+      <p:pic>
+        <p:nvPicPr>
+          <p:cNvPr id="13317" name="Picture 5">
+            <a:extLst>
+              <a:ext uri="{FF2B5EF4-FFF2-40B4-BE49-F238E27FC236}">
+                <a16:creationId xmlns:a16="http://schemas.microsoft.com/office/drawing/2014/main" id="{107FC34B-2CA7-41C0-A173-13415875FC9C}"/>
+              </a:ext>
+            </a:extLst>
+          </p:cNvPr>
+          <p:cNvPicPr>
+            <a:picLocks noChangeAspect="1" noChangeArrowheads="1"/>
+          </p:cNvPicPr>
           <p:nvPr/>
-        </p:nvGrpSpPr>
-        <p:grpSpPr bwMode="auto">
+        </p:nvPicPr>
+        <p:blipFill>
+          <a:blip r:embed="rId6">
+            <a:extLst>
+              <a:ext uri="{28A0092B-C50C-407E-A947-70E740481C1C}">
+                <a14:useLocalDpi xmlns:a14="http://schemas.microsoft.com/office/drawing/2010/main" val="0"/>
+              </a:ext>
+            </a:extLst>
+          </a:blip>
+          <a:srcRect/>
+          <a:stretch>
+            <a:fillRect/>
+          </a:stretch>
+        </p:blipFill>
+        <p:spPr bwMode="auto">
           <a:xfrm>
-            <a:off x="4846638" y="5943600"/>
-            <a:ext cx="3656012" cy="730250"/>
-            <a:chOff x="3053" y="3744"/>
-            <a:chExt cx="2303" cy="460"/>
+            <a:off x="7772400" y="6130925"/>
+            <a:ext cx="701675" cy="542925"/>
           </a:xfrm>
-        </p:grpSpPr>
-        <p:pic>
-          <p:nvPicPr>
-            <p:cNvPr id="4101" name="Picture 5">
-              <a:extLst>
-                <a:ext uri="{FF2B5EF4-FFF2-40B4-BE49-F238E27FC236}">
-                  <a16:creationId xmlns:a16="http://schemas.microsoft.com/office/drawing/2014/main" id="{D7C9B866-E971-4B46-80D2-4C53A8C460E7}"/>
-                </a:ext>
-              </a:extLst>
-            </p:cNvPr>
-            <p:cNvPicPr>
-              <a:picLocks noChangeAspect="1" noChangeArrowheads="1"/>
-            </p:cNvPicPr>
-            <p:nvPr/>
-          </p:nvPicPr>
-          <p:blipFill>
-            <a:blip r:embed="rId4">
-              <a:extLst>
-                <a:ext uri="{28A0092B-C50C-407E-A947-70E740481C1C}">
-                  <a14:useLocalDpi xmlns:a14="http://schemas.microsoft.com/office/drawing/2010/main" val="0"/>
-                </a:ext>
-              </a:extLst>
-            </a:blip>
-            <a:srcRect/>
-            <a:stretch>
-              <a:fillRect/>
-            </a:stretch>
-          </p:blipFill>
-          <p:spPr bwMode="auto">
-            <a:xfrm>
-              <a:off x="3110" y="3802"/>
-              <a:ext cx="441" cy="341"/>
-            </a:xfrm>
-            <a:prstGeom prst="rect">
-              <a:avLst/>
-            </a:prstGeom>
+          <a:prstGeom prst="rect">
+            <a:avLst/>
+          </a:prstGeom>
+          <a:noFill/>
+          <a:ln>
             <a:noFill/>
-            <a:ln>
-              <a:noFill/>
-            </a:ln>
-            <a:effectLst/>
-            <a:extLst>
-              <a:ext uri="{909E8E84-426E-40DD-AFC4-6F175D3DCCD1}">
-                <a14:hiddenFill xmlns:a14="http://schemas.microsoft.com/office/drawing/2010/main">
-                  <a:blipFill dpi="0" rotWithShape="0">
-                    <a:blip/>
-                    <a:srcRect/>
-                    <a:stretch>
-                      <a:fillRect/>
-                    </a:stretch>
-                  </a:blipFill>
-                </a14:hiddenFill>
-              </a:ext>
-              <a:ext uri="{91240B29-F687-4F45-9708-019B960494DF}">
-                <a14:hiddenLine xmlns:a14="http://schemas.microsoft.com/office/drawing/2010/main" w="9525" cap="flat">
-                  <a:solidFill>
+          </a:ln>
+          <a:effectLst/>
+          <a:extLst>
+            <a:ext uri="{909E8E84-426E-40DD-AFC4-6F175D3DCCD1}">
+              <a14:hiddenFill xmlns:a14="http://schemas.microsoft.com/office/drawing/2010/main">
+                <a:blipFill dpi="0" rotWithShape="0">
+                  <a:blip/>
+                  <a:srcRect/>
+                  <a:stretch>
+                    <a:fillRect/>
+                  </a:stretch>
+                </a:blipFill>
+              </a14:hiddenFill>
+            </a:ext>
+            <a:ext uri="{91240B29-F687-4F45-9708-019B960494DF}">
+              <a14:hiddenLine xmlns:a14="http://schemas.microsoft.com/office/drawing/2010/main" w="9525" cap="flat">
+                <a:solidFill>
+                  <a:srgbClr val="808080"/>
+                </a:solidFill>
+                <a:round/>
+                <a:headEnd/>
+                <a:tailEnd/>
+              </a14:hiddenLine>
+            </a:ext>
+            <a:ext uri="{AF507438-7753-43E0-B8FC-AC1667EBCBE1}">
+              <a14:hiddenEffects xmlns:a14="http://schemas.microsoft.com/office/drawing/2010/main">
+                <a:effectLst>
+                  <a:outerShdw dist="35921" dir="2700000" algn="ctr" rotWithShape="0">
                     <a:srgbClr val="808080"/>
-                  </a:solidFill>
-                  <a:round/>
-                  <a:headEnd/>
-                  <a:tailEnd/>
-                </a14:hiddenLine>
-              </a:ext>
-              <a:ext uri="{AF507438-7753-43E0-B8FC-AC1667EBCBE1}">
-                <a14:hiddenEffects xmlns:a14="http://schemas.microsoft.com/office/drawing/2010/main">
-                  <a:effectLst>
-                    <a:outerShdw dist="35921" dir="2700000" algn="ctr" rotWithShape="0">
-                      <a:srgbClr val="808080"/>
-                    </a:outerShdw>
-                  </a:effectLst>
-                </a14:hiddenEffects>
-              </a:ext>
-            </a:extLst>
-          </p:spPr>
-        </p:pic>
-        <p:sp>
-          <p:nvSpPr>
-            <p:cNvPr id="4102" name="Rectangle 6">
-              <a:extLst>
-                <a:ext uri="{FF2B5EF4-FFF2-40B4-BE49-F238E27FC236}">
-                  <a16:creationId xmlns:a16="http://schemas.microsoft.com/office/drawing/2014/main" id="{F58A8A69-2460-48B9-82F0-6050BAE0362C}"/>
-                </a:ext>
-              </a:extLst>
-            </p:cNvPr>
-            <p:cNvSpPr>
-              <a:spLocks noChangeArrowheads="1"/>
-            </p:cNvSpPr>
-            <p:nvPr/>
-          </p:nvSpPr>
-          <p:spPr bwMode="auto">
-            <a:xfrm>
-              <a:off x="3053" y="3744"/>
-              <a:ext cx="2303" cy="460"/>
-            </a:xfrm>
-            <a:prstGeom prst="rect">
-              <a:avLst/>
-            </a:prstGeom>
-            <a:noFill/>
-            <a:ln w="18360" cap="flat">
-              <a:solidFill>
-                <a:srgbClr val="808080"/>
-              </a:solidFill>
-              <a:round/>
-              <a:headEnd/>
-              <a:tailEnd/>
-            </a:ln>
-            <a:effectLst/>
-            <a:extLst>
-              <a:ext uri="{909E8E84-426E-40DD-AFC4-6F175D3DCCD1}">
-                <a14:hiddenFill xmlns:a14="http://schemas.microsoft.com/office/drawing/2010/main">
-                  <a:solidFill>
-                    <a:srgbClr val="FFFFFF"/>
-                  </a:solidFill>
-                </a14:hiddenFill>
-              </a:ext>
-              <a:ext uri="{AF507438-7753-43E0-B8FC-AC1667EBCBE1}">
-                <a14:hiddenEffects xmlns:a14="http://schemas.microsoft.com/office/drawing/2010/main">
-                  <a:effectLst>
-                    <a:outerShdw dist="35921" dir="2700000" algn="ctr" rotWithShape="0">
-                      <a:srgbClr val="808080"/>
-                    </a:outerShdw>
-                  </a:effectLst>
-                </a14:hiddenEffects>
-              </a:ext>
-            </a:extLst>
-          </p:spPr>
-          <p:txBody>
-            <a:bodyPr wrap="none" lIns="99000" tIns="54000" rIns="99000" bIns="54000" anchor="ctr"/>
-            <a:lstStyle>
-              <a:lvl1pPr>
-                <a:tabLst>
-                  <a:tab pos="0" algn="l"/>
-                  <a:tab pos="914400" algn="l"/>
-                  <a:tab pos="1828800" algn="l"/>
-                  <a:tab pos="2743200" algn="l"/>
-                  <a:tab pos="3657600" algn="l"/>
-                  <a:tab pos="4572000" algn="l"/>
-                  <a:tab pos="5486400" algn="l"/>
-                  <a:tab pos="6400800" algn="l"/>
-                  <a:tab pos="7315200" algn="l"/>
-                  <a:tab pos="8229600" algn="l"/>
-                  <a:tab pos="9144000" algn="l"/>
-                  <a:tab pos="10058400" algn="l"/>
-                </a:tabLst>
-                <a:defRPr sz="2400">
-                  <a:solidFill>
-                    <a:srgbClr val="000000"/>
-                  </a:solidFill>
-                  <a:latin typeface="Times New Roman" panose="02020603050405020304" pitchFamily="18" charset="0"/>
-                  <a:cs typeface="DejaVu Sans" charset="0"/>
-                </a:defRPr>
-              </a:lvl1pPr>
-              <a:lvl2pPr>
-                <a:tabLst>
-                  <a:tab pos="0" algn="l"/>
-                  <a:tab pos="914400" algn="l"/>
-                  <a:tab pos="1828800" algn="l"/>
-                  <a:tab pos="2743200" algn="l"/>
-                  <a:tab pos="3657600" algn="l"/>
-                  <a:tab pos="4572000" algn="l"/>
-                  <a:tab pos="5486400" algn="l"/>
-                  <a:tab pos="6400800" algn="l"/>
-                  <a:tab pos="7315200" algn="l"/>
-                  <a:tab pos="8229600" algn="l"/>
-                  <a:tab pos="9144000" algn="l"/>
-                  <a:tab pos="10058400" algn="l"/>
-                </a:tabLst>
-                <a:defRPr sz="2400">
-                  <a:solidFill>
-                    <a:srgbClr val="000000"/>
-                  </a:solidFill>
-                  <a:latin typeface="Times New Roman" panose="02020603050405020304" pitchFamily="18" charset="0"/>
-                  <a:cs typeface="DejaVu Sans" charset="0"/>
-                </a:defRPr>
-              </a:lvl2pPr>
-              <a:lvl3pPr>
-                <a:tabLst>
-                  <a:tab pos="0" algn="l"/>
-                  <a:tab pos="914400" algn="l"/>
-                  <a:tab pos="1828800" algn="l"/>
-                  <a:tab pos="2743200" algn="l"/>
-                  <a:tab pos="3657600" algn="l"/>
-                  <a:tab pos="4572000" algn="l"/>
-                  <a:tab pos="5486400" algn="l"/>
-                  <a:tab pos="6400800" algn="l"/>
-                  <a:tab pos="7315200" algn="l"/>
-                  <a:tab pos="8229600" algn="l"/>
-                  <a:tab pos="9144000" algn="l"/>
-                  <a:tab pos="10058400" algn="l"/>
-                </a:tabLst>
-                <a:defRPr sz="2400">
-                  <a:solidFill>
-                    <a:srgbClr val="000000"/>
-                  </a:solidFill>
-                  <a:latin typeface="Times New Roman" panose="02020603050405020304" pitchFamily="18" charset="0"/>
-                  <a:cs typeface="DejaVu Sans" charset="0"/>
-                </a:defRPr>
-              </a:lvl3pPr>
-              <a:lvl4pPr>
-                <a:tabLst>
-                  <a:tab pos="0" algn="l"/>
-                  <a:tab pos="914400" algn="l"/>
-                  <a:tab pos="1828800" algn="l"/>
-                  <a:tab pos="2743200" algn="l"/>
-                  <a:tab pos="3657600" algn="l"/>
-                  <a:tab pos="4572000" algn="l"/>
-                  <a:tab pos="5486400" algn="l"/>
-                  <a:tab pos="6400800" algn="l"/>
-                  <a:tab pos="7315200" algn="l"/>
-                  <a:tab pos="8229600" algn="l"/>
-                  <a:tab pos="9144000" algn="l"/>
-                  <a:tab pos="10058400" algn="l"/>
-                </a:tabLst>
-                <a:defRPr sz="2400">
-                  <a:solidFill>
-                    <a:srgbClr val="000000"/>
-                  </a:solidFill>
-                  <a:latin typeface="Times New Roman" panose="02020603050405020304" pitchFamily="18" charset="0"/>
-                  <a:cs typeface="DejaVu Sans" charset="0"/>
-                </a:defRPr>
-              </a:lvl4pPr>
-              <a:lvl5pPr>
-                <a:tabLst>
-                  <a:tab pos="0" algn="l"/>
-                  <a:tab pos="914400" algn="l"/>
-                  <a:tab pos="1828800" algn="l"/>
-                  <a:tab pos="2743200" algn="l"/>
-                  <a:tab pos="3657600" algn="l"/>
-                  <a:tab pos="4572000" algn="l"/>
-                  <a:tab pos="5486400" algn="l"/>
-                  <a:tab pos="6400800" algn="l"/>
-                  <a:tab pos="7315200" algn="l"/>
-                  <a:tab pos="8229600" algn="l"/>
-                  <a:tab pos="9144000" algn="l"/>
-                  <a:tab pos="10058400" algn="l"/>
-                </a:tabLst>
-                <a:defRPr sz="2400">
-                  <a:solidFill>
-                    <a:srgbClr val="000000"/>
-                  </a:solidFill>
-                  <a:latin typeface="Times New Roman" panose="02020603050405020304" pitchFamily="18" charset="0"/>
-                  <a:cs typeface="DejaVu Sans" charset="0"/>
-                </a:defRPr>
-              </a:lvl5pPr>
-              <a:lvl6pPr marL="2514600" indent="-228600" defTabSz="457200" eaLnBrk="0" fontAlgn="base" hangingPunct="0">
-                <a:spcBef>
-                  <a:spcPct val="0"/>
-                </a:spcBef>
-                <a:spcAft>
-                  <a:spcPct val="0"/>
-                </a:spcAft>
-                <a:buClr>
-                  <a:srgbClr val="000000"/>
-                </a:buClr>
-                <a:buSzPct val="100000"/>
-                <a:buFont typeface="Times New Roman" panose="02020603050405020304" pitchFamily="18" charset="0"/>
-                <a:tabLst>
-                  <a:tab pos="0" algn="l"/>
-                  <a:tab pos="914400" algn="l"/>
-                  <a:tab pos="1828800" algn="l"/>
-                  <a:tab pos="2743200" algn="l"/>
-                  <a:tab pos="3657600" algn="l"/>
-                  <a:tab pos="4572000" algn="l"/>
-                  <a:tab pos="5486400" algn="l"/>
-                  <a:tab pos="6400800" algn="l"/>
-                  <a:tab pos="7315200" algn="l"/>
-                  <a:tab pos="8229600" algn="l"/>
-                  <a:tab pos="9144000" algn="l"/>
-                  <a:tab pos="10058400" algn="l"/>
-                </a:tabLst>
-                <a:defRPr sz="2400">
-                  <a:solidFill>
-                    <a:srgbClr val="000000"/>
-                  </a:solidFill>
-                  <a:latin typeface="Times New Roman" panose="02020603050405020304" pitchFamily="18" charset="0"/>
-                  <a:cs typeface="DejaVu Sans" charset="0"/>
-                </a:defRPr>
-              </a:lvl6pPr>
-              <a:lvl7pPr marL="2971800" indent="-228600" defTabSz="457200" eaLnBrk="0" fontAlgn="base" hangingPunct="0">
-                <a:spcBef>
-                  <a:spcPct val="0"/>
-                </a:spcBef>
-                <a:spcAft>
-                  <a:spcPct val="0"/>
-                </a:spcAft>
-                <a:buClr>
-                  <a:srgbClr val="000000"/>
-                </a:buClr>
-                <a:buSzPct val="100000"/>
-                <a:buFont typeface="Times New Roman" panose="02020603050405020304" pitchFamily="18" charset="0"/>
-                <a:tabLst>
-                  <a:tab pos="0" algn="l"/>
-                  <a:tab pos="914400" algn="l"/>
-                  <a:tab pos="1828800" algn="l"/>
-                  <a:tab pos="2743200" algn="l"/>
-                  <a:tab pos="3657600" algn="l"/>
-                  <a:tab pos="4572000" algn="l"/>
-                  <a:tab pos="5486400" algn="l"/>
-                  <a:tab pos="6400800" algn="l"/>
-                  <a:tab pos="7315200" algn="l"/>
-                  <a:tab pos="8229600" algn="l"/>
-                  <a:tab pos="9144000" algn="l"/>
-                  <a:tab pos="10058400" algn="l"/>
-                </a:tabLst>
-                <a:defRPr sz="2400">
-                  <a:solidFill>
-                    <a:srgbClr val="000000"/>
-                  </a:solidFill>
-                  <a:latin typeface="Times New Roman" panose="02020603050405020304" pitchFamily="18" charset="0"/>
-                  <a:cs typeface="DejaVu Sans" charset="0"/>
-                </a:defRPr>
-              </a:lvl7pPr>
-              <a:lvl8pPr marL="3429000" indent="-228600" defTabSz="457200" eaLnBrk="0" fontAlgn="base" hangingPunct="0">
-                <a:spcBef>
-                  <a:spcPct val="0"/>
-                </a:spcBef>
-                <a:spcAft>
-                  <a:spcPct val="0"/>
-                </a:spcAft>
-                <a:buClr>
-                  <a:srgbClr val="000000"/>
-                </a:buClr>
-                <a:buSzPct val="100000"/>
-                <a:buFont typeface="Times New Roman" panose="02020603050405020304" pitchFamily="18" charset="0"/>
-                <a:tabLst>
-                  <a:tab pos="0" algn="l"/>
-                  <a:tab pos="914400" algn="l"/>
-                  <a:tab pos="1828800" algn="l"/>
-                  <a:tab pos="2743200" algn="l"/>
-                  <a:tab pos="3657600" algn="l"/>
-                  <a:tab pos="4572000" algn="l"/>
-                  <a:tab pos="5486400" algn="l"/>
-                  <a:tab pos="6400800" algn="l"/>
-                  <a:tab pos="7315200" algn="l"/>
-                  <a:tab pos="8229600" algn="l"/>
-                  <a:tab pos="9144000" algn="l"/>
-                  <a:tab pos="10058400" algn="l"/>
-                </a:tabLst>
-                <a:defRPr sz="2400">
-                  <a:solidFill>
-                    <a:srgbClr val="000000"/>
-                  </a:solidFill>
-                  <a:latin typeface="Times New Roman" panose="02020603050405020304" pitchFamily="18" charset="0"/>
-                  <a:cs typeface="DejaVu Sans" charset="0"/>
-                </a:defRPr>
-              </a:lvl8pPr>
-              <a:lvl9pPr marL="3886200" indent="-228600" defTabSz="457200" eaLnBrk="0" fontAlgn="base" hangingPunct="0">
-                <a:spcBef>
-                  <a:spcPct val="0"/>
-                </a:spcBef>
-                <a:spcAft>
-                  <a:spcPct val="0"/>
-                </a:spcAft>
-                <a:buClr>
-                  <a:srgbClr val="000000"/>
-                </a:buClr>
-                <a:buSzPct val="100000"/>
-                <a:buFont typeface="Times New Roman" panose="02020603050405020304" pitchFamily="18" charset="0"/>
-                <a:tabLst>
-                  <a:tab pos="0" algn="l"/>
-                  <a:tab pos="914400" algn="l"/>
-                  <a:tab pos="1828800" algn="l"/>
-                  <a:tab pos="2743200" algn="l"/>
-                  <a:tab pos="3657600" algn="l"/>
-                  <a:tab pos="4572000" algn="l"/>
-                  <a:tab pos="5486400" algn="l"/>
-                  <a:tab pos="6400800" algn="l"/>
-                  <a:tab pos="7315200" algn="l"/>
-                  <a:tab pos="8229600" algn="l"/>
-                  <a:tab pos="9144000" algn="l"/>
-                  <a:tab pos="10058400" algn="l"/>
-                </a:tabLst>
-                <a:defRPr sz="2400">
-                  <a:solidFill>
-                    <a:srgbClr val="000000"/>
-                  </a:solidFill>
-                  <a:latin typeface="Times New Roman" panose="02020603050405020304" pitchFamily="18" charset="0"/>
-                  <a:cs typeface="DejaVu Sans" charset="0"/>
-                </a:defRPr>
-              </a:lvl9pPr>
-            </a:lstStyle>
-            <a:p>
-              <a:pPr algn="r"/>
-              <a:r>
-                <a:rPr lang="en-US" altLang="en-US" sz="1600" i="1" dirty="0">
-                  <a:latin typeface="Arial" panose="020B0604020202020204" pitchFamily="34" charset="0"/>
-                </a:rPr>
-                <a:t>	Look for accompanying R </a:t>
-              </a:r>
-              <a:br>
-                <a:rPr lang="en-US" altLang="en-US" sz="1600" i="1" dirty="0">
-                  <a:latin typeface="Arial" panose="020B0604020202020204" pitchFamily="34" charset="0"/>
-                </a:rPr>
-              </a:br>
-              <a:r>
-                <a:rPr lang="en-US" altLang="en-US" sz="1600" i="1" dirty="0">
-                  <a:latin typeface="Arial" panose="020B0604020202020204" pitchFamily="34" charset="0"/>
-                </a:rPr>
-                <a:t>   	code on the course web site.</a:t>
-              </a:r>
-            </a:p>
-          </p:txBody>
-        </p:sp>
-      </p:grpSp>
+                  </a:outerShdw>
+                </a:effectLst>
+              </a14:hiddenEffects>
+            </a:ext>
+          </a:extLst>
+        </p:spPr>
+      </p:pic>
     </p:spTree>
   </p:cSld>
   <p:clrMapOvr>
@@ -10315,7 +10595,7 @@
 </p:sld>
 </file>
 
-<file path=ppt/slides/slide10.xml><?xml version="1.0" encoding="utf-8"?>
+<file path=ppt/slides/slide11.xml><?xml version="1.0" encoding="utf-8"?>
 <p:sld xmlns:a="http://schemas.openxmlformats.org/drawingml/2006/main" xmlns:r="http://schemas.openxmlformats.org/officeDocument/2006/relationships" xmlns:p="http://schemas.openxmlformats.org/presentationml/2006/main">
   <p:cSld>
     <p:spTree>
@@ -10656,7 +10936,7 @@
 </p:sld>
 </file>
 
-<file path=ppt/slides/slide11.xml><?xml version="1.0" encoding="utf-8"?>
+<file path=ppt/slides/slide12.xml><?xml version="1.0" encoding="utf-8"?>
 <p:sld xmlns:a="http://schemas.openxmlformats.org/drawingml/2006/main" xmlns:r="http://schemas.openxmlformats.org/officeDocument/2006/relationships" xmlns:p="http://schemas.openxmlformats.org/presentationml/2006/main">
   <p:cSld>
     <p:spTree>
@@ -10748,12 +11028,12 @@
           <a:graphicData uri="http://schemas.openxmlformats.org/presentationml/2006/ole">
             <mc:AlternateContent xmlns:mc="http://schemas.openxmlformats.org/markup-compatibility/2006">
               <mc:Choice xmlns:v="urn:schemas-microsoft-com:vml" Requires="v">
-                <p:oleObj spid="_x0000_s15383" r:id="rId4" imgW="236520" imgH="201960" progId="">
+                <p:oleObj r:id="rId3" imgW="236520" imgH="201960" progId="">
                   <p:embed/>
                 </p:oleObj>
               </mc:Choice>
               <mc:Fallback>
-                <p:oleObj r:id="rId4" imgW="236520" imgH="201960" progId="">
+                <p:oleObj r:id="rId3" imgW="236520" imgH="201960" progId="">
                   <p:embed/>
                   <p:pic>
                     <p:nvPicPr>
@@ -10764,7 +11044,7 @@
                       <p:nvPr/>
                     </p:nvPicPr>
                     <p:blipFill>
-                      <a:blip r:embed="rId5">
+                      <a:blip r:embed="rId4">
                         <a:extLst>
                           <a:ext uri="{28A0092B-C50C-407E-A947-70E740481C1C}">
                             <a14:useLocalDpi xmlns:a14="http://schemas.microsoft.com/office/drawing/2010/main" val="0"/>
@@ -10838,12 +11118,12 @@
           <a:graphicData uri="http://schemas.openxmlformats.org/presentationml/2006/ole">
             <mc:AlternateContent xmlns:mc="http://schemas.openxmlformats.org/markup-compatibility/2006">
               <mc:Choice xmlns:v="urn:schemas-microsoft-com:vml" Requires="v">
-                <p:oleObj spid="_x0000_s15384" r:id="rId6" imgW="236520" imgH="201960" progId="">
+                <p:oleObj r:id="rId5" imgW="236520" imgH="201960" progId="">
                   <p:embed/>
                 </p:oleObj>
               </mc:Choice>
               <mc:Fallback>
-                <p:oleObj r:id="rId6" imgW="236520" imgH="201960" progId="">
+                <p:oleObj r:id="rId5" imgW="236520" imgH="201960" progId="">
                   <p:embed/>
                   <p:pic>
                     <p:nvPicPr>
@@ -10854,7 +11134,7 @@
                       <p:nvPr/>
                     </p:nvPicPr>
                     <p:blipFill>
-                      <a:blip r:embed="rId5">
+                      <a:blip r:embed="rId4">
                         <a:extLst>
                           <a:ext uri="{28A0092B-C50C-407E-A947-70E740481C1C}">
                             <a14:useLocalDpi xmlns:a14="http://schemas.microsoft.com/office/drawing/2010/main" val="0"/>
@@ -10921,7 +11201,7 @@
           <p:nvPr/>
         </p:nvPicPr>
         <p:blipFill>
-          <a:blip r:embed="rId7">
+          <a:blip r:embed="rId6">
             <a:extLst>
               <a:ext uri="{28A0092B-C50C-407E-A947-70E740481C1C}">
                 <a14:useLocalDpi xmlns:a14="http://schemas.microsoft.com/office/drawing/2010/main" val="0"/>
@@ -11402,7 +11682,7 @@
           <p:nvPr/>
         </p:nvPicPr>
         <p:blipFill>
-          <a:blip r:embed="rId8">
+          <a:blip r:embed="rId7">
             <a:extLst>
               <a:ext uri="{28A0092B-C50C-407E-A947-70E740481C1C}">
                 <a14:useLocalDpi xmlns:a14="http://schemas.microsoft.com/office/drawing/2010/main" val="0"/>
@@ -11497,7 +11777,7 @@
 </p:sld>
 </file>
 
-<file path=ppt/slides/slide12.xml><?xml version="1.0" encoding="utf-8"?>
+<file path=ppt/slides/slide13.xml><?xml version="1.0" encoding="utf-8"?>
 <p:sld xmlns:a="http://schemas.openxmlformats.org/drawingml/2006/main" xmlns:r="http://schemas.openxmlformats.org/officeDocument/2006/relationships" xmlns:p="http://schemas.openxmlformats.org/presentationml/2006/main">
   <p:cSld>
     <p:spTree>
@@ -16797,7 +17077,7 @@
           <a:graphicData uri="http://schemas.openxmlformats.org/presentationml/2006/ole">
             <mc:AlternateContent xmlns:mc="http://schemas.openxmlformats.org/markup-compatibility/2006">
               <mc:Choice xmlns:v="urn:schemas-microsoft-com:vml" Requires="v">
-                <p:oleObj spid="_x0000_s16420" r:id="rId5" imgW="3776760" imgH="659880" progId="">
+                <p:oleObj r:id="rId5" imgW="3776760" imgH="659880" progId="">
                   <p:embed/>
                 </p:oleObj>
               </mc:Choice>
@@ -16871,7 +17151,7 @@
           <a:graphicData uri="http://schemas.openxmlformats.org/presentationml/2006/ole">
             <mc:AlternateContent xmlns:mc="http://schemas.openxmlformats.org/markup-compatibility/2006">
               <mc:Choice xmlns:v="urn:schemas-microsoft-com:vml" Requires="v">
-                <p:oleObj spid="_x0000_s16421" r:id="rId7" imgW="992160" imgH="740520" progId="">
+                <p:oleObj r:id="rId7" imgW="992160" imgH="740520" progId="">
                   <p:embed/>
                 </p:oleObj>
               </mc:Choice>
@@ -16953,7 +17233,7 @@
 </p:sld>
 </file>
 
-<file path=ppt/slides/slide13.xml><?xml version="1.0" encoding="utf-8"?>
+<file path=ppt/slides/slide14.xml><?xml version="1.0" encoding="utf-8"?>
 <p:sld xmlns:a="http://schemas.openxmlformats.org/drawingml/2006/main" xmlns:r="http://schemas.openxmlformats.org/officeDocument/2006/relationships" xmlns:p="http://schemas.openxmlformats.org/presentationml/2006/main">
   <p:cSld>
     <p:bg>
@@ -17458,7 +17738,7 @@
 </p:sld>
 </file>
 
-<file path=ppt/slides/slide14.xml><?xml version="1.0" encoding="utf-8"?>
+<file path=ppt/slides/slide15.xml><?xml version="1.0" encoding="utf-8"?>
 <p:sld xmlns:a="http://schemas.openxmlformats.org/drawingml/2006/main" xmlns:r="http://schemas.openxmlformats.org/officeDocument/2006/relationships" xmlns:p="http://schemas.openxmlformats.org/presentationml/2006/main">
   <p:cSld>
     <p:spTree>
@@ -17609,7 +17889,7 @@
 </p:sld>
 </file>
 
-<file path=ppt/slides/slide15.xml><?xml version="1.0" encoding="utf-8"?>
+<file path=ppt/slides/slide16.xml><?xml version="1.0" encoding="utf-8"?>
 <p:sld xmlns:a="http://schemas.openxmlformats.org/drawingml/2006/main" xmlns:r="http://schemas.openxmlformats.org/officeDocument/2006/relationships" xmlns:p="http://schemas.openxmlformats.org/presentationml/2006/main">
   <p:cSld>
     <p:spTree>
@@ -17798,7 +18078,7 @@
 </p:sld>
 </file>
 
-<file path=ppt/slides/slide16.xml><?xml version="1.0" encoding="utf-8"?>
+<file path=ppt/slides/slide17.xml><?xml version="1.0" encoding="utf-8"?>
 <p:sld xmlns:a="http://schemas.openxmlformats.org/drawingml/2006/main" xmlns:r="http://schemas.openxmlformats.org/officeDocument/2006/relationships" xmlns:p="http://schemas.openxmlformats.org/presentationml/2006/main">
   <p:cSld>
     <p:spTree>
@@ -17940,7 +18220,7 @@
 </p:sld>
 </file>
 
-<file path=ppt/slides/slide17.xml><?xml version="1.0" encoding="utf-8"?>
+<file path=ppt/slides/slide18.xml><?xml version="1.0" encoding="utf-8"?>
 <p:sld xmlns:a="http://schemas.openxmlformats.org/drawingml/2006/main" xmlns:r="http://schemas.openxmlformats.org/officeDocument/2006/relationships" xmlns:p="http://schemas.openxmlformats.org/presentationml/2006/main">
   <p:cSld>
     <p:spTree>
@@ -18142,7 +18422,7 @@
 </p:sld>
 </file>
 
-<file path=ppt/slides/slide18.xml><?xml version="1.0" encoding="utf-8"?>
+<file path=ppt/slides/slide19.xml><?xml version="1.0" encoding="utf-8"?>
 <p:sld xmlns:a="http://schemas.openxmlformats.org/drawingml/2006/main" xmlns:r="http://schemas.openxmlformats.org/officeDocument/2006/relationships" xmlns:p="http://schemas.openxmlformats.org/presentationml/2006/main" show="0">
   <p:cSld>
     <p:spTree>
@@ -18301,7 +18581,253 @@
 </p:sld>
 </file>
 
-<file path=ppt/slides/slide19.xml><?xml version="1.0" encoding="utf-8"?>
+<file path=ppt/slides/slide2.xml><?xml version="1.0" encoding="utf-8"?>
+<p:sld xmlns:a="http://schemas.openxmlformats.org/drawingml/2006/main" xmlns:r="http://schemas.openxmlformats.org/officeDocument/2006/relationships" xmlns:p="http://schemas.openxmlformats.org/presentationml/2006/main">
+  <p:cSld>
+    <p:spTree>
+      <p:nvGrpSpPr>
+        <p:cNvPr id="1" name=""/>
+        <p:cNvGrpSpPr/>
+        <p:nvPr/>
+      </p:nvGrpSpPr>
+      <p:grpSpPr>
+        <a:xfrm>
+          <a:off x="0" y="0"/>
+          <a:ext cx="0" cy="0"/>
+          <a:chOff x="0" y="0"/>
+          <a:chExt cx="0" cy="0"/>
+        </a:xfrm>
+      </p:grpSpPr>
+      <p:sp>
+        <p:nvSpPr>
+          <p:cNvPr id="2" name="Title 1">
+            <a:extLst>
+              <a:ext uri="{FF2B5EF4-FFF2-40B4-BE49-F238E27FC236}">
+                <a16:creationId xmlns:a16="http://schemas.microsoft.com/office/drawing/2014/main" id="{F0653030-919F-5DF8-93C0-1C7D8EAD3631}"/>
+              </a:ext>
+            </a:extLst>
+          </p:cNvPr>
+          <p:cNvSpPr>
+            <a:spLocks noGrp="1"/>
+          </p:cNvSpPr>
+          <p:nvPr>
+            <p:ph type="title"/>
+          </p:nvPr>
+        </p:nvSpPr>
+        <p:spPr/>
+        <p:txBody>
+          <a:bodyPr/>
+          <a:lstStyle/>
+          <a:p>
+            <a:r>
+              <a:rPr lang="en-US" dirty="0"/>
+              <a:t>R Code Examples</a:t>
+            </a:r>
+          </a:p>
+        </p:txBody>
+      </p:sp>
+      <p:sp>
+        <p:nvSpPr>
+          <p:cNvPr id="3" name="Content Placeholder 2">
+            <a:extLst>
+              <a:ext uri="{FF2B5EF4-FFF2-40B4-BE49-F238E27FC236}">
+                <a16:creationId xmlns:a16="http://schemas.microsoft.com/office/drawing/2014/main" id="{D44B214E-8ED1-4E50-1856-315923B63AC7}"/>
+              </a:ext>
+            </a:extLst>
+          </p:cNvPr>
+          <p:cNvSpPr>
+            <a:spLocks noGrp="1"/>
+          </p:cNvSpPr>
+          <p:nvPr>
+            <p:ph idx="1"/>
+          </p:nvPr>
+        </p:nvSpPr>
+        <p:spPr>
+          <a:xfrm>
+            <a:off x="628650" y="1825625"/>
+            <a:ext cx="7677150" cy="4351338"/>
+          </a:xfrm>
+        </p:spPr>
+        <p:txBody>
+          <a:bodyPr/>
+          <a:lstStyle/>
+          <a:p>
+            <a:r>
+              <a:rPr lang="en-US" dirty="0"/>
+              <a:t>Available R Code examples are indicated </a:t>
+            </a:r>
+            <a:br>
+              <a:rPr lang="en-US" dirty="0"/>
+            </a:br>
+            <a:r>
+              <a:rPr lang="en-US" dirty="0"/>
+              <a:t>on slides by the R logo</a:t>
+            </a:r>
+          </a:p>
+          <a:p>
+            <a:endParaRPr lang="en-US" dirty="0"/>
+          </a:p>
+          <a:p>
+            <a:endParaRPr lang="en-US" dirty="0"/>
+          </a:p>
+          <a:p>
+            <a:pPr marL="0" indent="0">
+              <a:buNone/>
+            </a:pPr>
+            <a:endParaRPr lang="en-US" dirty="0"/>
+          </a:p>
+          <a:p>
+            <a:r>
+              <a:rPr lang="en-US" dirty="0"/>
+              <a:t>The Examples are available at</a:t>
+            </a:r>
+            <a:br>
+              <a:rPr lang="en-US" dirty="0"/>
+            </a:br>
+            <a:r>
+              <a:rPr lang="en-US" sz="1800" dirty="0">
+                <a:hlinkClick r:id="rId2"/>
+              </a:rPr>
+              <a:t>https://mhahsler.github.io/Introduction_to_Data_Mining_R_Examples/</a:t>
+            </a:r>
+            <a:r>
+              <a:rPr lang="en-US" sz="1800" dirty="0"/>
+              <a:t> </a:t>
+            </a:r>
+            <a:endParaRPr lang="en-US" dirty="0"/>
+          </a:p>
+        </p:txBody>
+      </p:sp>
+      <p:pic>
+        <p:nvPicPr>
+          <p:cNvPr id="15" name="Picture 14" descr="A qr code with a blue letter&#10;&#10;Description automatically generated">
+            <a:hlinkClick r:id="rId2"/>
+            <a:extLst>
+              <a:ext uri="{FF2B5EF4-FFF2-40B4-BE49-F238E27FC236}">
+                <a16:creationId xmlns:a16="http://schemas.microsoft.com/office/drawing/2014/main" id="{74805D84-F754-5B49-9101-2D133912FB8A}"/>
+              </a:ext>
+            </a:extLst>
+          </p:cNvPr>
+          <p:cNvPicPr>
+            <a:picLocks noChangeAspect="1"/>
+          </p:cNvPicPr>
+          <p:nvPr/>
+        </p:nvPicPr>
+        <p:blipFill>
+          <a:blip r:embed="rId3">
+            <a:extLst>
+              <a:ext uri="{28A0092B-C50C-407E-A947-70E740481C1C}">
+                <a14:useLocalDpi xmlns:a14="http://schemas.microsoft.com/office/drawing/2010/main" val="0"/>
+              </a:ext>
+            </a:extLst>
+          </a:blip>
+          <a:stretch>
+            <a:fillRect/>
+          </a:stretch>
+        </p:blipFill>
+        <p:spPr>
+          <a:xfrm>
+            <a:off x="3352800" y="4559299"/>
+            <a:ext cx="1885950" cy="1933575"/>
+          </a:xfrm>
+          <a:prstGeom prst="rect">
+            <a:avLst/>
+          </a:prstGeom>
+          <a:ln w="19050">
+            <a:solidFill>
+              <a:schemeClr val="tx1"/>
+            </a:solidFill>
+          </a:ln>
+        </p:spPr>
+      </p:pic>
+      <p:pic>
+        <p:nvPicPr>
+          <p:cNvPr id="4" name="Picture 3">
+            <a:extLst>
+              <a:ext uri="{FF2B5EF4-FFF2-40B4-BE49-F238E27FC236}">
+                <a16:creationId xmlns:a16="http://schemas.microsoft.com/office/drawing/2014/main" id="{E9D618B8-BD22-A4B7-CCE6-B1E3C1C4E52A}"/>
+              </a:ext>
+            </a:extLst>
+          </p:cNvPr>
+          <p:cNvPicPr>
+            <a:picLocks noChangeAspect="1" noChangeArrowheads="1"/>
+          </p:cNvPicPr>
+          <p:nvPr/>
+        </p:nvPicPr>
+        <p:blipFill>
+          <a:blip r:embed="rId4">
+            <a:extLst>
+              <a:ext uri="{28A0092B-C50C-407E-A947-70E740481C1C}">
+                <a14:useLocalDpi xmlns:a14="http://schemas.microsoft.com/office/drawing/2010/main" val="0"/>
+              </a:ext>
+            </a:extLst>
+          </a:blip>
+          <a:srcRect/>
+          <a:stretch>
+            <a:fillRect/>
+          </a:stretch>
+        </p:blipFill>
+        <p:spPr bwMode="auto">
+          <a:xfrm>
+            <a:off x="3765550" y="2438400"/>
+            <a:ext cx="701675" cy="542925"/>
+          </a:xfrm>
+          <a:prstGeom prst="rect">
+            <a:avLst/>
+          </a:prstGeom>
+          <a:noFill/>
+          <a:ln>
+            <a:noFill/>
+          </a:ln>
+          <a:effectLst/>
+          <a:extLst>
+            <a:ext uri="{909E8E84-426E-40DD-AFC4-6F175D3DCCD1}">
+              <a14:hiddenFill xmlns:a14="http://schemas.microsoft.com/office/drawing/2010/main">
+                <a:blipFill dpi="0" rotWithShape="0">
+                  <a:blip/>
+                  <a:srcRect/>
+                  <a:stretch>
+                    <a:fillRect/>
+                  </a:stretch>
+                </a:blipFill>
+              </a14:hiddenFill>
+            </a:ext>
+            <a:ext uri="{91240B29-F687-4F45-9708-019B960494DF}">
+              <a14:hiddenLine xmlns:a14="http://schemas.microsoft.com/office/drawing/2010/main" w="9525" cap="flat">
+                <a:solidFill>
+                  <a:srgbClr val="808080"/>
+                </a:solidFill>
+                <a:round/>
+                <a:headEnd/>
+                <a:tailEnd/>
+              </a14:hiddenLine>
+            </a:ext>
+            <a:ext uri="{AF507438-7753-43E0-B8FC-AC1667EBCBE1}">
+              <a14:hiddenEffects xmlns:a14="http://schemas.microsoft.com/office/drawing/2010/main">
+                <a:effectLst>
+                  <a:outerShdw dist="35921" dir="2700000" algn="ctr" rotWithShape="0">
+                    <a:srgbClr val="808080"/>
+                  </a:outerShdw>
+                </a:effectLst>
+              </a14:hiddenEffects>
+            </a:ext>
+          </a:extLst>
+        </p:spPr>
+      </p:pic>
+    </p:spTree>
+    <p:extLst>
+      <p:ext uri="{BB962C8B-B14F-4D97-AF65-F5344CB8AC3E}">
+        <p14:creationId xmlns:p14="http://schemas.microsoft.com/office/powerpoint/2010/main" val="1282717913"/>
+      </p:ext>
+    </p:extLst>
+  </p:cSld>
+  <p:clrMapOvr>
+    <a:masterClrMapping/>
+  </p:clrMapOvr>
+</p:sld>
+</file>
+
+<file path=ppt/slides/slide20.xml><?xml version="1.0" encoding="utf-8"?>
 <p:sld xmlns:a="http://schemas.openxmlformats.org/drawingml/2006/main" xmlns:r="http://schemas.openxmlformats.org/officeDocument/2006/relationships" xmlns:p="http://schemas.openxmlformats.org/presentationml/2006/main">
   <p:cSld>
     <p:bg>
@@ -19118,512 +19644,7 @@
 </p:sld>
 </file>
 
-<file path=ppt/slides/slide2.xml><?xml version="1.0" encoding="utf-8"?>
-<p:sld xmlns:a="http://schemas.openxmlformats.org/drawingml/2006/main" xmlns:r="http://schemas.openxmlformats.org/officeDocument/2006/relationships" xmlns:p="http://schemas.openxmlformats.org/presentationml/2006/main">
-  <p:cSld>
-    <p:bg>
-      <p:bgPr>
-        <a:solidFill>
-          <a:schemeClr val="bg1"/>
-        </a:solidFill>
-        <a:effectLst/>
-      </p:bgPr>
-    </p:bg>
-    <p:spTree>
-      <p:nvGrpSpPr>
-        <p:cNvPr id="1" name=""/>
-        <p:cNvGrpSpPr/>
-        <p:nvPr/>
-      </p:nvGrpSpPr>
-      <p:grpSpPr>
-        <a:xfrm>
-          <a:off x="0" y="0"/>
-          <a:ext cx="0" cy="0"/>
-          <a:chOff x="0" y="0"/>
-          <a:chExt cx="0" cy="0"/>
-        </a:xfrm>
-      </p:grpSpPr>
-      <p:sp useBgFill="1">
-        <p:nvSpPr>
-          <p:cNvPr id="135" name="Rectangle 134">
-            <a:extLst>
-              <a:ext uri="{FF2B5EF4-FFF2-40B4-BE49-F238E27FC236}">
-                <a16:creationId xmlns:a16="http://schemas.microsoft.com/office/drawing/2014/main" id="{8FC9BE17-9A7B-462D-AE50-3D8777387304}"/>
-              </a:ext>
-              <a:ext uri="{C183D7F6-B498-43B3-948B-1728B52AA6E4}">
-                <adec:decorative xmlns:adec="http://schemas.microsoft.com/office/drawing/2017/decorative" val="1"/>
-              </a:ext>
-            </a:extLst>
-          </p:cNvPr>
-          <p:cNvSpPr>
-            <a:spLocks noGrp="1" noRot="1" noChangeAspect="1" noMove="1" noResize="1" noEditPoints="1" noAdjustHandles="1" noChangeArrowheads="1" noChangeShapeType="1" noTextEdit="1"/>
-          </p:cNvSpPr>
-          <p:nvPr>
-            <p:extLst>
-              <p:ext uri="{386F3935-93C4-4BCD-93E2-E3B085C9AB24}">
-                <p16:designElem xmlns:p16="http://schemas.microsoft.com/office/powerpoint/2015/main" val="1"/>
-              </p:ext>
-            </p:extLst>
-          </p:nvPr>
-        </p:nvSpPr>
-        <p:spPr>
-          <a:xfrm>
-            <a:off x="0" y="0"/>
-            <a:ext cx="9144000" cy="6858000"/>
-          </a:xfrm>
-          <a:prstGeom prst="rect">
-            <a:avLst/>
-          </a:prstGeom>
-          <a:ln>
-            <a:noFill/>
-          </a:ln>
-        </p:spPr>
-        <p:style>
-          <a:lnRef idx="2">
-            <a:schemeClr val="accent1">
-              <a:shade val="50000"/>
-            </a:schemeClr>
-          </a:lnRef>
-          <a:fillRef idx="1">
-            <a:schemeClr val="accent1"/>
-          </a:fillRef>
-          <a:effectRef idx="0">
-            <a:schemeClr val="accent1"/>
-          </a:effectRef>
-          <a:fontRef idx="minor">
-            <a:schemeClr val="lt1"/>
-          </a:fontRef>
-        </p:style>
-        <p:txBody>
-          <a:bodyPr rtlCol="0" anchor="ctr"/>
-          <a:lstStyle/>
-          <a:p>
-            <a:pPr algn="ctr"/>
-            <a:endParaRPr lang="en-US"/>
-          </a:p>
-        </p:txBody>
-      </p:sp>
-      <p:pic>
-        <p:nvPicPr>
-          <p:cNvPr id="17410" name="Picture 2">
-            <a:extLst>
-              <a:ext uri="{FF2B5EF4-FFF2-40B4-BE49-F238E27FC236}">
-                <a16:creationId xmlns:a16="http://schemas.microsoft.com/office/drawing/2014/main" id="{5467FF44-2F2E-4CE3-BF2F-2287483DC32C}"/>
-              </a:ext>
-            </a:extLst>
-          </p:cNvPr>
-          <p:cNvPicPr>
-            <a:picLocks noChangeAspect="1" noChangeArrowheads="1"/>
-          </p:cNvPicPr>
-          <p:nvPr/>
-        </p:nvPicPr>
-        <p:blipFill rotWithShape="1">
-          <a:blip r:embed="rId3">
-            <a:extLst>
-              <a:ext uri="{28A0092B-C50C-407E-A947-70E740481C1C}">
-                <a14:useLocalDpi xmlns:a14="http://schemas.microsoft.com/office/drawing/2010/main" val="0"/>
-              </a:ext>
-            </a:extLst>
-          </a:blip>
-          <a:srcRect l="2286" r="24246" b="2"/>
-          <a:stretch/>
-        </p:blipFill>
-        <p:spPr bwMode="auto">
-          <a:xfrm>
-            <a:off x="2642616" y="10"/>
-            <a:ext cx="6501384" cy="6857990"/>
-          </a:xfrm>
-          <a:prstGeom prst="rect">
-            <a:avLst/>
-          </a:prstGeom>
-          <a:noFill/>
-          <a:extLst>
-            <a:ext uri="{909E8E84-426E-40DD-AFC4-6F175D3DCCD1}">
-              <a14:hiddenFill xmlns:a14="http://schemas.microsoft.com/office/drawing/2010/main">
-                <a:solidFill>
-                  <a:srgbClr val="FFFFFF"/>
-                </a:solidFill>
-              </a14:hiddenFill>
-            </a:ext>
-          </a:extLst>
-        </p:spPr>
-      </p:pic>
-      <p:sp>
-        <p:nvSpPr>
-          <p:cNvPr id="137" name="Rectangle 136">
-            <a:extLst>
-              <a:ext uri="{FF2B5EF4-FFF2-40B4-BE49-F238E27FC236}">
-                <a16:creationId xmlns:a16="http://schemas.microsoft.com/office/drawing/2014/main" id="{3EBE8569-6AEC-4B8C-8D53-2DE337CDBA65}"/>
-              </a:ext>
-              <a:ext uri="{C183D7F6-B498-43B3-948B-1728B52AA6E4}">
-                <adec:decorative xmlns:adec="http://schemas.microsoft.com/office/drawing/2017/decorative" val="1"/>
-              </a:ext>
-            </a:extLst>
-          </p:cNvPr>
-          <p:cNvSpPr>
-            <a:spLocks noGrp="1" noRot="1" noChangeAspect="1" noMove="1" noResize="1" noEditPoints="1" noAdjustHandles="1" noChangeArrowheads="1" noChangeShapeType="1" noTextEdit="1"/>
-          </p:cNvSpPr>
-          <p:nvPr>
-            <p:extLst>
-              <p:ext uri="{386F3935-93C4-4BCD-93E2-E3B085C9AB24}">
-                <p16:designElem xmlns:p16="http://schemas.microsoft.com/office/powerpoint/2015/main" val="1"/>
-              </p:ext>
-            </p:extLst>
-          </p:nvPr>
-        </p:nvSpPr>
-        <p:spPr>
-          <a:xfrm>
-            <a:off x="1" y="0"/>
-            <a:ext cx="7317451" cy="6858000"/>
-          </a:xfrm>
-          <a:prstGeom prst="rect">
-            <a:avLst/>
-          </a:prstGeom>
-          <a:gradFill>
-            <a:gsLst>
-              <a:gs pos="58000">
-                <a:schemeClr val="bg1"/>
-              </a:gs>
-              <a:gs pos="35000">
-                <a:schemeClr val="bg1">
-                  <a:alpha val="78000"/>
-                </a:schemeClr>
-              </a:gs>
-              <a:gs pos="19000">
-                <a:schemeClr val="bg1">
-                  <a:alpha val="38000"/>
-                </a:schemeClr>
-              </a:gs>
-              <a:gs pos="0">
-                <a:schemeClr val="bg1">
-                  <a:alpha val="0"/>
-                </a:schemeClr>
-              </a:gs>
-              <a:gs pos="100000">
-                <a:schemeClr val="bg1"/>
-              </a:gs>
-            </a:gsLst>
-            <a:lin ang="10800000" scaled="0"/>
-          </a:gradFill>
-          <a:ln>
-            <a:noFill/>
-          </a:ln>
-        </p:spPr>
-        <p:style>
-          <a:lnRef idx="2">
-            <a:schemeClr val="accent1">
-              <a:shade val="50000"/>
-            </a:schemeClr>
-          </a:lnRef>
-          <a:fillRef idx="1">
-            <a:schemeClr val="accent1"/>
-          </a:fillRef>
-          <a:effectRef idx="0">
-            <a:schemeClr val="accent1"/>
-          </a:effectRef>
-          <a:fontRef idx="minor">
-            <a:schemeClr val="lt1"/>
-          </a:fontRef>
-        </p:style>
-        <p:txBody>
-          <a:bodyPr rtlCol="0" anchor="ctr"/>
-          <a:lstStyle/>
-          <a:p>
-            <a:pPr algn="ctr"/>
-            <a:endParaRPr lang="en-US" dirty="0"/>
-          </a:p>
-        </p:txBody>
-      </p:sp>
-      <p:sp>
-        <p:nvSpPr>
-          <p:cNvPr id="9217" name="Rectangle 1">
-            <a:extLst>
-              <a:ext uri="{FF2B5EF4-FFF2-40B4-BE49-F238E27FC236}">
-                <a16:creationId xmlns:a16="http://schemas.microsoft.com/office/drawing/2014/main" id="{302DF694-6BF2-421C-B98B-42E702E6E682}"/>
-              </a:ext>
-            </a:extLst>
-          </p:cNvPr>
-          <p:cNvSpPr>
-            <a:spLocks noGrp="1" noChangeArrowheads="1"/>
-          </p:cNvSpPr>
-          <p:nvPr>
-            <p:ph type="title"/>
-          </p:nvPr>
-        </p:nvSpPr>
-        <p:spPr>
-          <a:xfrm>
-            <a:off x="278320" y="1161288"/>
-            <a:ext cx="2578608" cy="1124712"/>
-          </a:xfrm>
-        </p:spPr>
-        <p:txBody>
-          <a:bodyPr anchor="b">
-            <a:normAutofit/>
-          </a:bodyPr>
-          <a:lstStyle/>
-          <a:p>
-            <a:r>
-              <a:rPr lang="en-US" altLang="en-US" sz="2400"/>
-              <a:t>Topics</a:t>
-            </a:r>
-          </a:p>
-        </p:txBody>
-      </p:sp>
-      <p:sp>
-        <p:nvSpPr>
-          <p:cNvPr id="139" name="Rectangle 138">
-            <a:extLst>
-              <a:ext uri="{FF2B5EF4-FFF2-40B4-BE49-F238E27FC236}">
-                <a16:creationId xmlns:a16="http://schemas.microsoft.com/office/drawing/2014/main" id="{55D4142C-5077-457F-A6AD-3FECFDB39685}"/>
-              </a:ext>
-              <a:ext uri="{C183D7F6-B498-43B3-948B-1728B52AA6E4}">
-                <adec:decorative xmlns:adec="http://schemas.microsoft.com/office/drawing/2017/decorative" val="1"/>
-              </a:ext>
-            </a:extLst>
-          </p:cNvPr>
-          <p:cNvSpPr>
-            <a:spLocks noGrp="1" noRot="1" noChangeAspect="1" noMove="1" noResize="1" noEditPoints="1" noAdjustHandles="1" noChangeArrowheads="1" noChangeShapeType="1" noTextEdit="1"/>
-          </p:cNvSpPr>
-          <p:nvPr>
-            <p:extLst>
-              <p:ext uri="{386F3935-93C4-4BCD-93E2-E3B085C9AB24}">
-                <p16:designElem xmlns:p16="http://schemas.microsoft.com/office/powerpoint/2015/main" val="1"/>
-              </p:ext>
-            </p:extLst>
-          </p:nvPr>
-        </p:nvSpPr>
-        <p:spPr>
-          <a:xfrm rot="5400000">
-            <a:off x="487775" y="674370"/>
-            <a:ext cx="73152" cy="411480"/>
-          </a:xfrm>
-          <a:prstGeom prst="rect">
-            <a:avLst/>
-          </a:prstGeom>
-          <a:solidFill>
-            <a:schemeClr val="accent2"/>
-          </a:solidFill>
-          <a:ln>
-            <a:noFill/>
-          </a:ln>
-        </p:spPr>
-        <p:style>
-          <a:lnRef idx="2">
-            <a:schemeClr val="accent1">
-              <a:shade val="50000"/>
-            </a:schemeClr>
-          </a:lnRef>
-          <a:fillRef idx="1">
-            <a:schemeClr val="accent1"/>
-          </a:fillRef>
-          <a:effectRef idx="0">
-            <a:schemeClr val="accent1"/>
-          </a:effectRef>
-          <a:fontRef idx="minor">
-            <a:schemeClr val="lt1"/>
-          </a:fontRef>
-        </p:style>
-        <p:txBody>
-          <a:bodyPr rtlCol="0" anchor="ctr"/>
-          <a:lstStyle/>
-          <a:p>
-            <a:pPr algn="ctr"/>
-            <a:endParaRPr lang="en-US">
-              <a:solidFill>
-                <a:prstClr val="white"/>
-              </a:solidFill>
-              <a:latin typeface="Calibri" panose="020F0502020204030204"/>
-            </a:endParaRPr>
-          </a:p>
-        </p:txBody>
-      </p:sp>
-      <p:sp>
-        <p:nvSpPr>
-          <p:cNvPr id="141" name="Rectangle 140">
-            <a:extLst>
-              <a:ext uri="{FF2B5EF4-FFF2-40B4-BE49-F238E27FC236}">
-                <a16:creationId xmlns:a16="http://schemas.microsoft.com/office/drawing/2014/main" id="{7A5F0580-5EE9-419F-96EE-B6529EF6E7D0}"/>
-              </a:ext>
-              <a:ext uri="{C183D7F6-B498-43B3-948B-1728B52AA6E4}">
-                <adec:decorative xmlns:adec="http://schemas.microsoft.com/office/drawing/2017/decorative" val="1"/>
-              </a:ext>
-            </a:extLst>
-          </p:cNvPr>
-          <p:cNvSpPr>
-            <a:spLocks noGrp="1" noRot="1" noChangeAspect="1" noMove="1" noResize="1" noEditPoints="1" noAdjustHandles="1" noChangeArrowheads="1" noChangeShapeType="1" noTextEdit="1"/>
-          </p:cNvSpPr>
-          <p:nvPr>
-            <p:extLst>
-              <p:ext uri="{386F3935-93C4-4BCD-93E2-E3B085C9AB24}">
-                <p16:designElem xmlns:p16="http://schemas.microsoft.com/office/powerpoint/2015/main" val="1"/>
-              </p:ext>
-            </p:extLst>
-          </p:nvPr>
-        </p:nvSpPr>
-        <p:spPr>
-          <a:xfrm>
-            <a:off x="321183" y="2443480"/>
-            <a:ext cx="2475738" cy="9144"/>
-          </a:xfrm>
-          <a:prstGeom prst="rect">
-            <a:avLst/>
-          </a:prstGeom>
-          <a:solidFill>
-            <a:srgbClr val="D5D5D5"/>
-          </a:solidFill>
-          <a:ln w="3175">
-            <a:solidFill>
-              <a:srgbClr val="D5D5D5"/>
-            </a:solidFill>
-          </a:ln>
-          <a:effectLst/>
-        </p:spPr>
-        <p:style>
-          <a:lnRef idx="2">
-            <a:schemeClr val="accent1">
-              <a:shade val="50000"/>
-            </a:schemeClr>
-          </a:lnRef>
-          <a:fillRef idx="1">
-            <a:schemeClr val="accent1"/>
-          </a:fillRef>
-          <a:effectRef idx="0">
-            <a:schemeClr val="accent1"/>
-          </a:effectRef>
-          <a:fontRef idx="minor">
-            <a:schemeClr val="lt1"/>
-          </a:fontRef>
-        </p:style>
-        <p:txBody>
-          <a:bodyPr rtlCol="0" anchor="ctr"/>
-          <a:lstStyle/>
-          <a:p>
-            <a:pPr marL="0" marR="0" lvl="0" indent="0" algn="ctr" defTabSz="914400" rtl="0" eaLnBrk="1" fontAlgn="auto" latinLnBrk="0" hangingPunct="1">
-              <a:lnSpc>
-                <a:spcPct val="100000"/>
-              </a:lnSpc>
-              <a:spcBef>
-                <a:spcPts val="0"/>
-              </a:spcBef>
-              <a:spcAft>
-                <a:spcPts val="0"/>
-              </a:spcAft>
-              <a:buClrTx/>
-              <a:buSzTx/>
-              <a:buFontTx/>
-              <a:buNone/>
-              <a:tabLst/>
-              <a:defRPr/>
-            </a:pPr>
-            <a:endParaRPr kumimoji="0" lang="en-US" sz="1800" b="0" i="0" u="none" strike="noStrike" kern="1200" cap="none" spc="0" normalizeH="0" baseline="0" noProof="0">
-              <a:ln>
-                <a:noFill/>
-              </a:ln>
-              <a:solidFill>
-                <a:prstClr val="white"/>
-              </a:solidFill>
-              <a:effectLst/>
-              <a:uLnTx/>
-              <a:uFillTx/>
-              <a:latin typeface="Calibri" panose="020F0502020204030204"/>
-              <a:ea typeface="+mn-ea"/>
-              <a:cs typeface="+mn-cs"/>
-            </a:endParaRPr>
-          </a:p>
-        </p:txBody>
-      </p:sp>
-      <p:sp>
-        <p:nvSpPr>
-          <p:cNvPr id="9218" name="Rectangle 2">
-            <a:extLst>
-              <a:ext uri="{FF2B5EF4-FFF2-40B4-BE49-F238E27FC236}">
-                <a16:creationId xmlns:a16="http://schemas.microsoft.com/office/drawing/2014/main" id="{D128D3FC-71AC-4AB1-BE9C-049A2FB622DE}"/>
-              </a:ext>
-            </a:extLst>
-          </p:cNvPr>
-          <p:cNvSpPr>
-            <a:spLocks noGrp="1" noChangeArrowheads="1"/>
-          </p:cNvSpPr>
-          <p:nvPr>
-            <p:ph idx="1"/>
-          </p:nvPr>
-        </p:nvSpPr>
-        <p:spPr>
-          <a:xfrm>
-            <a:off x="278320" y="2718054"/>
-            <a:ext cx="2579180" cy="3207258"/>
-          </a:xfrm>
-        </p:spPr>
-        <p:txBody>
-          <a:bodyPr anchor="t">
-            <a:normAutofit/>
-          </a:bodyPr>
-          <a:lstStyle/>
-          <a:p>
-            <a:r>
-              <a:rPr lang="en-US" altLang="en-US" sz="1500" b="1" dirty="0"/>
-              <a:t>Exploratory Data Analysis</a:t>
-            </a:r>
-          </a:p>
-          <a:p>
-            <a:r>
-              <a:rPr lang="en-US" altLang="en-US" sz="1500" dirty="0"/>
-              <a:t>Summary Statistics</a:t>
-            </a:r>
-          </a:p>
-          <a:p>
-            <a:r>
-              <a:rPr lang="en-US" altLang="en-US" sz="1500" dirty="0"/>
-              <a:t>Visualization</a:t>
-            </a:r>
-          </a:p>
-          <a:p>
-            <a:endParaRPr lang="en-US" altLang="en-US" sz="1500" dirty="0"/>
-          </a:p>
-        </p:txBody>
-      </p:sp>
-    </p:spTree>
-    <p:extLst>
-      <p:ext uri="{BB962C8B-B14F-4D97-AF65-F5344CB8AC3E}">
-        <p14:creationId xmlns:p14="http://schemas.microsoft.com/office/powerpoint/2010/main" val="2674856974"/>
-      </p:ext>
-    </p:extLst>
-  </p:cSld>
-  <p:clrMapOvr>
-    <a:masterClrMapping/>
-  </p:clrMapOvr>
-  <p:transition spd="slow"/>
-  <p:timing>
-    <p:tnLst>
-      <p:par>
-        <p:cTn id="1" dur="indefinite" restart="never" nodeType="tmRoot">
-          <p:childTnLst>
-            <p:seq concurrent="1" nextAc="seek">
-              <p:cTn id="2" dur="0" nodeType="mainSeq"/>
-              <p:prevCondLst>
-                <p:cond evt="onPrev" delay="0">
-                  <p:tgtEl>
-                    <p:sldTgt/>
-                  </p:tgtEl>
-                </p:cond>
-              </p:prevCondLst>
-              <p:nextCondLst>
-                <p:cond evt="onNext" delay="0">
-                  <p:tgtEl>
-                    <p:sldTgt/>
-                  </p:tgtEl>
-                </p:cond>
-              </p:nextCondLst>
-            </p:seq>
-          </p:childTnLst>
-        </p:cTn>
-      </p:par>
-    </p:tnLst>
-  </p:timing>
-</p:sld>
-</file>
-
-<file path=ppt/slides/slide20.xml><?xml version="1.0" encoding="utf-8"?>
+<file path=ppt/slides/slide21.xml><?xml version="1.0" encoding="utf-8"?>
 <p:sld xmlns:a="http://schemas.openxmlformats.org/drawingml/2006/main" xmlns:r="http://schemas.openxmlformats.org/officeDocument/2006/relationships" xmlns:p="http://schemas.openxmlformats.org/presentationml/2006/main">
   <p:cSld>
     <p:spTree>
@@ -19831,7 +19852,7 @@
 </p:sld>
 </file>
 
-<file path=ppt/slides/slide21.xml><?xml version="1.0" encoding="utf-8"?>
+<file path=ppt/slides/slide22.xml><?xml version="1.0" encoding="utf-8"?>
 <p:sld xmlns:a="http://schemas.openxmlformats.org/drawingml/2006/main" xmlns:r="http://schemas.openxmlformats.org/officeDocument/2006/relationships" xmlns:p="http://schemas.openxmlformats.org/presentationml/2006/main" show="0">
   <p:cSld>
     <p:spTree>
@@ -20758,7 +20779,7 @@
 </p:sld>
 </file>
 
-<file path=ppt/slides/slide22.xml><?xml version="1.0" encoding="utf-8"?>
+<file path=ppt/slides/slide23.xml><?xml version="1.0" encoding="utf-8"?>
 <p:sld xmlns:a="http://schemas.openxmlformats.org/drawingml/2006/main" xmlns:r="http://schemas.openxmlformats.org/officeDocument/2006/relationships" xmlns:p="http://schemas.openxmlformats.org/presentationml/2006/main" show="0">
   <p:cSld>
     <p:spTree>
@@ -20869,7 +20890,7 @@
 </p:sld>
 </file>
 
-<file path=ppt/slides/slide23.xml><?xml version="1.0" encoding="utf-8"?>
+<file path=ppt/slides/slide24.xml><?xml version="1.0" encoding="utf-8"?>
 <p:sld xmlns:a="http://schemas.openxmlformats.org/drawingml/2006/main" xmlns:r="http://schemas.openxmlformats.org/officeDocument/2006/relationships" xmlns:p="http://schemas.openxmlformats.org/presentationml/2006/main">
   <p:cSld>
     <p:spTree>
@@ -24884,7 +24905,7 @@
 </p:sld>
 </file>
 
-<file path=ppt/slides/slide24.xml><?xml version="1.0" encoding="utf-8"?>
+<file path=ppt/slides/slide25.xml><?xml version="1.0" encoding="utf-8"?>
 <p:sld xmlns:a="http://schemas.openxmlformats.org/drawingml/2006/main" xmlns:r="http://schemas.openxmlformats.org/officeDocument/2006/relationships" xmlns:p="http://schemas.openxmlformats.org/presentationml/2006/main">
   <p:cSld>
     <p:spTree>
@@ -25096,7 +25117,7 @@
 </p:sld>
 </file>
 
-<file path=ppt/slides/slide25.xml><?xml version="1.0" encoding="utf-8"?>
+<file path=ppt/slides/slide26.xml><?xml version="1.0" encoding="utf-8"?>
 <p:sld xmlns:a="http://schemas.openxmlformats.org/drawingml/2006/main" xmlns:r="http://schemas.openxmlformats.org/officeDocument/2006/relationships" xmlns:p="http://schemas.openxmlformats.org/presentationml/2006/main">
   <p:cSld>
     <p:spTree>
@@ -25292,7 +25313,7 @@
 </p:sld>
 </file>
 
-<file path=ppt/slides/slide26.xml><?xml version="1.0" encoding="utf-8"?>
+<file path=ppt/slides/slide27.xml><?xml version="1.0" encoding="utf-8"?>
 <p:sld xmlns:a="http://schemas.openxmlformats.org/drawingml/2006/main" xmlns:r="http://schemas.openxmlformats.org/officeDocument/2006/relationships" xmlns:p="http://schemas.openxmlformats.org/presentationml/2006/main">
   <p:cSld>
     <p:spTree>
@@ -25462,7 +25483,7 @@
 </p:sld>
 </file>
 
-<file path=ppt/slides/slide27.xml><?xml version="1.0" encoding="utf-8"?>
+<file path=ppt/slides/slide28.xml><?xml version="1.0" encoding="utf-8"?>
 <p:sld xmlns:a="http://schemas.openxmlformats.org/drawingml/2006/main" xmlns:r="http://schemas.openxmlformats.org/officeDocument/2006/relationships" xmlns:p="http://schemas.openxmlformats.org/presentationml/2006/main">
   <p:cSld>
     <p:spTree>
@@ -25573,7 +25594,7 @@
 </p:sld>
 </file>
 
-<file path=ppt/slides/slide28.xml><?xml version="1.0" encoding="utf-8"?>
+<file path=ppt/slides/slide29.xml><?xml version="1.0" encoding="utf-8"?>
 <p:sld xmlns:a="http://schemas.openxmlformats.org/drawingml/2006/main" xmlns:r="http://schemas.openxmlformats.org/officeDocument/2006/relationships" xmlns:p="http://schemas.openxmlformats.org/presentationml/2006/main">
   <p:cSld>
     <p:spTree>
@@ -26337,7 +26358,512 @@
 </p:sld>
 </file>
 
-<file path=ppt/slides/slide29.xml><?xml version="1.0" encoding="utf-8"?>
+<file path=ppt/slides/slide3.xml><?xml version="1.0" encoding="utf-8"?>
+<p:sld xmlns:a="http://schemas.openxmlformats.org/drawingml/2006/main" xmlns:r="http://schemas.openxmlformats.org/officeDocument/2006/relationships" xmlns:p="http://schemas.openxmlformats.org/presentationml/2006/main">
+  <p:cSld>
+    <p:bg>
+      <p:bgPr>
+        <a:solidFill>
+          <a:schemeClr val="bg1"/>
+        </a:solidFill>
+        <a:effectLst/>
+      </p:bgPr>
+    </p:bg>
+    <p:spTree>
+      <p:nvGrpSpPr>
+        <p:cNvPr id="1" name=""/>
+        <p:cNvGrpSpPr/>
+        <p:nvPr/>
+      </p:nvGrpSpPr>
+      <p:grpSpPr>
+        <a:xfrm>
+          <a:off x="0" y="0"/>
+          <a:ext cx="0" cy="0"/>
+          <a:chOff x="0" y="0"/>
+          <a:chExt cx="0" cy="0"/>
+        </a:xfrm>
+      </p:grpSpPr>
+      <p:sp useBgFill="1">
+        <p:nvSpPr>
+          <p:cNvPr id="135" name="Rectangle 134">
+            <a:extLst>
+              <a:ext uri="{FF2B5EF4-FFF2-40B4-BE49-F238E27FC236}">
+                <a16:creationId xmlns:a16="http://schemas.microsoft.com/office/drawing/2014/main" id="{8FC9BE17-9A7B-462D-AE50-3D8777387304}"/>
+              </a:ext>
+              <a:ext uri="{C183D7F6-B498-43B3-948B-1728B52AA6E4}">
+                <adec:decorative xmlns:adec="http://schemas.microsoft.com/office/drawing/2017/decorative" val="1"/>
+              </a:ext>
+            </a:extLst>
+          </p:cNvPr>
+          <p:cNvSpPr>
+            <a:spLocks noGrp="1" noRot="1" noChangeAspect="1" noMove="1" noResize="1" noEditPoints="1" noAdjustHandles="1" noChangeArrowheads="1" noChangeShapeType="1" noTextEdit="1"/>
+          </p:cNvSpPr>
+          <p:nvPr>
+            <p:extLst>
+              <p:ext uri="{386F3935-93C4-4BCD-93E2-E3B085C9AB24}">
+                <p16:designElem xmlns:p16="http://schemas.microsoft.com/office/powerpoint/2015/main" val="1"/>
+              </p:ext>
+            </p:extLst>
+          </p:nvPr>
+        </p:nvSpPr>
+        <p:spPr>
+          <a:xfrm>
+            <a:off x="0" y="0"/>
+            <a:ext cx="9144000" cy="6858000"/>
+          </a:xfrm>
+          <a:prstGeom prst="rect">
+            <a:avLst/>
+          </a:prstGeom>
+          <a:ln>
+            <a:noFill/>
+          </a:ln>
+        </p:spPr>
+        <p:style>
+          <a:lnRef idx="2">
+            <a:schemeClr val="accent1">
+              <a:shade val="50000"/>
+            </a:schemeClr>
+          </a:lnRef>
+          <a:fillRef idx="1">
+            <a:schemeClr val="accent1"/>
+          </a:fillRef>
+          <a:effectRef idx="0">
+            <a:schemeClr val="accent1"/>
+          </a:effectRef>
+          <a:fontRef idx="minor">
+            <a:schemeClr val="lt1"/>
+          </a:fontRef>
+        </p:style>
+        <p:txBody>
+          <a:bodyPr rtlCol="0" anchor="ctr"/>
+          <a:lstStyle/>
+          <a:p>
+            <a:pPr algn="ctr"/>
+            <a:endParaRPr lang="en-US"/>
+          </a:p>
+        </p:txBody>
+      </p:sp>
+      <p:pic>
+        <p:nvPicPr>
+          <p:cNvPr id="17410" name="Picture 2">
+            <a:extLst>
+              <a:ext uri="{FF2B5EF4-FFF2-40B4-BE49-F238E27FC236}">
+                <a16:creationId xmlns:a16="http://schemas.microsoft.com/office/drawing/2014/main" id="{5467FF44-2F2E-4CE3-BF2F-2287483DC32C}"/>
+              </a:ext>
+            </a:extLst>
+          </p:cNvPr>
+          <p:cNvPicPr>
+            <a:picLocks noChangeAspect="1" noChangeArrowheads="1"/>
+          </p:cNvPicPr>
+          <p:nvPr/>
+        </p:nvPicPr>
+        <p:blipFill rotWithShape="1">
+          <a:blip r:embed="rId3">
+            <a:extLst>
+              <a:ext uri="{28A0092B-C50C-407E-A947-70E740481C1C}">
+                <a14:useLocalDpi xmlns:a14="http://schemas.microsoft.com/office/drawing/2010/main" val="0"/>
+              </a:ext>
+            </a:extLst>
+          </a:blip>
+          <a:srcRect l="2286" r="24246" b="2"/>
+          <a:stretch/>
+        </p:blipFill>
+        <p:spPr bwMode="auto">
+          <a:xfrm>
+            <a:off x="2642616" y="10"/>
+            <a:ext cx="6501384" cy="6857990"/>
+          </a:xfrm>
+          <a:prstGeom prst="rect">
+            <a:avLst/>
+          </a:prstGeom>
+          <a:noFill/>
+          <a:extLst>
+            <a:ext uri="{909E8E84-426E-40DD-AFC4-6F175D3DCCD1}">
+              <a14:hiddenFill xmlns:a14="http://schemas.microsoft.com/office/drawing/2010/main">
+                <a:solidFill>
+                  <a:srgbClr val="FFFFFF"/>
+                </a:solidFill>
+              </a14:hiddenFill>
+            </a:ext>
+          </a:extLst>
+        </p:spPr>
+      </p:pic>
+      <p:sp>
+        <p:nvSpPr>
+          <p:cNvPr id="137" name="Rectangle 136">
+            <a:extLst>
+              <a:ext uri="{FF2B5EF4-FFF2-40B4-BE49-F238E27FC236}">
+                <a16:creationId xmlns:a16="http://schemas.microsoft.com/office/drawing/2014/main" id="{3EBE8569-6AEC-4B8C-8D53-2DE337CDBA65}"/>
+              </a:ext>
+              <a:ext uri="{C183D7F6-B498-43B3-948B-1728B52AA6E4}">
+                <adec:decorative xmlns:adec="http://schemas.microsoft.com/office/drawing/2017/decorative" val="1"/>
+              </a:ext>
+            </a:extLst>
+          </p:cNvPr>
+          <p:cNvSpPr>
+            <a:spLocks noGrp="1" noRot="1" noChangeAspect="1" noMove="1" noResize="1" noEditPoints="1" noAdjustHandles="1" noChangeArrowheads="1" noChangeShapeType="1" noTextEdit="1"/>
+          </p:cNvSpPr>
+          <p:nvPr>
+            <p:extLst>
+              <p:ext uri="{386F3935-93C4-4BCD-93E2-E3B085C9AB24}">
+                <p16:designElem xmlns:p16="http://schemas.microsoft.com/office/powerpoint/2015/main" val="1"/>
+              </p:ext>
+            </p:extLst>
+          </p:nvPr>
+        </p:nvSpPr>
+        <p:spPr>
+          <a:xfrm>
+            <a:off x="1" y="0"/>
+            <a:ext cx="7317451" cy="6858000"/>
+          </a:xfrm>
+          <a:prstGeom prst="rect">
+            <a:avLst/>
+          </a:prstGeom>
+          <a:gradFill>
+            <a:gsLst>
+              <a:gs pos="58000">
+                <a:schemeClr val="bg1"/>
+              </a:gs>
+              <a:gs pos="35000">
+                <a:schemeClr val="bg1">
+                  <a:alpha val="78000"/>
+                </a:schemeClr>
+              </a:gs>
+              <a:gs pos="19000">
+                <a:schemeClr val="bg1">
+                  <a:alpha val="38000"/>
+                </a:schemeClr>
+              </a:gs>
+              <a:gs pos="0">
+                <a:schemeClr val="bg1">
+                  <a:alpha val="0"/>
+                </a:schemeClr>
+              </a:gs>
+              <a:gs pos="100000">
+                <a:schemeClr val="bg1"/>
+              </a:gs>
+            </a:gsLst>
+            <a:lin ang="10800000" scaled="0"/>
+          </a:gradFill>
+          <a:ln>
+            <a:noFill/>
+          </a:ln>
+        </p:spPr>
+        <p:style>
+          <a:lnRef idx="2">
+            <a:schemeClr val="accent1">
+              <a:shade val="50000"/>
+            </a:schemeClr>
+          </a:lnRef>
+          <a:fillRef idx="1">
+            <a:schemeClr val="accent1"/>
+          </a:fillRef>
+          <a:effectRef idx="0">
+            <a:schemeClr val="accent1"/>
+          </a:effectRef>
+          <a:fontRef idx="minor">
+            <a:schemeClr val="lt1"/>
+          </a:fontRef>
+        </p:style>
+        <p:txBody>
+          <a:bodyPr rtlCol="0" anchor="ctr"/>
+          <a:lstStyle/>
+          <a:p>
+            <a:pPr algn="ctr"/>
+            <a:endParaRPr lang="en-US" dirty="0"/>
+          </a:p>
+        </p:txBody>
+      </p:sp>
+      <p:sp>
+        <p:nvSpPr>
+          <p:cNvPr id="9217" name="Rectangle 1">
+            <a:extLst>
+              <a:ext uri="{FF2B5EF4-FFF2-40B4-BE49-F238E27FC236}">
+                <a16:creationId xmlns:a16="http://schemas.microsoft.com/office/drawing/2014/main" id="{302DF694-6BF2-421C-B98B-42E702E6E682}"/>
+              </a:ext>
+            </a:extLst>
+          </p:cNvPr>
+          <p:cNvSpPr>
+            <a:spLocks noGrp="1" noChangeArrowheads="1"/>
+          </p:cNvSpPr>
+          <p:nvPr>
+            <p:ph type="title"/>
+          </p:nvPr>
+        </p:nvSpPr>
+        <p:spPr>
+          <a:xfrm>
+            <a:off x="278320" y="1161288"/>
+            <a:ext cx="2578608" cy="1124712"/>
+          </a:xfrm>
+        </p:spPr>
+        <p:txBody>
+          <a:bodyPr anchor="b">
+            <a:normAutofit/>
+          </a:bodyPr>
+          <a:lstStyle/>
+          <a:p>
+            <a:r>
+              <a:rPr lang="en-US" altLang="en-US" sz="2400"/>
+              <a:t>Topics</a:t>
+            </a:r>
+          </a:p>
+        </p:txBody>
+      </p:sp>
+      <p:sp>
+        <p:nvSpPr>
+          <p:cNvPr id="139" name="Rectangle 138">
+            <a:extLst>
+              <a:ext uri="{FF2B5EF4-FFF2-40B4-BE49-F238E27FC236}">
+                <a16:creationId xmlns:a16="http://schemas.microsoft.com/office/drawing/2014/main" id="{55D4142C-5077-457F-A6AD-3FECFDB39685}"/>
+              </a:ext>
+              <a:ext uri="{C183D7F6-B498-43B3-948B-1728B52AA6E4}">
+                <adec:decorative xmlns:adec="http://schemas.microsoft.com/office/drawing/2017/decorative" val="1"/>
+              </a:ext>
+            </a:extLst>
+          </p:cNvPr>
+          <p:cNvSpPr>
+            <a:spLocks noGrp="1" noRot="1" noChangeAspect="1" noMove="1" noResize="1" noEditPoints="1" noAdjustHandles="1" noChangeArrowheads="1" noChangeShapeType="1" noTextEdit="1"/>
+          </p:cNvSpPr>
+          <p:nvPr>
+            <p:extLst>
+              <p:ext uri="{386F3935-93C4-4BCD-93E2-E3B085C9AB24}">
+                <p16:designElem xmlns:p16="http://schemas.microsoft.com/office/powerpoint/2015/main" val="1"/>
+              </p:ext>
+            </p:extLst>
+          </p:nvPr>
+        </p:nvSpPr>
+        <p:spPr>
+          <a:xfrm rot="5400000">
+            <a:off x="487775" y="674370"/>
+            <a:ext cx="73152" cy="411480"/>
+          </a:xfrm>
+          <a:prstGeom prst="rect">
+            <a:avLst/>
+          </a:prstGeom>
+          <a:solidFill>
+            <a:schemeClr val="accent2"/>
+          </a:solidFill>
+          <a:ln>
+            <a:noFill/>
+          </a:ln>
+        </p:spPr>
+        <p:style>
+          <a:lnRef idx="2">
+            <a:schemeClr val="accent1">
+              <a:shade val="50000"/>
+            </a:schemeClr>
+          </a:lnRef>
+          <a:fillRef idx="1">
+            <a:schemeClr val="accent1"/>
+          </a:fillRef>
+          <a:effectRef idx="0">
+            <a:schemeClr val="accent1"/>
+          </a:effectRef>
+          <a:fontRef idx="minor">
+            <a:schemeClr val="lt1"/>
+          </a:fontRef>
+        </p:style>
+        <p:txBody>
+          <a:bodyPr rtlCol="0" anchor="ctr"/>
+          <a:lstStyle/>
+          <a:p>
+            <a:pPr algn="ctr"/>
+            <a:endParaRPr lang="en-US">
+              <a:solidFill>
+                <a:prstClr val="white"/>
+              </a:solidFill>
+              <a:latin typeface="Calibri" panose="020F0502020204030204"/>
+            </a:endParaRPr>
+          </a:p>
+        </p:txBody>
+      </p:sp>
+      <p:sp>
+        <p:nvSpPr>
+          <p:cNvPr id="141" name="Rectangle 140">
+            <a:extLst>
+              <a:ext uri="{FF2B5EF4-FFF2-40B4-BE49-F238E27FC236}">
+                <a16:creationId xmlns:a16="http://schemas.microsoft.com/office/drawing/2014/main" id="{7A5F0580-5EE9-419F-96EE-B6529EF6E7D0}"/>
+              </a:ext>
+              <a:ext uri="{C183D7F6-B498-43B3-948B-1728B52AA6E4}">
+                <adec:decorative xmlns:adec="http://schemas.microsoft.com/office/drawing/2017/decorative" val="1"/>
+              </a:ext>
+            </a:extLst>
+          </p:cNvPr>
+          <p:cNvSpPr>
+            <a:spLocks noGrp="1" noRot="1" noChangeAspect="1" noMove="1" noResize="1" noEditPoints="1" noAdjustHandles="1" noChangeArrowheads="1" noChangeShapeType="1" noTextEdit="1"/>
+          </p:cNvSpPr>
+          <p:nvPr>
+            <p:extLst>
+              <p:ext uri="{386F3935-93C4-4BCD-93E2-E3B085C9AB24}">
+                <p16:designElem xmlns:p16="http://schemas.microsoft.com/office/powerpoint/2015/main" val="1"/>
+              </p:ext>
+            </p:extLst>
+          </p:nvPr>
+        </p:nvSpPr>
+        <p:spPr>
+          <a:xfrm>
+            <a:off x="321183" y="2443480"/>
+            <a:ext cx="2475738" cy="9144"/>
+          </a:xfrm>
+          <a:prstGeom prst="rect">
+            <a:avLst/>
+          </a:prstGeom>
+          <a:solidFill>
+            <a:srgbClr val="D5D5D5"/>
+          </a:solidFill>
+          <a:ln w="3175">
+            <a:solidFill>
+              <a:srgbClr val="D5D5D5"/>
+            </a:solidFill>
+          </a:ln>
+          <a:effectLst/>
+        </p:spPr>
+        <p:style>
+          <a:lnRef idx="2">
+            <a:schemeClr val="accent1">
+              <a:shade val="50000"/>
+            </a:schemeClr>
+          </a:lnRef>
+          <a:fillRef idx="1">
+            <a:schemeClr val="accent1"/>
+          </a:fillRef>
+          <a:effectRef idx="0">
+            <a:schemeClr val="accent1"/>
+          </a:effectRef>
+          <a:fontRef idx="minor">
+            <a:schemeClr val="lt1"/>
+          </a:fontRef>
+        </p:style>
+        <p:txBody>
+          <a:bodyPr rtlCol="0" anchor="ctr"/>
+          <a:lstStyle/>
+          <a:p>
+            <a:pPr marL="0" marR="0" lvl="0" indent="0" algn="ctr" defTabSz="914400" rtl="0" eaLnBrk="1" fontAlgn="auto" latinLnBrk="0" hangingPunct="1">
+              <a:lnSpc>
+                <a:spcPct val="100000"/>
+              </a:lnSpc>
+              <a:spcBef>
+                <a:spcPts val="0"/>
+              </a:spcBef>
+              <a:spcAft>
+                <a:spcPts val="0"/>
+              </a:spcAft>
+              <a:buClrTx/>
+              <a:buSzTx/>
+              <a:buFontTx/>
+              <a:buNone/>
+              <a:tabLst/>
+              <a:defRPr/>
+            </a:pPr>
+            <a:endParaRPr kumimoji="0" lang="en-US" sz="1800" b="0" i="0" u="none" strike="noStrike" kern="1200" cap="none" spc="0" normalizeH="0" baseline="0" noProof="0">
+              <a:ln>
+                <a:noFill/>
+              </a:ln>
+              <a:solidFill>
+                <a:prstClr val="white"/>
+              </a:solidFill>
+              <a:effectLst/>
+              <a:uLnTx/>
+              <a:uFillTx/>
+              <a:latin typeface="Calibri" panose="020F0502020204030204"/>
+              <a:ea typeface="+mn-ea"/>
+              <a:cs typeface="+mn-cs"/>
+            </a:endParaRPr>
+          </a:p>
+        </p:txBody>
+      </p:sp>
+      <p:sp>
+        <p:nvSpPr>
+          <p:cNvPr id="9218" name="Rectangle 2">
+            <a:extLst>
+              <a:ext uri="{FF2B5EF4-FFF2-40B4-BE49-F238E27FC236}">
+                <a16:creationId xmlns:a16="http://schemas.microsoft.com/office/drawing/2014/main" id="{D128D3FC-71AC-4AB1-BE9C-049A2FB622DE}"/>
+              </a:ext>
+            </a:extLst>
+          </p:cNvPr>
+          <p:cNvSpPr>
+            <a:spLocks noGrp="1" noChangeArrowheads="1"/>
+          </p:cNvSpPr>
+          <p:nvPr>
+            <p:ph idx="1"/>
+          </p:nvPr>
+        </p:nvSpPr>
+        <p:spPr>
+          <a:xfrm>
+            <a:off x="278320" y="2718054"/>
+            <a:ext cx="2579180" cy="3207258"/>
+          </a:xfrm>
+        </p:spPr>
+        <p:txBody>
+          <a:bodyPr anchor="t">
+            <a:normAutofit/>
+          </a:bodyPr>
+          <a:lstStyle/>
+          <a:p>
+            <a:r>
+              <a:rPr lang="en-US" altLang="en-US" sz="1500" b="1" dirty="0"/>
+              <a:t>Exploratory Data Analysis</a:t>
+            </a:r>
+          </a:p>
+          <a:p>
+            <a:r>
+              <a:rPr lang="en-US" altLang="en-US" sz="1500" dirty="0"/>
+              <a:t>Summary Statistics</a:t>
+            </a:r>
+          </a:p>
+          <a:p>
+            <a:r>
+              <a:rPr lang="en-US" altLang="en-US" sz="1500" dirty="0"/>
+              <a:t>Visualization</a:t>
+            </a:r>
+          </a:p>
+          <a:p>
+            <a:endParaRPr lang="en-US" altLang="en-US" sz="1500" dirty="0"/>
+          </a:p>
+        </p:txBody>
+      </p:sp>
+    </p:spTree>
+    <p:extLst>
+      <p:ext uri="{BB962C8B-B14F-4D97-AF65-F5344CB8AC3E}">
+        <p14:creationId xmlns:p14="http://schemas.microsoft.com/office/powerpoint/2010/main" val="2674856974"/>
+      </p:ext>
+    </p:extLst>
+  </p:cSld>
+  <p:clrMapOvr>
+    <a:masterClrMapping/>
+  </p:clrMapOvr>
+  <p:transition spd="slow"/>
+  <p:timing>
+    <p:tnLst>
+      <p:par>
+        <p:cTn id="1" dur="indefinite" restart="never" nodeType="tmRoot">
+          <p:childTnLst>
+            <p:seq concurrent="1" nextAc="seek">
+              <p:cTn id="2" dur="0" nodeType="mainSeq"/>
+              <p:prevCondLst>
+                <p:cond evt="onPrev" delay="0">
+                  <p:tgtEl>
+                    <p:sldTgt/>
+                  </p:tgtEl>
+                </p:cond>
+              </p:prevCondLst>
+              <p:nextCondLst>
+                <p:cond evt="onNext" delay="0">
+                  <p:tgtEl>
+                    <p:sldTgt/>
+                  </p:tgtEl>
+                </p:cond>
+              </p:nextCondLst>
+            </p:seq>
+          </p:childTnLst>
+        </p:cTn>
+      </p:par>
+    </p:tnLst>
+  </p:timing>
+</p:sld>
+</file>
+
+<file path=ppt/slides/slide30.xml><?xml version="1.0" encoding="utf-8"?>
 <p:sld xmlns:a="http://schemas.openxmlformats.org/drawingml/2006/main" xmlns:r="http://schemas.openxmlformats.org/officeDocument/2006/relationships" xmlns:p="http://schemas.openxmlformats.org/presentationml/2006/main">
   <p:cSld>
     <p:spTree>
@@ -26464,194 +26990,7 @@
 </p:sld>
 </file>
 
-<file path=ppt/slides/slide3.xml><?xml version="1.0" encoding="utf-8"?>
-<p:sld xmlns:a="http://schemas.openxmlformats.org/drawingml/2006/main" xmlns:r="http://schemas.openxmlformats.org/officeDocument/2006/relationships" xmlns:p="http://schemas.openxmlformats.org/presentationml/2006/main">
-  <p:cSld>
-    <p:spTree>
-      <p:nvGrpSpPr>
-        <p:cNvPr id="1" name=""/>
-        <p:cNvGrpSpPr/>
-        <p:nvPr/>
-      </p:nvGrpSpPr>
-      <p:grpSpPr>
-        <a:xfrm>
-          <a:off x="0" y="0"/>
-          <a:ext cx="0" cy="0"/>
-          <a:chOff x="0" y="0"/>
-          <a:chExt cx="0" cy="0"/>
-        </a:xfrm>
-      </p:grpSpPr>
-      <p:sp>
-        <p:nvSpPr>
-          <p:cNvPr id="6145" name="Rectangle 1">
-            <a:extLst>
-              <a:ext uri="{FF2B5EF4-FFF2-40B4-BE49-F238E27FC236}">
-                <a16:creationId xmlns:a16="http://schemas.microsoft.com/office/drawing/2014/main" id="{65F4D0A6-D92E-4DF1-98E9-3DCA775C6F44}"/>
-              </a:ext>
-            </a:extLst>
-          </p:cNvPr>
-          <p:cNvSpPr>
-            <a:spLocks noGrp="1" noChangeArrowheads="1"/>
-          </p:cNvSpPr>
-          <p:nvPr>
-            <p:ph type="title"/>
-          </p:nvPr>
-        </p:nvSpPr>
-        <p:spPr/>
-        <p:txBody>
-          <a:bodyPr/>
-          <a:lstStyle/>
-          <a:p>
-            <a:r>
-              <a:rPr lang="en-US" altLang="en-US" dirty="0"/>
-              <a:t>What is Data Exploration?</a:t>
-            </a:r>
-          </a:p>
-        </p:txBody>
-      </p:sp>
-      <p:sp>
-        <p:nvSpPr>
-          <p:cNvPr id="6146" name="Rectangle 2">
-            <a:extLst>
-              <a:ext uri="{FF2B5EF4-FFF2-40B4-BE49-F238E27FC236}">
-                <a16:creationId xmlns:a16="http://schemas.microsoft.com/office/drawing/2014/main" id="{AF3B54C9-20F9-478E-83FB-453EECFA68D6}"/>
-              </a:ext>
-            </a:extLst>
-          </p:cNvPr>
-          <p:cNvSpPr>
-            <a:spLocks noGrp="1" noChangeArrowheads="1"/>
-          </p:cNvSpPr>
-          <p:nvPr>
-            <p:ph idx="1"/>
-          </p:nvPr>
-        </p:nvSpPr>
-        <p:spPr/>
-        <p:txBody>
-          <a:bodyPr>
-            <a:normAutofit lnSpcReduction="10000"/>
-          </a:bodyPr>
-          <a:lstStyle/>
-          <a:p>
-            <a:pPr marL="0" indent="0">
-              <a:buNone/>
-            </a:pPr>
-            <a:r>
-              <a:rPr lang="en-US" altLang="en-US" sz="2400" b="1" dirty="0">
-                <a:latin typeface="Arial" panose="020B0604020202020204" pitchFamily="34" charset="0"/>
-              </a:rPr>
-              <a:t>“A preliminary exploration of the data to better understand its characteristics.”</a:t>
-            </a:r>
-            <a:endParaRPr lang="en-US" altLang="en-US" dirty="0"/>
-          </a:p>
-          <a:p>
-            <a:endParaRPr lang="en-US" altLang="en-US" dirty="0"/>
-          </a:p>
-          <a:p>
-            <a:r>
-              <a:rPr lang="en-US" altLang="en-US" dirty="0"/>
-              <a:t>Key motivations of data exploration include</a:t>
-            </a:r>
-          </a:p>
-          <a:p>
-            <a:pPr lvl="1"/>
-            <a:r>
-              <a:rPr lang="en-US" altLang="en-US" dirty="0"/>
-              <a:t>Helping to select the right tool for preprocessing or analysis</a:t>
-            </a:r>
-          </a:p>
-          <a:p>
-            <a:pPr lvl="1"/>
-            <a:r>
-              <a:rPr lang="en-US" altLang="en-US" dirty="0"/>
-              <a:t>Making use of humans’ abilities to recognize patterns.</a:t>
-            </a:r>
-            <a:br>
-              <a:rPr lang="en-US" altLang="en-US" dirty="0"/>
-            </a:br>
-            <a:r>
-              <a:rPr lang="en-US" altLang="en-US" dirty="0"/>
-              <a:t>	People can recognize patterns not captured by data analysis tools </a:t>
-            </a:r>
-            <a:br>
-              <a:rPr lang="en-US" altLang="en-US" dirty="0"/>
-            </a:br>
-            <a:endParaRPr lang="en-US" altLang="en-US" dirty="0"/>
-          </a:p>
-          <a:p>
-            <a:r>
-              <a:rPr lang="en-US" altLang="en-US" dirty="0"/>
-              <a:t>Related to the area of Exploratory Data Analysis (EDA)</a:t>
-            </a:r>
-          </a:p>
-          <a:p>
-            <a:pPr lvl="1"/>
-            <a:r>
-              <a:rPr lang="en-US" altLang="en-US" dirty="0"/>
-              <a:t>Created by statistician John Tukey</a:t>
-            </a:r>
-          </a:p>
-          <a:p>
-            <a:pPr lvl="1"/>
-            <a:r>
-              <a:rPr lang="en-US" altLang="en-US" dirty="0"/>
-              <a:t>Seminal book is "Exploratory Data Analysis" by Tukey</a:t>
-            </a:r>
-          </a:p>
-          <a:p>
-            <a:pPr lvl="1"/>
-            <a:r>
-              <a:rPr lang="en-US" altLang="en-US" dirty="0"/>
-              <a:t>A nice online introduction can be found in Chapter 1 of the NIST Engineering Statistics Handbook</a:t>
-            </a:r>
-          </a:p>
-          <a:p>
-            <a:pPr lvl="1"/>
-            <a:r>
-              <a:rPr lang="en-US" altLang="en-US" dirty="0">
-                <a:hlinkClick r:id="rId3"/>
-              </a:rPr>
-              <a:t>http://www.itl.nist.gov/div898/handbook/index.htm</a:t>
-            </a:r>
-          </a:p>
-        </p:txBody>
-      </p:sp>
-    </p:spTree>
-  </p:cSld>
-  <p:clrMapOvr>
-    <a:masterClrMapping/>
-  </p:clrMapOvr>
-  <p:transition spd="slow"/>
-  <p:timing>
-    <p:tnLst>
-      <p:par>
-        <p:cTn id="1" dur="indefinite" restart="never" nodeType="tmRoot">
-          <p:childTnLst>
-            <p:seq concurrent="1" nextAc="seek">
-              <p:cTn id="2" dur="0" nodeType="mainSeq"/>
-              <p:prevCondLst>
-                <p:cond evt="onPrev" delay="0">
-                  <p:tgtEl>
-                    <p:sldTgt/>
-                  </p:tgtEl>
-                </p:cond>
-              </p:prevCondLst>
-              <p:nextCondLst>
-                <p:cond evt="onNext" delay="0">
-                  <p:tgtEl>
-                    <p:sldTgt/>
-                  </p:tgtEl>
-                </p:cond>
-              </p:nextCondLst>
-            </p:seq>
-          </p:childTnLst>
-        </p:cTn>
-      </p:par>
-    </p:tnLst>
-  </p:timing>
-</p:sld>
-</file>
-
-<file path=ppt/slides/slide30.xml><?xml version="1.0" encoding="utf-8"?>
+<file path=ppt/slides/slide31.xml><?xml version="1.0" encoding="utf-8"?>
 <p:sld xmlns:a="http://schemas.openxmlformats.org/drawingml/2006/main" xmlns:r="http://schemas.openxmlformats.org/officeDocument/2006/relationships" xmlns:p="http://schemas.openxmlformats.org/presentationml/2006/main">
   <p:cSld>
     <p:spTree>
@@ -27083,7 +27422,7 @@
 </p:sld>
 </file>
 
-<file path=ppt/slides/slide31.xml><?xml version="1.0" encoding="utf-8"?>
+<file path=ppt/slides/slide32.xml><?xml version="1.0" encoding="utf-8"?>
 <p:sld xmlns:a="http://schemas.openxmlformats.org/drawingml/2006/main" xmlns:r="http://schemas.openxmlformats.org/officeDocument/2006/relationships" xmlns:p="http://schemas.openxmlformats.org/presentationml/2006/main">
   <p:cSld>
     <p:spTree>
@@ -27194,7 +27533,7 @@
 </p:sld>
 </file>
 
-<file path=ppt/slides/slide32.xml><?xml version="1.0" encoding="utf-8"?>
+<file path=ppt/slides/slide33.xml><?xml version="1.0" encoding="utf-8"?>
 <p:sld xmlns:a="http://schemas.openxmlformats.org/drawingml/2006/main" xmlns:r="http://schemas.openxmlformats.org/officeDocument/2006/relationships" xmlns:p="http://schemas.openxmlformats.org/presentationml/2006/main">
   <p:cSld>
     <p:spTree>
@@ -27337,7 +27676,7 @@
 </p:sld>
 </file>
 
-<file path=ppt/slides/slide33.xml><?xml version="1.0" encoding="utf-8"?>
+<file path=ppt/slides/slide34.xml><?xml version="1.0" encoding="utf-8"?>
 <p:sld xmlns:a="http://schemas.openxmlformats.org/drawingml/2006/main" xmlns:r="http://schemas.openxmlformats.org/officeDocument/2006/relationships" xmlns:p="http://schemas.openxmlformats.org/presentationml/2006/main">
   <p:cSld>
     <p:spTree>
@@ -27799,7 +28138,7 @@
 </p:sld>
 </file>
 
-<file path=ppt/slides/slide34.xml><?xml version="1.0" encoding="utf-8"?>
+<file path=ppt/slides/slide35.xml><?xml version="1.0" encoding="utf-8"?>
 <p:sld xmlns:a="http://schemas.openxmlformats.org/drawingml/2006/main" xmlns:r="http://schemas.openxmlformats.org/officeDocument/2006/relationships" xmlns:p="http://schemas.openxmlformats.org/presentationml/2006/main">
   <p:cSld>
     <p:spTree>
@@ -27967,7 +28306,7 @@
 </p:sld>
 </file>
 
-<file path=ppt/slides/slide35.xml><?xml version="1.0" encoding="utf-8"?>
+<file path=ppt/slides/slide36.xml><?xml version="1.0" encoding="utf-8"?>
 <p:sld xmlns:a="http://schemas.openxmlformats.org/drawingml/2006/main" xmlns:r="http://schemas.openxmlformats.org/officeDocument/2006/relationships" xmlns:p="http://schemas.openxmlformats.org/presentationml/2006/main">
   <p:cSld>
     <p:spTree>
@@ -28186,7 +28525,7 @@
 </p:sld>
 </file>
 
-<file path=ppt/slides/slide36.xml><?xml version="1.0" encoding="utf-8"?>
+<file path=ppt/slides/slide37.xml><?xml version="1.0" encoding="utf-8"?>
 <p:sld xmlns:a="http://schemas.openxmlformats.org/drawingml/2006/main" xmlns:r="http://schemas.openxmlformats.org/officeDocument/2006/relationships" xmlns:p="http://schemas.openxmlformats.org/presentationml/2006/main">
   <p:cSld>
     <p:spTree>
@@ -28491,7 +28830,7 @@
 </file>
 
 <file path=ppt/slides/slide4.xml><?xml version="1.0" encoding="utf-8"?>
-<p:sld xmlns:a="http://schemas.openxmlformats.org/drawingml/2006/main" xmlns:r="http://schemas.openxmlformats.org/officeDocument/2006/relationships" xmlns:p="http://schemas.openxmlformats.org/presentationml/2006/main" show="0">
+<p:sld xmlns:a="http://schemas.openxmlformats.org/drawingml/2006/main" xmlns:r="http://schemas.openxmlformats.org/officeDocument/2006/relationships" xmlns:p="http://schemas.openxmlformats.org/presentationml/2006/main">
   <p:cSld>
     <p:spTree>
       <p:nvGrpSpPr>
@@ -28509,10 +28848,10 @@
       </p:grpSpPr>
       <p:sp>
         <p:nvSpPr>
-          <p:cNvPr id="7169" name="Rectangle 1">
+          <p:cNvPr id="6145" name="Rectangle 1">
             <a:extLst>
               <a:ext uri="{FF2B5EF4-FFF2-40B4-BE49-F238E27FC236}">
-                <a16:creationId xmlns:a16="http://schemas.microsoft.com/office/drawing/2014/main" id="{00B0F772-A08A-44BE-AE88-21DED5EF4860}"/>
+                <a16:creationId xmlns:a16="http://schemas.microsoft.com/office/drawing/2014/main" id="{65F4D0A6-D92E-4DF1-98E9-3DCA775C6F44}"/>
               </a:ext>
             </a:extLst>
           </p:cNvPr>
@@ -28529,18 +28868,18 @@
           <a:lstStyle/>
           <a:p>
             <a:r>
-              <a:rPr lang="en-US" altLang="en-US"/>
-              <a:t>Techniques Used In Data Exploration  </a:t>
+              <a:rPr lang="en-US" altLang="en-US" dirty="0"/>
+              <a:t>What is Data Exploration?</a:t>
             </a:r>
           </a:p>
         </p:txBody>
       </p:sp>
       <p:sp>
         <p:nvSpPr>
-          <p:cNvPr id="7170" name="Rectangle 2">
+          <p:cNvPr id="6146" name="Rectangle 2">
             <a:extLst>
               <a:ext uri="{FF2B5EF4-FFF2-40B4-BE49-F238E27FC236}">
-                <a16:creationId xmlns:a16="http://schemas.microsoft.com/office/drawing/2014/main" id="{9FDE4A43-13A8-402C-859A-52969FFE6C3F}"/>
+                <a16:creationId xmlns:a16="http://schemas.microsoft.com/office/drawing/2014/main" id="{AF3B54C9-20F9-478E-83FB-453EECFA68D6}"/>
               </a:ext>
             </a:extLst>
           </p:cNvPr>
@@ -28554,58 +28893,89 @@
         <p:spPr/>
         <p:txBody>
           <a:bodyPr>
-            <a:normAutofit/>
+            <a:normAutofit lnSpcReduction="10000"/>
           </a:bodyPr>
           <a:lstStyle/>
           <a:p>
+            <a:pPr marL="0" indent="0">
+              <a:buNone/>
+            </a:pPr>
             <a:r>
-              <a:rPr lang="en-US" altLang="en-US"/>
-              <a:t>In EDA, as originally defined by Tukey</a:t>
+              <a:rPr lang="en-US" altLang="en-US" sz="2400" b="1" dirty="0">
+                <a:latin typeface="Arial" panose="020B0604020202020204" pitchFamily="34" charset="0"/>
+              </a:rPr>
+              <a:t>“A preliminary exploration of the data to better understand its characteristics.”</a:t>
+            </a:r>
+            <a:endParaRPr lang="en-US" altLang="en-US" dirty="0"/>
+          </a:p>
+          <a:p>
+            <a:endParaRPr lang="en-US" altLang="en-US" dirty="0"/>
+          </a:p>
+          <a:p>
+            <a:r>
+              <a:rPr lang="en-US" altLang="en-US" dirty="0"/>
+              <a:t>Key motivations of data exploration include</a:t>
             </a:r>
           </a:p>
           <a:p>
             <a:pPr lvl="1"/>
             <a:r>
-              <a:rPr lang="en-US" altLang="en-US"/>
-              <a:t>The focus was on visualization</a:t>
+              <a:rPr lang="en-US" altLang="en-US" dirty="0"/>
+              <a:t>Helping to select the right tool for preprocessing or analysis</a:t>
             </a:r>
           </a:p>
           <a:p>
             <a:pPr lvl="1"/>
             <a:r>
-              <a:rPr lang="en-US" altLang="en-US"/>
-              <a:t>Clustering and anomaly detection were viewed as exploratory techniques</a:t>
+              <a:rPr lang="en-US" altLang="en-US" dirty="0"/>
+              <a:t>Making use of humans’ abilities to recognize patterns.</a:t>
+            </a:r>
+            <a:br>
+              <a:rPr lang="en-US" altLang="en-US" dirty="0"/>
+            </a:br>
+            <a:r>
+              <a:rPr lang="en-US" altLang="en-US" dirty="0"/>
+              <a:t>	People can recognize patterns not captured by data analysis tools </a:t>
+            </a:r>
+            <a:br>
+              <a:rPr lang="en-US" altLang="en-US" dirty="0"/>
+            </a:br>
+            <a:endParaRPr lang="en-US" altLang="en-US" dirty="0"/>
+          </a:p>
+          <a:p>
+            <a:r>
+              <a:rPr lang="en-US" altLang="en-US" dirty="0"/>
+              <a:t>Related to the area of Exploratory Data Analysis (EDA)</a:t>
             </a:r>
           </a:p>
           <a:p>
             <a:pPr lvl="1"/>
             <a:r>
-              <a:rPr lang="en-US" altLang="en-US"/>
-              <a:t>In data mining, clustering and anomaly detection are major areas of interest, and not thought of as just exploratory</a:t>
-            </a:r>
-          </a:p>
-          <a:p>
-            <a:pPr lvl="1"/>
-            <a:endParaRPr lang="en-US" altLang="en-US"/>
-          </a:p>
-          <a:p>
-            <a:r>
-              <a:rPr lang="en-US" altLang="en-US"/>
-              <a:t>In our discussion of data exploration, we focus on</a:t>
+              <a:rPr lang="en-US" altLang="en-US" dirty="0"/>
+              <a:t>Created by statistician John Tukey</a:t>
             </a:r>
           </a:p>
           <a:p>
             <a:pPr lvl="1"/>
             <a:r>
-              <a:rPr lang="en-US" altLang="en-US"/>
-              <a:t>Summary statistics</a:t>
+              <a:rPr lang="en-US" altLang="en-US" dirty="0"/>
+              <a:t>Seminal book is "Exploratory Data Analysis" by Tukey</a:t>
             </a:r>
           </a:p>
           <a:p>
             <a:pPr lvl="1"/>
             <a:r>
-              <a:rPr lang="en-US" altLang="en-US"/>
-              <a:t>Visualization</a:t>
+              <a:rPr lang="en-US" altLang="en-US" dirty="0"/>
+              <a:t>A nice online introduction can be found in Chapter 1 of the NIST Engineering Statistics Handbook</a:t>
+            </a:r>
+          </a:p>
+          <a:p>
+            <a:pPr lvl="1"/>
+            <a:r>
+              <a:rPr lang="en-US" altLang="en-US" dirty="0">
+                <a:hlinkClick r:id="rId3"/>
+              </a:rPr>
+              <a:t>http://www.itl.nist.gov/div898/handbook/index.htm</a:t>
             </a:r>
           </a:p>
         </p:txBody>
@@ -28647,6 +29017,162 @@
 </file>
 
 <file path=ppt/slides/slide5.xml><?xml version="1.0" encoding="utf-8"?>
+<p:sld xmlns:a="http://schemas.openxmlformats.org/drawingml/2006/main" xmlns:r="http://schemas.openxmlformats.org/officeDocument/2006/relationships" xmlns:p="http://schemas.openxmlformats.org/presentationml/2006/main" show="0">
+  <p:cSld>
+    <p:spTree>
+      <p:nvGrpSpPr>
+        <p:cNvPr id="1" name=""/>
+        <p:cNvGrpSpPr/>
+        <p:nvPr/>
+      </p:nvGrpSpPr>
+      <p:grpSpPr>
+        <a:xfrm>
+          <a:off x="0" y="0"/>
+          <a:ext cx="0" cy="0"/>
+          <a:chOff x="0" y="0"/>
+          <a:chExt cx="0" cy="0"/>
+        </a:xfrm>
+      </p:grpSpPr>
+      <p:sp>
+        <p:nvSpPr>
+          <p:cNvPr id="7169" name="Rectangle 1">
+            <a:extLst>
+              <a:ext uri="{FF2B5EF4-FFF2-40B4-BE49-F238E27FC236}">
+                <a16:creationId xmlns:a16="http://schemas.microsoft.com/office/drawing/2014/main" id="{00B0F772-A08A-44BE-AE88-21DED5EF4860}"/>
+              </a:ext>
+            </a:extLst>
+          </p:cNvPr>
+          <p:cNvSpPr>
+            <a:spLocks noGrp="1" noChangeArrowheads="1"/>
+          </p:cNvSpPr>
+          <p:nvPr>
+            <p:ph type="title"/>
+          </p:nvPr>
+        </p:nvSpPr>
+        <p:spPr/>
+        <p:txBody>
+          <a:bodyPr/>
+          <a:lstStyle/>
+          <a:p>
+            <a:r>
+              <a:rPr lang="en-US" altLang="en-US"/>
+              <a:t>Techniques Used In Data Exploration  </a:t>
+            </a:r>
+          </a:p>
+        </p:txBody>
+      </p:sp>
+      <p:sp>
+        <p:nvSpPr>
+          <p:cNvPr id="7170" name="Rectangle 2">
+            <a:extLst>
+              <a:ext uri="{FF2B5EF4-FFF2-40B4-BE49-F238E27FC236}">
+                <a16:creationId xmlns:a16="http://schemas.microsoft.com/office/drawing/2014/main" id="{9FDE4A43-13A8-402C-859A-52969FFE6C3F}"/>
+              </a:ext>
+            </a:extLst>
+          </p:cNvPr>
+          <p:cNvSpPr>
+            <a:spLocks noGrp="1" noChangeArrowheads="1"/>
+          </p:cNvSpPr>
+          <p:nvPr>
+            <p:ph idx="1"/>
+          </p:nvPr>
+        </p:nvSpPr>
+        <p:spPr/>
+        <p:txBody>
+          <a:bodyPr>
+            <a:normAutofit/>
+          </a:bodyPr>
+          <a:lstStyle/>
+          <a:p>
+            <a:r>
+              <a:rPr lang="en-US" altLang="en-US"/>
+              <a:t>In EDA, as originally defined by Tukey</a:t>
+            </a:r>
+          </a:p>
+          <a:p>
+            <a:pPr lvl="1"/>
+            <a:r>
+              <a:rPr lang="en-US" altLang="en-US"/>
+              <a:t>The focus was on visualization</a:t>
+            </a:r>
+          </a:p>
+          <a:p>
+            <a:pPr lvl="1"/>
+            <a:r>
+              <a:rPr lang="en-US" altLang="en-US"/>
+              <a:t>Clustering and anomaly detection were viewed as exploratory techniques</a:t>
+            </a:r>
+          </a:p>
+          <a:p>
+            <a:pPr lvl="1"/>
+            <a:r>
+              <a:rPr lang="en-US" altLang="en-US"/>
+              <a:t>In data mining, clustering and anomaly detection are major areas of interest, and not thought of as just exploratory</a:t>
+            </a:r>
+          </a:p>
+          <a:p>
+            <a:pPr lvl="1"/>
+            <a:endParaRPr lang="en-US" altLang="en-US"/>
+          </a:p>
+          <a:p>
+            <a:r>
+              <a:rPr lang="en-US" altLang="en-US"/>
+              <a:t>In our discussion of data exploration, we focus on</a:t>
+            </a:r>
+          </a:p>
+          <a:p>
+            <a:pPr lvl="1"/>
+            <a:r>
+              <a:rPr lang="en-US" altLang="en-US"/>
+              <a:t>Summary statistics</a:t>
+            </a:r>
+          </a:p>
+          <a:p>
+            <a:pPr lvl="1"/>
+            <a:r>
+              <a:rPr lang="en-US" altLang="en-US"/>
+              <a:t>Visualization</a:t>
+            </a:r>
+          </a:p>
+        </p:txBody>
+      </p:sp>
+    </p:spTree>
+  </p:cSld>
+  <p:clrMapOvr>
+    <a:masterClrMapping/>
+  </p:clrMapOvr>
+  <p:transition spd="slow"/>
+  <p:timing>
+    <p:tnLst>
+      <p:par>
+        <p:cTn id="1" dur="indefinite" restart="never" nodeType="tmRoot">
+          <p:childTnLst>
+            <p:seq concurrent="1" nextAc="seek">
+              <p:cTn id="2" dur="0" nodeType="mainSeq"/>
+              <p:prevCondLst>
+                <p:cond evt="onPrev" delay="0">
+                  <p:tgtEl>
+                    <p:sldTgt/>
+                  </p:tgtEl>
+                </p:cond>
+              </p:prevCondLst>
+              <p:nextCondLst>
+                <p:cond evt="onNext" delay="0">
+                  <p:tgtEl>
+                    <p:sldTgt/>
+                  </p:tgtEl>
+                </p:cond>
+              </p:nextCondLst>
+            </p:seq>
+          </p:childTnLst>
+        </p:cTn>
+      </p:par>
+    </p:tnLst>
+  </p:timing>
+</p:sld>
+</file>
+
+<file path=ppt/slides/slide6.xml><?xml version="1.0" encoding="utf-8"?>
 <p:sld xmlns:a="http://schemas.openxmlformats.org/drawingml/2006/main" xmlns:r="http://schemas.openxmlformats.org/officeDocument/2006/relationships" xmlns:p="http://schemas.openxmlformats.org/presentationml/2006/main">
   <p:cSld>
     <p:bg>
@@ -29151,7 +29677,7 @@
 </p:sld>
 </file>
 
-<file path=ppt/slides/slide6.xml><?xml version="1.0" encoding="utf-8"?>
+<file path=ppt/slides/slide7.xml><?xml version="1.0" encoding="utf-8"?>
 <p:sld xmlns:a="http://schemas.openxmlformats.org/drawingml/2006/main" xmlns:r="http://schemas.openxmlformats.org/officeDocument/2006/relationships" xmlns:p="http://schemas.openxmlformats.org/presentationml/2006/main">
   <p:cSld>
     <p:spTree>
@@ -29265,145 +29791,6 @@
           <a:p>
             <a:pPr lvl="2"/>
             <a:endParaRPr lang="en-US" altLang="en-US" dirty="0"/>
-          </a:p>
-        </p:txBody>
-      </p:sp>
-    </p:spTree>
-  </p:cSld>
-  <p:clrMapOvr>
-    <a:masterClrMapping/>
-  </p:clrMapOvr>
-  <p:transition spd="slow"/>
-  <p:timing>
-    <p:tnLst>
-      <p:par>
-        <p:cTn id="1" dur="indefinite" restart="never" nodeType="tmRoot">
-          <p:childTnLst>
-            <p:seq concurrent="1" nextAc="seek">
-              <p:cTn id="2" dur="0" nodeType="mainSeq"/>
-              <p:prevCondLst>
-                <p:cond evt="onPrev" delay="0">
-                  <p:tgtEl>
-                    <p:sldTgt/>
-                  </p:tgtEl>
-                </p:cond>
-              </p:prevCondLst>
-              <p:nextCondLst>
-                <p:cond evt="onNext" delay="0">
-                  <p:tgtEl>
-                    <p:sldTgt/>
-                  </p:tgtEl>
-                </p:cond>
-              </p:nextCondLst>
-            </p:seq>
-          </p:childTnLst>
-        </p:cTn>
-      </p:par>
-    </p:tnLst>
-  </p:timing>
-</p:sld>
-</file>
-
-<file path=ppt/slides/slide7.xml><?xml version="1.0" encoding="utf-8"?>
-<p:sld xmlns:a="http://schemas.openxmlformats.org/drawingml/2006/main" xmlns:r="http://schemas.openxmlformats.org/officeDocument/2006/relationships" xmlns:p="http://schemas.openxmlformats.org/presentationml/2006/main">
-  <p:cSld>
-    <p:spTree>
-      <p:nvGrpSpPr>
-        <p:cNvPr id="1" name=""/>
-        <p:cNvGrpSpPr/>
-        <p:nvPr/>
-      </p:nvGrpSpPr>
-      <p:grpSpPr>
-        <a:xfrm>
-          <a:off x="0" y="0"/>
-          <a:ext cx="0" cy="0"/>
-          <a:chOff x="0" y="0"/>
-          <a:chExt cx="0" cy="0"/>
-        </a:xfrm>
-      </p:grpSpPr>
-      <p:sp>
-        <p:nvSpPr>
-          <p:cNvPr id="11265" name="Rectangle 1">
-            <a:extLst>
-              <a:ext uri="{FF2B5EF4-FFF2-40B4-BE49-F238E27FC236}">
-                <a16:creationId xmlns:a16="http://schemas.microsoft.com/office/drawing/2014/main" id="{051FD9CE-9D21-4F6C-8A51-09EE21C3A8F7}"/>
-              </a:ext>
-            </a:extLst>
-          </p:cNvPr>
-          <p:cNvSpPr>
-            <a:spLocks noGrp="1" noChangeArrowheads="1"/>
-          </p:cNvSpPr>
-          <p:nvPr>
-            <p:ph type="title"/>
-          </p:nvPr>
-        </p:nvSpPr>
-        <p:spPr/>
-        <p:txBody>
-          <a:bodyPr/>
-          <a:lstStyle/>
-          <a:p>
-            <a:r>
-              <a:rPr lang="en-US" altLang="en-US"/>
-              <a:t>Frequency and Mode</a:t>
-            </a:r>
-          </a:p>
-        </p:txBody>
-      </p:sp>
-      <p:sp>
-        <p:nvSpPr>
-          <p:cNvPr id="11266" name="Rectangle 2">
-            <a:extLst>
-              <a:ext uri="{FF2B5EF4-FFF2-40B4-BE49-F238E27FC236}">
-                <a16:creationId xmlns:a16="http://schemas.microsoft.com/office/drawing/2014/main" id="{0CE36B71-39EB-4924-9EE6-AAD29E2FD136}"/>
-              </a:ext>
-            </a:extLst>
-          </p:cNvPr>
-          <p:cNvSpPr>
-            <a:spLocks noGrp="1" noChangeArrowheads="1"/>
-          </p:cNvSpPr>
-          <p:nvPr>
-            <p:ph idx="1"/>
-          </p:nvPr>
-        </p:nvSpPr>
-        <p:spPr/>
-        <p:txBody>
-          <a:bodyPr/>
-          <a:lstStyle/>
-          <a:p>
-            <a:r>
-              <a:rPr lang="en-US" altLang="en-US" dirty="0"/>
-              <a:t>The frequency of an attribute value is the percentage of time the value occurs in the </a:t>
-            </a:r>
-            <a:br>
-              <a:rPr lang="en-US" altLang="en-US" dirty="0"/>
-            </a:br>
-            <a:r>
-              <a:rPr lang="en-US" altLang="en-US" dirty="0"/>
-              <a:t>data set </a:t>
-            </a:r>
-          </a:p>
-          <a:p>
-            <a:pPr lvl="1"/>
-            <a:r>
-              <a:rPr lang="en-US" altLang="en-US" dirty="0"/>
-              <a:t>For example, given the attribute ‘gender’ and a representative population of people, the gender ‘female’ occurs about 50% of the time.</a:t>
-            </a:r>
-          </a:p>
-          <a:p>
-            <a:r>
-              <a:rPr lang="en-US" altLang="en-US" dirty="0"/>
-              <a:t>The mode of an attribute is the most frequent attribute value   </a:t>
-            </a:r>
-          </a:p>
-          <a:p>
-            <a:r>
-              <a:rPr lang="en-US" altLang="en-US" dirty="0"/>
-              <a:t>The notions of frequency and mode are typically used with </a:t>
-            </a:r>
-            <a:r>
-              <a:rPr lang="en-US" altLang="en-US" b="1" dirty="0"/>
-              <a:t>categorical data.</a:t>
-            </a:r>
           </a:p>
         </p:txBody>
       </p:sp>
@@ -29460,86 +29847,12 @@
           <a:chExt cx="0" cy="0"/>
         </a:xfrm>
       </p:grpSpPr>
-      <p:pic>
-        <p:nvPicPr>
-          <p:cNvPr id="12289" name="Picture 1">
-            <a:extLst>
-              <a:ext uri="{FF2B5EF4-FFF2-40B4-BE49-F238E27FC236}">
-                <a16:creationId xmlns:a16="http://schemas.microsoft.com/office/drawing/2014/main" id="{1AF76B35-C3A3-4804-B4A8-D4A8C3BF5C1F}"/>
-              </a:ext>
-            </a:extLst>
-          </p:cNvPr>
-          <p:cNvPicPr>
-            <a:picLocks noChangeAspect="1" noChangeArrowheads="1"/>
-          </p:cNvPicPr>
-          <p:nvPr/>
-        </p:nvPicPr>
-        <p:blipFill>
-          <a:blip r:embed="rId3">
-            <a:extLst>
-              <a:ext uri="{28A0092B-C50C-407E-A947-70E740481C1C}">
-                <a14:useLocalDpi xmlns:a14="http://schemas.microsoft.com/office/drawing/2010/main" val="0"/>
-              </a:ext>
-            </a:extLst>
-          </a:blip>
-          <a:srcRect/>
-          <a:stretch>
-            <a:fillRect/>
-          </a:stretch>
-        </p:blipFill>
-        <p:spPr bwMode="auto">
-          <a:xfrm>
-            <a:off x="768350" y="3841059"/>
-            <a:ext cx="7385050" cy="2253354"/>
-          </a:xfrm>
-          <a:prstGeom prst="rect">
-            <a:avLst/>
-          </a:prstGeom>
-          <a:noFill/>
-          <a:ln>
-            <a:noFill/>
-          </a:ln>
-          <a:effectLst/>
-          <a:extLst>
-            <a:ext uri="{909E8E84-426E-40DD-AFC4-6F175D3DCCD1}">
-              <a14:hiddenFill xmlns:a14="http://schemas.microsoft.com/office/drawing/2010/main">
-                <a:blipFill dpi="0" rotWithShape="0">
-                  <a:blip/>
-                  <a:srcRect/>
-                  <a:stretch>
-                    <a:fillRect/>
-                  </a:stretch>
-                </a:blipFill>
-              </a14:hiddenFill>
-            </a:ext>
-            <a:ext uri="{91240B29-F687-4F45-9708-019B960494DF}">
-              <a14:hiddenLine xmlns:a14="http://schemas.microsoft.com/office/drawing/2010/main" w="9525" cap="flat">
-                <a:solidFill>
-                  <a:srgbClr val="808080"/>
-                </a:solidFill>
-                <a:round/>
-                <a:headEnd/>
-                <a:tailEnd/>
-              </a14:hiddenLine>
-            </a:ext>
-            <a:ext uri="{AF507438-7753-43E0-B8FC-AC1667EBCBE1}">
-              <a14:hiddenEffects xmlns:a14="http://schemas.microsoft.com/office/drawing/2010/main">
-                <a:effectLst>
-                  <a:outerShdw dist="35921" dir="2700000" algn="ctr" rotWithShape="0">
-                    <a:srgbClr val="808080"/>
-                  </a:outerShdw>
-                </a:effectLst>
-              </a14:hiddenEffects>
-            </a:ext>
-          </a:extLst>
-        </p:spPr>
-      </p:pic>
       <p:sp>
         <p:nvSpPr>
-          <p:cNvPr id="12290" name="Rectangle 2">
+          <p:cNvPr id="11265" name="Rectangle 1">
             <a:extLst>
               <a:ext uri="{FF2B5EF4-FFF2-40B4-BE49-F238E27FC236}">
-                <a16:creationId xmlns:a16="http://schemas.microsoft.com/office/drawing/2014/main" id="{D21C93A8-D6B4-4C64-9ED1-28E48DE76F04}"/>
+                <a16:creationId xmlns:a16="http://schemas.microsoft.com/office/drawing/2014/main" id="{051FD9CE-9D21-4F6C-8A51-09EE21C3A8F7}"/>
               </a:ext>
             </a:extLst>
           </p:cNvPr>
@@ -29557,17 +29870,17 @@
           <a:p>
             <a:r>
               <a:rPr lang="en-US" altLang="en-US"/>
-              <a:t>Measures of Location: Mean and Median</a:t>
+              <a:t>Frequency and Mode</a:t>
             </a:r>
           </a:p>
         </p:txBody>
       </p:sp>
       <p:sp>
         <p:nvSpPr>
-          <p:cNvPr id="12291" name="Rectangle 3">
+          <p:cNvPr id="11266" name="Rectangle 2">
             <a:extLst>
               <a:ext uri="{FF2B5EF4-FFF2-40B4-BE49-F238E27FC236}">
-                <a16:creationId xmlns:a16="http://schemas.microsoft.com/office/drawing/2014/main" id="{FA29CB96-8179-4F1B-A01A-89467E04483D}"/>
+                <a16:creationId xmlns:a16="http://schemas.microsoft.com/office/drawing/2014/main" id="{0CE36B71-39EB-4924-9EE6-AAD29E2FD136}"/>
               </a:ext>
             </a:extLst>
           </p:cNvPr>
@@ -29585,25 +29898,37 @@
           <a:p>
             <a:r>
               <a:rPr lang="en-US" altLang="en-US" dirty="0"/>
-              <a:t>For quantitative features.</a:t>
+              <a:t>The frequency of an attribute value is the percentage of time the value occurs in the </a:t>
             </a:r>
-          </a:p>
-          <a:p>
+            <a:br>
+              <a:rPr lang="en-US" altLang="en-US" dirty="0"/>
+            </a:br>
             <a:r>
               <a:rPr lang="en-US" altLang="en-US" dirty="0"/>
-              <a:t>The mean is the most common measure of the location of a set of points.  </a:t>
+              <a:t>data set </a:t>
             </a:r>
           </a:p>
           <a:p>
+            <a:pPr lvl="1"/>
             <a:r>
               <a:rPr lang="en-US" altLang="en-US" dirty="0"/>
-              <a:t>However, the mean is very sensitive to outliers.   </a:t>
+              <a:t>For example, given the attribute ‘gender’ and a representative population of people, the gender ‘female’ occurs about 50% of the time.</a:t>
             </a:r>
           </a:p>
           <a:p>
             <a:r>
               <a:rPr lang="en-US" altLang="en-US" dirty="0"/>
-              <a:t>Thus, the median or a trimmed mean is also commonly used.</a:t>
+              <a:t>The mode of an attribute is the most frequent attribute value   </a:t>
+            </a:r>
+          </a:p>
+          <a:p>
+            <a:r>
+              <a:rPr lang="en-US" altLang="en-US" dirty="0"/>
+              <a:t>The notions of frequency and mode are typically used with </a:t>
+            </a:r>
+            <a:r>
+              <a:rPr lang="en-US" altLang="en-US" b="1" dirty="0"/>
+              <a:t>categorical data.</a:t>
             </a:r>
           </a:p>
         </p:txBody>
@@ -29663,10 +29988,10 @@
       </p:grpSpPr>
       <p:pic>
         <p:nvPicPr>
-          <p:cNvPr id="13316" name="Picture 4">
+          <p:cNvPr id="12289" name="Picture 1">
             <a:extLst>
               <a:ext uri="{FF2B5EF4-FFF2-40B4-BE49-F238E27FC236}">
-                <a16:creationId xmlns:a16="http://schemas.microsoft.com/office/drawing/2014/main" id="{38E2721B-97D5-4F70-9D0A-E9E433E4C3F6}"/>
+                <a16:creationId xmlns:a16="http://schemas.microsoft.com/office/drawing/2014/main" id="{1AF76B35-C3A3-4804-B4A8-D4A8C3BF5C1F}"/>
               </a:ext>
             </a:extLst>
           </p:cNvPr>
@@ -29676,7 +30001,7 @@
           <p:nvPr/>
         </p:nvPicPr>
         <p:blipFill>
-          <a:blip r:embed="rId4">
+          <a:blip r:embed="rId3">
             <a:extLst>
               <a:ext uri="{28A0092B-C50C-407E-A947-70E740481C1C}">
                 <a14:useLocalDpi xmlns:a14="http://schemas.microsoft.com/office/drawing/2010/main" val="0"/>
@@ -29690,8 +30015,8 @@
         </p:blipFill>
         <p:spPr bwMode="auto">
           <a:xfrm>
-            <a:off x="1589256" y="4191000"/>
-            <a:ext cx="5268744" cy="2073274"/>
+            <a:off x="768350" y="3841059"/>
+            <a:ext cx="7385050" cy="2253354"/>
           </a:xfrm>
           <a:prstGeom prst="rect">
             <a:avLst/>
@@ -29735,86 +30060,12 @@
           </a:extLst>
         </p:spPr>
       </p:pic>
-      <p:graphicFrame>
-        <p:nvGraphicFramePr>
-          <p:cNvPr id="13315" name="Object 3">
-            <a:extLst>
-              <a:ext uri="{FF2B5EF4-FFF2-40B4-BE49-F238E27FC236}">
-                <a16:creationId xmlns:a16="http://schemas.microsoft.com/office/drawing/2014/main" id="{79741D28-E26E-4793-AE08-9FD8B66F1BC1}"/>
-              </a:ext>
-            </a:extLst>
-          </p:cNvPr>
-          <p:cNvGraphicFramePr>
-            <a:graphicFrameLocks noChangeAspect="1"/>
-          </p:cNvGraphicFramePr>
-          <p:nvPr>
-            <p:extLst>
-              <p:ext uri="{D42A27DB-BD31-4B8C-83A1-F6EECF244321}">
-                <p14:modId xmlns:p14="http://schemas.microsoft.com/office/powerpoint/2010/main" val="1756295091"/>
-              </p:ext>
-            </p:extLst>
-          </p:nvPr>
-        </p:nvGraphicFramePr>
-        <p:xfrm>
-          <a:off x="822325" y="1752600"/>
-          <a:ext cx="6505575" cy="1909762"/>
-        </p:xfrm>
-        <a:graphic>
-          <a:graphicData uri="http://schemas.openxmlformats.org/presentationml/2006/ole">
-            <mc:AlternateContent xmlns:mc="http://schemas.openxmlformats.org/markup-compatibility/2006">
-              <mc:Choice xmlns:v="urn:schemas-microsoft-com:vml" Requires="v">
-                <p:oleObj spid="_x0000_s13326" r:id="rId5" imgW="6506280" imgH="1909440" progId="">
-                  <p:embed/>
-                </p:oleObj>
-              </mc:Choice>
-              <mc:Fallback>
-                <p:oleObj r:id="rId5" imgW="6506280" imgH="1909440" progId="">
-                  <p:embed/>
-                  <p:pic>
-                    <p:nvPicPr>
-                      <p:cNvPr id="0" name="Object 3"/>
-                      <p:cNvPicPr>
-                        <a:picLocks noChangeAspect="1" noChangeArrowheads="1"/>
-                      </p:cNvPicPr>
-                      <p:nvPr/>
-                    </p:nvPicPr>
-                    <p:blipFill>
-                      <a:blip r:embed="rId6">
-                        <a:extLst>
-                          <a:ext uri="{28A0092B-C50C-407E-A947-70E740481C1C}">
-                            <a14:useLocalDpi xmlns:a14="http://schemas.microsoft.com/office/drawing/2010/main" val="0"/>
-                          </a:ext>
-                        </a:extLst>
-                      </a:blip>
-                      <a:srcRect/>
-                      <a:stretch>
-                        <a:fillRect/>
-                      </a:stretch>
-                    </p:blipFill>
-                    <p:spPr bwMode="auto">
-                      <a:xfrm>
-                        <a:off x="822325" y="1752600"/>
-                        <a:ext cx="6505575" cy="1909762"/>
-                      </a:xfrm>
-                      <a:prstGeom prst="rect">
-                        <a:avLst/>
-                      </a:prstGeom>
-                      <a:noFill/>
-                      <a:effectLst/>
-                    </p:spPr>
-                  </p:pic>
-                </p:oleObj>
-              </mc:Fallback>
-            </mc:AlternateContent>
-          </a:graphicData>
-        </a:graphic>
-      </p:graphicFrame>
       <p:sp>
         <p:nvSpPr>
-          <p:cNvPr id="13313" name="Rectangle 1">
+          <p:cNvPr id="12290" name="Rectangle 2">
             <a:extLst>
               <a:ext uri="{FF2B5EF4-FFF2-40B4-BE49-F238E27FC236}">
-                <a16:creationId xmlns:a16="http://schemas.microsoft.com/office/drawing/2014/main" id="{4DB3A995-39B7-4FE7-A0F6-93F991C4BE6C}"/>
+                <a16:creationId xmlns:a16="http://schemas.microsoft.com/office/drawing/2014/main" id="{D21C93A8-D6B4-4C64-9ED1-28E48DE76F04}"/>
               </a:ext>
             </a:extLst>
           </p:cNvPr>
@@ -29832,17 +30083,17 @@
           <a:p>
             <a:r>
               <a:rPr lang="en-US" altLang="en-US"/>
-              <a:t>Measures of Spread: Range and Variance</a:t>
+              <a:t>Measures of Location: Mean and Median</a:t>
             </a:r>
           </a:p>
         </p:txBody>
       </p:sp>
       <p:sp>
         <p:nvSpPr>
-          <p:cNvPr id="13314" name="Rectangle 2">
+          <p:cNvPr id="12291" name="Rectangle 3">
             <a:extLst>
               <a:ext uri="{FF2B5EF4-FFF2-40B4-BE49-F238E27FC236}">
-                <a16:creationId xmlns:a16="http://schemas.microsoft.com/office/drawing/2014/main" id="{DAAF4BEE-76FA-4B9F-973D-1D40621BDD3B}"/>
+                <a16:creationId xmlns:a16="http://schemas.microsoft.com/office/drawing/2014/main" id="{FA29CB96-8179-4F1B-A01A-89467E04483D}"/>
               </a:ext>
             </a:extLst>
           </p:cNvPr>
@@ -29860,103 +30111,29 @@
           <a:p>
             <a:r>
               <a:rPr lang="en-US" altLang="en-US" dirty="0"/>
-              <a:t>Range is the difference between the max and min</a:t>
+              <a:t>For quantitative features.</a:t>
             </a:r>
           </a:p>
           <a:p>
             <a:r>
               <a:rPr lang="en-US" altLang="en-US" dirty="0"/>
-              <a:t>The variance or standard deviation is the most common measure of the spread of a set of points. </a:t>
+              <a:t>The mean is the most common measure of the location of a set of points.  </a:t>
             </a:r>
-          </a:p>
-          <a:p>
-            <a:endParaRPr lang="en-US" altLang="en-US" dirty="0"/>
-          </a:p>
-          <a:p>
-            <a:endParaRPr lang="en-US" altLang="en-US" dirty="0"/>
           </a:p>
           <a:p>
             <a:r>
               <a:rPr lang="en-US" altLang="en-US" dirty="0"/>
-              <a:t>However, this is also sensitive to outliers, so that other measures are often used.  </a:t>
+              <a:t>However, the mean is very sensitive to outliers.   </a:t>
+            </a:r>
+          </a:p>
+          <a:p>
+            <a:r>
+              <a:rPr lang="en-US" altLang="en-US" dirty="0"/>
+              <a:t>Thus, the median or a trimmed mean is also commonly used.</a:t>
             </a:r>
           </a:p>
         </p:txBody>
       </p:sp>
-      <p:pic>
-        <p:nvPicPr>
-          <p:cNvPr id="13317" name="Picture 5">
-            <a:extLst>
-              <a:ext uri="{FF2B5EF4-FFF2-40B4-BE49-F238E27FC236}">
-                <a16:creationId xmlns:a16="http://schemas.microsoft.com/office/drawing/2014/main" id="{107FC34B-2CA7-41C0-A173-13415875FC9C}"/>
-              </a:ext>
-            </a:extLst>
-          </p:cNvPr>
-          <p:cNvPicPr>
-            <a:picLocks noChangeAspect="1" noChangeArrowheads="1"/>
-          </p:cNvPicPr>
-          <p:nvPr/>
-        </p:nvPicPr>
-        <p:blipFill>
-          <a:blip r:embed="rId7">
-            <a:extLst>
-              <a:ext uri="{28A0092B-C50C-407E-A947-70E740481C1C}">
-                <a14:useLocalDpi xmlns:a14="http://schemas.microsoft.com/office/drawing/2010/main" val="0"/>
-              </a:ext>
-            </a:extLst>
-          </a:blip>
-          <a:srcRect/>
-          <a:stretch>
-            <a:fillRect/>
-          </a:stretch>
-        </p:blipFill>
-        <p:spPr bwMode="auto">
-          <a:xfrm>
-            <a:off x="7772400" y="6130925"/>
-            <a:ext cx="701675" cy="542925"/>
-          </a:xfrm>
-          <a:prstGeom prst="rect">
-            <a:avLst/>
-          </a:prstGeom>
-          <a:noFill/>
-          <a:ln>
-            <a:noFill/>
-          </a:ln>
-          <a:effectLst/>
-          <a:extLst>
-            <a:ext uri="{909E8E84-426E-40DD-AFC4-6F175D3DCCD1}">
-              <a14:hiddenFill xmlns:a14="http://schemas.microsoft.com/office/drawing/2010/main">
-                <a:blipFill dpi="0" rotWithShape="0">
-                  <a:blip/>
-                  <a:srcRect/>
-                  <a:stretch>
-                    <a:fillRect/>
-                  </a:stretch>
-                </a:blipFill>
-              </a14:hiddenFill>
-            </a:ext>
-            <a:ext uri="{91240B29-F687-4F45-9708-019B960494DF}">
-              <a14:hiddenLine xmlns:a14="http://schemas.microsoft.com/office/drawing/2010/main" w="9525" cap="flat">
-                <a:solidFill>
-                  <a:srgbClr val="808080"/>
-                </a:solidFill>
-                <a:round/>
-                <a:headEnd/>
-                <a:tailEnd/>
-              </a14:hiddenLine>
-            </a:ext>
-            <a:ext uri="{AF507438-7753-43E0-B8FC-AC1667EBCBE1}">
-              <a14:hiddenEffects xmlns:a14="http://schemas.microsoft.com/office/drawing/2010/main">
-                <a:effectLst>
-                  <a:outerShdw dist="35921" dir="2700000" algn="ctr" rotWithShape="0">
-                    <a:srgbClr val="808080"/>
-                  </a:outerShdw>
-                </a:effectLst>
-              </a14:hiddenEffects>
-            </a:ext>
-          </a:extLst>
-        </p:spPr>
-      </p:pic>
     </p:spTree>
   </p:cSld>
   <p:clrMapOvr>

--- a/slides/chap2_exploration.pptx
+++ b/slides/chap2_exploration.pptx
@@ -9907,7 +9907,22 @@
                   <a:schemeClr val="bg1"/>
                 </a:solidFill>
               </a:rPr>
-              <a:t>Introduction to Data Mining </a:t>
+              <a:t>Introduction to</a:t>
+            </a:r>
+            <a:br>
+              <a:rPr lang="en-US" altLang="en-US" sz="2900" b="1" dirty="0">
+                <a:solidFill>
+                  <a:schemeClr val="bg1"/>
+                </a:solidFill>
+              </a:rPr>
+            </a:br>
+            <a:r>
+              <a:rPr lang="en-US" altLang="en-US" sz="2900" b="1" dirty="0">
+                <a:solidFill>
+                  <a:schemeClr val="bg1"/>
+                </a:solidFill>
+              </a:rPr>
+              <a:t>Data Mining </a:t>
             </a:r>
             <a:br>
               <a:rPr lang="en-US" altLang="en-US" sz="2900" dirty="0">
@@ -9936,7 +9951,15 @@
                   <a:schemeClr val="bg1"/>
                 </a:solidFill>
               </a:rPr>
-              <a:t>Chapter 3 </a:t>
+              <a:t>Chapter 2 (</a:t>
+            </a:r>
+            <a:r>
+              <a:rPr lang="en-US" altLang="en-US" sz="2900">
+                <a:solidFill>
+                  <a:schemeClr val="bg1"/>
+                </a:solidFill>
+              </a:rPr>
+              <a:t>addl)</a:t>
             </a:r>
             <a:br>
               <a:rPr lang="en-US" altLang="en-US" sz="2900" dirty="0">
@@ -10022,15 +10045,7 @@
                   <a:schemeClr val="bg1"/>
                 </a:solidFill>
               </a:rPr>
-              <a:t>Based in Slides by </a:t>
-            </a:r>
-            <a:r>
-              <a:rPr lang="en-US" sz="1700" dirty="0" err="1">
-                <a:solidFill>
-                  <a:schemeClr val="bg1"/>
-                </a:solidFill>
-              </a:rPr>
-              <a:t>by</a:t>
+              <a:t>Based in Slides </a:t>
             </a:r>
             <a:r>
               <a:rPr lang="en-US" sz="1700" dirty="0">
@@ -10038,7 +10053,7 @@
                   <a:schemeClr val="bg1"/>
                 </a:solidFill>
               </a:rPr>
-              <a:t> Tan, Steinbach, </a:t>
+              <a:t>by Tan, Steinbach, </a:t>
             </a:r>
             <a:r>
               <a:rPr lang="en-US" sz="1700" dirty="0" err="1">

--- a/slides/chap2_exploration.pptx
+++ b/slides/chap2_exploration.pptx
@@ -5,46 +5,48 @@
     <p:sldMasterId id="2147483675" r:id="rId1"/>
   </p:sldMasterIdLst>
   <p:notesMasterIdLst>
-    <p:notesMasterId r:id="rId39"/>
+    <p:notesMasterId r:id="rId41"/>
   </p:notesMasterIdLst>
   <p:sldIdLst>
     <p:sldId id="334" r:id="rId2"/>
     <p:sldId id="335" r:id="rId3"/>
-    <p:sldId id="305" r:id="rId4"/>
-    <p:sldId id="258" r:id="rId5"/>
-    <p:sldId id="259" r:id="rId6"/>
-    <p:sldId id="306" r:id="rId7"/>
-    <p:sldId id="262" r:id="rId8"/>
-    <p:sldId id="263" r:id="rId9"/>
-    <p:sldId id="264" r:id="rId10"/>
-    <p:sldId id="265" r:id="rId11"/>
-    <p:sldId id="266" r:id="rId12"/>
-    <p:sldId id="267" r:id="rId13"/>
-    <p:sldId id="268" r:id="rId14"/>
-    <p:sldId id="307" r:id="rId15"/>
-    <p:sldId id="270" r:id="rId16"/>
-    <p:sldId id="271" r:id="rId17"/>
-    <p:sldId id="272" r:id="rId18"/>
-    <p:sldId id="273" r:id="rId19"/>
-    <p:sldId id="274" r:id="rId20"/>
-    <p:sldId id="260" r:id="rId21"/>
-    <p:sldId id="275" r:id="rId22"/>
-    <p:sldId id="276" r:id="rId23"/>
-    <p:sldId id="277" r:id="rId24"/>
-    <p:sldId id="279" r:id="rId25"/>
-    <p:sldId id="280" r:id="rId26"/>
-    <p:sldId id="278" r:id="rId27"/>
-    <p:sldId id="281" r:id="rId28"/>
-    <p:sldId id="282" r:id="rId29"/>
-    <p:sldId id="283" r:id="rId30"/>
-    <p:sldId id="285" r:id="rId31"/>
-    <p:sldId id="286" r:id="rId32"/>
-    <p:sldId id="287" r:id="rId33"/>
-    <p:sldId id="288" r:id="rId34"/>
-    <p:sldId id="289" r:id="rId35"/>
-    <p:sldId id="290" r:id="rId36"/>
-    <p:sldId id="291" r:id="rId37"/>
-    <p:sldId id="292" r:id="rId38"/>
+    <p:sldId id="337" r:id="rId4"/>
+    <p:sldId id="305" r:id="rId5"/>
+    <p:sldId id="258" r:id="rId6"/>
+    <p:sldId id="259" r:id="rId7"/>
+    <p:sldId id="306" r:id="rId8"/>
+    <p:sldId id="262" r:id="rId9"/>
+    <p:sldId id="263" r:id="rId10"/>
+    <p:sldId id="264" r:id="rId11"/>
+    <p:sldId id="265" r:id="rId12"/>
+    <p:sldId id="266" r:id="rId13"/>
+    <p:sldId id="267" r:id="rId14"/>
+    <p:sldId id="268" r:id="rId15"/>
+    <p:sldId id="307" r:id="rId16"/>
+    <p:sldId id="270" r:id="rId17"/>
+    <p:sldId id="271" r:id="rId18"/>
+    <p:sldId id="272" r:id="rId19"/>
+    <p:sldId id="273" r:id="rId20"/>
+    <p:sldId id="274" r:id="rId21"/>
+    <p:sldId id="260" r:id="rId22"/>
+    <p:sldId id="275" r:id="rId23"/>
+    <p:sldId id="276" r:id="rId24"/>
+    <p:sldId id="277" r:id="rId25"/>
+    <p:sldId id="279" r:id="rId26"/>
+    <p:sldId id="280" r:id="rId27"/>
+    <p:sldId id="278" r:id="rId28"/>
+    <p:sldId id="281" r:id="rId29"/>
+    <p:sldId id="282" r:id="rId30"/>
+    <p:sldId id="283" r:id="rId31"/>
+    <p:sldId id="285" r:id="rId32"/>
+    <p:sldId id="286" r:id="rId33"/>
+    <p:sldId id="287" r:id="rId34"/>
+    <p:sldId id="288" r:id="rId35"/>
+    <p:sldId id="289" r:id="rId36"/>
+    <p:sldId id="290" r:id="rId37"/>
+    <p:sldId id="291" r:id="rId38"/>
+    <p:sldId id="292" r:id="rId39"/>
+    <p:sldId id="336" r:id="rId40"/>
   </p:sldIdLst>
   <p:sldSz cx="9144000" cy="6858000" type="screen4x3"/>
   <p:notesSz cx="7315200" cy="9601200"/>
@@ -5906,7 +5908,7 @@
           <a:p>
             <a:fld id="{AEE3A5ED-0979-46C2-BDB3-6C1F641153D0}" type="datetimeFigureOut">
               <a:rPr lang="en-US" smtClean="0"/>
-              <a:t>6/18/2024</a:t>
+              <a:t>8/12/2024</a:t>
             </a:fld>
             <a:endParaRPr lang="en-US"/>
           </a:p>
@@ -6104,7 +6106,7 @@
           <a:p>
             <a:fld id="{AEE3A5ED-0979-46C2-BDB3-6C1F641153D0}" type="datetimeFigureOut">
               <a:rPr lang="en-US" smtClean="0"/>
-              <a:t>6/18/2024</a:t>
+              <a:t>8/12/2024</a:t>
             </a:fld>
             <a:endParaRPr lang="en-US"/>
           </a:p>
@@ -6312,7 +6314,7 @@
           <a:p>
             <a:fld id="{AEE3A5ED-0979-46C2-BDB3-6C1F641153D0}" type="datetimeFigureOut">
               <a:rPr lang="en-US" smtClean="0"/>
-              <a:t>6/18/2024</a:t>
+              <a:t>8/12/2024</a:t>
             </a:fld>
             <a:endParaRPr lang="en-US"/>
           </a:p>
@@ -7212,7 +7214,7 @@
           <a:p>
             <a:fld id="{AEE3A5ED-0979-46C2-BDB3-6C1F641153D0}" type="datetimeFigureOut">
               <a:rPr lang="en-US" smtClean="0"/>
-              <a:t>6/18/2024</a:t>
+              <a:t>8/12/2024</a:t>
             </a:fld>
             <a:endParaRPr lang="en-US"/>
           </a:p>
@@ -7487,7 +7489,7 @@
           <a:p>
             <a:fld id="{AEE3A5ED-0979-46C2-BDB3-6C1F641153D0}" type="datetimeFigureOut">
               <a:rPr lang="en-US" smtClean="0"/>
-              <a:t>6/18/2024</a:t>
+              <a:t>8/12/2024</a:t>
             </a:fld>
             <a:endParaRPr lang="en-US"/>
           </a:p>
@@ -7752,7 +7754,7 @@
           <a:p>
             <a:fld id="{AEE3A5ED-0979-46C2-BDB3-6C1F641153D0}" type="datetimeFigureOut">
               <a:rPr lang="en-US" smtClean="0"/>
-              <a:t>6/18/2024</a:t>
+              <a:t>8/12/2024</a:t>
             </a:fld>
             <a:endParaRPr lang="en-US"/>
           </a:p>
@@ -8164,7 +8166,7 @@
           <a:p>
             <a:fld id="{AEE3A5ED-0979-46C2-BDB3-6C1F641153D0}" type="datetimeFigureOut">
               <a:rPr lang="en-US" smtClean="0"/>
-              <a:t>6/18/2024</a:t>
+              <a:t>8/12/2024</a:t>
             </a:fld>
             <a:endParaRPr lang="en-US"/>
           </a:p>
@@ -8305,7 +8307,7 @@
           <a:p>
             <a:fld id="{AEE3A5ED-0979-46C2-BDB3-6C1F641153D0}" type="datetimeFigureOut">
               <a:rPr lang="en-US" smtClean="0"/>
-              <a:t>6/18/2024</a:t>
+              <a:t>8/12/2024</a:t>
             </a:fld>
             <a:endParaRPr lang="en-US"/>
           </a:p>
@@ -8418,7 +8420,7 @@
           <a:p>
             <a:fld id="{AEE3A5ED-0979-46C2-BDB3-6C1F641153D0}" type="datetimeFigureOut">
               <a:rPr lang="en-US" smtClean="0"/>
-              <a:t>6/18/2024</a:t>
+              <a:t>8/12/2024</a:t>
             </a:fld>
             <a:endParaRPr lang="en-US"/>
           </a:p>
@@ -8729,7 +8731,7 @@
           <a:p>
             <a:fld id="{AEE3A5ED-0979-46C2-BDB3-6C1F641153D0}" type="datetimeFigureOut">
               <a:rPr lang="en-US" smtClean="0"/>
-              <a:t>6/18/2024</a:t>
+              <a:t>8/12/2024</a:t>
             </a:fld>
             <a:endParaRPr lang="en-US"/>
           </a:p>
@@ -9017,7 +9019,7 @@
           <a:p>
             <a:fld id="{AEE3A5ED-0979-46C2-BDB3-6C1F641153D0}" type="datetimeFigureOut">
               <a:rPr lang="en-US" smtClean="0"/>
-              <a:t>6/18/2024</a:t>
+              <a:t>8/12/2024</a:t>
             </a:fld>
             <a:endParaRPr lang="en-US"/>
           </a:p>
@@ -9258,7 +9260,7 @@
           <a:p>
             <a:fld id="{AEE3A5ED-0979-46C2-BDB3-6C1F641153D0}" type="datetimeFigureOut">
               <a:rPr lang="en-US" smtClean="0"/>
-              <a:t>6/18/2024</a:t>
+              <a:t>8/12/2024</a:t>
             </a:fld>
             <a:endParaRPr lang="en-US"/>
           </a:p>
@@ -9890,8 +9892,8 @@
         </p:nvSpPr>
         <p:spPr>
           <a:xfrm>
-            <a:off x="358485" y="1122363"/>
-            <a:ext cx="3017520" cy="3204134"/>
+            <a:off x="358485" y="1122362"/>
+            <a:ext cx="3017520" cy="3442845"/>
           </a:xfrm>
         </p:spPr>
         <p:txBody>
@@ -9951,15 +9953,7 @@
                   <a:schemeClr val="bg1"/>
                 </a:solidFill>
               </a:rPr>
-              <a:t>Chapter 2 (</a:t>
-            </a:r>
-            <a:r>
-              <a:rPr lang="en-US" altLang="en-US" sz="2900">
-                <a:solidFill>
-                  <a:schemeClr val="bg1"/>
-                </a:solidFill>
-              </a:rPr>
-              <a:t>addl)</a:t>
+              <a:t>Web Chapter</a:t>
             </a:r>
             <a:br>
               <a:rPr lang="en-US" altLang="en-US" sz="2900" dirty="0">
@@ -9974,7 +9968,7 @@
                   <a:schemeClr val="bg1"/>
                 </a:solidFill>
               </a:rPr>
-              <a:t>Data Exploration</a:t>
+              <a:t>Exploring Data</a:t>
             </a:r>
             <a:br>
               <a:rPr lang="en-US" altLang="en-US" sz="2900" dirty="0">
@@ -10262,6 +10256,207 @@
 </file>
 
 <file path=ppt/slides/slide10.xml><?xml version="1.0" encoding="utf-8"?>
+<p:sld xmlns:a="http://schemas.openxmlformats.org/drawingml/2006/main" xmlns:r="http://schemas.openxmlformats.org/officeDocument/2006/relationships" xmlns:p="http://schemas.openxmlformats.org/presentationml/2006/main">
+  <p:cSld>
+    <p:spTree>
+      <p:nvGrpSpPr>
+        <p:cNvPr id="1" name=""/>
+        <p:cNvGrpSpPr/>
+        <p:nvPr/>
+      </p:nvGrpSpPr>
+      <p:grpSpPr>
+        <a:xfrm>
+          <a:off x="0" y="0"/>
+          <a:ext cx="0" cy="0"/>
+          <a:chOff x="0" y="0"/>
+          <a:chExt cx="0" cy="0"/>
+        </a:xfrm>
+      </p:grpSpPr>
+      <p:pic>
+        <p:nvPicPr>
+          <p:cNvPr id="12289" name="Picture 1">
+            <a:extLst>
+              <a:ext uri="{FF2B5EF4-FFF2-40B4-BE49-F238E27FC236}">
+                <a16:creationId xmlns:a16="http://schemas.microsoft.com/office/drawing/2014/main" id="{1AF76B35-C3A3-4804-B4A8-D4A8C3BF5C1F}"/>
+              </a:ext>
+            </a:extLst>
+          </p:cNvPr>
+          <p:cNvPicPr>
+            <a:picLocks noChangeAspect="1" noChangeArrowheads="1"/>
+          </p:cNvPicPr>
+          <p:nvPr/>
+        </p:nvPicPr>
+        <p:blipFill>
+          <a:blip r:embed="rId3">
+            <a:extLst>
+              <a:ext uri="{28A0092B-C50C-407E-A947-70E740481C1C}">
+                <a14:useLocalDpi xmlns:a14="http://schemas.microsoft.com/office/drawing/2010/main" val="0"/>
+              </a:ext>
+            </a:extLst>
+          </a:blip>
+          <a:srcRect/>
+          <a:stretch>
+            <a:fillRect/>
+          </a:stretch>
+        </p:blipFill>
+        <p:spPr bwMode="auto">
+          <a:xfrm>
+            <a:off x="768350" y="3841059"/>
+            <a:ext cx="7385050" cy="2253354"/>
+          </a:xfrm>
+          <a:prstGeom prst="rect">
+            <a:avLst/>
+          </a:prstGeom>
+          <a:noFill/>
+          <a:ln>
+            <a:noFill/>
+          </a:ln>
+          <a:effectLst/>
+          <a:extLst>
+            <a:ext uri="{909E8E84-426E-40DD-AFC4-6F175D3DCCD1}">
+              <a14:hiddenFill xmlns:a14="http://schemas.microsoft.com/office/drawing/2010/main">
+                <a:blipFill dpi="0" rotWithShape="0">
+                  <a:blip/>
+                  <a:srcRect/>
+                  <a:stretch>
+                    <a:fillRect/>
+                  </a:stretch>
+                </a:blipFill>
+              </a14:hiddenFill>
+            </a:ext>
+            <a:ext uri="{91240B29-F687-4F45-9708-019B960494DF}">
+              <a14:hiddenLine xmlns:a14="http://schemas.microsoft.com/office/drawing/2010/main" w="9525" cap="flat">
+                <a:solidFill>
+                  <a:srgbClr val="808080"/>
+                </a:solidFill>
+                <a:round/>
+                <a:headEnd/>
+                <a:tailEnd/>
+              </a14:hiddenLine>
+            </a:ext>
+            <a:ext uri="{AF507438-7753-43E0-B8FC-AC1667EBCBE1}">
+              <a14:hiddenEffects xmlns:a14="http://schemas.microsoft.com/office/drawing/2010/main">
+                <a:effectLst>
+                  <a:outerShdw dist="35921" dir="2700000" algn="ctr" rotWithShape="0">
+                    <a:srgbClr val="808080"/>
+                  </a:outerShdw>
+                </a:effectLst>
+              </a14:hiddenEffects>
+            </a:ext>
+          </a:extLst>
+        </p:spPr>
+      </p:pic>
+      <p:sp>
+        <p:nvSpPr>
+          <p:cNvPr id="12290" name="Rectangle 2">
+            <a:extLst>
+              <a:ext uri="{FF2B5EF4-FFF2-40B4-BE49-F238E27FC236}">
+                <a16:creationId xmlns:a16="http://schemas.microsoft.com/office/drawing/2014/main" id="{D21C93A8-D6B4-4C64-9ED1-28E48DE76F04}"/>
+              </a:ext>
+            </a:extLst>
+          </p:cNvPr>
+          <p:cNvSpPr>
+            <a:spLocks noGrp="1" noChangeArrowheads="1"/>
+          </p:cNvSpPr>
+          <p:nvPr>
+            <p:ph type="title"/>
+          </p:nvPr>
+        </p:nvSpPr>
+        <p:spPr/>
+        <p:txBody>
+          <a:bodyPr/>
+          <a:lstStyle/>
+          <a:p>
+            <a:r>
+              <a:rPr lang="en-US" altLang="en-US"/>
+              <a:t>Measures of Location: Mean and Median</a:t>
+            </a:r>
+          </a:p>
+        </p:txBody>
+      </p:sp>
+      <p:sp>
+        <p:nvSpPr>
+          <p:cNvPr id="12291" name="Rectangle 3">
+            <a:extLst>
+              <a:ext uri="{FF2B5EF4-FFF2-40B4-BE49-F238E27FC236}">
+                <a16:creationId xmlns:a16="http://schemas.microsoft.com/office/drawing/2014/main" id="{FA29CB96-8179-4F1B-A01A-89467E04483D}"/>
+              </a:ext>
+            </a:extLst>
+          </p:cNvPr>
+          <p:cNvSpPr>
+            <a:spLocks noGrp="1" noChangeArrowheads="1"/>
+          </p:cNvSpPr>
+          <p:nvPr>
+            <p:ph idx="1"/>
+          </p:nvPr>
+        </p:nvSpPr>
+        <p:spPr/>
+        <p:txBody>
+          <a:bodyPr/>
+          <a:lstStyle/>
+          <a:p>
+            <a:r>
+              <a:rPr lang="en-US" altLang="en-US" dirty="0"/>
+              <a:t>For quantitative features.</a:t>
+            </a:r>
+          </a:p>
+          <a:p>
+            <a:r>
+              <a:rPr lang="en-US" altLang="en-US" dirty="0"/>
+              <a:t>The mean is the most common measure of the location of a set of points.  </a:t>
+            </a:r>
+          </a:p>
+          <a:p>
+            <a:r>
+              <a:rPr lang="en-US" altLang="en-US" dirty="0"/>
+              <a:t>However, the mean is very sensitive to outliers.   </a:t>
+            </a:r>
+          </a:p>
+          <a:p>
+            <a:r>
+              <a:rPr lang="en-US" altLang="en-US" dirty="0"/>
+              <a:t>Thus, the median or a trimmed mean is also commonly used.</a:t>
+            </a:r>
+          </a:p>
+        </p:txBody>
+      </p:sp>
+    </p:spTree>
+  </p:cSld>
+  <p:clrMapOvr>
+    <a:masterClrMapping/>
+  </p:clrMapOvr>
+  <p:transition spd="slow"/>
+  <p:timing>
+    <p:tnLst>
+      <p:par>
+        <p:cTn id="1" dur="indefinite" restart="never" nodeType="tmRoot">
+          <p:childTnLst>
+            <p:seq concurrent="1" nextAc="seek">
+              <p:cTn id="2" dur="0" nodeType="mainSeq"/>
+              <p:prevCondLst>
+                <p:cond evt="onPrev" delay="0">
+                  <p:tgtEl>
+                    <p:sldTgt/>
+                  </p:tgtEl>
+                </p:cond>
+              </p:prevCondLst>
+              <p:nextCondLst>
+                <p:cond evt="onNext" delay="0">
+                  <p:tgtEl>
+                    <p:sldTgt/>
+                  </p:tgtEl>
+                </p:cond>
+              </p:nextCondLst>
+            </p:seq>
+          </p:childTnLst>
+        </p:cTn>
+      </p:par>
+    </p:tnLst>
+  </p:timing>
+</p:sld>
+</file>
+
+<file path=ppt/slides/slide11.xml><?xml version="1.0" encoding="utf-8"?>
 <p:sld xmlns:a="http://schemas.openxmlformats.org/drawingml/2006/main" xmlns:r="http://schemas.openxmlformats.org/officeDocument/2006/relationships" xmlns:p="http://schemas.openxmlformats.org/presentationml/2006/main">
   <p:cSld>
     <p:spTree>
@@ -10610,7 +10805,7 @@
 </p:sld>
 </file>
 
-<file path=ppt/slides/slide11.xml><?xml version="1.0" encoding="utf-8"?>
+<file path=ppt/slides/slide12.xml><?xml version="1.0" encoding="utf-8"?>
 <p:sld xmlns:a="http://schemas.openxmlformats.org/drawingml/2006/main" xmlns:r="http://schemas.openxmlformats.org/officeDocument/2006/relationships" xmlns:p="http://schemas.openxmlformats.org/presentationml/2006/main">
   <p:cSld>
     <p:spTree>
@@ -10951,7 +11146,7 @@
 </p:sld>
 </file>
 
-<file path=ppt/slides/slide12.xml><?xml version="1.0" encoding="utf-8"?>
+<file path=ppt/slides/slide13.xml><?xml version="1.0" encoding="utf-8"?>
 <p:sld xmlns:a="http://schemas.openxmlformats.org/drawingml/2006/main" xmlns:r="http://schemas.openxmlformats.org/officeDocument/2006/relationships" xmlns:p="http://schemas.openxmlformats.org/presentationml/2006/main">
   <p:cSld>
     <p:spTree>
@@ -11792,7 +11987,7 @@
 </p:sld>
 </file>
 
-<file path=ppt/slides/slide13.xml><?xml version="1.0" encoding="utf-8"?>
+<file path=ppt/slides/slide14.xml><?xml version="1.0" encoding="utf-8"?>
 <p:sld xmlns:a="http://schemas.openxmlformats.org/drawingml/2006/main" xmlns:r="http://schemas.openxmlformats.org/officeDocument/2006/relationships" xmlns:p="http://schemas.openxmlformats.org/presentationml/2006/main">
   <p:cSld>
     <p:spTree>
@@ -17248,7 +17443,7 @@
 </p:sld>
 </file>
 
-<file path=ppt/slides/slide14.xml><?xml version="1.0" encoding="utf-8"?>
+<file path=ppt/slides/slide15.xml><?xml version="1.0" encoding="utf-8"?>
 <p:sld xmlns:a="http://schemas.openxmlformats.org/drawingml/2006/main" xmlns:r="http://schemas.openxmlformats.org/officeDocument/2006/relationships" xmlns:p="http://schemas.openxmlformats.org/presentationml/2006/main">
   <p:cSld>
     <p:bg>
@@ -17753,7 +17948,7 @@
 </p:sld>
 </file>
 
-<file path=ppt/slides/slide15.xml><?xml version="1.0" encoding="utf-8"?>
+<file path=ppt/slides/slide16.xml><?xml version="1.0" encoding="utf-8"?>
 <p:sld xmlns:a="http://schemas.openxmlformats.org/drawingml/2006/main" xmlns:r="http://schemas.openxmlformats.org/officeDocument/2006/relationships" xmlns:p="http://schemas.openxmlformats.org/presentationml/2006/main">
   <p:cSld>
     <p:spTree>
@@ -17904,7 +18099,7 @@
 </p:sld>
 </file>
 
-<file path=ppt/slides/slide16.xml><?xml version="1.0" encoding="utf-8"?>
+<file path=ppt/slides/slide17.xml><?xml version="1.0" encoding="utf-8"?>
 <p:sld xmlns:a="http://schemas.openxmlformats.org/drawingml/2006/main" xmlns:r="http://schemas.openxmlformats.org/officeDocument/2006/relationships" xmlns:p="http://schemas.openxmlformats.org/presentationml/2006/main">
   <p:cSld>
     <p:spTree>
@@ -18093,7 +18288,7 @@
 </p:sld>
 </file>
 
-<file path=ppt/slides/slide17.xml><?xml version="1.0" encoding="utf-8"?>
+<file path=ppt/slides/slide18.xml><?xml version="1.0" encoding="utf-8"?>
 <p:sld xmlns:a="http://schemas.openxmlformats.org/drawingml/2006/main" xmlns:r="http://schemas.openxmlformats.org/officeDocument/2006/relationships" xmlns:p="http://schemas.openxmlformats.org/presentationml/2006/main">
   <p:cSld>
     <p:spTree>
@@ -18235,7 +18430,7 @@
 </p:sld>
 </file>
 
-<file path=ppt/slides/slide18.xml><?xml version="1.0" encoding="utf-8"?>
+<file path=ppt/slides/slide19.xml><?xml version="1.0" encoding="utf-8"?>
 <p:sld xmlns:a="http://schemas.openxmlformats.org/drawingml/2006/main" xmlns:r="http://schemas.openxmlformats.org/officeDocument/2006/relationships" xmlns:p="http://schemas.openxmlformats.org/presentationml/2006/main">
   <p:cSld>
     <p:spTree>
@@ -18437,165 +18632,6 @@
 </p:sld>
 </file>
 
-<file path=ppt/slides/slide19.xml><?xml version="1.0" encoding="utf-8"?>
-<p:sld xmlns:a="http://schemas.openxmlformats.org/drawingml/2006/main" xmlns:r="http://schemas.openxmlformats.org/officeDocument/2006/relationships" xmlns:p="http://schemas.openxmlformats.org/presentationml/2006/main" show="0">
-  <p:cSld>
-    <p:spTree>
-      <p:nvGrpSpPr>
-        <p:cNvPr id="1" name=""/>
-        <p:cNvGrpSpPr/>
-        <p:nvPr/>
-      </p:nvGrpSpPr>
-      <p:grpSpPr>
-        <a:xfrm>
-          <a:off x="0" y="0"/>
-          <a:ext cx="0" cy="0"/>
-          <a:chOff x="0" y="0"/>
-          <a:chExt cx="0" cy="0"/>
-        </a:xfrm>
-      </p:grpSpPr>
-      <p:sp>
-        <p:nvSpPr>
-          <p:cNvPr id="22529" name="Rectangle 1">
-            <a:extLst>
-              <a:ext uri="{FF2B5EF4-FFF2-40B4-BE49-F238E27FC236}">
-                <a16:creationId xmlns:a16="http://schemas.microsoft.com/office/drawing/2014/main" id="{B1809546-A88D-463C-8DA4-B2FE421AF15E}"/>
-              </a:ext>
-            </a:extLst>
-          </p:cNvPr>
-          <p:cNvSpPr>
-            <a:spLocks noGrp="1" noChangeArrowheads="1"/>
-          </p:cNvSpPr>
-          <p:nvPr>
-            <p:ph type="title"/>
-          </p:nvPr>
-        </p:nvSpPr>
-        <p:spPr/>
-        <p:txBody>
-          <a:bodyPr/>
-          <a:lstStyle/>
-          <a:p>
-            <a:r>
-              <a:rPr lang="en-US" altLang="en-US"/>
-              <a:t>Selection</a:t>
-            </a:r>
-          </a:p>
-        </p:txBody>
-      </p:sp>
-      <p:sp>
-        <p:nvSpPr>
-          <p:cNvPr id="22530" name="Rectangle 2">
-            <a:extLst>
-              <a:ext uri="{FF2B5EF4-FFF2-40B4-BE49-F238E27FC236}">
-                <a16:creationId xmlns:a16="http://schemas.microsoft.com/office/drawing/2014/main" id="{8FAC5FF0-34FB-42F6-B23A-09A10D9C7295}"/>
-              </a:ext>
-            </a:extLst>
-          </p:cNvPr>
-          <p:cNvSpPr>
-            <a:spLocks noGrp="1" noChangeArrowheads="1"/>
-          </p:cNvSpPr>
-          <p:nvPr>
-            <p:ph idx="1"/>
-          </p:nvPr>
-        </p:nvSpPr>
-        <p:spPr/>
-        <p:txBody>
-          <a:bodyPr/>
-          <a:lstStyle/>
-          <a:p>
-            <a:r>
-              <a:rPr lang="en-US" altLang="en-US"/>
-              <a:t>Is the elimination or the deemphasis of certain objects and attributes</a:t>
-            </a:r>
-          </a:p>
-          <a:p>
-            <a:endParaRPr lang="en-US" altLang="en-US"/>
-          </a:p>
-          <a:p>
-            <a:r>
-              <a:rPr lang="en-US" altLang="en-US"/>
-              <a:t>Selection may involve the choosing a subset of attributes </a:t>
-            </a:r>
-          </a:p>
-          <a:p>
-            <a:pPr lvl="1"/>
-            <a:r>
-              <a:rPr lang="en-US" altLang="en-US"/>
-              <a:t>Dimensionality reduction is often used to reduce the number of dimensions to two or three</a:t>
-            </a:r>
-          </a:p>
-          <a:p>
-            <a:pPr lvl="1"/>
-            <a:r>
-              <a:rPr lang="en-US" altLang="en-US"/>
-              <a:t>Alternatively, pairs of attributes can be considered</a:t>
-            </a:r>
-          </a:p>
-          <a:p>
-            <a:endParaRPr lang="en-US" altLang="en-US"/>
-          </a:p>
-          <a:p>
-            <a:r>
-              <a:rPr lang="en-US" altLang="en-US"/>
-              <a:t>Selection may also involve choosing a subset of objects</a:t>
-            </a:r>
-          </a:p>
-          <a:p>
-            <a:pPr lvl="1"/>
-            <a:r>
-              <a:rPr lang="en-US" altLang="en-US"/>
-              <a:t> A region of the screen can only show so many points</a:t>
-            </a:r>
-          </a:p>
-          <a:p>
-            <a:pPr lvl="1"/>
-            <a:r>
-              <a:rPr lang="en-US" altLang="en-US"/>
-              <a:t>Can sample, but want to preserve points in sparse areas </a:t>
-            </a:r>
-          </a:p>
-          <a:p>
-            <a:pPr lvl="1"/>
-            <a:endParaRPr lang="en-US" altLang="en-US"/>
-          </a:p>
-        </p:txBody>
-      </p:sp>
-    </p:spTree>
-  </p:cSld>
-  <p:clrMapOvr>
-    <a:masterClrMapping/>
-  </p:clrMapOvr>
-  <p:transition spd="slow"/>
-  <p:timing>
-    <p:tnLst>
-      <p:par>
-        <p:cTn id="1" dur="indefinite" restart="never" nodeType="tmRoot">
-          <p:childTnLst>
-            <p:seq concurrent="1" nextAc="seek">
-              <p:cTn id="2" dur="0" nodeType="mainSeq"/>
-              <p:prevCondLst>
-                <p:cond evt="onPrev" delay="0">
-                  <p:tgtEl>
-                    <p:sldTgt/>
-                  </p:tgtEl>
-                </p:cond>
-              </p:prevCondLst>
-              <p:nextCondLst>
-                <p:cond evt="onNext" delay="0">
-                  <p:tgtEl>
-                    <p:sldTgt/>
-                  </p:tgtEl>
-                </p:cond>
-              </p:nextCondLst>
-            </p:seq>
-          </p:childTnLst>
-        </p:cTn>
-      </p:par>
-    </p:tnLst>
-  </p:timing>
-</p:sld>
-</file>
-
 <file path=ppt/slides/slide2.xml><?xml version="1.0" encoding="utf-8"?>
 <p:sld xmlns:a="http://schemas.openxmlformats.org/drawingml/2006/main" xmlns:r="http://schemas.openxmlformats.org/officeDocument/2006/relationships" xmlns:p="http://schemas.openxmlformats.org/presentationml/2006/main">
   <p:cSld>
@@ -18843,6 +18879,165 @@
 </file>
 
 <file path=ppt/slides/slide20.xml><?xml version="1.0" encoding="utf-8"?>
+<p:sld xmlns:a="http://schemas.openxmlformats.org/drawingml/2006/main" xmlns:r="http://schemas.openxmlformats.org/officeDocument/2006/relationships" xmlns:p="http://schemas.openxmlformats.org/presentationml/2006/main" show="0">
+  <p:cSld>
+    <p:spTree>
+      <p:nvGrpSpPr>
+        <p:cNvPr id="1" name=""/>
+        <p:cNvGrpSpPr/>
+        <p:nvPr/>
+      </p:nvGrpSpPr>
+      <p:grpSpPr>
+        <a:xfrm>
+          <a:off x="0" y="0"/>
+          <a:ext cx="0" cy="0"/>
+          <a:chOff x="0" y="0"/>
+          <a:chExt cx="0" cy="0"/>
+        </a:xfrm>
+      </p:grpSpPr>
+      <p:sp>
+        <p:nvSpPr>
+          <p:cNvPr id="22529" name="Rectangle 1">
+            <a:extLst>
+              <a:ext uri="{FF2B5EF4-FFF2-40B4-BE49-F238E27FC236}">
+                <a16:creationId xmlns:a16="http://schemas.microsoft.com/office/drawing/2014/main" id="{B1809546-A88D-463C-8DA4-B2FE421AF15E}"/>
+              </a:ext>
+            </a:extLst>
+          </p:cNvPr>
+          <p:cNvSpPr>
+            <a:spLocks noGrp="1" noChangeArrowheads="1"/>
+          </p:cNvSpPr>
+          <p:nvPr>
+            <p:ph type="title"/>
+          </p:nvPr>
+        </p:nvSpPr>
+        <p:spPr/>
+        <p:txBody>
+          <a:bodyPr/>
+          <a:lstStyle/>
+          <a:p>
+            <a:r>
+              <a:rPr lang="en-US" altLang="en-US"/>
+              <a:t>Selection</a:t>
+            </a:r>
+          </a:p>
+        </p:txBody>
+      </p:sp>
+      <p:sp>
+        <p:nvSpPr>
+          <p:cNvPr id="22530" name="Rectangle 2">
+            <a:extLst>
+              <a:ext uri="{FF2B5EF4-FFF2-40B4-BE49-F238E27FC236}">
+                <a16:creationId xmlns:a16="http://schemas.microsoft.com/office/drawing/2014/main" id="{8FAC5FF0-34FB-42F6-B23A-09A10D9C7295}"/>
+              </a:ext>
+            </a:extLst>
+          </p:cNvPr>
+          <p:cNvSpPr>
+            <a:spLocks noGrp="1" noChangeArrowheads="1"/>
+          </p:cNvSpPr>
+          <p:nvPr>
+            <p:ph idx="1"/>
+          </p:nvPr>
+        </p:nvSpPr>
+        <p:spPr/>
+        <p:txBody>
+          <a:bodyPr/>
+          <a:lstStyle/>
+          <a:p>
+            <a:r>
+              <a:rPr lang="en-US" altLang="en-US"/>
+              <a:t>Is the elimination or the deemphasis of certain objects and attributes</a:t>
+            </a:r>
+          </a:p>
+          <a:p>
+            <a:endParaRPr lang="en-US" altLang="en-US"/>
+          </a:p>
+          <a:p>
+            <a:r>
+              <a:rPr lang="en-US" altLang="en-US"/>
+              <a:t>Selection may involve the choosing a subset of attributes </a:t>
+            </a:r>
+          </a:p>
+          <a:p>
+            <a:pPr lvl="1"/>
+            <a:r>
+              <a:rPr lang="en-US" altLang="en-US"/>
+              <a:t>Dimensionality reduction is often used to reduce the number of dimensions to two or three</a:t>
+            </a:r>
+          </a:p>
+          <a:p>
+            <a:pPr lvl="1"/>
+            <a:r>
+              <a:rPr lang="en-US" altLang="en-US"/>
+              <a:t>Alternatively, pairs of attributes can be considered</a:t>
+            </a:r>
+          </a:p>
+          <a:p>
+            <a:endParaRPr lang="en-US" altLang="en-US"/>
+          </a:p>
+          <a:p>
+            <a:r>
+              <a:rPr lang="en-US" altLang="en-US"/>
+              <a:t>Selection may also involve choosing a subset of objects</a:t>
+            </a:r>
+          </a:p>
+          <a:p>
+            <a:pPr lvl="1"/>
+            <a:r>
+              <a:rPr lang="en-US" altLang="en-US"/>
+              <a:t> A region of the screen can only show so many points</a:t>
+            </a:r>
+          </a:p>
+          <a:p>
+            <a:pPr lvl="1"/>
+            <a:r>
+              <a:rPr lang="en-US" altLang="en-US"/>
+              <a:t>Can sample, but want to preserve points in sparse areas </a:t>
+            </a:r>
+          </a:p>
+          <a:p>
+            <a:pPr lvl="1"/>
+            <a:endParaRPr lang="en-US" altLang="en-US"/>
+          </a:p>
+        </p:txBody>
+      </p:sp>
+    </p:spTree>
+  </p:cSld>
+  <p:clrMapOvr>
+    <a:masterClrMapping/>
+  </p:clrMapOvr>
+  <p:transition spd="slow"/>
+  <p:timing>
+    <p:tnLst>
+      <p:par>
+        <p:cTn id="1" dur="indefinite" restart="never" nodeType="tmRoot">
+          <p:childTnLst>
+            <p:seq concurrent="1" nextAc="seek">
+              <p:cTn id="2" dur="0" nodeType="mainSeq"/>
+              <p:prevCondLst>
+                <p:cond evt="onPrev" delay="0">
+                  <p:tgtEl>
+                    <p:sldTgt/>
+                  </p:tgtEl>
+                </p:cond>
+              </p:prevCondLst>
+              <p:nextCondLst>
+                <p:cond evt="onNext" delay="0">
+                  <p:tgtEl>
+                    <p:sldTgt/>
+                  </p:tgtEl>
+                </p:cond>
+              </p:nextCondLst>
+            </p:seq>
+          </p:childTnLst>
+        </p:cTn>
+      </p:par>
+    </p:tnLst>
+  </p:timing>
+</p:sld>
+</file>
+
+<file path=ppt/slides/slide21.xml><?xml version="1.0" encoding="utf-8"?>
 <p:sld xmlns:a="http://schemas.openxmlformats.org/drawingml/2006/main" xmlns:r="http://schemas.openxmlformats.org/officeDocument/2006/relationships" xmlns:p="http://schemas.openxmlformats.org/presentationml/2006/main">
   <p:cSld>
     <p:bg>
@@ -19659,7 +19854,7 @@
 </p:sld>
 </file>
 
-<file path=ppt/slides/slide21.xml><?xml version="1.0" encoding="utf-8"?>
+<file path=ppt/slides/slide22.xml><?xml version="1.0" encoding="utf-8"?>
 <p:sld xmlns:a="http://schemas.openxmlformats.org/drawingml/2006/main" xmlns:r="http://schemas.openxmlformats.org/officeDocument/2006/relationships" xmlns:p="http://schemas.openxmlformats.org/presentationml/2006/main">
   <p:cSld>
     <p:spTree>
@@ -19867,7 +20062,7 @@
 </p:sld>
 </file>
 
-<file path=ppt/slides/slide22.xml><?xml version="1.0" encoding="utf-8"?>
+<file path=ppt/slides/slide23.xml><?xml version="1.0" encoding="utf-8"?>
 <p:sld xmlns:a="http://schemas.openxmlformats.org/drawingml/2006/main" xmlns:r="http://schemas.openxmlformats.org/officeDocument/2006/relationships" xmlns:p="http://schemas.openxmlformats.org/presentationml/2006/main" show="0">
   <p:cSld>
     <p:spTree>
@@ -20794,7 +20989,7 @@
 </p:sld>
 </file>
 
-<file path=ppt/slides/slide23.xml><?xml version="1.0" encoding="utf-8"?>
+<file path=ppt/slides/slide24.xml><?xml version="1.0" encoding="utf-8"?>
 <p:sld xmlns:a="http://schemas.openxmlformats.org/drawingml/2006/main" xmlns:r="http://schemas.openxmlformats.org/officeDocument/2006/relationships" xmlns:p="http://schemas.openxmlformats.org/presentationml/2006/main" show="0">
   <p:cSld>
     <p:spTree>
@@ -20905,7 +21100,7 @@
 </p:sld>
 </file>
 
-<file path=ppt/slides/slide24.xml><?xml version="1.0" encoding="utf-8"?>
+<file path=ppt/slides/slide25.xml><?xml version="1.0" encoding="utf-8"?>
 <p:sld xmlns:a="http://schemas.openxmlformats.org/drawingml/2006/main" xmlns:r="http://schemas.openxmlformats.org/officeDocument/2006/relationships" xmlns:p="http://schemas.openxmlformats.org/presentationml/2006/main">
   <p:cSld>
     <p:spTree>
@@ -24920,7 +25115,7 @@
 </p:sld>
 </file>
 
-<file path=ppt/slides/slide25.xml><?xml version="1.0" encoding="utf-8"?>
+<file path=ppt/slides/slide26.xml><?xml version="1.0" encoding="utf-8"?>
 <p:sld xmlns:a="http://schemas.openxmlformats.org/drawingml/2006/main" xmlns:r="http://schemas.openxmlformats.org/officeDocument/2006/relationships" xmlns:p="http://schemas.openxmlformats.org/presentationml/2006/main">
   <p:cSld>
     <p:spTree>
@@ -25132,7 +25327,7 @@
 </p:sld>
 </file>
 
-<file path=ppt/slides/slide26.xml><?xml version="1.0" encoding="utf-8"?>
+<file path=ppt/slides/slide27.xml><?xml version="1.0" encoding="utf-8"?>
 <p:sld xmlns:a="http://schemas.openxmlformats.org/drawingml/2006/main" xmlns:r="http://schemas.openxmlformats.org/officeDocument/2006/relationships" xmlns:p="http://schemas.openxmlformats.org/presentationml/2006/main">
   <p:cSld>
     <p:spTree>
@@ -25328,7 +25523,7 @@
 </p:sld>
 </file>
 
-<file path=ppt/slides/slide27.xml><?xml version="1.0" encoding="utf-8"?>
+<file path=ppt/slides/slide28.xml><?xml version="1.0" encoding="utf-8"?>
 <p:sld xmlns:a="http://schemas.openxmlformats.org/drawingml/2006/main" xmlns:r="http://schemas.openxmlformats.org/officeDocument/2006/relationships" xmlns:p="http://schemas.openxmlformats.org/presentationml/2006/main">
   <p:cSld>
     <p:spTree>
@@ -25498,7 +25693,7 @@
 </p:sld>
 </file>
 
-<file path=ppt/slides/slide28.xml><?xml version="1.0" encoding="utf-8"?>
+<file path=ppt/slides/slide29.xml><?xml version="1.0" encoding="utf-8"?>
 <p:sld xmlns:a="http://schemas.openxmlformats.org/drawingml/2006/main" xmlns:r="http://schemas.openxmlformats.org/officeDocument/2006/relationships" xmlns:p="http://schemas.openxmlformats.org/presentationml/2006/main">
   <p:cSld>
     <p:spTree>
@@ -25609,7 +25804,289 @@
 </p:sld>
 </file>
 
-<file path=ppt/slides/slide29.xml><?xml version="1.0" encoding="utf-8"?>
+<file path=ppt/slides/slide3.xml><?xml version="1.0" encoding="utf-8"?>
+<p:sld xmlns:a="http://schemas.openxmlformats.org/drawingml/2006/main" xmlns:r="http://schemas.openxmlformats.org/officeDocument/2006/relationships" xmlns:p="http://schemas.openxmlformats.org/presentationml/2006/main">
+  <p:cSld>
+    <p:spTree>
+      <p:nvGrpSpPr>
+        <p:cNvPr id="1" name=""/>
+        <p:cNvGrpSpPr/>
+        <p:nvPr/>
+      </p:nvGrpSpPr>
+      <p:grpSpPr>
+        <a:xfrm>
+          <a:off x="0" y="0"/>
+          <a:ext cx="0" cy="0"/>
+          <a:chOff x="0" y="0"/>
+          <a:chExt cx="0" cy="0"/>
+        </a:xfrm>
+      </p:grpSpPr>
+      <p:sp>
+        <p:nvSpPr>
+          <p:cNvPr id="2" name="Title 1">
+            <a:extLst>
+              <a:ext uri="{FF2B5EF4-FFF2-40B4-BE49-F238E27FC236}">
+                <a16:creationId xmlns:a16="http://schemas.microsoft.com/office/drawing/2014/main" id="{F7240C75-F1C2-9F90-D10C-9F736BDB27FD}"/>
+              </a:ext>
+            </a:extLst>
+          </p:cNvPr>
+          <p:cNvSpPr>
+            <a:spLocks noGrp="1"/>
+          </p:cNvSpPr>
+          <p:nvPr>
+            <p:ph type="title"/>
+          </p:nvPr>
+        </p:nvSpPr>
+        <p:spPr/>
+        <p:txBody>
+          <a:bodyPr/>
+          <a:lstStyle/>
+          <a:p>
+            <a:r>
+              <a:rPr lang="en-US" dirty="0"/>
+              <a:t>Exploring Data in the Data Mining Process</a:t>
+            </a:r>
+          </a:p>
+        </p:txBody>
+      </p:sp>
+      <p:pic>
+        <p:nvPicPr>
+          <p:cNvPr id="4" name="Picture 3">
+            <a:extLst>
+              <a:ext uri="{FF2B5EF4-FFF2-40B4-BE49-F238E27FC236}">
+                <a16:creationId xmlns:a16="http://schemas.microsoft.com/office/drawing/2014/main" id="{497DA941-FEDB-AE02-D219-519F852F2349}"/>
+              </a:ext>
+            </a:extLst>
+          </p:cNvPr>
+          <p:cNvPicPr>
+            <a:picLocks noChangeAspect="1" noChangeArrowheads="1"/>
+          </p:cNvPicPr>
+          <p:nvPr/>
+        </p:nvPicPr>
+        <p:blipFill>
+          <a:blip r:embed="rId2">
+            <a:extLst>
+              <a:ext uri="{28A0092B-C50C-407E-A947-70E740481C1C}">
+                <a14:useLocalDpi xmlns:a14="http://schemas.microsoft.com/office/drawing/2010/main" val="0"/>
+              </a:ext>
+            </a:extLst>
+          </a:blip>
+          <a:srcRect/>
+          <a:stretch>
+            <a:fillRect/>
+          </a:stretch>
+        </p:blipFill>
+        <p:spPr bwMode="auto">
+          <a:xfrm>
+            <a:off x="1447800" y="2133600"/>
+            <a:ext cx="4014481" cy="4021667"/>
+          </a:xfrm>
+          <a:prstGeom prst="rect">
+            <a:avLst/>
+          </a:prstGeom>
+          <a:noFill/>
+          <a:ln>
+            <a:noFill/>
+          </a:ln>
+          <a:effectLst/>
+          <a:extLst>
+            <a:ext uri="{909E8E84-426E-40DD-AFC4-6F175D3DCCD1}">
+              <a14:hiddenFill xmlns:a14="http://schemas.microsoft.com/office/drawing/2010/main">
+                <a:blipFill dpi="0" rotWithShape="0">
+                  <a:blip/>
+                  <a:srcRect/>
+                  <a:stretch>
+                    <a:fillRect/>
+                  </a:stretch>
+                </a:blipFill>
+              </a14:hiddenFill>
+            </a:ext>
+            <a:ext uri="{91240B29-F687-4F45-9708-019B960494DF}">
+              <a14:hiddenLine xmlns:a14="http://schemas.microsoft.com/office/drawing/2010/main" w="9525" cap="flat">
+                <a:solidFill>
+                  <a:srgbClr val="808080"/>
+                </a:solidFill>
+                <a:round/>
+                <a:headEnd/>
+                <a:tailEnd/>
+              </a14:hiddenLine>
+            </a:ext>
+            <a:ext uri="{AF507438-7753-43E0-B8FC-AC1667EBCBE1}">
+              <a14:hiddenEffects xmlns:a14="http://schemas.microsoft.com/office/drawing/2010/main">
+                <a:effectLst>
+                  <a:outerShdw dist="35921" dir="2700000" algn="ctr" rotWithShape="0">
+                    <a:srgbClr val="808080"/>
+                  </a:outerShdw>
+                </a:effectLst>
+              </a14:hiddenEffects>
+            </a:ext>
+          </a:extLst>
+        </p:spPr>
+      </p:pic>
+      <p:pic>
+        <p:nvPicPr>
+          <p:cNvPr id="5" name="Picture 1">
+            <a:extLst>
+              <a:ext uri="{FF2B5EF4-FFF2-40B4-BE49-F238E27FC236}">
+                <a16:creationId xmlns:a16="http://schemas.microsoft.com/office/drawing/2014/main" id="{3B9973D1-67DF-F304-86B4-5CFE62BF36E5}"/>
+              </a:ext>
+            </a:extLst>
+          </p:cNvPr>
+          <p:cNvPicPr>
+            <a:picLocks noChangeAspect="1" noChangeArrowheads="1"/>
+          </p:cNvPicPr>
+          <p:nvPr/>
+        </p:nvPicPr>
+        <p:blipFill rotWithShape="1">
+          <a:blip r:embed="rId3">
+            <a:duotone>
+              <a:prstClr val="black"/>
+              <a:schemeClr val="accent2">
+                <a:tint val="45000"/>
+                <a:satMod val="400000"/>
+              </a:schemeClr>
+            </a:duotone>
+            <a:extLst>
+              <a:ext uri="{28A0092B-C50C-407E-A947-70E740481C1C}">
+                <a14:useLocalDpi xmlns:a14="http://schemas.microsoft.com/office/drawing/2010/main" val="0"/>
+              </a:ext>
+            </a:extLst>
+          </a:blip>
+          <a:srcRect l="17797" t="3440" r="66655" b="43812"/>
+          <a:stretch/>
+        </p:blipFill>
+        <p:spPr bwMode="auto">
+          <a:xfrm>
+            <a:off x="5791906" y="1980670"/>
+            <a:ext cx="1371600" cy="2895601"/>
+          </a:xfrm>
+          <a:prstGeom prst="rect">
+            <a:avLst/>
+          </a:prstGeom>
+          <a:noFill/>
+          <a:ln w="19050" cap="flat">
+            <a:solidFill>
+              <a:srgbClr val="808080"/>
+            </a:solidFill>
+            <a:round/>
+            <a:headEnd/>
+            <a:tailEnd/>
+          </a:ln>
+          <a:effectLst/>
+          <a:extLst>
+            <a:ext uri="{909E8E84-426E-40DD-AFC4-6F175D3DCCD1}">
+              <a14:hiddenFill xmlns:a14="http://schemas.microsoft.com/office/drawing/2010/main">
+                <a:blipFill dpi="0" rotWithShape="0">
+                  <a:blip/>
+                  <a:srcRect/>
+                  <a:stretch>
+                    <a:fillRect/>
+                  </a:stretch>
+                </a:blipFill>
+              </a14:hiddenFill>
+            </a:ext>
+            <a:ext uri="{AF507438-7753-43E0-B8FC-AC1667EBCBE1}">
+              <a14:hiddenEffects xmlns:a14="http://schemas.microsoft.com/office/drawing/2010/main">
+                <a:effectLst>
+                  <a:outerShdw dist="35921" dir="2700000" algn="ctr" rotWithShape="0">
+                    <a:srgbClr val="808080"/>
+                  </a:outerShdw>
+                </a:effectLst>
+              </a14:hiddenEffects>
+            </a:ext>
+          </a:extLst>
+        </p:spPr>
+      </p:pic>
+      <p:cxnSp>
+        <p:nvCxnSpPr>
+          <p:cNvPr id="7" name="Straight Connector 6">
+            <a:extLst>
+              <a:ext uri="{FF2B5EF4-FFF2-40B4-BE49-F238E27FC236}">
+                <a16:creationId xmlns:a16="http://schemas.microsoft.com/office/drawing/2014/main" id="{4B4B19A2-0185-6BEE-42F3-8CD14A7812B2}"/>
+              </a:ext>
+            </a:extLst>
+          </p:cNvPr>
+          <p:cNvCxnSpPr>
+            <a:cxnSpLocks/>
+          </p:cNvCxnSpPr>
+          <p:nvPr/>
+        </p:nvCxnSpPr>
+        <p:spPr>
+          <a:xfrm flipV="1">
+            <a:off x="4598394" y="2133600"/>
+            <a:ext cx="1193512" cy="672042"/>
+          </a:xfrm>
+          <a:prstGeom prst="line">
+            <a:avLst/>
+          </a:prstGeom>
+        </p:spPr>
+        <p:style>
+          <a:lnRef idx="3">
+            <a:schemeClr val="accent2"/>
+          </a:lnRef>
+          <a:fillRef idx="0">
+            <a:schemeClr val="accent2"/>
+          </a:fillRef>
+          <a:effectRef idx="2">
+            <a:schemeClr val="accent2"/>
+          </a:effectRef>
+          <a:fontRef idx="minor">
+            <a:schemeClr val="tx1"/>
+          </a:fontRef>
+        </p:style>
+      </p:cxnSp>
+      <p:cxnSp>
+        <p:nvCxnSpPr>
+          <p:cNvPr id="9" name="Straight Connector 8">
+            <a:extLst>
+              <a:ext uri="{FF2B5EF4-FFF2-40B4-BE49-F238E27FC236}">
+                <a16:creationId xmlns:a16="http://schemas.microsoft.com/office/drawing/2014/main" id="{95E5AFC3-CD8C-D8D9-08F3-28C5B32A7EAE}"/>
+              </a:ext>
+            </a:extLst>
+          </p:cNvPr>
+          <p:cNvCxnSpPr>
+            <a:cxnSpLocks/>
+          </p:cNvCxnSpPr>
+          <p:nvPr/>
+        </p:nvCxnSpPr>
+        <p:spPr>
+          <a:xfrm>
+            <a:off x="4623794" y="3148013"/>
+            <a:ext cx="1193512" cy="1600950"/>
+          </a:xfrm>
+          <a:prstGeom prst="line">
+            <a:avLst/>
+          </a:prstGeom>
+        </p:spPr>
+        <p:style>
+          <a:lnRef idx="3">
+            <a:schemeClr val="accent2"/>
+          </a:lnRef>
+          <a:fillRef idx="0">
+            <a:schemeClr val="accent2"/>
+          </a:fillRef>
+          <a:effectRef idx="2">
+            <a:schemeClr val="accent2"/>
+          </a:effectRef>
+          <a:fontRef idx="minor">
+            <a:schemeClr val="tx1"/>
+          </a:fontRef>
+        </p:style>
+      </p:cxnSp>
+    </p:spTree>
+    <p:extLst>
+      <p:ext uri="{BB962C8B-B14F-4D97-AF65-F5344CB8AC3E}">
+        <p14:creationId xmlns:p14="http://schemas.microsoft.com/office/powerpoint/2010/main" val="4135112732"/>
+      </p:ext>
+    </p:extLst>
+  </p:cSld>
+  <p:clrMapOvr>
+    <a:masterClrMapping/>
+  </p:clrMapOvr>
+</p:sld>
+</file>
+
+<file path=ppt/slides/slide30.xml><?xml version="1.0" encoding="utf-8"?>
 <p:sld xmlns:a="http://schemas.openxmlformats.org/drawingml/2006/main" xmlns:r="http://schemas.openxmlformats.org/officeDocument/2006/relationships" xmlns:p="http://schemas.openxmlformats.org/presentationml/2006/main">
   <p:cSld>
     <p:spTree>
@@ -26373,512 +26850,7 @@
 </p:sld>
 </file>
 
-<file path=ppt/slides/slide3.xml><?xml version="1.0" encoding="utf-8"?>
-<p:sld xmlns:a="http://schemas.openxmlformats.org/drawingml/2006/main" xmlns:r="http://schemas.openxmlformats.org/officeDocument/2006/relationships" xmlns:p="http://schemas.openxmlformats.org/presentationml/2006/main">
-  <p:cSld>
-    <p:bg>
-      <p:bgPr>
-        <a:solidFill>
-          <a:schemeClr val="bg1"/>
-        </a:solidFill>
-        <a:effectLst/>
-      </p:bgPr>
-    </p:bg>
-    <p:spTree>
-      <p:nvGrpSpPr>
-        <p:cNvPr id="1" name=""/>
-        <p:cNvGrpSpPr/>
-        <p:nvPr/>
-      </p:nvGrpSpPr>
-      <p:grpSpPr>
-        <a:xfrm>
-          <a:off x="0" y="0"/>
-          <a:ext cx="0" cy="0"/>
-          <a:chOff x="0" y="0"/>
-          <a:chExt cx="0" cy="0"/>
-        </a:xfrm>
-      </p:grpSpPr>
-      <p:sp useBgFill="1">
-        <p:nvSpPr>
-          <p:cNvPr id="135" name="Rectangle 134">
-            <a:extLst>
-              <a:ext uri="{FF2B5EF4-FFF2-40B4-BE49-F238E27FC236}">
-                <a16:creationId xmlns:a16="http://schemas.microsoft.com/office/drawing/2014/main" id="{8FC9BE17-9A7B-462D-AE50-3D8777387304}"/>
-              </a:ext>
-              <a:ext uri="{C183D7F6-B498-43B3-948B-1728B52AA6E4}">
-                <adec:decorative xmlns:adec="http://schemas.microsoft.com/office/drawing/2017/decorative" val="1"/>
-              </a:ext>
-            </a:extLst>
-          </p:cNvPr>
-          <p:cNvSpPr>
-            <a:spLocks noGrp="1" noRot="1" noChangeAspect="1" noMove="1" noResize="1" noEditPoints="1" noAdjustHandles="1" noChangeArrowheads="1" noChangeShapeType="1" noTextEdit="1"/>
-          </p:cNvSpPr>
-          <p:nvPr>
-            <p:extLst>
-              <p:ext uri="{386F3935-93C4-4BCD-93E2-E3B085C9AB24}">
-                <p16:designElem xmlns:p16="http://schemas.microsoft.com/office/powerpoint/2015/main" val="1"/>
-              </p:ext>
-            </p:extLst>
-          </p:nvPr>
-        </p:nvSpPr>
-        <p:spPr>
-          <a:xfrm>
-            <a:off x="0" y="0"/>
-            <a:ext cx="9144000" cy="6858000"/>
-          </a:xfrm>
-          <a:prstGeom prst="rect">
-            <a:avLst/>
-          </a:prstGeom>
-          <a:ln>
-            <a:noFill/>
-          </a:ln>
-        </p:spPr>
-        <p:style>
-          <a:lnRef idx="2">
-            <a:schemeClr val="accent1">
-              <a:shade val="50000"/>
-            </a:schemeClr>
-          </a:lnRef>
-          <a:fillRef idx="1">
-            <a:schemeClr val="accent1"/>
-          </a:fillRef>
-          <a:effectRef idx="0">
-            <a:schemeClr val="accent1"/>
-          </a:effectRef>
-          <a:fontRef idx="minor">
-            <a:schemeClr val="lt1"/>
-          </a:fontRef>
-        </p:style>
-        <p:txBody>
-          <a:bodyPr rtlCol="0" anchor="ctr"/>
-          <a:lstStyle/>
-          <a:p>
-            <a:pPr algn="ctr"/>
-            <a:endParaRPr lang="en-US"/>
-          </a:p>
-        </p:txBody>
-      </p:sp>
-      <p:pic>
-        <p:nvPicPr>
-          <p:cNvPr id="17410" name="Picture 2">
-            <a:extLst>
-              <a:ext uri="{FF2B5EF4-FFF2-40B4-BE49-F238E27FC236}">
-                <a16:creationId xmlns:a16="http://schemas.microsoft.com/office/drawing/2014/main" id="{5467FF44-2F2E-4CE3-BF2F-2287483DC32C}"/>
-              </a:ext>
-            </a:extLst>
-          </p:cNvPr>
-          <p:cNvPicPr>
-            <a:picLocks noChangeAspect="1" noChangeArrowheads="1"/>
-          </p:cNvPicPr>
-          <p:nvPr/>
-        </p:nvPicPr>
-        <p:blipFill rotWithShape="1">
-          <a:blip r:embed="rId3">
-            <a:extLst>
-              <a:ext uri="{28A0092B-C50C-407E-A947-70E740481C1C}">
-                <a14:useLocalDpi xmlns:a14="http://schemas.microsoft.com/office/drawing/2010/main" val="0"/>
-              </a:ext>
-            </a:extLst>
-          </a:blip>
-          <a:srcRect l="2286" r="24246" b="2"/>
-          <a:stretch/>
-        </p:blipFill>
-        <p:spPr bwMode="auto">
-          <a:xfrm>
-            <a:off x="2642616" y="10"/>
-            <a:ext cx="6501384" cy="6857990"/>
-          </a:xfrm>
-          <a:prstGeom prst="rect">
-            <a:avLst/>
-          </a:prstGeom>
-          <a:noFill/>
-          <a:extLst>
-            <a:ext uri="{909E8E84-426E-40DD-AFC4-6F175D3DCCD1}">
-              <a14:hiddenFill xmlns:a14="http://schemas.microsoft.com/office/drawing/2010/main">
-                <a:solidFill>
-                  <a:srgbClr val="FFFFFF"/>
-                </a:solidFill>
-              </a14:hiddenFill>
-            </a:ext>
-          </a:extLst>
-        </p:spPr>
-      </p:pic>
-      <p:sp>
-        <p:nvSpPr>
-          <p:cNvPr id="137" name="Rectangle 136">
-            <a:extLst>
-              <a:ext uri="{FF2B5EF4-FFF2-40B4-BE49-F238E27FC236}">
-                <a16:creationId xmlns:a16="http://schemas.microsoft.com/office/drawing/2014/main" id="{3EBE8569-6AEC-4B8C-8D53-2DE337CDBA65}"/>
-              </a:ext>
-              <a:ext uri="{C183D7F6-B498-43B3-948B-1728B52AA6E4}">
-                <adec:decorative xmlns:adec="http://schemas.microsoft.com/office/drawing/2017/decorative" val="1"/>
-              </a:ext>
-            </a:extLst>
-          </p:cNvPr>
-          <p:cNvSpPr>
-            <a:spLocks noGrp="1" noRot="1" noChangeAspect="1" noMove="1" noResize="1" noEditPoints="1" noAdjustHandles="1" noChangeArrowheads="1" noChangeShapeType="1" noTextEdit="1"/>
-          </p:cNvSpPr>
-          <p:nvPr>
-            <p:extLst>
-              <p:ext uri="{386F3935-93C4-4BCD-93E2-E3B085C9AB24}">
-                <p16:designElem xmlns:p16="http://schemas.microsoft.com/office/powerpoint/2015/main" val="1"/>
-              </p:ext>
-            </p:extLst>
-          </p:nvPr>
-        </p:nvSpPr>
-        <p:spPr>
-          <a:xfrm>
-            <a:off x="1" y="0"/>
-            <a:ext cx="7317451" cy="6858000"/>
-          </a:xfrm>
-          <a:prstGeom prst="rect">
-            <a:avLst/>
-          </a:prstGeom>
-          <a:gradFill>
-            <a:gsLst>
-              <a:gs pos="58000">
-                <a:schemeClr val="bg1"/>
-              </a:gs>
-              <a:gs pos="35000">
-                <a:schemeClr val="bg1">
-                  <a:alpha val="78000"/>
-                </a:schemeClr>
-              </a:gs>
-              <a:gs pos="19000">
-                <a:schemeClr val="bg1">
-                  <a:alpha val="38000"/>
-                </a:schemeClr>
-              </a:gs>
-              <a:gs pos="0">
-                <a:schemeClr val="bg1">
-                  <a:alpha val="0"/>
-                </a:schemeClr>
-              </a:gs>
-              <a:gs pos="100000">
-                <a:schemeClr val="bg1"/>
-              </a:gs>
-            </a:gsLst>
-            <a:lin ang="10800000" scaled="0"/>
-          </a:gradFill>
-          <a:ln>
-            <a:noFill/>
-          </a:ln>
-        </p:spPr>
-        <p:style>
-          <a:lnRef idx="2">
-            <a:schemeClr val="accent1">
-              <a:shade val="50000"/>
-            </a:schemeClr>
-          </a:lnRef>
-          <a:fillRef idx="1">
-            <a:schemeClr val="accent1"/>
-          </a:fillRef>
-          <a:effectRef idx="0">
-            <a:schemeClr val="accent1"/>
-          </a:effectRef>
-          <a:fontRef idx="minor">
-            <a:schemeClr val="lt1"/>
-          </a:fontRef>
-        </p:style>
-        <p:txBody>
-          <a:bodyPr rtlCol="0" anchor="ctr"/>
-          <a:lstStyle/>
-          <a:p>
-            <a:pPr algn="ctr"/>
-            <a:endParaRPr lang="en-US" dirty="0"/>
-          </a:p>
-        </p:txBody>
-      </p:sp>
-      <p:sp>
-        <p:nvSpPr>
-          <p:cNvPr id="9217" name="Rectangle 1">
-            <a:extLst>
-              <a:ext uri="{FF2B5EF4-FFF2-40B4-BE49-F238E27FC236}">
-                <a16:creationId xmlns:a16="http://schemas.microsoft.com/office/drawing/2014/main" id="{302DF694-6BF2-421C-B98B-42E702E6E682}"/>
-              </a:ext>
-            </a:extLst>
-          </p:cNvPr>
-          <p:cNvSpPr>
-            <a:spLocks noGrp="1" noChangeArrowheads="1"/>
-          </p:cNvSpPr>
-          <p:nvPr>
-            <p:ph type="title"/>
-          </p:nvPr>
-        </p:nvSpPr>
-        <p:spPr>
-          <a:xfrm>
-            <a:off x="278320" y="1161288"/>
-            <a:ext cx="2578608" cy="1124712"/>
-          </a:xfrm>
-        </p:spPr>
-        <p:txBody>
-          <a:bodyPr anchor="b">
-            <a:normAutofit/>
-          </a:bodyPr>
-          <a:lstStyle/>
-          <a:p>
-            <a:r>
-              <a:rPr lang="en-US" altLang="en-US" sz="2400"/>
-              <a:t>Topics</a:t>
-            </a:r>
-          </a:p>
-        </p:txBody>
-      </p:sp>
-      <p:sp>
-        <p:nvSpPr>
-          <p:cNvPr id="139" name="Rectangle 138">
-            <a:extLst>
-              <a:ext uri="{FF2B5EF4-FFF2-40B4-BE49-F238E27FC236}">
-                <a16:creationId xmlns:a16="http://schemas.microsoft.com/office/drawing/2014/main" id="{55D4142C-5077-457F-A6AD-3FECFDB39685}"/>
-              </a:ext>
-              <a:ext uri="{C183D7F6-B498-43B3-948B-1728B52AA6E4}">
-                <adec:decorative xmlns:adec="http://schemas.microsoft.com/office/drawing/2017/decorative" val="1"/>
-              </a:ext>
-            </a:extLst>
-          </p:cNvPr>
-          <p:cNvSpPr>
-            <a:spLocks noGrp="1" noRot="1" noChangeAspect="1" noMove="1" noResize="1" noEditPoints="1" noAdjustHandles="1" noChangeArrowheads="1" noChangeShapeType="1" noTextEdit="1"/>
-          </p:cNvSpPr>
-          <p:nvPr>
-            <p:extLst>
-              <p:ext uri="{386F3935-93C4-4BCD-93E2-E3B085C9AB24}">
-                <p16:designElem xmlns:p16="http://schemas.microsoft.com/office/powerpoint/2015/main" val="1"/>
-              </p:ext>
-            </p:extLst>
-          </p:nvPr>
-        </p:nvSpPr>
-        <p:spPr>
-          <a:xfrm rot="5400000">
-            <a:off x="487775" y="674370"/>
-            <a:ext cx="73152" cy="411480"/>
-          </a:xfrm>
-          <a:prstGeom prst="rect">
-            <a:avLst/>
-          </a:prstGeom>
-          <a:solidFill>
-            <a:schemeClr val="accent2"/>
-          </a:solidFill>
-          <a:ln>
-            <a:noFill/>
-          </a:ln>
-        </p:spPr>
-        <p:style>
-          <a:lnRef idx="2">
-            <a:schemeClr val="accent1">
-              <a:shade val="50000"/>
-            </a:schemeClr>
-          </a:lnRef>
-          <a:fillRef idx="1">
-            <a:schemeClr val="accent1"/>
-          </a:fillRef>
-          <a:effectRef idx="0">
-            <a:schemeClr val="accent1"/>
-          </a:effectRef>
-          <a:fontRef idx="minor">
-            <a:schemeClr val="lt1"/>
-          </a:fontRef>
-        </p:style>
-        <p:txBody>
-          <a:bodyPr rtlCol="0" anchor="ctr"/>
-          <a:lstStyle/>
-          <a:p>
-            <a:pPr algn="ctr"/>
-            <a:endParaRPr lang="en-US">
-              <a:solidFill>
-                <a:prstClr val="white"/>
-              </a:solidFill>
-              <a:latin typeface="Calibri" panose="020F0502020204030204"/>
-            </a:endParaRPr>
-          </a:p>
-        </p:txBody>
-      </p:sp>
-      <p:sp>
-        <p:nvSpPr>
-          <p:cNvPr id="141" name="Rectangle 140">
-            <a:extLst>
-              <a:ext uri="{FF2B5EF4-FFF2-40B4-BE49-F238E27FC236}">
-                <a16:creationId xmlns:a16="http://schemas.microsoft.com/office/drawing/2014/main" id="{7A5F0580-5EE9-419F-96EE-B6529EF6E7D0}"/>
-              </a:ext>
-              <a:ext uri="{C183D7F6-B498-43B3-948B-1728B52AA6E4}">
-                <adec:decorative xmlns:adec="http://schemas.microsoft.com/office/drawing/2017/decorative" val="1"/>
-              </a:ext>
-            </a:extLst>
-          </p:cNvPr>
-          <p:cNvSpPr>
-            <a:spLocks noGrp="1" noRot="1" noChangeAspect="1" noMove="1" noResize="1" noEditPoints="1" noAdjustHandles="1" noChangeArrowheads="1" noChangeShapeType="1" noTextEdit="1"/>
-          </p:cNvSpPr>
-          <p:nvPr>
-            <p:extLst>
-              <p:ext uri="{386F3935-93C4-4BCD-93E2-E3B085C9AB24}">
-                <p16:designElem xmlns:p16="http://schemas.microsoft.com/office/powerpoint/2015/main" val="1"/>
-              </p:ext>
-            </p:extLst>
-          </p:nvPr>
-        </p:nvSpPr>
-        <p:spPr>
-          <a:xfrm>
-            <a:off x="321183" y="2443480"/>
-            <a:ext cx="2475738" cy="9144"/>
-          </a:xfrm>
-          <a:prstGeom prst="rect">
-            <a:avLst/>
-          </a:prstGeom>
-          <a:solidFill>
-            <a:srgbClr val="D5D5D5"/>
-          </a:solidFill>
-          <a:ln w="3175">
-            <a:solidFill>
-              <a:srgbClr val="D5D5D5"/>
-            </a:solidFill>
-          </a:ln>
-          <a:effectLst/>
-        </p:spPr>
-        <p:style>
-          <a:lnRef idx="2">
-            <a:schemeClr val="accent1">
-              <a:shade val="50000"/>
-            </a:schemeClr>
-          </a:lnRef>
-          <a:fillRef idx="1">
-            <a:schemeClr val="accent1"/>
-          </a:fillRef>
-          <a:effectRef idx="0">
-            <a:schemeClr val="accent1"/>
-          </a:effectRef>
-          <a:fontRef idx="minor">
-            <a:schemeClr val="lt1"/>
-          </a:fontRef>
-        </p:style>
-        <p:txBody>
-          <a:bodyPr rtlCol="0" anchor="ctr"/>
-          <a:lstStyle/>
-          <a:p>
-            <a:pPr marL="0" marR="0" lvl="0" indent="0" algn="ctr" defTabSz="914400" rtl="0" eaLnBrk="1" fontAlgn="auto" latinLnBrk="0" hangingPunct="1">
-              <a:lnSpc>
-                <a:spcPct val="100000"/>
-              </a:lnSpc>
-              <a:spcBef>
-                <a:spcPts val="0"/>
-              </a:spcBef>
-              <a:spcAft>
-                <a:spcPts val="0"/>
-              </a:spcAft>
-              <a:buClrTx/>
-              <a:buSzTx/>
-              <a:buFontTx/>
-              <a:buNone/>
-              <a:tabLst/>
-              <a:defRPr/>
-            </a:pPr>
-            <a:endParaRPr kumimoji="0" lang="en-US" sz="1800" b="0" i="0" u="none" strike="noStrike" kern="1200" cap="none" spc="0" normalizeH="0" baseline="0" noProof="0">
-              <a:ln>
-                <a:noFill/>
-              </a:ln>
-              <a:solidFill>
-                <a:prstClr val="white"/>
-              </a:solidFill>
-              <a:effectLst/>
-              <a:uLnTx/>
-              <a:uFillTx/>
-              <a:latin typeface="Calibri" panose="020F0502020204030204"/>
-              <a:ea typeface="+mn-ea"/>
-              <a:cs typeface="+mn-cs"/>
-            </a:endParaRPr>
-          </a:p>
-        </p:txBody>
-      </p:sp>
-      <p:sp>
-        <p:nvSpPr>
-          <p:cNvPr id="9218" name="Rectangle 2">
-            <a:extLst>
-              <a:ext uri="{FF2B5EF4-FFF2-40B4-BE49-F238E27FC236}">
-                <a16:creationId xmlns:a16="http://schemas.microsoft.com/office/drawing/2014/main" id="{D128D3FC-71AC-4AB1-BE9C-049A2FB622DE}"/>
-              </a:ext>
-            </a:extLst>
-          </p:cNvPr>
-          <p:cNvSpPr>
-            <a:spLocks noGrp="1" noChangeArrowheads="1"/>
-          </p:cNvSpPr>
-          <p:nvPr>
-            <p:ph idx="1"/>
-          </p:nvPr>
-        </p:nvSpPr>
-        <p:spPr>
-          <a:xfrm>
-            <a:off x="278320" y="2718054"/>
-            <a:ext cx="2579180" cy="3207258"/>
-          </a:xfrm>
-        </p:spPr>
-        <p:txBody>
-          <a:bodyPr anchor="t">
-            <a:normAutofit/>
-          </a:bodyPr>
-          <a:lstStyle/>
-          <a:p>
-            <a:r>
-              <a:rPr lang="en-US" altLang="en-US" sz="1500" b="1" dirty="0"/>
-              <a:t>Exploratory Data Analysis</a:t>
-            </a:r>
-          </a:p>
-          <a:p>
-            <a:r>
-              <a:rPr lang="en-US" altLang="en-US" sz="1500" dirty="0"/>
-              <a:t>Summary Statistics</a:t>
-            </a:r>
-          </a:p>
-          <a:p>
-            <a:r>
-              <a:rPr lang="en-US" altLang="en-US" sz="1500" dirty="0"/>
-              <a:t>Visualization</a:t>
-            </a:r>
-          </a:p>
-          <a:p>
-            <a:endParaRPr lang="en-US" altLang="en-US" sz="1500" dirty="0"/>
-          </a:p>
-        </p:txBody>
-      </p:sp>
-    </p:spTree>
-    <p:extLst>
-      <p:ext uri="{BB962C8B-B14F-4D97-AF65-F5344CB8AC3E}">
-        <p14:creationId xmlns:p14="http://schemas.microsoft.com/office/powerpoint/2010/main" val="2674856974"/>
-      </p:ext>
-    </p:extLst>
-  </p:cSld>
-  <p:clrMapOvr>
-    <a:masterClrMapping/>
-  </p:clrMapOvr>
-  <p:transition spd="slow"/>
-  <p:timing>
-    <p:tnLst>
-      <p:par>
-        <p:cTn id="1" dur="indefinite" restart="never" nodeType="tmRoot">
-          <p:childTnLst>
-            <p:seq concurrent="1" nextAc="seek">
-              <p:cTn id="2" dur="0" nodeType="mainSeq"/>
-              <p:prevCondLst>
-                <p:cond evt="onPrev" delay="0">
-                  <p:tgtEl>
-                    <p:sldTgt/>
-                  </p:tgtEl>
-                </p:cond>
-              </p:prevCondLst>
-              <p:nextCondLst>
-                <p:cond evt="onNext" delay="0">
-                  <p:tgtEl>
-                    <p:sldTgt/>
-                  </p:tgtEl>
-                </p:cond>
-              </p:nextCondLst>
-            </p:seq>
-          </p:childTnLst>
-        </p:cTn>
-      </p:par>
-    </p:tnLst>
-  </p:timing>
-</p:sld>
-</file>
-
-<file path=ppt/slides/slide30.xml><?xml version="1.0" encoding="utf-8"?>
+<file path=ppt/slides/slide31.xml><?xml version="1.0" encoding="utf-8"?>
 <p:sld xmlns:a="http://schemas.openxmlformats.org/drawingml/2006/main" xmlns:r="http://schemas.openxmlformats.org/officeDocument/2006/relationships" xmlns:p="http://schemas.openxmlformats.org/presentationml/2006/main">
   <p:cSld>
     <p:spTree>
@@ -27005,7 +26977,7 @@
 </p:sld>
 </file>
 
-<file path=ppt/slides/slide31.xml><?xml version="1.0" encoding="utf-8"?>
+<file path=ppt/slides/slide32.xml><?xml version="1.0" encoding="utf-8"?>
 <p:sld xmlns:a="http://schemas.openxmlformats.org/drawingml/2006/main" xmlns:r="http://schemas.openxmlformats.org/officeDocument/2006/relationships" xmlns:p="http://schemas.openxmlformats.org/presentationml/2006/main">
   <p:cSld>
     <p:spTree>
@@ -27437,7 +27409,7 @@
 </p:sld>
 </file>
 
-<file path=ppt/slides/slide32.xml><?xml version="1.0" encoding="utf-8"?>
+<file path=ppt/slides/slide33.xml><?xml version="1.0" encoding="utf-8"?>
 <p:sld xmlns:a="http://schemas.openxmlformats.org/drawingml/2006/main" xmlns:r="http://schemas.openxmlformats.org/officeDocument/2006/relationships" xmlns:p="http://schemas.openxmlformats.org/presentationml/2006/main">
   <p:cSld>
     <p:spTree>
@@ -27548,7 +27520,7 @@
 </p:sld>
 </file>
 
-<file path=ppt/slides/slide33.xml><?xml version="1.0" encoding="utf-8"?>
+<file path=ppt/slides/slide34.xml><?xml version="1.0" encoding="utf-8"?>
 <p:sld xmlns:a="http://schemas.openxmlformats.org/drawingml/2006/main" xmlns:r="http://schemas.openxmlformats.org/officeDocument/2006/relationships" xmlns:p="http://schemas.openxmlformats.org/presentationml/2006/main">
   <p:cSld>
     <p:spTree>
@@ -27691,7 +27663,7 @@
 </p:sld>
 </file>
 
-<file path=ppt/slides/slide34.xml><?xml version="1.0" encoding="utf-8"?>
+<file path=ppt/slides/slide35.xml><?xml version="1.0" encoding="utf-8"?>
 <p:sld xmlns:a="http://schemas.openxmlformats.org/drawingml/2006/main" xmlns:r="http://schemas.openxmlformats.org/officeDocument/2006/relationships" xmlns:p="http://schemas.openxmlformats.org/presentationml/2006/main">
   <p:cSld>
     <p:spTree>
@@ -28153,7 +28125,7 @@
 </p:sld>
 </file>
 
-<file path=ppt/slides/slide35.xml><?xml version="1.0" encoding="utf-8"?>
+<file path=ppt/slides/slide36.xml><?xml version="1.0" encoding="utf-8"?>
 <p:sld xmlns:a="http://schemas.openxmlformats.org/drawingml/2006/main" xmlns:r="http://schemas.openxmlformats.org/officeDocument/2006/relationships" xmlns:p="http://schemas.openxmlformats.org/presentationml/2006/main">
   <p:cSld>
     <p:spTree>
@@ -28321,7 +28293,7 @@
 </p:sld>
 </file>
 
-<file path=ppt/slides/slide36.xml><?xml version="1.0" encoding="utf-8"?>
+<file path=ppt/slides/slide37.xml><?xml version="1.0" encoding="utf-8"?>
 <p:sld xmlns:a="http://schemas.openxmlformats.org/drawingml/2006/main" xmlns:r="http://schemas.openxmlformats.org/officeDocument/2006/relationships" xmlns:p="http://schemas.openxmlformats.org/presentationml/2006/main">
   <p:cSld>
     <p:spTree>
@@ -28540,7 +28512,7 @@
 </p:sld>
 </file>
 
-<file path=ppt/slides/slide37.xml><?xml version="1.0" encoding="utf-8"?>
+<file path=ppt/slides/slide38.xml><?xml version="1.0" encoding="utf-8"?>
 <p:sld xmlns:a="http://schemas.openxmlformats.org/drawingml/2006/main" xmlns:r="http://schemas.openxmlformats.org/officeDocument/2006/relationships" xmlns:p="http://schemas.openxmlformats.org/presentationml/2006/main">
   <p:cSld>
     <p:spTree>
@@ -28844,9 +28816,17 @@
 </p:sld>
 </file>
 
-<file path=ppt/slides/slide4.xml><?xml version="1.0" encoding="utf-8"?>
+<file path=ppt/slides/slide39.xml><?xml version="1.0" encoding="utf-8"?>
 <p:sld xmlns:a="http://schemas.openxmlformats.org/drawingml/2006/main" xmlns:r="http://schemas.openxmlformats.org/officeDocument/2006/relationships" xmlns:p="http://schemas.openxmlformats.org/presentationml/2006/main">
   <p:cSld>
+    <p:bg>
+      <p:bgPr>
+        <a:solidFill>
+          <a:schemeClr val="bg1"/>
+        </a:solidFill>
+        <a:effectLst/>
+      </p:bgPr>
+    </p:bg>
     <p:spTree>
       <p:nvGrpSpPr>
         <p:cNvPr id="1" name=""/>
@@ -28861,238 +28841,547 @@
           <a:chExt cx="0" cy="0"/>
         </a:xfrm>
       </p:grpSpPr>
+      <p:sp useBgFill="1">
+        <p:nvSpPr>
+          <p:cNvPr id="9" name="Rectangle 8">
+            <a:extLst>
+              <a:ext uri="{FF2B5EF4-FFF2-40B4-BE49-F238E27FC236}">
+                <a16:creationId xmlns:a16="http://schemas.microsoft.com/office/drawing/2014/main" id="{2C61293E-6EBE-43EF-A52C-9BEBFD7679D4}"/>
+              </a:ext>
+              <a:ext uri="{C183D7F6-B498-43B3-948B-1728B52AA6E4}">
+                <adec:decorative xmlns:adec="http://schemas.microsoft.com/office/drawing/2017/decorative" val="1"/>
+              </a:ext>
+            </a:extLst>
+          </p:cNvPr>
+          <p:cNvSpPr>
+            <a:spLocks noGrp="1" noRot="1" noChangeAspect="1" noMove="1" noResize="1" noEditPoints="1" noAdjustHandles="1" noChangeArrowheads="1" noChangeShapeType="1" noTextEdit="1"/>
+          </p:cNvSpPr>
+          <p:nvPr>
+            <p:extLst>
+              <p:ext uri="{386F3935-93C4-4BCD-93E2-E3B085C9AB24}">
+                <p16:designElem xmlns:p16="http://schemas.microsoft.com/office/powerpoint/2015/main" val="1"/>
+              </p:ext>
+            </p:extLst>
+          </p:nvPr>
+        </p:nvSpPr>
+        <p:spPr>
+          <a:xfrm>
+            <a:off x="0" y="0"/>
+            <a:ext cx="9141714" cy="6858000"/>
+          </a:xfrm>
+          <a:prstGeom prst="rect">
+            <a:avLst/>
+          </a:prstGeom>
+          <a:ln>
+            <a:noFill/>
+          </a:ln>
+        </p:spPr>
+        <p:style>
+          <a:lnRef idx="2">
+            <a:schemeClr val="accent1">
+              <a:shade val="50000"/>
+            </a:schemeClr>
+          </a:lnRef>
+          <a:fillRef idx="1">
+            <a:schemeClr val="accent1"/>
+          </a:fillRef>
+          <a:effectRef idx="0">
+            <a:schemeClr val="accent1"/>
+          </a:effectRef>
+          <a:fontRef idx="minor">
+            <a:schemeClr val="lt1"/>
+          </a:fontRef>
+        </p:style>
+        <p:txBody>
+          <a:bodyPr rtlCol="0" anchor="ctr"/>
+          <a:lstStyle/>
+          <a:p>
+            <a:pPr algn="ctr"/>
+            <a:endParaRPr lang="en-US"/>
+          </a:p>
+        </p:txBody>
+      </p:sp>
       <p:sp>
         <p:nvSpPr>
-          <p:cNvPr id="6145" name="Rectangle 1">
+          <p:cNvPr id="2" name="Title 1">
             <a:extLst>
               <a:ext uri="{FF2B5EF4-FFF2-40B4-BE49-F238E27FC236}">
-                <a16:creationId xmlns:a16="http://schemas.microsoft.com/office/drawing/2014/main" id="{65F4D0A6-D92E-4DF1-98E9-3DCA775C6F44}"/>
+                <a16:creationId xmlns:a16="http://schemas.microsoft.com/office/drawing/2014/main" id="{8635BD70-9077-736F-F673-7807E984F97B}"/>
               </a:ext>
             </a:extLst>
           </p:cNvPr>
           <p:cNvSpPr>
-            <a:spLocks noGrp="1" noChangeArrowheads="1"/>
+            <a:spLocks noGrp="1"/>
           </p:cNvSpPr>
           <p:nvPr>
             <p:ph type="title"/>
           </p:nvPr>
         </p:nvSpPr>
-        <p:spPr/>
+        <p:spPr>
+          <a:xfrm>
+            <a:off x="3973321" y="329184"/>
+            <a:ext cx="4688333" cy="1783080"/>
+          </a:xfrm>
+        </p:spPr>
         <p:txBody>
-          <a:bodyPr/>
+          <a:bodyPr anchor="b">
+            <a:normAutofit/>
+          </a:bodyPr>
           <a:lstStyle/>
           <a:p>
             <a:r>
-              <a:rPr lang="en-US" altLang="en-US" dirty="0"/>
-              <a:t>What is Data Exploration?</a:t>
+              <a:rPr lang="en-US" sz="4700"/>
+              <a:t>Conclusion</a:t>
             </a:r>
+          </a:p>
+        </p:txBody>
+      </p:sp>
+      <p:pic>
+        <p:nvPicPr>
+          <p:cNvPr id="5" name="Picture 4" descr="Graph">
+            <a:extLst>
+              <a:ext uri="{FF2B5EF4-FFF2-40B4-BE49-F238E27FC236}">
+                <a16:creationId xmlns:a16="http://schemas.microsoft.com/office/drawing/2014/main" id="{5894AD87-16E2-9B8C-62F4-32F1A4CB0F71}"/>
+              </a:ext>
+            </a:extLst>
+          </p:cNvPr>
+          <p:cNvPicPr>
+            <a:picLocks noChangeAspect="1"/>
+          </p:cNvPicPr>
+          <p:nvPr/>
+        </p:nvPicPr>
+        <p:blipFill>
+          <a:blip r:embed="rId2"/>
+          <a:srcRect l="28450" r="39716"/>
+          <a:stretch/>
+        </p:blipFill>
+        <p:spPr>
+          <a:xfrm>
+            <a:off x="20" y="10"/>
+            <a:ext cx="3492988" cy="6857990"/>
+          </a:xfrm>
+          <a:custGeom>
+            <a:avLst/>
+            <a:gdLst/>
+            <a:ahLst/>
+            <a:cxnLst/>
+            <a:rect l="l" t="t" r="r" b="b"/>
+            <a:pathLst>
+              <a:path w="4657344" h="6858000">
+                <a:moveTo>
+                  <a:pt x="0" y="0"/>
+                </a:moveTo>
+                <a:lnTo>
+                  <a:pt x="3429755" y="0"/>
+                </a:lnTo>
+                <a:lnTo>
+                  <a:pt x="3526016" y="148742"/>
+                </a:lnTo>
+                <a:cubicBezTo>
+                  <a:pt x="3657740" y="365513"/>
+                  <a:pt x="3777402" y="589569"/>
+                  <a:pt x="3886489" y="819975"/>
+                </a:cubicBezTo>
+                <a:cubicBezTo>
+                  <a:pt x="3891856" y="833492"/>
+                  <a:pt x="3900663" y="845393"/>
+                  <a:pt x="3912049" y="854514"/>
+                </a:cubicBezTo>
+                <a:cubicBezTo>
+                  <a:pt x="3897352" y="819849"/>
+                  <a:pt x="3883037" y="784928"/>
+                  <a:pt x="3868083" y="750263"/>
+                </a:cubicBezTo>
+                <a:cubicBezTo>
+                  <a:pt x="3806989" y="608712"/>
+                  <a:pt x="3742478" y="469145"/>
+                  <a:pt x="3674155" y="331786"/>
+                </a:cubicBezTo>
+                <a:lnTo>
+                  <a:pt x="3496656" y="0"/>
+                </a:lnTo>
+                <a:lnTo>
+                  <a:pt x="3554371" y="0"/>
+                </a:lnTo>
+                <a:lnTo>
+                  <a:pt x="3661621" y="196614"/>
+                </a:lnTo>
+                <a:cubicBezTo>
+                  <a:pt x="3856899" y="573253"/>
+                  <a:pt x="4021071" y="966066"/>
+                  <a:pt x="4161279" y="1371196"/>
+                </a:cubicBezTo>
+                <a:cubicBezTo>
+                  <a:pt x="4379525" y="2007265"/>
+                  <a:pt x="4530141" y="2664286"/>
+                  <a:pt x="4610660" y="3331516"/>
+                </a:cubicBezTo>
+                <a:cubicBezTo>
+                  <a:pt x="4652837" y="3672965"/>
+                  <a:pt x="4671625" y="4013908"/>
+                  <a:pt x="4645040" y="4357388"/>
+                </a:cubicBezTo>
+                <a:cubicBezTo>
+                  <a:pt x="4613599" y="4758899"/>
+                  <a:pt x="4566181" y="5157998"/>
+                  <a:pt x="4485789" y="5552906"/>
+                </a:cubicBezTo>
+                <a:cubicBezTo>
+                  <a:pt x="4397121" y="5988893"/>
+                  <a:pt x="4276748" y="6414594"/>
+                  <a:pt x="4117769" y="6828295"/>
+                </a:cubicBezTo>
+                <a:lnTo>
+                  <a:pt x="4105288" y="6858000"/>
+                </a:lnTo>
+                <a:lnTo>
+                  <a:pt x="4052520" y="6858000"/>
+                </a:lnTo>
+                <a:lnTo>
+                  <a:pt x="4059369" y="6841549"/>
+                </a:lnTo>
+                <a:cubicBezTo>
+                  <a:pt x="4147276" y="6614016"/>
+                  <a:pt x="4224193" y="6380817"/>
+                  <a:pt x="4291518" y="6142729"/>
+                </a:cubicBezTo>
+                <a:cubicBezTo>
+                  <a:pt x="4350055" y="5935370"/>
+                  <a:pt x="4393256" y="5723695"/>
+                  <a:pt x="4443357" y="5513923"/>
+                </a:cubicBezTo>
+                <a:cubicBezTo>
+                  <a:pt x="4444541" y="5502788"/>
+                  <a:pt x="4445137" y="5491601"/>
+                  <a:pt x="4445146" y="5480401"/>
+                </a:cubicBezTo>
+                <a:cubicBezTo>
+                  <a:pt x="4408465" y="5607635"/>
+                  <a:pt x="4379196" y="5719759"/>
+                  <a:pt x="4344559" y="5830359"/>
+                </a:cubicBezTo>
+                <a:cubicBezTo>
+                  <a:pt x="4254261" y="6118381"/>
+                  <a:pt x="4150112" y="6398531"/>
+                  <a:pt x="4031702" y="6670527"/>
+                </a:cubicBezTo>
+                <a:lnTo>
+                  <a:pt x="3943824" y="6858000"/>
+                </a:lnTo>
+                <a:lnTo>
+                  <a:pt x="0" y="6858000"/>
+                </a:lnTo>
+                <a:close/>
+              </a:path>
+            </a:pathLst>
+          </a:custGeom>
+        </p:spPr>
+      </p:pic>
+      <p:sp>
+        <p:nvSpPr>
+          <p:cNvPr id="11" name="sketchy line">
+            <a:extLst>
+              <a:ext uri="{FF2B5EF4-FFF2-40B4-BE49-F238E27FC236}">
+                <a16:creationId xmlns:a16="http://schemas.microsoft.com/office/drawing/2014/main" id="{21540236-BFD5-4A9D-8840-4703E7F76825}"/>
+              </a:ext>
+              <a:ext uri="{C183D7F6-B498-43B3-948B-1728B52AA6E4}">
+                <adec:decorative xmlns:adec="http://schemas.microsoft.com/office/drawing/2017/decorative" val="1"/>
+              </a:ext>
+            </a:extLst>
+          </p:cNvPr>
+          <p:cNvSpPr>
+            <a:spLocks noGrp="1" noRot="1" noChangeAspect="1" noMove="1" noResize="1" noEditPoints="1" noAdjustHandles="1" noChangeArrowheads="1" noChangeShapeType="1" noTextEdit="1"/>
+          </p:cNvSpPr>
+          <p:nvPr>
+            <p:extLst>
+              <p:ext uri="{386F3935-93C4-4BCD-93E2-E3B085C9AB24}">
+                <p16:designElem xmlns:p16="http://schemas.microsoft.com/office/powerpoint/2015/main" val="1"/>
+              </p:ext>
+            </p:extLst>
+          </p:nvPr>
+        </p:nvSpPr>
+        <p:spPr>
+          <a:xfrm>
+            <a:off x="3973321" y="2374947"/>
+            <a:ext cx="3182692" cy="18288"/>
+          </a:xfrm>
+          <a:custGeom>
+            <a:avLst/>
+            <a:gdLst>
+              <a:gd name="connsiteX0" fmla="*/ 0 w 3182692"/>
+              <a:gd name="connsiteY0" fmla="*/ 0 h 18288"/>
+              <a:gd name="connsiteX1" fmla="*/ 636538 w 3182692"/>
+              <a:gd name="connsiteY1" fmla="*/ 0 h 18288"/>
+              <a:gd name="connsiteX2" fmla="*/ 1273077 w 3182692"/>
+              <a:gd name="connsiteY2" fmla="*/ 0 h 18288"/>
+              <a:gd name="connsiteX3" fmla="*/ 1909615 w 3182692"/>
+              <a:gd name="connsiteY3" fmla="*/ 0 h 18288"/>
+              <a:gd name="connsiteX4" fmla="*/ 2482500 w 3182692"/>
+              <a:gd name="connsiteY4" fmla="*/ 0 h 18288"/>
+              <a:gd name="connsiteX5" fmla="*/ 3182692 w 3182692"/>
+              <a:gd name="connsiteY5" fmla="*/ 0 h 18288"/>
+              <a:gd name="connsiteX6" fmla="*/ 3182692 w 3182692"/>
+              <a:gd name="connsiteY6" fmla="*/ 18288 h 18288"/>
+              <a:gd name="connsiteX7" fmla="*/ 2609807 w 3182692"/>
+              <a:gd name="connsiteY7" fmla="*/ 18288 h 18288"/>
+              <a:gd name="connsiteX8" fmla="*/ 2068750 w 3182692"/>
+              <a:gd name="connsiteY8" fmla="*/ 18288 h 18288"/>
+              <a:gd name="connsiteX9" fmla="*/ 1432211 w 3182692"/>
+              <a:gd name="connsiteY9" fmla="*/ 18288 h 18288"/>
+              <a:gd name="connsiteX10" fmla="*/ 859327 w 3182692"/>
+              <a:gd name="connsiteY10" fmla="*/ 18288 h 18288"/>
+              <a:gd name="connsiteX11" fmla="*/ 0 w 3182692"/>
+              <a:gd name="connsiteY11" fmla="*/ 18288 h 18288"/>
+              <a:gd name="connsiteX12" fmla="*/ 0 w 3182692"/>
+              <a:gd name="connsiteY12" fmla="*/ 0 h 18288"/>
+            </a:gdLst>
+            <a:ahLst/>
+            <a:cxnLst>
+              <a:cxn ang="0">
+                <a:pos x="connsiteX0" y="connsiteY0"/>
+              </a:cxn>
+              <a:cxn ang="0">
+                <a:pos x="connsiteX1" y="connsiteY1"/>
+              </a:cxn>
+              <a:cxn ang="0">
+                <a:pos x="connsiteX2" y="connsiteY2"/>
+              </a:cxn>
+              <a:cxn ang="0">
+                <a:pos x="connsiteX3" y="connsiteY3"/>
+              </a:cxn>
+              <a:cxn ang="0">
+                <a:pos x="connsiteX4" y="connsiteY4"/>
+              </a:cxn>
+              <a:cxn ang="0">
+                <a:pos x="connsiteX5" y="connsiteY5"/>
+              </a:cxn>
+              <a:cxn ang="0">
+                <a:pos x="connsiteX6" y="connsiteY6"/>
+              </a:cxn>
+              <a:cxn ang="0">
+                <a:pos x="connsiteX7" y="connsiteY7"/>
+              </a:cxn>
+              <a:cxn ang="0">
+                <a:pos x="connsiteX8" y="connsiteY8"/>
+              </a:cxn>
+              <a:cxn ang="0">
+                <a:pos x="connsiteX9" y="connsiteY9"/>
+              </a:cxn>
+              <a:cxn ang="0">
+                <a:pos x="connsiteX10" y="connsiteY10"/>
+              </a:cxn>
+              <a:cxn ang="0">
+                <a:pos x="connsiteX11" y="connsiteY11"/>
+              </a:cxn>
+              <a:cxn ang="0">
+                <a:pos x="connsiteX12" y="connsiteY12"/>
+              </a:cxn>
+            </a:cxnLst>
+            <a:rect l="l" t="t" r="r" b="b"/>
+            <a:pathLst>
+              <a:path w="3182692" h="18288" fill="none" extrusionOk="0">
+                <a:moveTo>
+                  <a:pt x="0" y="0"/>
+                </a:moveTo>
+                <a:cubicBezTo>
+                  <a:pt x="253588" y="25878"/>
+                  <a:pt x="409323" y="-5359"/>
+                  <a:pt x="636538" y="0"/>
+                </a:cubicBezTo>
+                <a:cubicBezTo>
+                  <a:pt x="863753" y="5359"/>
+                  <a:pt x="1007727" y="-28"/>
+                  <a:pt x="1273077" y="0"/>
+                </a:cubicBezTo>
+                <a:cubicBezTo>
+                  <a:pt x="1538427" y="28"/>
+                  <a:pt x="1698640" y="-12775"/>
+                  <a:pt x="1909615" y="0"/>
+                </a:cubicBezTo>
+                <a:cubicBezTo>
+                  <a:pt x="2120590" y="12775"/>
+                  <a:pt x="2210293" y="-21823"/>
+                  <a:pt x="2482500" y="0"/>
+                </a:cubicBezTo>
+                <a:cubicBezTo>
+                  <a:pt x="2754708" y="21823"/>
+                  <a:pt x="3004133" y="-28750"/>
+                  <a:pt x="3182692" y="0"/>
+                </a:cubicBezTo>
+                <a:cubicBezTo>
+                  <a:pt x="3183134" y="4516"/>
+                  <a:pt x="3181865" y="12266"/>
+                  <a:pt x="3182692" y="18288"/>
+                </a:cubicBezTo>
+                <a:cubicBezTo>
+                  <a:pt x="2947402" y="22440"/>
+                  <a:pt x="2876226" y="27191"/>
+                  <a:pt x="2609807" y="18288"/>
+                </a:cubicBezTo>
+                <a:cubicBezTo>
+                  <a:pt x="2343389" y="9385"/>
+                  <a:pt x="2326689" y="25579"/>
+                  <a:pt x="2068750" y="18288"/>
+                </a:cubicBezTo>
+                <a:cubicBezTo>
+                  <a:pt x="1810811" y="10997"/>
+                  <a:pt x="1713836" y="48219"/>
+                  <a:pt x="1432211" y="18288"/>
+                </a:cubicBezTo>
+                <a:cubicBezTo>
+                  <a:pt x="1150586" y="-11643"/>
+                  <a:pt x="982765" y="3747"/>
+                  <a:pt x="859327" y="18288"/>
+                </a:cubicBezTo>
+                <a:cubicBezTo>
+                  <a:pt x="735889" y="32829"/>
+                  <a:pt x="254183" y="35231"/>
+                  <a:pt x="0" y="18288"/>
+                </a:cubicBezTo>
+                <a:cubicBezTo>
+                  <a:pt x="-306" y="11477"/>
+                  <a:pt x="485" y="4355"/>
+                  <a:pt x="0" y="0"/>
+                </a:cubicBezTo>
+                <a:close/>
+              </a:path>
+              <a:path w="3182692" h="18288" stroke="0" extrusionOk="0">
+                <a:moveTo>
+                  <a:pt x="0" y="0"/>
+                </a:moveTo>
+                <a:cubicBezTo>
+                  <a:pt x="243108" y="-22426"/>
+                  <a:pt x="387854" y="22949"/>
+                  <a:pt x="572885" y="0"/>
+                </a:cubicBezTo>
+                <a:cubicBezTo>
+                  <a:pt x="757916" y="-22949"/>
+                  <a:pt x="923707" y="6797"/>
+                  <a:pt x="1113942" y="0"/>
+                </a:cubicBezTo>
+                <a:cubicBezTo>
+                  <a:pt x="1304177" y="-6797"/>
+                  <a:pt x="1495991" y="20627"/>
+                  <a:pt x="1686827" y="0"/>
+                </a:cubicBezTo>
+                <a:cubicBezTo>
+                  <a:pt x="1877663" y="-20627"/>
+                  <a:pt x="2170182" y="-20672"/>
+                  <a:pt x="2323365" y="0"/>
+                </a:cubicBezTo>
+                <a:cubicBezTo>
+                  <a:pt x="2476548" y="20672"/>
+                  <a:pt x="2919164" y="6097"/>
+                  <a:pt x="3182692" y="0"/>
+                </a:cubicBezTo>
+                <a:cubicBezTo>
+                  <a:pt x="3183269" y="4624"/>
+                  <a:pt x="3183511" y="11191"/>
+                  <a:pt x="3182692" y="18288"/>
+                </a:cubicBezTo>
+                <a:cubicBezTo>
+                  <a:pt x="3026065" y="-10849"/>
+                  <a:pt x="2775006" y="23067"/>
+                  <a:pt x="2546154" y="18288"/>
+                </a:cubicBezTo>
+                <a:cubicBezTo>
+                  <a:pt x="2317302" y="13509"/>
+                  <a:pt x="2168173" y="-8513"/>
+                  <a:pt x="1845961" y="18288"/>
+                </a:cubicBezTo>
+                <a:cubicBezTo>
+                  <a:pt x="1523749" y="45089"/>
+                  <a:pt x="1450078" y="-844"/>
+                  <a:pt x="1304904" y="18288"/>
+                </a:cubicBezTo>
+                <a:cubicBezTo>
+                  <a:pt x="1159730" y="37420"/>
+                  <a:pt x="942635" y="-10021"/>
+                  <a:pt x="604711" y="18288"/>
+                </a:cubicBezTo>
+                <a:cubicBezTo>
+                  <a:pt x="266787" y="46597"/>
+                  <a:pt x="141927" y="-8395"/>
+                  <a:pt x="0" y="18288"/>
+                </a:cubicBezTo>
+                <a:cubicBezTo>
+                  <a:pt x="-171" y="12755"/>
+                  <a:pt x="-690" y="7930"/>
+                  <a:pt x="0" y="0"/>
+                </a:cubicBezTo>
+                <a:close/>
+              </a:path>
+            </a:pathLst>
+          </a:custGeom>
+          <a:solidFill>
+            <a:schemeClr val="accent2"/>
+          </a:solidFill>
+          <a:ln w="44450" cap="rnd">
+            <a:solidFill>
+              <a:schemeClr val="accent2"/>
+            </a:solidFill>
+            <a:round/>
+            <a:extLst>
+              <a:ext uri="{C807C97D-BFC1-408E-A445-0C87EB9F89A2}">
+                <ask:lineSketchStyleProps xmlns:ask="http://schemas.microsoft.com/office/drawing/2018/sketchyshapes" sd="2727557108">
+                  <a:prstGeom prst="rect">
+                    <a:avLst/>
+                  </a:prstGeom>
+                  <ask:type>
+                    <ask:lineSketchFreehand/>
+                  </ask:type>
+                </ask:lineSketchStyleProps>
+              </a:ext>
+            </a:extLst>
+          </a:ln>
+        </p:spPr>
+        <p:style>
+          <a:lnRef idx="2">
+            <a:schemeClr val="accent1">
+              <a:shade val="50000"/>
+            </a:schemeClr>
+          </a:lnRef>
+          <a:fillRef idx="1">
+            <a:schemeClr val="accent1"/>
+          </a:fillRef>
+          <a:effectRef idx="0">
+            <a:schemeClr val="accent1"/>
+          </a:effectRef>
+          <a:fontRef idx="minor">
+            <a:schemeClr val="lt1"/>
+          </a:fontRef>
+        </p:style>
+        <p:txBody>
+          <a:bodyPr rtlCol="0" anchor="ctr"/>
+          <a:lstStyle/>
+          <a:p>
+            <a:pPr algn="ctr"/>
+            <a:endParaRPr lang="en-US"/>
           </a:p>
         </p:txBody>
       </p:sp>
       <p:sp>
         <p:nvSpPr>
-          <p:cNvPr id="6146" name="Rectangle 2">
+          <p:cNvPr id="3" name="Content Placeholder 2">
             <a:extLst>
               <a:ext uri="{FF2B5EF4-FFF2-40B4-BE49-F238E27FC236}">
-                <a16:creationId xmlns:a16="http://schemas.microsoft.com/office/drawing/2014/main" id="{AF3B54C9-20F9-478E-83FB-453EECFA68D6}"/>
+                <a16:creationId xmlns:a16="http://schemas.microsoft.com/office/drawing/2014/main" id="{47B056B0-ECCE-1A51-BF01-1E1B4C87E617}"/>
               </a:ext>
             </a:extLst>
           </p:cNvPr>
           <p:cNvSpPr>
-            <a:spLocks noGrp="1" noChangeArrowheads="1"/>
+            <a:spLocks noGrp="1"/>
           </p:cNvSpPr>
           <p:nvPr>
             <p:ph idx="1"/>
           </p:nvPr>
         </p:nvSpPr>
-        <p:spPr/>
-        <p:txBody>
-          <a:bodyPr>
-            <a:normAutofit lnSpcReduction="10000"/>
-          </a:bodyPr>
-          <a:lstStyle/>
-          <a:p>
-            <a:pPr marL="0" indent="0">
-              <a:buNone/>
-            </a:pPr>
-            <a:r>
-              <a:rPr lang="en-US" altLang="en-US" sz="2400" b="1" dirty="0">
-                <a:latin typeface="Arial" panose="020B0604020202020204" pitchFamily="34" charset="0"/>
-              </a:rPr>
-              <a:t>“A preliminary exploration of the data to better understand its characteristics.”</a:t>
-            </a:r>
-            <a:endParaRPr lang="en-US" altLang="en-US" dirty="0"/>
-          </a:p>
-          <a:p>
-            <a:endParaRPr lang="en-US" altLang="en-US" dirty="0"/>
-          </a:p>
-          <a:p>
-            <a:r>
-              <a:rPr lang="en-US" altLang="en-US" dirty="0"/>
-              <a:t>Key motivations of data exploration include</a:t>
-            </a:r>
-          </a:p>
-          <a:p>
-            <a:pPr lvl="1"/>
-            <a:r>
-              <a:rPr lang="en-US" altLang="en-US" dirty="0"/>
-              <a:t>Helping to select the right tool for preprocessing or analysis</a:t>
-            </a:r>
-          </a:p>
-          <a:p>
-            <a:pPr lvl="1"/>
-            <a:r>
-              <a:rPr lang="en-US" altLang="en-US" dirty="0"/>
-              <a:t>Making use of humans’ abilities to recognize patterns.</a:t>
-            </a:r>
-            <a:br>
-              <a:rPr lang="en-US" altLang="en-US" dirty="0"/>
-            </a:br>
-            <a:r>
-              <a:rPr lang="en-US" altLang="en-US" dirty="0"/>
-              <a:t>	People can recognize patterns not captured by data analysis tools </a:t>
-            </a:r>
-            <a:br>
-              <a:rPr lang="en-US" altLang="en-US" dirty="0"/>
-            </a:br>
-            <a:endParaRPr lang="en-US" altLang="en-US" dirty="0"/>
-          </a:p>
-          <a:p>
-            <a:r>
-              <a:rPr lang="en-US" altLang="en-US" dirty="0"/>
-              <a:t>Related to the area of Exploratory Data Analysis (EDA)</a:t>
-            </a:r>
-          </a:p>
-          <a:p>
-            <a:pPr lvl="1"/>
-            <a:r>
-              <a:rPr lang="en-US" altLang="en-US" dirty="0"/>
-              <a:t>Created by statistician John Tukey</a:t>
-            </a:r>
-          </a:p>
-          <a:p>
-            <a:pPr lvl="1"/>
-            <a:r>
-              <a:rPr lang="en-US" altLang="en-US" dirty="0"/>
-              <a:t>Seminal book is "Exploratory Data Analysis" by Tukey</a:t>
-            </a:r>
-          </a:p>
-          <a:p>
-            <a:pPr lvl="1"/>
-            <a:r>
-              <a:rPr lang="en-US" altLang="en-US" dirty="0"/>
-              <a:t>A nice online introduction can be found in Chapter 1 of the NIST Engineering Statistics Handbook</a:t>
-            </a:r>
-          </a:p>
-          <a:p>
-            <a:pPr lvl="1"/>
-            <a:r>
-              <a:rPr lang="en-US" altLang="en-US" dirty="0">
-                <a:hlinkClick r:id="rId3"/>
-              </a:rPr>
-              <a:t>http://www.itl.nist.gov/div898/handbook/index.htm</a:t>
-            </a:r>
-          </a:p>
-        </p:txBody>
-      </p:sp>
-    </p:spTree>
-  </p:cSld>
-  <p:clrMapOvr>
-    <a:masterClrMapping/>
-  </p:clrMapOvr>
-  <p:transition spd="slow"/>
-  <p:timing>
-    <p:tnLst>
-      <p:par>
-        <p:cTn id="1" dur="indefinite" restart="never" nodeType="tmRoot">
-          <p:childTnLst>
-            <p:seq concurrent="1" nextAc="seek">
-              <p:cTn id="2" dur="0" nodeType="mainSeq"/>
-              <p:prevCondLst>
-                <p:cond evt="onPrev" delay="0">
-                  <p:tgtEl>
-                    <p:sldTgt/>
-                  </p:tgtEl>
-                </p:cond>
-              </p:prevCondLst>
-              <p:nextCondLst>
-                <p:cond evt="onNext" delay="0">
-                  <p:tgtEl>
-                    <p:sldTgt/>
-                  </p:tgtEl>
-                </p:cond>
-              </p:nextCondLst>
-            </p:seq>
-          </p:childTnLst>
-        </p:cTn>
-      </p:par>
-    </p:tnLst>
-  </p:timing>
-</p:sld>
-</file>
-
-<file path=ppt/slides/slide5.xml><?xml version="1.0" encoding="utf-8"?>
-<p:sld xmlns:a="http://schemas.openxmlformats.org/drawingml/2006/main" xmlns:r="http://schemas.openxmlformats.org/officeDocument/2006/relationships" xmlns:p="http://schemas.openxmlformats.org/presentationml/2006/main" show="0">
-  <p:cSld>
-    <p:spTree>
-      <p:nvGrpSpPr>
-        <p:cNvPr id="1" name=""/>
-        <p:cNvGrpSpPr/>
-        <p:nvPr/>
-      </p:nvGrpSpPr>
-      <p:grpSpPr>
-        <a:xfrm>
-          <a:off x="0" y="0"/>
-          <a:ext cx="0" cy="0"/>
-          <a:chOff x="0" y="0"/>
-          <a:chExt cx="0" cy="0"/>
-        </a:xfrm>
-      </p:grpSpPr>
-      <p:sp>
-        <p:nvSpPr>
-          <p:cNvPr id="7169" name="Rectangle 1">
-            <a:extLst>
-              <a:ext uri="{FF2B5EF4-FFF2-40B4-BE49-F238E27FC236}">
-                <a16:creationId xmlns:a16="http://schemas.microsoft.com/office/drawing/2014/main" id="{00B0F772-A08A-44BE-AE88-21DED5EF4860}"/>
-              </a:ext>
-            </a:extLst>
-          </p:cNvPr>
-          <p:cNvSpPr>
-            <a:spLocks noGrp="1" noChangeArrowheads="1"/>
-          </p:cNvSpPr>
-          <p:nvPr>
-            <p:ph type="title"/>
-          </p:nvPr>
-        </p:nvSpPr>
-        <p:spPr/>
-        <p:txBody>
-          <a:bodyPr/>
-          <a:lstStyle/>
-          <a:p>
-            <a:r>
-              <a:rPr lang="en-US" altLang="en-US"/>
-              <a:t>Techniques Used In Data Exploration  </a:t>
-            </a:r>
-          </a:p>
-        </p:txBody>
-      </p:sp>
-      <p:sp>
-        <p:nvSpPr>
-          <p:cNvPr id="7170" name="Rectangle 2">
-            <a:extLst>
-              <a:ext uri="{FF2B5EF4-FFF2-40B4-BE49-F238E27FC236}">
-                <a16:creationId xmlns:a16="http://schemas.microsoft.com/office/drawing/2014/main" id="{9FDE4A43-13A8-402C-859A-52969FFE6C3F}"/>
-              </a:ext>
-            </a:extLst>
-          </p:cNvPr>
-          <p:cNvSpPr>
-            <a:spLocks noGrp="1" noChangeArrowheads="1"/>
-          </p:cNvSpPr>
-          <p:nvPr>
-            <p:ph idx="1"/>
-          </p:nvPr>
-        </p:nvSpPr>
-        <p:spPr/>
+        <p:spPr>
+          <a:xfrm>
+            <a:off x="3973321" y="2706624"/>
+            <a:ext cx="4688333" cy="3483864"/>
+          </a:xfrm>
+        </p:spPr>
         <p:txBody>
           <a:bodyPr>
             <a:normAutofit/>
@@ -29100,94 +29389,71 @@
           <a:lstStyle/>
           <a:p>
             <a:r>
-              <a:rPr lang="en-US" altLang="en-US"/>
-              <a:t>In EDA, as originally defined by Tukey</a:t>
+              <a:rPr lang="en-US" sz="1900"/>
+              <a:t>Exploring data is the first step when working with data.</a:t>
             </a:r>
           </a:p>
           <a:p>
-            <a:pPr lvl="1"/>
             <a:r>
-              <a:rPr lang="en-US" altLang="en-US"/>
-              <a:t>The focus was on visualization</a:t>
+              <a:rPr lang="en-US" sz="1900"/>
+              <a:t>The goal is to:</a:t>
             </a:r>
           </a:p>
           <a:p>
-            <a:pPr lvl="1"/>
+            <a:pPr marL="685800" lvl="1" indent="-342900">
+              <a:buFont typeface="+mj-lt"/>
+              <a:buAutoNum type="arabicPeriod"/>
+            </a:pPr>
             <a:r>
-              <a:rPr lang="en-US" altLang="en-US"/>
-              <a:t>Clustering and anomaly detection were viewed as exploratory techniques</a:t>
+              <a:rPr lang="en-US" sz="1900"/>
+              <a:t>Understand what data is available.</a:t>
             </a:r>
           </a:p>
           <a:p>
-            <a:pPr lvl="1"/>
+            <a:pPr marL="685800" lvl="1" indent="-342900">
+              <a:buFont typeface="+mj-lt"/>
+              <a:buAutoNum type="arabicPeriod"/>
+            </a:pPr>
             <a:r>
-              <a:rPr lang="en-US" altLang="en-US"/>
-              <a:t>In data mining, clustering and anomaly detection are major areas of interest, and not thought of as just exploratory</a:t>
+              <a:rPr lang="en-US" sz="1900"/>
+              <a:t>Assess data distributions and how variables relate to each other.</a:t>
             </a:r>
           </a:p>
           <a:p>
-            <a:pPr lvl="1"/>
-            <a:endParaRPr lang="en-US" altLang="en-US"/>
-          </a:p>
-          <a:p>
+            <a:pPr marL="685800" lvl="1" indent="-342900">
+              <a:buFont typeface="+mj-lt"/>
+              <a:buAutoNum type="arabicPeriod"/>
+            </a:pPr>
             <a:r>
-              <a:rPr lang="en-US" altLang="en-US"/>
-              <a:t>In our discussion of data exploration, we focus on</a:t>
+              <a:rPr lang="en-US" sz="1900"/>
+              <a:t>Assess data quality. </a:t>
             </a:r>
           </a:p>
           <a:p>
-            <a:pPr lvl="1"/>
+            <a:endParaRPr lang="en-US" sz="1900"/>
+          </a:p>
+          <a:p>
             <a:r>
-              <a:rPr lang="en-US" altLang="en-US"/>
-              <a:t>Summary statistics</a:t>
-            </a:r>
-          </a:p>
-          <a:p>
-            <a:pPr lvl="1"/>
-            <a:r>
-              <a:rPr lang="en-US" altLang="en-US"/>
-              <a:t>Visualization</a:t>
+              <a:rPr lang="en-US" sz="1900"/>
+              <a:t>Understanding the data is necessary to decide on data preparation and modeling.</a:t>
             </a:r>
           </a:p>
         </p:txBody>
       </p:sp>
     </p:spTree>
+    <p:extLst>
+      <p:ext uri="{BB962C8B-B14F-4D97-AF65-F5344CB8AC3E}">
+        <p14:creationId xmlns:p14="http://schemas.microsoft.com/office/powerpoint/2010/main" val="693366101"/>
+      </p:ext>
+    </p:extLst>
   </p:cSld>
   <p:clrMapOvr>
     <a:masterClrMapping/>
   </p:clrMapOvr>
-  <p:transition spd="slow"/>
-  <p:timing>
-    <p:tnLst>
-      <p:par>
-        <p:cTn id="1" dur="indefinite" restart="never" nodeType="tmRoot">
-          <p:childTnLst>
-            <p:seq concurrent="1" nextAc="seek">
-              <p:cTn id="2" dur="0" nodeType="mainSeq"/>
-              <p:prevCondLst>
-                <p:cond evt="onPrev" delay="0">
-                  <p:tgtEl>
-                    <p:sldTgt/>
-                  </p:tgtEl>
-                </p:cond>
-              </p:prevCondLst>
-              <p:nextCondLst>
-                <p:cond evt="onNext" delay="0">
-                  <p:tgtEl>
-                    <p:sldTgt/>
-                  </p:tgtEl>
-                </p:cond>
-              </p:nextCondLst>
-            </p:seq>
-          </p:childTnLst>
-        </p:cTn>
-      </p:par>
-    </p:tnLst>
-  </p:timing>
 </p:sld>
 </file>
 
-<file path=ppt/slides/slide6.xml><?xml version="1.0" encoding="utf-8"?>
+<file path=ppt/slides/slide4.xml><?xml version="1.0" encoding="utf-8"?>
 <p:sld xmlns:a="http://schemas.openxmlformats.org/drawingml/2006/main" xmlns:r="http://schemas.openxmlformats.org/officeDocument/2006/relationships" xmlns:p="http://schemas.openxmlformats.org/presentationml/2006/main">
   <p:cSld>
     <p:bg>
@@ -29294,7 +29560,7 @@
               </a:ext>
             </a:extLst>
           </a:blip>
-          <a:srcRect r="26531" b="2"/>
+          <a:srcRect l="2286" r="24246" b="2"/>
           <a:stretch/>
         </p:blipFill>
         <p:spPr bwMode="auto">
@@ -29630,13 +29896,13 @@
           <a:lstStyle/>
           <a:p>
             <a:r>
-              <a:rPr lang="en-US" altLang="en-US" sz="1500" dirty="0"/>
+              <a:rPr lang="en-US" altLang="en-US" sz="1500" b="1" dirty="0"/>
               <a:t>Exploratory Data Analysis</a:t>
             </a:r>
           </a:p>
           <a:p>
             <a:r>
-              <a:rPr lang="en-US" altLang="en-US" sz="1500" b="1" dirty="0"/>
+              <a:rPr lang="en-US" altLang="en-US" sz="1500" dirty="0"/>
               <a:t>Summary Statistics</a:t>
             </a:r>
           </a:p>
@@ -29654,9 +29920,352 @@
     </p:spTree>
     <p:extLst>
       <p:ext uri="{BB962C8B-B14F-4D97-AF65-F5344CB8AC3E}">
-        <p14:creationId xmlns:p14="http://schemas.microsoft.com/office/powerpoint/2010/main" val="1612415398"/>
+        <p14:creationId xmlns:p14="http://schemas.microsoft.com/office/powerpoint/2010/main" val="2674856974"/>
       </p:ext>
     </p:extLst>
+  </p:cSld>
+  <p:clrMapOvr>
+    <a:masterClrMapping/>
+  </p:clrMapOvr>
+  <p:transition spd="slow"/>
+  <p:timing>
+    <p:tnLst>
+      <p:par>
+        <p:cTn id="1" dur="indefinite" restart="never" nodeType="tmRoot">
+          <p:childTnLst>
+            <p:seq concurrent="1" nextAc="seek">
+              <p:cTn id="2" dur="0" nodeType="mainSeq"/>
+              <p:prevCondLst>
+                <p:cond evt="onPrev" delay="0">
+                  <p:tgtEl>
+                    <p:sldTgt/>
+                  </p:tgtEl>
+                </p:cond>
+              </p:prevCondLst>
+              <p:nextCondLst>
+                <p:cond evt="onNext" delay="0">
+                  <p:tgtEl>
+                    <p:sldTgt/>
+                  </p:tgtEl>
+                </p:cond>
+              </p:nextCondLst>
+            </p:seq>
+          </p:childTnLst>
+        </p:cTn>
+      </p:par>
+    </p:tnLst>
+  </p:timing>
+</p:sld>
+</file>
+
+<file path=ppt/slides/slide5.xml><?xml version="1.0" encoding="utf-8"?>
+<p:sld xmlns:a="http://schemas.openxmlformats.org/drawingml/2006/main" xmlns:r="http://schemas.openxmlformats.org/officeDocument/2006/relationships" xmlns:p="http://schemas.openxmlformats.org/presentationml/2006/main">
+  <p:cSld>
+    <p:spTree>
+      <p:nvGrpSpPr>
+        <p:cNvPr id="1" name=""/>
+        <p:cNvGrpSpPr/>
+        <p:nvPr/>
+      </p:nvGrpSpPr>
+      <p:grpSpPr>
+        <a:xfrm>
+          <a:off x="0" y="0"/>
+          <a:ext cx="0" cy="0"/>
+          <a:chOff x="0" y="0"/>
+          <a:chExt cx="0" cy="0"/>
+        </a:xfrm>
+      </p:grpSpPr>
+      <p:sp>
+        <p:nvSpPr>
+          <p:cNvPr id="6145" name="Rectangle 1">
+            <a:extLst>
+              <a:ext uri="{FF2B5EF4-FFF2-40B4-BE49-F238E27FC236}">
+                <a16:creationId xmlns:a16="http://schemas.microsoft.com/office/drawing/2014/main" id="{65F4D0A6-D92E-4DF1-98E9-3DCA775C6F44}"/>
+              </a:ext>
+            </a:extLst>
+          </p:cNvPr>
+          <p:cNvSpPr>
+            <a:spLocks noGrp="1" noChangeArrowheads="1"/>
+          </p:cNvSpPr>
+          <p:nvPr>
+            <p:ph type="title"/>
+          </p:nvPr>
+        </p:nvSpPr>
+        <p:spPr/>
+        <p:txBody>
+          <a:bodyPr/>
+          <a:lstStyle/>
+          <a:p>
+            <a:r>
+              <a:rPr lang="en-US" altLang="en-US" dirty="0"/>
+              <a:t>What is Data Exploration?</a:t>
+            </a:r>
+          </a:p>
+        </p:txBody>
+      </p:sp>
+      <p:sp>
+        <p:nvSpPr>
+          <p:cNvPr id="6146" name="Rectangle 2">
+            <a:extLst>
+              <a:ext uri="{FF2B5EF4-FFF2-40B4-BE49-F238E27FC236}">
+                <a16:creationId xmlns:a16="http://schemas.microsoft.com/office/drawing/2014/main" id="{AF3B54C9-20F9-478E-83FB-453EECFA68D6}"/>
+              </a:ext>
+            </a:extLst>
+          </p:cNvPr>
+          <p:cNvSpPr>
+            <a:spLocks noGrp="1" noChangeArrowheads="1"/>
+          </p:cNvSpPr>
+          <p:nvPr>
+            <p:ph idx="1"/>
+          </p:nvPr>
+        </p:nvSpPr>
+        <p:spPr/>
+        <p:txBody>
+          <a:bodyPr>
+            <a:normAutofit lnSpcReduction="10000"/>
+          </a:bodyPr>
+          <a:lstStyle/>
+          <a:p>
+            <a:pPr marL="0" indent="0">
+              <a:buNone/>
+            </a:pPr>
+            <a:r>
+              <a:rPr lang="en-US" altLang="en-US" sz="2400" b="1" dirty="0">
+                <a:latin typeface="Arial" panose="020B0604020202020204" pitchFamily="34" charset="0"/>
+              </a:rPr>
+              <a:t>“A preliminary exploration of the data to better understand its characteristics.”</a:t>
+            </a:r>
+            <a:endParaRPr lang="en-US" altLang="en-US" dirty="0"/>
+          </a:p>
+          <a:p>
+            <a:endParaRPr lang="en-US" altLang="en-US" dirty="0"/>
+          </a:p>
+          <a:p>
+            <a:r>
+              <a:rPr lang="en-US" altLang="en-US" dirty="0"/>
+              <a:t>Key motivations of data exploration include</a:t>
+            </a:r>
+          </a:p>
+          <a:p>
+            <a:pPr lvl="1"/>
+            <a:r>
+              <a:rPr lang="en-US" altLang="en-US" dirty="0"/>
+              <a:t>Helping to select the right tool for preprocessing or analysis</a:t>
+            </a:r>
+          </a:p>
+          <a:p>
+            <a:pPr lvl="1"/>
+            <a:r>
+              <a:rPr lang="en-US" altLang="en-US" dirty="0"/>
+              <a:t>Making use of humans’ abilities to recognize patterns.</a:t>
+            </a:r>
+            <a:br>
+              <a:rPr lang="en-US" altLang="en-US" dirty="0"/>
+            </a:br>
+            <a:r>
+              <a:rPr lang="en-US" altLang="en-US" dirty="0"/>
+              <a:t>	People can recognize patterns not captured by data analysis tools </a:t>
+            </a:r>
+            <a:br>
+              <a:rPr lang="en-US" altLang="en-US" dirty="0"/>
+            </a:br>
+            <a:endParaRPr lang="en-US" altLang="en-US" dirty="0"/>
+          </a:p>
+          <a:p>
+            <a:r>
+              <a:rPr lang="en-US" altLang="en-US" dirty="0"/>
+              <a:t>Related to the area of Exploratory Data Analysis (EDA)</a:t>
+            </a:r>
+          </a:p>
+          <a:p>
+            <a:pPr lvl="1"/>
+            <a:r>
+              <a:rPr lang="en-US" altLang="en-US" dirty="0"/>
+              <a:t>Created by statistician John Tukey</a:t>
+            </a:r>
+          </a:p>
+          <a:p>
+            <a:pPr lvl="1"/>
+            <a:r>
+              <a:rPr lang="en-US" altLang="en-US" dirty="0"/>
+              <a:t>Seminal book is "Exploratory Data Analysis" by Tukey</a:t>
+            </a:r>
+          </a:p>
+          <a:p>
+            <a:pPr lvl="1"/>
+            <a:r>
+              <a:rPr lang="en-US" altLang="en-US" dirty="0"/>
+              <a:t>A nice online introduction can be found in Chapter 1 of the NIST Engineering Statistics Handbook</a:t>
+            </a:r>
+          </a:p>
+          <a:p>
+            <a:pPr lvl="1"/>
+            <a:r>
+              <a:rPr lang="en-US" altLang="en-US" dirty="0">
+                <a:hlinkClick r:id="rId3"/>
+              </a:rPr>
+              <a:t>http://www.itl.nist.gov/div898/handbook/index.htm</a:t>
+            </a:r>
+          </a:p>
+        </p:txBody>
+      </p:sp>
+    </p:spTree>
+  </p:cSld>
+  <p:clrMapOvr>
+    <a:masterClrMapping/>
+  </p:clrMapOvr>
+  <p:transition spd="slow"/>
+  <p:timing>
+    <p:tnLst>
+      <p:par>
+        <p:cTn id="1" dur="indefinite" restart="never" nodeType="tmRoot">
+          <p:childTnLst>
+            <p:seq concurrent="1" nextAc="seek">
+              <p:cTn id="2" dur="0" nodeType="mainSeq"/>
+              <p:prevCondLst>
+                <p:cond evt="onPrev" delay="0">
+                  <p:tgtEl>
+                    <p:sldTgt/>
+                  </p:tgtEl>
+                </p:cond>
+              </p:prevCondLst>
+              <p:nextCondLst>
+                <p:cond evt="onNext" delay="0">
+                  <p:tgtEl>
+                    <p:sldTgt/>
+                  </p:tgtEl>
+                </p:cond>
+              </p:nextCondLst>
+            </p:seq>
+          </p:childTnLst>
+        </p:cTn>
+      </p:par>
+    </p:tnLst>
+  </p:timing>
+</p:sld>
+</file>
+
+<file path=ppt/slides/slide6.xml><?xml version="1.0" encoding="utf-8"?>
+<p:sld xmlns:a="http://schemas.openxmlformats.org/drawingml/2006/main" xmlns:r="http://schemas.openxmlformats.org/officeDocument/2006/relationships" xmlns:p="http://schemas.openxmlformats.org/presentationml/2006/main" show="0">
+  <p:cSld>
+    <p:spTree>
+      <p:nvGrpSpPr>
+        <p:cNvPr id="1" name=""/>
+        <p:cNvGrpSpPr/>
+        <p:nvPr/>
+      </p:nvGrpSpPr>
+      <p:grpSpPr>
+        <a:xfrm>
+          <a:off x="0" y="0"/>
+          <a:ext cx="0" cy="0"/>
+          <a:chOff x="0" y="0"/>
+          <a:chExt cx="0" cy="0"/>
+        </a:xfrm>
+      </p:grpSpPr>
+      <p:sp>
+        <p:nvSpPr>
+          <p:cNvPr id="7169" name="Rectangle 1">
+            <a:extLst>
+              <a:ext uri="{FF2B5EF4-FFF2-40B4-BE49-F238E27FC236}">
+                <a16:creationId xmlns:a16="http://schemas.microsoft.com/office/drawing/2014/main" id="{00B0F772-A08A-44BE-AE88-21DED5EF4860}"/>
+              </a:ext>
+            </a:extLst>
+          </p:cNvPr>
+          <p:cNvSpPr>
+            <a:spLocks noGrp="1" noChangeArrowheads="1"/>
+          </p:cNvSpPr>
+          <p:nvPr>
+            <p:ph type="title"/>
+          </p:nvPr>
+        </p:nvSpPr>
+        <p:spPr/>
+        <p:txBody>
+          <a:bodyPr/>
+          <a:lstStyle/>
+          <a:p>
+            <a:r>
+              <a:rPr lang="en-US" altLang="en-US"/>
+              <a:t>Techniques Used In Data Exploration  </a:t>
+            </a:r>
+          </a:p>
+        </p:txBody>
+      </p:sp>
+      <p:sp>
+        <p:nvSpPr>
+          <p:cNvPr id="7170" name="Rectangle 2">
+            <a:extLst>
+              <a:ext uri="{FF2B5EF4-FFF2-40B4-BE49-F238E27FC236}">
+                <a16:creationId xmlns:a16="http://schemas.microsoft.com/office/drawing/2014/main" id="{9FDE4A43-13A8-402C-859A-52969FFE6C3F}"/>
+              </a:ext>
+            </a:extLst>
+          </p:cNvPr>
+          <p:cNvSpPr>
+            <a:spLocks noGrp="1" noChangeArrowheads="1"/>
+          </p:cNvSpPr>
+          <p:nvPr>
+            <p:ph idx="1"/>
+          </p:nvPr>
+        </p:nvSpPr>
+        <p:spPr/>
+        <p:txBody>
+          <a:bodyPr>
+            <a:normAutofit/>
+          </a:bodyPr>
+          <a:lstStyle/>
+          <a:p>
+            <a:r>
+              <a:rPr lang="en-US" altLang="en-US"/>
+              <a:t>In EDA, as originally defined by Tukey</a:t>
+            </a:r>
+          </a:p>
+          <a:p>
+            <a:pPr lvl="1"/>
+            <a:r>
+              <a:rPr lang="en-US" altLang="en-US"/>
+              <a:t>The focus was on visualization</a:t>
+            </a:r>
+          </a:p>
+          <a:p>
+            <a:pPr lvl="1"/>
+            <a:r>
+              <a:rPr lang="en-US" altLang="en-US"/>
+              <a:t>Clustering and anomaly detection were viewed as exploratory techniques</a:t>
+            </a:r>
+          </a:p>
+          <a:p>
+            <a:pPr lvl="1"/>
+            <a:r>
+              <a:rPr lang="en-US" altLang="en-US"/>
+              <a:t>In data mining, clustering and anomaly detection are major areas of interest, and not thought of as just exploratory</a:t>
+            </a:r>
+          </a:p>
+          <a:p>
+            <a:pPr lvl="1"/>
+            <a:endParaRPr lang="en-US" altLang="en-US"/>
+          </a:p>
+          <a:p>
+            <a:r>
+              <a:rPr lang="en-US" altLang="en-US"/>
+              <a:t>In our discussion of data exploration, we focus on</a:t>
+            </a:r>
+          </a:p>
+          <a:p>
+            <a:pPr lvl="1"/>
+            <a:r>
+              <a:rPr lang="en-US" altLang="en-US"/>
+              <a:t>Summary statistics</a:t>
+            </a:r>
+          </a:p>
+          <a:p>
+            <a:pPr lvl="1"/>
+            <a:r>
+              <a:rPr lang="en-US" altLang="en-US"/>
+              <a:t>Visualization</a:t>
+            </a:r>
+          </a:p>
+        </p:txBody>
+      </p:sp>
+    </p:spTree>
   </p:cSld>
   <p:clrMapOvr>
     <a:masterClrMapping/>
@@ -29695,6 +30304,14 @@
 <file path=ppt/slides/slide7.xml><?xml version="1.0" encoding="utf-8"?>
 <p:sld xmlns:a="http://schemas.openxmlformats.org/drawingml/2006/main" xmlns:r="http://schemas.openxmlformats.org/officeDocument/2006/relationships" xmlns:p="http://schemas.openxmlformats.org/presentationml/2006/main">
   <p:cSld>
+    <p:bg>
+      <p:bgPr>
+        <a:solidFill>
+          <a:schemeClr val="bg1"/>
+        </a:solidFill>
+        <a:effectLst/>
+      </p:bgPr>
+    </p:bg>
     <p:spTree>
       <p:nvGrpSpPr>
         <p:cNvPr id="1" name=""/>
@@ -29709,12 +30326,203 @@
           <a:chExt cx="0" cy="0"/>
         </a:xfrm>
       </p:grpSpPr>
+      <p:sp useBgFill="1">
+        <p:nvSpPr>
+          <p:cNvPr id="135" name="Rectangle 134">
+            <a:extLst>
+              <a:ext uri="{FF2B5EF4-FFF2-40B4-BE49-F238E27FC236}">
+                <a16:creationId xmlns:a16="http://schemas.microsoft.com/office/drawing/2014/main" id="{8FC9BE17-9A7B-462D-AE50-3D8777387304}"/>
+              </a:ext>
+              <a:ext uri="{C183D7F6-B498-43B3-948B-1728B52AA6E4}">
+                <adec:decorative xmlns:adec="http://schemas.microsoft.com/office/drawing/2017/decorative" val="1"/>
+              </a:ext>
+            </a:extLst>
+          </p:cNvPr>
+          <p:cNvSpPr>
+            <a:spLocks noGrp="1" noRot="1" noChangeAspect="1" noMove="1" noResize="1" noEditPoints="1" noAdjustHandles="1" noChangeArrowheads="1" noChangeShapeType="1" noTextEdit="1"/>
+          </p:cNvSpPr>
+          <p:nvPr>
+            <p:extLst>
+              <p:ext uri="{386F3935-93C4-4BCD-93E2-E3B085C9AB24}">
+                <p16:designElem xmlns:p16="http://schemas.microsoft.com/office/powerpoint/2015/main" val="1"/>
+              </p:ext>
+            </p:extLst>
+          </p:nvPr>
+        </p:nvSpPr>
+        <p:spPr>
+          <a:xfrm>
+            <a:off x="0" y="0"/>
+            <a:ext cx="9144000" cy="6858000"/>
+          </a:xfrm>
+          <a:prstGeom prst="rect">
+            <a:avLst/>
+          </a:prstGeom>
+          <a:ln>
+            <a:noFill/>
+          </a:ln>
+        </p:spPr>
+        <p:style>
+          <a:lnRef idx="2">
+            <a:schemeClr val="accent1">
+              <a:shade val="50000"/>
+            </a:schemeClr>
+          </a:lnRef>
+          <a:fillRef idx="1">
+            <a:schemeClr val="accent1"/>
+          </a:fillRef>
+          <a:effectRef idx="0">
+            <a:schemeClr val="accent1"/>
+          </a:effectRef>
+          <a:fontRef idx="minor">
+            <a:schemeClr val="lt1"/>
+          </a:fontRef>
+        </p:style>
+        <p:txBody>
+          <a:bodyPr rtlCol="0" anchor="ctr"/>
+          <a:lstStyle/>
+          <a:p>
+            <a:pPr algn="ctr"/>
+            <a:endParaRPr lang="en-US"/>
+          </a:p>
+        </p:txBody>
+      </p:sp>
+      <p:pic>
+        <p:nvPicPr>
+          <p:cNvPr id="17410" name="Picture 2">
+            <a:extLst>
+              <a:ext uri="{FF2B5EF4-FFF2-40B4-BE49-F238E27FC236}">
+                <a16:creationId xmlns:a16="http://schemas.microsoft.com/office/drawing/2014/main" id="{5467FF44-2F2E-4CE3-BF2F-2287483DC32C}"/>
+              </a:ext>
+            </a:extLst>
+          </p:cNvPr>
+          <p:cNvPicPr>
+            <a:picLocks noChangeAspect="1" noChangeArrowheads="1"/>
+          </p:cNvPicPr>
+          <p:nvPr/>
+        </p:nvPicPr>
+        <p:blipFill rotWithShape="1">
+          <a:blip r:embed="rId3">
+            <a:extLst>
+              <a:ext uri="{28A0092B-C50C-407E-A947-70E740481C1C}">
+                <a14:useLocalDpi xmlns:a14="http://schemas.microsoft.com/office/drawing/2010/main" val="0"/>
+              </a:ext>
+            </a:extLst>
+          </a:blip>
+          <a:srcRect r="26531" b="2"/>
+          <a:stretch/>
+        </p:blipFill>
+        <p:spPr bwMode="auto">
+          <a:xfrm>
+            <a:off x="2642616" y="10"/>
+            <a:ext cx="6501384" cy="6857990"/>
+          </a:xfrm>
+          <a:prstGeom prst="rect">
+            <a:avLst/>
+          </a:prstGeom>
+          <a:noFill/>
+          <a:extLst>
+            <a:ext uri="{909E8E84-426E-40DD-AFC4-6F175D3DCCD1}">
+              <a14:hiddenFill xmlns:a14="http://schemas.microsoft.com/office/drawing/2010/main">
+                <a:solidFill>
+                  <a:srgbClr val="FFFFFF"/>
+                </a:solidFill>
+              </a14:hiddenFill>
+            </a:ext>
+          </a:extLst>
+        </p:spPr>
+      </p:pic>
       <p:sp>
         <p:nvSpPr>
-          <p:cNvPr id="10241" name="Rectangle 1">
+          <p:cNvPr id="137" name="Rectangle 136">
             <a:extLst>
               <a:ext uri="{FF2B5EF4-FFF2-40B4-BE49-F238E27FC236}">
-                <a16:creationId xmlns:a16="http://schemas.microsoft.com/office/drawing/2014/main" id="{0AF45335-3309-4387-A5F4-765F2F08022D}"/>
+                <a16:creationId xmlns:a16="http://schemas.microsoft.com/office/drawing/2014/main" id="{3EBE8569-6AEC-4B8C-8D53-2DE337CDBA65}"/>
+              </a:ext>
+              <a:ext uri="{C183D7F6-B498-43B3-948B-1728B52AA6E4}">
+                <adec:decorative xmlns:adec="http://schemas.microsoft.com/office/drawing/2017/decorative" val="1"/>
+              </a:ext>
+            </a:extLst>
+          </p:cNvPr>
+          <p:cNvSpPr>
+            <a:spLocks noGrp="1" noRot="1" noChangeAspect="1" noMove="1" noResize="1" noEditPoints="1" noAdjustHandles="1" noChangeArrowheads="1" noChangeShapeType="1" noTextEdit="1"/>
+          </p:cNvSpPr>
+          <p:nvPr>
+            <p:extLst>
+              <p:ext uri="{386F3935-93C4-4BCD-93E2-E3B085C9AB24}">
+                <p16:designElem xmlns:p16="http://schemas.microsoft.com/office/powerpoint/2015/main" val="1"/>
+              </p:ext>
+            </p:extLst>
+          </p:nvPr>
+        </p:nvSpPr>
+        <p:spPr>
+          <a:xfrm>
+            <a:off x="1" y="0"/>
+            <a:ext cx="7317451" cy="6858000"/>
+          </a:xfrm>
+          <a:prstGeom prst="rect">
+            <a:avLst/>
+          </a:prstGeom>
+          <a:gradFill>
+            <a:gsLst>
+              <a:gs pos="58000">
+                <a:schemeClr val="bg1"/>
+              </a:gs>
+              <a:gs pos="35000">
+                <a:schemeClr val="bg1">
+                  <a:alpha val="78000"/>
+                </a:schemeClr>
+              </a:gs>
+              <a:gs pos="19000">
+                <a:schemeClr val="bg1">
+                  <a:alpha val="38000"/>
+                </a:schemeClr>
+              </a:gs>
+              <a:gs pos="0">
+                <a:schemeClr val="bg1">
+                  <a:alpha val="0"/>
+                </a:schemeClr>
+              </a:gs>
+              <a:gs pos="100000">
+                <a:schemeClr val="bg1"/>
+              </a:gs>
+            </a:gsLst>
+            <a:lin ang="10800000" scaled="0"/>
+          </a:gradFill>
+          <a:ln>
+            <a:noFill/>
+          </a:ln>
+        </p:spPr>
+        <p:style>
+          <a:lnRef idx="2">
+            <a:schemeClr val="accent1">
+              <a:shade val="50000"/>
+            </a:schemeClr>
+          </a:lnRef>
+          <a:fillRef idx="1">
+            <a:schemeClr val="accent1"/>
+          </a:fillRef>
+          <a:effectRef idx="0">
+            <a:schemeClr val="accent1"/>
+          </a:effectRef>
+          <a:fontRef idx="minor">
+            <a:schemeClr val="lt1"/>
+          </a:fontRef>
+        </p:style>
+        <p:txBody>
+          <a:bodyPr rtlCol="0" anchor="ctr"/>
+          <a:lstStyle/>
+          <a:p>
+            <a:pPr algn="ctr"/>
+            <a:endParaRPr lang="en-US" dirty="0"/>
+          </a:p>
+        </p:txBody>
+      </p:sp>
+      <p:sp>
+        <p:nvSpPr>
+          <p:cNvPr id="9217" name="Rectangle 1">
+            <a:extLst>
+              <a:ext uri="{FF2B5EF4-FFF2-40B4-BE49-F238E27FC236}">
+                <a16:creationId xmlns:a16="http://schemas.microsoft.com/office/drawing/2014/main" id="{302DF694-6BF2-421C-B98B-42E702E6E682}"/>
               </a:ext>
             </a:extLst>
           </p:cNvPr>
@@ -29725,24 +30533,194 @@
             <p:ph type="title"/>
           </p:nvPr>
         </p:nvSpPr>
-        <p:spPr/>
+        <p:spPr>
+          <a:xfrm>
+            <a:off x="278320" y="1161288"/>
+            <a:ext cx="2578608" cy="1124712"/>
+          </a:xfrm>
+        </p:spPr>
         <p:txBody>
-          <a:bodyPr/>
+          <a:bodyPr anchor="b">
+            <a:normAutofit/>
+          </a:bodyPr>
           <a:lstStyle/>
           <a:p>
             <a:r>
-              <a:rPr lang="en-US" altLang="en-US"/>
-              <a:t>Summary Statistics</a:t>
+              <a:rPr lang="en-US" altLang="en-US" sz="2400"/>
+              <a:t>Topics</a:t>
             </a:r>
           </a:p>
         </p:txBody>
       </p:sp>
       <p:sp>
         <p:nvSpPr>
-          <p:cNvPr id="10242" name="Rectangle 2">
+          <p:cNvPr id="139" name="Rectangle 138">
             <a:extLst>
               <a:ext uri="{FF2B5EF4-FFF2-40B4-BE49-F238E27FC236}">
-                <a16:creationId xmlns:a16="http://schemas.microsoft.com/office/drawing/2014/main" id="{7088AFE0-1201-4040-ACA4-2ACC893989BF}"/>
+                <a16:creationId xmlns:a16="http://schemas.microsoft.com/office/drawing/2014/main" id="{55D4142C-5077-457F-A6AD-3FECFDB39685}"/>
+              </a:ext>
+              <a:ext uri="{C183D7F6-B498-43B3-948B-1728B52AA6E4}">
+                <adec:decorative xmlns:adec="http://schemas.microsoft.com/office/drawing/2017/decorative" val="1"/>
+              </a:ext>
+            </a:extLst>
+          </p:cNvPr>
+          <p:cNvSpPr>
+            <a:spLocks noGrp="1" noRot="1" noChangeAspect="1" noMove="1" noResize="1" noEditPoints="1" noAdjustHandles="1" noChangeArrowheads="1" noChangeShapeType="1" noTextEdit="1"/>
+          </p:cNvSpPr>
+          <p:nvPr>
+            <p:extLst>
+              <p:ext uri="{386F3935-93C4-4BCD-93E2-E3B085C9AB24}">
+                <p16:designElem xmlns:p16="http://schemas.microsoft.com/office/powerpoint/2015/main" val="1"/>
+              </p:ext>
+            </p:extLst>
+          </p:nvPr>
+        </p:nvSpPr>
+        <p:spPr>
+          <a:xfrm rot="5400000">
+            <a:off x="487775" y="674370"/>
+            <a:ext cx="73152" cy="411480"/>
+          </a:xfrm>
+          <a:prstGeom prst="rect">
+            <a:avLst/>
+          </a:prstGeom>
+          <a:solidFill>
+            <a:schemeClr val="accent2"/>
+          </a:solidFill>
+          <a:ln>
+            <a:noFill/>
+          </a:ln>
+        </p:spPr>
+        <p:style>
+          <a:lnRef idx="2">
+            <a:schemeClr val="accent1">
+              <a:shade val="50000"/>
+            </a:schemeClr>
+          </a:lnRef>
+          <a:fillRef idx="1">
+            <a:schemeClr val="accent1"/>
+          </a:fillRef>
+          <a:effectRef idx="0">
+            <a:schemeClr val="accent1"/>
+          </a:effectRef>
+          <a:fontRef idx="minor">
+            <a:schemeClr val="lt1"/>
+          </a:fontRef>
+        </p:style>
+        <p:txBody>
+          <a:bodyPr rtlCol="0" anchor="ctr"/>
+          <a:lstStyle/>
+          <a:p>
+            <a:pPr algn="ctr"/>
+            <a:endParaRPr lang="en-US">
+              <a:solidFill>
+                <a:prstClr val="white"/>
+              </a:solidFill>
+              <a:latin typeface="Calibri" panose="020F0502020204030204"/>
+            </a:endParaRPr>
+          </a:p>
+        </p:txBody>
+      </p:sp>
+      <p:sp>
+        <p:nvSpPr>
+          <p:cNvPr id="141" name="Rectangle 140">
+            <a:extLst>
+              <a:ext uri="{FF2B5EF4-FFF2-40B4-BE49-F238E27FC236}">
+                <a16:creationId xmlns:a16="http://schemas.microsoft.com/office/drawing/2014/main" id="{7A5F0580-5EE9-419F-96EE-B6529EF6E7D0}"/>
+              </a:ext>
+              <a:ext uri="{C183D7F6-B498-43B3-948B-1728B52AA6E4}">
+                <adec:decorative xmlns:adec="http://schemas.microsoft.com/office/drawing/2017/decorative" val="1"/>
+              </a:ext>
+            </a:extLst>
+          </p:cNvPr>
+          <p:cNvSpPr>
+            <a:spLocks noGrp="1" noRot="1" noChangeAspect="1" noMove="1" noResize="1" noEditPoints="1" noAdjustHandles="1" noChangeArrowheads="1" noChangeShapeType="1" noTextEdit="1"/>
+          </p:cNvSpPr>
+          <p:nvPr>
+            <p:extLst>
+              <p:ext uri="{386F3935-93C4-4BCD-93E2-E3B085C9AB24}">
+                <p16:designElem xmlns:p16="http://schemas.microsoft.com/office/powerpoint/2015/main" val="1"/>
+              </p:ext>
+            </p:extLst>
+          </p:nvPr>
+        </p:nvSpPr>
+        <p:spPr>
+          <a:xfrm>
+            <a:off x="321183" y="2443480"/>
+            <a:ext cx="2475738" cy="9144"/>
+          </a:xfrm>
+          <a:prstGeom prst="rect">
+            <a:avLst/>
+          </a:prstGeom>
+          <a:solidFill>
+            <a:srgbClr val="D5D5D5"/>
+          </a:solidFill>
+          <a:ln w="3175">
+            <a:solidFill>
+              <a:srgbClr val="D5D5D5"/>
+            </a:solidFill>
+          </a:ln>
+          <a:effectLst/>
+        </p:spPr>
+        <p:style>
+          <a:lnRef idx="2">
+            <a:schemeClr val="accent1">
+              <a:shade val="50000"/>
+            </a:schemeClr>
+          </a:lnRef>
+          <a:fillRef idx="1">
+            <a:schemeClr val="accent1"/>
+          </a:fillRef>
+          <a:effectRef idx="0">
+            <a:schemeClr val="accent1"/>
+          </a:effectRef>
+          <a:fontRef idx="minor">
+            <a:schemeClr val="lt1"/>
+          </a:fontRef>
+        </p:style>
+        <p:txBody>
+          <a:bodyPr rtlCol="0" anchor="ctr"/>
+          <a:lstStyle/>
+          <a:p>
+            <a:pPr marL="0" marR="0" lvl="0" indent="0" algn="ctr" defTabSz="914400" rtl="0" eaLnBrk="1" fontAlgn="auto" latinLnBrk="0" hangingPunct="1">
+              <a:lnSpc>
+                <a:spcPct val="100000"/>
+              </a:lnSpc>
+              <a:spcBef>
+                <a:spcPts val="0"/>
+              </a:spcBef>
+              <a:spcAft>
+                <a:spcPts val="0"/>
+              </a:spcAft>
+              <a:buClrTx/>
+              <a:buSzTx/>
+              <a:buFontTx/>
+              <a:buNone/>
+              <a:tabLst/>
+              <a:defRPr/>
+            </a:pPr>
+            <a:endParaRPr kumimoji="0" lang="en-US" sz="1800" b="0" i="0" u="none" strike="noStrike" kern="1200" cap="none" spc="0" normalizeH="0" baseline="0" noProof="0">
+              <a:ln>
+                <a:noFill/>
+              </a:ln>
+              <a:solidFill>
+                <a:prstClr val="white"/>
+              </a:solidFill>
+              <a:effectLst/>
+              <a:uLnTx/>
+              <a:uFillTx/>
+              <a:latin typeface="Calibri" panose="020F0502020204030204"/>
+              <a:ea typeface="+mn-ea"/>
+              <a:cs typeface="+mn-cs"/>
+            </a:endParaRPr>
+          </a:p>
+        </p:txBody>
+      </p:sp>
+      <p:sp>
+        <p:nvSpPr>
+          <p:cNvPr id="9218" name="Rectangle 2">
+            <a:extLst>
+              <a:ext uri="{FF2B5EF4-FFF2-40B4-BE49-F238E27FC236}">
+                <a16:creationId xmlns:a16="http://schemas.microsoft.com/office/drawing/2014/main" id="{D128D3FC-71AC-4AB1-BE9C-049A2FB622DE}"/>
               </a:ext>
             </a:extLst>
           </p:cNvPr>
@@ -29753,63 +30731,46 @@
             <p:ph idx="1"/>
           </p:nvPr>
         </p:nvSpPr>
-        <p:spPr/>
+        <p:spPr>
+          <a:xfrm>
+            <a:off x="278320" y="2718054"/>
+            <a:ext cx="2579180" cy="3207258"/>
+          </a:xfrm>
+        </p:spPr>
         <p:txBody>
-          <a:bodyPr/>
+          <a:bodyPr anchor="t">
+            <a:normAutofit/>
+          </a:bodyPr>
           <a:lstStyle/>
           <a:p>
-            <a:pPr marL="0" indent="0">
-              <a:buNone/>
-            </a:pPr>
             <a:r>
-              <a:rPr lang="en-US" altLang="en-US" dirty="0"/>
-              <a:t>Summary statistics  are numbers that summarize properties of the data</a:t>
+              <a:rPr lang="en-US" altLang="en-US" sz="1500" dirty="0"/>
+              <a:t>Exploratory Data Analysis</a:t>
             </a:r>
           </a:p>
           <a:p>
-            <a:pPr lvl="2"/>
-            <a:endParaRPr lang="en-US" altLang="en-US" dirty="0"/>
-          </a:p>
-          <a:p>
             <a:r>
-              <a:rPr lang="en-US" altLang="en-US" dirty="0"/>
-              <a:t>Summarized properties include location and spread for continuous data</a:t>
+              <a:rPr lang="en-US" altLang="en-US" sz="1500" b="1" dirty="0"/>
+              <a:t>Summary Statistics</a:t>
             </a:r>
-            <a:br>
-              <a:rPr lang="en-US" altLang="en-US" dirty="0"/>
-            </a:br>
-            <a:br>
-              <a:rPr lang="en-US" altLang="en-US" dirty="0"/>
-            </a:br>
+          </a:p>
+          <a:p>
             <a:r>
-              <a:rPr lang="en-US" altLang="en-US" dirty="0"/>
-              <a:t>Examples: 	location - mean</a:t>
+              <a:rPr lang="en-US" altLang="en-US" sz="1500" dirty="0"/>
+              <a:t>Visualization</a:t>
             </a:r>
-            <a:br>
-              <a:rPr lang="en-US" altLang="en-US" dirty="0"/>
-            </a:br>
-            <a:r>
-              <a:rPr lang="en-US" altLang="en-US" dirty="0"/>
-              <a:t>                   	spread - standard deviation</a:t>
-            </a:r>
-          </a:p>
-          <a:p>
-            <a:pPr lvl="1"/>
-            <a:endParaRPr lang="en-US" altLang="en-US" dirty="0"/>
-          </a:p>
-          <a:p>
-            <a:r>
-              <a:rPr lang="en-US" altLang="en-US" dirty="0"/>
-              <a:t>Most summary statistics can be calculated in a single pass through the data</a:t>
-            </a:r>
-          </a:p>
-          <a:p>
-            <a:pPr lvl="2"/>
-            <a:endParaRPr lang="en-US" altLang="en-US" dirty="0"/>
+          </a:p>
+          <a:p>
+            <a:endParaRPr lang="en-US" altLang="en-US" sz="1500" dirty="0"/>
           </a:p>
         </p:txBody>
       </p:sp>
     </p:spTree>
+    <p:extLst>
+      <p:ext uri="{BB962C8B-B14F-4D97-AF65-F5344CB8AC3E}">
+        <p14:creationId xmlns:p14="http://schemas.microsoft.com/office/powerpoint/2010/main" val="1612415398"/>
+      </p:ext>
+    </p:extLst>
   </p:cSld>
   <p:clrMapOvr>
     <a:masterClrMapping/>
@@ -29864,10 +30825,10 @@
       </p:grpSpPr>
       <p:sp>
         <p:nvSpPr>
-          <p:cNvPr id="11265" name="Rectangle 1">
+          <p:cNvPr id="10241" name="Rectangle 1">
             <a:extLst>
               <a:ext uri="{FF2B5EF4-FFF2-40B4-BE49-F238E27FC236}">
-                <a16:creationId xmlns:a16="http://schemas.microsoft.com/office/drawing/2014/main" id="{051FD9CE-9D21-4F6C-8A51-09EE21C3A8F7}"/>
+                <a16:creationId xmlns:a16="http://schemas.microsoft.com/office/drawing/2014/main" id="{0AF45335-3309-4387-A5F4-765F2F08022D}"/>
               </a:ext>
             </a:extLst>
           </p:cNvPr>
@@ -29885,17 +30846,17 @@
           <a:p>
             <a:r>
               <a:rPr lang="en-US" altLang="en-US"/>
-              <a:t>Frequency and Mode</a:t>
+              <a:t>Summary Statistics</a:t>
             </a:r>
           </a:p>
         </p:txBody>
       </p:sp>
       <p:sp>
         <p:nvSpPr>
-          <p:cNvPr id="11266" name="Rectangle 2">
+          <p:cNvPr id="10242" name="Rectangle 2">
             <a:extLst>
               <a:ext uri="{FF2B5EF4-FFF2-40B4-BE49-F238E27FC236}">
-                <a16:creationId xmlns:a16="http://schemas.microsoft.com/office/drawing/2014/main" id="{0CE36B71-39EB-4924-9EE6-AAD29E2FD136}"/>
+                <a16:creationId xmlns:a16="http://schemas.microsoft.com/office/drawing/2014/main" id="{7088AFE0-1201-4040-ACA4-2ACC893989BF}"/>
               </a:ext>
             </a:extLst>
           </p:cNvPr>
@@ -29911,40 +30872,54 @@
           <a:bodyPr/>
           <a:lstStyle/>
           <a:p>
+            <a:pPr marL="0" indent="0">
+              <a:buNone/>
+            </a:pPr>
             <a:r>
               <a:rPr lang="en-US" altLang="en-US" dirty="0"/>
-              <a:t>The frequency of an attribute value is the percentage of time the value occurs in the </a:t>
+              <a:t>Summary statistics  are numbers that summarize properties of the data</a:t>
+            </a:r>
+          </a:p>
+          <a:p>
+            <a:pPr lvl="2"/>
+            <a:endParaRPr lang="en-US" altLang="en-US" dirty="0"/>
+          </a:p>
+          <a:p>
+            <a:r>
+              <a:rPr lang="en-US" altLang="en-US" dirty="0"/>
+              <a:t>Summarized properties include location and spread for continuous data</a:t>
+            </a:r>
+            <a:br>
+              <a:rPr lang="en-US" altLang="en-US" dirty="0"/>
+            </a:br>
+            <a:br>
+              <a:rPr lang="en-US" altLang="en-US" dirty="0"/>
+            </a:br>
+            <a:r>
+              <a:rPr lang="en-US" altLang="en-US" dirty="0"/>
+              <a:t>Examples: 	location - mean</a:t>
             </a:r>
             <a:br>
               <a:rPr lang="en-US" altLang="en-US" dirty="0"/>
             </a:br>
             <a:r>
               <a:rPr lang="en-US" altLang="en-US" dirty="0"/>
-              <a:t>data set </a:t>
+              <a:t>                   	spread - standard deviation</a:t>
             </a:r>
           </a:p>
           <a:p>
             <a:pPr lvl="1"/>
+            <a:endParaRPr lang="en-US" altLang="en-US" dirty="0"/>
+          </a:p>
+          <a:p>
             <a:r>
               <a:rPr lang="en-US" altLang="en-US" dirty="0"/>
-              <a:t>For example, given the attribute ‘gender’ and a representative population of people, the gender ‘female’ occurs about 50% of the time.</a:t>
+              <a:t>Most summary statistics can be calculated in a single pass through the data</a:t>
             </a:r>
           </a:p>
           <a:p>
-            <a:r>
-              <a:rPr lang="en-US" altLang="en-US" dirty="0"/>
-              <a:t>The mode of an attribute is the most frequent attribute value   </a:t>
-            </a:r>
-          </a:p>
-          <a:p>
-            <a:r>
-              <a:rPr lang="en-US" altLang="en-US" dirty="0"/>
-              <a:t>The notions of frequency and mode are typically used with </a:t>
-            </a:r>
-            <a:r>
-              <a:rPr lang="en-US" altLang="en-US" b="1" dirty="0"/>
-              <a:t>categorical data.</a:t>
-            </a:r>
+            <a:pPr lvl="2"/>
+            <a:endParaRPr lang="en-US" altLang="en-US" dirty="0"/>
           </a:p>
         </p:txBody>
       </p:sp>
@@ -30001,86 +30976,12 @@
           <a:chExt cx="0" cy="0"/>
         </a:xfrm>
       </p:grpSpPr>
-      <p:pic>
-        <p:nvPicPr>
-          <p:cNvPr id="12289" name="Picture 1">
-            <a:extLst>
-              <a:ext uri="{FF2B5EF4-FFF2-40B4-BE49-F238E27FC236}">
-                <a16:creationId xmlns:a16="http://schemas.microsoft.com/office/drawing/2014/main" id="{1AF76B35-C3A3-4804-B4A8-D4A8C3BF5C1F}"/>
-              </a:ext>
-            </a:extLst>
-          </p:cNvPr>
-          <p:cNvPicPr>
-            <a:picLocks noChangeAspect="1" noChangeArrowheads="1"/>
-          </p:cNvPicPr>
-          <p:nvPr/>
-        </p:nvPicPr>
-        <p:blipFill>
-          <a:blip r:embed="rId3">
-            <a:extLst>
-              <a:ext uri="{28A0092B-C50C-407E-A947-70E740481C1C}">
-                <a14:useLocalDpi xmlns:a14="http://schemas.microsoft.com/office/drawing/2010/main" val="0"/>
-              </a:ext>
-            </a:extLst>
-          </a:blip>
-          <a:srcRect/>
-          <a:stretch>
-            <a:fillRect/>
-          </a:stretch>
-        </p:blipFill>
-        <p:spPr bwMode="auto">
-          <a:xfrm>
-            <a:off x="768350" y="3841059"/>
-            <a:ext cx="7385050" cy="2253354"/>
-          </a:xfrm>
-          <a:prstGeom prst="rect">
-            <a:avLst/>
-          </a:prstGeom>
-          <a:noFill/>
-          <a:ln>
-            <a:noFill/>
-          </a:ln>
-          <a:effectLst/>
-          <a:extLst>
-            <a:ext uri="{909E8E84-426E-40DD-AFC4-6F175D3DCCD1}">
-              <a14:hiddenFill xmlns:a14="http://schemas.microsoft.com/office/drawing/2010/main">
-                <a:blipFill dpi="0" rotWithShape="0">
-                  <a:blip/>
-                  <a:srcRect/>
-                  <a:stretch>
-                    <a:fillRect/>
-                  </a:stretch>
-                </a:blipFill>
-              </a14:hiddenFill>
-            </a:ext>
-            <a:ext uri="{91240B29-F687-4F45-9708-019B960494DF}">
-              <a14:hiddenLine xmlns:a14="http://schemas.microsoft.com/office/drawing/2010/main" w="9525" cap="flat">
-                <a:solidFill>
-                  <a:srgbClr val="808080"/>
-                </a:solidFill>
-                <a:round/>
-                <a:headEnd/>
-                <a:tailEnd/>
-              </a14:hiddenLine>
-            </a:ext>
-            <a:ext uri="{AF507438-7753-43E0-B8FC-AC1667EBCBE1}">
-              <a14:hiddenEffects xmlns:a14="http://schemas.microsoft.com/office/drawing/2010/main">
-                <a:effectLst>
-                  <a:outerShdw dist="35921" dir="2700000" algn="ctr" rotWithShape="0">
-                    <a:srgbClr val="808080"/>
-                  </a:outerShdw>
-                </a:effectLst>
-              </a14:hiddenEffects>
-            </a:ext>
-          </a:extLst>
-        </p:spPr>
-      </p:pic>
       <p:sp>
         <p:nvSpPr>
-          <p:cNvPr id="12290" name="Rectangle 2">
+          <p:cNvPr id="11265" name="Rectangle 1">
             <a:extLst>
               <a:ext uri="{FF2B5EF4-FFF2-40B4-BE49-F238E27FC236}">
-                <a16:creationId xmlns:a16="http://schemas.microsoft.com/office/drawing/2014/main" id="{D21C93A8-D6B4-4C64-9ED1-28E48DE76F04}"/>
+                <a16:creationId xmlns:a16="http://schemas.microsoft.com/office/drawing/2014/main" id="{051FD9CE-9D21-4F6C-8A51-09EE21C3A8F7}"/>
               </a:ext>
             </a:extLst>
           </p:cNvPr>
@@ -30098,17 +30999,17 @@
           <a:p>
             <a:r>
               <a:rPr lang="en-US" altLang="en-US"/>
-              <a:t>Measures of Location: Mean and Median</a:t>
+              <a:t>Frequency and Mode</a:t>
             </a:r>
           </a:p>
         </p:txBody>
       </p:sp>
       <p:sp>
         <p:nvSpPr>
-          <p:cNvPr id="12291" name="Rectangle 3">
+          <p:cNvPr id="11266" name="Rectangle 2">
             <a:extLst>
               <a:ext uri="{FF2B5EF4-FFF2-40B4-BE49-F238E27FC236}">
-                <a16:creationId xmlns:a16="http://schemas.microsoft.com/office/drawing/2014/main" id="{FA29CB96-8179-4F1B-A01A-89467E04483D}"/>
+                <a16:creationId xmlns:a16="http://schemas.microsoft.com/office/drawing/2014/main" id="{0CE36B71-39EB-4924-9EE6-AAD29E2FD136}"/>
               </a:ext>
             </a:extLst>
           </p:cNvPr>
@@ -30126,25 +31027,37 @@
           <a:p>
             <a:r>
               <a:rPr lang="en-US" altLang="en-US" dirty="0"/>
-              <a:t>For quantitative features.</a:t>
+              <a:t>The frequency of an attribute value is the percentage of time the value occurs in the </a:t>
             </a:r>
-          </a:p>
-          <a:p>
+            <a:br>
+              <a:rPr lang="en-US" altLang="en-US" dirty="0"/>
+            </a:br>
             <a:r>
               <a:rPr lang="en-US" altLang="en-US" dirty="0"/>
-              <a:t>The mean is the most common measure of the location of a set of points.  </a:t>
+              <a:t>data set </a:t>
             </a:r>
           </a:p>
           <a:p>
+            <a:pPr lvl="1"/>
             <a:r>
               <a:rPr lang="en-US" altLang="en-US" dirty="0"/>
-              <a:t>However, the mean is very sensitive to outliers.   </a:t>
+              <a:t>For example, given the attribute ‘gender’ and a representative population of people, the gender ‘female’ occurs about 50% of the time.</a:t>
             </a:r>
           </a:p>
           <a:p>
             <a:r>
               <a:rPr lang="en-US" altLang="en-US" dirty="0"/>
-              <a:t>Thus, the median or a trimmed mean is also commonly used.</a:t>
+              <a:t>The mode of an attribute is the most frequent attribute value   </a:t>
+            </a:r>
+          </a:p>
+          <a:p>
+            <a:r>
+              <a:rPr lang="en-US" altLang="en-US" dirty="0"/>
+              <a:t>The notions of frequency and mode are typically used with </a:t>
+            </a:r>
+            <a:r>
+              <a:rPr lang="en-US" altLang="en-US" b="1" dirty="0"/>
+              <a:t>categorical data.</a:t>
             </a:r>
           </a:p>
         </p:txBody>

--- a/slides/chap2_exploration.pptx
+++ b/slides/chap2_exploration.pptx
@@ -5908,7 +5908,7 @@
           <a:p>
             <a:fld id="{AEE3A5ED-0979-46C2-BDB3-6C1F641153D0}" type="datetimeFigureOut">
               <a:rPr lang="en-US" smtClean="0"/>
-              <a:t>8/12/2024</a:t>
+              <a:t>9/11/2024</a:t>
             </a:fld>
             <a:endParaRPr lang="en-US"/>
           </a:p>
@@ -6106,7 +6106,7 @@
           <a:p>
             <a:fld id="{AEE3A5ED-0979-46C2-BDB3-6C1F641153D0}" type="datetimeFigureOut">
               <a:rPr lang="en-US" smtClean="0"/>
-              <a:t>8/12/2024</a:t>
+              <a:t>9/11/2024</a:t>
             </a:fld>
             <a:endParaRPr lang="en-US"/>
           </a:p>
@@ -6314,7 +6314,7 @@
           <a:p>
             <a:fld id="{AEE3A5ED-0979-46C2-BDB3-6C1F641153D0}" type="datetimeFigureOut">
               <a:rPr lang="en-US" smtClean="0"/>
-              <a:t>8/12/2024</a:t>
+              <a:t>9/11/2024</a:t>
             </a:fld>
             <a:endParaRPr lang="en-US"/>
           </a:p>
@@ -7214,7 +7214,7 @@
           <a:p>
             <a:fld id="{AEE3A5ED-0979-46C2-BDB3-6C1F641153D0}" type="datetimeFigureOut">
               <a:rPr lang="en-US" smtClean="0"/>
-              <a:t>8/12/2024</a:t>
+              <a:t>9/11/2024</a:t>
             </a:fld>
             <a:endParaRPr lang="en-US"/>
           </a:p>
@@ -7489,7 +7489,7 @@
           <a:p>
             <a:fld id="{AEE3A5ED-0979-46C2-BDB3-6C1F641153D0}" type="datetimeFigureOut">
               <a:rPr lang="en-US" smtClean="0"/>
-              <a:t>8/12/2024</a:t>
+              <a:t>9/11/2024</a:t>
             </a:fld>
             <a:endParaRPr lang="en-US"/>
           </a:p>
@@ -7754,7 +7754,7 @@
           <a:p>
             <a:fld id="{AEE3A5ED-0979-46C2-BDB3-6C1F641153D0}" type="datetimeFigureOut">
               <a:rPr lang="en-US" smtClean="0"/>
-              <a:t>8/12/2024</a:t>
+              <a:t>9/11/2024</a:t>
             </a:fld>
             <a:endParaRPr lang="en-US"/>
           </a:p>
@@ -8166,7 +8166,7 @@
           <a:p>
             <a:fld id="{AEE3A5ED-0979-46C2-BDB3-6C1F641153D0}" type="datetimeFigureOut">
               <a:rPr lang="en-US" smtClean="0"/>
-              <a:t>8/12/2024</a:t>
+              <a:t>9/11/2024</a:t>
             </a:fld>
             <a:endParaRPr lang="en-US"/>
           </a:p>
@@ -8307,7 +8307,7 @@
           <a:p>
             <a:fld id="{AEE3A5ED-0979-46C2-BDB3-6C1F641153D0}" type="datetimeFigureOut">
               <a:rPr lang="en-US" smtClean="0"/>
-              <a:t>8/12/2024</a:t>
+              <a:t>9/11/2024</a:t>
             </a:fld>
             <a:endParaRPr lang="en-US"/>
           </a:p>
@@ -8420,7 +8420,7 @@
           <a:p>
             <a:fld id="{AEE3A5ED-0979-46C2-BDB3-6C1F641153D0}" type="datetimeFigureOut">
               <a:rPr lang="en-US" smtClean="0"/>
-              <a:t>8/12/2024</a:t>
+              <a:t>9/11/2024</a:t>
             </a:fld>
             <a:endParaRPr lang="en-US"/>
           </a:p>
@@ -8731,7 +8731,7 @@
           <a:p>
             <a:fld id="{AEE3A5ED-0979-46C2-BDB3-6C1F641153D0}" type="datetimeFigureOut">
               <a:rPr lang="en-US" smtClean="0"/>
-              <a:t>8/12/2024</a:t>
+              <a:t>9/11/2024</a:t>
             </a:fld>
             <a:endParaRPr lang="en-US"/>
           </a:p>
@@ -9019,7 +9019,7 @@
           <a:p>
             <a:fld id="{AEE3A5ED-0979-46C2-BDB3-6C1F641153D0}" type="datetimeFigureOut">
               <a:rPr lang="en-US" smtClean="0"/>
-              <a:t>8/12/2024</a:t>
+              <a:t>9/11/2024</a:t>
             </a:fld>
             <a:endParaRPr lang="en-US"/>
           </a:p>
@@ -9260,7 +9260,7 @@
           <a:p>
             <a:fld id="{AEE3A5ED-0979-46C2-BDB3-6C1F641153D0}" type="datetimeFigureOut">
               <a:rPr lang="en-US" smtClean="0"/>
-              <a:t>8/12/2024</a:t>
+              <a:t>9/11/2024</a:t>
             </a:fld>
             <a:endParaRPr lang="en-US"/>
           </a:p>
@@ -10034,7 +10034,7 @@
               </a:spcBef>
             </a:pPr>
             <a:r>
-              <a:rPr lang="en-US" altLang="en-US" sz="1700" dirty="0">
+              <a:rPr lang="en-US" altLang="en-US" sz="1600" dirty="0">
                 <a:solidFill>
                   <a:schemeClr val="bg1"/>
                 </a:solidFill>
@@ -10042,7 +10042,7 @@
               <a:t>Based in Slides </a:t>
             </a:r>
             <a:r>
-              <a:rPr lang="en-US" sz="1700" dirty="0">
+              <a:rPr lang="en-US" sz="1600" dirty="0">
                 <a:solidFill>
                   <a:schemeClr val="bg1"/>
                 </a:solidFill>
@@ -10050,7 +10050,7 @@
               <a:t>by Tan, Steinbach, </a:t>
             </a:r>
             <a:r>
-              <a:rPr lang="en-US" sz="1700" dirty="0" err="1">
+              <a:rPr lang="en-US" sz="1600" dirty="0" err="1">
                 <a:solidFill>
                   <a:schemeClr val="bg1"/>
                 </a:solidFill>
@@ -10058,14 +10058,14 @@
               <a:t>Karpatne</a:t>
             </a:r>
             <a:r>
-              <a:rPr lang="en-US" sz="1700" dirty="0">
+              <a:rPr lang="en-US" sz="1600" dirty="0">
                 <a:solidFill>
                   <a:schemeClr val="bg1"/>
                 </a:solidFill>
               </a:rPr>
               <a:t>, Kumar</a:t>
             </a:r>
-            <a:endParaRPr lang="en-US" altLang="en-US" sz="1700" dirty="0">
+            <a:endParaRPr lang="en-US" altLang="en-US" sz="1600" dirty="0">
               <a:solidFill>
                 <a:schemeClr val="bg1"/>
               </a:solidFill>
@@ -10246,6 +10246,184 @@
           </a:p>
         </p:txBody>
       </p:sp>
+      <p:pic>
+        <p:nvPicPr>
+          <p:cNvPr id="3" name="Picture 4" descr="Creative Commons License">
+            <a:extLst>
+              <a:ext uri="{FF2B5EF4-FFF2-40B4-BE49-F238E27FC236}">
+                <a16:creationId xmlns:a16="http://schemas.microsoft.com/office/drawing/2014/main" id="{3D155F94-C047-8CEE-2E27-3047EEFD060E}"/>
+              </a:ext>
+            </a:extLst>
+          </p:cNvPr>
+          <p:cNvPicPr>
+            <a:picLocks noChangeAspect="1" noChangeArrowheads="1"/>
+          </p:cNvPicPr>
+          <p:nvPr/>
+        </p:nvPicPr>
+        <p:blipFill>
+          <a:blip r:embed="rId4">
+            <a:extLst>
+              <a:ext uri="{28A0092B-C50C-407E-A947-70E740481C1C}">
+                <a14:useLocalDpi xmlns:a14="http://schemas.microsoft.com/office/drawing/2010/main" val="0"/>
+              </a:ext>
+            </a:extLst>
+          </a:blip>
+          <a:srcRect/>
+          <a:stretch>
+            <a:fillRect/>
+          </a:stretch>
+        </p:blipFill>
+        <p:spPr bwMode="auto">
+          <a:xfrm>
+            <a:off x="468312" y="6281489"/>
+            <a:ext cx="838200" cy="295275"/>
+          </a:xfrm>
+          <a:prstGeom prst="rect">
+            <a:avLst/>
+          </a:prstGeom>
+          <a:noFill/>
+          <a:extLst>
+            <a:ext uri="{909E8E84-426E-40DD-AFC4-6F175D3DCCD1}">
+              <a14:hiddenFill xmlns:a14="http://schemas.microsoft.com/office/drawing/2010/main">
+                <a:solidFill>
+                  <a:srgbClr val="FFFFFF"/>
+                </a:solidFill>
+              </a14:hiddenFill>
+            </a:ext>
+          </a:extLst>
+        </p:spPr>
+      </p:pic>
+      <p:sp>
+        <p:nvSpPr>
+          <p:cNvPr id="4" name="TextBox 3">
+            <a:extLst>
+              <a:ext uri="{FF2B5EF4-FFF2-40B4-BE49-F238E27FC236}">
+                <a16:creationId xmlns:a16="http://schemas.microsoft.com/office/drawing/2014/main" id="{8817F148-9C6D-7783-69AB-3A3B6F5E2CAD}"/>
+              </a:ext>
+            </a:extLst>
+          </p:cNvPr>
+          <p:cNvSpPr txBox="1"/>
+          <p:nvPr/>
+        </p:nvSpPr>
+        <p:spPr>
+          <a:xfrm>
+            <a:off x="1268520" y="6172200"/>
+            <a:ext cx="3017521" cy="430887"/>
+          </a:xfrm>
+          <a:prstGeom prst="rect">
+            <a:avLst/>
+          </a:prstGeom>
+          <a:noFill/>
+        </p:spPr>
+        <p:txBody>
+          <a:bodyPr wrap="square">
+            <a:spAutoFit/>
+          </a:bodyPr>
+          <a:lstStyle/>
+          <a:p>
+            <a:pPr>
+              <a:spcAft>
+                <a:spcPts val="600"/>
+              </a:spcAft>
+            </a:pPr>
+            <a:r>
+              <a:rPr lang="en-US" sz="1100" dirty="0">
+                <a:latin typeface="source sans pro" panose="020B0503030403020204" pitchFamily="34" charset="0"/>
+              </a:rPr>
+              <a:t>This work is licensed under a </a:t>
+            </a:r>
+            <a:r>
+              <a:rPr lang="en-US" sz="1100" dirty="0">
+                <a:latin typeface="source sans pro" panose="020B0503030403020204" pitchFamily="34" charset="0"/>
+                <a:hlinkClick r:id="rId5">
+                  <a:extLst>
+                    <a:ext uri="{A12FA001-AC4F-418D-AE19-62706E023703}">
+                      <ahyp:hlinkClr xmlns:ahyp="http://schemas.microsoft.com/office/drawing/2018/hyperlinkcolor" val="tx"/>
+                    </a:ext>
+                  </a:extLst>
+                </a:hlinkClick>
+              </a:rPr>
+              <a:t>Creative Commons Attribution-</a:t>
+            </a:r>
+            <a:r>
+              <a:rPr lang="en-US" sz="1100" dirty="0" err="1">
+                <a:latin typeface="source sans pro" panose="020B0503030403020204" pitchFamily="34" charset="0"/>
+                <a:hlinkClick r:id="rId5">
+                  <a:extLst>
+                    <a:ext uri="{A12FA001-AC4F-418D-AE19-62706E023703}">
+                      <ahyp:hlinkClr xmlns:ahyp="http://schemas.microsoft.com/office/drawing/2018/hyperlinkcolor" val="tx"/>
+                    </a:ext>
+                  </a:extLst>
+                </a:hlinkClick>
+              </a:rPr>
+              <a:t>ShareAlike</a:t>
+            </a:r>
+            <a:r>
+              <a:rPr lang="en-US" sz="1100" dirty="0">
+                <a:latin typeface="source sans pro" panose="020B0503030403020204" pitchFamily="34" charset="0"/>
+                <a:hlinkClick r:id="rId5">
+                  <a:extLst>
+                    <a:ext uri="{A12FA001-AC4F-418D-AE19-62706E023703}">
+                      <ahyp:hlinkClr xmlns:ahyp="http://schemas.microsoft.com/office/drawing/2018/hyperlinkcolor" val="tx"/>
+                    </a:ext>
+                  </a:extLst>
+                </a:hlinkClick>
+              </a:rPr>
+              <a:t> 4.0 International License</a:t>
+            </a:r>
+            <a:r>
+              <a:rPr lang="en-US" sz="1100" dirty="0">
+                <a:latin typeface="source sans pro" panose="020B0503030403020204" pitchFamily="34" charset="0"/>
+              </a:rPr>
+              <a:t>.</a:t>
+            </a:r>
+            <a:endParaRPr lang="en-US" sz="1100" dirty="0"/>
+          </a:p>
+        </p:txBody>
+      </p:sp>
+      <p:cxnSp>
+        <p:nvCxnSpPr>
+          <p:cNvPr id="8" name="Straight Connector 7">
+            <a:extLst>
+              <a:ext uri="{FF2B5EF4-FFF2-40B4-BE49-F238E27FC236}">
+                <a16:creationId xmlns:a16="http://schemas.microsoft.com/office/drawing/2014/main" id="{6D3120BD-6152-C956-7F5E-2C215E03CCF8}"/>
+              </a:ext>
+            </a:extLst>
+          </p:cNvPr>
+          <p:cNvCxnSpPr>
+            <a:cxnSpLocks/>
+          </p:cNvCxnSpPr>
+          <p:nvPr/>
+        </p:nvCxnSpPr>
+        <p:spPr>
+          <a:xfrm>
+            <a:off x="468312" y="4800600"/>
+            <a:ext cx="2655888" cy="0"/>
+          </a:xfrm>
+          <a:prstGeom prst="line">
+            <a:avLst/>
+          </a:prstGeom>
+          <a:ln>
+            <a:solidFill>
+              <a:schemeClr val="bg1"/>
+            </a:solidFill>
+          </a:ln>
+        </p:spPr>
+        <p:style>
+          <a:lnRef idx="1">
+            <a:schemeClr val="accent1"/>
+          </a:lnRef>
+          <a:fillRef idx="0">
+            <a:schemeClr val="accent1"/>
+          </a:fillRef>
+          <a:effectRef idx="0">
+            <a:schemeClr val="accent1"/>
+          </a:effectRef>
+          <a:fontRef idx="minor">
+            <a:schemeClr val="tx1"/>
+          </a:fontRef>
+        </p:style>
+      </p:cxnSp>
     </p:spTree>
   </p:cSld>
   <p:clrMapOvr>

--- a/slides/chap2_exploration.pptx
+++ b/slides/chap2_exploration.pptx
@@ -2440,15 +2440,23 @@
         <a:lstStyle/>
         <a:p>
           <a:r>
-            <a:rPr lang="en-US"/>
-            <a:t>Visualization is the conversion of data into a visual or tabular format so that the characteristics of the data and the </a:t>
+            <a:rPr lang="en-US" dirty="0"/>
+            <a:t>Visualization is the conversion of data into </a:t>
           </a:r>
           <a:r>
-            <a:rPr lang="en-US" b="1"/>
+            <a:rPr lang="en-US" b="1" dirty="0"/>
+            <a:t>a visual or tabular </a:t>
+          </a:r>
+          <a:r>
+            <a:rPr lang="en-US" dirty="0"/>
+            <a:t>format so that the characteristics of the data and the </a:t>
+          </a:r>
+          <a:r>
+            <a:rPr lang="en-US" b="1" dirty="0"/>
             <a:t>relationships among data items or attributes </a:t>
           </a:r>
           <a:r>
-            <a:rPr lang="en-US"/>
+            <a:rPr lang="en-US" dirty="0"/>
             <a:t>can be analyzed or reported.</a:t>
           </a:r>
         </a:p>
@@ -2519,8 +2527,11 @@
         <a:bodyPr/>
         <a:lstStyle/>
         <a:p>
+          <a:pPr>
+            <a:buNone/>
+          </a:pPr>
           <a:r>
-            <a:rPr lang="en-US"/>
+            <a:rPr lang="en-US" dirty="0"/>
             <a:t>Humans have a well-developed ability to analyze large amounts of information that is presented visually</a:t>
           </a:r>
         </a:p>
@@ -2555,9 +2566,13 @@
         <a:bodyPr/>
         <a:lstStyle/>
         <a:p>
+          <a:pPr>
+            <a:buFont typeface="Arial" panose="020B0604020202020204" pitchFamily="34" charset="0"/>
+            <a:buChar char="•"/>
+          </a:pPr>
           <a:r>
-            <a:rPr lang="en-US"/>
-            <a:t>Can detect general patterns and trends</a:t>
+            <a:rPr lang="en-US" dirty="0"/>
+            <a:t>* Can detect general patterns and trends</a:t>
           </a:r>
         </a:p>
       </dgm:t>
@@ -2591,9 +2606,13 @@
         <a:bodyPr/>
         <a:lstStyle/>
         <a:p>
+          <a:pPr>
+            <a:buFont typeface="Arial" panose="020B0604020202020204" pitchFamily="34" charset="0"/>
+            <a:buChar char="•"/>
+          </a:pPr>
           <a:r>
-            <a:rPr lang="en-US"/>
-            <a:t>Can detect outliers and unusual patterns   </a:t>
+            <a:rPr lang="en-US" dirty="0"/>
+            <a:t>* Can detect outliers and unusual patterns   </a:t>
           </a:r>
         </a:p>
       </dgm:t>
@@ -3404,15 +3423,23 @@
             <a:buNone/>
           </a:pPr>
           <a:r>
-            <a:rPr lang="en-US" sz="1800" kern="1200"/>
-            <a:t>Visualization is the conversion of data into a visual or tabular format so that the characteristics of the data and the </a:t>
+            <a:rPr lang="en-US" sz="1800" kern="1200" dirty="0"/>
+            <a:t>Visualization is the conversion of data into </a:t>
           </a:r>
           <a:r>
-            <a:rPr lang="en-US" sz="1800" b="1" kern="1200"/>
+            <a:rPr lang="en-US" sz="1800" b="1" kern="1200" dirty="0"/>
+            <a:t>a visual or tabular </a:t>
+          </a:r>
+          <a:r>
+            <a:rPr lang="en-US" sz="1800" kern="1200" dirty="0"/>
+            <a:t>format so that the characteristics of the data and the </a:t>
+          </a:r>
+          <a:r>
+            <a:rPr lang="en-US" sz="1800" b="1" kern="1200" dirty="0"/>
             <a:t>relationships among data items or attributes </a:t>
           </a:r>
           <a:r>
-            <a:rPr lang="en-US" sz="1800" kern="1200"/>
+            <a:rPr lang="en-US" sz="1800" kern="1200" dirty="0"/>
             <a:t>can be analyzed or reported.</a:t>
           </a:r>
         </a:p>
@@ -3610,7 +3637,7 @@
         </a:bodyPr>
         <a:lstStyle/>
         <a:p>
-          <a:pPr marL="0" lvl="0" indent="0" algn="l" defTabSz="533400">
+          <a:pPr marL="0" lvl="0" indent="0" algn="l" defTabSz="488950">
             <a:lnSpc>
               <a:spcPct val="90000"/>
             </a:lnSpc>
@@ -3623,12 +3650,12 @@
             <a:buNone/>
           </a:pPr>
           <a:r>
-            <a:rPr lang="en-US" sz="1200" kern="1200"/>
+            <a:rPr lang="en-US" sz="1100" kern="1200" dirty="0"/>
             <a:t>Humans have a well-developed ability to analyze large amounts of information that is presented visually</a:t>
           </a:r>
         </a:p>
         <a:p>
-          <a:pPr marL="0" lvl="0" indent="0" algn="l" defTabSz="533400">
+          <a:pPr marL="0" lvl="0" indent="0" algn="l" defTabSz="488950">
             <a:lnSpc>
               <a:spcPct val="90000"/>
             </a:lnSpc>
@@ -3638,15 +3665,16 @@
             <a:spcAft>
               <a:spcPct val="35000"/>
             </a:spcAft>
+            <a:buFont typeface="Arial" panose="020B0604020202020204" pitchFamily="34" charset="0"/>
             <a:buNone/>
           </a:pPr>
           <a:r>
-            <a:rPr lang="en-US" sz="1200" kern="1200"/>
-            <a:t>Can detect general patterns and trends</a:t>
+            <a:rPr lang="en-US" sz="1100" kern="1200" dirty="0"/>
+            <a:t>* Can detect general patterns and trends</a:t>
           </a:r>
         </a:p>
         <a:p>
-          <a:pPr marL="0" lvl="0" indent="0" algn="l" defTabSz="533400">
+          <a:pPr marL="0" lvl="0" indent="0" algn="l" defTabSz="488950">
             <a:lnSpc>
               <a:spcPct val="90000"/>
             </a:lnSpc>
@@ -3656,11 +3684,12 @@
             <a:spcAft>
               <a:spcPct val="35000"/>
             </a:spcAft>
+            <a:buFont typeface="Arial" panose="020B0604020202020204" pitchFamily="34" charset="0"/>
             <a:buNone/>
           </a:pPr>
           <a:r>
-            <a:rPr lang="en-US" sz="1200" kern="1200"/>
-            <a:t>Can detect outliers and unusual patterns   </a:t>
+            <a:rPr lang="en-US" sz="1100" kern="1200" dirty="0"/>
+            <a:t>* Can detect outliers and unusual patterns   </a:t>
           </a:r>
         </a:p>
       </dsp:txBody>
@@ -12436,7 +12465,7 @@
           <a:p>
             <a:fld id="{AEE3A5ED-0979-46C2-BDB3-6C1F641153D0}" type="datetimeFigureOut">
               <a:rPr lang="en-US" smtClean="0"/>
-              <a:t>9/18/2024</a:t>
+              <a:t>9/23/2024</a:t>
             </a:fld>
             <a:endParaRPr lang="en-US"/>
           </a:p>
@@ -12634,7 +12663,7 @@
           <a:p>
             <a:fld id="{AEE3A5ED-0979-46C2-BDB3-6C1F641153D0}" type="datetimeFigureOut">
               <a:rPr lang="en-US" smtClean="0"/>
-              <a:t>9/18/2024</a:t>
+              <a:t>9/23/2024</a:t>
             </a:fld>
             <a:endParaRPr lang="en-US"/>
           </a:p>
@@ -12842,7 +12871,7 @@
           <a:p>
             <a:fld id="{AEE3A5ED-0979-46C2-BDB3-6C1F641153D0}" type="datetimeFigureOut">
               <a:rPr lang="en-US" smtClean="0"/>
-              <a:t>9/18/2024</a:t>
+              <a:t>9/23/2024</a:t>
             </a:fld>
             <a:endParaRPr lang="en-US"/>
           </a:p>
@@ -13742,7 +13771,7 @@
           <a:p>
             <a:fld id="{AEE3A5ED-0979-46C2-BDB3-6C1F641153D0}" type="datetimeFigureOut">
               <a:rPr lang="en-US" smtClean="0"/>
-              <a:t>9/18/2024</a:t>
+              <a:t>9/23/2024</a:t>
             </a:fld>
             <a:endParaRPr lang="en-US"/>
           </a:p>
@@ -14017,7 +14046,7 @@
           <a:p>
             <a:fld id="{AEE3A5ED-0979-46C2-BDB3-6C1F641153D0}" type="datetimeFigureOut">
               <a:rPr lang="en-US" smtClean="0"/>
-              <a:t>9/18/2024</a:t>
+              <a:t>9/23/2024</a:t>
             </a:fld>
             <a:endParaRPr lang="en-US"/>
           </a:p>
@@ -14282,7 +14311,7 @@
           <a:p>
             <a:fld id="{AEE3A5ED-0979-46C2-BDB3-6C1F641153D0}" type="datetimeFigureOut">
               <a:rPr lang="en-US" smtClean="0"/>
-              <a:t>9/18/2024</a:t>
+              <a:t>9/23/2024</a:t>
             </a:fld>
             <a:endParaRPr lang="en-US"/>
           </a:p>
@@ -14694,7 +14723,7 @@
           <a:p>
             <a:fld id="{AEE3A5ED-0979-46C2-BDB3-6C1F641153D0}" type="datetimeFigureOut">
               <a:rPr lang="en-US" smtClean="0"/>
-              <a:t>9/18/2024</a:t>
+              <a:t>9/23/2024</a:t>
             </a:fld>
             <a:endParaRPr lang="en-US"/>
           </a:p>
@@ -14835,7 +14864,7 @@
           <a:p>
             <a:fld id="{AEE3A5ED-0979-46C2-BDB3-6C1F641153D0}" type="datetimeFigureOut">
               <a:rPr lang="en-US" smtClean="0"/>
-              <a:t>9/18/2024</a:t>
+              <a:t>9/23/2024</a:t>
             </a:fld>
             <a:endParaRPr lang="en-US"/>
           </a:p>
@@ -14948,7 +14977,7 @@
           <a:p>
             <a:fld id="{AEE3A5ED-0979-46C2-BDB3-6C1F641153D0}" type="datetimeFigureOut">
               <a:rPr lang="en-US" smtClean="0"/>
-              <a:t>9/18/2024</a:t>
+              <a:t>9/23/2024</a:t>
             </a:fld>
             <a:endParaRPr lang="en-US"/>
           </a:p>
@@ -15259,7 +15288,7 @@
           <a:p>
             <a:fld id="{AEE3A5ED-0979-46C2-BDB3-6C1F641153D0}" type="datetimeFigureOut">
               <a:rPr lang="en-US" smtClean="0"/>
-              <a:t>9/18/2024</a:t>
+              <a:t>9/23/2024</a:t>
             </a:fld>
             <a:endParaRPr lang="en-US"/>
           </a:p>
@@ -15547,7 +15576,7 @@
           <a:p>
             <a:fld id="{AEE3A5ED-0979-46C2-BDB3-6C1F641153D0}" type="datetimeFigureOut">
               <a:rPr lang="en-US" smtClean="0"/>
-              <a:t>9/18/2024</a:t>
+              <a:t>9/23/2024</a:t>
             </a:fld>
             <a:endParaRPr lang="en-US"/>
           </a:p>
@@ -15788,7 +15817,7 @@
           <a:p>
             <a:fld id="{AEE3A5ED-0979-46C2-BDB3-6C1F641153D0}" type="datetimeFigureOut">
               <a:rPr lang="en-US" smtClean="0"/>
-              <a:t>9/18/2024</a:t>
+              <a:t>9/23/2024</a:t>
             </a:fld>
             <a:endParaRPr lang="en-US"/>
           </a:p>
@@ -18102,8 +18131,8 @@
           </a:p>
         </p:txBody>
       </p:sp>
-      <mc:AlternateContent xmlns:mc="http://schemas.openxmlformats.org/markup-compatibility/2006">
-        <mc:Choice xmlns:a14="http://schemas.microsoft.com/office/drawing/2010/main" Requires="a14">
+      <mc:AlternateContent xmlns:mc="http://schemas.openxmlformats.org/markup-compatibility/2006" xmlns:a14="http://schemas.microsoft.com/office/drawing/2010/main">
+        <mc:Choice Requires="a14">
           <p:sp>
             <p:nvSpPr>
               <p:cNvPr id="14338" name="Rectangle 2">
@@ -18329,7 +18358,7 @@
             </p:txBody>
           </p:sp>
         </mc:Choice>
-        <mc:Fallback>
+        <mc:Fallback xmlns="">
           <p:sp>
             <p:nvSpPr>
               <p:cNvPr id="14338" name="Rectangle 2">
@@ -27626,7 +27655,7 @@
             <p:ph idx="1"/>
             <p:extLst>
               <p:ext uri="{D42A27DB-BD31-4B8C-83A1-F6EECF244321}">
-                <p14:modId xmlns:p14="http://schemas.microsoft.com/office/powerpoint/2010/main" val="3138009214"/>
+                <p14:modId xmlns:p14="http://schemas.microsoft.com/office/powerpoint/2010/main" val="267476886"/>
               </p:ext>
             </p:extLst>
           </p:nvPr>
@@ -27926,6 +27955,14 @@
 <file path=ppt/slides/slide20.xml><?xml version="1.0" encoding="utf-8"?>
 <p:sld xmlns:a="http://schemas.openxmlformats.org/drawingml/2006/main" xmlns:r="http://schemas.openxmlformats.org/officeDocument/2006/relationships" xmlns:p="http://schemas.openxmlformats.org/presentationml/2006/main">
   <p:cSld>
+    <p:bg>
+      <p:bgPr>
+        <a:solidFill>
+          <a:schemeClr val="bg1"/>
+        </a:solidFill>
+        <a:effectLst/>
+      </p:bgPr>
+    </p:bg>
     <p:spTree>
       <p:nvGrpSpPr>
         <p:cNvPr id="1" name=""/>
@@ -27940,9 +27977,398 @@
           <a:chExt cx="0" cy="0"/>
         </a:xfrm>
       </p:grpSpPr>
+      <p:sp useBgFill="1">
+        <p:nvSpPr>
+          <p:cNvPr id="19471" name="Rectangle 19470">
+            <a:extLst>
+              <a:ext uri="{FF2B5EF4-FFF2-40B4-BE49-F238E27FC236}">
+                <a16:creationId xmlns:a16="http://schemas.microsoft.com/office/drawing/2014/main" id="{F13C74B1-5B17-4795-BED0-7140497B445A}"/>
+              </a:ext>
+              <a:ext uri="{C183D7F6-B498-43B3-948B-1728B52AA6E4}">
+                <adec:decorative xmlns:adec="http://schemas.microsoft.com/office/drawing/2017/decorative" val="1"/>
+              </a:ext>
+            </a:extLst>
+          </p:cNvPr>
+          <p:cNvSpPr>
+            <a:spLocks noGrp="1" noRot="1" noChangeAspect="1" noMove="1" noResize="1" noEditPoints="1" noAdjustHandles="1" noChangeArrowheads="1" noChangeShapeType="1" noTextEdit="1"/>
+          </p:cNvSpPr>
+          <p:nvPr>
+            <p:extLst>
+              <p:ext uri="{386F3935-93C4-4BCD-93E2-E3B085C9AB24}">
+                <p16:designElem xmlns:p16="http://schemas.microsoft.com/office/powerpoint/2015/main" val="1"/>
+              </p:ext>
+            </p:extLst>
+          </p:nvPr>
+        </p:nvSpPr>
+        <p:spPr>
+          <a:xfrm>
+            <a:off x="0" y="0"/>
+            <a:ext cx="9141714" cy="6858000"/>
+          </a:xfrm>
+          <a:prstGeom prst="rect">
+            <a:avLst/>
+          </a:prstGeom>
+          <a:ln>
+            <a:noFill/>
+          </a:ln>
+        </p:spPr>
+        <p:style>
+          <a:lnRef idx="2">
+            <a:schemeClr val="accent1">
+              <a:shade val="50000"/>
+            </a:schemeClr>
+          </a:lnRef>
+          <a:fillRef idx="1">
+            <a:schemeClr val="accent1"/>
+          </a:fillRef>
+          <a:effectRef idx="0">
+            <a:schemeClr val="accent1"/>
+          </a:effectRef>
+          <a:fontRef idx="minor">
+            <a:schemeClr val="lt1"/>
+          </a:fontRef>
+        </p:style>
+        <p:txBody>
+          <a:bodyPr rtlCol="0" anchor="ctr"/>
+          <a:lstStyle/>
+          <a:p>
+            <a:pPr algn="ctr"/>
+            <a:endParaRPr lang="en-US"/>
+          </a:p>
+        </p:txBody>
+      </p:sp>
+      <p:sp>
+        <p:nvSpPr>
+          <p:cNvPr id="19458" name="Rectangle 2">
+            <a:extLst>
+              <a:ext uri="{FF2B5EF4-FFF2-40B4-BE49-F238E27FC236}">
+                <a16:creationId xmlns:a16="http://schemas.microsoft.com/office/drawing/2014/main" id="{AB5FC1B8-0869-4C76-B91D-9A146F6502C9}"/>
+              </a:ext>
+            </a:extLst>
+          </p:cNvPr>
+          <p:cNvSpPr>
+            <a:spLocks noGrp="1" noChangeArrowheads="1"/>
+          </p:cNvSpPr>
+          <p:nvPr>
+            <p:ph type="title"/>
+          </p:nvPr>
+        </p:nvSpPr>
+        <p:spPr>
+          <a:xfrm>
+            <a:off x="480060" y="325369"/>
+            <a:ext cx="3276451" cy="1956841"/>
+          </a:xfrm>
+        </p:spPr>
+        <p:txBody>
+          <a:bodyPr anchor="b">
+            <a:normAutofit/>
+          </a:bodyPr>
+          <a:lstStyle/>
+          <a:p>
+            <a:r>
+              <a:rPr lang="en-US" altLang="en-US" sz="4300"/>
+              <a:t>Example: Sea Surface Temperature</a:t>
+            </a:r>
+          </a:p>
+        </p:txBody>
+      </p:sp>
+      <p:sp>
+        <p:nvSpPr>
+          <p:cNvPr id="19473" name="sketchy line">
+            <a:extLst>
+              <a:ext uri="{FF2B5EF4-FFF2-40B4-BE49-F238E27FC236}">
+                <a16:creationId xmlns:a16="http://schemas.microsoft.com/office/drawing/2014/main" id="{D4974D33-8DC5-464E-8C6D-BE58F0669C17}"/>
+              </a:ext>
+              <a:ext uri="{C183D7F6-B498-43B3-948B-1728B52AA6E4}">
+                <adec:decorative xmlns:adec="http://schemas.microsoft.com/office/drawing/2017/decorative" val="1"/>
+              </a:ext>
+            </a:extLst>
+          </p:cNvPr>
+          <p:cNvSpPr>
+            <a:spLocks noGrp="1" noRot="1" noChangeAspect="1" noMove="1" noResize="1" noEditPoints="1" noAdjustHandles="1" noChangeArrowheads="1" noChangeShapeType="1" noTextEdit="1"/>
+          </p:cNvSpPr>
+          <p:nvPr>
+            <p:extLst>
+              <p:ext uri="{386F3935-93C4-4BCD-93E2-E3B085C9AB24}">
+                <p16:designElem xmlns:p16="http://schemas.microsoft.com/office/powerpoint/2015/main" val="1"/>
+              </p:ext>
+            </p:extLst>
+          </p:nvPr>
+        </p:nvSpPr>
+        <p:spPr>
+          <a:xfrm>
+            <a:off x="480060" y="2586994"/>
+            <a:ext cx="2606040" cy="18288"/>
+          </a:xfrm>
+          <a:custGeom>
+            <a:avLst/>
+            <a:gdLst>
+              <a:gd name="connsiteX0" fmla="*/ 0 w 2606040"/>
+              <a:gd name="connsiteY0" fmla="*/ 0 h 18288"/>
+              <a:gd name="connsiteX1" fmla="*/ 625450 w 2606040"/>
+              <a:gd name="connsiteY1" fmla="*/ 0 h 18288"/>
+              <a:gd name="connsiteX2" fmla="*/ 1224839 w 2606040"/>
+              <a:gd name="connsiteY2" fmla="*/ 0 h 18288"/>
+              <a:gd name="connsiteX3" fmla="*/ 1824228 w 2606040"/>
+              <a:gd name="connsiteY3" fmla="*/ 0 h 18288"/>
+              <a:gd name="connsiteX4" fmla="*/ 2606040 w 2606040"/>
+              <a:gd name="connsiteY4" fmla="*/ 0 h 18288"/>
+              <a:gd name="connsiteX5" fmla="*/ 2606040 w 2606040"/>
+              <a:gd name="connsiteY5" fmla="*/ 18288 h 18288"/>
+              <a:gd name="connsiteX6" fmla="*/ 1902409 w 2606040"/>
+              <a:gd name="connsiteY6" fmla="*/ 18288 h 18288"/>
+              <a:gd name="connsiteX7" fmla="*/ 1276960 w 2606040"/>
+              <a:gd name="connsiteY7" fmla="*/ 18288 h 18288"/>
+              <a:gd name="connsiteX8" fmla="*/ 677570 w 2606040"/>
+              <a:gd name="connsiteY8" fmla="*/ 18288 h 18288"/>
+              <a:gd name="connsiteX9" fmla="*/ 0 w 2606040"/>
+              <a:gd name="connsiteY9" fmla="*/ 18288 h 18288"/>
+              <a:gd name="connsiteX10" fmla="*/ 0 w 2606040"/>
+              <a:gd name="connsiteY10" fmla="*/ 0 h 18288"/>
+            </a:gdLst>
+            <a:ahLst/>
+            <a:cxnLst>
+              <a:cxn ang="0">
+                <a:pos x="connsiteX0" y="connsiteY0"/>
+              </a:cxn>
+              <a:cxn ang="0">
+                <a:pos x="connsiteX1" y="connsiteY1"/>
+              </a:cxn>
+              <a:cxn ang="0">
+                <a:pos x="connsiteX2" y="connsiteY2"/>
+              </a:cxn>
+              <a:cxn ang="0">
+                <a:pos x="connsiteX3" y="connsiteY3"/>
+              </a:cxn>
+              <a:cxn ang="0">
+                <a:pos x="connsiteX4" y="connsiteY4"/>
+              </a:cxn>
+              <a:cxn ang="0">
+                <a:pos x="connsiteX5" y="connsiteY5"/>
+              </a:cxn>
+              <a:cxn ang="0">
+                <a:pos x="connsiteX6" y="connsiteY6"/>
+              </a:cxn>
+              <a:cxn ang="0">
+                <a:pos x="connsiteX7" y="connsiteY7"/>
+              </a:cxn>
+              <a:cxn ang="0">
+                <a:pos x="connsiteX8" y="connsiteY8"/>
+              </a:cxn>
+              <a:cxn ang="0">
+                <a:pos x="connsiteX9" y="connsiteY9"/>
+              </a:cxn>
+              <a:cxn ang="0">
+                <a:pos x="connsiteX10" y="connsiteY10"/>
+              </a:cxn>
+            </a:cxnLst>
+            <a:rect l="l" t="t" r="r" b="b"/>
+            <a:pathLst>
+              <a:path w="2606040" h="18288" fill="none" extrusionOk="0">
+                <a:moveTo>
+                  <a:pt x="0" y="0"/>
+                </a:moveTo>
+                <a:cubicBezTo>
+                  <a:pt x="266776" y="-600"/>
+                  <a:pt x="322756" y="3201"/>
+                  <a:pt x="625450" y="0"/>
+                </a:cubicBezTo>
+                <a:cubicBezTo>
+                  <a:pt x="928144" y="-3201"/>
+                  <a:pt x="968141" y="9269"/>
+                  <a:pt x="1224839" y="0"/>
+                </a:cubicBezTo>
+                <a:cubicBezTo>
+                  <a:pt x="1481537" y="-9269"/>
+                  <a:pt x="1569059" y="21947"/>
+                  <a:pt x="1824228" y="0"/>
+                </a:cubicBezTo>
+                <a:cubicBezTo>
+                  <a:pt x="2079397" y="-21947"/>
+                  <a:pt x="2326053" y="-10194"/>
+                  <a:pt x="2606040" y="0"/>
+                </a:cubicBezTo>
+                <a:cubicBezTo>
+                  <a:pt x="2605462" y="4771"/>
+                  <a:pt x="2606793" y="12323"/>
+                  <a:pt x="2606040" y="18288"/>
+                </a:cubicBezTo>
+                <a:cubicBezTo>
+                  <a:pt x="2256758" y="31410"/>
+                  <a:pt x="2173673" y="-12878"/>
+                  <a:pt x="1902409" y="18288"/>
+                </a:cubicBezTo>
+                <a:cubicBezTo>
+                  <a:pt x="1631145" y="49454"/>
+                  <a:pt x="1461378" y="5466"/>
+                  <a:pt x="1276960" y="18288"/>
+                </a:cubicBezTo>
+                <a:cubicBezTo>
+                  <a:pt x="1092542" y="31110"/>
+                  <a:pt x="890442" y="13213"/>
+                  <a:pt x="677570" y="18288"/>
+                </a:cubicBezTo>
+                <a:cubicBezTo>
+                  <a:pt x="464698" y="23364"/>
+                  <a:pt x="187648" y="35837"/>
+                  <a:pt x="0" y="18288"/>
+                </a:cubicBezTo>
+                <a:cubicBezTo>
+                  <a:pt x="841" y="12879"/>
+                  <a:pt x="-726" y="3977"/>
+                  <a:pt x="0" y="0"/>
+                </a:cubicBezTo>
+                <a:close/>
+              </a:path>
+              <a:path w="2606040" h="18288" stroke="0" extrusionOk="0">
+                <a:moveTo>
+                  <a:pt x="0" y="0"/>
+                </a:moveTo>
+                <a:cubicBezTo>
+                  <a:pt x="197231" y="3803"/>
+                  <a:pt x="358914" y="-9291"/>
+                  <a:pt x="599389" y="0"/>
+                </a:cubicBezTo>
+                <a:cubicBezTo>
+                  <a:pt x="839864" y="9291"/>
+                  <a:pt x="979371" y="8509"/>
+                  <a:pt x="1303020" y="0"/>
+                </a:cubicBezTo>
+                <a:cubicBezTo>
+                  <a:pt x="1626669" y="-8509"/>
+                  <a:pt x="1726300" y="7440"/>
+                  <a:pt x="1876349" y="0"/>
+                </a:cubicBezTo>
+                <a:cubicBezTo>
+                  <a:pt x="2026398" y="-7440"/>
+                  <a:pt x="2430712" y="17957"/>
+                  <a:pt x="2606040" y="0"/>
+                </a:cubicBezTo>
+                <a:cubicBezTo>
+                  <a:pt x="2605426" y="8857"/>
+                  <a:pt x="2606544" y="13619"/>
+                  <a:pt x="2606040" y="18288"/>
+                </a:cubicBezTo>
+                <a:cubicBezTo>
+                  <a:pt x="2393024" y="2241"/>
+                  <a:pt x="2191161" y="39259"/>
+                  <a:pt x="1980590" y="18288"/>
+                </a:cubicBezTo>
+                <a:cubicBezTo>
+                  <a:pt x="1770019" y="-2683"/>
+                  <a:pt x="1476440" y="36114"/>
+                  <a:pt x="1276960" y="18288"/>
+                </a:cubicBezTo>
+                <a:cubicBezTo>
+                  <a:pt x="1077480" y="463"/>
+                  <a:pt x="880988" y="42125"/>
+                  <a:pt x="651510" y="18288"/>
+                </a:cubicBezTo>
+                <a:cubicBezTo>
+                  <a:pt x="422032" y="-5549"/>
+                  <a:pt x="130744" y="-1947"/>
+                  <a:pt x="0" y="18288"/>
+                </a:cubicBezTo>
+                <a:cubicBezTo>
+                  <a:pt x="-487" y="10816"/>
+                  <a:pt x="-839" y="6058"/>
+                  <a:pt x="0" y="0"/>
+                </a:cubicBezTo>
+                <a:close/>
+              </a:path>
+            </a:pathLst>
+          </a:custGeom>
+          <a:solidFill>
+            <a:schemeClr val="accent2"/>
+          </a:solidFill>
+          <a:ln w="44450" cap="rnd">
+            <a:solidFill>
+              <a:schemeClr val="accent2"/>
+            </a:solidFill>
+            <a:round/>
+            <a:extLst>
+              <a:ext uri="{C807C97D-BFC1-408E-A445-0C87EB9F89A2}">
+                <ask:lineSketchStyleProps xmlns:ask="http://schemas.microsoft.com/office/drawing/2018/sketchyshapes" sd="2863741219">
+                  <a:prstGeom prst="rect">
+                    <a:avLst/>
+                  </a:prstGeom>
+                  <ask:type>
+                    <ask:lineSketchFreehand/>
+                  </ask:type>
+                </ask:lineSketchStyleProps>
+              </a:ext>
+            </a:extLst>
+          </a:ln>
+        </p:spPr>
+        <p:style>
+          <a:lnRef idx="2">
+            <a:schemeClr val="accent1">
+              <a:shade val="50000"/>
+            </a:schemeClr>
+          </a:lnRef>
+          <a:fillRef idx="1">
+            <a:schemeClr val="accent1"/>
+          </a:fillRef>
+          <a:effectRef idx="0">
+            <a:schemeClr val="accent1"/>
+          </a:effectRef>
+          <a:fontRef idx="minor">
+            <a:schemeClr val="lt1"/>
+          </a:fontRef>
+        </p:style>
+        <p:txBody>
+          <a:bodyPr rtlCol="0" anchor="ctr"/>
+          <a:lstStyle/>
+          <a:p>
+            <a:pPr algn="ctr"/>
+            <a:endParaRPr lang="en-US"/>
+          </a:p>
+        </p:txBody>
+      </p:sp>
+      <p:sp>
+        <p:nvSpPr>
+          <p:cNvPr id="19459" name="Rectangle 3">
+            <a:extLst>
+              <a:ext uri="{FF2B5EF4-FFF2-40B4-BE49-F238E27FC236}">
+                <a16:creationId xmlns:a16="http://schemas.microsoft.com/office/drawing/2014/main" id="{BC3201DF-62F0-44D9-9F1E-FCBFEE9C7956}"/>
+              </a:ext>
+            </a:extLst>
+          </p:cNvPr>
+          <p:cNvSpPr>
+            <a:spLocks noGrp="1" noChangeArrowheads="1"/>
+          </p:cNvSpPr>
+          <p:nvPr>
+            <p:ph idx="1"/>
+          </p:nvPr>
+        </p:nvSpPr>
+        <p:spPr>
+          <a:xfrm>
+            <a:off x="480061" y="2872899"/>
+            <a:ext cx="2720340" cy="3320668"/>
+          </a:xfrm>
+        </p:spPr>
+        <p:txBody>
+          <a:bodyPr>
+            <a:normAutofit/>
+          </a:bodyPr>
+          <a:lstStyle/>
+          <a:p>
+            <a:r>
+              <a:rPr lang="en-US" altLang="en-US" sz="1900" dirty="0"/>
+              <a:t>The following shows the Sea Surface Temperature (SST) for July 1982</a:t>
+            </a:r>
+          </a:p>
+          <a:p>
+            <a:r>
+              <a:rPr lang="en-US" altLang="en-US" sz="1900" dirty="0"/>
+              <a:t>Tens of thousands of data points are summarized in a single figure</a:t>
+            </a:r>
+          </a:p>
+        </p:txBody>
+      </p:sp>
       <p:pic>
         <p:nvPicPr>
-          <p:cNvPr id="19457" name="Picture 1">
+          <p:cNvPr id="19457" name="Picture 1" descr="A map of the world&#10;&#10;Description automatically generated">
             <a:extLst>
               <a:ext uri="{FF2B5EF4-FFF2-40B4-BE49-F238E27FC236}">
                 <a16:creationId xmlns:a16="http://schemas.microsoft.com/office/drawing/2014/main" id="{16C39263-B535-4C2B-9009-CC95322AF580}"/>
@@ -27954,7 +28380,7 @@
           </p:cNvPicPr>
           <p:nvPr/>
         </p:nvPicPr>
-        <p:blipFill>
+        <p:blipFill rotWithShape="1">
           <a:blip r:embed="rId3">
             <a:extLst>
               <a:ext uri="{28A0092B-C50C-407E-A947-70E740481C1C}">
@@ -27962,24 +28388,130 @@
               </a:ext>
             </a:extLst>
           </a:blip>
-          <a:srcRect b="2776"/>
-          <a:stretch>
-            <a:fillRect/>
-          </a:stretch>
+          <a:srcRect b="2913"/>
+          <a:stretch/>
         </p:blipFill>
         <p:spPr bwMode="auto">
           <a:xfrm>
-            <a:off x="1584325" y="2822575"/>
-            <a:ext cx="5502275" cy="3654425"/>
+            <a:off x="3175492" y="2209800"/>
+            <a:ext cx="5950973" cy="3947191"/>
           </a:xfrm>
-          <a:prstGeom prst="rect">
+          <a:custGeom>
             <a:avLst/>
-          </a:prstGeom>
+            <a:gdLst/>
+            <a:ahLst/>
+            <a:cxnLst/>
+            <a:rect l="l" t="t" r="r" b="b"/>
+            <a:pathLst>
+              <a:path w="6878775" h="6858000">
+                <a:moveTo>
+                  <a:pt x="1102973" y="0"/>
+                </a:moveTo>
+                <a:lnTo>
+                  <a:pt x="1160688" y="0"/>
+                </a:lnTo>
+                <a:lnTo>
+                  <a:pt x="983189" y="331786"/>
+                </a:lnTo>
+                <a:cubicBezTo>
+                  <a:pt x="914866" y="469145"/>
+                  <a:pt x="850355" y="608712"/>
+                  <a:pt x="789261" y="750263"/>
+                </a:cubicBezTo>
+                <a:cubicBezTo>
+                  <a:pt x="774307" y="784928"/>
+                  <a:pt x="759992" y="819849"/>
+                  <a:pt x="745295" y="854514"/>
+                </a:cubicBezTo>
+                <a:cubicBezTo>
+                  <a:pt x="756682" y="845393"/>
+                  <a:pt x="765489" y="833492"/>
+                  <a:pt x="770857" y="819975"/>
+                </a:cubicBezTo>
+                <a:cubicBezTo>
+                  <a:pt x="879943" y="589569"/>
+                  <a:pt x="999605" y="365513"/>
+                  <a:pt x="1131329" y="148742"/>
+                </a:cubicBezTo>
+                <a:lnTo>
+                  <a:pt x="1227589" y="0"/>
+                </a:lnTo>
+                <a:lnTo>
+                  <a:pt x="6878775" y="0"/>
+                </a:lnTo>
+                <a:lnTo>
+                  <a:pt x="6878775" y="6858000"/>
+                </a:lnTo>
+                <a:lnTo>
+                  <a:pt x="713521" y="6858000"/>
+                </a:lnTo>
+                <a:lnTo>
+                  <a:pt x="625642" y="6670527"/>
+                </a:lnTo>
+                <a:cubicBezTo>
+                  <a:pt x="507232" y="6398531"/>
+                  <a:pt x="403083" y="6118381"/>
+                  <a:pt x="312785" y="5830359"/>
+                </a:cubicBezTo>
+                <a:cubicBezTo>
+                  <a:pt x="278149" y="5719759"/>
+                  <a:pt x="248879" y="5607635"/>
+                  <a:pt x="212198" y="5480401"/>
+                </a:cubicBezTo>
+                <a:cubicBezTo>
+                  <a:pt x="212208" y="5491601"/>
+                  <a:pt x="212803" y="5502788"/>
+                  <a:pt x="213988" y="5513923"/>
+                </a:cubicBezTo>
+                <a:cubicBezTo>
+                  <a:pt x="264089" y="5723695"/>
+                  <a:pt x="307290" y="5935370"/>
+                  <a:pt x="365826" y="6142729"/>
+                </a:cubicBezTo>
+                <a:cubicBezTo>
+                  <a:pt x="433152" y="6380817"/>
+                  <a:pt x="510068" y="6614016"/>
+                  <a:pt x="597975" y="6841549"/>
+                </a:cubicBezTo>
+                <a:lnTo>
+                  <a:pt x="604824" y="6858000"/>
+                </a:lnTo>
+                <a:lnTo>
+                  <a:pt x="552056" y="6858000"/>
+                </a:lnTo>
+                <a:lnTo>
+                  <a:pt x="539576" y="6828295"/>
+                </a:lnTo>
+                <a:cubicBezTo>
+                  <a:pt x="380597" y="6414594"/>
+                  <a:pt x="260223" y="5988893"/>
+                  <a:pt x="171555" y="5552906"/>
+                </a:cubicBezTo>
+                <a:cubicBezTo>
+                  <a:pt x="91163" y="5157998"/>
+                  <a:pt x="43746" y="4758899"/>
+                  <a:pt x="12305" y="4357388"/>
+                </a:cubicBezTo>
+                <a:cubicBezTo>
+                  <a:pt x="-14281" y="4013908"/>
+                  <a:pt x="4507" y="3672965"/>
+                  <a:pt x="46684" y="3331516"/>
+                </a:cubicBezTo>
+                <a:cubicBezTo>
+                  <a:pt x="127203" y="2664286"/>
+                  <a:pt x="277819" y="2007265"/>
+                  <a:pt x="496065" y="1371196"/>
+                </a:cubicBezTo>
+                <a:cubicBezTo>
+                  <a:pt x="636273" y="966066"/>
+                  <a:pt x="800445" y="573253"/>
+                  <a:pt x="995723" y="196614"/>
+                </a:cubicBezTo>
+                <a:close/>
+              </a:path>
+            </a:pathLst>
+          </a:custGeom>
           <a:noFill/>
-          <a:ln>
-            <a:noFill/>
-          </a:ln>
-          <a:effectLst/>
           <a:extLst>
             <a:ext uri="{909E8E84-426E-40DD-AFC4-6F175D3DCCD1}">
               <a14:hiddenFill xmlns:a14="http://schemas.microsoft.com/office/drawing/2010/main">
@@ -28016,62 +28548,59 @@
       </p:pic>
       <p:sp>
         <p:nvSpPr>
-          <p:cNvPr id="19458" name="Rectangle 2">
+          <p:cNvPr id="2" name="TextBox 1">
             <a:extLst>
               <a:ext uri="{FF2B5EF4-FFF2-40B4-BE49-F238E27FC236}">
-                <a16:creationId xmlns:a16="http://schemas.microsoft.com/office/drawing/2014/main" id="{AB5FC1B8-0869-4C76-B91D-9A146F6502C9}"/>
+                <a16:creationId xmlns:a16="http://schemas.microsoft.com/office/drawing/2014/main" id="{290E82E7-8985-6C28-3E52-CE4F76D42BF9}"/>
               </a:ext>
             </a:extLst>
           </p:cNvPr>
-          <p:cNvSpPr>
-            <a:spLocks noGrp="1" noChangeArrowheads="1"/>
-          </p:cNvSpPr>
-          <p:nvPr>
-            <p:ph type="title"/>
-          </p:nvPr>
+          <p:cNvSpPr txBox="1"/>
+          <p:nvPr/>
         </p:nvSpPr>
-        <p:spPr/>
+        <p:spPr>
+          <a:xfrm>
+            <a:off x="8060515" y="5895381"/>
+            <a:ext cx="1013419" cy="461665"/>
+          </a:xfrm>
+          <a:prstGeom prst="rect">
+            <a:avLst/>
+          </a:prstGeom>
+          <a:solidFill>
+            <a:schemeClr val="bg1"/>
+          </a:solidFill>
+          <a:ln>
+            <a:solidFill>
+              <a:schemeClr val="bg1"/>
+            </a:solidFill>
+          </a:ln>
+        </p:spPr>
         <p:txBody>
-          <a:bodyPr/>
+          <a:bodyPr wrap="none" rtlCol="0">
+            <a:spAutoFit/>
+          </a:bodyPr>
           <a:lstStyle/>
           <a:p>
             <a:r>
-              <a:rPr lang="en-US" altLang="en-US"/>
-              <a:t>Example: Sea Surface Temperature</a:t>
+              <a:rPr lang="en-US" sz="1200" dirty="0">
+                <a:solidFill>
+                  <a:schemeClr val="tx1"/>
+                </a:solidFill>
+                <a:latin typeface="+mn-lt"/>
+              </a:rPr>
+              <a:t>Ocean Temp.</a:t>
             </a:r>
           </a:p>
-        </p:txBody>
-      </p:sp>
-      <p:sp>
-        <p:nvSpPr>
-          <p:cNvPr id="19459" name="Rectangle 3">
-            <a:extLst>
-              <a:ext uri="{FF2B5EF4-FFF2-40B4-BE49-F238E27FC236}">
-                <a16:creationId xmlns:a16="http://schemas.microsoft.com/office/drawing/2014/main" id="{BC3201DF-62F0-44D9-9F1E-FCBFEE9C7956}"/>
-              </a:ext>
-            </a:extLst>
-          </p:cNvPr>
-          <p:cNvSpPr>
-            <a:spLocks noGrp="1" noChangeArrowheads="1"/>
-          </p:cNvSpPr>
-          <p:nvPr>
-            <p:ph idx="1"/>
-          </p:nvPr>
-        </p:nvSpPr>
-        <p:spPr/>
-        <p:txBody>
-          <a:bodyPr/>
-          <a:lstStyle/>
-          <a:p>
+          <a:p>
+            <a:pPr algn="ctr"/>
             <a:r>
-              <a:rPr lang="en-US" altLang="en-US" dirty="0"/>
-              <a:t>The following shows the Sea Surface Temperature (SST) for July 1982</a:t>
-            </a:r>
-          </a:p>
-          <a:p>
-            <a:r>
-              <a:rPr lang="en-US" altLang="en-US" dirty="0"/>
-              <a:t>Tens of thousands of data points are summarized in a single figure</a:t>
+              <a:rPr lang="en-US" sz="1200" dirty="0">
+                <a:solidFill>
+                  <a:schemeClr val="tx1"/>
+                </a:solidFill>
+                <a:latin typeface="+mn-lt"/>
+              </a:rPr>
+              <a:t>in  ⁰C</a:t>
             </a:r>
           </a:p>
         </p:txBody>
@@ -28518,40 +29047,51 @@
           <a:lstStyle/>
           <a:p>
             <a:r>
-              <a:rPr lang="en-US" altLang="en-US" sz="1900"/>
+              <a:rPr lang="en-US" altLang="en-US" sz="1900" dirty="0"/>
               <a:t>Is the mapping of information to a visual format</a:t>
             </a:r>
           </a:p>
           <a:p>
             <a:r>
-              <a:rPr lang="en-US" altLang="en-US" sz="1900"/>
-              <a:t>Data objects, their attributes, and the relationships among data objects are translated into graphical elements such as points, lines, shapes, and colors.</a:t>
+              <a:rPr lang="en-US" altLang="en-US" sz="1900" dirty="0"/>
+              <a:t>Data objects, their attributes, and the relationships among data objects are translated into graphical elements such as </a:t>
             </a:r>
-          </a:p>
-          <a:p>
             <a:r>
-              <a:rPr lang="en-US" altLang="en-US" sz="1900"/>
-              <a:t>Example: </a:t>
+              <a:rPr lang="en-US" altLang="en-US" sz="1900" b="1" dirty="0"/>
+              <a:t>points, lines, shapes, and colors</a:t>
+            </a:r>
+            <a:r>
+              <a:rPr lang="en-US" altLang="en-US" sz="1900" dirty="0"/>
+              <a:t>.</a:t>
+            </a:r>
+          </a:p>
+          <a:p>
+            <a:endParaRPr lang="en-US" altLang="en-US" sz="1900" dirty="0"/>
+          </a:p>
+          <a:p>
+            <a:r>
+              <a:rPr lang="en-US" altLang="en-US" sz="1900" dirty="0"/>
+              <a:t>Examples: </a:t>
             </a:r>
           </a:p>
           <a:p>
             <a:pPr lvl="1"/>
             <a:r>
-              <a:rPr lang="en-US" altLang="en-US" sz="1900"/>
-              <a:t>Objects are often represented as points</a:t>
+              <a:rPr lang="en-US" altLang="en-US" sz="1900" dirty="0"/>
+              <a:t>Objects are often represented as points.</a:t>
             </a:r>
           </a:p>
           <a:p>
             <a:pPr lvl="1"/>
             <a:r>
-              <a:rPr lang="en-US" altLang="en-US" sz="1900"/>
-              <a:t>Their attribute values can be represented as the position of the points or the characteristics of the points, e.g., color, size, and shape</a:t>
+              <a:rPr lang="en-US" altLang="en-US" sz="1900" dirty="0"/>
+              <a:t>Their attribute values can be represented as the position of the points or the characteristics of the points, e.g., color, size, and shape.</a:t>
             </a:r>
           </a:p>
           <a:p>
             <a:pPr lvl="1"/>
             <a:r>
-              <a:rPr lang="en-US" altLang="en-US" sz="1900"/>
+              <a:rPr lang="en-US" altLang="en-US" sz="1900" dirty="0"/>
               <a:t>If position is used, then the relationships of points, i.e., whether they form groups or a point is an outlier, is easily perceived.</a:t>
             </a:r>
           </a:p>
@@ -38422,506 +38962,6 @@
           </a:p>
         </p:txBody>
       </p:sp>
-      <p:sp useBgFill="1">
-        <p:nvSpPr>
-          <p:cNvPr id="31753" name="Rectangle 31752">
-            <a:extLst>
-              <a:ext uri="{FF2B5EF4-FFF2-40B4-BE49-F238E27FC236}">
-                <a16:creationId xmlns:a16="http://schemas.microsoft.com/office/drawing/2014/main" id="{57F6BDD4-E066-4008-8011-6CC31AEB4556}"/>
-              </a:ext>
-              <a:ext uri="{C183D7F6-B498-43B3-948B-1728B52AA6E4}">
-                <adec:decorative xmlns:adec="http://schemas.microsoft.com/office/drawing/2017/decorative" val="1"/>
-              </a:ext>
-            </a:extLst>
-          </p:cNvPr>
-          <p:cNvSpPr>
-            <a:spLocks noGrp="1" noRot="1" noChangeAspect="1" noMove="1" noResize="1" noEditPoints="1" noAdjustHandles="1" noChangeArrowheads="1" noChangeShapeType="1" noTextEdit="1"/>
-          </p:cNvSpPr>
-          <p:nvPr>
-            <p:extLst>
-              <p:ext uri="{386F3935-93C4-4BCD-93E2-E3B085C9AB24}">
-                <p16:designElem xmlns:p16="http://schemas.microsoft.com/office/powerpoint/2015/main" val="1"/>
-              </p:ext>
-            </p:extLst>
-          </p:nvPr>
-        </p:nvSpPr>
-        <p:spPr>
-          <a:xfrm>
-            <a:off x="307181" y="633619"/>
-            <a:ext cx="3209537" cy="5495925"/>
-          </a:xfrm>
-          <a:prstGeom prst="rect">
-            <a:avLst/>
-          </a:prstGeom>
-          <a:ln w="9525">
-            <a:solidFill>
-              <a:srgbClr val="DEDEDE"/>
-            </a:solidFill>
-          </a:ln>
-          <a:effectLst>
-            <a:outerShdw blurRad="50800" dist="38100" dir="2700000" algn="tl" rotWithShape="0">
-              <a:schemeClr val="bg1">
-                <a:lumMod val="85000"/>
-                <a:alpha val="50000"/>
-              </a:schemeClr>
-            </a:outerShdw>
-          </a:effectLst>
-        </p:spPr>
-        <p:style>
-          <a:lnRef idx="2">
-            <a:schemeClr val="accent1">
-              <a:shade val="50000"/>
-            </a:schemeClr>
-          </a:lnRef>
-          <a:fillRef idx="1">
-            <a:schemeClr val="accent1"/>
-          </a:fillRef>
-          <a:effectRef idx="0">
-            <a:schemeClr val="accent1"/>
-          </a:effectRef>
-          <a:fontRef idx="minor">
-            <a:schemeClr val="lt1"/>
-          </a:fontRef>
-        </p:style>
-        <p:txBody>
-          <a:bodyPr rtlCol="0" anchor="ctr"/>
-          <a:lstStyle/>
-          <a:p>
-            <a:pPr marL="0" marR="0" lvl="0" indent="0" algn="ctr" defTabSz="914400" rtl="0" eaLnBrk="1" fontAlgn="auto" latinLnBrk="0" hangingPunct="1">
-              <a:lnSpc>
-                <a:spcPct val="100000"/>
-              </a:lnSpc>
-              <a:spcBef>
-                <a:spcPts val="0"/>
-              </a:spcBef>
-              <a:spcAft>
-                <a:spcPts val="0"/>
-              </a:spcAft>
-              <a:buClrTx/>
-              <a:buSzTx/>
-              <a:buFontTx/>
-              <a:buNone/>
-              <a:tabLst/>
-              <a:defRPr/>
-            </a:pPr>
-            <a:endParaRPr kumimoji="0" lang="en-US" sz="1800" b="0" i="0" u="none" strike="noStrike" kern="1200" cap="none" spc="0" normalizeH="0" baseline="0" noProof="0">
-              <a:ln>
-                <a:noFill/>
-              </a:ln>
-              <a:solidFill>
-                <a:prstClr val="white"/>
-              </a:solidFill>
-              <a:effectLst/>
-              <a:uLnTx/>
-              <a:uFillTx/>
-              <a:latin typeface="Calibri" panose="020F0502020204030204"/>
-              <a:ea typeface="+mn-ea"/>
-              <a:cs typeface="+mn-cs"/>
-            </a:endParaRPr>
-          </a:p>
-        </p:txBody>
-      </p:sp>
-      <p:sp>
-        <p:nvSpPr>
-          <p:cNvPr id="31745" name="Rectangle 1">
-            <a:extLst>
-              <a:ext uri="{FF2B5EF4-FFF2-40B4-BE49-F238E27FC236}">
-                <a16:creationId xmlns:a16="http://schemas.microsoft.com/office/drawing/2014/main" id="{49267B71-1546-4EFF-B590-08D6F15CBF8B}"/>
-              </a:ext>
-            </a:extLst>
-          </p:cNvPr>
-          <p:cNvSpPr>
-            <a:spLocks noGrp="1" noChangeArrowheads="1"/>
-          </p:cNvSpPr>
-          <p:nvPr>
-            <p:ph type="title"/>
-          </p:nvPr>
-        </p:nvSpPr>
-        <p:spPr>
-          <a:xfrm>
-            <a:off x="630935" y="978619"/>
-            <a:ext cx="2558034" cy="1106424"/>
-          </a:xfrm>
-        </p:spPr>
-        <p:txBody>
-          <a:bodyPr>
-            <a:normAutofit/>
-          </a:bodyPr>
-          <a:lstStyle/>
-          <a:p>
-            <a:pPr>
-              <a:buClrTx/>
-              <a:buFontTx/>
-              <a:buNone/>
-              <a:tabLst>
-                <a:tab pos="0" algn="l"/>
-                <a:tab pos="914400" algn="l"/>
-                <a:tab pos="1828800" algn="l"/>
-                <a:tab pos="2743200" algn="l"/>
-                <a:tab pos="3657600" algn="l"/>
-                <a:tab pos="4572000" algn="l"/>
-                <a:tab pos="5486400" algn="l"/>
-                <a:tab pos="6400800" algn="l"/>
-                <a:tab pos="7315200" algn="l"/>
-                <a:tab pos="8229600" algn="l"/>
-                <a:tab pos="9144000" algn="l"/>
-                <a:tab pos="10058400" algn="l"/>
-              </a:tabLst>
-            </a:pPr>
-            <a:r>
-              <a:rPr lang="en-US" altLang="en-US" sz="2400"/>
-              <a:t>Contour Plots</a:t>
-            </a:r>
-          </a:p>
-        </p:txBody>
-      </p:sp>
-      <p:sp>
-        <p:nvSpPr>
-          <p:cNvPr id="31755" name="Rectangle 31754">
-            <a:extLst>
-              <a:ext uri="{FF2B5EF4-FFF2-40B4-BE49-F238E27FC236}">
-                <a16:creationId xmlns:a16="http://schemas.microsoft.com/office/drawing/2014/main" id="{2711A8FB-68FC-45FC-B01E-38F809E2D439}"/>
-              </a:ext>
-              <a:ext uri="{C183D7F6-B498-43B3-948B-1728B52AA6E4}">
-                <adec:decorative xmlns:adec="http://schemas.microsoft.com/office/drawing/2017/decorative" val="1"/>
-              </a:ext>
-            </a:extLst>
-          </p:cNvPr>
-          <p:cNvSpPr>
-            <a:spLocks noGrp="1" noRot="1" noChangeAspect="1" noMove="1" noResize="1" noEditPoints="1" noAdjustHandles="1" noChangeArrowheads="1" noChangeShapeType="1" noTextEdit="1"/>
-          </p:cNvSpPr>
-          <p:nvPr>
-            <p:extLst>
-              <p:ext uri="{386F3935-93C4-4BCD-93E2-E3B085C9AB24}">
-                <p16:designElem xmlns:p16="http://schemas.microsoft.com/office/powerpoint/2015/main" val="1"/>
-              </p:ext>
-            </p:extLst>
-          </p:nvPr>
-        </p:nvSpPr>
-        <p:spPr>
-          <a:xfrm>
-            <a:off x="259175" y="1171300"/>
-            <a:ext cx="96012" cy="704088"/>
-          </a:xfrm>
-          <a:prstGeom prst="rect">
-            <a:avLst/>
-          </a:prstGeom>
-          <a:solidFill>
-            <a:schemeClr val="accent2"/>
-          </a:solidFill>
-          <a:ln>
-            <a:noFill/>
-          </a:ln>
-        </p:spPr>
-        <p:style>
-          <a:lnRef idx="2">
-            <a:schemeClr val="accent1">
-              <a:shade val="50000"/>
-            </a:schemeClr>
-          </a:lnRef>
-          <a:fillRef idx="1">
-            <a:schemeClr val="accent1"/>
-          </a:fillRef>
-          <a:effectRef idx="0">
-            <a:schemeClr val="accent1"/>
-          </a:effectRef>
-          <a:fontRef idx="minor">
-            <a:schemeClr val="lt1"/>
-          </a:fontRef>
-        </p:style>
-        <p:txBody>
-          <a:bodyPr rtlCol="0" anchor="ctr"/>
-          <a:lstStyle/>
-          <a:p>
-            <a:pPr algn="ctr"/>
-            <a:endParaRPr lang="en-US">
-              <a:solidFill>
-                <a:prstClr val="white"/>
-              </a:solidFill>
-              <a:latin typeface="Calibri" panose="020F0502020204030204"/>
-            </a:endParaRPr>
-          </a:p>
-        </p:txBody>
-      </p:sp>
-      <p:sp>
-        <p:nvSpPr>
-          <p:cNvPr id="31757" name="Rectangle 31756">
-            <a:extLst>
-              <a:ext uri="{FF2B5EF4-FFF2-40B4-BE49-F238E27FC236}">
-                <a16:creationId xmlns:a16="http://schemas.microsoft.com/office/drawing/2014/main" id="{2A865FE3-5FC9-4049-87CF-30019C46C0F5}"/>
-              </a:ext>
-              <a:ext uri="{C183D7F6-B498-43B3-948B-1728B52AA6E4}">
-                <adec:decorative xmlns:adec="http://schemas.microsoft.com/office/drawing/2017/decorative" val="1"/>
-              </a:ext>
-            </a:extLst>
-          </p:cNvPr>
-          <p:cNvSpPr>
-            <a:spLocks noGrp="1" noRot="1" noChangeAspect="1" noMove="1" noResize="1" noEditPoints="1" noAdjustHandles="1" noChangeArrowheads="1" noChangeShapeType="1" noTextEdit="1"/>
-          </p:cNvSpPr>
-          <p:nvPr>
-            <p:extLst>
-              <p:ext uri="{386F3935-93C4-4BCD-93E2-E3B085C9AB24}">
-                <p16:designElem xmlns:p16="http://schemas.microsoft.com/office/powerpoint/2015/main" val="1"/>
-              </p:ext>
-            </p:extLst>
-          </p:nvPr>
-        </p:nvSpPr>
-        <p:spPr>
-          <a:xfrm>
-            <a:off x="658094" y="2093976"/>
-            <a:ext cx="2496312" cy="9144"/>
-          </a:xfrm>
-          <a:prstGeom prst="rect">
-            <a:avLst/>
-          </a:prstGeom>
-          <a:solidFill>
-            <a:srgbClr val="D5D5D5"/>
-          </a:solidFill>
-          <a:ln w="3175">
-            <a:noFill/>
-          </a:ln>
-          <a:effectLst/>
-        </p:spPr>
-        <p:style>
-          <a:lnRef idx="2">
-            <a:schemeClr val="accent1">
-              <a:shade val="50000"/>
-            </a:schemeClr>
-          </a:lnRef>
-          <a:fillRef idx="1">
-            <a:schemeClr val="accent1"/>
-          </a:fillRef>
-          <a:effectRef idx="0">
-            <a:schemeClr val="accent1"/>
-          </a:effectRef>
-          <a:fontRef idx="minor">
-            <a:schemeClr val="lt1"/>
-          </a:fontRef>
-        </p:style>
-        <p:txBody>
-          <a:bodyPr rtlCol="0" anchor="ctr"/>
-          <a:lstStyle/>
-          <a:p>
-            <a:pPr algn="ctr"/>
-            <a:endParaRPr lang="en-US">
-              <a:solidFill>
-                <a:prstClr val="white"/>
-              </a:solidFill>
-              <a:latin typeface="Calibri" panose="020F0502020204030204"/>
-            </a:endParaRPr>
-          </a:p>
-        </p:txBody>
-      </p:sp>
-      <p:sp>
-        <p:nvSpPr>
-          <p:cNvPr id="31746" name="Rectangle 2">
-            <a:extLst>
-              <a:ext uri="{FF2B5EF4-FFF2-40B4-BE49-F238E27FC236}">
-                <a16:creationId xmlns:a16="http://schemas.microsoft.com/office/drawing/2014/main" id="{3D5E9502-D93A-43AF-9F45-100A47DF6B75}"/>
-              </a:ext>
-            </a:extLst>
-          </p:cNvPr>
-          <p:cNvSpPr>
-            <a:spLocks noGrp="1" noChangeArrowheads="1"/>
-          </p:cNvSpPr>
-          <p:nvPr>
-            <p:ph idx="1"/>
-          </p:nvPr>
-        </p:nvSpPr>
-        <p:spPr>
-          <a:xfrm>
-            <a:off x="630936" y="2252870"/>
-            <a:ext cx="2559164" cy="3560251"/>
-          </a:xfrm>
-        </p:spPr>
-        <p:txBody>
-          <a:bodyPr>
-            <a:normAutofit/>
-          </a:bodyPr>
-          <a:lstStyle/>
-          <a:p>
-            <a:pPr marL="273050" indent="-273050">
-              <a:buClr>
-                <a:srgbClr val="0C7B9C"/>
-              </a:buClr>
-              <a:buSzPct val="150000"/>
-              <a:buFont typeface="Ubuntu" charset="0"/>
-              <a:buNone/>
-              <a:tabLst>
-                <a:tab pos="620713" algn="l"/>
-                <a:tab pos="1535113" algn="l"/>
-                <a:tab pos="2449513" algn="l"/>
-                <a:tab pos="3363913" algn="l"/>
-                <a:tab pos="4278313" algn="l"/>
-                <a:tab pos="5192713" algn="l"/>
-                <a:tab pos="6107113" algn="l"/>
-                <a:tab pos="7021513" algn="l"/>
-                <a:tab pos="7935913" algn="l"/>
-                <a:tab pos="8850313" algn="l"/>
-                <a:tab pos="9764713" algn="l"/>
-              </a:tabLst>
-            </a:pPr>
-            <a:r>
-              <a:rPr lang="en-US" altLang="en-US" sz="1300"/>
-              <a:t> </a:t>
-            </a:r>
-          </a:p>
-          <a:p>
-            <a:pPr marL="593725" lvl="1" indent="-228600">
-              <a:spcBef>
-                <a:spcPts val="300"/>
-              </a:spcBef>
-              <a:buClr>
-                <a:srgbClr val="0C7B9C"/>
-              </a:buClr>
-              <a:buSzPct val="150000"/>
-              <a:buFont typeface="Ubuntu Light" charset="0"/>
-              <a:buChar char="-"/>
-              <a:tabLst>
-                <a:tab pos="620713" algn="l"/>
-                <a:tab pos="1535113" algn="l"/>
-                <a:tab pos="2449513" algn="l"/>
-                <a:tab pos="3363913" algn="l"/>
-                <a:tab pos="4278313" algn="l"/>
-                <a:tab pos="5192713" algn="l"/>
-                <a:tab pos="6107113" algn="l"/>
-                <a:tab pos="7021513" algn="l"/>
-                <a:tab pos="7935913" algn="l"/>
-                <a:tab pos="8850313" algn="l"/>
-                <a:tab pos="9764713" algn="l"/>
-              </a:tabLst>
-            </a:pPr>
-            <a:r>
-              <a:rPr lang="en-US" altLang="en-US" sz="1300"/>
-              <a:t>Useful when a continuous attribute is measured on a </a:t>
-            </a:r>
-            <a:r>
-              <a:rPr lang="en-US" altLang="en-US" sz="1300" b="1"/>
-              <a:t>spatial grid</a:t>
-            </a:r>
-          </a:p>
-          <a:p>
-            <a:pPr marL="593725" lvl="1" indent="-228600">
-              <a:spcBef>
-                <a:spcPts val="300"/>
-              </a:spcBef>
-              <a:buClr>
-                <a:srgbClr val="0C7B9C"/>
-              </a:buClr>
-              <a:buSzPct val="150000"/>
-              <a:buFont typeface="Ubuntu Light" charset="0"/>
-              <a:buChar char="-"/>
-              <a:tabLst>
-                <a:tab pos="620713" algn="l"/>
-                <a:tab pos="1535113" algn="l"/>
-                <a:tab pos="2449513" algn="l"/>
-                <a:tab pos="3363913" algn="l"/>
-                <a:tab pos="4278313" algn="l"/>
-                <a:tab pos="5192713" algn="l"/>
-                <a:tab pos="6107113" algn="l"/>
-                <a:tab pos="7021513" algn="l"/>
-                <a:tab pos="7935913" algn="l"/>
-                <a:tab pos="8850313" algn="l"/>
-                <a:tab pos="9764713" algn="l"/>
-              </a:tabLst>
-            </a:pPr>
-            <a:r>
-              <a:rPr lang="en-US" altLang="en-US" sz="1300"/>
-              <a:t>They partition the plane into regions of similar values</a:t>
-            </a:r>
-          </a:p>
-          <a:p>
-            <a:pPr marL="593725" lvl="1" indent="-228600">
-              <a:spcBef>
-                <a:spcPts val="300"/>
-              </a:spcBef>
-              <a:buClr>
-                <a:srgbClr val="0C7B9C"/>
-              </a:buClr>
-              <a:buSzPct val="150000"/>
-              <a:buFont typeface="Ubuntu Light" charset="0"/>
-              <a:buChar char="-"/>
-              <a:tabLst>
-                <a:tab pos="620713" algn="l"/>
-                <a:tab pos="1535113" algn="l"/>
-                <a:tab pos="2449513" algn="l"/>
-                <a:tab pos="3363913" algn="l"/>
-                <a:tab pos="4278313" algn="l"/>
-                <a:tab pos="5192713" algn="l"/>
-                <a:tab pos="6107113" algn="l"/>
-                <a:tab pos="7021513" algn="l"/>
-                <a:tab pos="7935913" algn="l"/>
-                <a:tab pos="8850313" algn="l"/>
-                <a:tab pos="9764713" algn="l"/>
-              </a:tabLst>
-            </a:pPr>
-            <a:r>
-              <a:rPr lang="en-US" altLang="en-US" sz="1300"/>
-              <a:t>The contour lines that form the boundaries of these regions connect points with equal values	</a:t>
-            </a:r>
-          </a:p>
-          <a:p>
-            <a:pPr marL="593725" lvl="1" indent="-228600">
-              <a:spcBef>
-                <a:spcPts val="300"/>
-              </a:spcBef>
-              <a:buClr>
-                <a:srgbClr val="0C7B9C"/>
-              </a:buClr>
-              <a:buSzPct val="150000"/>
-              <a:buFont typeface="Ubuntu Light" charset="0"/>
-              <a:buChar char="-"/>
-              <a:tabLst>
-                <a:tab pos="620713" algn="l"/>
-                <a:tab pos="1535113" algn="l"/>
-                <a:tab pos="2449513" algn="l"/>
-                <a:tab pos="3363913" algn="l"/>
-                <a:tab pos="4278313" algn="l"/>
-                <a:tab pos="5192713" algn="l"/>
-                <a:tab pos="6107113" algn="l"/>
-                <a:tab pos="7021513" algn="l"/>
-                <a:tab pos="7935913" algn="l"/>
-                <a:tab pos="8850313" algn="l"/>
-                <a:tab pos="9764713" algn="l"/>
-              </a:tabLst>
-            </a:pPr>
-            <a:r>
-              <a:rPr lang="en-US" altLang="en-US" sz="1300"/>
-              <a:t>The most common example is contour maps of elevation</a:t>
-            </a:r>
-          </a:p>
-          <a:p>
-            <a:pPr marL="593725" lvl="1" indent="-228600">
-              <a:spcBef>
-                <a:spcPts val="300"/>
-              </a:spcBef>
-              <a:buClr>
-                <a:srgbClr val="0C7B9C"/>
-              </a:buClr>
-              <a:buSzPct val="150000"/>
-              <a:buFont typeface="Ubuntu Light" charset="0"/>
-              <a:buChar char="-"/>
-              <a:tabLst>
-                <a:tab pos="620713" algn="l"/>
-                <a:tab pos="1535113" algn="l"/>
-                <a:tab pos="2449513" algn="l"/>
-                <a:tab pos="3363913" algn="l"/>
-                <a:tab pos="4278313" algn="l"/>
-                <a:tab pos="5192713" algn="l"/>
-                <a:tab pos="6107113" algn="l"/>
-                <a:tab pos="7021513" algn="l"/>
-                <a:tab pos="7935913" algn="l"/>
-                <a:tab pos="8850313" algn="l"/>
-                <a:tab pos="9764713" algn="l"/>
-              </a:tabLst>
-            </a:pPr>
-            <a:r>
-              <a:rPr lang="en-US" altLang="en-US" sz="1300"/>
-              <a:t>Can also display temperature, rainfall, air pressure, etc.</a:t>
-            </a:r>
-          </a:p>
-        </p:txBody>
-      </p:sp>
       <p:grpSp>
         <p:nvGrpSpPr>
           <p:cNvPr id="4" name="Group 2">
@@ -38938,8 +38978,8 @@
         </p:nvGrpSpPr>
         <p:grpSpPr bwMode="auto">
           <a:xfrm>
-            <a:off x="3840480" y="1829046"/>
-            <a:ext cx="4992624" cy="3099324"/>
+            <a:off x="3206496" y="1534289"/>
+            <a:ext cx="5937504" cy="3394812"/>
             <a:chOff x="336" y="720"/>
             <a:chExt cx="4914" cy="3074"/>
           </a:xfrm>
@@ -39373,6 +39413,565 @@
           </p:txBody>
         </p:sp>
       </p:grpSp>
+      <p:sp useBgFill="1">
+        <p:nvSpPr>
+          <p:cNvPr id="31753" name="Rectangle 31752">
+            <a:extLst>
+              <a:ext uri="{FF2B5EF4-FFF2-40B4-BE49-F238E27FC236}">
+                <a16:creationId xmlns:a16="http://schemas.microsoft.com/office/drawing/2014/main" id="{57F6BDD4-E066-4008-8011-6CC31AEB4556}"/>
+              </a:ext>
+              <a:ext uri="{C183D7F6-B498-43B3-948B-1728B52AA6E4}">
+                <adec:decorative xmlns:adec="http://schemas.microsoft.com/office/drawing/2017/decorative" val="1"/>
+              </a:ext>
+            </a:extLst>
+          </p:cNvPr>
+          <p:cNvSpPr>
+            <a:spLocks noGrp="1" noRot="1" noChangeAspect="1" noMove="1" noResize="1" noEditPoints="1" noAdjustHandles="1" noChangeArrowheads="1" noChangeShapeType="1" noTextEdit="1"/>
+          </p:cNvSpPr>
+          <p:nvPr>
+            <p:extLst>
+              <p:ext uri="{386F3935-93C4-4BCD-93E2-E3B085C9AB24}">
+                <p16:designElem xmlns:p16="http://schemas.microsoft.com/office/powerpoint/2015/main" val="1"/>
+              </p:ext>
+            </p:extLst>
+          </p:nvPr>
+        </p:nvSpPr>
+        <p:spPr>
+          <a:xfrm>
+            <a:off x="307181" y="633619"/>
+            <a:ext cx="3209537" cy="5495925"/>
+          </a:xfrm>
+          <a:prstGeom prst="rect">
+            <a:avLst/>
+          </a:prstGeom>
+          <a:ln w="9525">
+            <a:solidFill>
+              <a:srgbClr val="DEDEDE"/>
+            </a:solidFill>
+          </a:ln>
+          <a:effectLst>
+            <a:outerShdw blurRad="50800" dist="38100" dir="2700000" algn="tl" rotWithShape="0">
+              <a:schemeClr val="bg1">
+                <a:lumMod val="85000"/>
+                <a:alpha val="50000"/>
+              </a:schemeClr>
+            </a:outerShdw>
+          </a:effectLst>
+        </p:spPr>
+        <p:style>
+          <a:lnRef idx="2">
+            <a:schemeClr val="accent1">
+              <a:shade val="50000"/>
+            </a:schemeClr>
+          </a:lnRef>
+          <a:fillRef idx="1">
+            <a:schemeClr val="accent1"/>
+          </a:fillRef>
+          <a:effectRef idx="0">
+            <a:schemeClr val="accent1"/>
+          </a:effectRef>
+          <a:fontRef idx="minor">
+            <a:schemeClr val="lt1"/>
+          </a:fontRef>
+        </p:style>
+        <p:txBody>
+          <a:bodyPr rtlCol="0" anchor="ctr"/>
+          <a:lstStyle/>
+          <a:p>
+            <a:pPr marL="0" marR="0" lvl="0" indent="0" algn="ctr" defTabSz="914400" rtl="0" eaLnBrk="1" fontAlgn="auto" latinLnBrk="0" hangingPunct="1">
+              <a:lnSpc>
+                <a:spcPct val="100000"/>
+              </a:lnSpc>
+              <a:spcBef>
+                <a:spcPts val="0"/>
+              </a:spcBef>
+              <a:spcAft>
+                <a:spcPts val="0"/>
+              </a:spcAft>
+              <a:buClrTx/>
+              <a:buSzTx/>
+              <a:buFontTx/>
+              <a:buNone/>
+              <a:tabLst/>
+              <a:defRPr/>
+            </a:pPr>
+            <a:endParaRPr kumimoji="0" lang="en-US" sz="1800" b="0" i="0" u="none" strike="noStrike" kern="1200" cap="none" spc="0" normalizeH="0" baseline="0" noProof="0">
+              <a:ln>
+                <a:noFill/>
+              </a:ln>
+              <a:solidFill>
+                <a:prstClr val="white"/>
+              </a:solidFill>
+              <a:effectLst/>
+              <a:uLnTx/>
+              <a:uFillTx/>
+              <a:latin typeface="Calibri" panose="020F0502020204030204"/>
+              <a:ea typeface="+mn-ea"/>
+              <a:cs typeface="+mn-cs"/>
+            </a:endParaRPr>
+          </a:p>
+        </p:txBody>
+      </p:sp>
+      <p:sp>
+        <p:nvSpPr>
+          <p:cNvPr id="31745" name="Rectangle 1">
+            <a:extLst>
+              <a:ext uri="{FF2B5EF4-FFF2-40B4-BE49-F238E27FC236}">
+                <a16:creationId xmlns:a16="http://schemas.microsoft.com/office/drawing/2014/main" id="{49267B71-1546-4EFF-B590-08D6F15CBF8B}"/>
+              </a:ext>
+            </a:extLst>
+          </p:cNvPr>
+          <p:cNvSpPr>
+            <a:spLocks noGrp="1" noChangeArrowheads="1"/>
+          </p:cNvSpPr>
+          <p:nvPr>
+            <p:ph type="title"/>
+          </p:nvPr>
+        </p:nvSpPr>
+        <p:spPr>
+          <a:xfrm>
+            <a:off x="630935" y="978619"/>
+            <a:ext cx="2558034" cy="1106424"/>
+          </a:xfrm>
+        </p:spPr>
+        <p:txBody>
+          <a:bodyPr>
+            <a:normAutofit/>
+          </a:bodyPr>
+          <a:lstStyle/>
+          <a:p>
+            <a:pPr>
+              <a:buClrTx/>
+              <a:buFontTx/>
+              <a:buNone/>
+              <a:tabLst>
+                <a:tab pos="0" algn="l"/>
+                <a:tab pos="914400" algn="l"/>
+                <a:tab pos="1828800" algn="l"/>
+                <a:tab pos="2743200" algn="l"/>
+                <a:tab pos="3657600" algn="l"/>
+                <a:tab pos="4572000" algn="l"/>
+                <a:tab pos="5486400" algn="l"/>
+                <a:tab pos="6400800" algn="l"/>
+                <a:tab pos="7315200" algn="l"/>
+                <a:tab pos="8229600" algn="l"/>
+                <a:tab pos="9144000" algn="l"/>
+                <a:tab pos="10058400" algn="l"/>
+              </a:tabLst>
+            </a:pPr>
+            <a:r>
+              <a:rPr lang="en-US" altLang="en-US" sz="2400"/>
+              <a:t>Contour Plots</a:t>
+            </a:r>
+          </a:p>
+        </p:txBody>
+      </p:sp>
+      <p:sp>
+        <p:nvSpPr>
+          <p:cNvPr id="31755" name="Rectangle 31754">
+            <a:extLst>
+              <a:ext uri="{FF2B5EF4-FFF2-40B4-BE49-F238E27FC236}">
+                <a16:creationId xmlns:a16="http://schemas.microsoft.com/office/drawing/2014/main" id="{2711A8FB-68FC-45FC-B01E-38F809E2D439}"/>
+              </a:ext>
+              <a:ext uri="{C183D7F6-B498-43B3-948B-1728B52AA6E4}">
+                <adec:decorative xmlns:adec="http://schemas.microsoft.com/office/drawing/2017/decorative" val="1"/>
+              </a:ext>
+            </a:extLst>
+          </p:cNvPr>
+          <p:cNvSpPr>
+            <a:spLocks noGrp="1" noRot="1" noChangeAspect="1" noMove="1" noResize="1" noEditPoints="1" noAdjustHandles="1" noChangeArrowheads="1" noChangeShapeType="1" noTextEdit="1"/>
+          </p:cNvSpPr>
+          <p:nvPr>
+            <p:extLst>
+              <p:ext uri="{386F3935-93C4-4BCD-93E2-E3B085C9AB24}">
+                <p16:designElem xmlns:p16="http://schemas.microsoft.com/office/powerpoint/2015/main" val="1"/>
+              </p:ext>
+            </p:extLst>
+          </p:nvPr>
+        </p:nvSpPr>
+        <p:spPr>
+          <a:xfrm>
+            <a:off x="259175" y="1171300"/>
+            <a:ext cx="96012" cy="704088"/>
+          </a:xfrm>
+          <a:prstGeom prst="rect">
+            <a:avLst/>
+          </a:prstGeom>
+          <a:solidFill>
+            <a:schemeClr val="accent2"/>
+          </a:solidFill>
+          <a:ln>
+            <a:noFill/>
+          </a:ln>
+        </p:spPr>
+        <p:style>
+          <a:lnRef idx="2">
+            <a:schemeClr val="accent1">
+              <a:shade val="50000"/>
+            </a:schemeClr>
+          </a:lnRef>
+          <a:fillRef idx="1">
+            <a:schemeClr val="accent1"/>
+          </a:fillRef>
+          <a:effectRef idx="0">
+            <a:schemeClr val="accent1"/>
+          </a:effectRef>
+          <a:fontRef idx="minor">
+            <a:schemeClr val="lt1"/>
+          </a:fontRef>
+        </p:style>
+        <p:txBody>
+          <a:bodyPr rtlCol="0" anchor="ctr"/>
+          <a:lstStyle/>
+          <a:p>
+            <a:pPr algn="ctr"/>
+            <a:endParaRPr lang="en-US">
+              <a:solidFill>
+                <a:prstClr val="white"/>
+              </a:solidFill>
+              <a:latin typeface="Calibri" panose="020F0502020204030204"/>
+            </a:endParaRPr>
+          </a:p>
+        </p:txBody>
+      </p:sp>
+      <p:sp>
+        <p:nvSpPr>
+          <p:cNvPr id="31757" name="Rectangle 31756">
+            <a:extLst>
+              <a:ext uri="{FF2B5EF4-FFF2-40B4-BE49-F238E27FC236}">
+                <a16:creationId xmlns:a16="http://schemas.microsoft.com/office/drawing/2014/main" id="{2A865FE3-5FC9-4049-87CF-30019C46C0F5}"/>
+              </a:ext>
+              <a:ext uri="{C183D7F6-B498-43B3-948B-1728B52AA6E4}">
+                <adec:decorative xmlns:adec="http://schemas.microsoft.com/office/drawing/2017/decorative" val="1"/>
+              </a:ext>
+            </a:extLst>
+          </p:cNvPr>
+          <p:cNvSpPr>
+            <a:spLocks noGrp="1" noRot="1" noChangeAspect="1" noMove="1" noResize="1" noEditPoints="1" noAdjustHandles="1" noChangeArrowheads="1" noChangeShapeType="1" noTextEdit="1"/>
+          </p:cNvSpPr>
+          <p:nvPr>
+            <p:extLst>
+              <p:ext uri="{386F3935-93C4-4BCD-93E2-E3B085C9AB24}">
+                <p16:designElem xmlns:p16="http://schemas.microsoft.com/office/powerpoint/2015/main" val="1"/>
+              </p:ext>
+            </p:extLst>
+          </p:nvPr>
+        </p:nvSpPr>
+        <p:spPr>
+          <a:xfrm>
+            <a:off x="658094" y="2093976"/>
+            <a:ext cx="2496312" cy="9144"/>
+          </a:xfrm>
+          <a:prstGeom prst="rect">
+            <a:avLst/>
+          </a:prstGeom>
+          <a:solidFill>
+            <a:srgbClr val="D5D5D5"/>
+          </a:solidFill>
+          <a:ln w="3175">
+            <a:noFill/>
+          </a:ln>
+          <a:effectLst/>
+        </p:spPr>
+        <p:style>
+          <a:lnRef idx="2">
+            <a:schemeClr val="accent1">
+              <a:shade val="50000"/>
+            </a:schemeClr>
+          </a:lnRef>
+          <a:fillRef idx="1">
+            <a:schemeClr val="accent1"/>
+          </a:fillRef>
+          <a:effectRef idx="0">
+            <a:schemeClr val="accent1"/>
+          </a:effectRef>
+          <a:fontRef idx="minor">
+            <a:schemeClr val="lt1"/>
+          </a:fontRef>
+        </p:style>
+        <p:txBody>
+          <a:bodyPr rtlCol="0" anchor="ctr"/>
+          <a:lstStyle/>
+          <a:p>
+            <a:pPr algn="ctr"/>
+            <a:endParaRPr lang="en-US">
+              <a:solidFill>
+                <a:prstClr val="white"/>
+              </a:solidFill>
+              <a:latin typeface="Calibri" panose="020F0502020204030204"/>
+            </a:endParaRPr>
+          </a:p>
+        </p:txBody>
+      </p:sp>
+      <p:sp>
+        <p:nvSpPr>
+          <p:cNvPr id="31746" name="Rectangle 2">
+            <a:extLst>
+              <a:ext uri="{FF2B5EF4-FFF2-40B4-BE49-F238E27FC236}">
+                <a16:creationId xmlns:a16="http://schemas.microsoft.com/office/drawing/2014/main" id="{3D5E9502-D93A-43AF-9F45-100A47DF6B75}"/>
+              </a:ext>
+            </a:extLst>
+          </p:cNvPr>
+          <p:cNvSpPr>
+            <a:spLocks noGrp="1" noChangeArrowheads="1"/>
+          </p:cNvSpPr>
+          <p:nvPr>
+            <p:ph idx="1"/>
+          </p:nvPr>
+        </p:nvSpPr>
+        <p:spPr>
+          <a:xfrm>
+            <a:off x="630936" y="2252870"/>
+            <a:ext cx="2559164" cy="3560251"/>
+          </a:xfrm>
+        </p:spPr>
+        <p:txBody>
+          <a:bodyPr>
+            <a:normAutofit/>
+          </a:bodyPr>
+          <a:lstStyle/>
+          <a:p>
+            <a:pPr marL="273050" indent="-273050">
+              <a:buClr>
+                <a:srgbClr val="0C7B9C"/>
+              </a:buClr>
+              <a:buSzPct val="150000"/>
+              <a:buFont typeface="Ubuntu" charset="0"/>
+              <a:buNone/>
+              <a:tabLst>
+                <a:tab pos="620713" algn="l"/>
+                <a:tab pos="1535113" algn="l"/>
+                <a:tab pos="2449513" algn="l"/>
+                <a:tab pos="3363913" algn="l"/>
+                <a:tab pos="4278313" algn="l"/>
+                <a:tab pos="5192713" algn="l"/>
+                <a:tab pos="6107113" algn="l"/>
+                <a:tab pos="7021513" algn="l"/>
+                <a:tab pos="7935913" algn="l"/>
+                <a:tab pos="8850313" algn="l"/>
+                <a:tab pos="9764713" algn="l"/>
+              </a:tabLst>
+            </a:pPr>
+            <a:r>
+              <a:rPr lang="en-US" altLang="en-US" sz="1300"/>
+              <a:t> </a:t>
+            </a:r>
+          </a:p>
+          <a:p>
+            <a:pPr marL="593725" lvl="1" indent="-228600">
+              <a:spcBef>
+                <a:spcPts val="300"/>
+              </a:spcBef>
+              <a:buClr>
+                <a:srgbClr val="0C7B9C"/>
+              </a:buClr>
+              <a:buSzPct val="150000"/>
+              <a:buFont typeface="Ubuntu Light" charset="0"/>
+              <a:buChar char="-"/>
+              <a:tabLst>
+                <a:tab pos="620713" algn="l"/>
+                <a:tab pos="1535113" algn="l"/>
+                <a:tab pos="2449513" algn="l"/>
+                <a:tab pos="3363913" algn="l"/>
+                <a:tab pos="4278313" algn="l"/>
+                <a:tab pos="5192713" algn="l"/>
+                <a:tab pos="6107113" algn="l"/>
+                <a:tab pos="7021513" algn="l"/>
+                <a:tab pos="7935913" algn="l"/>
+                <a:tab pos="8850313" algn="l"/>
+                <a:tab pos="9764713" algn="l"/>
+              </a:tabLst>
+            </a:pPr>
+            <a:r>
+              <a:rPr lang="en-US" altLang="en-US" sz="1300"/>
+              <a:t>Useful when a continuous attribute is measured on a </a:t>
+            </a:r>
+            <a:r>
+              <a:rPr lang="en-US" altLang="en-US" sz="1300" b="1"/>
+              <a:t>spatial grid</a:t>
+            </a:r>
+          </a:p>
+          <a:p>
+            <a:pPr marL="593725" lvl="1" indent="-228600">
+              <a:spcBef>
+                <a:spcPts val="300"/>
+              </a:spcBef>
+              <a:buClr>
+                <a:srgbClr val="0C7B9C"/>
+              </a:buClr>
+              <a:buSzPct val="150000"/>
+              <a:buFont typeface="Ubuntu Light" charset="0"/>
+              <a:buChar char="-"/>
+              <a:tabLst>
+                <a:tab pos="620713" algn="l"/>
+                <a:tab pos="1535113" algn="l"/>
+                <a:tab pos="2449513" algn="l"/>
+                <a:tab pos="3363913" algn="l"/>
+                <a:tab pos="4278313" algn="l"/>
+                <a:tab pos="5192713" algn="l"/>
+                <a:tab pos="6107113" algn="l"/>
+                <a:tab pos="7021513" algn="l"/>
+                <a:tab pos="7935913" algn="l"/>
+                <a:tab pos="8850313" algn="l"/>
+                <a:tab pos="9764713" algn="l"/>
+              </a:tabLst>
+            </a:pPr>
+            <a:r>
+              <a:rPr lang="en-US" altLang="en-US" sz="1300"/>
+              <a:t>They partition the plane into regions of similar values</a:t>
+            </a:r>
+          </a:p>
+          <a:p>
+            <a:pPr marL="593725" lvl="1" indent="-228600">
+              <a:spcBef>
+                <a:spcPts val="300"/>
+              </a:spcBef>
+              <a:buClr>
+                <a:srgbClr val="0C7B9C"/>
+              </a:buClr>
+              <a:buSzPct val="150000"/>
+              <a:buFont typeface="Ubuntu Light" charset="0"/>
+              <a:buChar char="-"/>
+              <a:tabLst>
+                <a:tab pos="620713" algn="l"/>
+                <a:tab pos="1535113" algn="l"/>
+                <a:tab pos="2449513" algn="l"/>
+                <a:tab pos="3363913" algn="l"/>
+                <a:tab pos="4278313" algn="l"/>
+                <a:tab pos="5192713" algn="l"/>
+                <a:tab pos="6107113" algn="l"/>
+                <a:tab pos="7021513" algn="l"/>
+                <a:tab pos="7935913" algn="l"/>
+                <a:tab pos="8850313" algn="l"/>
+                <a:tab pos="9764713" algn="l"/>
+              </a:tabLst>
+            </a:pPr>
+            <a:r>
+              <a:rPr lang="en-US" altLang="en-US" sz="1300"/>
+              <a:t>The contour lines that form the boundaries of these regions connect points with equal values	</a:t>
+            </a:r>
+          </a:p>
+          <a:p>
+            <a:pPr marL="593725" lvl="1" indent="-228600">
+              <a:spcBef>
+                <a:spcPts val="300"/>
+              </a:spcBef>
+              <a:buClr>
+                <a:srgbClr val="0C7B9C"/>
+              </a:buClr>
+              <a:buSzPct val="150000"/>
+              <a:buFont typeface="Ubuntu Light" charset="0"/>
+              <a:buChar char="-"/>
+              <a:tabLst>
+                <a:tab pos="620713" algn="l"/>
+                <a:tab pos="1535113" algn="l"/>
+                <a:tab pos="2449513" algn="l"/>
+                <a:tab pos="3363913" algn="l"/>
+                <a:tab pos="4278313" algn="l"/>
+                <a:tab pos="5192713" algn="l"/>
+                <a:tab pos="6107113" algn="l"/>
+                <a:tab pos="7021513" algn="l"/>
+                <a:tab pos="7935913" algn="l"/>
+                <a:tab pos="8850313" algn="l"/>
+                <a:tab pos="9764713" algn="l"/>
+              </a:tabLst>
+            </a:pPr>
+            <a:r>
+              <a:rPr lang="en-US" altLang="en-US" sz="1300"/>
+              <a:t>The most common example is contour maps of elevation</a:t>
+            </a:r>
+          </a:p>
+          <a:p>
+            <a:pPr marL="593725" lvl="1" indent="-228600">
+              <a:spcBef>
+                <a:spcPts val="300"/>
+              </a:spcBef>
+              <a:buClr>
+                <a:srgbClr val="0C7B9C"/>
+              </a:buClr>
+              <a:buSzPct val="150000"/>
+              <a:buFont typeface="Ubuntu Light" charset="0"/>
+              <a:buChar char="-"/>
+              <a:tabLst>
+                <a:tab pos="620713" algn="l"/>
+                <a:tab pos="1535113" algn="l"/>
+                <a:tab pos="2449513" algn="l"/>
+                <a:tab pos="3363913" algn="l"/>
+                <a:tab pos="4278313" algn="l"/>
+                <a:tab pos="5192713" algn="l"/>
+                <a:tab pos="6107113" algn="l"/>
+                <a:tab pos="7021513" algn="l"/>
+                <a:tab pos="7935913" algn="l"/>
+                <a:tab pos="8850313" algn="l"/>
+                <a:tab pos="9764713" algn="l"/>
+              </a:tabLst>
+            </a:pPr>
+            <a:r>
+              <a:rPr lang="en-US" altLang="en-US" sz="1300"/>
+              <a:t>Can also display temperature, rainfall, air pressure, etc.</a:t>
+            </a:r>
+          </a:p>
+        </p:txBody>
+      </p:sp>
+      <p:sp>
+        <p:nvSpPr>
+          <p:cNvPr id="2" name="TextBox 1">
+            <a:extLst>
+              <a:ext uri="{FF2B5EF4-FFF2-40B4-BE49-F238E27FC236}">
+                <a16:creationId xmlns:a16="http://schemas.microsoft.com/office/drawing/2014/main" id="{131A7A3D-A34C-6877-E7FC-B4F0552BBC8C}"/>
+              </a:ext>
+            </a:extLst>
+          </p:cNvPr>
+          <p:cNvSpPr txBox="1"/>
+          <p:nvPr/>
+        </p:nvSpPr>
+        <p:spPr>
+          <a:xfrm>
+            <a:off x="7850697" y="4782159"/>
+            <a:ext cx="1013419" cy="461665"/>
+          </a:xfrm>
+          <a:prstGeom prst="rect">
+            <a:avLst/>
+          </a:prstGeom>
+          <a:solidFill>
+            <a:schemeClr val="bg1"/>
+          </a:solidFill>
+          <a:ln>
+            <a:solidFill>
+              <a:schemeClr val="bg1"/>
+            </a:solidFill>
+          </a:ln>
+        </p:spPr>
+        <p:txBody>
+          <a:bodyPr wrap="none" rtlCol="0">
+            <a:spAutoFit/>
+          </a:bodyPr>
+          <a:lstStyle/>
+          <a:p>
+            <a:r>
+              <a:rPr lang="en-US" sz="1200" dirty="0">
+                <a:solidFill>
+                  <a:schemeClr val="tx1"/>
+                </a:solidFill>
+                <a:latin typeface="+mn-lt"/>
+              </a:rPr>
+              <a:t>Ocean Temp.</a:t>
+            </a:r>
+          </a:p>
+          <a:p>
+            <a:pPr algn="ctr"/>
+            <a:r>
+              <a:rPr lang="en-US" sz="1200" dirty="0">
+                <a:solidFill>
+                  <a:schemeClr val="tx1"/>
+                </a:solidFill>
+                <a:latin typeface="+mn-lt"/>
+              </a:rPr>
+              <a:t>in  ⁰C</a:t>
+            </a:r>
+          </a:p>
+        </p:txBody>
+      </p:sp>
     </p:spTree>
   </p:cSld>
   <p:clrMapOvr>
@@ -40860,6 +41459,66 @@
           </a:prstGeom>
         </p:spPr>
       </p:pic>
+      <p:sp>
+        <p:nvSpPr>
+          <p:cNvPr id="3" name="TextBox 2">
+            <a:extLst>
+              <a:ext uri="{FF2B5EF4-FFF2-40B4-BE49-F238E27FC236}">
+                <a16:creationId xmlns:a16="http://schemas.microsoft.com/office/drawing/2014/main" id="{DDD36883-4794-E574-2FF5-59608A82F6F3}"/>
+              </a:ext>
+            </a:extLst>
+          </p:cNvPr>
+          <p:cNvSpPr txBox="1"/>
+          <p:nvPr/>
+        </p:nvSpPr>
+        <p:spPr>
+          <a:xfrm>
+            <a:off x="8384045" y="2819400"/>
+            <a:ext cx="638188" cy="461665"/>
+          </a:xfrm>
+          <a:prstGeom prst="rect">
+            <a:avLst/>
+          </a:prstGeom>
+          <a:solidFill>
+            <a:schemeClr val="bg1"/>
+          </a:solidFill>
+          <a:ln>
+            <a:solidFill>
+              <a:schemeClr val="bg1"/>
+            </a:solidFill>
+          </a:ln>
+        </p:spPr>
+        <p:txBody>
+          <a:bodyPr wrap="none" rtlCol="0">
+            <a:spAutoFit/>
+          </a:bodyPr>
+          <a:lstStyle/>
+          <a:p>
+            <a:pPr algn="ctr"/>
+            <a:r>
+              <a:rPr lang="en-US" sz="1200" dirty="0">
+                <a:solidFill>
+                  <a:schemeClr val="tx1"/>
+                </a:solidFill>
+                <a:latin typeface="+mn-lt"/>
+              </a:rPr>
+              <a:t>Value</a:t>
+            </a:r>
+          </a:p>
+          <a:p>
+            <a:pPr algn="ctr"/>
+            <a:r>
+              <a:rPr lang="en-US" sz="1200" dirty="0">
+                <a:solidFill>
+                  <a:schemeClr val="tx1"/>
+                </a:solidFill>
+                <a:latin typeface="+mn-lt"/>
+              </a:rPr>
+              <a:t>Z-score</a:t>
+            </a:r>
+          </a:p>
+        </p:txBody>
+      </p:sp>
     </p:spTree>
   </p:cSld>
   <p:clrMapOvr>
@@ -42408,6 +43067,98 @@
           </a:prstGeom>
         </p:spPr>
       </p:pic>
+      <p:sp>
+        <p:nvSpPr>
+          <p:cNvPr id="5" name="TextBox 4">
+            <a:extLst>
+              <a:ext uri="{FF2B5EF4-FFF2-40B4-BE49-F238E27FC236}">
+                <a16:creationId xmlns:a16="http://schemas.microsoft.com/office/drawing/2014/main" id="{277A00E3-23CD-2817-D159-9FD96F2C7997}"/>
+              </a:ext>
+            </a:extLst>
+          </p:cNvPr>
+          <p:cNvSpPr txBox="1"/>
+          <p:nvPr/>
+        </p:nvSpPr>
+        <p:spPr>
+          <a:xfrm rot="16200000">
+            <a:off x="230612" y="3538587"/>
+            <a:ext cx="542135" cy="215444"/>
+          </a:xfrm>
+          <a:prstGeom prst="rect">
+            <a:avLst/>
+          </a:prstGeom>
+          <a:solidFill>
+            <a:schemeClr val="bg1"/>
+          </a:solidFill>
+          <a:ln>
+            <a:solidFill>
+              <a:schemeClr val="bg1"/>
+            </a:solidFill>
+          </a:ln>
+        </p:spPr>
+        <p:txBody>
+          <a:bodyPr wrap="none" rtlCol="0">
+            <a:spAutoFit/>
+          </a:bodyPr>
+          <a:lstStyle/>
+          <a:p>
+            <a:pPr algn="ctr"/>
+            <a:r>
+              <a:rPr lang="en-US" sz="800" dirty="0">
+                <a:solidFill>
+                  <a:schemeClr val="tx1"/>
+                </a:solidFill>
+                <a:latin typeface="+mn-lt"/>
+              </a:rPr>
+              <a:t>(z-score)</a:t>
+            </a:r>
+          </a:p>
+        </p:txBody>
+      </p:sp>
+      <p:sp>
+        <p:nvSpPr>
+          <p:cNvPr id="6" name="TextBox 5">
+            <a:extLst>
+              <a:ext uri="{FF2B5EF4-FFF2-40B4-BE49-F238E27FC236}">
+                <a16:creationId xmlns:a16="http://schemas.microsoft.com/office/drawing/2014/main" id="{973F8A71-14FD-3C8E-0E87-87E218E5EB4D}"/>
+              </a:ext>
+            </a:extLst>
+          </p:cNvPr>
+          <p:cNvSpPr txBox="1"/>
+          <p:nvPr/>
+        </p:nvSpPr>
+        <p:spPr>
+          <a:xfrm rot="16200000">
+            <a:off x="4462584" y="3619384"/>
+            <a:ext cx="542135" cy="215444"/>
+          </a:xfrm>
+          <a:prstGeom prst="rect">
+            <a:avLst/>
+          </a:prstGeom>
+          <a:noFill/>
+          <a:ln>
+            <a:noFill/>
+          </a:ln>
+        </p:spPr>
+        <p:txBody>
+          <a:bodyPr wrap="none" rtlCol="0">
+            <a:spAutoFit/>
+          </a:bodyPr>
+          <a:lstStyle/>
+          <a:p>
+            <a:pPr algn="ctr"/>
+            <a:r>
+              <a:rPr lang="en-US" sz="800" dirty="0">
+                <a:solidFill>
+                  <a:schemeClr val="tx1"/>
+                </a:solidFill>
+                <a:latin typeface="+mn-lt"/>
+              </a:rPr>
+              <a:t>(z-score)</a:t>
+            </a:r>
+          </a:p>
+        </p:txBody>
+      </p:sp>
     </p:spTree>
   </p:cSld>
   <p:clrMapOvr>

--- a/slides/chap2_exploration.pptx
+++ b/slides/chap2_exploration.pptx
@@ -2487,7 +2487,7 @@
         <a:lstStyle/>
         <a:p>
           <a:r>
-            <a:rPr lang="en-US"/>
+            <a:rPr lang="en-US" dirty="0"/>
             <a:t>Visualization of data is one of the most powerful and appealing techniques for data exploration. </a:t>
           </a:r>
         </a:p>
@@ -2923,7 +2923,7 @@
         </a:bodyPr>
         <a:lstStyle/>
         <a:p>
-          <a:pPr marL="0" lvl="0" indent="0" algn="l" defTabSz="711200">
+          <a:pPr marL="0" lvl="0" indent="0" algn="l" defTabSz="666750">
             <a:lnSpc>
               <a:spcPct val="90000"/>
             </a:lnSpc>
@@ -2936,7 +2936,7 @@
             <a:buNone/>
           </a:pPr>
           <a:r>
-            <a:rPr lang="en-US" sz="1600" kern="1200"/>
+            <a:rPr lang="en-US" sz="1500" kern="1200"/>
             <a:t>Summary statistics  are numbers that summarize properties of the data</a:t>
           </a:r>
         </a:p>
@@ -3074,7 +3074,7 @@
         </a:bodyPr>
         <a:lstStyle/>
         <a:p>
-          <a:pPr marL="0" lvl="0" indent="0" algn="l" defTabSz="711200">
+          <a:pPr marL="0" lvl="0" indent="0" algn="l" defTabSz="666750">
             <a:lnSpc>
               <a:spcPct val="90000"/>
             </a:lnSpc>
@@ -3087,24 +3087,24 @@
             <a:buNone/>
           </a:pPr>
           <a:r>
-            <a:rPr lang="en-US" sz="1600" kern="1200"/>
+            <a:rPr lang="en-US" sz="1500" kern="1200"/>
             <a:t>Summarized properties include location and spread for continuous data</a:t>
           </a:r>
           <a:br>
-            <a:rPr lang="en-US" sz="1600" kern="1200"/>
+            <a:rPr lang="en-US" sz="1500" kern="1200"/>
           </a:br>
           <a:br>
-            <a:rPr lang="en-US" sz="1600" kern="1200"/>
+            <a:rPr lang="en-US" sz="1500" kern="1200"/>
           </a:br>
           <a:r>
-            <a:rPr lang="en-US" sz="1600" kern="1200"/>
+            <a:rPr lang="en-US" sz="1500" kern="1200"/>
             <a:t>Examples: 	location - mean</a:t>
           </a:r>
           <a:br>
-            <a:rPr lang="en-US" sz="1600" kern="1200"/>
+            <a:rPr lang="en-US" sz="1500" kern="1200"/>
           </a:br>
           <a:r>
-            <a:rPr lang="en-US" sz="1600" kern="1200"/>
+            <a:rPr lang="en-US" sz="1500" kern="1200"/>
             <a:t>                   	spread - standard deviation</a:t>
           </a:r>
         </a:p>
@@ -3242,7 +3242,7 @@
         </a:bodyPr>
         <a:lstStyle/>
         <a:p>
-          <a:pPr marL="0" lvl="0" indent="0" algn="l" defTabSz="711200">
+          <a:pPr marL="0" lvl="0" indent="0" algn="l" defTabSz="666750">
             <a:lnSpc>
               <a:spcPct val="90000"/>
             </a:lnSpc>
@@ -3255,7 +3255,7 @@
             <a:buNone/>
           </a:pPr>
           <a:r>
-            <a:rPr lang="en-US" sz="1600" kern="1200"/>
+            <a:rPr lang="en-US" sz="1500" kern="1200"/>
             <a:t>Most summary statistics can be calculated in a single pass through the data</a:t>
           </a:r>
         </a:p>
@@ -3284,8 +3284,8 @@
       </dsp:nvSpPr>
       <dsp:spPr>
         <a:xfrm>
-          <a:off x="0" y="708097"/>
-          <a:ext cx="7886700" cy="1307257"/>
+          <a:off x="0" y="710968"/>
+          <a:ext cx="7886700" cy="1304705"/>
         </a:xfrm>
         <a:prstGeom prst="roundRect">
           <a:avLst>
@@ -3325,8 +3325,8 @@
       </dsp:nvSpPr>
       <dsp:spPr>
         <a:xfrm>
-          <a:off x="395445" y="1002230"/>
-          <a:ext cx="718991" cy="718991"/>
+          <a:off x="394673" y="1004527"/>
+          <a:ext cx="717587" cy="717587"/>
         </a:xfrm>
         <a:prstGeom prst="rect">
           <a:avLst/>
@@ -3375,8 +3375,8 @@
       </dsp:nvSpPr>
       <dsp:spPr>
         <a:xfrm>
-          <a:off x="1509882" y="708097"/>
-          <a:ext cx="6376817" cy="1307257"/>
+          <a:off x="1506934" y="710968"/>
+          <a:ext cx="6378292" cy="1304705"/>
         </a:xfrm>
         <a:prstGeom prst="rect">
           <a:avLst/>
@@ -3400,7 +3400,7 @@
         <a:fontRef idx="minor"/>
       </dsp:style>
       <dsp:txBody>
-        <a:bodyPr spcFirstLastPara="0" vert="horz" wrap="square" lIns="138351" tIns="138351" rIns="138351" bIns="138351" numCol="1" spcCol="1270" anchor="ctr" anchorCtr="0">
+        <a:bodyPr spcFirstLastPara="0" vert="horz" wrap="square" lIns="138081" tIns="138081" rIns="138081" bIns="138081" numCol="1" spcCol="1270" anchor="ctr" anchorCtr="0">
           <a:noAutofit/>
         </a:bodyPr>
         <a:lstStyle/>
@@ -3440,8 +3440,8 @@
         </a:p>
       </dsp:txBody>
       <dsp:txXfrm>
-        <a:off x="1509882" y="708097"/>
-        <a:ext cx="6376817" cy="1307257"/>
+        <a:off x="1506934" y="710968"/>
+        <a:ext cx="6378292" cy="1304705"/>
       </dsp:txXfrm>
     </dsp:sp>
     <dsp:sp modelId="{C11B9430-4341-4FF2-A9D3-7710C419645D}">
@@ -3451,8 +3451,8 @@
       </dsp:nvSpPr>
       <dsp:spPr>
         <a:xfrm>
-          <a:off x="0" y="2342169"/>
-          <a:ext cx="7886700" cy="1307257"/>
+          <a:off x="0" y="2341850"/>
+          <a:ext cx="7886700" cy="1304705"/>
         </a:xfrm>
         <a:prstGeom prst="roundRect">
           <a:avLst>
@@ -3492,8 +3492,8 @@
       </dsp:nvSpPr>
       <dsp:spPr>
         <a:xfrm>
-          <a:off x="395445" y="2636302"/>
-          <a:ext cx="718991" cy="718991"/>
+          <a:off x="394673" y="2635408"/>
+          <a:ext cx="717587" cy="717587"/>
         </a:xfrm>
         <a:prstGeom prst="rect">
           <a:avLst/>
@@ -3542,8 +3542,8 @@
       </dsp:nvSpPr>
       <dsp:spPr>
         <a:xfrm>
-          <a:off x="1509882" y="2342169"/>
-          <a:ext cx="3549015" cy="1307257"/>
+          <a:off x="1506934" y="2341850"/>
+          <a:ext cx="3549015" cy="1304705"/>
         </a:xfrm>
         <a:prstGeom prst="rect">
           <a:avLst/>
@@ -3567,7 +3567,7 @@
         <a:fontRef idx="minor"/>
       </dsp:style>
       <dsp:txBody>
-        <a:bodyPr spcFirstLastPara="0" vert="horz" wrap="square" lIns="138351" tIns="138351" rIns="138351" bIns="138351" numCol="1" spcCol="1270" anchor="ctr" anchorCtr="0">
+        <a:bodyPr spcFirstLastPara="0" vert="horz" wrap="square" lIns="138081" tIns="138081" rIns="138081" bIns="138081" numCol="1" spcCol="1270" anchor="ctr" anchorCtr="0">
           <a:noAutofit/>
         </a:bodyPr>
         <a:lstStyle/>
@@ -3585,14 +3585,14 @@
             <a:buNone/>
           </a:pPr>
           <a:r>
-            <a:rPr lang="en-US" sz="1800" kern="1200"/>
+            <a:rPr lang="en-US" sz="1800" kern="1200" dirty="0"/>
             <a:t>Visualization of data is one of the most powerful and appealing techniques for data exploration. </a:t>
           </a:r>
         </a:p>
       </dsp:txBody>
       <dsp:txXfrm>
-        <a:off x="1509882" y="2342169"/>
-        <a:ext cx="3549015" cy="1307257"/>
+        <a:off x="1506934" y="2341850"/>
+        <a:ext cx="3549015" cy="1304705"/>
       </dsp:txXfrm>
     </dsp:sp>
     <dsp:sp modelId="{43E5B5E3-9918-4C80-93A1-04BA164C06C5}">
@@ -3602,8 +3602,8 @@
       </dsp:nvSpPr>
       <dsp:spPr>
         <a:xfrm>
-          <a:off x="5058897" y="2342169"/>
-          <a:ext cx="2827802" cy="1307257"/>
+          <a:off x="5055949" y="2341850"/>
+          <a:ext cx="2829277" cy="1304705"/>
         </a:xfrm>
         <a:prstGeom prst="rect">
           <a:avLst/>
@@ -3627,7 +3627,7 @@
         <a:fontRef idx="minor"/>
       </dsp:style>
       <dsp:txBody>
-        <a:bodyPr spcFirstLastPara="0" vert="horz" wrap="square" lIns="138351" tIns="138351" rIns="138351" bIns="138351" numCol="1" spcCol="1270" anchor="ctr" anchorCtr="0">
+        <a:bodyPr spcFirstLastPara="0" vert="horz" wrap="square" lIns="138081" tIns="138081" rIns="138081" bIns="138081" numCol="1" spcCol="1270" anchor="ctr" anchorCtr="0">
           <a:noAutofit/>
         </a:bodyPr>
         <a:lstStyle/>
@@ -3689,8 +3689,8 @@
         </a:p>
       </dsp:txBody>
       <dsp:txXfrm>
-        <a:off x="5058897" y="2342169"/>
-        <a:ext cx="2827802" cy="1307257"/>
+        <a:off x="5055949" y="2341850"/>
+        <a:ext cx="2829277" cy="1304705"/>
       </dsp:txXfrm>
     </dsp:sp>
   </dsp:spTree>
@@ -11604,7 +11604,7 @@
           <a:p>
             <a:fld id="{AEE3A5ED-0979-46C2-BDB3-6C1F641153D0}" type="datetimeFigureOut">
               <a:rPr lang="en-US" smtClean="0"/>
-              <a:t>9/23/2024</a:t>
+              <a:t>1/31/2025</a:t>
             </a:fld>
             <a:endParaRPr lang="en-US"/>
           </a:p>
@@ -11802,7 +11802,7 @@
           <a:p>
             <a:fld id="{AEE3A5ED-0979-46C2-BDB3-6C1F641153D0}" type="datetimeFigureOut">
               <a:rPr lang="en-US" smtClean="0"/>
-              <a:t>9/23/2024</a:t>
+              <a:t>1/31/2025</a:t>
             </a:fld>
             <a:endParaRPr lang="en-US"/>
           </a:p>
@@ -12010,7 +12010,7 @@
           <a:p>
             <a:fld id="{AEE3A5ED-0979-46C2-BDB3-6C1F641153D0}" type="datetimeFigureOut">
               <a:rPr lang="en-US" smtClean="0"/>
-              <a:t>9/23/2024</a:t>
+              <a:t>1/31/2025</a:t>
             </a:fld>
             <a:endParaRPr lang="en-US"/>
           </a:p>
@@ -12910,7 +12910,7 @@
           <a:p>
             <a:fld id="{AEE3A5ED-0979-46C2-BDB3-6C1F641153D0}" type="datetimeFigureOut">
               <a:rPr lang="en-US" smtClean="0"/>
-              <a:t>9/23/2024</a:t>
+              <a:t>1/31/2025</a:t>
             </a:fld>
             <a:endParaRPr lang="en-US"/>
           </a:p>
@@ -13185,7 +13185,7 @@
           <a:p>
             <a:fld id="{AEE3A5ED-0979-46C2-BDB3-6C1F641153D0}" type="datetimeFigureOut">
               <a:rPr lang="en-US" smtClean="0"/>
-              <a:t>9/23/2024</a:t>
+              <a:t>1/31/2025</a:t>
             </a:fld>
             <a:endParaRPr lang="en-US"/>
           </a:p>
@@ -13450,7 +13450,7 @@
           <a:p>
             <a:fld id="{AEE3A5ED-0979-46C2-BDB3-6C1F641153D0}" type="datetimeFigureOut">
               <a:rPr lang="en-US" smtClean="0"/>
-              <a:t>9/23/2024</a:t>
+              <a:t>1/31/2025</a:t>
             </a:fld>
             <a:endParaRPr lang="en-US"/>
           </a:p>
@@ -13862,7 +13862,7 @@
           <a:p>
             <a:fld id="{AEE3A5ED-0979-46C2-BDB3-6C1F641153D0}" type="datetimeFigureOut">
               <a:rPr lang="en-US" smtClean="0"/>
-              <a:t>9/23/2024</a:t>
+              <a:t>1/31/2025</a:t>
             </a:fld>
             <a:endParaRPr lang="en-US"/>
           </a:p>
@@ -14003,7 +14003,7 @@
           <a:p>
             <a:fld id="{AEE3A5ED-0979-46C2-BDB3-6C1F641153D0}" type="datetimeFigureOut">
               <a:rPr lang="en-US" smtClean="0"/>
-              <a:t>9/23/2024</a:t>
+              <a:t>1/31/2025</a:t>
             </a:fld>
             <a:endParaRPr lang="en-US"/>
           </a:p>
@@ -14116,7 +14116,7 @@
           <a:p>
             <a:fld id="{AEE3A5ED-0979-46C2-BDB3-6C1F641153D0}" type="datetimeFigureOut">
               <a:rPr lang="en-US" smtClean="0"/>
-              <a:t>9/23/2024</a:t>
+              <a:t>1/31/2025</a:t>
             </a:fld>
             <a:endParaRPr lang="en-US"/>
           </a:p>
@@ -14427,7 +14427,7 @@
           <a:p>
             <a:fld id="{AEE3A5ED-0979-46C2-BDB3-6C1F641153D0}" type="datetimeFigureOut">
               <a:rPr lang="en-US" smtClean="0"/>
-              <a:t>9/23/2024</a:t>
+              <a:t>1/31/2025</a:t>
             </a:fld>
             <a:endParaRPr lang="en-US"/>
           </a:p>
@@ -14715,7 +14715,7 @@
           <a:p>
             <a:fld id="{AEE3A5ED-0979-46C2-BDB3-6C1F641153D0}" type="datetimeFigureOut">
               <a:rPr lang="en-US" smtClean="0"/>
-              <a:t>9/23/2024</a:t>
+              <a:t>1/31/2025</a:t>
             </a:fld>
             <a:endParaRPr lang="en-US"/>
           </a:p>
@@ -14956,7 +14956,7 @@
           <a:p>
             <a:fld id="{AEE3A5ED-0979-46C2-BDB3-6C1F641153D0}" type="datetimeFigureOut">
               <a:rPr lang="en-US" smtClean="0"/>
-              <a:t>9/23/2024</a:t>
+              <a:t>1/31/2025</a:t>
             </a:fld>
             <a:endParaRPr lang="en-US"/>
           </a:p>
@@ -17410,12 +17410,12 @@
           <a:graphicData uri="http://schemas.openxmlformats.org/presentationml/2006/ole">
             <mc:AlternateContent xmlns:mc="http://schemas.openxmlformats.org/markup-compatibility/2006">
               <mc:Choice xmlns:v="urn:schemas-microsoft-com:vml" Requires="v">
-                <p:oleObj r:id="rId6" imgW="236520" imgH="201960" progId="">
+                <p:oleObj r:id="rId4" imgW="236520" imgH="201960" progId="">
                   <p:embed/>
                 </p:oleObj>
               </mc:Choice>
               <mc:Fallback>
-                <p:oleObj r:id="rId6" imgW="236520" imgH="201960" progId="">
+                <p:oleObj r:id="rId4" imgW="236520" imgH="201960" progId="">
                   <p:embed/>
                   <p:pic>
                     <p:nvPicPr>
@@ -17493,7 +17493,7 @@
           <p:nvPr/>
         </p:nvPicPr>
         <p:blipFill>
-          <a:blip r:embed="rId7">
+          <a:blip r:embed="rId6">
             <a:extLst>
               <a:ext uri="{28A0092B-C50C-407E-A947-70E740481C1C}">
                 <a14:useLocalDpi xmlns:a14="http://schemas.microsoft.com/office/drawing/2010/main" val="0"/>
@@ -17567,7 +17567,7 @@
           <p:nvPr/>
         </p:nvPicPr>
         <p:blipFill>
-          <a:blip r:embed="rId8">
+          <a:blip r:embed="rId7">
             <a:extLst>
               <a:ext uri="{28A0092B-C50C-407E-A947-70E740481C1C}">
                 <a14:useLocalDpi xmlns:a14="http://schemas.microsoft.com/office/drawing/2010/main" val="0"/>
@@ -17628,53 +17628,6 @@
       </p:pic>
       <p:sp>
         <p:nvSpPr>
-          <p:cNvPr id="5" name="Right Brace 4">
-            <a:extLst>
-              <a:ext uri="{FF2B5EF4-FFF2-40B4-BE49-F238E27FC236}">
-                <a16:creationId xmlns:a16="http://schemas.microsoft.com/office/drawing/2014/main" id="{E564F320-3918-4620-8566-2987C88BB6A7}"/>
-              </a:ext>
-            </a:extLst>
-          </p:cNvPr>
-          <p:cNvSpPr/>
-          <p:nvPr/>
-        </p:nvSpPr>
-        <p:spPr>
-          <a:xfrm rot="5400000">
-            <a:off x="4817748" y="5600784"/>
-            <a:ext cx="193674" cy="991224"/>
-          </a:xfrm>
-          <a:prstGeom prst="rightBrace">
-            <a:avLst>
-              <a:gd name="adj1" fmla="val 5832"/>
-              <a:gd name="adj2" fmla="val 50374"/>
-            </a:avLst>
-          </a:prstGeom>
-        </p:spPr>
-        <p:style>
-          <a:lnRef idx="3">
-            <a:schemeClr val="accent6"/>
-          </a:lnRef>
-          <a:fillRef idx="0">
-            <a:schemeClr val="accent6"/>
-          </a:fillRef>
-          <a:effectRef idx="2">
-            <a:schemeClr val="accent6"/>
-          </a:effectRef>
-          <a:fontRef idx="minor">
-            <a:schemeClr val="tx1"/>
-          </a:fontRef>
-        </p:style>
-        <p:txBody>
-          <a:bodyPr rtlCol="0" anchor="ctr"/>
-          <a:lstStyle/>
-          <a:p>
-            <a:pPr algn="ctr"/>
-            <a:endParaRPr lang="en-US"/>
-          </a:p>
-        </p:txBody>
-      </p:sp>
-      <p:sp>
-        <p:nvSpPr>
           <p:cNvPr id="6" name="Speech Bubble: Rectangle with Corners Rounded 5">
             <a:extLst>
               <a:ext uri="{FF2B5EF4-FFF2-40B4-BE49-F238E27FC236}">
@@ -17687,13 +17640,13 @@
         </p:nvSpPr>
         <p:spPr>
           <a:xfrm>
-            <a:off x="6400800" y="2558972"/>
-            <a:ext cx="2590800" cy="462041"/>
+            <a:off x="6172200" y="2514600"/>
+            <a:ext cx="2819400" cy="506413"/>
           </a:xfrm>
           <a:prstGeom prst="wedgeRoundRectCallout">
             <a:avLst>
-              <a:gd name="adj1" fmla="val -105842"/>
-              <a:gd name="adj2" fmla="val 565567"/>
+              <a:gd name="adj1" fmla="val -92473"/>
+              <a:gd name="adj2" fmla="val 493893"/>
               <a:gd name="adj3" fmla="val 16667"/>
             </a:avLst>
           </a:prstGeom>
@@ -17726,591 +17679,680 @@
           </a:p>
         </p:txBody>
       </p:sp>
-      <p:cxnSp>
-        <p:nvCxnSpPr>
-          <p:cNvPr id="8" name="Straight Connector 7">
+      <p:grpSp>
+        <p:nvGrpSpPr>
+          <p:cNvPr id="2" name="Group 1">
             <a:extLst>
               <a:ext uri="{FF2B5EF4-FFF2-40B4-BE49-F238E27FC236}">
-                <a16:creationId xmlns:a16="http://schemas.microsoft.com/office/drawing/2014/main" id="{0B10B672-1EBE-A246-080D-2FA7B67572AF}"/>
+                <a16:creationId xmlns:a16="http://schemas.microsoft.com/office/drawing/2014/main" id="{7A6FDCA4-AA57-3BF1-5821-82E7EBAC6DFD}"/>
               </a:ext>
             </a:extLst>
           </p:cNvPr>
-          <p:cNvCxnSpPr/>
+          <p:cNvGrpSpPr/>
           <p:nvPr/>
-        </p:nvCxnSpPr>
-        <p:spPr>
+        </p:nvGrpSpPr>
+        <p:grpSpPr>
           <a:xfrm>
-            <a:off x="4418973" y="5334000"/>
-            <a:ext cx="0" cy="685800"/>
+            <a:off x="2514600" y="1792941"/>
+            <a:ext cx="4800600" cy="3160059"/>
+            <a:chOff x="2514600" y="1792941"/>
+            <a:chExt cx="4800600" cy="3160059"/>
           </a:xfrm>
-          <a:prstGeom prst="line">
-            <a:avLst/>
-          </a:prstGeom>
-        </p:spPr>
-        <p:style>
-          <a:lnRef idx="3">
-            <a:schemeClr val="accent6"/>
-          </a:lnRef>
-          <a:fillRef idx="0">
-            <a:schemeClr val="accent6"/>
-          </a:fillRef>
-          <a:effectRef idx="2">
-            <a:schemeClr val="accent6"/>
-          </a:effectRef>
-          <a:fontRef idx="minor">
-            <a:schemeClr val="tx1"/>
-          </a:fontRef>
-        </p:style>
-      </p:cxnSp>
-      <p:cxnSp>
-        <p:nvCxnSpPr>
-          <p:cNvPr id="9" name="Straight Connector 8">
+        </p:grpSpPr>
+        <p:sp>
+          <p:nvSpPr>
+            <p:cNvPr id="11" name="Right Brace 10">
+              <a:extLst>
+                <a:ext uri="{FF2B5EF4-FFF2-40B4-BE49-F238E27FC236}">
+                  <a16:creationId xmlns:a16="http://schemas.microsoft.com/office/drawing/2014/main" id="{9D3B7888-C9E5-BBDB-5EBD-31E5B5DB8750}"/>
+                </a:ext>
+              </a:extLst>
+            </p:cNvPr>
+            <p:cNvSpPr/>
+            <p:nvPr/>
+          </p:nvSpPr>
+          <p:spPr>
+            <a:xfrm rot="5400000" flipH="1">
+              <a:off x="4827408" y="-61195"/>
+              <a:ext cx="174352" cy="4495800"/>
+            </a:xfrm>
+            <a:prstGeom prst="rightBrace">
+              <a:avLst>
+                <a:gd name="adj1" fmla="val 5832"/>
+                <a:gd name="adj2" fmla="val 50374"/>
+              </a:avLst>
+            </a:prstGeom>
+          </p:spPr>
+          <p:style>
+            <a:lnRef idx="3">
+              <a:schemeClr val="accent6"/>
+            </a:lnRef>
+            <a:fillRef idx="0">
+              <a:schemeClr val="accent6"/>
+            </a:fillRef>
+            <a:effectRef idx="2">
+              <a:schemeClr val="accent6"/>
+            </a:effectRef>
+            <a:fontRef idx="minor">
+              <a:schemeClr val="tx1"/>
+            </a:fontRef>
+          </p:style>
+          <p:txBody>
+            <a:bodyPr rtlCol="0" anchor="ctr"/>
+            <a:lstStyle/>
+            <a:p>
+              <a:pPr algn="ctr"/>
+              <a:endParaRPr lang="en-US"/>
+            </a:p>
+          </p:txBody>
+        </p:sp>
+        <p:sp>
+          <p:nvSpPr>
+            <p:cNvPr id="12" name="TextBox 11">
+              <a:extLst>
+                <a:ext uri="{FF2B5EF4-FFF2-40B4-BE49-F238E27FC236}">
+                  <a16:creationId xmlns:a16="http://schemas.microsoft.com/office/drawing/2014/main" id="{72C8BF82-496D-091C-50F1-11FC0260FDDD}"/>
+                </a:ext>
+              </a:extLst>
+            </p:cNvPr>
+            <p:cNvSpPr txBox="1"/>
+            <p:nvPr/>
+          </p:nvSpPr>
+          <p:spPr>
+            <a:xfrm>
+              <a:off x="4000591" y="1792941"/>
+              <a:ext cx="1827985" cy="276999"/>
+            </a:xfrm>
+            <a:prstGeom prst="rect">
+              <a:avLst/>
+            </a:prstGeom>
+          </p:spPr>
+          <p:style>
+            <a:lnRef idx="2">
+              <a:schemeClr val="accent6">
+                <a:shade val="15000"/>
+              </a:schemeClr>
+            </a:lnRef>
+            <a:fillRef idx="1">
+              <a:schemeClr val="accent6"/>
+            </a:fillRef>
+            <a:effectRef idx="0">
+              <a:schemeClr val="accent6"/>
+            </a:effectRef>
+            <a:fontRef idx="minor">
+              <a:schemeClr val="lt1"/>
+            </a:fontRef>
+          </p:style>
+          <p:txBody>
+            <a:bodyPr wrap="square" rtlCol="0">
+              <a:spAutoFit/>
+            </a:bodyPr>
+            <a:lstStyle/>
+            <a:p>
+              <a:pPr algn="ctr"/>
+              <a:r>
+                <a:rPr lang="en-US" sz="1200" dirty="0"/>
+                <a:t>99% of the observations</a:t>
+              </a:r>
+            </a:p>
+          </p:txBody>
+        </p:sp>
+        <p:sp>
+          <p:nvSpPr>
+            <p:cNvPr id="13" name="Oval 12">
+              <a:extLst>
+                <a:ext uri="{FF2B5EF4-FFF2-40B4-BE49-F238E27FC236}">
+                  <a16:creationId xmlns:a16="http://schemas.microsoft.com/office/drawing/2014/main" id="{18EC83D0-4A58-5632-EDC9-A5FA4BFC8914}"/>
+                </a:ext>
+              </a:extLst>
+            </p:cNvPr>
+            <p:cNvSpPr/>
+            <p:nvPr/>
+          </p:nvSpPr>
+          <p:spPr>
+            <a:xfrm>
+              <a:off x="2514600" y="4648200"/>
+              <a:ext cx="381000" cy="304800"/>
+            </a:xfrm>
+            <a:prstGeom prst="ellipse">
+              <a:avLst/>
+            </a:prstGeom>
+            <a:noFill/>
+            <a:ln w="28575" cap="flat" cmpd="sng" algn="ctr">
+              <a:solidFill>
+                <a:schemeClr val="accent6"/>
+              </a:solidFill>
+              <a:prstDash val="solid"/>
+              <a:round/>
+              <a:headEnd type="none" w="med" len="med"/>
+              <a:tailEnd type="none" w="med" len="med"/>
+            </a:ln>
+          </p:spPr>
+          <p:style>
+            <a:lnRef idx="0">
+              <a:scrgbClr r="0" g="0" b="0"/>
+            </a:lnRef>
+            <a:fillRef idx="0">
+              <a:scrgbClr r="0" g="0" b="0"/>
+            </a:fillRef>
+            <a:effectRef idx="0">
+              <a:scrgbClr r="0" g="0" b="0"/>
+            </a:effectRef>
+            <a:fontRef idx="minor">
+              <a:schemeClr val="accent6"/>
+            </a:fontRef>
+          </p:style>
+          <p:txBody>
+            <a:bodyPr rtlCol="0" anchor="ctr"/>
+            <a:lstStyle/>
+            <a:p>
+              <a:pPr algn="ctr"/>
+              <a:endParaRPr lang="en-US"/>
+            </a:p>
+          </p:txBody>
+        </p:sp>
+        <p:sp>
+          <p:nvSpPr>
+            <p:cNvPr id="14" name="Oval 13">
+              <a:extLst>
+                <a:ext uri="{FF2B5EF4-FFF2-40B4-BE49-F238E27FC236}">
+                  <a16:creationId xmlns:a16="http://schemas.microsoft.com/office/drawing/2014/main" id="{B6A92BFF-5648-5E46-33A0-14CE41ADCAC3}"/>
+                </a:ext>
+              </a:extLst>
+            </p:cNvPr>
+            <p:cNvSpPr/>
+            <p:nvPr/>
+          </p:nvSpPr>
+          <p:spPr>
+            <a:xfrm>
+              <a:off x="6934200" y="4648200"/>
+              <a:ext cx="381000" cy="304800"/>
+            </a:xfrm>
+            <a:prstGeom prst="ellipse">
+              <a:avLst/>
+            </a:prstGeom>
+            <a:noFill/>
+            <a:ln w="28575" cap="flat" cmpd="sng" algn="ctr">
+              <a:solidFill>
+                <a:schemeClr val="accent6"/>
+              </a:solidFill>
+              <a:prstDash val="solid"/>
+              <a:round/>
+              <a:headEnd type="none" w="med" len="med"/>
+              <a:tailEnd type="none" w="med" len="med"/>
+            </a:ln>
+          </p:spPr>
+          <p:style>
+            <a:lnRef idx="0">
+              <a:scrgbClr r="0" g="0" b="0"/>
+            </a:lnRef>
+            <a:fillRef idx="0">
+              <a:scrgbClr r="0" g="0" b="0"/>
+            </a:fillRef>
+            <a:effectRef idx="0">
+              <a:scrgbClr r="0" g="0" b="0"/>
+            </a:effectRef>
+            <a:fontRef idx="minor">
+              <a:schemeClr val="accent6"/>
+            </a:fontRef>
+          </p:style>
+          <p:txBody>
+            <a:bodyPr rtlCol="0" anchor="ctr"/>
+            <a:lstStyle/>
+            <a:p>
+              <a:pPr algn="ctr"/>
+              <a:endParaRPr lang="en-US"/>
+            </a:p>
+          </p:txBody>
+        </p:sp>
+      </p:grpSp>
+      <p:grpSp>
+        <p:nvGrpSpPr>
+          <p:cNvPr id="4" name="Group 3">
             <a:extLst>
               <a:ext uri="{FF2B5EF4-FFF2-40B4-BE49-F238E27FC236}">
-                <a16:creationId xmlns:a16="http://schemas.microsoft.com/office/drawing/2014/main" id="{A93D2479-399F-C53A-D9C2-A800003CCAB1}"/>
+                <a16:creationId xmlns:a16="http://schemas.microsoft.com/office/drawing/2014/main" id="{BA0DB29C-1699-CA93-7927-C93773CA5BE5}"/>
               </a:ext>
             </a:extLst>
           </p:cNvPr>
-          <p:cNvCxnSpPr/>
+          <p:cNvGrpSpPr/>
           <p:nvPr/>
-        </p:nvCxnSpPr>
-        <p:spPr>
+        </p:nvGrpSpPr>
+        <p:grpSpPr>
           <a:xfrm>
-            <a:off x="5410200" y="5334000"/>
-            <a:ext cx="0" cy="685800"/>
+            <a:off x="4115854" y="5334000"/>
+            <a:ext cx="1644130" cy="1389706"/>
+            <a:chOff x="4115854" y="5334000"/>
+            <a:chExt cx="1644130" cy="1389706"/>
           </a:xfrm>
-          <a:prstGeom prst="line">
-            <a:avLst/>
-          </a:prstGeom>
-        </p:spPr>
-        <p:style>
-          <a:lnRef idx="3">
-            <a:schemeClr val="accent6"/>
-          </a:lnRef>
-          <a:fillRef idx="0">
-            <a:schemeClr val="accent6"/>
-          </a:fillRef>
-          <a:effectRef idx="2">
-            <a:schemeClr val="accent6"/>
-          </a:effectRef>
-          <a:fontRef idx="minor">
-            <a:schemeClr val="tx1"/>
-          </a:fontRef>
-        </p:style>
-      </p:cxnSp>
-      <p:sp>
-        <p:nvSpPr>
-          <p:cNvPr id="10" name="TextBox 9">
-            <a:extLst>
-              <a:ext uri="{FF2B5EF4-FFF2-40B4-BE49-F238E27FC236}">
-                <a16:creationId xmlns:a16="http://schemas.microsoft.com/office/drawing/2014/main" id="{0E3FC5CD-C9C1-A96C-48CE-A1670A0E5A8D}"/>
-              </a:ext>
-            </a:extLst>
-          </p:cNvPr>
-          <p:cNvSpPr txBox="1"/>
-          <p:nvPr/>
-        </p:nvSpPr>
-        <p:spPr>
-          <a:xfrm>
-            <a:off x="4491007" y="6262041"/>
-            <a:ext cx="880585" cy="461665"/>
-          </a:xfrm>
-          <a:prstGeom prst="rect">
-            <a:avLst/>
-          </a:prstGeom>
-        </p:spPr>
-        <p:style>
-          <a:lnRef idx="2">
-            <a:schemeClr val="accent6">
-              <a:shade val="15000"/>
-            </a:schemeClr>
-          </a:lnRef>
-          <a:fillRef idx="1">
-            <a:schemeClr val="accent6"/>
-          </a:fillRef>
-          <a:effectRef idx="0">
-            <a:schemeClr val="accent6"/>
-          </a:effectRef>
-          <a:fontRef idx="minor">
-            <a:schemeClr val="lt1"/>
-          </a:fontRef>
-        </p:style>
-        <p:txBody>
-          <a:bodyPr wrap="square" rtlCol="0">
-            <a:spAutoFit/>
-          </a:bodyPr>
-          <a:lstStyle/>
-          <a:p>
-            <a:pPr algn="ctr"/>
-            <a:r>
-              <a:rPr lang="en-US" sz="1200" dirty="0"/>
-              <a:t>IQR spans 50%</a:t>
-            </a:r>
-          </a:p>
-        </p:txBody>
-      </p:sp>
-      <p:sp>
-        <p:nvSpPr>
-          <p:cNvPr id="11" name="Right Brace 10">
-            <a:extLst>
-              <a:ext uri="{FF2B5EF4-FFF2-40B4-BE49-F238E27FC236}">
-                <a16:creationId xmlns:a16="http://schemas.microsoft.com/office/drawing/2014/main" id="{9D3B7888-C9E5-BBDB-5EBD-31E5B5DB8750}"/>
-              </a:ext>
-            </a:extLst>
-          </p:cNvPr>
-          <p:cNvSpPr/>
-          <p:nvPr/>
-        </p:nvSpPr>
-        <p:spPr>
-          <a:xfrm rot="5400000" flipH="1">
-            <a:off x="4827408" y="-61195"/>
-            <a:ext cx="174352" cy="4495800"/>
-          </a:xfrm>
-          <a:prstGeom prst="rightBrace">
-            <a:avLst>
-              <a:gd name="adj1" fmla="val 5832"/>
-              <a:gd name="adj2" fmla="val 50374"/>
-            </a:avLst>
-          </a:prstGeom>
-        </p:spPr>
-        <p:style>
-          <a:lnRef idx="3">
-            <a:schemeClr val="accent6"/>
-          </a:lnRef>
-          <a:fillRef idx="0">
-            <a:schemeClr val="accent6"/>
-          </a:fillRef>
-          <a:effectRef idx="2">
-            <a:schemeClr val="accent6"/>
-          </a:effectRef>
-          <a:fontRef idx="minor">
-            <a:schemeClr val="tx1"/>
-          </a:fontRef>
-        </p:style>
-        <p:txBody>
-          <a:bodyPr rtlCol="0" anchor="ctr"/>
-          <a:lstStyle/>
-          <a:p>
-            <a:pPr algn="ctr"/>
-            <a:endParaRPr lang="en-US"/>
-          </a:p>
-        </p:txBody>
-      </p:sp>
-      <p:sp>
-        <p:nvSpPr>
-          <p:cNvPr id="12" name="TextBox 11">
-            <a:extLst>
-              <a:ext uri="{FF2B5EF4-FFF2-40B4-BE49-F238E27FC236}">
-                <a16:creationId xmlns:a16="http://schemas.microsoft.com/office/drawing/2014/main" id="{72C8BF82-496D-091C-50F1-11FC0260FDDD}"/>
-              </a:ext>
-            </a:extLst>
-          </p:cNvPr>
-          <p:cNvSpPr txBox="1"/>
-          <p:nvPr/>
-        </p:nvSpPr>
-        <p:spPr>
-          <a:xfrm>
-            <a:off x="4000591" y="1792941"/>
-            <a:ext cx="1827985" cy="276999"/>
-          </a:xfrm>
-          <a:prstGeom prst="rect">
-            <a:avLst/>
-          </a:prstGeom>
-        </p:spPr>
-        <p:style>
-          <a:lnRef idx="2">
-            <a:schemeClr val="accent6">
-              <a:shade val="15000"/>
-            </a:schemeClr>
-          </a:lnRef>
-          <a:fillRef idx="1">
-            <a:schemeClr val="accent6"/>
-          </a:fillRef>
-          <a:effectRef idx="0">
-            <a:schemeClr val="accent6"/>
-          </a:effectRef>
-          <a:fontRef idx="minor">
-            <a:schemeClr val="lt1"/>
-          </a:fontRef>
-        </p:style>
-        <p:txBody>
-          <a:bodyPr wrap="square" rtlCol="0">
-            <a:spAutoFit/>
-          </a:bodyPr>
-          <a:lstStyle/>
-          <a:p>
-            <a:pPr algn="ctr"/>
-            <a:r>
-              <a:rPr lang="en-US" sz="1200" dirty="0"/>
-              <a:t>99% of the observations</a:t>
-            </a:r>
-          </a:p>
-        </p:txBody>
-      </p:sp>
-      <p:sp>
-        <p:nvSpPr>
-          <p:cNvPr id="13" name="Oval 12">
-            <a:extLst>
-              <a:ext uri="{FF2B5EF4-FFF2-40B4-BE49-F238E27FC236}">
-                <a16:creationId xmlns:a16="http://schemas.microsoft.com/office/drawing/2014/main" id="{18EC83D0-4A58-5632-EDC9-A5FA4BFC8914}"/>
-              </a:ext>
-            </a:extLst>
-          </p:cNvPr>
-          <p:cNvSpPr/>
-          <p:nvPr/>
-        </p:nvSpPr>
-        <p:spPr>
-          <a:xfrm>
-            <a:off x="2514600" y="4648200"/>
-            <a:ext cx="381000" cy="304800"/>
-          </a:xfrm>
-          <a:prstGeom prst="ellipse">
-            <a:avLst/>
-          </a:prstGeom>
-          <a:noFill/>
-          <a:ln w="28575" cap="flat" cmpd="sng" algn="ctr">
-            <a:solidFill>
+        </p:grpSpPr>
+        <p:sp>
+          <p:nvSpPr>
+            <p:cNvPr id="5" name="Right Brace 4">
+              <a:extLst>
+                <a:ext uri="{FF2B5EF4-FFF2-40B4-BE49-F238E27FC236}">
+                  <a16:creationId xmlns:a16="http://schemas.microsoft.com/office/drawing/2014/main" id="{E564F320-3918-4620-8566-2987C88BB6A7}"/>
+                </a:ext>
+              </a:extLst>
+            </p:cNvPr>
+            <p:cNvSpPr/>
+            <p:nvPr/>
+          </p:nvSpPr>
+          <p:spPr>
+            <a:xfrm rot="5400000">
+              <a:off x="4817748" y="5600784"/>
+              <a:ext cx="193674" cy="991224"/>
+            </a:xfrm>
+            <a:prstGeom prst="rightBrace">
+              <a:avLst>
+                <a:gd name="adj1" fmla="val 5832"/>
+                <a:gd name="adj2" fmla="val 50374"/>
+              </a:avLst>
+            </a:prstGeom>
+          </p:spPr>
+          <p:style>
+            <a:lnRef idx="3">
               <a:schemeClr val="accent6"/>
-            </a:solidFill>
-            <a:prstDash val="solid"/>
-            <a:round/>
-            <a:headEnd type="none" w="med" len="med"/>
-            <a:tailEnd type="none" w="med" len="med"/>
-          </a:ln>
-        </p:spPr>
-        <p:style>
-          <a:lnRef idx="0">
-            <a:scrgbClr r="0" g="0" b="0"/>
-          </a:lnRef>
-          <a:fillRef idx="0">
-            <a:scrgbClr r="0" g="0" b="0"/>
-          </a:fillRef>
-          <a:effectRef idx="0">
-            <a:scrgbClr r="0" g="0" b="0"/>
-          </a:effectRef>
-          <a:fontRef idx="minor">
-            <a:schemeClr val="accent6"/>
-          </a:fontRef>
-        </p:style>
-        <p:txBody>
-          <a:bodyPr rtlCol="0" anchor="ctr"/>
-          <a:lstStyle/>
-          <a:p>
-            <a:pPr algn="ctr"/>
-            <a:endParaRPr lang="en-US"/>
-          </a:p>
-        </p:txBody>
-      </p:sp>
-      <p:sp>
-        <p:nvSpPr>
-          <p:cNvPr id="14" name="Oval 13">
-            <a:extLst>
-              <a:ext uri="{FF2B5EF4-FFF2-40B4-BE49-F238E27FC236}">
-                <a16:creationId xmlns:a16="http://schemas.microsoft.com/office/drawing/2014/main" id="{B6A92BFF-5648-5E46-33A0-14CE41ADCAC3}"/>
-              </a:ext>
-            </a:extLst>
-          </p:cNvPr>
-          <p:cNvSpPr/>
-          <p:nvPr/>
-        </p:nvSpPr>
-        <p:spPr>
-          <a:xfrm>
-            <a:off x="6934200" y="4648200"/>
-            <a:ext cx="381000" cy="304800"/>
-          </a:xfrm>
-          <a:prstGeom prst="ellipse">
-            <a:avLst/>
-          </a:prstGeom>
-          <a:noFill/>
-          <a:ln w="28575" cap="flat" cmpd="sng" algn="ctr">
-            <a:solidFill>
+            </a:lnRef>
+            <a:fillRef idx="0">
               <a:schemeClr val="accent6"/>
-            </a:solidFill>
-            <a:prstDash val="solid"/>
-            <a:round/>
-            <a:headEnd type="none" w="med" len="med"/>
-            <a:tailEnd type="none" w="med" len="med"/>
-          </a:ln>
-        </p:spPr>
-        <p:style>
-          <a:lnRef idx="0">
-            <a:scrgbClr r="0" g="0" b="0"/>
-          </a:lnRef>
-          <a:fillRef idx="0">
-            <a:scrgbClr r="0" g="0" b="0"/>
-          </a:fillRef>
-          <a:effectRef idx="0">
-            <a:scrgbClr r="0" g="0" b="0"/>
-          </a:effectRef>
-          <a:fontRef idx="minor">
-            <a:schemeClr val="accent6"/>
-          </a:fontRef>
-        </p:style>
-        <p:txBody>
-          <a:bodyPr rtlCol="0" anchor="ctr"/>
-          <a:lstStyle/>
-          <a:p>
-            <a:pPr algn="ctr"/>
-            <a:endParaRPr lang="en-US"/>
-          </a:p>
-        </p:txBody>
-      </p:sp>
-      <mc:AlternateContent xmlns:mc="http://schemas.openxmlformats.org/markup-compatibility/2006" xmlns:a14="http://schemas.microsoft.com/office/drawing/2010/main">
-        <mc:Choice Requires="a14">
-          <p:sp>
-            <p:nvSpPr>
-              <p:cNvPr id="16" name="TextBox 15">
-                <a:extLst>
-                  <a:ext uri="{FF2B5EF4-FFF2-40B4-BE49-F238E27FC236}">
-                    <a16:creationId xmlns:a16="http://schemas.microsoft.com/office/drawing/2014/main" id="{14010943-6496-BDF9-8535-FA560AE51F9B}"/>
-                  </a:ext>
-                </a:extLst>
-              </p:cNvPr>
-              <p:cNvSpPr txBox="1"/>
-              <p:nvPr/>
-            </p:nvSpPr>
-            <p:spPr>
-              <a:xfrm>
-                <a:off x="4115854" y="6011336"/>
-                <a:ext cx="459228" cy="338554"/>
-              </a:xfrm>
-              <a:prstGeom prst="rect">
-                <a:avLst/>
-              </a:prstGeom>
-              <a:noFill/>
-            </p:spPr>
-            <p:txBody>
-              <a:bodyPr wrap="none" rtlCol="0">
-                <a:spAutoFit/>
-              </a:bodyPr>
-              <a:lstStyle/>
-              <a:p>
-                <a:pPr/>
-                <a14:m>
-                  <m:oMathPara xmlns:m="http://schemas.openxmlformats.org/officeDocument/2006/math">
-                    <m:oMathParaPr>
-                      <m:jc m:val="centerGroup"/>
-                    </m:oMathParaPr>
-                    <m:oMath xmlns:m="http://schemas.openxmlformats.org/officeDocument/2006/math">
-                      <m:sSub>
-                        <m:sSubPr>
-                          <m:ctrlPr>
-                            <a:rPr lang="en-US" sz="1600" b="0" i="1" smtClean="0">
-                              <a:solidFill>
-                                <a:schemeClr val="accent6"/>
-                              </a:solidFill>
-                              <a:latin typeface="Cambria Math" panose="02040503050406030204" pitchFamily="18" charset="0"/>
-                            </a:rPr>
-                          </m:ctrlPr>
-                        </m:sSubPr>
-                        <m:e>
-                          <m:r>
-                            <a:rPr lang="en-US" sz="1600" b="0" i="1" smtClean="0">
-                              <a:solidFill>
-                                <a:schemeClr val="accent6"/>
-                              </a:solidFill>
-                              <a:latin typeface="Cambria Math" panose="02040503050406030204" pitchFamily="18" charset="0"/>
-                            </a:rPr>
-                            <m:t>𝑄</m:t>
-                          </m:r>
-                        </m:e>
-                        <m:sub>
-                          <m:r>
-                            <a:rPr lang="en-US" sz="1600" b="0" i="1" smtClean="0">
-                              <a:solidFill>
-                                <a:schemeClr val="accent6"/>
-                              </a:solidFill>
-                              <a:latin typeface="Cambria Math" panose="02040503050406030204" pitchFamily="18" charset="0"/>
-                            </a:rPr>
-                            <m:t>1</m:t>
-                          </m:r>
-                        </m:sub>
-                      </m:sSub>
-                    </m:oMath>
-                  </m:oMathPara>
-                </a14:m>
-                <a:endParaRPr lang="en-US" sz="1600" dirty="0">
-                  <a:solidFill>
-                    <a:schemeClr val="accent6"/>
-                  </a:solidFill>
-                </a:endParaRPr>
-              </a:p>
-            </p:txBody>
-          </p:sp>
-        </mc:Choice>
-        <mc:Fallback xmlns="">
-          <p:sp>
-            <p:nvSpPr>
-              <p:cNvPr id="16" name="TextBox 15">
-                <a:extLst>
-                  <a:ext uri="{FF2B5EF4-FFF2-40B4-BE49-F238E27FC236}">
-                    <a16:creationId xmlns:a16="http://schemas.microsoft.com/office/drawing/2014/main" id="{14010943-6496-BDF9-8535-FA560AE51F9B}"/>
-                  </a:ext>
-                </a:extLst>
-              </p:cNvPr>
-              <p:cNvSpPr txBox="1">
-                <a:spLocks noRot="1" noChangeAspect="1" noMove="1" noResize="1" noEditPoints="1" noAdjustHandles="1" noChangeArrowheads="1" noChangeShapeType="1" noTextEdit="1"/>
-              </p:cNvSpPr>
-              <p:nvPr/>
-            </p:nvSpPr>
-            <p:spPr>
-              <a:xfrm>
-                <a:off x="4115854" y="6011336"/>
-                <a:ext cx="459228" cy="338554"/>
-              </a:xfrm>
-              <a:prstGeom prst="rect">
-                <a:avLst/>
-              </a:prstGeom>
-              <a:blipFill>
-                <a:blip r:embed="rId9"/>
-                <a:stretch>
-                  <a:fillRect b="-7143"/>
-                </a:stretch>
-              </a:blipFill>
-            </p:spPr>
-            <p:txBody>
-              <a:bodyPr/>
-              <a:lstStyle/>
-              <a:p>
-                <a:r>
-                  <a:rPr lang="en-US">
-                    <a:noFill/>
-                  </a:rPr>
-                  <a:t> </a:t>
-                </a:r>
-              </a:p>
-            </p:txBody>
-          </p:sp>
-        </mc:Fallback>
-      </mc:AlternateContent>
-      <mc:AlternateContent xmlns:mc="http://schemas.openxmlformats.org/markup-compatibility/2006" xmlns:a14="http://schemas.microsoft.com/office/drawing/2010/main">
-        <mc:Choice Requires="a14">
-          <p:sp>
-            <p:nvSpPr>
-              <p:cNvPr id="17" name="TextBox 16">
-                <a:extLst>
-                  <a:ext uri="{FF2B5EF4-FFF2-40B4-BE49-F238E27FC236}">
-                    <a16:creationId xmlns:a16="http://schemas.microsoft.com/office/drawing/2014/main" id="{8D124AD3-6F1B-6962-C30D-B0907E5778D6}"/>
-                  </a:ext>
-                </a:extLst>
-              </p:cNvPr>
-              <p:cNvSpPr txBox="1"/>
-              <p:nvPr/>
-            </p:nvSpPr>
-            <p:spPr>
-              <a:xfrm>
-                <a:off x="5300756" y="6055594"/>
-                <a:ext cx="459228" cy="338554"/>
-              </a:xfrm>
-              <a:prstGeom prst="rect">
-                <a:avLst/>
-              </a:prstGeom>
-              <a:noFill/>
-            </p:spPr>
-            <p:txBody>
-              <a:bodyPr wrap="square" rtlCol="0">
-                <a:spAutoFit/>
-              </a:bodyPr>
-              <a:lstStyle/>
-              <a:p>
-                <a:pPr/>
-                <a14:m>
-                  <m:oMathPara xmlns:m="http://schemas.openxmlformats.org/officeDocument/2006/math">
-                    <m:oMathParaPr>
-                      <m:jc m:val="centerGroup"/>
-                    </m:oMathParaPr>
-                    <m:oMath xmlns:m="http://schemas.openxmlformats.org/officeDocument/2006/math">
-                      <m:sSub>
-                        <m:sSubPr>
-                          <m:ctrlPr>
-                            <a:rPr lang="en-US" sz="1600" b="0" i="1" smtClean="0">
-                              <a:solidFill>
-                                <a:schemeClr val="accent6"/>
-                              </a:solidFill>
-                              <a:latin typeface="Cambria Math" panose="02040503050406030204" pitchFamily="18" charset="0"/>
-                            </a:rPr>
-                          </m:ctrlPr>
-                        </m:sSubPr>
-                        <m:e>
-                          <m:r>
-                            <a:rPr lang="en-US" sz="1600" b="0" i="1" smtClean="0">
-                              <a:solidFill>
-                                <a:schemeClr val="accent6"/>
-                              </a:solidFill>
-                              <a:latin typeface="Cambria Math" panose="02040503050406030204" pitchFamily="18" charset="0"/>
-                            </a:rPr>
-                            <m:t>𝑄</m:t>
-                          </m:r>
-                        </m:e>
-                        <m:sub>
-                          <m:r>
-                            <a:rPr lang="en-US" sz="1600" b="0" i="1" smtClean="0">
-                              <a:solidFill>
-                                <a:schemeClr val="accent6"/>
-                              </a:solidFill>
-                              <a:latin typeface="Cambria Math" panose="02040503050406030204" pitchFamily="18" charset="0"/>
-                            </a:rPr>
-                            <m:t>3</m:t>
-                          </m:r>
-                        </m:sub>
-                      </m:sSub>
-                    </m:oMath>
-                  </m:oMathPara>
-                </a14:m>
-                <a:endParaRPr lang="en-US" sz="1600" dirty="0">
-                  <a:solidFill>
-                    <a:schemeClr val="accent6"/>
-                  </a:solidFill>
-                </a:endParaRPr>
-              </a:p>
-            </p:txBody>
-          </p:sp>
-        </mc:Choice>
-        <mc:Fallback xmlns="">
-          <p:sp>
-            <p:nvSpPr>
-              <p:cNvPr id="17" name="TextBox 16">
-                <a:extLst>
-                  <a:ext uri="{FF2B5EF4-FFF2-40B4-BE49-F238E27FC236}">
-                    <a16:creationId xmlns:a16="http://schemas.microsoft.com/office/drawing/2014/main" id="{8D124AD3-6F1B-6962-C30D-B0907E5778D6}"/>
-                  </a:ext>
-                </a:extLst>
-              </p:cNvPr>
-              <p:cNvSpPr txBox="1">
-                <a:spLocks noRot="1" noChangeAspect="1" noMove="1" noResize="1" noEditPoints="1" noAdjustHandles="1" noChangeArrowheads="1" noChangeShapeType="1" noTextEdit="1"/>
-              </p:cNvSpPr>
-              <p:nvPr/>
-            </p:nvSpPr>
-            <p:spPr>
-              <a:xfrm>
-                <a:off x="5300756" y="6055594"/>
-                <a:ext cx="459228" cy="338554"/>
-              </a:xfrm>
-              <a:prstGeom prst="rect">
-                <a:avLst/>
-              </a:prstGeom>
-              <a:blipFill>
-                <a:blip r:embed="rId10"/>
-                <a:stretch>
-                  <a:fillRect b="-7143"/>
-                </a:stretch>
-              </a:blipFill>
-            </p:spPr>
-            <p:txBody>
-              <a:bodyPr/>
-              <a:lstStyle/>
-              <a:p>
-                <a:r>
-                  <a:rPr lang="en-US">
-                    <a:noFill/>
-                  </a:rPr>
-                  <a:t> </a:t>
-                </a:r>
-              </a:p>
-            </p:txBody>
-          </p:sp>
-        </mc:Fallback>
-      </mc:AlternateContent>
+            </a:fillRef>
+            <a:effectRef idx="2">
+              <a:schemeClr val="accent6"/>
+            </a:effectRef>
+            <a:fontRef idx="minor">
+              <a:schemeClr val="tx1"/>
+            </a:fontRef>
+          </p:style>
+          <p:txBody>
+            <a:bodyPr rtlCol="0" anchor="ctr"/>
+            <a:lstStyle/>
+            <a:p>
+              <a:pPr algn="ctr"/>
+              <a:endParaRPr lang="en-US"/>
+            </a:p>
+          </p:txBody>
+        </p:sp>
+        <p:cxnSp>
+          <p:nvCxnSpPr>
+            <p:cNvPr id="8" name="Straight Connector 7">
+              <a:extLst>
+                <a:ext uri="{FF2B5EF4-FFF2-40B4-BE49-F238E27FC236}">
+                  <a16:creationId xmlns:a16="http://schemas.microsoft.com/office/drawing/2014/main" id="{0B10B672-1EBE-A246-080D-2FA7B67572AF}"/>
+                </a:ext>
+              </a:extLst>
+            </p:cNvPr>
+            <p:cNvCxnSpPr/>
+            <p:nvPr/>
+          </p:nvCxnSpPr>
+          <p:spPr>
+            <a:xfrm>
+              <a:off x="4418973" y="5334000"/>
+              <a:ext cx="0" cy="685800"/>
+            </a:xfrm>
+            <a:prstGeom prst="line">
+              <a:avLst/>
+            </a:prstGeom>
+          </p:spPr>
+          <p:style>
+            <a:lnRef idx="3">
+              <a:schemeClr val="accent6"/>
+            </a:lnRef>
+            <a:fillRef idx="0">
+              <a:schemeClr val="accent6"/>
+            </a:fillRef>
+            <a:effectRef idx="2">
+              <a:schemeClr val="accent6"/>
+            </a:effectRef>
+            <a:fontRef idx="minor">
+              <a:schemeClr val="tx1"/>
+            </a:fontRef>
+          </p:style>
+        </p:cxnSp>
+        <p:cxnSp>
+          <p:nvCxnSpPr>
+            <p:cNvPr id="9" name="Straight Connector 8">
+              <a:extLst>
+                <a:ext uri="{FF2B5EF4-FFF2-40B4-BE49-F238E27FC236}">
+                  <a16:creationId xmlns:a16="http://schemas.microsoft.com/office/drawing/2014/main" id="{A93D2479-399F-C53A-D9C2-A800003CCAB1}"/>
+                </a:ext>
+              </a:extLst>
+            </p:cNvPr>
+            <p:cNvCxnSpPr/>
+            <p:nvPr/>
+          </p:nvCxnSpPr>
+          <p:spPr>
+            <a:xfrm>
+              <a:off x="5410200" y="5334000"/>
+              <a:ext cx="0" cy="685800"/>
+            </a:xfrm>
+            <a:prstGeom prst="line">
+              <a:avLst/>
+            </a:prstGeom>
+          </p:spPr>
+          <p:style>
+            <a:lnRef idx="3">
+              <a:schemeClr val="accent6"/>
+            </a:lnRef>
+            <a:fillRef idx="0">
+              <a:schemeClr val="accent6"/>
+            </a:fillRef>
+            <a:effectRef idx="2">
+              <a:schemeClr val="accent6"/>
+            </a:effectRef>
+            <a:fontRef idx="minor">
+              <a:schemeClr val="tx1"/>
+            </a:fontRef>
+          </p:style>
+        </p:cxnSp>
+        <p:sp>
+          <p:nvSpPr>
+            <p:cNvPr id="10" name="TextBox 9">
+              <a:extLst>
+                <a:ext uri="{FF2B5EF4-FFF2-40B4-BE49-F238E27FC236}">
+                  <a16:creationId xmlns:a16="http://schemas.microsoft.com/office/drawing/2014/main" id="{0E3FC5CD-C9C1-A96C-48CE-A1670A0E5A8D}"/>
+                </a:ext>
+              </a:extLst>
+            </p:cNvPr>
+            <p:cNvSpPr txBox="1"/>
+            <p:nvPr/>
+          </p:nvSpPr>
+          <p:spPr>
+            <a:xfrm>
+              <a:off x="4491007" y="6262041"/>
+              <a:ext cx="880585" cy="461665"/>
+            </a:xfrm>
+            <a:prstGeom prst="rect">
+              <a:avLst/>
+            </a:prstGeom>
+          </p:spPr>
+          <p:style>
+            <a:lnRef idx="2">
+              <a:schemeClr val="accent6">
+                <a:shade val="15000"/>
+              </a:schemeClr>
+            </a:lnRef>
+            <a:fillRef idx="1">
+              <a:schemeClr val="accent6"/>
+            </a:fillRef>
+            <a:effectRef idx="0">
+              <a:schemeClr val="accent6"/>
+            </a:effectRef>
+            <a:fontRef idx="minor">
+              <a:schemeClr val="lt1"/>
+            </a:fontRef>
+          </p:style>
+          <p:txBody>
+            <a:bodyPr wrap="square" rtlCol="0">
+              <a:spAutoFit/>
+            </a:bodyPr>
+            <a:lstStyle/>
+            <a:p>
+              <a:pPr algn="ctr"/>
+              <a:r>
+                <a:rPr lang="en-US" sz="1200" dirty="0"/>
+                <a:t>IQR spans 50%</a:t>
+              </a:r>
+            </a:p>
+          </p:txBody>
+        </p:sp>
+        <mc:AlternateContent xmlns:mc="http://schemas.openxmlformats.org/markup-compatibility/2006">
+          <mc:Choice xmlns:a14="http://schemas.microsoft.com/office/drawing/2010/main" Requires="a14">
+            <p:sp>
+              <p:nvSpPr>
+                <p:cNvPr id="16" name="TextBox 15">
+                  <a:extLst>
+                    <a:ext uri="{FF2B5EF4-FFF2-40B4-BE49-F238E27FC236}">
+                      <a16:creationId xmlns:a16="http://schemas.microsoft.com/office/drawing/2014/main" id="{14010943-6496-BDF9-8535-FA560AE51F9B}"/>
+                    </a:ext>
+                  </a:extLst>
+                </p:cNvPr>
+                <p:cNvSpPr txBox="1"/>
+                <p:nvPr/>
+              </p:nvSpPr>
+              <p:spPr>
+                <a:xfrm>
+                  <a:off x="4115854" y="6011336"/>
+                  <a:ext cx="459228" cy="338554"/>
+                </a:xfrm>
+                <a:prstGeom prst="rect">
+                  <a:avLst/>
+                </a:prstGeom>
+                <a:noFill/>
+              </p:spPr>
+              <p:txBody>
+                <a:bodyPr wrap="none" rtlCol="0">
+                  <a:spAutoFit/>
+                </a:bodyPr>
+                <a:lstStyle/>
+                <a:p>
+                  <a:pPr/>
+                  <a14:m>
+                    <m:oMathPara xmlns:m="http://schemas.openxmlformats.org/officeDocument/2006/math">
+                      <m:oMathParaPr>
+                        <m:jc m:val="centerGroup"/>
+                      </m:oMathParaPr>
+                      <m:oMath xmlns:m="http://schemas.openxmlformats.org/officeDocument/2006/math">
+                        <m:sSub>
+                          <m:sSubPr>
+                            <m:ctrlPr>
+                              <a:rPr lang="en-US" sz="1600" b="0" i="1" smtClean="0">
+                                <a:solidFill>
+                                  <a:schemeClr val="accent6"/>
+                                </a:solidFill>
+                                <a:latin typeface="Cambria Math" panose="02040503050406030204" pitchFamily="18" charset="0"/>
+                              </a:rPr>
+                            </m:ctrlPr>
+                          </m:sSubPr>
+                          <m:e>
+                            <m:r>
+                              <a:rPr lang="en-US" sz="1600" b="0" i="1" smtClean="0">
+                                <a:solidFill>
+                                  <a:schemeClr val="accent6"/>
+                                </a:solidFill>
+                                <a:latin typeface="Cambria Math" panose="02040503050406030204" pitchFamily="18" charset="0"/>
+                              </a:rPr>
+                              <m:t>𝑄</m:t>
+                            </m:r>
+                          </m:e>
+                          <m:sub>
+                            <m:r>
+                              <a:rPr lang="en-US" sz="1600" b="0" i="1" smtClean="0">
+                                <a:solidFill>
+                                  <a:schemeClr val="accent6"/>
+                                </a:solidFill>
+                                <a:latin typeface="Cambria Math" panose="02040503050406030204" pitchFamily="18" charset="0"/>
+                              </a:rPr>
+                              <m:t>1</m:t>
+                            </m:r>
+                          </m:sub>
+                        </m:sSub>
+                      </m:oMath>
+                    </m:oMathPara>
+                  </a14:m>
+                  <a:endParaRPr lang="en-US" sz="1600" dirty="0">
+                    <a:solidFill>
+                      <a:schemeClr val="accent6"/>
+                    </a:solidFill>
+                  </a:endParaRPr>
+                </a:p>
+              </p:txBody>
+            </p:sp>
+          </mc:Choice>
+          <mc:Fallback>
+            <p:sp>
+              <p:nvSpPr>
+                <p:cNvPr id="16" name="TextBox 15">
+                  <a:extLst>
+                    <a:ext uri="{FF2B5EF4-FFF2-40B4-BE49-F238E27FC236}">
+                      <a16:creationId xmlns:a16="http://schemas.microsoft.com/office/drawing/2014/main" id="{14010943-6496-BDF9-8535-FA560AE51F9B}"/>
+                    </a:ext>
+                  </a:extLst>
+                </p:cNvPr>
+                <p:cNvSpPr txBox="1">
+                  <a:spLocks noRot="1" noChangeAspect="1" noMove="1" noResize="1" noEditPoints="1" noAdjustHandles="1" noChangeArrowheads="1" noChangeShapeType="1" noTextEdit="1"/>
+                </p:cNvSpPr>
+                <p:nvPr/>
+              </p:nvSpPr>
+              <p:spPr>
+                <a:xfrm>
+                  <a:off x="4115854" y="6011336"/>
+                  <a:ext cx="459228" cy="338554"/>
+                </a:xfrm>
+                <a:prstGeom prst="rect">
+                  <a:avLst/>
+                </a:prstGeom>
+                <a:blipFill>
+                  <a:blip r:embed="rId8"/>
+                  <a:stretch>
+                    <a:fillRect b="-7143"/>
+                  </a:stretch>
+                </a:blipFill>
+              </p:spPr>
+              <p:txBody>
+                <a:bodyPr/>
+                <a:lstStyle/>
+                <a:p>
+                  <a:r>
+                    <a:rPr lang="en-US">
+                      <a:noFill/>
+                    </a:rPr>
+                    <a:t> </a:t>
+                  </a:r>
+                </a:p>
+              </p:txBody>
+            </p:sp>
+          </mc:Fallback>
+        </mc:AlternateContent>
+        <mc:AlternateContent xmlns:mc="http://schemas.openxmlformats.org/markup-compatibility/2006">
+          <mc:Choice xmlns:a14="http://schemas.microsoft.com/office/drawing/2010/main" Requires="a14">
+            <p:sp>
+              <p:nvSpPr>
+                <p:cNvPr id="17" name="TextBox 16">
+                  <a:extLst>
+                    <a:ext uri="{FF2B5EF4-FFF2-40B4-BE49-F238E27FC236}">
+                      <a16:creationId xmlns:a16="http://schemas.microsoft.com/office/drawing/2014/main" id="{8D124AD3-6F1B-6962-C30D-B0907E5778D6}"/>
+                    </a:ext>
+                  </a:extLst>
+                </p:cNvPr>
+                <p:cNvSpPr txBox="1"/>
+                <p:nvPr/>
+              </p:nvSpPr>
+              <p:spPr>
+                <a:xfrm>
+                  <a:off x="5300756" y="6055594"/>
+                  <a:ext cx="459228" cy="338554"/>
+                </a:xfrm>
+                <a:prstGeom prst="rect">
+                  <a:avLst/>
+                </a:prstGeom>
+                <a:noFill/>
+              </p:spPr>
+              <p:txBody>
+                <a:bodyPr wrap="square" rtlCol="0">
+                  <a:spAutoFit/>
+                </a:bodyPr>
+                <a:lstStyle/>
+                <a:p>
+                  <a:pPr/>
+                  <a14:m>
+                    <m:oMathPara xmlns:m="http://schemas.openxmlformats.org/officeDocument/2006/math">
+                      <m:oMathParaPr>
+                        <m:jc m:val="centerGroup"/>
+                      </m:oMathParaPr>
+                      <m:oMath xmlns:m="http://schemas.openxmlformats.org/officeDocument/2006/math">
+                        <m:sSub>
+                          <m:sSubPr>
+                            <m:ctrlPr>
+                              <a:rPr lang="en-US" sz="1600" b="0" i="1" smtClean="0">
+                                <a:solidFill>
+                                  <a:schemeClr val="accent6"/>
+                                </a:solidFill>
+                                <a:latin typeface="Cambria Math" panose="02040503050406030204" pitchFamily="18" charset="0"/>
+                              </a:rPr>
+                            </m:ctrlPr>
+                          </m:sSubPr>
+                          <m:e>
+                            <m:r>
+                              <a:rPr lang="en-US" sz="1600" b="0" i="1" smtClean="0">
+                                <a:solidFill>
+                                  <a:schemeClr val="accent6"/>
+                                </a:solidFill>
+                                <a:latin typeface="Cambria Math" panose="02040503050406030204" pitchFamily="18" charset="0"/>
+                              </a:rPr>
+                              <m:t>𝑄</m:t>
+                            </m:r>
+                          </m:e>
+                          <m:sub>
+                            <m:r>
+                              <a:rPr lang="en-US" sz="1600" b="0" i="1" smtClean="0">
+                                <a:solidFill>
+                                  <a:schemeClr val="accent6"/>
+                                </a:solidFill>
+                                <a:latin typeface="Cambria Math" panose="02040503050406030204" pitchFamily="18" charset="0"/>
+                              </a:rPr>
+                              <m:t>3</m:t>
+                            </m:r>
+                          </m:sub>
+                        </m:sSub>
+                      </m:oMath>
+                    </m:oMathPara>
+                  </a14:m>
+                  <a:endParaRPr lang="en-US" sz="1600" dirty="0">
+                    <a:solidFill>
+                      <a:schemeClr val="accent6"/>
+                    </a:solidFill>
+                  </a:endParaRPr>
+                </a:p>
+              </p:txBody>
+            </p:sp>
+          </mc:Choice>
+          <mc:Fallback>
+            <p:sp>
+              <p:nvSpPr>
+                <p:cNvPr id="17" name="TextBox 16">
+                  <a:extLst>
+                    <a:ext uri="{FF2B5EF4-FFF2-40B4-BE49-F238E27FC236}">
+                      <a16:creationId xmlns:a16="http://schemas.microsoft.com/office/drawing/2014/main" id="{8D124AD3-6F1B-6962-C30D-B0907E5778D6}"/>
+                    </a:ext>
+                  </a:extLst>
+                </p:cNvPr>
+                <p:cNvSpPr txBox="1">
+                  <a:spLocks noRot="1" noChangeAspect="1" noMove="1" noResize="1" noEditPoints="1" noAdjustHandles="1" noChangeArrowheads="1" noChangeShapeType="1" noTextEdit="1"/>
+                </p:cNvSpPr>
+                <p:nvPr/>
+              </p:nvSpPr>
+              <p:spPr>
+                <a:xfrm>
+                  <a:off x="5300756" y="6055594"/>
+                  <a:ext cx="459228" cy="338554"/>
+                </a:xfrm>
+                <a:prstGeom prst="rect">
+                  <a:avLst/>
+                </a:prstGeom>
+                <a:blipFill>
+                  <a:blip r:embed="rId9"/>
+                  <a:stretch>
+                    <a:fillRect b="-7143"/>
+                  </a:stretch>
+                </a:blipFill>
+              </p:spPr>
+              <p:txBody>
+                <a:bodyPr/>
+                <a:lstStyle/>
+                <a:p>
+                  <a:r>
+                    <a:rPr lang="en-US">
+                      <a:noFill/>
+                    </a:rPr>
+                    <a:t> </a:t>
+                  </a:r>
+                </a:p>
+              </p:txBody>
+            </p:sp>
+          </mc:Fallback>
+        </mc:AlternateContent>
+      </p:grpSp>
     </p:spTree>
   </p:cSld>
   <p:clrMapOvr>
@@ -18323,7 +18365,145 @@
         <p:cTn id="1" dur="indefinite" restart="never" nodeType="tmRoot">
           <p:childTnLst>
             <p:seq concurrent="1" nextAc="seek">
-              <p:cTn id="2" dur="0" nodeType="mainSeq"/>
+              <p:cTn id="2" dur="indefinite" nodeType="mainSeq">
+                <p:childTnLst>
+                  <p:par>
+                    <p:cTn id="3" fill="hold">
+                      <p:stCondLst>
+                        <p:cond delay="indefinite"/>
+                      </p:stCondLst>
+                      <p:childTnLst>
+                        <p:par>
+                          <p:cTn id="4" fill="hold">
+                            <p:stCondLst>
+                              <p:cond delay="0"/>
+                            </p:stCondLst>
+                            <p:childTnLst>
+                              <p:par>
+                                <p:cTn id="5" presetID="1" presetClass="entr" presetSubtype="0" fill="hold" grpId="0" nodeType="clickEffect">
+                                  <p:stCondLst>
+                                    <p:cond delay="0"/>
+                                  </p:stCondLst>
+                                  <p:childTnLst>
+                                    <p:set>
+                                      <p:cBhvr>
+                                        <p:cTn id="6" dur="1" fill="hold">
+                                          <p:stCondLst>
+                                            <p:cond delay="0"/>
+                                          </p:stCondLst>
+                                        </p:cTn>
+                                        <p:tgtEl>
+                                          <p:spTgt spid="6"/>
+                                        </p:tgtEl>
+                                        <p:attrNameLst>
+                                          <p:attrName>style.visibility</p:attrName>
+                                        </p:attrNameLst>
+                                      </p:cBhvr>
+                                      <p:to>
+                                        <p:strVal val="visible"/>
+                                      </p:to>
+                                    </p:set>
+                                  </p:childTnLst>
+                                </p:cTn>
+                              </p:par>
+                            </p:childTnLst>
+                          </p:cTn>
+                        </p:par>
+                      </p:childTnLst>
+                    </p:cTn>
+                  </p:par>
+                  <p:par>
+                    <p:cTn id="7" fill="hold">
+                      <p:stCondLst>
+                        <p:cond delay="indefinite"/>
+                      </p:stCondLst>
+                      <p:childTnLst>
+                        <p:par>
+                          <p:cTn id="8" fill="hold">
+                            <p:stCondLst>
+                              <p:cond delay="0"/>
+                            </p:stCondLst>
+                            <p:childTnLst>
+                              <p:par>
+                                <p:cTn id="9" presetID="1" presetClass="entr" presetSubtype="0" fill="hold" nodeType="clickEffect">
+                                  <p:stCondLst>
+                                    <p:cond delay="0"/>
+                                  </p:stCondLst>
+                                  <p:childTnLst>
+                                    <p:set>
+                                      <p:cBhvr>
+                                        <p:cTn id="10" dur="1" fill="hold">
+                                          <p:stCondLst>
+                                            <p:cond delay="0"/>
+                                          </p:stCondLst>
+                                        </p:cTn>
+                                        <p:tgtEl>
+                                          <p:spTgt spid="2"/>
+                                        </p:tgtEl>
+                                        <p:attrNameLst>
+                                          <p:attrName>style.visibility</p:attrName>
+                                        </p:attrNameLst>
+                                      </p:cBhvr>
+                                      <p:to>
+                                        <p:strVal val="visible"/>
+                                      </p:to>
+                                    </p:set>
+                                  </p:childTnLst>
+                                </p:cTn>
+                              </p:par>
+                            </p:childTnLst>
+                          </p:cTn>
+                        </p:par>
+                      </p:childTnLst>
+                    </p:cTn>
+                  </p:par>
+                  <p:par>
+                    <p:cTn id="11" fill="hold">
+                      <p:stCondLst>
+                        <p:cond delay="indefinite"/>
+                      </p:stCondLst>
+                      <p:childTnLst>
+                        <p:par>
+                          <p:cTn id="12" fill="hold">
+                            <p:stCondLst>
+                              <p:cond delay="0"/>
+                            </p:stCondLst>
+                            <p:childTnLst>
+                              <p:par>
+                                <p:cTn id="13" presetID="1" presetClass="entr" presetSubtype="0" fill="hold" nodeType="clickEffect">
+                                  <p:stCondLst>
+                                    <p:cond delay="0"/>
+                                  </p:stCondLst>
+                                  <p:childTnLst>
+                                    <p:set>
+                                      <p:cBhvr>
+                                        <p:cTn id="14" dur="1" fill="hold">
+                                          <p:stCondLst>
+                                            <p:cond delay="0"/>
+                                          </p:stCondLst>
+                                        </p:cTn>
+                                        <p:tgtEl>
+                                          <p:spTgt spid="4"/>
+                                        </p:tgtEl>
+                                        <p:attrNameLst>
+                                          <p:attrName>style.visibility</p:attrName>
+                                        </p:attrNameLst>
+                                      </p:cBhvr>
+                                      <p:to>
+                                        <p:strVal val="visible"/>
+                                      </p:to>
+                                    </p:set>
+                                  </p:childTnLst>
+                                </p:cTn>
+                              </p:par>
+                            </p:childTnLst>
+                          </p:cTn>
+                        </p:par>
+                      </p:childTnLst>
+                    </p:cTn>
+                  </p:par>
+                </p:childTnLst>
+              </p:cTn>
               <p:prevCondLst>
                 <p:cond evt="onPrev" delay="0">
                   <p:tgtEl>
@@ -18343,6 +18523,9 @@
         </p:cTn>
       </p:par>
     </p:tnLst>
+    <p:bldLst>
+      <p:bldP spid="6" grpId="0" animBg="1"/>
+    </p:bldLst>
   </p:timing>
 </p:sld>
 </file>
@@ -18816,7 +18999,7 @@
           </p:nvPr>
         </p:nvGraphicFramePr>
         <p:xfrm>
-          <a:off x="3118729" y="3570494"/>
+          <a:off x="3119438" y="3570288"/>
           <a:ext cx="2112962" cy="769937"/>
         </p:xfrm>
         <a:graphic>
@@ -18859,7 +19042,7 @@
                     </p:blipFill>
                     <p:spPr bwMode="auto">
                       <a:xfrm>
-                        <a:off x="3118729" y="3570494"/>
+                        <a:off x="3119438" y="3570288"/>
                         <a:ext cx="2112962" cy="769937"/>
                       </a:xfrm>
                       <a:prstGeom prst="rect">
@@ -23627,7 +23810,7 @@
         </p:spPr>
         <p:txBody>
           <a:bodyPr>
-            <a:normAutofit fontScale="85000" lnSpcReduction="20000"/>
+            <a:normAutofit fontScale="77500" lnSpcReduction="20000"/>
           </a:bodyPr>
           <a:lstStyle/>
           <a:p>
@@ -31736,6 +31919,15 @@
         <p:blipFill>
           <a:blip r:embed="rId2">
             <a:extLst>
+              <a:ext uri="{BEBA8EAE-BF5A-486C-A8C5-ECC9F3942E4B}">
+                <a14:imgProps xmlns:a14="http://schemas.microsoft.com/office/drawing/2010/main">
+                  <a14:imgLayer r:embed="rId3">
+                    <a14:imgEffect>
+                      <a14:saturation sat="0"/>
+                    </a14:imgEffect>
+                  </a14:imgLayer>
+                </a14:imgProps>
+              </a:ext>
               <a:ext uri="{28A0092B-C50C-407E-A947-70E740481C1C}">
                 <a14:useLocalDpi xmlns:a14="http://schemas.microsoft.com/office/drawing/2010/main" val="0"/>
               </a:ext>
@@ -31808,10 +32000,10 @@
           <p:nvPr/>
         </p:nvPicPr>
         <p:blipFill rotWithShape="1">
-          <a:blip r:embed="rId3">
+          <a:blip r:embed="rId4">
             <a:duotone>
               <a:prstClr val="black"/>
-              <a:schemeClr val="accent2">
+              <a:schemeClr val="accent1">
                 <a:tint val="45000"/>
                 <a:satMod val="400000"/>
               </a:schemeClr>
@@ -34366,7 +34558,7 @@
         </p:spPr>
         <p:txBody>
           <a:bodyPr>
-            <a:normAutofit/>
+            <a:normAutofit lnSpcReduction="10000"/>
           </a:bodyPr>
           <a:lstStyle/>
           <a:p>
@@ -39011,7 +39203,7 @@
         </p:spPr>
         <p:txBody>
           <a:bodyPr>
-            <a:normAutofit fontScale="92500"/>
+            <a:normAutofit fontScale="92500" lnSpcReduction="10000"/>
           </a:bodyPr>
           <a:lstStyle/>
           <a:p>
@@ -39099,7 +39291,7 @@
 <file path=ppt/theme/theme1.xml><?xml version="1.0" encoding="utf-8"?>
 <a:theme xmlns:a="http://schemas.openxmlformats.org/drawingml/2006/main" name="1_Office Theme">
   <a:themeElements>
-    <a:clrScheme name="Office">
+    <a:clrScheme name="AI_high_contrast">
       <a:dk1>
         <a:sysClr val="windowText" lastClr="000000"/>
       </a:dk1>
@@ -39107,39 +39299,39 @@
         <a:sysClr val="window" lastClr="FFFFFF"/>
       </a:lt1>
       <a:dk2>
-        <a:srgbClr val="44546A"/>
+        <a:srgbClr val="0E2841"/>
       </a:dk2>
       <a:lt2>
-        <a:srgbClr val="E7E6E6"/>
+        <a:srgbClr val="E8E8E8"/>
       </a:lt2>
       <a:accent1>
-        <a:srgbClr val="4472C4"/>
+        <a:srgbClr val="156082"/>
       </a:accent1>
       <a:accent2>
-        <a:srgbClr val="ED7D31"/>
+        <a:srgbClr val="BE4D14"/>
       </a:accent2>
       <a:accent3>
-        <a:srgbClr val="A5A5A5"/>
+        <a:srgbClr val="196B24"/>
       </a:accent3>
       <a:accent4>
-        <a:srgbClr val="FFC000"/>
+        <a:srgbClr val="0F9ED5"/>
       </a:accent4>
       <a:accent5>
-        <a:srgbClr val="5B9BD5"/>
+        <a:srgbClr val="A02B93"/>
       </a:accent5>
       <a:accent6>
-        <a:srgbClr val="70AD47"/>
+        <a:srgbClr val="377620"/>
       </a:accent6>
       <a:hlink>
-        <a:srgbClr val="0563C1"/>
+        <a:srgbClr val="467886"/>
       </a:hlink>
       <a:folHlink>
-        <a:srgbClr val="954F72"/>
+        <a:srgbClr val="96607D"/>
       </a:folHlink>
     </a:clrScheme>
     <a:fontScheme name="Office">
       <a:majorFont>
-        <a:latin typeface="Calibri Light" panose="020F0302020204030204"/>
+        <a:latin typeface="Aptos Display" panose="02110004020202020204"/>
         <a:ea typeface=""/>
         <a:cs typeface=""/>
         <a:font script="Jpan" typeface="游ゴシック Light"/>
@@ -39191,7 +39383,7 @@
         <a:font script="Tfng" typeface="Ebrima"/>
       </a:majorFont>
       <a:minorFont>
-        <a:latin typeface="Calibri" panose="020F0502020204030204"/>
+        <a:latin typeface="Aptos" panose="02110004020202020204"/>
         <a:ea typeface=""/>
         <a:cs typeface=""/>
         <a:font script="Jpan" typeface="游ゴシック"/>

--- a/slides/chap2_exploration.pptx
+++ b/slides/chap2_exploration.pptx
@@ -2622,7 +2622,7 @@
           </a:pPr>
           <a:r>
             <a:rPr lang="en-US" dirty="0"/>
-            <a:t>* Can detect general patterns and trends</a:t>
+            <a:t>- Can detect general patterns and trends</a:t>
           </a:r>
         </a:p>
       </dgm:t>
@@ -2662,7 +2662,7 @@
           </a:pPr>
           <a:r>
             <a:rPr lang="en-US" dirty="0"/>
-            <a:t>* Can detect outliers and unusual patterns   </a:t>
+            <a:t>- Can detect outliers and unusual patterns   </a:t>
           </a:r>
         </a:p>
       </dgm:t>
@@ -3339,8 +3339,8 @@
       </dsp:nvSpPr>
       <dsp:spPr>
         <a:xfrm>
-          <a:off x="0" y="710968"/>
-          <a:ext cx="7886700" cy="1304705"/>
+          <a:off x="0" y="708097"/>
+          <a:ext cx="7886700" cy="1307257"/>
         </a:xfrm>
         <a:prstGeom prst="roundRect">
           <a:avLst>
@@ -3380,8 +3380,8 @@
       </dsp:nvSpPr>
       <dsp:spPr>
         <a:xfrm>
-          <a:off x="394673" y="1004527"/>
-          <a:ext cx="717587" cy="717587"/>
+          <a:off x="395445" y="1002230"/>
+          <a:ext cx="718991" cy="718991"/>
         </a:xfrm>
         <a:prstGeom prst="rect">
           <a:avLst/>
@@ -3430,8 +3430,8 @@
       </dsp:nvSpPr>
       <dsp:spPr>
         <a:xfrm>
-          <a:off x="1506934" y="710968"/>
-          <a:ext cx="6378292" cy="1304705"/>
+          <a:off x="1509882" y="708097"/>
+          <a:ext cx="6376817" cy="1307257"/>
         </a:xfrm>
         <a:prstGeom prst="rect">
           <a:avLst/>
@@ -3455,7 +3455,7 @@
         <a:fontRef idx="minor"/>
       </dsp:style>
       <dsp:txBody>
-        <a:bodyPr spcFirstLastPara="0" vert="horz" wrap="square" lIns="138081" tIns="138081" rIns="138081" bIns="138081" numCol="1" spcCol="1270" anchor="ctr" anchorCtr="0">
+        <a:bodyPr spcFirstLastPara="0" vert="horz" wrap="square" lIns="138351" tIns="138351" rIns="138351" bIns="138351" numCol="1" spcCol="1270" anchor="ctr" anchorCtr="0">
           <a:noAutofit/>
         </a:bodyPr>
         <a:lstStyle/>
@@ -3495,8 +3495,8 @@
         </a:p>
       </dsp:txBody>
       <dsp:txXfrm>
-        <a:off x="1506934" y="710968"/>
-        <a:ext cx="6378292" cy="1304705"/>
+        <a:off x="1509882" y="708097"/>
+        <a:ext cx="6376817" cy="1307257"/>
       </dsp:txXfrm>
     </dsp:sp>
     <dsp:sp modelId="{C11B9430-4341-4FF2-A9D3-7710C419645D}">
@@ -3506,8 +3506,8 @@
       </dsp:nvSpPr>
       <dsp:spPr>
         <a:xfrm>
-          <a:off x="0" y="2341850"/>
-          <a:ext cx="7886700" cy="1304705"/>
+          <a:off x="0" y="2342169"/>
+          <a:ext cx="7886700" cy="1307257"/>
         </a:xfrm>
         <a:prstGeom prst="roundRect">
           <a:avLst>
@@ -3547,8 +3547,8 @@
       </dsp:nvSpPr>
       <dsp:spPr>
         <a:xfrm>
-          <a:off x="394673" y="2635408"/>
-          <a:ext cx="717587" cy="717587"/>
+          <a:off x="395445" y="2636302"/>
+          <a:ext cx="718991" cy="718991"/>
         </a:xfrm>
         <a:prstGeom prst="rect">
           <a:avLst/>
@@ -3597,8 +3597,8 @@
       </dsp:nvSpPr>
       <dsp:spPr>
         <a:xfrm>
-          <a:off x="1506934" y="2341850"/>
-          <a:ext cx="3549015" cy="1304705"/>
+          <a:off x="1509882" y="2342169"/>
+          <a:ext cx="3549015" cy="1307257"/>
         </a:xfrm>
         <a:prstGeom prst="rect">
           <a:avLst/>
@@ -3622,7 +3622,7 @@
         <a:fontRef idx="minor"/>
       </dsp:style>
       <dsp:txBody>
-        <a:bodyPr spcFirstLastPara="0" vert="horz" wrap="square" lIns="138081" tIns="138081" rIns="138081" bIns="138081" numCol="1" spcCol="1270" anchor="ctr" anchorCtr="0">
+        <a:bodyPr spcFirstLastPara="0" vert="horz" wrap="square" lIns="138351" tIns="138351" rIns="138351" bIns="138351" numCol="1" spcCol="1270" anchor="ctr" anchorCtr="0">
           <a:noAutofit/>
         </a:bodyPr>
         <a:lstStyle/>
@@ -3646,8 +3646,8 @@
         </a:p>
       </dsp:txBody>
       <dsp:txXfrm>
-        <a:off x="1506934" y="2341850"/>
-        <a:ext cx="3549015" cy="1304705"/>
+        <a:off x="1509882" y="2342169"/>
+        <a:ext cx="3549015" cy="1307257"/>
       </dsp:txXfrm>
     </dsp:sp>
     <dsp:sp modelId="{43E5B5E3-9918-4C80-93A1-04BA164C06C5}">
@@ -3657,8 +3657,8 @@
       </dsp:nvSpPr>
       <dsp:spPr>
         <a:xfrm>
-          <a:off x="5055949" y="2341850"/>
-          <a:ext cx="2829277" cy="1304705"/>
+          <a:off x="5058897" y="2342169"/>
+          <a:ext cx="2827802" cy="1307257"/>
         </a:xfrm>
         <a:prstGeom prst="rect">
           <a:avLst/>
@@ -3682,7 +3682,7 @@
         <a:fontRef idx="minor"/>
       </dsp:style>
       <dsp:txBody>
-        <a:bodyPr spcFirstLastPara="0" vert="horz" wrap="square" lIns="138081" tIns="138081" rIns="138081" bIns="138081" numCol="1" spcCol="1270" anchor="ctr" anchorCtr="0">
+        <a:bodyPr spcFirstLastPara="0" vert="horz" wrap="square" lIns="138351" tIns="138351" rIns="138351" bIns="138351" numCol="1" spcCol="1270" anchor="ctr" anchorCtr="0">
           <a:noAutofit/>
         </a:bodyPr>
         <a:lstStyle/>
@@ -3720,7 +3720,7 @@
           </a:pPr>
           <a:r>
             <a:rPr lang="en-US" sz="1100" kern="1200" dirty="0"/>
-            <a:t>* Can detect general patterns and trends</a:t>
+            <a:t>- Can detect general patterns and trends</a:t>
           </a:r>
         </a:p>
         <a:p>
@@ -3739,13 +3739,13 @@
           </a:pPr>
           <a:r>
             <a:rPr lang="en-US" sz="1100" kern="1200" dirty="0"/>
-            <a:t>* Can detect outliers and unusual patterns   </a:t>
+            <a:t>- Can detect outliers and unusual patterns   </a:t>
           </a:r>
         </a:p>
       </dsp:txBody>
       <dsp:txXfrm>
-        <a:off x="5055949" y="2341850"/>
-        <a:ext cx="2829277" cy="1304705"/>
+        <a:off x="5058897" y="2342169"/>
+        <a:ext cx="2827802" cy="1307257"/>
       </dsp:txXfrm>
     </dsp:sp>
   </dsp:spTree>
@@ -11523,7 +11523,7 @@
           <a:p>
             <a:fld id="{AEE3A5ED-0979-46C2-BDB3-6C1F641153D0}" type="datetimeFigureOut">
               <a:rPr lang="en-US" smtClean="0"/>
-              <a:t>2/14/2025</a:t>
+              <a:t>2/24/2025</a:t>
             </a:fld>
             <a:endParaRPr lang="en-US"/>
           </a:p>
@@ -11721,7 +11721,7 @@
           <a:p>
             <a:fld id="{AEE3A5ED-0979-46C2-BDB3-6C1F641153D0}" type="datetimeFigureOut">
               <a:rPr lang="en-US" smtClean="0"/>
-              <a:t>2/14/2025</a:t>
+              <a:t>2/24/2025</a:t>
             </a:fld>
             <a:endParaRPr lang="en-US"/>
           </a:p>
@@ -11929,7 +11929,7 @@
           <a:p>
             <a:fld id="{AEE3A5ED-0979-46C2-BDB3-6C1F641153D0}" type="datetimeFigureOut">
               <a:rPr lang="en-US" smtClean="0"/>
-              <a:t>2/14/2025</a:t>
+              <a:t>2/24/2025</a:t>
             </a:fld>
             <a:endParaRPr lang="en-US"/>
           </a:p>
@@ -12829,7 +12829,7 @@
           <a:p>
             <a:fld id="{AEE3A5ED-0979-46C2-BDB3-6C1F641153D0}" type="datetimeFigureOut">
               <a:rPr lang="en-US" smtClean="0"/>
-              <a:t>2/14/2025</a:t>
+              <a:t>2/24/2025</a:t>
             </a:fld>
             <a:endParaRPr lang="en-US"/>
           </a:p>
@@ -13104,7 +13104,7 @@
           <a:p>
             <a:fld id="{AEE3A5ED-0979-46C2-BDB3-6C1F641153D0}" type="datetimeFigureOut">
               <a:rPr lang="en-US" smtClean="0"/>
-              <a:t>2/14/2025</a:t>
+              <a:t>2/24/2025</a:t>
             </a:fld>
             <a:endParaRPr lang="en-US"/>
           </a:p>
@@ -13369,7 +13369,7 @@
           <a:p>
             <a:fld id="{AEE3A5ED-0979-46C2-BDB3-6C1F641153D0}" type="datetimeFigureOut">
               <a:rPr lang="en-US" smtClean="0"/>
-              <a:t>2/14/2025</a:t>
+              <a:t>2/24/2025</a:t>
             </a:fld>
             <a:endParaRPr lang="en-US"/>
           </a:p>
@@ -13781,7 +13781,7 @@
           <a:p>
             <a:fld id="{AEE3A5ED-0979-46C2-BDB3-6C1F641153D0}" type="datetimeFigureOut">
               <a:rPr lang="en-US" smtClean="0"/>
-              <a:t>2/14/2025</a:t>
+              <a:t>2/24/2025</a:t>
             </a:fld>
             <a:endParaRPr lang="en-US"/>
           </a:p>
@@ -13922,7 +13922,7 @@
           <a:p>
             <a:fld id="{AEE3A5ED-0979-46C2-BDB3-6C1F641153D0}" type="datetimeFigureOut">
               <a:rPr lang="en-US" smtClean="0"/>
-              <a:t>2/14/2025</a:t>
+              <a:t>2/24/2025</a:t>
             </a:fld>
             <a:endParaRPr lang="en-US"/>
           </a:p>
@@ -14035,7 +14035,7 @@
           <a:p>
             <a:fld id="{AEE3A5ED-0979-46C2-BDB3-6C1F641153D0}" type="datetimeFigureOut">
               <a:rPr lang="en-US" smtClean="0"/>
-              <a:t>2/14/2025</a:t>
+              <a:t>2/24/2025</a:t>
             </a:fld>
             <a:endParaRPr lang="en-US"/>
           </a:p>
@@ -14346,7 +14346,7 @@
           <a:p>
             <a:fld id="{AEE3A5ED-0979-46C2-BDB3-6C1F641153D0}" type="datetimeFigureOut">
               <a:rPr lang="en-US" smtClean="0"/>
-              <a:t>2/14/2025</a:t>
+              <a:t>2/24/2025</a:t>
             </a:fld>
             <a:endParaRPr lang="en-US"/>
           </a:p>
@@ -14634,7 +14634,7 @@
           <a:p>
             <a:fld id="{AEE3A5ED-0979-46C2-BDB3-6C1F641153D0}" type="datetimeFigureOut">
               <a:rPr lang="en-US" smtClean="0"/>
-              <a:t>2/14/2025</a:t>
+              <a:t>2/24/2025</a:t>
             </a:fld>
             <a:endParaRPr lang="en-US"/>
           </a:p>
@@ -14875,7 +14875,7 @@
           <a:p>
             <a:fld id="{AEE3A5ED-0979-46C2-BDB3-6C1F641153D0}" type="datetimeFigureOut">
               <a:rPr lang="en-US" smtClean="0"/>
-              <a:t>2/14/2025</a:t>
+              <a:t>2/24/2025</a:t>
             </a:fld>
             <a:endParaRPr lang="en-US"/>
           </a:p>
@@ -18897,138 +18897,809 @@
           </a:p>
         </p:txBody>
       </p:sp>
-      <p:graphicFrame>
-        <p:nvGraphicFramePr>
-          <p:cNvPr id="2" name="Object 3">
-            <a:extLst>
-              <a:ext uri="{FF2B5EF4-FFF2-40B4-BE49-F238E27FC236}">
-                <a16:creationId xmlns:a16="http://schemas.microsoft.com/office/drawing/2014/main" id="{1EED29DA-EEFB-468C-9E9E-12AE6A9F5118}"/>
-              </a:ext>
-            </a:extLst>
-          </p:cNvPr>
-          <p:cNvGraphicFramePr>
-            <a:graphicFrameLocks noChangeAspect="1"/>
-          </p:cNvGraphicFramePr>
-          <p:nvPr>
-            <p:extLst>
-              <p:ext uri="{D42A27DB-BD31-4B8C-83A1-F6EECF244321}">
-                <p14:modId xmlns:p14="http://schemas.microsoft.com/office/powerpoint/2010/main" val="3091541899"/>
-              </p:ext>
-            </p:extLst>
-          </p:nvPr>
-        </p:nvGraphicFramePr>
-        <p:xfrm>
-          <a:off x="3119438" y="3570288"/>
-          <a:ext cx="2112962" cy="769937"/>
-        </p:xfrm>
-        <a:graphic>
-          <a:graphicData uri="http://schemas.openxmlformats.org/presentationml/2006/ole">
-            <mc:AlternateContent xmlns:mc="http://schemas.openxmlformats.org/markup-compatibility/2006">
-              <mc:Choice xmlns:v="urn:schemas-microsoft-com:vml" Requires="v">
-                <p:oleObj r:id="rId3" imgW="2113920" imgH="774360" progId="">
-                  <p:embed/>
-                </p:oleObj>
-              </mc:Choice>
-              <mc:Fallback>
-                <p:oleObj r:id="rId3" imgW="2113920" imgH="774360" progId="">
-                  <p:embed/>
-                  <p:pic>
-                    <p:nvPicPr>
-                      <p:cNvPr id="71683" name="Object 3">
-                        <a:extLst>
-                          <a:ext uri="{FF2B5EF4-FFF2-40B4-BE49-F238E27FC236}">
-                            <a16:creationId xmlns:a16="http://schemas.microsoft.com/office/drawing/2014/main" id="{1EED29DA-EEFB-468C-9E9E-12AE6A9F5118}"/>
-                          </a:ext>
-                        </a:extLst>
-                      </p:cNvPr>
-                      <p:cNvPicPr>
-                        <a:picLocks noChangeAspect="1" noChangeArrowheads="1"/>
-                      </p:cNvPicPr>
-                      <p:nvPr/>
-                    </p:nvPicPr>
-                    <p:blipFill>
-                      <a:blip r:embed="rId4">
-                        <a:extLst>
-                          <a:ext uri="{28A0092B-C50C-407E-A947-70E740481C1C}">
-                            <a14:useLocalDpi xmlns:a14="http://schemas.microsoft.com/office/drawing/2010/main" val="0"/>
-                          </a:ext>
-                        </a:extLst>
-                      </a:blip>
-                      <a:srcRect/>
-                      <a:stretch>
-                        <a:fillRect/>
-                      </a:stretch>
-                    </p:blipFill>
-                    <p:spPr bwMode="auto">
-                      <a:xfrm>
-                        <a:off x="3119438" y="3570288"/>
-                        <a:ext cx="2112962" cy="769937"/>
-                      </a:xfrm>
-                      <a:prstGeom prst="rect">
-                        <a:avLst/>
-                      </a:prstGeom>
-                      <a:noFill/>
-                      <a:effectLst/>
-                      <a:extLst>
-                        <a:ext uri="{909E8E84-426E-40DD-AFC4-6F175D3DCCD1}">
-                          <a14:hiddenFill xmlns:a14="http://schemas.microsoft.com/office/drawing/2010/main">
-                            <a:blipFill dpi="0" rotWithShape="0">
-                              <a:blip/>
-                              <a:srcRect/>
-                              <a:stretch>
-                                <a:fillRect/>
-                              </a:stretch>
-                            </a:blipFill>
-                          </a14:hiddenFill>
-                        </a:ext>
-                        <a:ext uri="{AF507438-7753-43E0-B8FC-AC1667EBCBE1}">
-                          <a14:hiddenEffects xmlns:a14="http://schemas.microsoft.com/office/drawing/2010/main">
-                            <a:effectLst>
-                              <a:outerShdw dist="35921" dir="2700000" algn="ctr" rotWithShape="0">
-                                <a:srgbClr val="808080"/>
-                              </a:outerShdw>
-                            </a:effectLst>
-                          </a14:hiddenEffects>
-                        </a:ext>
-                      </a:extLst>
-                    </p:spPr>
-                  </p:pic>
-                </p:oleObj>
-              </mc:Fallback>
-            </mc:AlternateContent>
-          </a:graphicData>
-        </a:graphic>
-      </p:graphicFrame>
-      <p:pic>
-        <p:nvPicPr>
-          <p:cNvPr id="3" name="Picture 2">
-            <a:extLst>
-              <a:ext uri="{FF2B5EF4-FFF2-40B4-BE49-F238E27FC236}">
-                <a16:creationId xmlns:a16="http://schemas.microsoft.com/office/drawing/2014/main" id="{7C45D6FF-A426-491C-89C4-9F36C1CC532B}"/>
-              </a:ext>
-            </a:extLst>
-          </p:cNvPr>
-          <p:cNvPicPr>
-            <a:picLocks noChangeAspect="1"/>
-          </p:cNvPicPr>
-          <p:nvPr/>
-        </p:nvPicPr>
-        <p:blipFill>
-          <a:blip r:embed="rId5"/>
-          <a:stretch>
-            <a:fillRect/>
-          </a:stretch>
-        </p:blipFill>
-        <p:spPr>
-          <a:xfrm>
-            <a:off x="2514600" y="4572000"/>
-            <a:ext cx="3321221" cy="882695"/>
-          </a:xfrm>
-          <a:prstGeom prst="rect">
-            <a:avLst/>
-          </a:prstGeom>
-        </p:spPr>
-      </p:pic>
+      <mc:AlternateContent xmlns:mc="http://schemas.openxmlformats.org/markup-compatibility/2006" xmlns:a14="http://schemas.microsoft.com/office/drawing/2010/main">
+        <mc:Choice Requires="a14">
+          <p:sp>
+            <p:nvSpPr>
+              <p:cNvPr id="4" name="TextBox 3">
+                <a:extLst>
+                  <a:ext uri="{FF2B5EF4-FFF2-40B4-BE49-F238E27FC236}">
+                    <a16:creationId xmlns:a16="http://schemas.microsoft.com/office/drawing/2014/main" id="{C1F1AF7A-F48B-533B-8253-2867A18ED38B}"/>
+                  </a:ext>
+                </a:extLst>
+              </p:cNvPr>
+              <p:cNvSpPr txBox="1"/>
+              <p:nvPr/>
+            </p:nvSpPr>
+            <p:spPr>
+              <a:xfrm>
+                <a:off x="3028357" y="3657600"/>
+                <a:ext cx="2293705" cy="768993"/>
+              </a:xfrm>
+              <a:prstGeom prst="rect">
+                <a:avLst/>
+              </a:prstGeom>
+              <a:noFill/>
+            </p:spPr>
+            <p:txBody>
+              <a:bodyPr wrap="none" lIns="0" tIns="0" rIns="0" bIns="0" rtlCol="0">
+                <a:spAutoFit/>
+              </a:bodyPr>
+              <a:lstStyle/>
+              <a:p>
+                <a:pPr/>
+                <a14:m>
+                  <m:oMathPara xmlns:m="http://schemas.openxmlformats.org/officeDocument/2006/math">
+                    <m:oMathParaPr>
+                      <m:jc m:val="centerGroup"/>
+                    </m:oMathParaPr>
+                    <m:oMath xmlns:m="http://schemas.openxmlformats.org/officeDocument/2006/math">
+                      <m:r>
+                        <a:rPr lang="en-US" b="0" i="1" smtClean="0">
+                          <a:solidFill>
+                            <a:schemeClr val="tx1"/>
+                          </a:solidFill>
+                          <a:latin typeface="Cambria Math" panose="02040503050406030204" pitchFamily="18" charset="0"/>
+                        </a:rPr>
+                        <m:t>𝜌</m:t>
+                      </m:r>
+                      <m:r>
+                        <a:rPr lang="en-US" b="0" i="1" smtClean="0">
+                          <a:solidFill>
+                            <a:schemeClr val="tx1"/>
+                          </a:solidFill>
+                          <a:latin typeface="Cambria Math" panose="02040503050406030204" pitchFamily="18" charset="0"/>
+                        </a:rPr>
+                        <m:t>=</m:t>
+                      </m:r>
+                      <m:f>
+                        <m:fPr>
+                          <m:ctrlPr>
+                            <a:rPr lang="en-US" b="0" i="1" smtClean="0">
+                              <a:solidFill>
+                                <a:schemeClr val="tx1"/>
+                              </a:solidFill>
+                              <a:latin typeface="Cambria Math" panose="02040503050406030204" pitchFamily="18" charset="0"/>
+                            </a:rPr>
+                          </m:ctrlPr>
+                        </m:fPr>
+                        <m:num>
+                          <m:r>
+                            <m:rPr>
+                              <m:nor/>
+                            </m:rPr>
+                            <a:rPr lang="en-US" b="0" i="0" smtClean="0">
+                              <a:solidFill>
+                                <a:schemeClr val="tx1"/>
+                              </a:solidFill>
+                              <a:latin typeface="Cambria Math" panose="02040503050406030204" pitchFamily="18" charset="0"/>
+                            </a:rPr>
+                            <m:t>cov</m:t>
+                          </m:r>
+                          <m:r>
+                            <a:rPr lang="en-US" b="0" i="1" smtClean="0">
+                              <a:solidFill>
+                                <a:schemeClr val="tx1"/>
+                              </a:solidFill>
+                              <a:latin typeface="Cambria Math" panose="02040503050406030204" pitchFamily="18" charset="0"/>
+                            </a:rPr>
+                            <m:t>(</m:t>
+                          </m:r>
+                          <m:r>
+                            <a:rPr lang="en-US" b="0" i="1" smtClean="0">
+                              <a:solidFill>
+                                <a:schemeClr val="tx1"/>
+                              </a:solidFill>
+                              <a:latin typeface="Cambria Math" panose="02040503050406030204" pitchFamily="18" charset="0"/>
+                            </a:rPr>
+                            <m:t>𝑋</m:t>
+                          </m:r>
+                          <m:r>
+                            <a:rPr lang="en-US" b="0" i="1" smtClean="0">
+                              <a:solidFill>
+                                <a:schemeClr val="tx1"/>
+                              </a:solidFill>
+                              <a:latin typeface="Cambria Math" panose="02040503050406030204" pitchFamily="18" charset="0"/>
+                            </a:rPr>
+                            <m:t>,</m:t>
+                          </m:r>
+                          <m:r>
+                            <a:rPr lang="en-US" b="0" i="1" smtClean="0">
+                              <a:solidFill>
+                                <a:schemeClr val="tx1"/>
+                              </a:solidFill>
+                              <a:latin typeface="Cambria Math" panose="02040503050406030204" pitchFamily="18" charset="0"/>
+                            </a:rPr>
+                            <m:t>𝑌</m:t>
+                          </m:r>
+                          <m:r>
+                            <a:rPr lang="en-US" b="0" i="1" smtClean="0">
+                              <a:solidFill>
+                                <a:schemeClr val="tx1"/>
+                              </a:solidFill>
+                              <a:latin typeface="Cambria Math" panose="02040503050406030204" pitchFamily="18" charset="0"/>
+                            </a:rPr>
+                            <m:t>)</m:t>
+                          </m:r>
+                        </m:num>
+                        <m:den>
+                          <m:r>
+                            <m:rPr>
+                              <m:nor/>
+                            </m:rPr>
+                            <a:rPr lang="en-US" b="0" i="0" smtClean="0">
+                              <a:solidFill>
+                                <a:schemeClr val="tx1"/>
+                              </a:solidFill>
+                              <a:latin typeface="Cambria Math" panose="02040503050406030204" pitchFamily="18" charset="0"/>
+                            </a:rPr>
+                            <m:t>sd</m:t>
+                          </m:r>
+                          <m:d>
+                            <m:dPr>
+                              <m:ctrlPr>
+                                <a:rPr lang="en-US" b="0" i="1" smtClean="0">
+                                  <a:solidFill>
+                                    <a:schemeClr val="tx1"/>
+                                  </a:solidFill>
+                                  <a:latin typeface="Cambria Math" panose="02040503050406030204" pitchFamily="18" charset="0"/>
+                                </a:rPr>
+                              </m:ctrlPr>
+                            </m:dPr>
+                            <m:e>
+                              <m:r>
+                                <a:rPr lang="en-US" b="0" i="1" smtClean="0">
+                                  <a:solidFill>
+                                    <a:schemeClr val="tx1"/>
+                                  </a:solidFill>
+                                  <a:latin typeface="Cambria Math" panose="02040503050406030204" pitchFamily="18" charset="0"/>
+                                </a:rPr>
+                                <m:t>𝑋</m:t>
+                              </m:r>
+                            </m:e>
+                          </m:d>
+                          <m:r>
+                            <a:rPr lang="en-US" b="0" i="1" smtClean="0">
+                              <a:solidFill>
+                                <a:schemeClr val="tx1"/>
+                              </a:solidFill>
+                              <a:latin typeface="Cambria Math" panose="02040503050406030204" pitchFamily="18" charset="0"/>
+                            </a:rPr>
+                            <m:t> </m:t>
+                          </m:r>
+                          <m:r>
+                            <m:rPr>
+                              <m:nor/>
+                            </m:rPr>
+                            <a:rPr lang="en-US" b="0" i="0" smtClean="0">
+                              <a:solidFill>
+                                <a:schemeClr val="tx1"/>
+                              </a:solidFill>
+                              <a:latin typeface="Cambria Math" panose="02040503050406030204" pitchFamily="18" charset="0"/>
+                            </a:rPr>
+                            <m:t>sd</m:t>
+                          </m:r>
+                          <m:r>
+                            <a:rPr lang="en-US" b="0" i="1" smtClean="0">
+                              <a:solidFill>
+                                <a:schemeClr val="tx1"/>
+                              </a:solidFill>
+                              <a:latin typeface="Cambria Math" panose="02040503050406030204" pitchFamily="18" charset="0"/>
+                            </a:rPr>
+                            <m:t>(</m:t>
+                          </m:r>
+                          <m:r>
+                            <a:rPr lang="en-US" b="0" i="1" smtClean="0">
+                              <a:solidFill>
+                                <a:schemeClr val="tx1"/>
+                              </a:solidFill>
+                              <a:latin typeface="Cambria Math" panose="02040503050406030204" pitchFamily="18" charset="0"/>
+                            </a:rPr>
+                            <m:t>𝑌</m:t>
+                          </m:r>
+                          <m:r>
+                            <a:rPr lang="en-US" b="0" i="1" smtClean="0">
+                              <a:solidFill>
+                                <a:schemeClr val="tx1"/>
+                              </a:solidFill>
+                              <a:latin typeface="Cambria Math" panose="02040503050406030204" pitchFamily="18" charset="0"/>
+                            </a:rPr>
+                            <m:t>)</m:t>
+                          </m:r>
+                        </m:den>
+                      </m:f>
+                    </m:oMath>
+                  </m:oMathPara>
+                </a14:m>
+                <a:endParaRPr lang="en-US" b="0" dirty="0">
+                  <a:solidFill>
+                    <a:schemeClr val="tx1"/>
+                  </a:solidFill>
+                </a:endParaRPr>
+              </a:p>
+            </p:txBody>
+          </p:sp>
+        </mc:Choice>
+        <mc:Fallback xmlns="">
+          <p:sp>
+            <p:nvSpPr>
+              <p:cNvPr id="4" name="TextBox 3">
+                <a:extLst>
+                  <a:ext uri="{FF2B5EF4-FFF2-40B4-BE49-F238E27FC236}">
+                    <a16:creationId xmlns:a16="http://schemas.microsoft.com/office/drawing/2014/main" id="{C1F1AF7A-F48B-533B-8253-2867A18ED38B}"/>
+                  </a:ext>
+                </a:extLst>
+              </p:cNvPr>
+              <p:cNvSpPr txBox="1">
+                <a:spLocks noRot="1" noChangeAspect="1" noMove="1" noResize="1" noEditPoints="1" noAdjustHandles="1" noChangeArrowheads="1" noChangeShapeType="1" noTextEdit="1"/>
+              </p:cNvSpPr>
+              <p:nvPr/>
+            </p:nvSpPr>
+            <p:spPr>
+              <a:xfrm>
+                <a:off x="3028357" y="3657600"/>
+                <a:ext cx="2293705" cy="768993"/>
+              </a:xfrm>
+              <a:prstGeom prst="rect">
+                <a:avLst/>
+              </a:prstGeom>
+              <a:blipFill>
+                <a:blip r:embed="rId3"/>
+                <a:stretch>
+                  <a:fillRect/>
+                </a:stretch>
+              </a:blipFill>
+            </p:spPr>
+            <p:txBody>
+              <a:bodyPr/>
+              <a:lstStyle/>
+              <a:p>
+                <a:r>
+                  <a:rPr lang="en-US">
+                    <a:noFill/>
+                  </a:rPr>
+                  <a:t> </a:t>
+                </a:r>
+              </a:p>
+            </p:txBody>
+          </p:sp>
+        </mc:Fallback>
+      </mc:AlternateContent>
+      <mc:AlternateContent xmlns:mc="http://schemas.openxmlformats.org/markup-compatibility/2006" xmlns:a14="http://schemas.microsoft.com/office/drawing/2010/main">
+        <mc:Choice Requires="a14">
+          <p:sp>
+            <p:nvSpPr>
+              <p:cNvPr id="5" name="TextBox 4">
+                <a:extLst>
+                  <a:ext uri="{FF2B5EF4-FFF2-40B4-BE49-F238E27FC236}">
+                    <a16:creationId xmlns:a16="http://schemas.microsoft.com/office/drawing/2014/main" id="{241F3D19-E616-7CEC-7D6A-369508B81E8D}"/>
+                  </a:ext>
+                </a:extLst>
+              </p:cNvPr>
+              <p:cNvSpPr txBox="1"/>
+              <p:nvPr/>
+            </p:nvSpPr>
+            <p:spPr>
+              <a:xfrm>
+                <a:off x="2590800" y="4648200"/>
+                <a:ext cx="3760196" cy="858505"/>
+              </a:xfrm>
+              <a:prstGeom prst="rect">
+                <a:avLst/>
+              </a:prstGeom>
+              <a:noFill/>
+            </p:spPr>
+            <p:txBody>
+              <a:bodyPr wrap="none" lIns="0" tIns="0" rIns="0" bIns="0" rtlCol="0">
+                <a:spAutoFit/>
+              </a:bodyPr>
+              <a:lstStyle/>
+              <a:p>
+                <a:pPr/>
+                <a14:m>
+                  <m:oMathPara xmlns:m="http://schemas.openxmlformats.org/officeDocument/2006/math">
+                    <m:oMathParaPr>
+                      <m:jc m:val="centerGroup"/>
+                    </m:oMathParaPr>
+                    <m:oMath xmlns:m="http://schemas.openxmlformats.org/officeDocument/2006/math">
+                      <m:r>
+                        <a:rPr lang="en-US" b="0" i="1" smtClean="0">
+                          <a:solidFill>
+                            <a:schemeClr val="tx1"/>
+                          </a:solidFill>
+                          <a:latin typeface="Cambria Math" panose="02040503050406030204" pitchFamily="18" charset="0"/>
+                        </a:rPr>
+                        <m:t>𝑟</m:t>
+                      </m:r>
+                      <m:r>
+                        <a:rPr lang="en-US" b="0" i="1" smtClean="0">
+                          <a:solidFill>
+                            <a:schemeClr val="tx1"/>
+                          </a:solidFill>
+                          <a:latin typeface="Cambria Math" panose="02040503050406030204" pitchFamily="18" charset="0"/>
+                        </a:rPr>
+                        <m:t>=</m:t>
+                      </m:r>
+                      <m:f>
+                        <m:fPr>
+                          <m:ctrlPr>
+                            <a:rPr lang="en-US" b="0" i="1" smtClean="0">
+                              <a:solidFill>
+                                <a:schemeClr val="tx1"/>
+                              </a:solidFill>
+                              <a:latin typeface="Cambria Math" panose="02040503050406030204" pitchFamily="18" charset="0"/>
+                            </a:rPr>
+                          </m:ctrlPr>
+                        </m:fPr>
+                        <m:num>
+                          <m:r>
+                            <a:rPr lang="en-US" b="0" i="1" smtClean="0">
+                              <a:solidFill>
+                                <a:schemeClr val="tx1"/>
+                              </a:solidFill>
+                              <a:latin typeface="Cambria Math" panose="02040503050406030204" pitchFamily="18" charset="0"/>
+                            </a:rPr>
+                            <m:t>∑(</m:t>
+                          </m:r>
+                          <m:sSub>
+                            <m:sSubPr>
+                              <m:ctrlPr>
+                                <a:rPr lang="en-US" b="0" i="1" smtClean="0">
+                                  <a:solidFill>
+                                    <a:schemeClr val="tx1"/>
+                                  </a:solidFill>
+                                  <a:latin typeface="Cambria Math" panose="02040503050406030204" pitchFamily="18" charset="0"/>
+                                </a:rPr>
+                              </m:ctrlPr>
+                            </m:sSubPr>
+                            <m:e>
+                              <m:r>
+                                <a:rPr lang="en-US" b="0" i="1" smtClean="0">
+                                  <a:solidFill>
+                                    <a:schemeClr val="tx1"/>
+                                  </a:solidFill>
+                                  <a:latin typeface="Cambria Math" panose="02040503050406030204" pitchFamily="18" charset="0"/>
+                                </a:rPr>
+                                <m:t>𝑥</m:t>
+                              </m:r>
+                            </m:e>
+                            <m:sub>
+                              <m:r>
+                                <a:rPr lang="en-US" b="0" i="1" smtClean="0">
+                                  <a:solidFill>
+                                    <a:schemeClr val="tx1"/>
+                                  </a:solidFill>
+                                  <a:latin typeface="Cambria Math" panose="02040503050406030204" pitchFamily="18" charset="0"/>
+                                </a:rPr>
+                                <m:t>𝑖</m:t>
+                              </m:r>
+                            </m:sub>
+                          </m:sSub>
+                          <m:r>
+                            <a:rPr lang="en-US" b="0" i="1" smtClean="0">
+                              <a:solidFill>
+                                <a:schemeClr val="tx1"/>
+                              </a:solidFill>
+                              <a:latin typeface="Cambria Math" panose="02040503050406030204" pitchFamily="18" charset="0"/>
+                            </a:rPr>
+                            <m:t>−</m:t>
+                          </m:r>
+                          <m:acc>
+                            <m:accPr>
+                              <m:chr m:val="̅"/>
+                              <m:ctrlPr>
+                                <a:rPr lang="en-US" b="0" i="1" smtClean="0">
+                                  <a:solidFill>
+                                    <a:schemeClr val="tx1"/>
+                                  </a:solidFill>
+                                  <a:latin typeface="Cambria Math" panose="02040503050406030204" pitchFamily="18" charset="0"/>
+                                </a:rPr>
+                              </m:ctrlPr>
+                            </m:accPr>
+                            <m:e>
+                              <m:r>
+                                <a:rPr lang="en-US" b="0" i="1" smtClean="0">
+                                  <a:solidFill>
+                                    <a:schemeClr val="tx1"/>
+                                  </a:solidFill>
+                                  <a:latin typeface="Cambria Math" panose="02040503050406030204" pitchFamily="18" charset="0"/>
+                                </a:rPr>
+                                <m:t>𝑥</m:t>
+                              </m:r>
+                            </m:e>
+                          </m:acc>
+                          <m:r>
+                            <a:rPr lang="en-US" b="0" i="1" smtClean="0">
+                              <a:solidFill>
+                                <a:schemeClr val="tx1"/>
+                              </a:solidFill>
+                              <a:latin typeface="Cambria Math" panose="02040503050406030204" pitchFamily="18" charset="0"/>
+                            </a:rPr>
+                            <m:t>)(</m:t>
+                          </m:r>
+                          <m:sSub>
+                            <m:sSubPr>
+                              <m:ctrlPr>
+                                <a:rPr lang="en-US" b="0" i="1" smtClean="0">
+                                  <a:solidFill>
+                                    <a:schemeClr val="tx1"/>
+                                  </a:solidFill>
+                                  <a:latin typeface="Cambria Math" panose="02040503050406030204" pitchFamily="18" charset="0"/>
+                                </a:rPr>
+                              </m:ctrlPr>
+                            </m:sSubPr>
+                            <m:e>
+                              <m:r>
+                                <a:rPr lang="en-US" b="0" i="1" smtClean="0">
+                                  <a:solidFill>
+                                    <a:schemeClr val="tx1"/>
+                                  </a:solidFill>
+                                  <a:latin typeface="Cambria Math" panose="02040503050406030204" pitchFamily="18" charset="0"/>
+                                </a:rPr>
+                                <m:t>𝑦</m:t>
+                              </m:r>
+                            </m:e>
+                            <m:sub>
+                              <m:r>
+                                <a:rPr lang="en-US" b="0" i="1" smtClean="0">
+                                  <a:solidFill>
+                                    <a:schemeClr val="tx1"/>
+                                  </a:solidFill>
+                                  <a:latin typeface="Cambria Math" panose="02040503050406030204" pitchFamily="18" charset="0"/>
+                                </a:rPr>
+                                <m:t>𝑖</m:t>
+                              </m:r>
+                            </m:sub>
+                          </m:sSub>
+                          <m:r>
+                            <a:rPr lang="en-US" b="0" i="1" smtClean="0">
+                              <a:solidFill>
+                                <a:schemeClr val="tx1"/>
+                              </a:solidFill>
+                              <a:latin typeface="Cambria Math" panose="02040503050406030204" pitchFamily="18" charset="0"/>
+                            </a:rPr>
+                            <m:t>−</m:t>
+                          </m:r>
+                          <m:acc>
+                            <m:accPr>
+                              <m:chr m:val="̅"/>
+                              <m:ctrlPr>
+                                <a:rPr lang="en-US" b="0" i="1" smtClean="0">
+                                  <a:solidFill>
+                                    <a:schemeClr val="tx1"/>
+                                  </a:solidFill>
+                                  <a:latin typeface="Cambria Math" panose="02040503050406030204" pitchFamily="18" charset="0"/>
+                                </a:rPr>
+                              </m:ctrlPr>
+                            </m:accPr>
+                            <m:e>
+                              <m:r>
+                                <a:rPr lang="en-US" b="0" i="1" smtClean="0">
+                                  <a:solidFill>
+                                    <a:schemeClr val="tx1"/>
+                                  </a:solidFill>
+                                  <a:latin typeface="Cambria Math" panose="02040503050406030204" pitchFamily="18" charset="0"/>
+                                </a:rPr>
+                                <m:t>𝑦</m:t>
+                              </m:r>
+                            </m:e>
+                          </m:acc>
+                          <m:r>
+                            <a:rPr lang="en-US" b="0" i="1" smtClean="0">
+                              <a:solidFill>
+                                <a:schemeClr val="tx1"/>
+                              </a:solidFill>
+                              <a:latin typeface="Cambria Math" panose="02040503050406030204" pitchFamily="18" charset="0"/>
+                            </a:rPr>
+                            <m:t>) </m:t>
+                          </m:r>
+                        </m:num>
+                        <m:den>
+                          <m:rad>
+                            <m:radPr>
+                              <m:degHide m:val="on"/>
+                              <m:ctrlPr>
+                                <a:rPr lang="en-US" b="0" i="1" smtClean="0">
+                                  <a:solidFill>
+                                    <a:schemeClr val="tx1"/>
+                                  </a:solidFill>
+                                  <a:latin typeface="Cambria Math" panose="02040503050406030204" pitchFamily="18" charset="0"/>
+                                </a:rPr>
+                              </m:ctrlPr>
+                            </m:radPr>
+                            <m:deg/>
+                            <m:e>
+                              <m:r>
+                                <a:rPr lang="en-US" b="0" i="1" smtClean="0">
+                                  <a:solidFill>
+                                    <a:schemeClr val="tx1"/>
+                                  </a:solidFill>
+                                  <a:latin typeface="Cambria Math" panose="02040503050406030204" pitchFamily="18" charset="0"/>
+                                </a:rPr>
+                                <m:t>∑</m:t>
+                              </m:r>
+                              <m:sSup>
+                                <m:sSupPr>
+                                  <m:ctrlPr>
+                                    <a:rPr lang="en-US" b="0" i="1" smtClean="0">
+                                      <a:solidFill>
+                                        <a:schemeClr val="tx1"/>
+                                      </a:solidFill>
+                                      <a:latin typeface="Cambria Math" panose="02040503050406030204" pitchFamily="18" charset="0"/>
+                                    </a:rPr>
+                                  </m:ctrlPr>
+                                </m:sSupPr>
+                                <m:e>
+                                  <m:d>
+                                    <m:dPr>
+                                      <m:ctrlPr>
+                                        <a:rPr lang="en-US" i="1">
+                                          <a:solidFill>
+                                            <a:schemeClr val="tx1"/>
+                                          </a:solidFill>
+                                          <a:latin typeface="Cambria Math" panose="02040503050406030204" pitchFamily="18" charset="0"/>
+                                        </a:rPr>
+                                      </m:ctrlPr>
+                                    </m:dPr>
+                                    <m:e>
+                                      <m:sSub>
+                                        <m:sSubPr>
+                                          <m:ctrlPr>
+                                            <a:rPr lang="en-US" i="1">
+                                              <a:solidFill>
+                                                <a:schemeClr val="tx1"/>
+                                              </a:solidFill>
+                                              <a:latin typeface="Cambria Math" panose="02040503050406030204" pitchFamily="18" charset="0"/>
+                                            </a:rPr>
+                                          </m:ctrlPr>
+                                        </m:sSubPr>
+                                        <m:e>
+                                          <m:r>
+                                            <a:rPr lang="en-US" i="1">
+                                              <a:solidFill>
+                                                <a:schemeClr val="tx1"/>
+                                              </a:solidFill>
+                                              <a:latin typeface="Cambria Math" panose="02040503050406030204" pitchFamily="18" charset="0"/>
+                                            </a:rPr>
+                                            <m:t>𝑥</m:t>
+                                          </m:r>
+                                        </m:e>
+                                        <m:sub>
+                                          <m:r>
+                                            <a:rPr lang="en-US" i="1">
+                                              <a:solidFill>
+                                                <a:schemeClr val="tx1"/>
+                                              </a:solidFill>
+                                              <a:latin typeface="Cambria Math" panose="02040503050406030204" pitchFamily="18" charset="0"/>
+                                            </a:rPr>
+                                            <m:t>𝑖</m:t>
+                                          </m:r>
+                                        </m:sub>
+                                      </m:sSub>
+                                      <m:r>
+                                        <a:rPr lang="en-US" i="1">
+                                          <a:solidFill>
+                                            <a:schemeClr val="tx1"/>
+                                          </a:solidFill>
+                                          <a:latin typeface="Cambria Math" panose="02040503050406030204" pitchFamily="18" charset="0"/>
+                                        </a:rPr>
+                                        <m:t>−</m:t>
+                                      </m:r>
+                                      <m:acc>
+                                        <m:accPr>
+                                          <m:chr m:val="̅"/>
+                                          <m:ctrlPr>
+                                            <a:rPr lang="en-US" i="1">
+                                              <a:solidFill>
+                                                <a:schemeClr val="tx1"/>
+                                              </a:solidFill>
+                                              <a:latin typeface="Cambria Math" panose="02040503050406030204" pitchFamily="18" charset="0"/>
+                                            </a:rPr>
+                                          </m:ctrlPr>
+                                        </m:accPr>
+                                        <m:e>
+                                          <m:r>
+                                            <a:rPr lang="en-US" i="1">
+                                              <a:solidFill>
+                                                <a:schemeClr val="tx1"/>
+                                              </a:solidFill>
+                                              <a:latin typeface="Cambria Math" panose="02040503050406030204" pitchFamily="18" charset="0"/>
+                                            </a:rPr>
+                                            <m:t>𝑥</m:t>
+                                          </m:r>
+                                        </m:e>
+                                      </m:acc>
+                                    </m:e>
+                                  </m:d>
+                                </m:e>
+                                <m:sup>
+                                  <m:r>
+                                    <a:rPr lang="en-US" b="0" i="1" smtClean="0">
+                                      <a:solidFill>
+                                        <a:schemeClr val="tx1"/>
+                                      </a:solidFill>
+                                      <a:latin typeface="Cambria Math" panose="02040503050406030204" pitchFamily="18" charset="0"/>
+                                    </a:rPr>
+                                    <m:t>2</m:t>
+                                  </m:r>
+                                </m:sup>
+                              </m:sSup>
+                              <m:r>
+                                <a:rPr lang="en-US" b="0" i="1" smtClean="0">
+                                  <a:solidFill>
+                                    <a:schemeClr val="tx1"/>
+                                  </a:solidFill>
+                                  <a:latin typeface="Cambria Math" panose="02040503050406030204" pitchFamily="18" charset="0"/>
+                                </a:rPr>
+                                <m:t> ∑</m:t>
+                              </m:r>
+                              <m:sSup>
+                                <m:sSupPr>
+                                  <m:ctrlPr>
+                                    <a:rPr lang="en-US" b="0" i="1" smtClean="0">
+                                      <a:solidFill>
+                                        <a:schemeClr val="tx1"/>
+                                      </a:solidFill>
+                                      <a:latin typeface="Cambria Math" panose="02040503050406030204" pitchFamily="18" charset="0"/>
+                                    </a:rPr>
+                                  </m:ctrlPr>
+                                </m:sSupPr>
+                                <m:e>
+                                  <m:d>
+                                    <m:dPr>
+                                      <m:ctrlPr>
+                                        <a:rPr lang="en-US" b="0" i="1" smtClean="0">
+                                          <a:solidFill>
+                                            <a:schemeClr val="tx1"/>
+                                          </a:solidFill>
+                                          <a:latin typeface="Cambria Math" panose="02040503050406030204" pitchFamily="18" charset="0"/>
+                                        </a:rPr>
+                                      </m:ctrlPr>
+                                    </m:dPr>
+                                    <m:e>
+                                      <m:sSub>
+                                        <m:sSubPr>
+                                          <m:ctrlPr>
+                                            <a:rPr lang="en-US" i="1">
+                                              <a:solidFill>
+                                                <a:schemeClr val="tx1"/>
+                                              </a:solidFill>
+                                              <a:latin typeface="Cambria Math" panose="02040503050406030204" pitchFamily="18" charset="0"/>
+                                            </a:rPr>
+                                          </m:ctrlPr>
+                                        </m:sSubPr>
+                                        <m:e>
+                                          <m:r>
+                                            <a:rPr lang="en-US" i="1">
+                                              <a:solidFill>
+                                                <a:schemeClr val="tx1"/>
+                                              </a:solidFill>
+                                              <a:latin typeface="Cambria Math" panose="02040503050406030204" pitchFamily="18" charset="0"/>
+                                            </a:rPr>
+                                            <m:t>𝑦</m:t>
+                                          </m:r>
+                                        </m:e>
+                                        <m:sub>
+                                          <m:r>
+                                            <a:rPr lang="en-US" i="1">
+                                              <a:solidFill>
+                                                <a:schemeClr val="tx1"/>
+                                              </a:solidFill>
+                                              <a:latin typeface="Cambria Math" panose="02040503050406030204" pitchFamily="18" charset="0"/>
+                                            </a:rPr>
+                                            <m:t>𝑖</m:t>
+                                          </m:r>
+                                        </m:sub>
+                                      </m:sSub>
+                                      <m:r>
+                                        <a:rPr lang="en-US" i="1">
+                                          <a:solidFill>
+                                            <a:schemeClr val="tx1"/>
+                                          </a:solidFill>
+                                          <a:latin typeface="Cambria Math" panose="02040503050406030204" pitchFamily="18" charset="0"/>
+                                        </a:rPr>
+                                        <m:t>−</m:t>
+                                      </m:r>
+                                      <m:acc>
+                                        <m:accPr>
+                                          <m:chr m:val="̅"/>
+                                          <m:ctrlPr>
+                                            <a:rPr lang="en-US" i="1">
+                                              <a:solidFill>
+                                                <a:schemeClr val="tx1"/>
+                                              </a:solidFill>
+                                              <a:latin typeface="Cambria Math" panose="02040503050406030204" pitchFamily="18" charset="0"/>
+                                            </a:rPr>
+                                          </m:ctrlPr>
+                                        </m:accPr>
+                                        <m:e>
+                                          <m:r>
+                                            <a:rPr lang="en-US" i="1">
+                                              <a:solidFill>
+                                                <a:schemeClr val="tx1"/>
+                                              </a:solidFill>
+                                              <a:latin typeface="Cambria Math" panose="02040503050406030204" pitchFamily="18" charset="0"/>
+                                            </a:rPr>
+                                            <m:t>𝑦</m:t>
+                                          </m:r>
+                                        </m:e>
+                                      </m:acc>
+                                    </m:e>
+                                  </m:d>
+                                </m:e>
+                                <m:sup>
+                                  <m:r>
+                                    <a:rPr lang="en-US" b="0" i="1" smtClean="0">
+                                      <a:solidFill>
+                                        <a:schemeClr val="tx1"/>
+                                      </a:solidFill>
+                                      <a:latin typeface="Cambria Math" panose="02040503050406030204" pitchFamily="18" charset="0"/>
+                                    </a:rPr>
+                                    <m:t>2</m:t>
+                                  </m:r>
+                                </m:sup>
+                              </m:sSup>
+                            </m:e>
+                          </m:rad>
+                        </m:den>
+                      </m:f>
+                    </m:oMath>
+                  </m:oMathPara>
+                </a14:m>
+                <a:endParaRPr lang="en-US" b="0" dirty="0">
+                  <a:solidFill>
+                    <a:schemeClr val="tx1"/>
+                  </a:solidFill>
+                </a:endParaRPr>
+              </a:p>
+            </p:txBody>
+          </p:sp>
+        </mc:Choice>
+        <mc:Fallback xmlns="">
+          <p:sp>
+            <p:nvSpPr>
+              <p:cNvPr id="5" name="TextBox 4">
+                <a:extLst>
+                  <a:ext uri="{FF2B5EF4-FFF2-40B4-BE49-F238E27FC236}">
+                    <a16:creationId xmlns:a16="http://schemas.microsoft.com/office/drawing/2014/main" id="{241F3D19-E616-7CEC-7D6A-369508B81E8D}"/>
+                  </a:ext>
+                </a:extLst>
+              </p:cNvPr>
+              <p:cNvSpPr txBox="1">
+                <a:spLocks noRot="1" noChangeAspect="1" noMove="1" noResize="1" noEditPoints="1" noAdjustHandles="1" noChangeArrowheads="1" noChangeShapeType="1" noTextEdit="1"/>
+              </p:cNvSpPr>
+              <p:nvPr/>
+            </p:nvSpPr>
+            <p:spPr>
+              <a:xfrm>
+                <a:off x="2590800" y="4648200"/>
+                <a:ext cx="3760196" cy="858505"/>
+              </a:xfrm>
+              <a:prstGeom prst="rect">
+                <a:avLst/>
+              </a:prstGeom>
+              <a:blipFill>
+                <a:blip r:embed="rId4"/>
+                <a:stretch>
+                  <a:fillRect/>
+                </a:stretch>
+              </a:blipFill>
+            </p:spPr>
+            <p:txBody>
+              <a:bodyPr/>
+              <a:lstStyle/>
+              <a:p>
+                <a:r>
+                  <a:rPr lang="en-US">
+                    <a:noFill/>
+                  </a:rPr>
+                  <a:t> </a:t>
+                </a:r>
+              </a:p>
+            </p:txBody>
+          </p:sp>
+        </mc:Fallback>
+      </mc:AlternateContent>
     </p:spTree>
   </p:cSld>
   <p:clrMapOvr>
@@ -20336,8 +21007,8 @@
           </a:extLst>
         </p:spPr>
       </p:pic>
-      <mc:AlternateContent xmlns:mc="http://schemas.openxmlformats.org/markup-compatibility/2006">
-        <mc:Choice xmlns:a14="http://schemas.microsoft.com/office/drawing/2010/main" Requires="a14">
+      <mc:AlternateContent xmlns:mc="http://schemas.openxmlformats.org/markup-compatibility/2006" xmlns:a14="http://schemas.microsoft.com/office/drawing/2010/main">
+        <mc:Choice Requires="a14">
           <p:sp>
             <p:nvSpPr>
               <p:cNvPr id="6" name="TextBox 5">
@@ -20366,6 +21037,7 @@
               </a:bodyPr>
               <a:lstStyle/>
               <a:p>
+                <a:pPr/>
                 <a14:m>
                   <m:oMathPara xmlns:m="http://schemas.openxmlformats.org/officeDocument/2006/math">
                     <m:oMathParaPr>
@@ -20561,7 +21233,7 @@
             </p:txBody>
           </p:sp>
         </mc:Choice>
-        <mc:Fallback>
+        <mc:Fallback xmlns="">
           <p:sp>
             <p:nvSpPr>
               <p:cNvPr id="6" name="TextBox 5">
@@ -20606,8 +21278,8 @@
           </p:sp>
         </mc:Fallback>
       </mc:AlternateContent>
-      <mc:AlternateContent xmlns:mc="http://schemas.openxmlformats.org/markup-compatibility/2006">
-        <mc:Choice xmlns:a14="http://schemas.microsoft.com/office/drawing/2010/main" Requires="a14">
+      <mc:AlternateContent xmlns:mc="http://schemas.openxmlformats.org/markup-compatibility/2006" xmlns:a14="http://schemas.microsoft.com/office/drawing/2010/main">
+        <mc:Choice Requires="a14">
           <p:sp>
             <p:nvSpPr>
               <p:cNvPr id="7" name="TextBox 6">
@@ -20636,6 +21308,7 @@
               </a:bodyPr>
               <a:lstStyle/>
               <a:p>
+                <a:pPr/>
                 <a14:m>
                   <m:oMathPara xmlns:m="http://schemas.openxmlformats.org/officeDocument/2006/math">
                     <m:oMathParaPr>
@@ -20838,7 +21511,7 @@
             </p:txBody>
           </p:sp>
         </mc:Choice>
-        <mc:Fallback>
+        <mc:Fallback xmlns="">
           <p:sp>
             <p:nvSpPr>
               <p:cNvPr id="7" name="TextBox 6">
@@ -20883,8 +21556,8 @@
           </p:sp>
         </mc:Fallback>
       </mc:AlternateContent>
-      <mc:AlternateContent xmlns:mc="http://schemas.openxmlformats.org/markup-compatibility/2006">
-        <mc:Choice xmlns:a14="http://schemas.microsoft.com/office/drawing/2010/main" Requires="a14">
+      <mc:AlternateContent xmlns:mc="http://schemas.openxmlformats.org/markup-compatibility/2006" xmlns:a14="http://schemas.microsoft.com/office/drawing/2010/main">
+        <mc:Choice Requires="a14">
           <p:sp>
             <p:nvSpPr>
               <p:cNvPr id="8" name="TextBox 7">
@@ -21018,7 +21691,7 @@
             </p:txBody>
           </p:sp>
         </mc:Choice>
-        <mc:Fallback>
+        <mc:Fallback xmlns="">
           <p:sp>
             <p:nvSpPr>
               <p:cNvPr id="8" name="TextBox 7">
@@ -21877,7 +22550,7 @@
             <p:ph idx="1"/>
             <p:extLst>
               <p:ext uri="{D42A27DB-BD31-4B8C-83A1-F6EECF244321}">
-                <p14:modId xmlns:p14="http://schemas.microsoft.com/office/powerpoint/2010/main" val="267476886"/>
+                <p14:modId xmlns:p14="http://schemas.microsoft.com/office/powerpoint/2010/main" val="4242759046"/>
               </p:ext>
             </p:extLst>
           </p:nvPr>
@@ -22948,33 +23621,6 @@
     <a:masterClrMapping/>
   </p:clrMapOvr>
   <p:transition spd="slow"/>
-  <p:timing>
-    <p:tnLst>
-      <p:par>
-        <p:cTn id="1" dur="indefinite" restart="never" nodeType="tmRoot">
-          <p:childTnLst>
-            <p:seq concurrent="1" nextAc="seek">
-              <p:cTn id="2" dur="0" nodeType="mainSeq"/>
-              <p:prevCondLst>
-                <p:cond evt="onPrev" delay="0">
-                  <p:tgtEl>
-                    <p:sldTgt/>
-                  </p:tgtEl>
-                </p:cond>
-              </p:prevCondLst>
-              <p:nextCondLst>
-                <p:cond evt="onNext" delay="0">
-                  <p:tgtEl>
-                    <p:sldTgt/>
-                  </p:tgtEl>
-                </p:cond>
-              </p:nextCondLst>
-            </p:seq>
-          </p:childTnLst>
-        </p:cTn>
-      </p:par>
-    </p:tnLst>
-  </p:timing>
 </p:sld>
 </file>
 
@@ -27064,51 +27710,12 @@
           </a:p>
         </p:txBody>
       </p:sp>
-      <p:sp>
-        <p:nvSpPr>
-          <p:cNvPr id="27650" name="Rectangle 2">
-            <a:extLst>
-              <a:ext uri="{FF2B5EF4-FFF2-40B4-BE49-F238E27FC236}">
-                <a16:creationId xmlns:a16="http://schemas.microsoft.com/office/drawing/2014/main" id="{6CABA488-85A1-4C98-BD9B-FC4C4CE84D55}"/>
-              </a:ext>
-            </a:extLst>
-          </p:cNvPr>
-          <p:cNvSpPr>
-            <a:spLocks noGrp="1" noChangeArrowheads="1"/>
-          </p:cNvSpPr>
-          <p:nvPr>
-            <p:ph idx="1"/>
-          </p:nvPr>
-        </p:nvSpPr>
-        <p:spPr>
-          <a:xfrm>
-            <a:off x="628650" y="1825625"/>
-            <a:ext cx="7886700" cy="915988"/>
-          </a:xfrm>
-        </p:spPr>
-        <p:txBody>
-          <a:bodyPr>
-            <a:normAutofit/>
-          </a:bodyPr>
-          <a:lstStyle/>
-          <a:p>
-            <a:r>
-              <a:rPr lang="en-US" altLang="en-US" dirty="0"/>
-              <a:t>Invented by J. Tukey as a simplified version of a PDF/histogram that is robust against outliers.</a:t>
-            </a:r>
-          </a:p>
-          <a:p>
-            <a:pPr lvl="1"/>
-            <a:endParaRPr lang="en-US" altLang="en-US" dirty="0"/>
-          </a:p>
-        </p:txBody>
-      </p:sp>
       <p:grpSp>
         <p:nvGrpSpPr>
-          <p:cNvPr id="3" name="Group 2">
-            <a:extLst>
-              <a:ext uri="{FF2B5EF4-FFF2-40B4-BE49-F238E27FC236}">
-                <a16:creationId xmlns:a16="http://schemas.microsoft.com/office/drawing/2014/main" id="{00C07410-1F27-2CFD-09DC-A3B66C252BBD}"/>
+          <p:cNvPr id="12" name="Group 11">
+            <a:extLst>
+              <a:ext uri="{FF2B5EF4-FFF2-40B4-BE49-F238E27FC236}">
+                <a16:creationId xmlns:a16="http://schemas.microsoft.com/office/drawing/2014/main" id="{39A17E0C-3AA2-0E07-EACD-07A3F255C13B}"/>
               </a:ext>
             </a:extLst>
           </p:cNvPr>
@@ -27117,3768 +27724,18 @@
         </p:nvGrpSpPr>
         <p:grpSpPr>
           <a:xfrm>
-            <a:off x="5622925" y="3022600"/>
-            <a:ext cx="3454400" cy="3225800"/>
-            <a:chOff x="5622925" y="3022600"/>
-            <a:chExt cx="3454400" cy="3225800"/>
-          </a:xfrm>
-        </p:grpSpPr>
-        <p:grpSp>
-          <p:nvGrpSpPr>
-            <p:cNvPr id="27651" name="Group 3">
-              <a:extLst>
-                <a:ext uri="{FF2B5EF4-FFF2-40B4-BE49-F238E27FC236}">
-                  <a16:creationId xmlns:a16="http://schemas.microsoft.com/office/drawing/2014/main" id="{82099C9F-A2AB-4B95-802D-F9F4B93DA72C}"/>
-                </a:ext>
-              </a:extLst>
-            </p:cNvPr>
-            <p:cNvGrpSpPr>
-              <a:grpSpLocks/>
-            </p:cNvGrpSpPr>
-            <p:nvPr/>
-          </p:nvGrpSpPr>
-          <p:grpSpPr bwMode="auto">
-            <a:xfrm>
-              <a:off x="5622925" y="3022600"/>
-              <a:ext cx="2513012" cy="3225800"/>
-              <a:chOff x="3571" y="1680"/>
-              <a:chExt cx="1583" cy="2032"/>
-            </a:xfrm>
-          </p:grpSpPr>
-          <p:grpSp>
-            <p:nvGrpSpPr>
-              <p:cNvPr id="27652" name="Group 4">
-                <a:extLst>
-                  <a:ext uri="{FF2B5EF4-FFF2-40B4-BE49-F238E27FC236}">
-                    <a16:creationId xmlns:a16="http://schemas.microsoft.com/office/drawing/2014/main" id="{3F89271C-A6D2-488A-89E1-7B31F1C89403}"/>
-                  </a:ext>
-                </a:extLst>
-              </p:cNvPr>
-              <p:cNvGrpSpPr>
-                <a:grpSpLocks/>
-              </p:cNvGrpSpPr>
-              <p:nvPr/>
-            </p:nvGrpSpPr>
-            <p:grpSpPr bwMode="auto">
-              <a:xfrm>
-                <a:off x="3571" y="1762"/>
-                <a:ext cx="405" cy="1950"/>
-                <a:chOff x="3571" y="1762"/>
-                <a:chExt cx="405" cy="1950"/>
-              </a:xfrm>
-            </p:grpSpPr>
-            <p:sp>
-              <p:nvSpPr>
-                <p:cNvPr id="27653" name="Line 5">
-                  <a:extLst>
-                    <a:ext uri="{FF2B5EF4-FFF2-40B4-BE49-F238E27FC236}">
-                      <a16:creationId xmlns:a16="http://schemas.microsoft.com/office/drawing/2014/main" id="{656D6FB5-C28A-4C8A-886E-9CD6383FCD40}"/>
-                    </a:ext>
-                  </a:extLst>
-                </p:cNvPr>
-                <p:cNvSpPr>
-                  <a:spLocks noChangeShapeType="1"/>
-                </p:cNvSpPr>
-                <p:nvPr/>
-              </p:nvSpPr>
-              <p:spPr bwMode="auto">
-                <a:xfrm flipV="1">
-                  <a:off x="3777" y="2099"/>
-                  <a:ext cx="0" cy="561"/>
-                </a:xfrm>
-                <a:prstGeom prst="line">
-                  <a:avLst/>
-                </a:prstGeom>
-                <a:noFill/>
-                <a:ln w="36720" cap="flat">
-                  <a:solidFill>
-                    <a:srgbClr val="0000FF"/>
-                  </a:solidFill>
-                  <a:prstDash val="lgDash"/>
-                  <a:miter lim="800000"/>
-                  <a:headEnd/>
-                  <a:tailEnd/>
-                </a:ln>
-                <a:effectLst/>
-                <a:extLst>
-                  <a:ext uri="{909E8E84-426E-40DD-AFC4-6F175D3DCCD1}">
-                    <a14:hiddenFill xmlns:a14="http://schemas.microsoft.com/office/drawing/2010/main">
-                      <a:noFill/>
-                    </a14:hiddenFill>
-                  </a:ext>
-                  <a:ext uri="{AF507438-7753-43E0-B8FC-AC1667EBCBE1}">
-                    <a14:hiddenEffects xmlns:a14="http://schemas.microsoft.com/office/drawing/2010/main">
-                      <a:effectLst>
-                        <a:outerShdw dist="35921" dir="2700000" algn="ctr" rotWithShape="0">
-                          <a:srgbClr val="808080"/>
-                        </a:outerShdw>
-                      </a:effectLst>
-                    </a14:hiddenEffects>
-                  </a:ext>
-                </a:extLst>
-              </p:spPr>
-              <p:txBody>
-                <a:bodyPr/>
-                <a:lstStyle/>
-                <a:p>
-                  <a:endParaRPr lang="en-US">
-                    <a:latin typeface="+mn-lt"/>
-                  </a:endParaRPr>
-                </a:p>
-              </p:txBody>
-            </p:sp>
-            <p:sp>
-              <p:nvSpPr>
-                <p:cNvPr id="27654" name="Line 6">
-                  <a:extLst>
-                    <a:ext uri="{FF2B5EF4-FFF2-40B4-BE49-F238E27FC236}">
-                      <a16:creationId xmlns:a16="http://schemas.microsoft.com/office/drawing/2014/main" id="{E6967B95-E681-4368-A5A0-E99B9681A581}"/>
-                    </a:ext>
-                  </a:extLst>
-                </p:cNvPr>
-                <p:cNvSpPr>
-                  <a:spLocks noChangeShapeType="1"/>
-                </p:cNvSpPr>
-                <p:nvPr/>
-              </p:nvSpPr>
-              <p:spPr bwMode="auto">
-                <a:xfrm flipV="1">
-                  <a:off x="3777" y="3055"/>
-                  <a:ext cx="0" cy="473"/>
-                </a:xfrm>
-                <a:prstGeom prst="line">
-                  <a:avLst/>
-                </a:prstGeom>
-                <a:noFill/>
-                <a:ln w="36720" cap="flat">
-                  <a:solidFill>
-                    <a:srgbClr val="0000FF"/>
-                  </a:solidFill>
-                  <a:prstDash val="lgDash"/>
-                  <a:miter lim="800000"/>
-                  <a:headEnd/>
-                  <a:tailEnd/>
-                </a:ln>
-                <a:effectLst/>
-                <a:extLst>
-                  <a:ext uri="{909E8E84-426E-40DD-AFC4-6F175D3DCCD1}">
-                    <a14:hiddenFill xmlns:a14="http://schemas.microsoft.com/office/drawing/2010/main">
-                      <a:noFill/>
-                    </a14:hiddenFill>
-                  </a:ext>
-                  <a:ext uri="{AF507438-7753-43E0-B8FC-AC1667EBCBE1}">
-                    <a14:hiddenEffects xmlns:a14="http://schemas.microsoft.com/office/drawing/2010/main">
-                      <a:effectLst>
-                        <a:outerShdw dist="35921" dir="2700000" algn="ctr" rotWithShape="0">
-                          <a:srgbClr val="808080"/>
-                        </a:outerShdw>
-                      </a:effectLst>
-                    </a14:hiddenEffects>
-                  </a:ext>
-                </a:extLst>
-              </p:spPr>
-              <p:txBody>
-                <a:bodyPr/>
-                <a:lstStyle/>
-                <a:p>
-                  <a:endParaRPr lang="en-US">
-                    <a:latin typeface="+mn-lt"/>
-                  </a:endParaRPr>
-                </a:p>
-              </p:txBody>
-            </p:sp>
-            <p:sp>
-              <p:nvSpPr>
-                <p:cNvPr id="27655" name="Line 7">
-                  <a:extLst>
-                    <a:ext uri="{FF2B5EF4-FFF2-40B4-BE49-F238E27FC236}">
-                      <a16:creationId xmlns:a16="http://schemas.microsoft.com/office/drawing/2014/main" id="{D6A3BF5A-649B-4298-9BB5-0DC6C6CDD018}"/>
-                    </a:ext>
-                  </a:extLst>
-                </p:cNvPr>
-                <p:cNvSpPr>
-                  <a:spLocks noChangeShapeType="1"/>
-                </p:cNvSpPr>
-                <p:nvPr/>
-              </p:nvSpPr>
-              <p:spPr bwMode="auto">
-                <a:xfrm>
-                  <a:off x="3674" y="3528"/>
-                  <a:ext cx="199" cy="0"/>
-                </a:xfrm>
-                <a:prstGeom prst="line">
-                  <a:avLst/>
-                </a:prstGeom>
-                <a:noFill/>
-                <a:ln w="36720" cap="flat">
-                  <a:solidFill>
-                    <a:srgbClr val="000000"/>
-                  </a:solidFill>
-                  <a:miter lim="800000"/>
-                  <a:headEnd/>
-                  <a:tailEnd/>
-                </a:ln>
-                <a:effectLst/>
-                <a:extLst>
-                  <a:ext uri="{909E8E84-426E-40DD-AFC4-6F175D3DCCD1}">
-                    <a14:hiddenFill xmlns:a14="http://schemas.microsoft.com/office/drawing/2010/main">
-                      <a:noFill/>
-                    </a14:hiddenFill>
-                  </a:ext>
-                  <a:ext uri="{AF507438-7753-43E0-B8FC-AC1667EBCBE1}">
-                    <a14:hiddenEffects xmlns:a14="http://schemas.microsoft.com/office/drawing/2010/main">
-                      <a:effectLst>
-                        <a:outerShdw dist="35921" dir="2700000" algn="ctr" rotWithShape="0">
-                          <a:srgbClr val="808080"/>
-                        </a:outerShdw>
-                      </a:effectLst>
-                    </a14:hiddenEffects>
-                  </a:ext>
-                </a:extLst>
-              </p:spPr>
-              <p:txBody>
-                <a:bodyPr/>
-                <a:lstStyle/>
-                <a:p>
-                  <a:endParaRPr lang="en-US">
-                    <a:latin typeface="+mn-lt"/>
-                  </a:endParaRPr>
-                </a:p>
-              </p:txBody>
-            </p:sp>
-            <p:sp>
-              <p:nvSpPr>
-                <p:cNvPr id="27656" name="Line 8">
-                  <a:extLst>
-                    <a:ext uri="{FF2B5EF4-FFF2-40B4-BE49-F238E27FC236}">
-                      <a16:creationId xmlns:a16="http://schemas.microsoft.com/office/drawing/2014/main" id="{DACD593B-75C1-4F72-A135-AC7F5A57C869}"/>
-                    </a:ext>
-                  </a:extLst>
-                </p:cNvPr>
-                <p:cNvSpPr>
-                  <a:spLocks noChangeShapeType="1"/>
-                </p:cNvSpPr>
-                <p:nvPr/>
-              </p:nvSpPr>
-              <p:spPr bwMode="auto">
-                <a:xfrm>
-                  <a:off x="3674" y="2101"/>
-                  <a:ext cx="199" cy="0"/>
-                </a:xfrm>
-                <a:prstGeom prst="line">
-                  <a:avLst/>
-                </a:prstGeom>
-                <a:noFill/>
-                <a:ln w="36720" cap="flat">
-                  <a:solidFill>
-                    <a:srgbClr val="000000"/>
-                  </a:solidFill>
-                  <a:miter lim="800000"/>
-                  <a:headEnd/>
-                  <a:tailEnd/>
-                </a:ln>
-                <a:effectLst/>
-                <a:extLst>
-                  <a:ext uri="{909E8E84-426E-40DD-AFC4-6F175D3DCCD1}">
-                    <a14:hiddenFill xmlns:a14="http://schemas.microsoft.com/office/drawing/2010/main">
-                      <a:noFill/>
-                    </a14:hiddenFill>
-                  </a:ext>
-                  <a:ext uri="{AF507438-7753-43E0-B8FC-AC1667EBCBE1}">
-                    <a14:hiddenEffects xmlns:a14="http://schemas.microsoft.com/office/drawing/2010/main">
-                      <a:effectLst>
-                        <a:outerShdw dist="35921" dir="2700000" algn="ctr" rotWithShape="0">
-                          <a:srgbClr val="808080"/>
-                        </a:outerShdw>
-                      </a:effectLst>
-                    </a14:hiddenEffects>
-                  </a:ext>
-                </a:extLst>
-              </p:spPr>
-              <p:txBody>
-                <a:bodyPr/>
-                <a:lstStyle/>
-                <a:p>
-                  <a:endParaRPr lang="en-US">
-                    <a:latin typeface="+mn-lt"/>
-                  </a:endParaRPr>
-                </a:p>
-              </p:txBody>
-            </p:sp>
-            <p:sp>
-              <p:nvSpPr>
-                <p:cNvPr id="27657" name="Rectangle 9">
-                  <a:extLst>
-                    <a:ext uri="{FF2B5EF4-FFF2-40B4-BE49-F238E27FC236}">
-                      <a16:creationId xmlns:a16="http://schemas.microsoft.com/office/drawing/2014/main" id="{50F774E9-DA23-4B65-BE04-F5BDD768EFD4}"/>
-                    </a:ext>
-                  </a:extLst>
-                </p:cNvPr>
-                <p:cNvSpPr>
-                  <a:spLocks noChangeArrowheads="1"/>
-                </p:cNvSpPr>
-                <p:nvPr/>
-              </p:nvSpPr>
-              <p:spPr bwMode="auto">
-                <a:xfrm>
-                  <a:off x="3571" y="2660"/>
-                  <a:ext cx="405" cy="394"/>
-                </a:xfrm>
-                <a:prstGeom prst="rect">
-                  <a:avLst/>
-                </a:prstGeom>
-                <a:noFill/>
-                <a:ln w="36720" cap="flat">
-                  <a:solidFill>
-                    <a:srgbClr val="0000FF"/>
-                  </a:solidFill>
-                  <a:miter lim="800000"/>
-                  <a:headEnd/>
-                  <a:tailEnd/>
-                </a:ln>
-                <a:effectLst/>
-                <a:extLst>
-                  <a:ext uri="{909E8E84-426E-40DD-AFC4-6F175D3DCCD1}">
-                    <a14:hiddenFill xmlns:a14="http://schemas.microsoft.com/office/drawing/2010/main">
-                      <a:solidFill>
-                        <a:srgbClr val="FFFFFF"/>
-                      </a:solidFill>
-                    </a14:hiddenFill>
-                  </a:ext>
-                  <a:ext uri="{AF507438-7753-43E0-B8FC-AC1667EBCBE1}">
-                    <a14:hiddenEffects xmlns:a14="http://schemas.microsoft.com/office/drawing/2010/main">
-                      <a:effectLst>
-                        <a:outerShdw dist="35921" dir="2700000" algn="ctr" rotWithShape="0">
-                          <a:srgbClr val="808080"/>
-                        </a:outerShdw>
-                      </a:effectLst>
-                    </a14:hiddenEffects>
-                  </a:ext>
-                </a:extLst>
-              </p:spPr>
-              <p:txBody>
-                <a:bodyPr wrap="none" anchor="ctr"/>
-                <a:lstStyle/>
-                <a:p>
-                  <a:endParaRPr lang="en-US">
-                    <a:latin typeface="+mn-lt"/>
-                  </a:endParaRPr>
-                </a:p>
-              </p:txBody>
-            </p:sp>
-            <p:sp>
-              <p:nvSpPr>
-                <p:cNvPr id="27658" name="Line 10">
-                  <a:extLst>
-                    <a:ext uri="{FF2B5EF4-FFF2-40B4-BE49-F238E27FC236}">
-                      <a16:creationId xmlns:a16="http://schemas.microsoft.com/office/drawing/2014/main" id="{2A1DC14F-0887-4E80-85C8-6799A49D7EDE}"/>
-                    </a:ext>
-                  </a:extLst>
-                </p:cNvPr>
-                <p:cNvSpPr>
-                  <a:spLocks noChangeShapeType="1"/>
-                </p:cNvSpPr>
-                <p:nvPr/>
-              </p:nvSpPr>
-              <p:spPr bwMode="auto">
-                <a:xfrm>
-                  <a:off x="3571" y="2897"/>
-                  <a:ext cx="405" cy="0"/>
-                </a:xfrm>
-                <a:prstGeom prst="line">
-                  <a:avLst/>
-                </a:prstGeom>
-                <a:noFill/>
-                <a:ln w="36720" cap="flat">
-                  <a:solidFill>
-                    <a:srgbClr val="FF0000"/>
-                  </a:solidFill>
-                  <a:miter lim="800000"/>
-                  <a:headEnd/>
-                  <a:tailEnd/>
-                </a:ln>
-                <a:effectLst/>
-                <a:extLst>
-                  <a:ext uri="{909E8E84-426E-40DD-AFC4-6F175D3DCCD1}">
-                    <a14:hiddenFill xmlns:a14="http://schemas.microsoft.com/office/drawing/2010/main">
-                      <a:noFill/>
-                    </a14:hiddenFill>
-                  </a:ext>
-                  <a:ext uri="{AF507438-7753-43E0-B8FC-AC1667EBCBE1}">
-                    <a14:hiddenEffects xmlns:a14="http://schemas.microsoft.com/office/drawing/2010/main">
-                      <a:effectLst>
-                        <a:outerShdw dist="35921" dir="2700000" algn="ctr" rotWithShape="0">
-                          <a:srgbClr val="808080"/>
-                        </a:outerShdw>
-                      </a:effectLst>
-                    </a14:hiddenEffects>
-                  </a:ext>
-                </a:extLst>
-              </p:spPr>
-              <p:txBody>
-                <a:bodyPr/>
-                <a:lstStyle/>
-                <a:p>
-                  <a:endParaRPr lang="en-US">
-                    <a:latin typeface="+mn-lt"/>
-                  </a:endParaRPr>
-                </a:p>
-              </p:txBody>
-            </p:sp>
-            <p:sp>
-              <p:nvSpPr>
-                <p:cNvPr id="27659" name="Line 11">
-                  <a:extLst>
-                    <a:ext uri="{FF2B5EF4-FFF2-40B4-BE49-F238E27FC236}">
-                      <a16:creationId xmlns:a16="http://schemas.microsoft.com/office/drawing/2014/main" id="{14B8FC94-E1BC-44CF-B8D5-77605975C4AA}"/>
-                    </a:ext>
-                  </a:extLst>
-                </p:cNvPr>
-                <p:cNvSpPr>
-                  <a:spLocks noChangeShapeType="1"/>
-                </p:cNvSpPr>
-                <p:nvPr/>
-              </p:nvSpPr>
-              <p:spPr bwMode="auto">
-                <a:xfrm>
-                  <a:off x="3751" y="1783"/>
-                  <a:ext cx="45" cy="0"/>
-                </a:xfrm>
-                <a:prstGeom prst="line">
-                  <a:avLst/>
-                </a:prstGeom>
-                <a:noFill/>
-                <a:ln w="36720" cap="flat">
-                  <a:solidFill>
-                    <a:srgbClr val="FF0000"/>
-                  </a:solidFill>
-                  <a:miter lim="800000"/>
-                  <a:headEnd/>
-                  <a:tailEnd/>
-                </a:ln>
-                <a:effectLst/>
-                <a:extLst>
-                  <a:ext uri="{909E8E84-426E-40DD-AFC4-6F175D3DCCD1}">
-                    <a14:hiddenFill xmlns:a14="http://schemas.microsoft.com/office/drawing/2010/main">
-                      <a:noFill/>
-                    </a14:hiddenFill>
-                  </a:ext>
-                  <a:ext uri="{AF507438-7753-43E0-B8FC-AC1667EBCBE1}">
-                    <a14:hiddenEffects xmlns:a14="http://schemas.microsoft.com/office/drawing/2010/main">
-                      <a:effectLst>
-                        <a:outerShdw dist="35921" dir="2700000" algn="ctr" rotWithShape="0">
-                          <a:srgbClr val="808080"/>
-                        </a:outerShdw>
-                      </a:effectLst>
-                    </a14:hiddenEffects>
-                  </a:ext>
-                </a:extLst>
-              </p:spPr>
-              <p:txBody>
-                <a:bodyPr/>
-                <a:lstStyle/>
-                <a:p>
-                  <a:endParaRPr lang="en-US">
-                    <a:latin typeface="+mn-lt"/>
-                  </a:endParaRPr>
-                </a:p>
-              </p:txBody>
-            </p:sp>
-            <p:sp>
-              <p:nvSpPr>
-                <p:cNvPr id="27660" name="Line 12">
-                  <a:extLst>
-                    <a:ext uri="{FF2B5EF4-FFF2-40B4-BE49-F238E27FC236}">
-                      <a16:creationId xmlns:a16="http://schemas.microsoft.com/office/drawing/2014/main" id="{39C2DE92-5A1E-415C-A2D6-A7CF5D32C868}"/>
-                    </a:ext>
-                  </a:extLst>
-                </p:cNvPr>
-                <p:cNvSpPr>
-                  <a:spLocks noChangeShapeType="1"/>
-                </p:cNvSpPr>
-                <p:nvPr/>
-              </p:nvSpPr>
-              <p:spPr bwMode="auto">
-                <a:xfrm>
-                  <a:off x="3777" y="1762"/>
-                  <a:ext cx="0" cy="40"/>
-                </a:xfrm>
-                <a:prstGeom prst="line">
-                  <a:avLst/>
-                </a:prstGeom>
-                <a:noFill/>
-                <a:ln w="36720" cap="flat">
-                  <a:solidFill>
-                    <a:srgbClr val="FF0000"/>
-                  </a:solidFill>
-                  <a:miter lim="800000"/>
-                  <a:headEnd/>
-                  <a:tailEnd/>
-                </a:ln>
-                <a:effectLst/>
-                <a:extLst>
-                  <a:ext uri="{909E8E84-426E-40DD-AFC4-6F175D3DCCD1}">
-                    <a14:hiddenFill xmlns:a14="http://schemas.microsoft.com/office/drawing/2010/main">
-                      <a:noFill/>
-                    </a14:hiddenFill>
-                  </a:ext>
-                  <a:ext uri="{AF507438-7753-43E0-B8FC-AC1667EBCBE1}">
-                    <a14:hiddenEffects xmlns:a14="http://schemas.microsoft.com/office/drawing/2010/main">
-                      <a:effectLst>
-                        <a:outerShdw dist="35921" dir="2700000" algn="ctr" rotWithShape="0">
-                          <a:srgbClr val="808080"/>
-                        </a:outerShdw>
-                      </a:effectLst>
-                    </a14:hiddenEffects>
-                  </a:ext>
-                </a:extLst>
-              </p:spPr>
-              <p:txBody>
-                <a:bodyPr/>
-                <a:lstStyle/>
-                <a:p>
-                  <a:endParaRPr lang="en-US">
-                    <a:latin typeface="+mn-lt"/>
-                  </a:endParaRPr>
-                </a:p>
-              </p:txBody>
-            </p:sp>
-            <p:sp>
-              <p:nvSpPr>
-                <p:cNvPr id="27661" name="Line 13">
-                  <a:extLst>
-                    <a:ext uri="{FF2B5EF4-FFF2-40B4-BE49-F238E27FC236}">
-                      <a16:creationId xmlns:a16="http://schemas.microsoft.com/office/drawing/2014/main" id="{213F513C-1F48-47AE-87FE-FDA7F20F055F}"/>
-                    </a:ext>
-                  </a:extLst>
-                </p:cNvPr>
-                <p:cNvSpPr>
-                  <a:spLocks noChangeShapeType="1"/>
-                </p:cNvSpPr>
-                <p:nvPr/>
-              </p:nvSpPr>
-              <p:spPr bwMode="auto">
-                <a:xfrm>
-                  <a:off x="3751" y="2018"/>
-                  <a:ext cx="45" cy="0"/>
-                </a:xfrm>
-                <a:prstGeom prst="line">
-                  <a:avLst/>
-                </a:prstGeom>
-                <a:noFill/>
-                <a:ln w="36720" cap="flat">
-                  <a:solidFill>
-                    <a:srgbClr val="FF0000"/>
-                  </a:solidFill>
-                  <a:miter lim="800000"/>
-                  <a:headEnd/>
-                  <a:tailEnd/>
-                </a:ln>
-                <a:effectLst/>
-                <a:extLst>
-                  <a:ext uri="{909E8E84-426E-40DD-AFC4-6F175D3DCCD1}">
-                    <a14:hiddenFill xmlns:a14="http://schemas.microsoft.com/office/drawing/2010/main">
-                      <a:noFill/>
-                    </a14:hiddenFill>
-                  </a:ext>
-                  <a:ext uri="{AF507438-7753-43E0-B8FC-AC1667EBCBE1}">
-                    <a14:hiddenEffects xmlns:a14="http://schemas.microsoft.com/office/drawing/2010/main">
-                      <a:effectLst>
-                        <a:outerShdw dist="35921" dir="2700000" algn="ctr" rotWithShape="0">
-                          <a:srgbClr val="808080"/>
-                        </a:outerShdw>
-                      </a:effectLst>
-                    </a14:hiddenEffects>
-                  </a:ext>
-                </a:extLst>
-              </p:spPr>
-              <p:txBody>
-                <a:bodyPr/>
-                <a:lstStyle/>
-                <a:p>
-                  <a:endParaRPr lang="en-US">
-                    <a:latin typeface="+mn-lt"/>
-                  </a:endParaRPr>
-                </a:p>
-              </p:txBody>
-            </p:sp>
-            <p:sp>
-              <p:nvSpPr>
-                <p:cNvPr id="27662" name="Line 14">
-                  <a:extLst>
-                    <a:ext uri="{FF2B5EF4-FFF2-40B4-BE49-F238E27FC236}">
-                      <a16:creationId xmlns:a16="http://schemas.microsoft.com/office/drawing/2014/main" id="{0BCDB404-A987-43EF-84C4-73792C4F714B}"/>
-                    </a:ext>
-                  </a:extLst>
-                </p:cNvPr>
-                <p:cNvSpPr>
-                  <a:spLocks noChangeShapeType="1"/>
-                </p:cNvSpPr>
-                <p:nvPr/>
-              </p:nvSpPr>
-              <p:spPr bwMode="auto">
-                <a:xfrm>
-                  <a:off x="3777" y="1998"/>
-                  <a:ext cx="0" cy="45"/>
-                </a:xfrm>
-                <a:prstGeom prst="line">
-                  <a:avLst/>
-                </a:prstGeom>
-                <a:noFill/>
-                <a:ln w="36720" cap="flat">
-                  <a:solidFill>
-                    <a:srgbClr val="FF0000"/>
-                  </a:solidFill>
-                  <a:miter lim="800000"/>
-                  <a:headEnd/>
-                  <a:tailEnd/>
-                </a:ln>
-                <a:effectLst/>
-                <a:extLst>
-                  <a:ext uri="{909E8E84-426E-40DD-AFC4-6F175D3DCCD1}">
-                    <a14:hiddenFill xmlns:a14="http://schemas.microsoft.com/office/drawing/2010/main">
-                      <a:noFill/>
-                    </a14:hiddenFill>
-                  </a:ext>
-                  <a:ext uri="{AF507438-7753-43E0-B8FC-AC1667EBCBE1}">
-                    <a14:hiddenEffects xmlns:a14="http://schemas.microsoft.com/office/drawing/2010/main">
-                      <a:effectLst>
-                        <a:outerShdw dist="35921" dir="2700000" algn="ctr" rotWithShape="0">
-                          <a:srgbClr val="808080"/>
-                        </a:outerShdw>
-                      </a:effectLst>
-                    </a14:hiddenEffects>
-                  </a:ext>
-                </a:extLst>
-              </p:spPr>
-              <p:txBody>
-                <a:bodyPr/>
-                <a:lstStyle/>
-                <a:p>
-                  <a:endParaRPr lang="en-US">
-                    <a:latin typeface="+mn-lt"/>
-                  </a:endParaRPr>
-                </a:p>
-              </p:txBody>
-            </p:sp>
-            <p:sp>
-              <p:nvSpPr>
-                <p:cNvPr id="27663" name="Line 15">
-                  <a:extLst>
-                    <a:ext uri="{FF2B5EF4-FFF2-40B4-BE49-F238E27FC236}">
-                      <a16:creationId xmlns:a16="http://schemas.microsoft.com/office/drawing/2014/main" id="{508486F9-5C17-49DD-8728-343C57252079}"/>
-                    </a:ext>
-                  </a:extLst>
-                </p:cNvPr>
-                <p:cNvSpPr>
-                  <a:spLocks noChangeShapeType="1"/>
-                </p:cNvSpPr>
-                <p:nvPr/>
-              </p:nvSpPr>
-              <p:spPr bwMode="auto">
-                <a:xfrm>
-                  <a:off x="3751" y="1942"/>
-                  <a:ext cx="45" cy="0"/>
-                </a:xfrm>
-                <a:prstGeom prst="line">
-                  <a:avLst/>
-                </a:prstGeom>
-                <a:noFill/>
-                <a:ln w="36720" cap="flat">
-                  <a:solidFill>
-                    <a:srgbClr val="FF0000"/>
-                  </a:solidFill>
-                  <a:miter lim="800000"/>
-                  <a:headEnd/>
-                  <a:tailEnd/>
-                </a:ln>
-                <a:effectLst/>
-                <a:extLst>
-                  <a:ext uri="{909E8E84-426E-40DD-AFC4-6F175D3DCCD1}">
-                    <a14:hiddenFill xmlns:a14="http://schemas.microsoft.com/office/drawing/2010/main">
-                      <a:noFill/>
-                    </a14:hiddenFill>
-                  </a:ext>
-                  <a:ext uri="{AF507438-7753-43E0-B8FC-AC1667EBCBE1}">
-                    <a14:hiddenEffects xmlns:a14="http://schemas.microsoft.com/office/drawing/2010/main">
-                      <a:effectLst>
-                        <a:outerShdw dist="35921" dir="2700000" algn="ctr" rotWithShape="0">
-                          <a:srgbClr val="808080"/>
-                        </a:outerShdw>
-                      </a:effectLst>
-                    </a14:hiddenEffects>
-                  </a:ext>
-                </a:extLst>
-              </p:spPr>
-              <p:txBody>
-                <a:bodyPr/>
-                <a:lstStyle/>
-                <a:p>
-                  <a:endParaRPr lang="en-US">
-                    <a:latin typeface="+mn-lt"/>
-                  </a:endParaRPr>
-                </a:p>
-              </p:txBody>
-            </p:sp>
-            <p:sp>
-              <p:nvSpPr>
-                <p:cNvPr id="27664" name="Line 16">
-                  <a:extLst>
-                    <a:ext uri="{FF2B5EF4-FFF2-40B4-BE49-F238E27FC236}">
-                      <a16:creationId xmlns:a16="http://schemas.microsoft.com/office/drawing/2014/main" id="{A9C4C918-48B4-4B10-9B56-0427CC42D072}"/>
-                    </a:ext>
-                  </a:extLst>
-                </p:cNvPr>
-                <p:cNvSpPr>
-                  <a:spLocks noChangeShapeType="1"/>
-                </p:cNvSpPr>
-                <p:nvPr/>
-              </p:nvSpPr>
-              <p:spPr bwMode="auto">
-                <a:xfrm>
-                  <a:off x="3777" y="1921"/>
-                  <a:ext cx="0" cy="40"/>
-                </a:xfrm>
-                <a:prstGeom prst="line">
-                  <a:avLst/>
-                </a:prstGeom>
-                <a:noFill/>
-                <a:ln w="36720" cap="flat">
-                  <a:solidFill>
-                    <a:srgbClr val="FF0000"/>
-                  </a:solidFill>
-                  <a:miter lim="800000"/>
-                  <a:headEnd/>
-                  <a:tailEnd/>
-                </a:ln>
-                <a:effectLst/>
-                <a:extLst>
-                  <a:ext uri="{909E8E84-426E-40DD-AFC4-6F175D3DCCD1}">
-                    <a14:hiddenFill xmlns:a14="http://schemas.microsoft.com/office/drawing/2010/main">
-                      <a:noFill/>
-                    </a14:hiddenFill>
-                  </a:ext>
-                  <a:ext uri="{AF507438-7753-43E0-B8FC-AC1667EBCBE1}">
-                    <a14:hiddenEffects xmlns:a14="http://schemas.microsoft.com/office/drawing/2010/main">
-                      <a:effectLst>
-                        <a:outerShdw dist="35921" dir="2700000" algn="ctr" rotWithShape="0">
-                          <a:srgbClr val="808080"/>
-                        </a:outerShdw>
-                      </a:effectLst>
-                    </a14:hiddenEffects>
-                  </a:ext>
-                </a:extLst>
-              </p:spPr>
-              <p:txBody>
-                <a:bodyPr/>
-                <a:lstStyle/>
-                <a:p>
-                  <a:endParaRPr lang="en-US">
-                    <a:latin typeface="+mn-lt"/>
-                  </a:endParaRPr>
-                </a:p>
-              </p:txBody>
-            </p:sp>
-            <p:sp>
-              <p:nvSpPr>
-                <p:cNvPr id="27665" name="Line 17">
-                  <a:extLst>
-                    <a:ext uri="{FF2B5EF4-FFF2-40B4-BE49-F238E27FC236}">
-                      <a16:creationId xmlns:a16="http://schemas.microsoft.com/office/drawing/2014/main" id="{2FDF3DBF-D6C9-4908-8DD1-E5A29CC9320A}"/>
-                    </a:ext>
-                  </a:extLst>
-                </p:cNvPr>
-                <p:cNvSpPr>
-                  <a:spLocks noChangeShapeType="1"/>
-                </p:cNvSpPr>
-                <p:nvPr/>
-              </p:nvSpPr>
-              <p:spPr bwMode="auto">
-                <a:xfrm>
-                  <a:off x="3751" y="3692"/>
-                  <a:ext cx="45" cy="0"/>
-                </a:xfrm>
-                <a:prstGeom prst="line">
-                  <a:avLst/>
-                </a:prstGeom>
-                <a:noFill/>
-                <a:ln w="36720" cap="flat">
-                  <a:solidFill>
-                    <a:srgbClr val="FF0000"/>
-                  </a:solidFill>
-                  <a:miter lim="800000"/>
-                  <a:headEnd/>
-                  <a:tailEnd/>
-                </a:ln>
-                <a:effectLst/>
-                <a:extLst>
-                  <a:ext uri="{909E8E84-426E-40DD-AFC4-6F175D3DCCD1}">
-                    <a14:hiddenFill xmlns:a14="http://schemas.microsoft.com/office/drawing/2010/main">
-                      <a:noFill/>
-                    </a14:hiddenFill>
-                  </a:ext>
-                  <a:ext uri="{AF507438-7753-43E0-B8FC-AC1667EBCBE1}">
-                    <a14:hiddenEffects xmlns:a14="http://schemas.microsoft.com/office/drawing/2010/main">
-                      <a:effectLst>
-                        <a:outerShdw dist="35921" dir="2700000" algn="ctr" rotWithShape="0">
-                          <a:srgbClr val="808080"/>
-                        </a:outerShdw>
-                      </a:effectLst>
-                    </a14:hiddenEffects>
-                  </a:ext>
-                </a:extLst>
-              </p:spPr>
-              <p:txBody>
-                <a:bodyPr/>
-                <a:lstStyle/>
-                <a:p>
-                  <a:endParaRPr lang="en-US">
-                    <a:latin typeface="+mn-lt"/>
-                  </a:endParaRPr>
-                </a:p>
-              </p:txBody>
-            </p:sp>
-            <p:sp>
-              <p:nvSpPr>
-                <p:cNvPr id="27666" name="Line 18">
-                  <a:extLst>
-                    <a:ext uri="{FF2B5EF4-FFF2-40B4-BE49-F238E27FC236}">
-                      <a16:creationId xmlns:a16="http://schemas.microsoft.com/office/drawing/2014/main" id="{2AB0E2AF-9C7C-4AAE-8D49-EB00D9A398C9}"/>
-                    </a:ext>
-                  </a:extLst>
-                </p:cNvPr>
-                <p:cNvSpPr>
-                  <a:spLocks noChangeShapeType="1"/>
-                </p:cNvSpPr>
-                <p:nvPr/>
-              </p:nvSpPr>
-              <p:spPr bwMode="auto">
-                <a:xfrm>
-                  <a:off x="3777" y="3672"/>
-                  <a:ext cx="0" cy="40"/>
-                </a:xfrm>
-                <a:prstGeom prst="line">
-                  <a:avLst/>
-                </a:prstGeom>
-                <a:noFill/>
-                <a:ln w="36720" cap="flat">
-                  <a:solidFill>
-                    <a:srgbClr val="FF0000"/>
-                  </a:solidFill>
-                  <a:miter lim="800000"/>
-                  <a:headEnd/>
-                  <a:tailEnd/>
-                </a:ln>
-                <a:effectLst/>
-                <a:extLst>
-                  <a:ext uri="{909E8E84-426E-40DD-AFC4-6F175D3DCCD1}">
-                    <a14:hiddenFill xmlns:a14="http://schemas.microsoft.com/office/drawing/2010/main">
-                      <a:noFill/>
-                    </a14:hiddenFill>
-                  </a:ext>
-                  <a:ext uri="{AF507438-7753-43E0-B8FC-AC1667EBCBE1}">
-                    <a14:hiddenEffects xmlns:a14="http://schemas.microsoft.com/office/drawing/2010/main">
-                      <a:effectLst>
-                        <a:outerShdw dist="35921" dir="2700000" algn="ctr" rotWithShape="0">
-                          <a:srgbClr val="808080"/>
-                        </a:outerShdw>
-                      </a:effectLst>
-                    </a14:hiddenEffects>
-                  </a:ext>
-                </a:extLst>
-              </p:spPr>
-              <p:txBody>
-                <a:bodyPr/>
-                <a:lstStyle/>
-                <a:p>
-                  <a:endParaRPr lang="en-US">
-                    <a:latin typeface="+mn-lt"/>
-                  </a:endParaRPr>
-                </a:p>
-              </p:txBody>
-            </p:sp>
-          </p:grpSp>
-          <p:grpSp>
-            <p:nvGrpSpPr>
-              <p:cNvPr id="27667" name="Group 19">
-                <a:extLst>
-                  <a:ext uri="{FF2B5EF4-FFF2-40B4-BE49-F238E27FC236}">
-                    <a16:creationId xmlns:a16="http://schemas.microsoft.com/office/drawing/2014/main" id="{014AA9EF-1220-49BD-86D6-82DA7B5FC46D}"/>
-                  </a:ext>
-                </a:extLst>
-              </p:cNvPr>
-              <p:cNvGrpSpPr>
-                <a:grpSpLocks/>
-              </p:cNvGrpSpPr>
-              <p:nvPr/>
-            </p:nvGrpSpPr>
-            <p:grpSpPr bwMode="auto">
-              <a:xfrm>
-                <a:off x="4075" y="1680"/>
-                <a:ext cx="719" cy="143"/>
-                <a:chOff x="4075" y="1680"/>
-                <a:chExt cx="719" cy="143"/>
-              </a:xfrm>
-            </p:grpSpPr>
-            <p:sp>
-              <p:nvSpPr>
-                <p:cNvPr id="27668" name="Line 20">
-                  <a:extLst>
-                    <a:ext uri="{FF2B5EF4-FFF2-40B4-BE49-F238E27FC236}">
-                      <a16:creationId xmlns:a16="http://schemas.microsoft.com/office/drawing/2014/main" id="{CC5B5DA0-910D-4B6D-A922-233CECE7909E}"/>
-                    </a:ext>
-                  </a:extLst>
-                </p:cNvPr>
-                <p:cNvSpPr>
-                  <a:spLocks noChangeShapeType="1"/>
-                </p:cNvSpPr>
-                <p:nvPr/>
-              </p:nvSpPr>
-              <p:spPr bwMode="auto">
-                <a:xfrm>
-                  <a:off x="4075" y="1769"/>
-                  <a:ext cx="287" cy="0"/>
-                </a:xfrm>
-                <a:prstGeom prst="line">
-                  <a:avLst/>
-                </a:prstGeom>
-                <a:noFill/>
-                <a:ln w="36720" cap="flat">
-                  <a:solidFill>
-                    <a:srgbClr val="000000"/>
-                  </a:solidFill>
-                  <a:miter lim="800000"/>
-                  <a:headEnd type="triangle" w="med" len="med"/>
-                  <a:tailEnd/>
-                </a:ln>
-                <a:effectLst/>
-                <a:extLst>
-                  <a:ext uri="{909E8E84-426E-40DD-AFC4-6F175D3DCCD1}">
-                    <a14:hiddenFill xmlns:a14="http://schemas.microsoft.com/office/drawing/2010/main">
-                      <a:noFill/>
-                    </a14:hiddenFill>
-                  </a:ext>
-                  <a:ext uri="{AF507438-7753-43E0-B8FC-AC1667EBCBE1}">
-                    <a14:hiddenEffects xmlns:a14="http://schemas.microsoft.com/office/drawing/2010/main">
-                      <a:effectLst>
-                        <a:outerShdw dist="35921" dir="2700000" algn="ctr" rotWithShape="0">
-                          <a:srgbClr val="808080"/>
-                        </a:outerShdw>
-                      </a:effectLst>
-                    </a14:hiddenEffects>
-                  </a:ext>
-                </a:extLst>
-              </p:spPr>
-              <p:txBody>
-                <a:bodyPr/>
-                <a:lstStyle/>
-                <a:p>
-                  <a:endParaRPr lang="en-US">
-                    <a:latin typeface="+mn-lt"/>
-                  </a:endParaRPr>
-                </a:p>
-              </p:txBody>
-            </p:sp>
-            <p:sp>
-              <p:nvSpPr>
-                <p:cNvPr id="27669" name="Text Box 21">
-                  <a:extLst>
-                    <a:ext uri="{FF2B5EF4-FFF2-40B4-BE49-F238E27FC236}">
-                      <a16:creationId xmlns:a16="http://schemas.microsoft.com/office/drawing/2014/main" id="{D128D847-EB34-4557-9CD2-DFE23AE07046}"/>
-                    </a:ext>
-                  </a:extLst>
-                </p:cNvPr>
-                <p:cNvSpPr txBox="1">
-                  <a:spLocks noChangeArrowheads="1"/>
-                </p:cNvSpPr>
-                <p:nvPr/>
-              </p:nvSpPr>
-              <p:spPr bwMode="auto">
-                <a:xfrm>
-                  <a:off x="4363" y="1680"/>
-                  <a:ext cx="431" cy="143"/>
-                </a:xfrm>
-                <a:prstGeom prst="rect">
-                  <a:avLst/>
-                </a:prstGeom>
-                <a:solidFill>
-                  <a:srgbClr val="FFFFFF"/>
-                </a:solidFill>
-                <a:ln>
-                  <a:noFill/>
-                </a:ln>
-                <a:effectLst/>
-                <a:extLst>
-                  <a:ext uri="{91240B29-F687-4F45-9708-019B960494DF}">
-                    <a14:hiddenLine xmlns:a14="http://schemas.microsoft.com/office/drawing/2010/main" w="36720" cap="flat">
-                      <a:solidFill>
-                        <a:srgbClr val="808080"/>
-                      </a:solidFill>
-                      <a:round/>
-                      <a:headEnd/>
-                      <a:tailEnd/>
-                    </a14:hiddenLine>
-                  </a:ext>
-                  <a:ext uri="{AF507438-7753-43E0-B8FC-AC1667EBCBE1}">
-                    <a14:hiddenEffects xmlns:a14="http://schemas.microsoft.com/office/drawing/2010/main">
-                      <a:effectLst>
-                        <a:outerShdw dist="35921" dir="2700000" algn="ctr" rotWithShape="0">
-                          <a:srgbClr val="808080"/>
-                        </a:outerShdw>
-                      </a:effectLst>
-                    </a14:hiddenEffects>
-                  </a:ext>
-                </a:extLst>
-              </p:spPr>
-              <p:txBody>
-                <a:bodyPr lIns="90000" tIns="46800" rIns="90000" bIns="46800"/>
-                <a:lstStyle>
-                  <a:lvl1pPr>
-                    <a:tabLst>
-                      <a:tab pos="0" algn="l"/>
-                      <a:tab pos="914400" algn="l"/>
-                      <a:tab pos="1828800" algn="l"/>
-                      <a:tab pos="2743200" algn="l"/>
-                      <a:tab pos="3657600" algn="l"/>
-                      <a:tab pos="4572000" algn="l"/>
-                      <a:tab pos="5486400" algn="l"/>
-                      <a:tab pos="6400800" algn="l"/>
-                      <a:tab pos="7315200" algn="l"/>
-                      <a:tab pos="8229600" algn="l"/>
-                      <a:tab pos="9144000" algn="l"/>
-                      <a:tab pos="10058400" algn="l"/>
-                    </a:tabLst>
-                    <a:defRPr sz="2400">
-                      <a:solidFill>
-                        <a:srgbClr val="000000"/>
-                      </a:solidFill>
-                      <a:latin typeface="Times New Roman" panose="02020603050405020304" pitchFamily="18" charset="0"/>
-                      <a:cs typeface="DejaVu Sans" charset="0"/>
-                    </a:defRPr>
-                  </a:lvl1pPr>
-                  <a:lvl2pPr>
-                    <a:tabLst>
-                      <a:tab pos="0" algn="l"/>
-                      <a:tab pos="914400" algn="l"/>
-                      <a:tab pos="1828800" algn="l"/>
-                      <a:tab pos="2743200" algn="l"/>
-                      <a:tab pos="3657600" algn="l"/>
-                      <a:tab pos="4572000" algn="l"/>
-                      <a:tab pos="5486400" algn="l"/>
-                      <a:tab pos="6400800" algn="l"/>
-                      <a:tab pos="7315200" algn="l"/>
-                      <a:tab pos="8229600" algn="l"/>
-                      <a:tab pos="9144000" algn="l"/>
-                      <a:tab pos="10058400" algn="l"/>
-                    </a:tabLst>
-                    <a:defRPr sz="2400">
-                      <a:solidFill>
-                        <a:srgbClr val="000000"/>
-                      </a:solidFill>
-                      <a:latin typeface="Times New Roman" panose="02020603050405020304" pitchFamily="18" charset="0"/>
-                      <a:cs typeface="DejaVu Sans" charset="0"/>
-                    </a:defRPr>
-                  </a:lvl2pPr>
-                  <a:lvl3pPr>
-                    <a:tabLst>
-                      <a:tab pos="0" algn="l"/>
-                      <a:tab pos="914400" algn="l"/>
-                      <a:tab pos="1828800" algn="l"/>
-                      <a:tab pos="2743200" algn="l"/>
-                      <a:tab pos="3657600" algn="l"/>
-                      <a:tab pos="4572000" algn="l"/>
-                      <a:tab pos="5486400" algn="l"/>
-                      <a:tab pos="6400800" algn="l"/>
-                      <a:tab pos="7315200" algn="l"/>
-                      <a:tab pos="8229600" algn="l"/>
-                      <a:tab pos="9144000" algn="l"/>
-                      <a:tab pos="10058400" algn="l"/>
-                    </a:tabLst>
-                    <a:defRPr sz="2400">
-                      <a:solidFill>
-                        <a:srgbClr val="000000"/>
-                      </a:solidFill>
-                      <a:latin typeface="Times New Roman" panose="02020603050405020304" pitchFamily="18" charset="0"/>
-                      <a:cs typeface="DejaVu Sans" charset="0"/>
-                    </a:defRPr>
-                  </a:lvl3pPr>
-                  <a:lvl4pPr>
-                    <a:tabLst>
-                      <a:tab pos="0" algn="l"/>
-                      <a:tab pos="914400" algn="l"/>
-                      <a:tab pos="1828800" algn="l"/>
-                      <a:tab pos="2743200" algn="l"/>
-                      <a:tab pos="3657600" algn="l"/>
-                      <a:tab pos="4572000" algn="l"/>
-                      <a:tab pos="5486400" algn="l"/>
-                      <a:tab pos="6400800" algn="l"/>
-                      <a:tab pos="7315200" algn="l"/>
-                      <a:tab pos="8229600" algn="l"/>
-                      <a:tab pos="9144000" algn="l"/>
-                      <a:tab pos="10058400" algn="l"/>
-                    </a:tabLst>
-                    <a:defRPr sz="2400">
-                      <a:solidFill>
-                        <a:srgbClr val="000000"/>
-                      </a:solidFill>
-                      <a:latin typeface="Times New Roman" panose="02020603050405020304" pitchFamily="18" charset="0"/>
-                      <a:cs typeface="DejaVu Sans" charset="0"/>
-                    </a:defRPr>
-                  </a:lvl4pPr>
-                  <a:lvl5pPr>
-                    <a:tabLst>
-                      <a:tab pos="0" algn="l"/>
-                      <a:tab pos="914400" algn="l"/>
-                      <a:tab pos="1828800" algn="l"/>
-                      <a:tab pos="2743200" algn="l"/>
-                      <a:tab pos="3657600" algn="l"/>
-                      <a:tab pos="4572000" algn="l"/>
-                      <a:tab pos="5486400" algn="l"/>
-                      <a:tab pos="6400800" algn="l"/>
-                      <a:tab pos="7315200" algn="l"/>
-                      <a:tab pos="8229600" algn="l"/>
-                      <a:tab pos="9144000" algn="l"/>
-                      <a:tab pos="10058400" algn="l"/>
-                    </a:tabLst>
-                    <a:defRPr sz="2400">
-                      <a:solidFill>
-                        <a:srgbClr val="000000"/>
-                      </a:solidFill>
-                      <a:latin typeface="Times New Roman" panose="02020603050405020304" pitchFamily="18" charset="0"/>
-                      <a:cs typeface="DejaVu Sans" charset="0"/>
-                    </a:defRPr>
-                  </a:lvl5pPr>
-                  <a:lvl6pPr marL="2514600" indent="-228600" defTabSz="457200" eaLnBrk="0" fontAlgn="base" hangingPunct="0">
-                    <a:spcBef>
-                      <a:spcPct val="0"/>
-                    </a:spcBef>
-                    <a:spcAft>
-                      <a:spcPct val="0"/>
-                    </a:spcAft>
-                    <a:buClr>
-                      <a:srgbClr val="000000"/>
-                    </a:buClr>
-                    <a:buSzPct val="100000"/>
-                    <a:buFont typeface="Times New Roman" panose="02020603050405020304" pitchFamily="18" charset="0"/>
-                    <a:tabLst>
-                      <a:tab pos="0" algn="l"/>
-                      <a:tab pos="914400" algn="l"/>
-                      <a:tab pos="1828800" algn="l"/>
-                      <a:tab pos="2743200" algn="l"/>
-                      <a:tab pos="3657600" algn="l"/>
-                      <a:tab pos="4572000" algn="l"/>
-                      <a:tab pos="5486400" algn="l"/>
-                      <a:tab pos="6400800" algn="l"/>
-                      <a:tab pos="7315200" algn="l"/>
-                      <a:tab pos="8229600" algn="l"/>
-                      <a:tab pos="9144000" algn="l"/>
-                      <a:tab pos="10058400" algn="l"/>
-                    </a:tabLst>
-                    <a:defRPr sz="2400">
-                      <a:solidFill>
-                        <a:srgbClr val="000000"/>
-                      </a:solidFill>
-                      <a:latin typeface="Times New Roman" panose="02020603050405020304" pitchFamily="18" charset="0"/>
-                      <a:cs typeface="DejaVu Sans" charset="0"/>
-                    </a:defRPr>
-                  </a:lvl6pPr>
-                  <a:lvl7pPr marL="2971800" indent="-228600" defTabSz="457200" eaLnBrk="0" fontAlgn="base" hangingPunct="0">
-                    <a:spcBef>
-                      <a:spcPct val="0"/>
-                    </a:spcBef>
-                    <a:spcAft>
-                      <a:spcPct val="0"/>
-                    </a:spcAft>
-                    <a:buClr>
-                      <a:srgbClr val="000000"/>
-                    </a:buClr>
-                    <a:buSzPct val="100000"/>
-                    <a:buFont typeface="Times New Roman" panose="02020603050405020304" pitchFamily="18" charset="0"/>
-                    <a:tabLst>
-                      <a:tab pos="0" algn="l"/>
-                      <a:tab pos="914400" algn="l"/>
-                      <a:tab pos="1828800" algn="l"/>
-                      <a:tab pos="2743200" algn="l"/>
-                      <a:tab pos="3657600" algn="l"/>
-                      <a:tab pos="4572000" algn="l"/>
-                      <a:tab pos="5486400" algn="l"/>
-                      <a:tab pos="6400800" algn="l"/>
-                      <a:tab pos="7315200" algn="l"/>
-                      <a:tab pos="8229600" algn="l"/>
-                      <a:tab pos="9144000" algn="l"/>
-                      <a:tab pos="10058400" algn="l"/>
-                    </a:tabLst>
-                    <a:defRPr sz="2400">
-                      <a:solidFill>
-                        <a:srgbClr val="000000"/>
-                      </a:solidFill>
-                      <a:latin typeface="Times New Roman" panose="02020603050405020304" pitchFamily="18" charset="0"/>
-                      <a:cs typeface="DejaVu Sans" charset="0"/>
-                    </a:defRPr>
-                  </a:lvl7pPr>
-                  <a:lvl8pPr marL="3429000" indent="-228600" defTabSz="457200" eaLnBrk="0" fontAlgn="base" hangingPunct="0">
-                    <a:spcBef>
-                      <a:spcPct val="0"/>
-                    </a:spcBef>
-                    <a:spcAft>
-                      <a:spcPct val="0"/>
-                    </a:spcAft>
-                    <a:buClr>
-                      <a:srgbClr val="000000"/>
-                    </a:buClr>
-                    <a:buSzPct val="100000"/>
-                    <a:buFont typeface="Times New Roman" panose="02020603050405020304" pitchFamily="18" charset="0"/>
-                    <a:tabLst>
-                      <a:tab pos="0" algn="l"/>
-                      <a:tab pos="914400" algn="l"/>
-                      <a:tab pos="1828800" algn="l"/>
-                      <a:tab pos="2743200" algn="l"/>
-                      <a:tab pos="3657600" algn="l"/>
-                      <a:tab pos="4572000" algn="l"/>
-                      <a:tab pos="5486400" algn="l"/>
-                      <a:tab pos="6400800" algn="l"/>
-                      <a:tab pos="7315200" algn="l"/>
-                      <a:tab pos="8229600" algn="l"/>
-                      <a:tab pos="9144000" algn="l"/>
-                      <a:tab pos="10058400" algn="l"/>
-                    </a:tabLst>
-                    <a:defRPr sz="2400">
-                      <a:solidFill>
-                        <a:srgbClr val="000000"/>
-                      </a:solidFill>
-                      <a:latin typeface="Times New Roman" panose="02020603050405020304" pitchFamily="18" charset="0"/>
-                      <a:cs typeface="DejaVu Sans" charset="0"/>
-                    </a:defRPr>
-                  </a:lvl8pPr>
-                  <a:lvl9pPr marL="3886200" indent="-228600" defTabSz="457200" eaLnBrk="0" fontAlgn="base" hangingPunct="0">
-                    <a:spcBef>
-                      <a:spcPct val="0"/>
-                    </a:spcBef>
-                    <a:spcAft>
-                      <a:spcPct val="0"/>
-                    </a:spcAft>
-                    <a:buClr>
-                      <a:srgbClr val="000000"/>
-                    </a:buClr>
-                    <a:buSzPct val="100000"/>
-                    <a:buFont typeface="Times New Roman" panose="02020603050405020304" pitchFamily="18" charset="0"/>
-                    <a:tabLst>
-                      <a:tab pos="0" algn="l"/>
-                      <a:tab pos="914400" algn="l"/>
-                      <a:tab pos="1828800" algn="l"/>
-                      <a:tab pos="2743200" algn="l"/>
-                      <a:tab pos="3657600" algn="l"/>
-                      <a:tab pos="4572000" algn="l"/>
-                      <a:tab pos="5486400" algn="l"/>
-                      <a:tab pos="6400800" algn="l"/>
-                      <a:tab pos="7315200" algn="l"/>
-                      <a:tab pos="8229600" algn="l"/>
-                      <a:tab pos="9144000" algn="l"/>
-                      <a:tab pos="10058400" algn="l"/>
-                    </a:tabLst>
-                    <a:defRPr sz="2400">
-                      <a:solidFill>
-                        <a:srgbClr val="000000"/>
-                      </a:solidFill>
-                      <a:latin typeface="Times New Roman" panose="02020603050405020304" pitchFamily="18" charset="0"/>
-                      <a:cs typeface="DejaVu Sans" charset="0"/>
-                    </a:defRPr>
-                  </a:lvl9pPr>
-                </a:lstStyle>
-                <a:p>
-                  <a:pPr>
-                    <a:buClrTx/>
-                    <a:buFontTx/>
-                    <a:buNone/>
-                  </a:pPr>
-                  <a:r>
-                    <a:rPr lang="en-US" altLang="en-US" sz="1200">
-                      <a:latin typeface="+mn-lt"/>
-                    </a:rPr>
-                    <a:t>outlier</a:t>
-                  </a:r>
-                </a:p>
-              </p:txBody>
-            </p:sp>
-          </p:grpSp>
-          <p:grpSp>
-            <p:nvGrpSpPr>
-              <p:cNvPr id="27670" name="Group 22">
-                <a:extLst>
-                  <a:ext uri="{FF2B5EF4-FFF2-40B4-BE49-F238E27FC236}">
-                    <a16:creationId xmlns:a16="http://schemas.microsoft.com/office/drawing/2014/main" id="{1DE33640-5633-4EC0-80D5-1348E28B7BE7}"/>
-                  </a:ext>
-                </a:extLst>
-              </p:cNvPr>
-              <p:cNvGrpSpPr>
-                <a:grpSpLocks/>
-              </p:cNvGrpSpPr>
-              <p:nvPr/>
-            </p:nvGrpSpPr>
-            <p:grpSpPr bwMode="auto">
-              <a:xfrm>
-                <a:off x="4075" y="3425"/>
-                <a:ext cx="1079" cy="215"/>
-                <a:chOff x="4075" y="3425"/>
-                <a:chExt cx="1079" cy="215"/>
-              </a:xfrm>
-            </p:grpSpPr>
-            <p:sp>
-              <p:nvSpPr>
-                <p:cNvPr id="27671" name="Line 23">
-                  <a:extLst>
-                    <a:ext uri="{FF2B5EF4-FFF2-40B4-BE49-F238E27FC236}">
-                      <a16:creationId xmlns:a16="http://schemas.microsoft.com/office/drawing/2014/main" id="{05EF3E7A-20B5-4AB1-8C4B-ECCE2A3AB5BC}"/>
-                    </a:ext>
-                  </a:extLst>
-                </p:cNvPr>
-                <p:cNvSpPr>
-                  <a:spLocks noChangeShapeType="1"/>
-                </p:cNvSpPr>
-                <p:nvPr/>
-              </p:nvSpPr>
-              <p:spPr bwMode="auto">
-                <a:xfrm>
-                  <a:off x="4075" y="3514"/>
-                  <a:ext cx="287" cy="0"/>
-                </a:xfrm>
-                <a:prstGeom prst="line">
-                  <a:avLst/>
-                </a:prstGeom>
-                <a:noFill/>
-                <a:ln w="36720" cap="flat">
-                  <a:solidFill>
-                    <a:srgbClr val="000000"/>
-                  </a:solidFill>
-                  <a:miter lim="800000"/>
-                  <a:headEnd type="triangle" w="med" len="med"/>
-                  <a:tailEnd/>
-                </a:ln>
-                <a:effectLst/>
-                <a:extLst>
-                  <a:ext uri="{909E8E84-426E-40DD-AFC4-6F175D3DCCD1}">
-                    <a14:hiddenFill xmlns:a14="http://schemas.microsoft.com/office/drawing/2010/main">
-                      <a:noFill/>
-                    </a14:hiddenFill>
-                  </a:ext>
-                  <a:ext uri="{AF507438-7753-43E0-B8FC-AC1667EBCBE1}">
-                    <a14:hiddenEffects xmlns:a14="http://schemas.microsoft.com/office/drawing/2010/main">
-                      <a:effectLst>
-                        <a:outerShdw dist="35921" dir="2700000" algn="ctr" rotWithShape="0">
-                          <a:srgbClr val="808080"/>
-                        </a:outerShdw>
-                      </a:effectLst>
-                    </a14:hiddenEffects>
-                  </a:ext>
-                </a:extLst>
-              </p:spPr>
-              <p:txBody>
-                <a:bodyPr/>
-                <a:lstStyle/>
-                <a:p>
-                  <a:endParaRPr lang="en-US">
-                    <a:latin typeface="+mn-lt"/>
-                  </a:endParaRPr>
-                </a:p>
-              </p:txBody>
-            </p:sp>
-            <p:sp>
-              <p:nvSpPr>
-                <p:cNvPr id="27672" name="Text Box 24">
-                  <a:extLst>
-                    <a:ext uri="{FF2B5EF4-FFF2-40B4-BE49-F238E27FC236}">
-                      <a16:creationId xmlns:a16="http://schemas.microsoft.com/office/drawing/2014/main" id="{EB003124-A038-44A0-8244-048BFA02EFED}"/>
-                    </a:ext>
-                  </a:extLst>
-                </p:cNvPr>
-                <p:cNvSpPr txBox="1">
-                  <a:spLocks noChangeArrowheads="1"/>
-                </p:cNvSpPr>
-                <p:nvPr/>
-              </p:nvSpPr>
-              <p:spPr bwMode="auto">
-                <a:xfrm>
-                  <a:off x="4363" y="3425"/>
-                  <a:ext cx="791" cy="215"/>
-                </a:xfrm>
-                <a:prstGeom prst="rect">
-                  <a:avLst/>
-                </a:prstGeom>
-                <a:solidFill>
-                  <a:srgbClr val="FFFFFF"/>
-                </a:solidFill>
-                <a:ln>
-                  <a:noFill/>
-                </a:ln>
-                <a:effectLst/>
-                <a:extLst>
-                  <a:ext uri="{91240B29-F687-4F45-9708-019B960494DF}">
-                    <a14:hiddenLine xmlns:a14="http://schemas.microsoft.com/office/drawing/2010/main" w="36720" cap="flat">
-                      <a:solidFill>
-                        <a:srgbClr val="808080"/>
-                      </a:solidFill>
-                      <a:round/>
-                      <a:headEnd/>
-                      <a:tailEnd/>
-                    </a14:hiddenLine>
-                  </a:ext>
-                  <a:ext uri="{AF507438-7753-43E0-B8FC-AC1667EBCBE1}">
-                    <a14:hiddenEffects xmlns:a14="http://schemas.microsoft.com/office/drawing/2010/main">
-                      <a:effectLst>
-                        <a:outerShdw dist="35921" dir="2700000" algn="ctr" rotWithShape="0">
-                          <a:srgbClr val="808080"/>
-                        </a:outerShdw>
-                      </a:effectLst>
-                    </a14:hiddenEffects>
-                  </a:ext>
-                </a:extLst>
-              </p:spPr>
-              <p:txBody>
-                <a:bodyPr lIns="90000" tIns="46800" rIns="90000" bIns="46800"/>
-                <a:lstStyle>
-                  <a:lvl1pPr>
-                    <a:tabLst>
-                      <a:tab pos="0" algn="l"/>
-                      <a:tab pos="914400" algn="l"/>
-                      <a:tab pos="1828800" algn="l"/>
-                      <a:tab pos="2743200" algn="l"/>
-                      <a:tab pos="3657600" algn="l"/>
-                      <a:tab pos="4572000" algn="l"/>
-                      <a:tab pos="5486400" algn="l"/>
-                      <a:tab pos="6400800" algn="l"/>
-                      <a:tab pos="7315200" algn="l"/>
-                      <a:tab pos="8229600" algn="l"/>
-                      <a:tab pos="9144000" algn="l"/>
-                      <a:tab pos="10058400" algn="l"/>
-                    </a:tabLst>
-                    <a:defRPr sz="2400">
-                      <a:solidFill>
-                        <a:srgbClr val="000000"/>
-                      </a:solidFill>
-                      <a:latin typeface="Times New Roman" panose="02020603050405020304" pitchFamily="18" charset="0"/>
-                      <a:cs typeface="DejaVu Sans" charset="0"/>
-                    </a:defRPr>
-                  </a:lvl1pPr>
-                  <a:lvl2pPr>
-                    <a:tabLst>
-                      <a:tab pos="0" algn="l"/>
-                      <a:tab pos="914400" algn="l"/>
-                      <a:tab pos="1828800" algn="l"/>
-                      <a:tab pos="2743200" algn="l"/>
-                      <a:tab pos="3657600" algn="l"/>
-                      <a:tab pos="4572000" algn="l"/>
-                      <a:tab pos="5486400" algn="l"/>
-                      <a:tab pos="6400800" algn="l"/>
-                      <a:tab pos="7315200" algn="l"/>
-                      <a:tab pos="8229600" algn="l"/>
-                      <a:tab pos="9144000" algn="l"/>
-                      <a:tab pos="10058400" algn="l"/>
-                    </a:tabLst>
-                    <a:defRPr sz="2400">
-                      <a:solidFill>
-                        <a:srgbClr val="000000"/>
-                      </a:solidFill>
-                      <a:latin typeface="Times New Roman" panose="02020603050405020304" pitchFamily="18" charset="0"/>
-                      <a:cs typeface="DejaVu Sans" charset="0"/>
-                    </a:defRPr>
-                  </a:lvl2pPr>
-                  <a:lvl3pPr>
-                    <a:tabLst>
-                      <a:tab pos="0" algn="l"/>
-                      <a:tab pos="914400" algn="l"/>
-                      <a:tab pos="1828800" algn="l"/>
-                      <a:tab pos="2743200" algn="l"/>
-                      <a:tab pos="3657600" algn="l"/>
-                      <a:tab pos="4572000" algn="l"/>
-                      <a:tab pos="5486400" algn="l"/>
-                      <a:tab pos="6400800" algn="l"/>
-                      <a:tab pos="7315200" algn="l"/>
-                      <a:tab pos="8229600" algn="l"/>
-                      <a:tab pos="9144000" algn="l"/>
-                      <a:tab pos="10058400" algn="l"/>
-                    </a:tabLst>
-                    <a:defRPr sz="2400">
-                      <a:solidFill>
-                        <a:srgbClr val="000000"/>
-                      </a:solidFill>
-                      <a:latin typeface="Times New Roman" panose="02020603050405020304" pitchFamily="18" charset="0"/>
-                      <a:cs typeface="DejaVu Sans" charset="0"/>
-                    </a:defRPr>
-                  </a:lvl3pPr>
-                  <a:lvl4pPr>
-                    <a:tabLst>
-                      <a:tab pos="0" algn="l"/>
-                      <a:tab pos="914400" algn="l"/>
-                      <a:tab pos="1828800" algn="l"/>
-                      <a:tab pos="2743200" algn="l"/>
-                      <a:tab pos="3657600" algn="l"/>
-                      <a:tab pos="4572000" algn="l"/>
-                      <a:tab pos="5486400" algn="l"/>
-                      <a:tab pos="6400800" algn="l"/>
-                      <a:tab pos="7315200" algn="l"/>
-                      <a:tab pos="8229600" algn="l"/>
-                      <a:tab pos="9144000" algn="l"/>
-                      <a:tab pos="10058400" algn="l"/>
-                    </a:tabLst>
-                    <a:defRPr sz="2400">
-                      <a:solidFill>
-                        <a:srgbClr val="000000"/>
-                      </a:solidFill>
-                      <a:latin typeface="Times New Roman" panose="02020603050405020304" pitchFamily="18" charset="0"/>
-                      <a:cs typeface="DejaVu Sans" charset="0"/>
-                    </a:defRPr>
-                  </a:lvl4pPr>
-                  <a:lvl5pPr>
-                    <a:tabLst>
-                      <a:tab pos="0" algn="l"/>
-                      <a:tab pos="914400" algn="l"/>
-                      <a:tab pos="1828800" algn="l"/>
-                      <a:tab pos="2743200" algn="l"/>
-                      <a:tab pos="3657600" algn="l"/>
-                      <a:tab pos="4572000" algn="l"/>
-                      <a:tab pos="5486400" algn="l"/>
-                      <a:tab pos="6400800" algn="l"/>
-                      <a:tab pos="7315200" algn="l"/>
-                      <a:tab pos="8229600" algn="l"/>
-                      <a:tab pos="9144000" algn="l"/>
-                      <a:tab pos="10058400" algn="l"/>
-                    </a:tabLst>
-                    <a:defRPr sz="2400">
-                      <a:solidFill>
-                        <a:srgbClr val="000000"/>
-                      </a:solidFill>
-                      <a:latin typeface="Times New Roman" panose="02020603050405020304" pitchFamily="18" charset="0"/>
-                      <a:cs typeface="DejaVu Sans" charset="0"/>
-                    </a:defRPr>
-                  </a:lvl5pPr>
-                  <a:lvl6pPr marL="2514600" indent="-228600" defTabSz="457200" eaLnBrk="0" fontAlgn="base" hangingPunct="0">
-                    <a:spcBef>
-                      <a:spcPct val="0"/>
-                    </a:spcBef>
-                    <a:spcAft>
-                      <a:spcPct val="0"/>
-                    </a:spcAft>
-                    <a:buClr>
-                      <a:srgbClr val="000000"/>
-                    </a:buClr>
-                    <a:buSzPct val="100000"/>
-                    <a:buFont typeface="Times New Roman" panose="02020603050405020304" pitchFamily="18" charset="0"/>
-                    <a:tabLst>
-                      <a:tab pos="0" algn="l"/>
-                      <a:tab pos="914400" algn="l"/>
-                      <a:tab pos="1828800" algn="l"/>
-                      <a:tab pos="2743200" algn="l"/>
-                      <a:tab pos="3657600" algn="l"/>
-                      <a:tab pos="4572000" algn="l"/>
-                      <a:tab pos="5486400" algn="l"/>
-                      <a:tab pos="6400800" algn="l"/>
-                      <a:tab pos="7315200" algn="l"/>
-                      <a:tab pos="8229600" algn="l"/>
-                      <a:tab pos="9144000" algn="l"/>
-                      <a:tab pos="10058400" algn="l"/>
-                    </a:tabLst>
-                    <a:defRPr sz="2400">
-                      <a:solidFill>
-                        <a:srgbClr val="000000"/>
-                      </a:solidFill>
-                      <a:latin typeface="Times New Roman" panose="02020603050405020304" pitchFamily="18" charset="0"/>
-                      <a:cs typeface="DejaVu Sans" charset="0"/>
-                    </a:defRPr>
-                  </a:lvl6pPr>
-                  <a:lvl7pPr marL="2971800" indent="-228600" defTabSz="457200" eaLnBrk="0" fontAlgn="base" hangingPunct="0">
-                    <a:spcBef>
-                      <a:spcPct val="0"/>
-                    </a:spcBef>
-                    <a:spcAft>
-                      <a:spcPct val="0"/>
-                    </a:spcAft>
-                    <a:buClr>
-                      <a:srgbClr val="000000"/>
-                    </a:buClr>
-                    <a:buSzPct val="100000"/>
-                    <a:buFont typeface="Times New Roman" panose="02020603050405020304" pitchFamily="18" charset="0"/>
-                    <a:tabLst>
-                      <a:tab pos="0" algn="l"/>
-                      <a:tab pos="914400" algn="l"/>
-                      <a:tab pos="1828800" algn="l"/>
-                      <a:tab pos="2743200" algn="l"/>
-                      <a:tab pos="3657600" algn="l"/>
-                      <a:tab pos="4572000" algn="l"/>
-                      <a:tab pos="5486400" algn="l"/>
-                      <a:tab pos="6400800" algn="l"/>
-                      <a:tab pos="7315200" algn="l"/>
-                      <a:tab pos="8229600" algn="l"/>
-                      <a:tab pos="9144000" algn="l"/>
-                      <a:tab pos="10058400" algn="l"/>
-                    </a:tabLst>
-                    <a:defRPr sz="2400">
-                      <a:solidFill>
-                        <a:srgbClr val="000000"/>
-                      </a:solidFill>
-                      <a:latin typeface="Times New Roman" panose="02020603050405020304" pitchFamily="18" charset="0"/>
-                      <a:cs typeface="DejaVu Sans" charset="0"/>
-                    </a:defRPr>
-                  </a:lvl7pPr>
-                  <a:lvl8pPr marL="3429000" indent="-228600" defTabSz="457200" eaLnBrk="0" fontAlgn="base" hangingPunct="0">
-                    <a:spcBef>
-                      <a:spcPct val="0"/>
-                    </a:spcBef>
-                    <a:spcAft>
-                      <a:spcPct val="0"/>
-                    </a:spcAft>
-                    <a:buClr>
-                      <a:srgbClr val="000000"/>
-                    </a:buClr>
-                    <a:buSzPct val="100000"/>
-                    <a:buFont typeface="Times New Roman" panose="02020603050405020304" pitchFamily="18" charset="0"/>
-                    <a:tabLst>
-                      <a:tab pos="0" algn="l"/>
-                      <a:tab pos="914400" algn="l"/>
-                      <a:tab pos="1828800" algn="l"/>
-                      <a:tab pos="2743200" algn="l"/>
-                      <a:tab pos="3657600" algn="l"/>
-                      <a:tab pos="4572000" algn="l"/>
-                      <a:tab pos="5486400" algn="l"/>
-                      <a:tab pos="6400800" algn="l"/>
-                      <a:tab pos="7315200" algn="l"/>
-                      <a:tab pos="8229600" algn="l"/>
-                      <a:tab pos="9144000" algn="l"/>
-                      <a:tab pos="10058400" algn="l"/>
-                    </a:tabLst>
-                    <a:defRPr sz="2400">
-                      <a:solidFill>
-                        <a:srgbClr val="000000"/>
-                      </a:solidFill>
-                      <a:latin typeface="Times New Roman" panose="02020603050405020304" pitchFamily="18" charset="0"/>
-                      <a:cs typeface="DejaVu Sans" charset="0"/>
-                    </a:defRPr>
-                  </a:lvl8pPr>
-                  <a:lvl9pPr marL="3886200" indent="-228600" defTabSz="457200" eaLnBrk="0" fontAlgn="base" hangingPunct="0">
-                    <a:spcBef>
-                      <a:spcPct val="0"/>
-                    </a:spcBef>
-                    <a:spcAft>
-                      <a:spcPct val="0"/>
-                    </a:spcAft>
-                    <a:buClr>
-                      <a:srgbClr val="000000"/>
-                    </a:buClr>
-                    <a:buSzPct val="100000"/>
-                    <a:buFont typeface="Times New Roman" panose="02020603050405020304" pitchFamily="18" charset="0"/>
-                    <a:tabLst>
-                      <a:tab pos="0" algn="l"/>
-                      <a:tab pos="914400" algn="l"/>
-                      <a:tab pos="1828800" algn="l"/>
-                      <a:tab pos="2743200" algn="l"/>
-                      <a:tab pos="3657600" algn="l"/>
-                      <a:tab pos="4572000" algn="l"/>
-                      <a:tab pos="5486400" algn="l"/>
-                      <a:tab pos="6400800" algn="l"/>
-                      <a:tab pos="7315200" algn="l"/>
-                      <a:tab pos="8229600" algn="l"/>
-                      <a:tab pos="9144000" algn="l"/>
-                      <a:tab pos="10058400" algn="l"/>
-                    </a:tabLst>
-                    <a:defRPr sz="2400">
-                      <a:solidFill>
-                        <a:srgbClr val="000000"/>
-                      </a:solidFill>
-                      <a:latin typeface="Times New Roman" panose="02020603050405020304" pitchFamily="18" charset="0"/>
-                      <a:cs typeface="DejaVu Sans" charset="0"/>
-                    </a:defRPr>
-                  </a:lvl9pPr>
-                </a:lstStyle>
-                <a:p>
-                  <a:r>
-                    <a:rPr lang="en-US" altLang="en-US" sz="1200">
-                      <a:latin typeface="+mn-lt"/>
-                    </a:rPr>
-                    <a:t>25</a:t>
-                  </a:r>
-                  <a:r>
-                    <a:rPr lang="en-US" altLang="en-US" sz="1200" baseline="30000">
-                      <a:latin typeface="+mn-lt"/>
-                    </a:rPr>
-                    <a:t>th</a:t>
-                  </a:r>
-                  <a:r>
-                    <a:rPr lang="en-US" altLang="en-US" sz="1200">
-                      <a:latin typeface="+mn-lt"/>
-                    </a:rPr>
-                    <a:t> percentile – 1.5 IQR</a:t>
-                  </a:r>
-                </a:p>
-              </p:txBody>
-            </p:sp>
-          </p:grpSp>
-          <p:grpSp>
-            <p:nvGrpSpPr>
-              <p:cNvPr id="27673" name="Group 25">
-                <a:extLst>
-                  <a:ext uri="{FF2B5EF4-FFF2-40B4-BE49-F238E27FC236}">
-                    <a16:creationId xmlns:a16="http://schemas.microsoft.com/office/drawing/2014/main" id="{D298FC53-876C-4D76-9053-DCA749F8562E}"/>
-                  </a:ext>
-                </a:extLst>
-              </p:cNvPr>
-              <p:cNvGrpSpPr>
-                <a:grpSpLocks/>
-              </p:cNvGrpSpPr>
-              <p:nvPr/>
-            </p:nvGrpSpPr>
-            <p:grpSpPr bwMode="auto">
-              <a:xfrm>
-                <a:off x="4075" y="2993"/>
-                <a:ext cx="1079" cy="215"/>
-                <a:chOff x="4075" y="2993"/>
-                <a:chExt cx="1079" cy="215"/>
-              </a:xfrm>
-            </p:grpSpPr>
-            <p:sp>
-              <p:nvSpPr>
-                <p:cNvPr id="27674" name="Line 26">
-                  <a:extLst>
-                    <a:ext uri="{FF2B5EF4-FFF2-40B4-BE49-F238E27FC236}">
-                      <a16:creationId xmlns:a16="http://schemas.microsoft.com/office/drawing/2014/main" id="{B162AB2C-0685-4BEC-811C-0BC5B8A1C253}"/>
-                    </a:ext>
-                  </a:extLst>
-                </p:cNvPr>
-                <p:cNvSpPr>
-                  <a:spLocks noChangeShapeType="1"/>
-                </p:cNvSpPr>
-                <p:nvPr/>
-              </p:nvSpPr>
-              <p:spPr bwMode="auto">
-                <a:xfrm>
-                  <a:off x="4075" y="3082"/>
-                  <a:ext cx="287" cy="0"/>
-                </a:xfrm>
-                <a:prstGeom prst="line">
-                  <a:avLst/>
-                </a:prstGeom>
-                <a:noFill/>
-                <a:ln w="36720" cap="flat">
-                  <a:solidFill>
-                    <a:srgbClr val="000000"/>
-                  </a:solidFill>
-                  <a:miter lim="800000"/>
-                  <a:headEnd type="triangle" w="med" len="med"/>
-                  <a:tailEnd/>
-                </a:ln>
-                <a:effectLst/>
-                <a:extLst>
-                  <a:ext uri="{909E8E84-426E-40DD-AFC4-6F175D3DCCD1}">
-                    <a14:hiddenFill xmlns:a14="http://schemas.microsoft.com/office/drawing/2010/main">
-                      <a:noFill/>
-                    </a14:hiddenFill>
-                  </a:ext>
-                  <a:ext uri="{AF507438-7753-43E0-B8FC-AC1667EBCBE1}">
-                    <a14:hiddenEffects xmlns:a14="http://schemas.microsoft.com/office/drawing/2010/main">
-                      <a:effectLst>
-                        <a:outerShdw dist="35921" dir="2700000" algn="ctr" rotWithShape="0">
-                          <a:srgbClr val="808080"/>
-                        </a:outerShdw>
-                      </a:effectLst>
-                    </a14:hiddenEffects>
-                  </a:ext>
-                </a:extLst>
-              </p:spPr>
-              <p:txBody>
-                <a:bodyPr/>
-                <a:lstStyle/>
-                <a:p>
-                  <a:endParaRPr lang="en-US">
-                    <a:latin typeface="+mn-lt"/>
-                  </a:endParaRPr>
-                </a:p>
-              </p:txBody>
-            </p:sp>
-            <p:sp>
-              <p:nvSpPr>
-                <p:cNvPr id="27675" name="Text Box 27">
-                  <a:extLst>
-                    <a:ext uri="{FF2B5EF4-FFF2-40B4-BE49-F238E27FC236}">
-                      <a16:creationId xmlns:a16="http://schemas.microsoft.com/office/drawing/2014/main" id="{EECB5F86-3F64-4F08-ACA0-5C48795A2646}"/>
-                    </a:ext>
-                  </a:extLst>
-                </p:cNvPr>
-                <p:cNvSpPr txBox="1">
-                  <a:spLocks noChangeArrowheads="1"/>
-                </p:cNvSpPr>
-                <p:nvPr/>
-              </p:nvSpPr>
-              <p:spPr bwMode="auto">
-                <a:xfrm>
-                  <a:off x="4363" y="2993"/>
-                  <a:ext cx="791" cy="215"/>
-                </a:xfrm>
-                <a:prstGeom prst="rect">
-                  <a:avLst/>
-                </a:prstGeom>
-                <a:solidFill>
-                  <a:srgbClr val="FFFFFF"/>
-                </a:solidFill>
-                <a:ln>
-                  <a:noFill/>
-                </a:ln>
-                <a:effectLst/>
-                <a:extLst>
-                  <a:ext uri="{91240B29-F687-4F45-9708-019B960494DF}">
-                    <a14:hiddenLine xmlns:a14="http://schemas.microsoft.com/office/drawing/2010/main" w="36720" cap="flat">
-                      <a:solidFill>
-                        <a:srgbClr val="808080"/>
-                      </a:solidFill>
-                      <a:round/>
-                      <a:headEnd/>
-                      <a:tailEnd/>
-                    </a14:hiddenLine>
-                  </a:ext>
-                  <a:ext uri="{AF507438-7753-43E0-B8FC-AC1667EBCBE1}">
-                    <a14:hiddenEffects xmlns:a14="http://schemas.microsoft.com/office/drawing/2010/main">
-                      <a:effectLst>
-                        <a:outerShdw dist="35921" dir="2700000" algn="ctr" rotWithShape="0">
-                          <a:srgbClr val="808080"/>
-                        </a:outerShdw>
-                      </a:effectLst>
-                    </a14:hiddenEffects>
-                  </a:ext>
-                </a:extLst>
-              </p:spPr>
-              <p:txBody>
-                <a:bodyPr lIns="90000" tIns="46800" rIns="90000" bIns="46800"/>
-                <a:lstStyle>
-                  <a:lvl1pPr>
-                    <a:tabLst>
-                      <a:tab pos="0" algn="l"/>
-                      <a:tab pos="914400" algn="l"/>
-                      <a:tab pos="1828800" algn="l"/>
-                      <a:tab pos="2743200" algn="l"/>
-                      <a:tab pos="3657600" algn="l"/>
-                      <a:tab pos="4572000" algn="l"/>
-                      <a:tab pos="5486400" algn="l"/>
-                      <a:tab pos="6400800" algn="l"/>
-                      <a:tab pos="7315200" algn="l"/>
-                      <a:tab pos="8229600" algn="l"/>
-                      <a:tab pos="9144000" algn="l"/>
-                      <a:tab pos="10058400" algn="l"/>
-                    </a:tabLst>
-                    <a:defRPr sz="2400">
-                      <a:solidFill>
-                        <a:srgbClr val="000000"/>
-                      </a:solidFill>
-                      <a:latin typeface="Times New Roman" panose="02020603050405020304" pitchFamily="18" charset="0"/>
-                      <a:cs typeface="DejaVu Sans" charset="0"/>
-                    </a:defRPr>
-                  </a:lvl1pPr>
-                  <a:lvl2pPr>
-                    <a:tabLst>
-                      <a:tab pos="0" algn="l"/>
-                      <a:tab pos="914400" algn="l"/>
-                      <a:tab pos="1828800" algn="l"/>
-                      <a:tab pos="2743200" algn="l"/>
-                      <a:tab pos="3657600" algn="l"/>
-                      <a:tab pos="4572000" algn="l"/>
-                      <a:tab pos="5486400" algn="l"/>
-                      <a:tab pos="6400800" algn="l"/>
-                      <a:tab pos="7315200" algn="l"/>
-                      <a:tab pos="8229600" algn="l"/>
-                      <a:tab pos="9144000" algn="l"/>
-                      <a:tab pos="10058400" algn="l"/>
-                    </a:tabLst>
-                    <a:defRPr sz="2400">
-                      <a:solidFill>
-                        <a:srgbClr val="000000"/>
-                      </a:solidFill>
-                      <a:latin typeface="Times New Roman" panose="02020603050405020304" pitchFamily="18" charset="0"/>
-                      <a:cs typeface="DejaVu Sans" charset="0"/>
-                    </a:defRPr>
-                  </a:lvl2pPr>
-                  <a:lvl3pPr>
-                    <a:tabLst>
-                      <a:tab pos="0" algn="l"/>
-                      <a:tab pos="914400" algn="l"/>
-                      <a:tab pos="1828800" algn="l"/>
-                      <a:tab pos="2743200" algn="l"/>
-                      <a:tab pos="3657600" algn="l"/>
-                      <a:tab pos="4572000" algn="l"/>
-                      <a:tab pos="5486400" algn="l"/>
-                      <a:tab pos="6400800" algn="l"/>
-                      <a:tab pos="7315200" algn="l"/>
-                      <a:tab pos="8229600" algn="l"/>
-                      <a:tab pos="9144000" algn="l"/>
-                      <a:tab pos="10058400" algn="l"/>
-                    </a:tabLst>
-                    <a:defRPr sz="2400">
-                      <a:solidFill>
-                        <a:srgbClr val="000000"/>
-                      </a:solidFill>
-                      <a:latin typeface="Times New Roman" panose="02020603050405020304" pitchFamily="18" charset="0"/>
-                      <a:cs typeface="DejaVu Sans" charset="0"/>
-                    </a:defRPr>
-                  </a:lvl3pPr>
-                  <a:lvl4pPr>
-                    <a:tabLst>
-                      <a:tab pos="0" algn="l"/>
-                      <a:tab pos="914400" algn="l"/>
-                      <a:tab pos="1828800" algn="l"/>
-                      <a:tab pos="2743200" algn="l"/>
-                      <a:tab pos="3657600" algn="l"/>
-                      <a:tab pos="4572000" algn="l"/>
-                      <a:tab pos="5486400" algn="l"/>
-                      <a:tab pos="6400800" algn="l"/>
-                      <a:tab pos="7315200" algn="l"/>
-                      <a:tab pos="8229600" algn="l"/>
-                      <a:tab pos="9144000" algn="l"/>
-                      <a:tab pos="10058400" algn="l"/>
-                    </a:tabLst>
-                    <a:defRPr sz="2400">
-                      <a:solidFill>
-                        <a:srgbClr val="000000"/>
-                      </a:solidFill>
-                      <a:latin typeface="Times New Roman" panose="02020603050405020304" pitchFamily="18" charset="0"/>
-                      <a:cs typeface="DejaVu Sans" charset="0"/>
-                    </a:defRPr>
-                  </a:lvl4pPr>
-                  <a:lvl5pPr>
-                    <a:tabLst>
-                      <a:tab pos="0" algn="l"/>
-                      <a:tab pos="914400" algn="l"/>
-                      <a:tab pos="1828800" algn="l"/>
-                      <a:tab pos="2743200" algn="l"/>
-                      <a:tab pos="3657600" algn="l"/>
-                      <a:tab pos="4572000" algn="l"/>
-                      <a:tab pos="5486400" algn="l"/>
-                      <a:tab pos="6400800" algn="l"/>
-                      <a:tab pos="7315200" algn="l"/>
-                      <a:tab pos="8229600" algn="l"/>
-                      <a:tab pos="9144000" algn="l"/>
-                      <a:tab pos="10058400" algn="l"/>
-                    </a:tabLst>
-                    <a:defRPr sz="2400">
-                      <a:solidFill>
-                        <a:srgbClr val="000000"/>
-                      </a:solidFill>
-                      <a:latin typeface="Times New Roman" panose="02020603050405020304" pitchFamily="18" charset="0"/>
-                      <a:cs typeface="DejaVu Sans" charset="0"/>
-                    </a:defRPr>
-                  </a:lvl5pPr>
-                  <a:lvl6pPr marL="2514600" indent="-228600" defTabSz="457200" eaLnBrk="0" fontAlgn="base" hangingPunct="0">
-                    <a:spcBef>
-                      <a:spcPct val="0"/>
-                    </a:spcBef>
-                    <a:spcAft>
-                      <a:spcPct val="0"/>
-                    </a:spcAft>
-                    <a:buClr>
-                      <a:srgbClr val="000000"/>
-                    </a:buClr>
-                    <a:buSzPct val="100000"/>
-                    <a:buFont typeface="Times New Roman" panose="02020603050405020304" pitchFamily="18" charset="0"/>
-                    <a:tabLst>
-                      <a:tab pos="0" algn="l"/>
-                      <a:tab pos="914400" algn="l"/>
-                      <a:tab pos="1828800" algn="l"/>
-                      <a:tab pos="2743200" algn="l"/>
-                      <a:tab pos="3657600" algn="l"/>
-                      <a:tab pos="4572000" algn="l"/>
-                      <a:tab pos="5486400" algn="l"/>
-                      <a:tab pos="6400800" algn="l"/>
-                      <a:tab pos="7315200" algn="l"/>
-                      <a:tab pos="8229600" algn="l"/>
-                      <a:tab pos="9144000" algn="l"/>
-                      <a:tab pos="10058400" algn="l"/>
-                    </a:tabLst>
-                    <a:defRPr sz="2400">
-                      <a:solidFill>
-                        <a:srgbClr val="000000"/>
-                      </a:solidFill>
-                      <a:latin typeface="Times New Roman" panose="02020603050405020304" pitchFamily="18" charset="0"/>
-                      <a:cs typeface="DejaVu Sans" charset="0"/>
-                    </a:defRPr>
-                  </a:lvl6pPr>
-                  <a:lvl7pPr marL="2971800" indent="-228600" defTabSz="457200" eaLnBrk="0" fontAlgn="base" hangingPunct="0">
-                    <a:spcBef>
-                      <a:spcPct val="0"/>
-                    </a:spcBef>
-                    <a:spcAft>
-                      <a:spcPct val="0"/>
-                    </a:spcAft>
-                    <a:buClr>
-                      <a:srgbClr val="000000"/>
-                    </a:buClr>
-                    <a:buSzPct val="100000"/>
-                    <a:buFont typeface="Times New Roman" panose="02020603050405020304" pitchFamily="18" charset="0"/>
-                    <a:tabLst>
-                      <a:tab pos="0" algn="l"/>
-                      <a:tab pos="914400" algn="l"/>
-                      <a:tab pos="1828800" algn="l"/>
-                      <a:tab pos="2743200" algn="l"/>
-                      <a:tab pos="3657600" algn="l"/>
-                      <a:tab pos="4572000" algn="l"/>
-                      <a:tab pos="5486400" algn="l"/>
-                      <a:tab pos="6400800" algn="l"/>
-                      <a:tab pos="7315200" algn="l"/>
-                      <a:tab pos="8229600" algn="l"/>
-                      <a:tab pos="9144000" algn="l"/>
-                      <a:tab pos="10058400" algn="l"/>
-                    </a:tabLst>
-                    <a:defRPr sz="2400">
-                      <a:solidFill>
-                        <a:srgbClr val="000000"/>
-                      </a:solidFill>
-                      <a:latin typeface="Times New Roman" panose="02020603050405020304" pitchFamily="18" charset="0"/>
-                      <a:cs typeface="DejaVu Sans" charset="0"/>
-                    </a:defRPr>
-                  </a:lvl7pPr>
-                  <a:lvl8pPr marL="3429000" indent="-228600" defTabSz="457200" eaLnBrk="0" fontAlgn="base" hangingPunct="0">
-                    <a:spcBef>
-                      <a:spcPct val="0"/>
-                    </a:spcBef>
-                    <a:spcAft>
-                      <a:spcPct val="0"/>
-                    </a:spcAft>
-                    <a:buClr>
-                      <a:srgbClr val="000000"/>
-                    </a:buClr>
-                    <a:buSzPct val="100000"/>
-                    <a:buFont typeface="Times New Roman" panose="02020603050405020304" pitchFamily="18" charset="0"/>
-                    <a:tabLst>
-                      <a:tab pos="0" algn="l"/>
-                      <a:tab pos="914400" algn="l"/>
-                      <a:tab pos="1828800" algn="l"/>
-                      <a:tab pos="2743200" algn="l"/>
-                      <a:tab pos="3657600" algn="l"/>
-                      <a:tab pos="4572000" algn="l"/>
-                      <a:tab pos="5486400" algn="l"/>
-                      <a:tab pos="6400800" algn="l"/>
-                      <a:tab pos="7315200" algn="l"/>
-                      <a:tab pos="8229600" algn="l"/>
-                      <a:tab pos="9144000" algn="l"/>
-                      <a:tab pos="10058400" algn="l"/>
-                    </a:tabLst>
-                    <a:defRPr sz="2400">
-                      <a:solidFill>
-                        <a:srgbClr val="000000"/>
-                      </a:solidFill>
-                      <a:latin typeface="Times New Roman" panose="02020603050405020304" pitchFamily="18" charset="0"/>
-                      <a:cs typeface="DejaVu Sans" charset="0"/>
-                    </a:defRPr>
-                  </a:lvl8pPr>
-                  <a:lvl9pPr marL="3886200" indent="-228600" defTabSz="457200" eaLnBrk="0" fontAlgn="base" hangingPunct="0">
-                    <a:spcBef>
-                      <a:spcPct val="0"/>
-                    </a:spcBef>
-                    <a:spcAft>
-                      <a:spcPct val="0"/>
-                    </a:spcAft>
-                    <a:buClr>
-                      <a:srgbClr val="000000"/>
-                    </a:buClr>
-                    <a:buSzPct val="100000"/>
-                    <a:buFont typeface="Times New Roman" panose="02020603050405020304" pitchFamily="18" charset="0"/>
-                    <a:tabLst>
-                      <a:tab pos="0" algn="l"/>
-                      <a:tab pos="914400" algn="l"/>
-                      <a:tab pos="1828800" algn="l"/>
-                      <a:tab pos="2743200" algn="l"/>
-                      <a:tab pos="3657600" algn="l"/>
-                      <a:tab pos="4572000" algn="l"/>
-                      <a:tab pos="5486400" algn="l"/>
-                      <a:tab pos="6400800" algn="l"/>
-                      <a:tab pos="7315200" algn="l"/>
-                      <a:tab pos="8229600" algn="l"/>
-                      <a:tab pos="9144000" algn="l"/>
-                      <a:tab pos="10058400" algn="l"/>
-                    </a:tabLst>
-                    <a:defRPr sz="2400">
-                      <a:solidFill>
-                        <a:srgbClr val="000000"/>
-                      </a:solidFill>
-                      <a:latin typeface="Times New Roman" panose="02020603050405020304" pitchFamily="18" charset="0"/>
-                      <a:cs typeface="DejaVu Sans" charset="0"/>
-                    </a:defRPr>
-                  </a:lvl9pPr>
-                </a:lstStyle>
-                <a:p>
-                  <a:pPr>
-                    <a:buClrTx/>
-                    <a:buFontTx/>
-                    <a:buNone/>
-                  </a:pPr>
-                  <a:r>
-                    <a:rPr lang="en-US" altLang="en-US" sz="1200">
-                      <a:latin typeface="+mn-lt"/>
-                    </a:rPr>
-                    <a:t>25</a:t>
-                  </a:r>
-                  <a:r>
-                    <a:rPr lang="en-US" altLang="en-US" sz="1200" baseline="30000">
-                      <a:latin typeface="+mn-lt"/>
-                    </a:rPr>
-                    <a:t>th</a:t>
-                  </a:r>
-                  <a:r>
-                    <a:rPr lang="en-US" altLang="en-US" sz="1200">
-                      <a:latin typeface="+mn-lt"/>
-                    </a:rPr>
-                    <a:t> percentile</a:t>
-                  </a:r>
-                </a:p>
-              </p:txBody>
-            </p:sp>
-          </p:grpSp>
-          <p:grpSp>
-            <p:nvGrpSpPr>
-              <p:cNvPr id="27676" name="Group 28">
-                <a:extLst>
-                  <a:ext uri="{FF2B5EF4-FFF2-40B4-BE49-F238E27FC236}">
-                    <a16:creationId xmlns:a16="http://schemas.microsoft.com/office/drawing/2014/main" id="{8C4C9708-4F1E-49CA-9AC9-10152AA6D02C}"/>
-                  </a:ext>
-                </a:extLst>
-              </p:cNvPr>
-              <p:cNvGrpSpPr>
-                <a:grpSpLocks/>
-              </p:cNvGrpSpPr>
-              <p:nvPr/>
-            </p:nvGrpSpPr>
-            <p:grpSpPr bwMode="auto">
-              <a:xfrm>
-                <a:off x="4075" y="2561"/>
-                <a:ext cx="1079" cy="215"/>
-                <a:chOff x="4075" y="2561"/>
-                <a:chExt cx="1079" cy="215"/>
-              </a:xfrm>
-            </p:grpSpPr>
-            <p:sp>
-              <p:nvSpPr>
-                <p:cNvPr id="27677" name="Line 29">
-                  <a:extLst>
-                    <a:ext uri="{FF2B5EF4-FFF2-40B4-BE49-F238E27FC236}">
-                      <a16:creationId xmlns:a16="http://schemas.microsoft.com/office/drawing/2014/main" id="{4930FC17-B8D5-4C15-ADF6-8B38DDF44DF7}"/>
-                    </a:ext>
-                  </a:extLst>
-                </p:cNvPr>
-                <p:cNvSpPr>
-                  <a:spLocks noChangeShapeType="1"/>
-                </p:cNvSpPr>
-                <p:nvPr/>
-              </p:nvSpPr>
-              <p:spPr bwMode="auto">
-                <a:xfrm>
-                  <a:off x="4075" y="2650"/>
-                  <a:ext cx="287" cy="0"/>
-                </a:xfrm>
-                <a:prstGeom prst="line">
-                  <a:avLst/>
-                </a:prstGeom>
-                <a:noFill/>
-                <a:ln w="36720" cap="flat">
-                  <a:solidFill>
-                    <a:srgbClr val="000000"/>
-                  </a:solidFill>
-                  <a:miter lim="800000"/>
-                  <a:headEnd type="triangle" w="med" len="med"/>
-                  <a:tailEnd/>
-                </a:ln>
-                <a:effectLst/>
-                <a:extLst>
-                  <a:ext uri="{909E8E84-426E-40DD-AFC4-6F175D3DCCD1}">
-                    <a14:hiddenFill xmlns:a14="http://schemas.microsoft.com/office/drawing/2010/main">
-                      <a:noFill/>
-                    </a14:hiddenFill>
-                  </a:ext>
-                  <a:ext uri="{AF507438-7753-43E0-B8FC-AC1667EBCBE1}">
-                    <a14:hiddenEffects xmlns:a14="http://schemas.microsoft.com/office/drawing/2010/main">
-                      <a:effectLst>
-                        <a:outerShdw dist="35921" dir="2700000" algn="ctr" rotWithShape="0">
-                          <a:srgbClr val="808080"/>
-                        </a:outerShdw>
-                      </a:effectLst>
-                    </a14:hiddenEffects>
-                  </a:ext>
-                </a:extLst>
-              </p:spPr>
-              <p:txBody>
-                <a:bodyPr/>
-                <a:lstStyle/>
-                <a:p>
-                  <a:endParaRPr lang="en-US">
-                    <a:latin typeface="+mn-lt"/>
-                  </a:endParaRPr>
-                </a:p>
-              </p:txBody>
-            </p:sp>
-            <p:sp>
-              <p:nvSpPr>
-                <p:cNvPr id="27678" name="Text Box 30">
-                  <a:extLst>
-                    <a:ext uri="{FF2B5EF4-FFF2-40B4-BE49-F238E27FC236}">
-                      <a16:creationId xmlns:a16="http://schemas.microsoft.com/office/drawing/2014/main" id="{B487815F-64A5-41CB-B69A-A73C7BD7F7A7}"/>
-                    </a:ext>
-                  </a:extLst>
-                </p:cNvPr>
-                <p:cNvSpPr txBox="1">
-                  <a:spLocks noChangeArrowheads="1"/>
-                </p:cNvSpPr>
-                <p:nvPr/>
-              </p:nvSpPr>
-              <p:spPr bwMode="auto">
-                <a:xfrm>
-                  <a:off x="4363" y="2561"/>
-                  <a:ext cx="791" cy="215"/>
-                </a:xfrm>
-                <a:prstGeom prst="rect">
-                  <a:avLst/>
-                </a:prstGeom>
-                <a:solidFill>
-                  <a:srgbClr val="FFFFFF"/>
-                </a:solidFill>
-                <a:ln>
-                  <a:noFill/>
-                </a:ln>
-                <a:effectLst/>
-                <a:extLst>
-                  <a:ext uri="{91240B29-F687-4F45-9708-019B960494DF}">
-                    <a14:hiddenLine xmlns:a14="http://schemas.microsoft.com/office/drawing/2010/main" w="36720" cap="flat">
-                      <a:solidFill>
-                        <a:srgbClr val="808080"/>
-                      </a:solidFill>
-                      <a:round/>
-                      <a:headEnd/>
-                      <a:tailEnd/>
-                    </a14:hiddenLine>
-                  </a:ext>
-                  <a:ext uri="{AF507438-7753-43E0-B8FC-AC1667EBCBE1}">
-                    <a14:hiddenEffects xmlns:a14="http://schemas.microsoft.com/office/drawing/2010/main">
-                      <a:effectLst>
-                        <a:outerShdw dist="35921" dir="2700000" algn="ctr" rotWithShape="0">
-                          <a:srgbClr val="808080"/>
-                        </a:outerShdw>
-                      </a:effectLst>
-                    </a14:hiddenEffects>
-                  </a:ext>
-                </a:extLst>
-              </p:spPr>
-              <p:txBody>
-                <a:bodyPr lIns="90000" tIns="46800" rIns="90000" bIns="46800"/>
-                <a:lstStyle>
-                  <a:lvl1pPr>
-                    <a:tabLst>
-                      <a:tab pos="0" algn="l"/>
-                      <a:tab pos="914400" algn="l"/>
-                      <a:tab pos="1828800" algn="l"/>
-                      <a:tab pos="2743200" algn="l"/>
-                      <a:tab pos="3657600" algn="l"/>
-                      <a:tab pos="4572000" algn="l"/>
-                      <a:tab pos="5486400" algn="l"/>
-                      <a:tab pos="6400800" algn="l"/>
-                      <a:tab pos="7315200" algn="l"/>
-                      <a:tab pos="8229600" algn="l"/>
-                      <a:tab pos="9144000" algn="l"/>
-                      <a:tab pos="10058400" algn="l"/>
-                    </a:tabLst>
-                    <a:defRPr sz="2400">
-                      <a:solidFill>
-                        <a:srgbClr val="000000"/>
-                      </a:solidFill>
-                      <a:latin typeface="Times New Roman" panose="02020603050405020304" pitchFamily="18" charset="0"/>
-                      <a:cs typeface="DejaVu Sans" charset="0"/>
-                    </a:defRPr>
-                  </a:lvl1pPr>
-                  <a:lvl2pPr>
-                    <a:tabLst>
-                      <a:tab pos="0" algn="l"/>
-                      <a:tab pos="914400" algn="l"/>
-                      <a:tab pos="1828800" algn="l"/>
-                      <a:tab pos="2743200" algn="l"/>
-                      <a:tab pos="3657600" algn="l"/>
-                      <a:tab pos="4572000" algn="l"/>
-                      <a:tab pos="5486400" algn="l"/>
-                      <a:tab pos="6400800" algn="l"/>
-                      <a:tab pos="7315200" algn="l"/>
-                      <a:tab pos="8229600" algn="l"/>
-                      <a:tab pos="9144000" algn="l"/>
-                      <a:tab pos="10058400" algn="l"/>
-                    </a:tabLst>
-                    <a:defRPr sz="2400">
-                      <a:solidFill>
-                        <a:srgbClr val="000000"/>
-                      </a:solidFill>
-                      <a:latin typeface="Times New Roman" panose="02020603050405020304" pitchFamily="18" charset="0"/>
-                      <a:cs typeface="DejaVu Sans" charset="0"/>
-                    </a:defRPr>
-                  </a:lvl2pPr>
-                  <a:lvl3pPr>
-                    <a:tabLst>
-                      <a:tab pos="0" algn="l"/>
-                      <a:tab pos="914400" algn="l"/>
-                      <a:tab pos="1828800" algn="l"/>
-                      <a:tab pos="2743200" algn="l"/>
-                      <a:tab pos="3657600" algn="l"/>
-                      <a:tab pos="4572000" algn="l"/>
-                      <a:tab pos="5486400" algn="l"/>
-                      <a:tab pos="6400800" algn="l"/>
-                      <a:tab pos="7315200" algn="l"/>
-                      <a:tab pos="8229600" algn="l"/>
-                      <a:tab pos="9144000" algn="l"/>
-                      <a:tab pos="10058400" algn="l"/>
-                    </a:tabLst>
-                    <a:defRPr sz="2400">
-                      <a:solidFill>
-                        <a:srgbClr val="000000"/>
-                      </a:solidFill>
-                      <a:latin typeface="Times New Roman" panose="02020603050405020304" pitchFamily="18" charset="0"/>
-                      <a:cs typeface="DejaVu Sans" charset="0"/>
-                    </a:defRPr>
-                  </a:lvl3pPr>
-                  <a:lvl4pPr>
-                    <a:tabLst>
-                      <a:tab pos="0" algn="l"/>
-                      <a:tab pos="914400" algn="l"/>
-                      <a:tab pos="1828800" algn="l"/>
-                      <a:tab pos="2743200" algn="l"/>
-                      <a:tab pos="3657600" algn="l"/>
-                      <a:tab pos="4572000" algn="l"/>
-                      <a:tab pos="5486400" algn="l"/>
-                      <a:tab pos="6400800" algn="l"/>
-                      <a:tab pos="7315200" algn="l"/>
-                      <a:tab pos="8229600" algn="l"/>
-                      <a:tab pos="9144000" algn="l"/>
-                      <a:tab pos="10058400" algn="l"/>
-                    </a:tabLst>
-                    <a:defRPr sz="2400">
-                      <a:solidFill>
-                        <a:srgbClr val="000000"/>
-                      </a:solidFill>
-                      <a:latin typeface="Times New Roman" panose="02020603050405020304" pitchFamily="18" charset="0"/>
-                      <a:cs typeface="DejaVu Sans" charset="0"/>
-                    </a:defRPr>
-                  </a:lvl4pPr>
-                  <a:lvl5pPr>
-                    <a:tabLst>
-                      <a:tab pos="0" algn="l"/>
-                      <a:tab pos="914400" algn="l"/>
-                      <a:tab pos="1828800" algn="l"/>
-                      <a:tab pos="2743200" algn="l"/>
-                      <a:tab pos="3657600" algn="l"/>
-                      <a:tab pos="4572000" algn="l"/>
-                      <a:tab pos="5486400" algn="l"/>
-                      <a:tab pos="6400800" algn="l"/>
-                      <a:tab pos="7315200" algn="l"/>
-                      <a:tab pos="8229600" algn="l"/>
-                      <a:tab pos="9144000" algn="l"/>
-                      <a:tab pos="10058400" algn="l"/>
-                    </a:tabLst>
-                    <a:defRPr sz="2400">
-                      <a:solidFill>
-                        <a:srgbClr val="000000"/>
-                      </a:solidFill>
-                      <a:latin typeface="Times New Roman" panose="02020603050405020304" pitchFamily="18" charset="0"/>
-                      <a:cs typeface="DejaVu Sans" charset="0"/>
-                    </a:defRPr>
-                  </a:lvl5pPr>
-                  <a:lvl6pPr marL="2514600" indent="-228600" defTabSz="457200" eaLnBrk="0" fontAlgn="base" hangingPunct="0">
-                    <a:spcBef>
-                      <a:spcPct val="0"/>
-                    </a:spcBef>
-                    <a:spcAft>
-                      <a:spcPct val="0"/>
-                    </a:spcAft>
-                    <a:buClr>
-                      <a:srgbClr val="000000"/>
-                    </a:buClr>
-                    <a:buSzPct val="100000"/>
-                    <a:buFont typeface="Times New Roman" panose="02020603050405020304" pitchFamily="18" charset="0"/>
-                    <a:tabLst>
-                      <a:tab pos="0" algn="l"/>
-                      <a:tab pos="914400" algn="l"/>
-                      <a:tab pos="1828800" algn="l"/>
-                      <a:tab pos="2743200" algn="l"/>
-                      <a:tab pos="3657600" algn="l"/>
-                      <a:tab pos="4572000" algn="l"/>
-                      <a:tab pos="5486400" algn="l"/>
-                      <a:tab pos="6400800" algn="l"/>
-                      <a:tab pos="7315200" algn="l"/>
-                      <a:tab pos="8229600" algn="l"/>
-                      <a:tab pos="9144000" algn="l"/>
-                      <a:tab pos="10058400" algn="l"/>
-                    </a:tabLst>
-                    <a:defRPr sz="2400">
-                      <a:solidFill>
-                        <a:srgbClr val="000000"/>
-                      </a:solidFill>
-                      <a:latin typeface="Times New Roman" panose="02020603050405020304" pitchFamily="18" charset="0"/>
-                      <a:cs typeface="DejaVu Sans" charset="0"/>
-                    </a:defRPr>
-                  </a:lvl6pPr>
-                  <a:lvl7pPr marL="2971800" indent="-228600" defTabSz="457200" eaLnBrk="0" fontAlgn="base" hangingPunct="0">
-                    <a:spcBef>
-                      <a:spcPct val="0"/>
-                    </a:spcBef>
-                    <a:spcAft>
-                      <a:spcPct val="0"/>
-                    </a:spcAft>
-                    <a:buClr>
-                      <a:srgbClr val="000000"/>
-                    </a:buClr>
-                    <a:buSzPct val="100000"/>
-                    <a:buFont typeface="Times New Roman" panose="02020603050405020304" pitchFamily="18" charset="0"/>
-                    <a:tabLst>
-                      <a:tab pos="0" algn="l"/>
-                      <a:tab pos="914400" algn="l"/>
-                      <a:tab pos="1828800" algn="l"/>
-                      <a:tab pos="2743200" algn="l"/>
-                      <a:tab pos="3657600" algn="l"/>
-                      <a:tab pos="4572000" algn="l"/>
-                      <a:tab pos="5486400" algn="l"/>
-                      <a:tab pos="6400800" algn="l"/>
-                      <a:tab pos="7315200" algn="l"/>
-                      <a:tab pos="8229600" algn="l"/>
-                      <a:tab pos="9144000" algn="l"/>
-                      <a:tab pos="10058400" algn="l"/>
-                    </a:tabLst>
-                    <a:defRPr sz="2400">
-                      <a:solidFill>
-                        <a:srgbClr val="000000"/>
-                      </a:solidFill>
-                      <a:latin typeface="Times New Roman" panose="02020603050405020304" pitchFamily="18" charset="0"/>
-                      <a:cs typeface="DejaVu Sans" charset="0"/>
-                    </a:defRPr>
-                  </a:lvl7pPr>
-                  <a:lvl8pPr marL="3429000" indent="-228600" defTabSz="457200" eaLnBrk="0" fontAlgn="base" hangingPunct="0">
-                    <a:spcBef>
-                      <a:spcPct val="0"/>
-                    </a:spcBef>
-                    <a:spcAft>
-                      <a:spcPct val="0"/>
-                    </a:spcAft>
-                    <a:buClr>
-                      <a:srgbClr val="000000"/>
-                    </a:buClr>
-                    <a:buSzPct val="100000"/>
-                    <a:buFont typeface="Times New Roman" panose="02020603050405020304" pitchFamily="18" charset="0"/>
-                    <a:tabLst>
-                      <a:tab pos="0" algn="l"/>
-                      <a:tab pos="914400" algn="l"/>
-                      <a:tab pos="1828800" algn="l"/>
-                      <a:tab pos="2743200" algn="l"/>
-                      <a:tab pos="3657600" algn="l"/>
-                      <a:tab pos="4572000" algn="l"/>
-                      <a:tab pos="5486400" algn="l"/>
-                      <a:tab pos="6400800" algn="l"/>
-                      <a:tab pos="7315200" algn="l"/>
-                      <a:tab pos="8229600" algn="l"/>
-                      <a:tab pos="9144000" algn="l"/>
-                      <a:tab pos="10058400" algn="l"/>
-                    </a:tabLst>
-                    <a:defRPr sz="2400">
-                      <a:solidFill>
-                        <a:srgbClr val="000000"/>
-                      </a:solidFill>
-                      <a:latin typeface="Times New Roman" panose="02020603050405020304" pitchFamily="18" charset="0"/>
-                      <a:cs typeface="DejaVu Sans" charset="0"/>
-                    </a:defRPr>
-                  </a:lvl8pPr>
-                  <a:lvl9pPr marL="3886200" indent="-228600" defTabSz="457200" eaLnBrk="0" fontAlgn="base" hangingPunct="0">
-                    <a:spcBef>
-                      <a:spcPct val="0"/>
-                    </a:spcBef>
-                    <a:spcAft>
-                      <a:spcPct val="0"/>
-                    </a:spcAft>
-                    <a:buClr>
-                      <a:srgbClr val="000000"/>
-                    </a:buClr>
-                    <a:buSzPct val="100000"/>
-                    <a:buFont typeface="Times New Roman" panose="02020603050405020304" pitchFamily="18" charset="0"/>
-                    <a:tabLst>
-                      <a:tab pos="0" algn="l"/>
-                      <a:tab pos="914400" algn="l"/>
-                      <a:tab pos="1828800" algn="l"/>
-                      <a:tab pos="2743200" algn="l"/>
-                      <a:tab pos="3657600" algn="l"/>
-                      <a:tab pos="4572000" algn="l"/>
-                      <a:tab pos="5486400" algn="l"/>
-                      <a:tab pos="6400800" algn="l"/>
-                      <a:tab pos="7315200" algn="l"/>
-                      <a:tab pos="8229600" algn="l"/>
-                      <a:tab pos="9144000" algn="l"/>
-                      <a:tab pos="10058400" algn="l"/>
-                    </a:tabLst>
-                    <a:defRPr sz="2400">
-                      <a:solidFill>
-                        <a:srgbClr val="000000"/>
-                      </a:solidFill>
-                      <a:latin typeface="Times New Roman" panose="02020603050405020304" pitchFamily="18" charset="0"/>
-                      <a:cs typeface="DejaVu Sans" charset="0"/>
-                    </a:defRPr>
-                  </a:lvl9pPr>
-                </a:lstStyle>
-                <a:p>
-                  <a:pPr>
-                    <a:buClrTx/>
-                    <a:buFontTx/>
-                    <a:buNone/>
-                  </a:pPr>
-                  <a:r>
-                    <a:rPr lang="en-US" altLang="en-US" sz="1200">
-                      <a:latin typeface="+mn-lt"/>
-                    </a:rPr>
-                    <a:t>75</a:t>
-                  </a:r>
-                  <a:r>
-                    <a:rPr lang="en-US" altLang="en-US" sz="1200" baseline="30000">
-                      <a:latin typeface="+mn-lt"/>
-                    </a:rPr>
-                    <a:t>th</a:t>
-                  </a:r>
-                  <a:r>
-                    <a:rPr lang="en-US" altLang="en-US" sz="1200">
-                      <a:latin typeface="+mn-lt"/>
-                    </a:rPr>
-                    <a:t> percentile</a:t>
-                  </a:r>
-                </a:p>
-              </p:txBody>
-            </p:sp>
-          </p:grpSp>
-          <p:grpSp>
-            <p:nvGrpSpPr>
-              <p:cNvPr id="27679" name="Group 31">
-                <a:extLst>
-                  <a:ext uri="{FF2B5EF4-FFF2-40B4-BE49-F238E27FC236}">
-                    <a16:creationId xmlns:a16="http://schemas.microsoft.com/office/drawing/2014/main" id="{6D6C2272-31EA-477C-A3F0-011DDA01A611}"/>
-                  </a:ext>
-                </a:extLst>
-              </p:cNvPr>
-              <p:cNvGrpSpPr>
-                <a:grpSpLocks/>
-              </p:cNvGrpSpPr>
-              <p:nvPr/>
-            </p:nvGrpSpPr>
-            <p:grpSpPr bwMode="auto">
-              <a:xfrm>
-                <a:off x="4075" y="2820"/>
-                <a:ext cx="1079" cy="215"/>
-                <a:chOff x="4075" y="2820"/>
-                <a:chExt cx="1079" cy="215"/>
-              </a:xfrm>
-            </p:grpSpPr>
-            <p:sp>
-              <p:nvSpPr>
-                <p:cNvPr id="27680" name="Line 32">
-                  <a:extLst>
-                    <a:ext uri="{FF2B5EF4-FFF2-40B4-BE49-F238E27FC236}">
-                      <a16:creationId xmlns:a16="http://schemas.microsoft.com/office/drawing/2014/main" id="{F8E1E8E0-7774-4FD7-80E8-1361E7BBBBCA}"/>
-                    </a:ext>
-                  </a:extLst>
-                </p:cNvPr>
-                <p:cNvSpPr>
-                  <a:spLocks noChangeShapeType="1"/>
-                </p:cNvSpPr>
-                <p:nvPr/>
-              </p:nvSpPr>
-              <p:spPr bwMode="auto">
-                <a:xfrm>
-                  <a:off x="4075" y="2909"/>
-                  <a:ext cx="287" cy="0"/>
-                </a:xfrm>
-                <a:prstGeom prst="line">
-                  <a:avLst/>
-                </a:prstGeom>
-                <a:noFill/>
-                <a:ln w="36720" cap="flat">
-                  <a:solidFill>
-                    <a:srgbClr val="000000"/>
-                  </a:solidFill>
-                  <a:miter lim="800000"/>
-                  <a:headEnd type="triangle" w="med" len="med"/>
-                  <a:tailEnd/>
-                </a:ln>
-                <a:effectLst/>
-                <a:extLst>
-                  <a:ext uri="{909E8E84-426E-40DD-AFC4-6F175D3DCCD1}">
-                    <a14:hiddenFill xmlns:a14="http://schemas.microsoft.com/office/drawing/2010/main">
-                      <a:noFill/>
-                    </a14:hiddenFill>
-                  </a:ext>
-                  <a:ext uri="{AF507438-7753-43E0-B8FC-AC1667EBCBE1}">
-                    <a14:hiddenEffects xmlns:a14="http://schemas.microsoft.com/office/drawing/2010/main">
-                      <a:effectLst>
-                        <a:outerShdw dist="35921" dir="2700000" algn="ctr" rotWithShape="0">
-                          <a:srgbClr val="808080"/>
-                        </a:outerShdw>
-                      </a:effectLst>
-                    </a14:hiddenEffects>
-                  </a:ext>
-                </a:extLst>
-              </p:spPr>
-              <p:txBody>
-                <a:bodyPr/>
-                <a:lstStyle/>
-                <a:p>
-                  <a:endParaRPr lang="en-US">
-                    <a:latin typeface="+mn-lt"/>
-                  </a:endParaRPr>
-                </a:p>
-              </p:txBody>
-            </p:sp>
-            <p:sp>
-              <p:nvSpPr>
-                <p:cNvPr id="27681" name="Text Box 33">
-                  <a:extLst>
-                    <a:ext uri="{FF2B5EF4-FFF2-40B4-BE49-F238E27FC236}">
-                      <a16:creationId xmlns:a16="http://schemas.microsoft.com/office/drawing/2014/main" id="{9E8BE44A-4A04-4125-A2B5-D22F92D3D530}"/>
-                    </a:ext>
-                  </a:extLst>
-                </p:cNvPr>
-                <p:cNvSpPr txBox="1">
-                  <a:spLocks noChangeArrowheads="1"/>
-                </p:cNvSpPr>
-                <p:nvPr/>
-              </p:nvSpPr>
-              <p:spPr bwMode="auto">
-                <a:xfrm>
-                  <a:off x="4363" y="2820"/>
-                  <a:ext cx="791" cy="215"/>
-                </a:xfrm>
-                <a:prstGeom prst="rect">
-                  <a:avLst/>
-                </a:prstGeom>
-                <a:solidFill>
-                  <a:srgbClr val="FFFFFF"/>
-                </a:solidFill>
-                <a:ln>
-                  <a:noFill/>
-                </a:ln>
-                <a:effectLst/>
-                <a:extLst>
-                  <a:ext uri="{91240B29-F687-4F45-9708-019B960494DF}">
-                    <a14:hiddenLine xmlns:a14="http://schemas.microsoft.com/office/drawing/2010/main" w="36720" cap="flat">
-                      <a:solidFill>
-                        <a:srgbClr val="808080"/>
-                      </a:solidFill>
-                      <a:round/>
-                      <a:headEnd/>
-                      <a:tailEnd/>
-                    </a14:hiddenLine>
-                  </a:ext>
-                  <a:ext uri="{AF507438-7753-43E0-B8FC-AC1667EBCBE1}">
-                    <a14:hiddenEffects xmlns:a14="http://schemas.microsoft.com/office/drawing/2010/main">
-                      <a:effectLst>
-                        <a:outerShdw dist="35921" dir="2700000" algn="ctr" rotWithShape="0">
-                          <a:srgbClr val="808080"/>
-                        </a:outerShdw>
-                      </a:effectLst>
-                    </a14:hiddenEffects>
-                  </a:ext>
-                </a:extLst>
-              </p:spPr>
-              <p:txBody>
-                <a:bodyPr lIns="90000" tIns="46800" rIns="90000" bIns="46800"/>
-                <a:lstStyle>
-                  <a:lvl1pPr>
-                    <a:tabLst>
-                      <a:tab pos="0" algn="l"/>
-                      <a:tab pos="914400" algn="l"/>
-                      <a:tab pos="1828800" algn="l"/>
-                      <a:tab pos="2743200" algn="l"/>
-                      <a:tab pos="3657600" algn="l"/>
-                      <a:tab pos="4572000" algn="l"/>
-                      <a:tab pos="5486400" algn="l"/>
-                      <a:tab pos="6400800" algn="l"/>
-                      <a:tab pos="7315200" algn="l"/>
-                      <a:tab pos="8229600" algn="l"/>
-                      <a:tab pos="9144000" algn="l"/>
-                      <a:tab pos="10058400" algn="l"/>
-                    </a:tabLst>
-                    <a:defRPr sz="2400">
-                      <a:solidFill>
-                        <a:srgbClr val="000000"/>
-                      </a:solidFill>
-                      <a:latin typeface="Times New Roman" panose="02020603050405020304" pitchFamily="18" charset="0"/>
-                      <a:cs typeface="DejaVu Sans" charset="0"/>
-                    </a:defRPr>
-                  </a:lvl1pPr>
-                  <a:lvl2pPr>
-                    <a:tabLst>
-                      <a:tab pos="0" algn="l"/>
-                      <a:tab pos="914400" algn="l"/>
-                      <a:tab pos="1828800" algn="l"/>
-                      <a:tab pos="2743200" algn="l"/>
-                      <a:tab pos="3657600" algn="l"/>
-                      <a:tab pos="4572000" algn="l"/>
-                      <a:tab pos="5486400" algn="l"/>
-                      <a:tab pos="6400800" algn="l"/>
-                      <a:tab pos="7315200" algn="l"/>
-                      <a:tab pos="8229600" algn="l"/>
-                      <a:tab pos="9144000" algn="l"/>
-                      <a:tab pos="10058400" algn="l"/>
-                    </a:tabLst>
-                    <a:defRPr sz="2400">
-                      <a:solidFill>
-                        <a:srgbClr val="000000"/>
-                      </a:solidFill>
-                      <a:latin typeface="Times New Roman" panose="02020603050405020304" pitchFamily="18" charset="0"/>
-                      <a:cs typeface="DejaVu Sans" charset="0"/>
-                    </a:defRPr>
-                  </a:lvl2pPr>
-                  <a:lvl3pPr>
-                    <a:tabLst>
-                      <a:tab pos="0" algn="l"/>
-                      <a:tab pos="914400" algn="l"/>
-                      <a:tab pos="1828800" algn="l"/>
-                      <a:tab pos="2743200" algn="l"/>
-                      <a:tab pos="3657600" algn="l"/>
-                      <a:tab pos="4572000" algn="l"/>
-                      <a:tab pos="5486400" algn="l"/>
-                      <a:tab pos="6400800" algn="l"/>
-                      <a:tab pos="7315200" algn="l"/>
-                      <a:tab pos="8229600" algn="l"/>
-                      <a:tab pos="9144000" algn="l"/>
-                      <a:tab pos="10058400" algn="l"/>
-                    </a:tabLst>
-                    <a:defRPr sz="2400">
-                      <a:solidFill>
-                        <a:srgbClr val="000000"/>
-                      </a:solidFill>
-                      <a:latin typeface="Times New Roman" panose="02020603050405020304" pitchFamily="18" charset="0"/>
-                      <a:cs typeface="DejaVu Sans" charset="0"/>
-                    </a:defRPr>
-                  </a:lvl3pPr>
-                  <a:lvl4pPr>
-                    <a:tabLst>
-                      <a:tab pos="0" algn="l"/>
-                      <a:tab pos="914400" algn="l"/>
-                      <a:tab pos="1828800" algn="l"/>
-                      <a:tab pos="2743200" algn="l"/>
-                      <a:tab pos="3657600" algn="l"/>
-                      <a:tab pos="4572000" algn="l"/>
-                      <a:tab pos="5486400" algn="l"/>
-                      <a:tab pos="6400800" algn="l"/>
-                      <a:tab pos="7315200" algn="l"/>
-                      <a:tab pos="8229600" algn="l"/>
-                      <a:tab pos="9144000" algn="l"/>
-                      <a:tab pos="10058400" algn="l"/>
-                    </a:tabLst>
-                    <a:defRPr sz="2400">
-                      <a:solidFill>
-                        <a:srgbClr val="000000"/>
-                      </a:solidFill>
-                      <a:latin typeface="Times New Roman" panose="02020603050405020304" pitchFamily="18" charset="0"/>
-                      <a:cs typeface="DejaVu Sans" charset="0"/>
-                    </a:defRPr>
-                  </a:lvl4pPr>
-                  <a:lvl5pPr>
-                    <a:tabLst>
-                      <a:tab pos="0" algn="l"/>
-                      <a:tab pos="914400" algn="l"/>
-                      <a:tab pos="1828800" algn="l"/>
-                      <a:tab pos="2743200" algn="l"/>
-                      <a:tab pos="3657600" algn="l"/>
-                      <a:tab pos="4572000" algn="l"/>
-                      <a:tab pos="5486400" algn="l"/>
-                      <a:tab pos="6400800" algn="l"/>
-                      <a:tab pos="7315200" algn="l"/>
-                      <a:tab pos="8229600" algn="l"/>
-                      <a:tab pos="9144000" algn="l"/>
-                      <a:tab pos="10058400" algn="l"/>
-                    </a:tabLst>
-                    <a:defRPr sz="2400">
-                      <a:solidFill>
-                        <a:srgbClr val="000000"/>
-                      </a:solidFill>
-                      <a:latin typeface="Times New Roman" panose="02020603050405020304" pitchFamily="18" charset="0"/>
-                      <a:cs typeface="DejaVu Sans" charset="0"/>
-                    </a:defRPr>
-                  </a:lvl5pPr>
-                  <a:lvl6pPr marL="2514600" indent="-228600" defTabSz="457200" eaLnBrk="0" fontAlgn="base" hangingPunct="0">
-                    <a:spcBef>
-                      <a:spcPct val="0"/>
-                    </a:spcBef>
-                    <a:spcAft>
-                      <a:spcPct val="0"/>
-                    </a:spcAft>
-                    <a:buClr>
-                      <a:srgbClr val="000000"/>
-                    </a:buClr>
-                    <a:buSzPct val="100000"/>
-                    <a:buFont typeface="Times New Roman" panose="02020603050405020304" pitchFamily="18" charset="0"/>
-                    <a:tabLst>
-                      <a:tab pos="0" algn="l"/>
-                      <a:tab pos="914400" algn="l"/>
-                      <a:tab pos="1828800" algn="l"/>
-                      <a:tab pos="2743200" algn="l"/>
-                      <a:tab pos="3657600" algn="l"/>
-                      <a:tab pos="4572000" algn="l"/>
-                      <a:tab pos="5486400" algn="l"/>
-                      <a:tab pos="6400800" algn="l"/>
-                      <a:tab pos="7315200" algn="l"/>
-                      <a:tab pos="8229600" algn="l"/>
-                      <a:tab pos="9144000" algn="l"/>
-                      <a:tab pos="10058400" algn="l"/>
-                    </a:tabLst>
-                    <a:defRPr sz="2400">
-                      <a:solidFill>
-                        <a:srgbClr val="000000"/>
-                      </a:solidFill>
-                      <a:latin typeface="Times New Roman" panose="02020603050405020304" pitchFamily="18" charset="0"/>
-                      <a:cs typeface="DejaVu Sans" charset="0"/>
-                    </a:defRPr>
-                  </a:lvl6pPr>
-                  <a:lvl7pPr marL="2971800" indent="-228600" defTabSz="457200" eaLnBrk="0" fontAlgn="base" hangingPunct="0">
-                    <a:spcBef>
-                      <a:spcPct val="0"/>
-                    </a:spcBef>
-                    <a:spcAft>
-                      <a:spcPct val="0"/>
-                    </a:spcAft>
-                    <a:buClr>
-                      <a:srgbClr val="000000"/>
-                    </a:buClr>
-                    <a:buSzPct val="100000"/>
-                    <a:buFont typeface="Times New Roman" panose="02020603050405020304" pitchFamily="18" charset="0"/>
-                    <a:tabLst>
-                      <a:tab pos="0" algn="l"/>
-                      <a:tab pos="914400" algn="l"/>
-                      <a:tab pos="1828800" algn="l"/>
-                      <a:tab pos="2743200" algn="l"/>
-                      <a:tab pos="3657600" algn="l"/>
-                      <a:tab pos="4572000" algn="l"/>
-                      <a:tab pos="5486400" algn="l"/>
-                      <a:tab pos="6400800" algn="l"/>
-                      <a:tab pos="7315200" algn="l"/>
-                      <a:tab pos="8229600" algn="l"/>
-                      <a:tab pos="9144000" algn="l"/>
-                      <a:tab pos="10058400" algn="l"/>
-                    </a:tabLst>
-                    <a:defRPr sz="2400">
-                      <a:solidFill>
-                        <a:srgbClr val="000000"/>
-                      </a:solidFill>
-                      <a:latin typeface="Times New Roman" panose="02020603050405020304" pitchFamily="18" charset="0"/>
-                      <a:cs typeface="DejaVu Sans" charset="0"/>
-                    </a:defRPr>
-                  </a:lvl7pPr>
-                  <a:lvl8pPr marL="3429000" indent="-228600" defTabSz="457200" eaLnBrk="0" fontAlgn="base" hangingPunct="0">
-                    <a:spcBef>
-                      <a:spcPct val="0"/>
-                    </a:spcBef>
-                    <a:spcAft>
-                      <a:spcPct val="0"/>
-                    </a:spcAft>
-                    <a:buClr>
-                      <a:srgbClr val="000000"/>
-                    </a:buClr>
-                    <a:buSzPct val="100000"/>
-                    <a:buFont typeface="Times New Roman" panose="02020603050405020304" pitchFamily="18" charset="0"/>
-                    <a:tabLst>
-                      <a:tab pos="0" algn="l"/>
-                      <a:tab pos="914400" algn="l"/>
-                      <a:tab pos="1828800" algn="l"/>
-                      <a:tab pos="2743200" algn="l"/>
-                      <a:tab pos="3657600" algn="l"/>
-                      <a:tab pos="4572000" algn="l"/>
-                      <a:tab pos="5486400" algn="l"/>
-                      <a:tab pos="6400800" algn="l"/>
-                      <a:tab pos="7315200" algn="l"/>
-                      <a:tab pos="8229600" algn="l"/>
-                      <a:tab pos="9144000" algn="l"/>
-                      <a:tab pos="10058400" algn="l"/>
-                    </a:tabLst>
-                    <a:defRPr sz="2400">
-                      <a:solidFill>
-                        <a:srgbClr val="000000"/>
-                      </a:solidFill>
-                      <a:latin typeface="Times New Roman" panose="02020603050405020304" pitchFamily="18" charset="0"/>
-                      <a:cs typeface="DejaVu Sans" charset="0"/>
-                    </a:defRPr>
-                  </a:lvl8pPr>
-                  <a:lvl9pPr marL="3886200" indent="-228600" defTabSz="457200" eaLnBrk="0" fontAlgn="base" hangingPunct="0">
-                    <a:spcBef>
-                      <a:spcPct val="0"/>
-                    </a:spcBef>
-                    <a:spcAft>
-                      <a:spcPct val="0"/>
-                    </a:spcAft>
-                    <a:buClr>
-                      <a:srgbClr val="000000"/>
-                    </a:buClr>
-                    <a:buSzPct val="100000"/>
-                    <a:buFont typeface="Times New Roman" panose="02020603050405020304" pitchFamily="18" charset="0"/>
-                    <a:tabLst>
-                      <a:tab pos="0" algn="l"/>
-                      <a:tab pos="914400" algn="l"/>
-                      <a:tab pos="1828800" algn="l"/>
-                      <a:tab pos="2743200" algn="l"/>
-                      <a:tab pos="3657600" algn="l"/>
-                      <a:tab pos="4572000" algn="l"/>
-                      <a:tab pos="5486400" algn="l"/>
-                      <a:tab pos="6400800" algn="l"/>
-                      <a:tab pos="7315200" algn="l"/>
-                      <a:tab pos="8229600" algn="l"/>
-                      <a:tab pos="9144000" algn="l"/>
-                      <a:tab pos="10058400" algn="l"/>
-                    </a:tabLst>
-                    <a:defRPr sz="2400">
-                      <a:solidFill>
-                        <a:srgbClr val="000000"/>
-                      </a:solidFill>
-                      <a:latin typeface="Times New Roman" panose="02020603050405020304" pitchFamily="18" charset="0"/>
-                      <a:cs typeface="DejaVu Sans" charset="0"/>
-                    </a:defRPr>
-                  </a:lvl9pPr>
-                </a:lstStyle>
-                <a:p>
-                  <a:pPr>
-                    <a:buClrTx/>
-                    <a:buFontTx/>
-                    <a:buNone/>
-                  </a:pPr>
-                  <a:r>
-                    <a:rPr lang="en-US" altLang="en-US" sz="1200" dirty="0">
-                      <a:latin typeface="+mn-lt"/>
-                    </a:rPr>
-                    <a:t>50</a:t>
-                  </a:r>
-                  <a:r>
-                    <a:rPr lang="en-US" altLang="en-US" sz="1200" baseline="30000" dirty="0">
-                      <a:latin typeface="+mn-lt"/>
-                    </a:rPr>
-                    <a:t>th</a:t>
-                  </a:r>
-                  <a:r>
-                    <a:rPr lang="en-US" altLang="en-US" sz="1200" dirty="0">
-                      <a:latin typeface="+mn-lt"/>
-                    </a:rPr>
-                    <a:t> percentile</a:t>
-                  </a:r>
-                </a:p>
-              </p:txBody>
-            </p:sp>
-          </p:grpSp>
-          <p:grpSp>
-            <p:nvGrpSpPr>
-              <p:cNvPr id="27682" name="Group 34">
-                <a:extLst>
-                  <a:ext uri="{FF2B5EF4-FFF2-40B4-BE49-F238E27FC236}">
-                    <a16:creationId xmlns:a16="http://schemas.microsoft.com/office/drawing/2014/main" id="{2C5D24FA-39E6-4ACC-BB02-E4A98C0554B3}"/>
-                  </a:ext>
-                </a:extLst>
-              </p:cNvPr>
-              <p:cNvGrpSpPr>
-                <a:grpSpLocks/>
-              </p:cNvGrpSpPr>
-              <p:nvPr/>
-            </p:nvGrpSpPr>
-            <p:grpSpPr bwMode="auto">
-              <a:xfrm>
-                <a:off x="4075" y="2025"/>
-                <a:ext cx="1079" cy="215"/>
-                <a:chOff x="4075" y="2025"/>
-                <a:chExt cx="1079" cy="215"/>
-              </a:xfrm>
-            </p:grpSpPr>
-            <p:sp>
-              <p:nvSpPr>
-                <p:cNvPr id="27683" name="Line 35">
-                  <a:extLst>
-                    <a:ext uri="{FF2B5EF4-FFF2-40B4-BE49-F238E27FC236}">
-                      <a16:creationId xmlns:a16="http://schemas.microsoft.com/office/drawing/2014/main" id="{65E3323D-B582-4F8B-BC91-88C5D2EAA36B}"/>
-                    </a:ext>
-                  </a:extLst>
-                </p:cNvPr>
-                <p:cNvSpPr>
-                  <a:spLocks noChangeShapeType="1"/>
-                </p:cNvSpPr>
-                <p:nvPr/>
-              </p:nvSpPr>
-              <p:spPr bwMode="auto">
-                <a:xfrm>
-                  <a:off x="4075" y="2114"/>
-                  <a:ext cx="287" cy="0"/>
-                </a:xfrm>
-                <a:prstGeom prst="line">
-                  <a:avLst/>
-                </a:prstGeom>
-                <a:noFill/>
-                <a:ln w="36720" cap="flat">
-                  <a:solidFill>
-                    <a:srgbClr val="000000"/>
-                  </a:solidFill>
-                  <a:miter lim="800000"/>
-                  <a:headEnd type="triangle" w="med" len="med"/>
-                  <a:tailEnd/>
-                </a:ln>
-                <a:effectLst/>
-                <a:extLst>
-                  <a:ext uri="{909E8E84-426E-40DD-AFC4-6F175D3DCCD1}">
-                    <a14:hiddenFill xmlns:a14="http://schemas.microsoft.com/office/drawing/2010/main">
-                      <a:noFill/>
-                    </a14:hiddenFill>
-                  </a:ext>
-                  <a:ext uri="{AF507438-7753-43E0-B8FC-AC1667EBCBE1}">
-                    <a14:hiddenEffects xmlns:a14="http://schemas.microsoft.com/office/drawing/2010/main">
-                      <a:effectLst>
-                        <a:outerShdw dist="35921" dir="2700000" algn="ctr" rotWithShape="0">
-                          <a:srgbClr val="808080"/>
-                        </a:outerShdw>
-                      </a:effectLst>
-                    </a14:hiddenEffects>
-                  </a:ext>
-                </a:extLst>
-              </p:spPr>
-              <p:txBody>
-                <a:bodyPr/>
-                <a:lstStyle/>
-                <a:p>
-                  <a:endParaRPr lang="en-US">
-                    <a:latin typeface="+mn-lt"/>
-                  </a:endParaRPr>
-                </a:p>
-              </p:txBody>
-            </p:sp>
-            <p:sp>
-              <p:nvSpPr>
-                <p:cNvPr id="27684" name="Text Box 36">
-                  <a:extLst>
-                    <a:ext uri="{FF2B5EF4-FFF2-40B4-BE49-F238E27FC236}">
-                      <a16:creationId xmlns:a16="http://schemas.microsoft.com/office/drawing/2014/main" id="{0D64ADF9-7D6B-4E50-B488-109D90022341}"/>
-                    </a:ext>
-                  </a:extLst>
-                </p:cNvPr>
-                <p:cNvSpPr txBox="1">
-                  <a:spLocks noChangeArrowheads="1"/>
-                </p:cNvSpPr>
-                <p:nvPr/>
-              </p:nvSpPr>
-              <p:spPr bwMode="auto">
-                <a:xfrm>
-                  <a:off x="4363" y="2025"/>
-                  <a:ext cx="791" cy="215"/>
-                </a:xfrm>
-                <a:prstGeom prst="rect">
-                  <a:avLst/>
-                </a:prstGeom>
-                <a:solidFill>
-                  <a:srgbClr val="FFFFFF"/>
-                </a:solidFill>
-                <a:ln>
-                  <a:noFill/>
-                </a:ln>
-                <a:effectLst/>
-                <a:extLst>
-                  <a:ext uri="{91240B29-F687-4F45-9708-019B960494DF}">
-                    <a14:hiddenLine xmlns:a14="http://schemas.microsoft.com/office/drawing/2010/main" w="36720" cap="flat">
-                      <a:solidFill>
-                        <a:srgbClr val="808080"/>
-                      </a:solidFill>
-                      <a:round/>
-                      <a:headEnd/>
-                      <a:tailEnd/>
-                    </a14:hiddenLine>
-                  </a:ext>
-                  <a:ext uri="{AF507438-7753-43E0-B8FC-AC1667EBCBE1}">
-                    <a14:hiddenEffects xmlns:a14="http://schemas.microsoft.com/office/drawing/2010/main">
-                      <a:effectLst>
-                        <a:outerShdw dist="35921" dir="2700000" algn="ctr" rotWithShape="0">
-                          <a:srgbClr val="808080"/>
-                        </a:outerShdw>
-                      </a:effectLst>
-                    </a14:hiddenEffects>
-                  </a:ext>
-                </a:extLst>
-              </p:spPr>
-              <p:txBody>
-                <a:bodyPr lIns="90000" tIns="46800" rIns="90000" bIns="46800"/>
-                <a:lstStyle>
-                  <a:lvl1pPr>
-                    <a:tabLst>
-                      <a:tab pos="0" algn="l"/>
-                      <a:tab pos="914400" algn="l"/>
-                      <a:tab pos="1828800" algn="l"/>
-                      <a:tab pos="2743200" algn="l"/>
-                      <a:tab pos="3657600" algn="l"/>
-                      <a:tab pos="4572000" algn="l"/>
-                      <a:tab pos="5486400" algn="l"/>
-                      <a:tab pos="6400800" algn="l"/>
-                      <a:tab pos="7315200" algn="l"/>
-                      <a:tab pos="8229600" algn="l"/>
-                      <a:tab pos="9144000" algn="l"/>
-                      <a:tab pos="10058400" algn="l"/>
-                    </a:tabLst>
-                    <a:defRPr sz="2400">
-                      <a:solidFill>
-                        <a:srgbClr val="000000"/>
-                      </a:solidFill>
-                      <a:latin typeface="Times New Roman" panose="02020603050405020304" pitchFamily="18" charset="0"/>
-                      <a:cs typeface="DejaVu Sans" charset="0"/>
-                    </a:defRPr>
-                  </a:lvl1pPr>
-                  <a:lvl2pPr>
-                    <a:tabLst>
-                      <a:tab pos="0" algn="l"/>
-                      <a:tab pos="914400" algn="l"/>
-                      <a:tab pos="1828800" algn="l"/>
-                      <a:tab pos="2743200" algn="l"/>
-                      <a:tab pos="3657600" algn="l"/>
-                      <a:tab pos="4572000" algn="l"/>
-                      <a:tab pos="5486400" algn="l"/>
-                      <a:tab pos="6400800" algn="l"/>
-                      <a:tab pos="7315200" algn="l"/>
-                      <a:tab pos="8229600" algn="l"/>
-                      <a:tab pos="9144000" algn="l"/>
-                      <a:tab pos="10058400" algn="l"/>
-                    </a:tabLst>
-                    <a:defRPr sz="2400">
-                      <a:solidFill>
-                        <a:srgbClr val="000000"/>
-                      </a:solidFill>
-                      <a:latin typeface="Times New Roman" panose="02020603050405020304" pitchFamily="18" charset="0"/>
-                      <a:cs typeface="DejaVu Sans" charset="0"/>
-                    </a:defRPr>
-                  </a:lvl2pPr>
-                  <a:lvl3pPr>
-                    <a:tabLst>
-                      <a:tab pos="0" algn="l"/>
-                      <a:tab pos="914400" algn="l"/>
-                      <a:tab pos="1828800" algn="l"/>
-                      <a:tab pos="2743200" algn="l"/>
-                      <a:tab pos="3657600" algn="l"/>
-                      <a:tab pos="4572000" algn="l"/>
-                      <a:tab pos="5486400" algn="l"/>
-                      <a:tab pos="6400800" algn="l"/>
-                      <a:tab pos="7315200" algn="l"/>
-                      <a:tab pos="8229600" algn="l"/>
-                      <a:tab pos="9144000" algn="l"/>
-                      <a:tab pos="10058400" algn="l"/>
-                    </a:tabLst>
-                    <a:defRPr sz="2400">
-                      <a:solidFill>
-                        <a:srgbClr val="000000"/>
-                      </a:solidFill>
-                      <a:latin typeface="Times New Roman" panose="02020603050405020304" pitchFamily="18" charset="0"/>
-                      <a:cs typeface="DejaVu Sans" charset="0"/>
-                    </a:defRPr>
-                  </a:lvl3pPr>
-                  <a:lvl4pPr>
-                    <a:tabLst>
-                      <a:tab pos="0" algn="l"/>
-                      <a:tab pos="914400" algn="l"/>
-                      <a:tab pos="1828800" algn="l"/>
-                      <a:tab pos="2743200" algn="l"/>
-                      <a:tab pos="3657600" algn="l"/>
-                      <a:tab pos="4572000" algn="l"/>
-                      <a:tab pos="5486400" algn="l"/>
-                      <a:tab pos="6400800" algn="l"/>
-                      <a:tab pos="7315200" algn="l"/>
-                      <a:tab pos="8229600" algn="l"/>
-                      <a:tab pos="9144000" algn="l"/>
-                      <a:tab pos="10058400" algn="l"/>
-                    </a:tabLst>
-                    <a:defRPr sz="2400">
-                      <a:solidFill>
-                        <a:srgbClr val="000000"/>
-                      </a:solidFill>
-                      <a:latin typeface="Times New Roman" panose="02020603050405020304" pitchFamily="18" charset="0"/>
-                      <a:cs typeface="DejaVu Sans" charset="0"/>
-                    </a:defRPr>
-                  </a:lvl4pPr>
-                  <a:lvl5pPr>
-                    <a:tabLst>
-                      <a:tab pos="0" algn="l"/>
-                      <a:tab pos="914400" algn="l"/>
-                      <a:tab pos="1828800" algn="l"/>
-                      <a:tab pos="2743200" algn="l"/>
-                      <a:tab pos="3657600" algn="l"/>
-                      <a:tab pos="4572000" algn="l"/>
-                      <a:tab pos="5486400" algn="l"/>
-                      <a:tab pos="6400800" algn="l"/>
-                      <a:tab pos="7315200" algn="l"/>
-                      <a:tab pos="8229600" algn="l"/>
-                      <a:tab pos="9144000" algn="l"/>
-                      <a:tab pos="10058400" algn="l"/>
-                    </a:tabLst>
-                    <a:defRPr sz="2400">
-                      <a:solidFill>
-                        <a:srgbClr val="000000"/>
-                      </a:solidFill>
-                      <a:latin typeface="Times New Roman" panose="02020603050405020304" pitchFamily="18" charset="0"/>
-                      <a:cs typeface="DejaVu Sans" charset="0"/>
-                    </a:defRPr>
-                  </a:lvl5pPr>
-                  <a:lvl6pPr marL="2514600" indent="-228600" defTabSz="457200" eaLnBrk="0" fontAlgn="base" hangingPunct="0">
-                    <a:spcBef>
-                      <a:spcPct val="0"/>
-                    </a:spcBef>
-                    <a:spcAft>
-                      <a:spcPct val="0"/>
-                    </a:spcAft>
-                    <a:buClr>
-                      <a:srgbClr val="000000"/>
-                    </a:buClr>
-                    <a:buSzPct val="100000"/>
-                    <a:buFont typeface="Times New Roman" panose="02020603050405020304" pitchFamily="18" charset="0"/>
-                    <a:tabLst>
-                      <a:tab pos="0" algn="l"/>
-                      <a:tab pos="914400" algn="l"/>
-                      <a:tab pos="1828800" algn="l"/>
-                      <a:tab pos="2743200" algn="l"/>
-                      <a:tab pos="3657600" algn="l"/>
-                      <a:tab pos="4572000" algn="l"/>
-                      <a:tab pos="5486400" algn="l"/>
-                      <a:tab pos="6400800" algn="l"/>
-                      <a:tab pos="7315200" algn="l"/>
-                      <a:tab pos="8229600" algn="l"/>
-                      <a:tab pos="9144000" algn="l"/>
-                      <a:tab pos="10058400" algn="l"/>
-                    </a:tabLst>
-                    <a:defRPr sz="2400">
-                      <a:solidFill>
-                        <a:srgbClr val="000000"/>
-                      </a:solidFill>
-                      <a:latin typeface="Times New Roman" panose="02020603050405020304" pitchFamily="18" charset="0"/>
-                      <a:cs typeface="DejaVu Sans" charset="0"/>
-                    </a:defRPr>
-                  </a:lvl6pPr>
-                  <a:lvl7pPr marL="2971800" indent="-228600" defTabSz="457200" eaLnBrk="0" fontAlgn="base" hangingPunct="0">
-                    <a:spcBef>
-                      <a:spcPct val="0"/>
-                    </a:spcBef>
-                    <a:spcAft>
-                      <a:spcPct val="0"/>
-                    </a:spcAft>
-                    <a:buClr>
-                      <a:srgbClr val="000000"/>
-                    </a:buClr>
-                    <a:buSzPct val="100000"/>
-                    <a:buFont typeface="Times New Roman" panose="02020603050405020304" pitchFamily="18" charset="0"/>
-                    <a:tabLst>
-                      <a:tab pos="0" algn="l"/>
-                      <a:tab pos="914400" algn="l"/>
-                      <a:tab pos="1828800" algn="l"/>
-                      <a:tab pos="2743200" algn="l"/>
-                      <a:tab pos="3657600" algn="l"/>
-                      <a:tab pos="4572000" algn="l"/>
-                      <a:tab pos="5486400" algn="l"/>
-                      <a:tab pos="6400800" algn="l"/>
-                      <a:tab pos="7315200" algn="l"/>
-                      <a:tab pos="8229600" algn="l"/>
-                      <a:tab pos="9144000" algn="l"/>
-                      <a:tab pos="10058400" algn="l"/>
-                    </a:tabLst>
-                    <a:defRPr sz="2400">
-                      <a:solidFill>
-                        <a:srgbClr val="000000"/>
-                      </a:solidFill>
-                      <a:latin typeface="Times New Roman" panose="02020603050405020304" pitchFamily="18" charset="0"/>
-                      <a:cs typeface="DejaVu Sans" charset="0"/>
-                    </a:defRPr>
-                  </a:lvl7pPr>
-                  <a:lvl8pPr marL="3429000" indent="-228600" defTabSz="457200" eaLnBrk="0" fontAlgn="base" hangingPunct="0">
-                    <a:spcBef>
-                      <a:spcPct val="0"/>
-                    </a:spcBef>
-                    <a:spcAft>
-                      <a:spcPct val="0"/>
-                    </a:spcAft>
-                    <a:buClr>
-                      <a:srgbClr val="000000"/>
-                    </a:buClr>
-                    <a:buSzPct val="100000"/>
-                    <a:buFont typeface="Times New Roman" panose="02020603050405020304" pitchFamily="18" charset="0"/>
-                    <a:tabLst>
-                      <a:tab pos="0" algn="l"/>
-                      <a:tab pos="914400" algn="l"/>
-                      <a:tab pos="1828800" algn="l"/>
-                      <a:tab pos="2743200" algn="l"/>
-                      <a:tab pos="3657600" algn="l"/>
-                      <a:tab pos="4572000" algn="l"/>
-                      <a:tab pos="5486400" algn="l"/>
-                      <a:tab pos="6400800" algn="l"/>
-                      <a:tab pos="7315200" algn="l"/>
-                      <a:tab pos="8229600" algn="l"/>
-                      <a:tab pos="9144000" algn="l"/>
-                      <a:tab pos="10058400" algn="l"/>
-                    </a:tabLst>
-                    <a:defRPr sz="2400">
-                      <a:solidFill>
-                        <a:srgbClr val="000000"/>
-                      </a:solidFill>
-                      <a:latin typeface="Times New Roman" panose="02020603050405020304" pitchFamily="18" charset="0"/>
-                      <a:cs typeface="DejaVu Sans" charset="0"/>
-                    </a:defRPr>
-                  </a:lvl8pPr>
-                  <a:lvl9pPr marL="3886200" indent="-228600" defTabSz="457200" eaLnBrk="0" fontAlgn="base" hangingPunct="0">
-                    <a:spcBef>
-                      <a:spcPct val="0"/>
-                    </a:spcBef>
-                    <a:spcAft>
-                      <a:spcPct val="0"/>
-                    </a:spcAft>
-                    <a:buClr>
-                      <a:srgbClr val="000000"/>
-                    </a:buClr>
-                    <a:buSzPct val="100000"/>
-                    <a:buFont typeface="Times New Roman" panose="02020603050405020304" pitchFamily="18" charset="0"/>
-                    <a:tabLst>
-                      <a:tab pos="0" algn="l"/>
-                      <a:tab pos="914400" algn="l"/>
-                      <a:tab pos="1828800" algn="l"/>
-                      <a:tab pos="2743200" algn="l"/>
-                      <a:tab pos="3657600" algn="l"/>
-                      <a:tab pos="4572000" algn="l"/>
-                      <a:tab pos="5486400" algn="l"/>
-                      <a:tab pos="6400800" algn="l"/>
-                      <a:tab pos="7315200" algn="l"/>
-                      <a:tab pos="8229600" algn="l"/>
-                      <a:tab pos="9144000" algn="l"/>
-                      <a:tab pos="10058400" algn="l"/>
-                    </a:tabLst>
-                    <a:defRPr sz="2400">
-                      <a:solidFill>
-                        <a:srgbClr val="000000"/>
-                      </a:solidFill>
-                      <a:latin typeface="Times New Roman" panose="02020603050405020304" pitchFamily="18" charset="0"/>
-                      <a:cs typeface="DejaVu Sans" charset="0"/>
-                    </a:defRPr>
-                  </a:lvl9pPr>
-                </a:lstStyle>
-                <a:p>
-                  <a:r>
-                    <a:rPr lang="en-US" altLang="en-US" sz="1200" dirty="0">
-                      <a:latin typeface="+mn-lt"/>
-                    </a:rPr>
-                    <a:t>75</a:t>
-                  </a:r>
-                  <a:r>
-                    <a:rPr lang="en-US" altLang="en-US" sz="1200" baseline="30000" dirty="0">
-                      <a:latin typeface="+mn-lt"/>
-                    </a:rPr>
-                    <a:t>th</a:t>
-                  </a:r>
-                  <a:r>
-                    <a:rPr lang="en-US" altLang="en-US" sz="1200" dirty="0">
-                      <a:latin typeface="+mn-lt"/>
-                    </a:rPr>
-                    <a:t> percentile + 1.5 IQR</a:t>
-                  </a:r>
-                </a:p>
-              </p:txBody>
-            </p:sp>
-          </p:grpSp>
-        </p:grpSp>
-        <p:sp>
-          <p:nvSpPr>
-            <p:cNvPr id="27685" name="AutoShape 37">
-              <a:extLst>
-                <a:ext uri="{FF2B5EF4-FFF2-40B4-BE49-F238E27FC236}">
-                  <a16:creationId xmlns:a16="http://schemas.microsoft.com/office/drawing/2014/main" id="{FA3EC708-2E7B-4F22-B8EA-7B94E951BB20}"/>
-                </a:ext>
-              </a:extLst>
-            </p:cNvPr>
-            <p:cNvSpPr>
-              <a:spLocks/>
-            </p:cNvSpPr>
-            <p:nvPr/>
-          </p:nvSpPr>
-          <p:spPr bwMode="auto">
-            <a:xfrm>
-              <a:off x="8167687" y="4511675"/>
-              <a:ext cx="334963" cy="731838"/>
-            </a:xfrm>
-            <a:prstGeom prst="rightBrace">
-              <a:avLst>
-                <a:gd name="adj1" fmla="val 18207"/>
-                <a:gd name="adj2" fmla="val 50000"/>
-              </a:avLst>
-            </a:prstGeom>
-            <a:noFill/>
-            <a:ln w="36720" cap="flat">
-              <a:solidFill>
-                <a:srgbClr val="808080"/>
-              </a:solidFill>
-              <a:round/>
-              <a:headEnd/>
-              <a:tailEnd/>
-            </a:ln>
-            <a:effectLst/>
-            <a:extLst>
-              <a:ext uri="{909E8E84-426E-40DD-AFC4-6F175D3DCCD1}">
-                <a14:hiddenFill xmlns:a14="http://schemas.microsoft.com/office/drawing/2010/main">
-                  <a:solidFill>
-                    <a:srgbClr val="FFFFFF"/>
-                  </a:solidFill>
-                </a14:hiddenFill>
-              </a:ext>
-              <a:ext uri="{AF507438-7753-43E0-B8FC-AC1667EBCBE1}">
-                <a14:hiddenEffects xmlns:a14="http://schemas.microsoft.com/office/drawing/2010/main">
-                  <a:effectLst>
-                    <a:outerShdw dist="35921" dir="2700000" algn="ctr" rotWithShape="0">
-                      <a:srgbClr val="808080"/>
-                    </a:outerShdw>
-                  </a:effectLst>
-                </a14:hiddenEffects>
-              </a:ext>
-            </a:extLst>
-          </p:spPr>
-          <p:txBody>
-            <a:bodyPr wrap="none" anchor="ctr"/>
-            <a:lstStyle/>
-            <a:p>
-              <a:endParaRPr lang="en-US">
-                <a:latin typeface="+mn-lt"/>
-              </a:endParaRPr>
-            </a:p>
-          </p:txBody>
-        </p:sp>
-        <p:sp>
-          <p:nvSpPr>
-            <p:cNvPr id="27686" name="Text Box 38">
-              <a:extLst>
-                <a:ext uri="{FF2B5EF4-FFF2-40B4-BE49-F238E27FC236}">
-                  <a16:creationId xmlns:a16="http://schemas.microsoft.com/office/drawing/2014/main" id="{C604F8AB-1223-488D-AED4-5F1C8BB12136}"/>
-                </a:ext>
-              </a:extLst>
-            </p:cNvPr>
-            <p:cNvSpPr txBox="1">
-              <a:spLocks noChangeArrowheads="1"/>
-            </p:cNvSpPr>
-            <p:nvPr/>
-          </p:nvSpPr>
-          <p:spPr bwMode="auto">
-            <a:xfrm>
-              <a:off x="8489950" y="4695825"/>
-              <a:ext cx="587375" cy="639763"/>
-            </a:xfrm>
-            <a:prstGeom prst="rect">
-              <a:avLst/>
-            </a:prstGeom>
-            <a:noFill/>
-            <a:ln>
-              <a:noFill/>
-            </a:ln>
-            <a:effectLst/>
-            <a:extLst>
-              <a:ext uri="{909E8E84-426E-40DD-AFC4-6F175D3DCCD1}">
-                <a14:hiddenFill xmlns:a14="http://schemas.microsoft.com/office/drawing/2010/main">
-                  <a:solidFill>
-                    <a:srgbClr val="FFFFFF"/>
-                  </a:solidFill>
-                </a14:hiddenFill>
-              </a:ext>
-              <a:ext uri="{91240B29-F687-4F45-9708-019B960494DF}">
-                <a14:hiddenLine xmlns:a14="http://schemas.microsoft.com/office/drawing/2010/main" w="9525" cap="flat">
-                  <a:solidFill>
-                    <a:srgbClr val="000000"/>
-                  </a:solidFill>
-                  <a:round/>
-                  <a:headEnd/>
-                  <a:tailEnd/>
-                </a14:hiddenLine>
-              </a:ext>
-              <a:ext uri="{AF507438-7753-43E0-B8FC-AC1667EBCBE1}">
-                <a14:hiddenEffects xmlns:a14="http://schemas.microsoft.com/office/drawing/2010/main">
-                  <a:effectLst>
-                    <a:outerShdw dist="35921" dir="2700000" algn="ctr" rotWithShape="0">
-                      <a:srgbClr val="808080"/>
-                    </a:outerShdw>
-                  </a:effectLst>
-                </a14:hiddenEffects>
-              </a:ext>
-            </a:extLst>
-          </p:spPr>
-          <p:txBody>
-            <a:bodyPr wrap="none" lIns="90000" tIns="45000" rIns="90000" bIns="45000"/>
-            <a:lstStyle>
-              <a:lvl1pPr>
-                <a:tabLst>
-                  <a:tab pos="0" algn="l"/>
-                  <a:tab pos="914400" algn="l"/>
-                  <a:tab pos="1828800" algn="l"/>
-                  <a:tab pos="2743200" algn="l"/>
-                  <a:tab pos="3657600" algn="l"/>
-                  <a:tab pos="4572000" algn="l"/>
-                  <a:tab pos="5486400" algn="l"/>
-                  <a:tab pos="6400800" algn="l"/>
-                  <a:tab pos="7315200" algn="l"/>
-                  <a:tab pos="8229600" algn="l"/>
-                  <a:tab pos="9144000" algn="l"/>
-                  <a:tab pos="10058400" algn="l"/>
-                </a:tabLst>
-                <a:defRPr sz="2400">
-                  <a:solidFill>
-                    <a:srgbClr val="000000"/>
-                  </a:solidFill>
-                  <a:latin typeface="Times New Roman" panose="02020603050405020304" pitchFamily="18" charset="0"/>
-                  <a:cs typeface="DejaVu Sans" charset="0"/>
-                </a:defRPr>
-              </a:lvl1pPr>
-              <a:lvl2pPr>
-                <a:tabLst>
-                  <a:tab pos="0" algn="l"/>
-                  <a:tab pos="914400" algn="l"/>
-                  <a:tab pos="1828800" algn="l"/>
-                  <a:tab pos="2743200" algn="l"/>
-                  <a:tab pos="3657600" algn="l"/>
-                  <a:tab pos="4572000" algn="l"/>
-                  <a:tab pos="5486400" algn="l"/>
-                  <a:tab pos="6400800" algn="l"/>
-                  <a:tab pos="7315200" algn="l"/>
-                  <a:tab pos="8229600" algn="l"/>
-                  <a:tab pos="9144000" algn="l"/>
-                  <a:tab pos="10058400" algn="l"/>
-                </a:tabLst>
-                <a:defRPr sz="2400">
-                  <a:solidFill>
-                    <a:srgbClr val="000000"/>
-                  </a:solidFill>
-                  <a:latin typeface="Times New Roman" panose="02020603050405020304" pitchFamily="18" charset="0"/>
-                  <a:cs typeface="DejaVu Sans" charset="0"/>
-                </a:defRPr>
-              </a:lvl2pPr>
-              <a:lvl3pPr>
-                <a:tabLst>
-                  <a:tab pos="0" algn="l"/>
-                  <a:tab pos="914400" algn="l"/>
-                  <a:tab pos="1828800" algn="l"/>
-                  <a:tab pos="2743200" algn="l"/>
-                  <a:tab pos="3657600" algn="l"/>
-                  <a:tab pos="4572000" algn="l"/>
-                  <a:tab pos="5486400" algn="l"/>
-                  <a:tab pos="6400800" algn="l"/>
-                  <a:tab pos="7315200" algn="l"/>
-                  <a:tab pos="8229600" algn="l"/>
-                  <a:tab pos="9144000" algn="l"/>
-                  <a:tab pos="10058400" algn="l"/>
-                </a:tabLst>
-                <a:defRPr sz="2400">
-                  <a:solidFill>
-                    <a:srgbClr val="000000"/>
-                  </a:solidFill>
-                  <a:latin typeface="Times New Roman" panose="02020603050405020304" pitchFamily="18" charset="0"/>
-                  <a:cs typeface="DejaVu Sans" charset="0"/>
-                </a:defRPr>
-              </a:lvl3pPr>
-              <a:lvl4pPr>
-                <a:tabLst>
-                  <a:tab pos="0" algn="l"/>
-                  <a:tab pos="914400" algn="l"/>
-                  <a:tab pos="1828800" algn="l"/>
-                  <a:tab pos="2743200" algn="l"/>
-                  <a:tab pos="3657600" algn="l"/>
-                  <a:tab pos="4572000" algn="l"/>
-                  <a:tab pos="5486400" algn="l"/>
-                  <a:tab pos="6400800" algn="l"/>
-                  <a:tab pos="7315200" algn="l"/>
-                  <a:tab pos="8229600" algn="l"/>
-                  <a:tab pos="9144000" algn="l"/>
-                  <a:tab pos="10058400" algn="l"/>
-                </a:tabLst>
-                <a:defRPr sz="2400">
-                  <a:solidFill>
-                    <a:srgbClr val="000000"/>
-                  </a:solidFill>
-                  <a:latin typeface="Times New Roman" panose="02020603050405020304" pitchFamily="18" charset="0"/>
-                  <a:cs typeface="DejaVu Sans" charset="0"/>
-                </a:defRPr>
-              </a:lvl4pPr>
-              <a:lvl5pPr>
-                <a:tabLst>
-                  <a:tab pos="0" algn="l"/>
-                  <a:tab pos="914400" algn="l"/>
-                  <a:tab pos="1828800" algn="l"/>
-                  <a:tab pos="2743200" algn="l"/>
-                  <a:tab pos="3657600" algn="l"/>
-                  <a:tab pos="4572000" algn="l"/>
-                  <a:tab pos="5486400" algn="l"/>
-                  <a:tab pos="6400800" algn="l"/>
-                  <a:tab pos="7315200" algn="l"/>
-                  <a:tab pos="8229600" algn="l"/>
-                  <a:tab pos="9144000" algn="l"/>
-                  <a:tab pos="10058400" algn="l"/>
-                </a:tabLst>
-                <a:defRPr sz="2400">
-                  <a:solidFill>
-                    <a:srgbClr val="000000"/>
-                  </a:solidFill>
-                  <a:latin typeface="Times New Roman" panose="02020603050405020304" pitchFamily="18" charset="0"/>
-                  <a:cs typeface="DejaVu Sans" charset="0"/>
-                </a:defRPr>
-              </a:lvl5pPr>
-              <a:lvl6pPr marL="2514600" indent="-228600" defTabSz="457200" eaLnBrk="0" fontAlgn="base" hangingPunct="0">
-                <a:spcBef>
-                  <a:spcPct val="0"/>
-                </a:spcBef>
-                <a:spcAft>
-                  <a:spcPct val="0"/>
-                </a:spcAft>
-                <a:buClr>
-                  <a:srgbClr val="000000"/>
-                </a:buClr>
-                <a:buSzPct val="100000"/>
-                <a:buFont typeface="Times New Roman" panose="02020603050405020304" pitchFamily="18" charset="0"/>
-                <a:tabLst>
-                  <a:tab pos="0" algn="l"/>
-                  <a:tab pos="914400" algn="l"/>
-                  <a:tab pos="1828800" algn="l"/>
-                  <a:tab pos="2743200" algn="l"/>
-                  <a:tab pos="3657600" algn="l"/>
-                  <a:tab pos="4572000" algn="l"/>
-                  <a:tab pos="5486400" algn="l"/>
-                  <a:tab pos="6400800" algn="l"/>
-                  <a:tab pos="7315200" algn="l"/>
-                  <a:tab pos="8229600" algn="l"/>
-                  <a:tab pos="9144000" algn="l"/>
-                  <a:tab pos="10058400" algn="l"/>
-                </a:tabLst>
-                <a:defRPr sz="2400">
-                  <a:solidFill>
-                    <a:srgbClr val="000000"/>
-                  </a:solidFill>
-                  <a:latin typeface="Times New Roman" panose="02020603050405020304" pitchFamily="18" charset="0"/>
-                  <a:cs typeface="DejaVu Sans" charset="0"/>
-                </a:defRPr>
-              </a:lvl6pPr>
-              <a:lvl7pPr marL="2971800" indent="-228600" defTabSz="457200" eaLnBrk="0" fontAlgn="base" hangingPunct="0">
-                <a:spcBef>
-                  <a:spcPct val="0"/>
-                </a:spcBef>
-                <a:spcAft>
-                  <a:spcPct val="0"/>
-                </a:spcAft>
-                <a:buClr>
-                  <a:srgbClr val="000000"/>
-                </a:buClr>
-                <a:buSzPct val="100000"/>
-                <a:buFont typeface="Times New Roman" panose="02020603050405020304" pitchFamily="18" charset="0"/>
-                <a:tabLst>
-                  <a:tab pos="0" algn="l"/>
-                  <a:tab pos="914400" algn="l"/>
-                  <a:tab pos="1828800" algn="l"/>
-                  <a:tab pos="2743200" algn="l"/>
-                  <a:tab pos="3657600" algn="l"/>
-                  <a:tab pos="4572000" algn="l"/>
-                  <a:tab pos="5486400" algn="l"/>
-                  <a:tab pos="6400800" algn="l"/>
-                  <a:tab pos="7315200" algn="l"/>
-                  <a:tab pos="8229600" algn="l"/>
-                  <a:tab pos="9144000" algn="l"/>
-                  <a:tab pos="10058400" algn="l"/>
-                </a:tabLst>
-                <a:defRPr sz="2400">
-                  <a:solidFill>
-                    <a:srgbClr val="000000"/>
-                  </a:solidFill>
-                  <a:latin typeface="Times New Roman" panose="02020603050405020304" pitchFamily="18" charset="0"/>
-                  <a:cs typeface="DejaVu Sans" charset="0"/>
-                </a:defRPr>
-              </a:lvl7pPr>
-              <a:lvl8pPr marL="3429000" indent="-228600" defTabSz="457200" eaLnBrk="0" fontAlgn="base" hangingPunct="0">
-                <a:spcBef>
-                  <a:spcPct val="0"/>
-                </a:spcBef>
-                <a:spcAft>
-                  <a:spcPct val="0"/>
-                </a:spcAft>
-                <a:buClr>
-                  <a:srgbClr val="000000"/>
-                </a:buClr>
-                <a:buSzPct val="100000"/>
-                <a:buFont typeface="Times New Roman" panose="02020603050405020304" pitchFamily="18" charset="0"/>
-                <a:tabLst>
-                  <a:tab pos="0" algn="l"/>
-                  <a:tab pos="914400" algn="l"/>
-                  <a:tab pos="1828800" algn="l"/>
-                  <a:tab pos="2743200" algn="l"/>
-                  <a:tab pos="3657600" algn="l"/>
-                  <a:tab pos="4572000" algn="l"/>
-                  <a:tab pos="5486400" algn="l"/>
-                  <a:tab pos="6400800" algn="l"/>
-                  <a:tab pos="7315200" algn="l"/>
-                  <a:tab pos="8229600" algn="l"/>
-                  <a:tab pos="9144000" algn="l"/>
-                  <a:tab pos="10058400" algn="l"/>
-                </a:tabLst>
-                <a:defRPr sz="2400">
-                  <a:solidFill>
-                    <a:srgbClr val="000000"/>
-                  </a:solidFill>
-                  <a:latin typeface="Times New Roman" panose="02020603050405020304" pitchFamily="18" charset="0"/>
-                  <a:cs typeface="DejaVu Sans" charset="0"/>
-                </a:defRPr>
-              </a:lvl8pPr>
-              <a:lvl9pPr marL="3886200" indent="-228600" defTabSz="457200" eaLnBrk="0" fontAlgn="base" hangingPunct="0">
-                <a:spcBef>
-                  <a:spcPct val="0"/>
-                </a:spcBef>
-                <a:spcAft>
-                  <a:spcPct val="0"/>
-                </a:spcAft>
-                <a:buClr>
-                  <a:srgbClr val="000000"/>
-                </a:buClr>
-                <a:buSzPct val="100000"/>
-                <a:buFont typeface="Times New Roman" panose="02020603050405020304" pitchFamily="18" charset="0"/>
-                <a:tabLst>
-                  <a:tab pos="0" algn="l"/>
-                  <a:tab pos="914400" algn="l"/>
-                  <a:tab pos="1828800" algn="l"/>
-                  <a:tab pos="2743200" algn="l"/>
-                  <a:tab pos="3657600" algn="l"/>
-                  <a:tab pos="4572000" algn="l"/>
-                  <a:tab pos="5486400" algn="l"/>
-                  <a:tab pos="6400800" algn="l"/>
-                  <a:tab pos="7315200" algn="l"/>
-                  <a:tab pos="8229600" algn="l"/>
-                  <a:tab pos="9144000" algn="l"/>
-                  <a:tab pos="10058400" algn="l"/>
-                </a:tabLst>
-                <a:defRPr sz="2400">
-                  <a:solidFill>
-                    <a:srgbClr val="000000"/>
-                  </a:solidFill>
-                  <a:latin typeface="Times New Roman" panose="02020603050405020304" pitchFamily="18" charset="0"/>
-                  <a:cs typeface="DejaVu Sans" charset="0"/>
-                </a:defRPr>
-              </a:lvl9pPr>
-            </a:lstStyle>
-            <a:p>
-              <a:r>
-                <a:rPr lang="en-US" altLang="en-US" sz="1800">
-                  <a:latin typeface="+mn-lt"/>
-                </a:rPr>
-                <a:t>IQR</a:t>
-              </a:r>
-            </a:p>
-          </p:txBody>
-        </p:sp>
-      </p:grpSp>
-      <p:grpSp>
-        <p:nvGrpSpPr>
-          <p:cNvPr id="2" name="Group 1">
-            <a:extLst>
-              <a:ext uri="{FF2B5EF4-FFF2-40B4-BE49-F238E27FC236}">
-                <a16:creationId xmlns:a16="http://schemas.microsoft.com/office/drawing/2014/main" id="{0A16527E-B6F8-DA4F-328B-00DA8ABA416B}"/>
-              </a:ext>
-            </a:extLst>
-          </p:cNvPr>
-          <p:cNvGrpSpPr/>
-          <p:nvPr/>
-        </p:nvGrpSpPr>
-        <p:grpSpPr>
-          <a:xfrm>
-            <a:off x="228600" y="2843213"/>
-            <a:ext cx="4846637" cy="3589853"/>
-            <a:chOff x="228600" y="2843213"/>
-            <a:chExt cx="4846637" cy="3589853"/>
+            <a:off x="152400" y="1690689"/>
+            <a:ext cx="8657459" cy="5016496"/>
+            <a:chOff x="152400" y="1690689"/>
+            <a:chExt cx="8657459" cy="5016496"/>
           </a:xfrm>
         </p:grpSpPr>
         <p:pic>
           <p:nvPicPr>
-            <p:cNvPr id="27687" name="Picture 39">
+            <p:cNvPr id="1026" name="Picture 2" descr="A diagram depicting how a boxplot is created following the steps outlined  above.">
               <a:extLst>
                 <a:ext uri="{FF2B5EF4-FFF2-40B4-BE49-F238E27FC236}">
-                  <a16:creationId xmlns:a16="http://schemas.microsoft.com/office/drawing/2014/main" id="{4894F891-2433-4823-BF47-27127E7D6CA5}"/>
+                  <a16:creationId xmlns:a16="http://schemas.microsoft.com/office/drawing/2014/main" id="{A699E1E3-4348-1FC9-05C2-2CD637AB2E4B}"/>
                 </a:ext>
               </a:extLst>
             </p:cNvPr>
@@ -30895,110 +27752,298 @@
                 </a:ext>
               </a:extLst>
             </a:blip>
-            <a:srcRect b="37950"/>
+            <a:srcRect/>
             <a:stretch>
               <a:fillRect/>
             </a:stretch>
           </p:blipFill>
           <p:spPr bwMode="auto">
             <a:xfrm>
-              <a:off x="228600" y="2843213"/>
-              <a:ext cx="4846637" cy="3181350"/>
+              <a:off x="152400" y="1690689"/>
+              <a:ext cx="8657459" cy="4802185"/>
             </a:xfrm>
             <a:prstGeom prst="rect">
               <a:avLst/>
             </a:prstGeom>
             <a:noFill/>
-            <a:ln>
-              <a:noFill/>
-            </a:ln>
-            <a:effectLst/>
             <a:extLst>
               <a:ext uri="{909E8E84-426E-40DD-AFC4-6F175D3DCCD1}">
                 <a14:hiddenFill xmlns:a14="http://schemas.microsoft.com/office/drawing/2010/main">
-                  <a:blipFill dpi="0" rotWithShape="0">
-                    <a:blip/>
-                    <a:srcRect b="37950"/>
-                    <a:stretch>
-                      <a:fillRect/>
-                    </a:stretch>
-                  </a:blipFill>
+                  <a:solidFill>
+                    <a:srgbClr val="FFFFFF"/>
+                  </a:solidFill>
                 </a14:hiddenFill>
-              </a:ext>
-              <a:ext uri="{91240B29-F687-4F45-9708-019B960494DF}">
-                <a14:hiddenLine xmlns:a14="http://schemas.microsoft.com/office/drawing/2010/main" w="9525" cap="flat">
-                  <a:solidFill>
-                    <a:srgbClr val="808080"/>
-                  </a:solidFill>
-                  <a:round/>
-                  <a:headEnd/>
-                  <a:tailEnd/>
-                </a14:hiddenLine>
-              </a:ext>
-              <a:ext uri="{AF507438-7753-43E0-B8FC-AC1667EBCBE1}">
-                <a14:hiddenEffects xmlns:a14="http://schemas.microsoft.com/office/drawing/2010/main">
-                  <a:effectLst>
-                    <a:outerShdw dist="35921" dir="2700000" algn="ctr" rotWithShape="0">
-                      <a:srgbClr val="808080"/>
-                    </a:outerShdw>
-                  </a:effectLst>
-                </a14:hiddenEffects>
               </a:ext>
             </a:extLst>
           </p:spPr>
         </p:pic>
         <p:sp>
           <p:nvSpPr>
-            <p:cNvPr id="4" name="Arrow: Down 3">
+            <p:cNvPr id="8" name="Rectangle 2">
               <a:extLst>
                 <a:ext uri="{FF2B5EF4-FFF2-40B4-BE49-F238E27FC236}">
-                  <a16:creationId xmlns:a16="http://schemas.microsoft.com/office/drawing/2014/main" id="{F46D9E64-E235-4DAA-BCB1-FB0A9EA402D3}"/>
+                  <a16:creationId xmlns:a16="http://schemas.microsoft.com/office/drawing/2014/main" id="{F2956B91-A708-A436-B205-3B8C7FD22EAA}"/>
                 </a:ext>
               </a:extLst>
             </p:cNvPr>
-            <p:cNvSpPr/>
+            <p:cNvSpPr txBox="1">
+              <a:spLocks noChangeArrowheads="1"/>
+            </p:cNvSpPr>
             <p:nvPr/>
           </p:nvSpPr>
           <p:spPr>
-            <a:xfrm flipV="1">
-              <a:off x="258352" y="3973155"/>
-              <a:ext cx="533400" cy="874405"/>
+            <a:xfrm>
+              <a:off x="2819400" y="6168394"/>
+              <a:ext cx="4114800" cy="538791"/>
             </a:xfrm>
-            <a:prstGeom prst="downArrow">
+            <a:prstGeom prst="rect">
               <a:avLst/>
             </a:prstGeom>
           </p:spPr>
-          <p:style>
-            <a:lnRef idx="2">
-              <a:schemeClr val="accent1">
-                <a:shade val="50000"/>
-              </a:schemeClr>
-            </a:lnRef>
-            <a:fillRef idx="1">
-              <a:schemeClr val="accent1"/>
-            </a:fillRef>
-            <a:effectRef idx="0">
-              <a:schemeClr val="accent1"/>
-            </a:effectRef>
-            <a:fontRef idx="minor">
-              <a:schemeClr val="lt1"/>
-            </a:fontRef>
-          </p:style>
           <p:txBody>
-            <a:bodyPr rtlCol="0" anchor="ctr"/>
-            <a:lstStyle/>
+            <a:bodyPr vert="horz" lIns="91440" tIns="45720" rIns="91440" bIns="45720" rtlCol="0">
+              <a:normAutofit/>
+            </a:bodyPr>
+            <a:lstStyle>
+              <a:lvl1pPr marL="342900" indent="-342900" algn="l" defTabSz="685800" rtl="0" eaLnBrk="1" latinLnBrk="0" hangingPunct="1">
+                <a:lnSpc>
+                  <a:spcPct val="90000"/>
+                </a:lnSpc>
+                <a:spcBef>
+                  <a:spcPts val="750"/>
+                </a:spcBef>
+                <a:buClr>
+                  <a:schemeClr val="accent1"/>
+                </a:buClr>
+                <a:buFont typeface="Wingdings" panose="05000000000000000000" pitchFamily="2" charset="2"/>
+                <a:buChar char="§"/>
+                <a:defRPr sz="2100" kern="1200">
+                  <a:solidFill>
+                    <a:schemeClr val="tx1"/>
+                  </a:solidFill>
+                  <a:latin typeface="+mn-lt"/>
+                  <a:ea typeface="+mn-ea"/>
+                  <a:cs typeface="+mn-cs"/>
+                </a:defRPr>
+              </a:lvl1pPr>
+              <a:lvl2pPr marL="514350" indent="-171450" algn="l" defTabSz="685800" rtl="0" eaLnBrk="1" latinLnBrk="0" hangingPunct="1">
+                <a:lnSpc>
+                  <a:spcPct val="90000"/>
+                </a:lnSpc>
+                <a:spcBef>
+                  <a:spcPts val="375"/>
+                </a:spcBef>
+                <a:buClr>
+                  <a:schemeClr val="accent1"/>
+                </a:buClr>
+                <a:buFont typeface="Calibri" panose="020F0502020204030204" pitchFamily="34" charset="0"/>
+                <a:buChar char="—"/>
+                <a:defRPr sz="1800" kern="1200">
+                  <a:solidFill>
+                    <a:schemeClr val="tx1"/>
+                  </a:solidFill>
+                  <a:latin typeface="+mn-lt"/>
+                  <a:ea typeface="+mn-ea"/>
+                  <a:cs typeface="+mn-cs"/>
+                </a:defRPr>
+              </a:lvl2pPr>
+              <a:lvl3pPr marL="857250" indent="-171450" algn="l" defTabSz="685800" rtl="0" eaLnBrk="1" latinLnBrk="0" hangingPunct="1">
+                <a:lnSpc>
+                  <a:spcPct val="90000"/>
+                </a:lnSpc>
+                <a:spcBef>
+                  <a:spcPts val="375"/>
+                </a:spcBef>
+                <a:buFont typeface="Arial" panose="020B0604020202020204" pitchFamily="34" charset="0"/>
+                <a:buChar char="•"/>
+                <a:defRPr sz="1500" kern="1200">
+                  <a:solidFill>
+                    <a:schemeClr val="tx1"/>
+                  </a:solidFill>
+                  <a:latin typeface="+mn-lt"/>
+                  <a:ea typeface="+mn-ea"/>
+                  <a:cs typeface="+mn-cs"/>
+                </a:defRPr>
+              </a:lvl3pPr>
+              <a:lvl4pPr marL="1200150" indent="-171450" algn="l" defTabSz="685800" rtl="0" eaLnBrk="1" latinLnBrk="0" hangingPunct="1">
+                <a:lnSpc>
+                  <a:spcPct val="90000"/>
+                </a:lnSpc>
+                <a:spcBef>
+                  <a:spcPts val="375"/>
+                </a:spcBef>
+                <a:buFont typeface="Arial" panose="020B0604020202020204" pitchFamily="34" charset="0"/>
+                <a:buChar char="•"/>
+                <a:defRPr sz="1350" kern="1200">
+                  <a:solidFill>
+                    <a:schemeClr val="tx1"/>
+                  </a:solidFill>
+                  <a:latin typeface="+mn-lt"/>
+                  <a:ea typeface="+mn-ea"/>
+                  <a:cs typeface="+mn-cs"/>
+                </a:defRPr>
+              </a:lvl4pPr>
+              <a:lvl5pPr marL="1543050" indent="-171450" algn="l" defTabSz="685800" rtl="0" eaLnBrk="1" latinLnBrk="0" hangingPunct="1">
+                <a:lnSpc>
+                  <a:spcPct val="90000"/>
+                </a:lnSpc>
+                <a:spcBef>
+                  <a:spcPts val="375"/>
+                </a:spcBef>
+                <a:buFont typeface="Arial" panose="020B0604020202020204" pitchFamily="34" charset="0"/>
+                <a:buChar char="•"/>
+                <a:defRPr sz="1350" kern="1200">
+                  <a:solidFill>
+                    <a:schemeClr val="tx1"/>
+                  </a:solidFill>
+                  <a:latin typeface="+mn-lt"/>
+                  <a:ea typeface="+mn-ea"/>
+                  <a:cs typeface="+mn-cs"/>
+                </a:defRPr>
+              </a:lvl5pPr>
+              <a:lvl6pPr marL="1885950" indent="-171450" algn="l" defTabSz="685800" rtl="0" eaLnBrk="1" latinLnBrk="0" hangingPunct="1">
+                <a:lnSpc>
+                  <a:spcPct val="90000"/>
+                </a:lnSpc>
+                <a:spcBef>
+                  <a:spcPts val="375"/>
+                </a:spcBef>
+                <a:buFont typeface="Arial" panose="020B0604020202020204" pitchFamily="34" charset="0"/>
+                <a:buChar char="•"/>
+                <a:defRPr sz="1350" kern="1200">
+                  <a:solidFill>
+                    <a:schemeClr val="tx1"/>
+                  </a:solidFill>
+                  <a:latin typeface="+mn-lt"/>
+                  <a:ea typeface="+mn-ea"/>
+                  <a:cs typeface="+mn-cs"/>
+                </a:defRPr>
+              </a:lvl6pPr>
+              <a:lvl7pPr marL="2228850" indent="-171450" algn="l" defTabSz="685800" rtl="0" eaLnBrk="1" latinLnBrk="0" hangingPunct="1">
+                <a:lnSpc>
+                  <a:spcPct val="90000"/>
+                </a:lnSpc>
+                <a:spcBef>
+                  <a:spcPts val="375"/>
+                </a:spcBef>
+                <a:buFont typeface="Arial" panose="020B0604020202020204" pitchFamily="34" charset="0"/>
+                <a:buChar char="•"/>
+                <a:defRPr sz="1350" kern="1200">
+                  <a:solidFill>
+                    <a:schemeClr val="tx1"/>
+                  </a:solidFill>
+                  <a:latin typeface="+mn-lt"/>
+                  <a:ea typeface="+mn-ea"/>
+                  <a:cs typeface="+mn-cs"/>
+                </a:defRPr>
+              </a:lvl7pPr>
+              <a:lvl8pPr marL="2571750" indent="-171450" algn="l" defTabSz="685800" rtl="0" eaLnBrk="1" latinLnBrk="0" hangingPunct="1">
+                <a:lnSpc>
+                  <a:spcPct val="90000"/>
+                </a:lnSpc>
+                <a:spcBef>
+                  <a:spcPts val="375"/>
+                </a:spcBef>
+                <a:buFont typeface="Arial" panose="020B0604020202020204" pitchFamily="34" charset="0"/>
+                <a:buChar char="•"/>
+                <a:defRPr sz="1350" kern="1200">
+                  <a:solidFill>
+                    <a:schemeClr val="tx1"/>
+                  </a:solidFill>
+                  <a:latin typeface="+mn-lt"/>
+                  <a:ea typeface="+mn-ea"/>
+                  <a:cs typeface="+mn-cs"/>
+                </a:defRPr>
+              </a:lvl8pPr>
+              <a:lvl9pPr marL="2914650" indent="-171450" algn="l" defTabSz="685800" rtl="0" eaLnBrk="1" latinLnBrk="0" hangingPunct="1">
+                <a:lnSpc>
+                  <a:spcPct val="90000"/>
+                </a:lnSpc>
+                <a:spcBef>
+                  <a:spcPts val="375"/>
+                </a:spcBef>
+                <a:buFont typeface="Arial" panose="020B0604020202020204" pitchFamily="34" charset="0"/>
+                <a:buChar char="•"/>
+                <a:defRPr sz="1350" kern="1200">
+                  <a:solidFill>
+                    <a:schemeClr val="tx1"/>
+                  </a:solidFill>
+                  <a:latin typeface="+mn-lt"/>
+                  <a:ea typeface="+mn-ea"/>
+                  <a:cs typeface="+mn-cs"/>
+                </a:defRPr>
+              </a:lvl9pPr>
+            </a:lstStyle>
             <a:p>
-              <a:pPr algn="ctr"/>
-              <a:endParaRPr lang="en-US"/>
+              <a:pPr marL="0" indent="0" algn="ctr" fontAlgn="auto">
+                <a:spcAft>
+                  <a:spcPts val="0"/>
+                </a:spcAft>
+                <a:buSzTx/>
+                <a:buNone/>
+              </a:pPr>
+              <a:r>
+                <a:rPr lang="en-US" altLang="en-US" sz="1600" dirty="0"/>
+                <a:t>Figure source: </a:t>
+              </a:r>
+              <a:r>
+                <a:rPr lang="pt-BR" sz="1200" dirty="0">
+                  <a:hlinkClick r:id="rId4"/>
+                </a:rPr>
+                <a:t>Data visualization – R for Data Science (2e)</a:t>
+              </a:r>
+              <a:r>
+                <a:rPr lang="en-US" altLang="en-US" sz="1600" dirty="0"/>
+                <a:t> </a:t>
+              </a:r>
             </a:p>
           </p:txBody>
         </p:sp>
+        <p:cxnSp>
+          <p:nvCxnSpPr>
+            <p:cNvPr id="10" name="Straight Arrow Connector 9">
+              <a:extLst>
+                <a:ext uri="{FF2B5EF4-FFF2-40B4-BE49-F238E27FC236}">
+                  <a16:creationId xmlns:a16="http://schemas.microsoft.com/office/drawing/2014/main" id="{F9B522C0-9AB5-60DF-BF1F-2E22EEE717C4}"/>
+                </a:ext>
+              </a:extLst>
+            </p:cNvPr>
+            <p:cNvCxnSpPr/>
+            <p:nvPr/>
+          </p:nvCxnSpPr>
+          <p:spPr>
+            <a:xfrm flipV="1">
+              <a:off x="914400" y="2819400"/>
+              <a:ext cx="0" cy="3048000"/>
+            </a:xfrm>
+            <a:prstGeom prst="straightConnector1">
+              <a:avLst/>
+            </a:prstGeom>
+            <a:ln>
+              <a:tailEnd type="triangle"/>
+            </a:ln>
+          </p:spPr>
+          <p:style>
+            <a:lnRef idx="1">
+              <a:schemeClr val="dk1"/>
+            </a:lnRef>
+            <a:fillRef idx="0">
+              <a:schemeClr val="dk1"/>
+            </a:fillRef>
+            <a:effectRef idx="0">
+              <a:schemeClr val="dk1"/>
+            </a:effectRef>
+            <a:fontRef idx="minor">
+              <a:schemeClr val="tx1"/>
+            </a:fontRef>
+          </p:style>
+        </p:cxnSp>
         <p:sp>
           <p:nvSpPr>
-            <p:cNvPr id="5" name="TextBox 4">
+            <p:cNvPr id="11" name="TextBox 10">
               <a:extLst>
                 <a:ext uri="{FF2B5EF4-FFF2-40B4-BE49-F238E27FC236}">
-                  <a16:creationId xmlns:a16="http://schemas.microsoft.com/office/drawing/2014/main" id="{FC13FC18-FEE4-4593-90F5-E02837612B83}"/>
+                  <a16:creationId xmlns:a16="http://schemas.microsoft.com/office/drawing/2014/main" id="{4D4F7D01-D5EA-A676-53D3-4C6BDF09A75C}"/>
                 </a:ext>
               </a:extLst>
             </p:cNvPr>
@@ -31006,9 +28051,9 @@
             <p:nvPr/>
           </p:nvSpPr>
           <p:spPr>
-            <a:xfrm>
-              <a:off x="1753242" y="6063734"/>
-              <a:ext cx="1797352" cy="369332"/>
+            <a:xfrm rot="16200000">
+              <a:off x="230308" y="3943620"/>
+              <a:ext cx="1168686" cy="338554"/>
             </a:xfrm>
             <a:prstGeom prst="rect">
               <a:avLst/>
@@ -31016,24 +28061,65 @@
             <a:noFill/>
           </p:spPr>
           <p:txBody>
-            <a:bodyPr wrap="none" rtlCol="0">
+            <a:bodyPr wrap="square" rtlCol="0">
               <a:spAutoFit/>
             </a:bodyPr>
             <a:lstStyle/>
             <a:p>
               <a:r>
-                <a:rPr lang="en-US" sz="1800" dirty="0">
+                <a:rPr lang="en-US" sz="1600" dirty="0">
                   <a:solidFill>
                     <a:schemeClr val="tx1"/>
                   </a:solidFill>
                   <a:latin typeface="+mn-lt"/>
                 </a:rPr>
-                <a:t>PDF or histogram</a:t>
+                <a:t>feature</a:t>
               </a:r>
             </a:p>
           </p:txBody>
         </p:sp>
       </p:grpSp>
+      <p:sp>
+        <p:nvSpPr>
+          <p:cNvPr id="27650" name="Rectangle 2">
+            <a:extLst>
+              <a:ext uri="{FF2B5EF4-FFF2-40B4-BE49-F238E27FC236}">
+                <a16:creationId xmlns:a16="http://schemas.microsoft.com/office/drawing/2014/main" id="{6CABA488-85A1-4C98-BD9B-FC4C4CE84D55}"/>
+              </a:ext>
+            </a:extLst>
+          </p:cNvPr>
+          <p:cNvSpPr>
+            <a:spLocks noGrp="1" noChangeArrowheads="1"/>
+          </p:cNvSpPr>
+          <p:nvPr>
+            <p:ph idx="1"/>
+          </p:nvPr>
+        </p:nvSpPr>
+        <p:spPr>
+          <a:xfrm>
+            <a:off x="645374" y="1371600"/>
+            <a:ext cx="7886700" cy="685800"/>
+          </a:xfrm>
+        </p:spPr>
+        <p:txBody>
+          <a:bodyPr>
+            <a:normAutofit fontScale="70000" lnSpcReduction="20000"/>
+          </a:bodyPr>
+          <a:lstStyle/>
+          <a:p>
+            <a:r>
+              <a:rPr lang="en-US" altLang="en-US" sz="2000" dirty="0"/>
+              <a:t>Invented by J. Tukey as a simplified version of a PDF/histogram that is robust against outliers.</a:t>
+            </a:r>
+          </a:p>
+          <a:p>
+            <a:r>
+              <a:rPr lang="en-US" altLang="en-US" sz="2000" dirty="0"/>
+              <a:t>Used to compare distributions.</a:t>
+            </a:r>
+          </a:p>
+        </p:txBody>
+      </p:sp>
     </p:spTree>
   </p:cSld>
   <p:clrMapOvr>

--- a/slides/chap2_exploration.pptx
+++ b/slides/chap2_exploration.pptx
@@ -31832,10 +31832,10 @@
       </p:sp>
       <p:grpSp>
         <p:nvGrpSpPr>
-          <p:cNvPr id="4" name="Group 3">
+          <p:cNvPr id="9" name="Group 8">
             <a:extLst>
               <a:ext uri="{FF2B5EF4-FFF2-40B4-BE49-F238E27FC236}">
-                <a16:creationId xmlns:a16="http://schemas.microsoft.com/office/drawing/2014/main" id="{D03094A8-D30F-0342-94F0-EBE5725A7874}"/>
+                <a16:creationId xmlns:a16="http://schemas.microsoft.com/office/drawing/2014/main" id="{7D433F3A-9902-5CF3-443D-F644E4A9D239}"/>
               </a:ext>
             </a:extLst>
           </p:cNvPr>
@@ -31844,10 +31844,105 @@
         </p:nvGrpSpPr>
         <p:grpSpPr>
           <a:xfrm>
-            <a:off x="613101" y="3657600"/>
-            <a:ext cx="8338250" cy="2953397"/>
-            <a:chOff x="613101" y="3733800"/>
-            <a:chExt cx="8338250" cy="2953397"/>
+            <a:off x="794393" y="3332431"/>
+            <a:ext cx="4106278" cy="2912660"/>
+            <a:chOff x="4845073" y="3672955"/>
+            <a:chExt cx="4106278" cy="2912660"/>
+          </a:xfrm>
+        </p:grpSpPr>
+        <p:pic>
+          <p:nvPicPr>
+            <p:cNvPr id="2" name="Picture 1">
+              <a:extLst>
+                <a:ext uri="{FF2B5EF4-FFF2-40B4-BE49-F238E27FC236}">
+                  <a16:creationId xmlns:a16="http://schemas.microsoft.com/office/drawing/2014/main" id="{F3E98438-E302-4C50-B264-197CAB138398}"/>
+                </a:ext>
+              </a:extLst>
+            </p:cNvPr>
+            <p:cNvPicPr>
+              <a:picLocks noChangeAspect="1"/>
+            </p:cNvPicPr>
+            <p:nvPr/>
+          </p:nvPicPr>
+          <p:blipFill>
+            <a:blip r:embed="rId3"/>
+            <a:stretch>
+              <a:fillRect/>
+            </a:stretch>
+          </p:blipFill>
+          <p:spPr>
+            <a:xfrm>
+              <a:off x="4877699" y="3672955"/>
+              <a:ext cx="4073652" cy="2912660"/>
+            </a:xfrm>
+            <a:prstGeom prst="rect">
+              <a:avLst/>
+            </a:prstGeom>
+          </p:spPr>
+        </p:pic>
+        <p:sp>
+          <p:nvSpPr>
+            <p:cNvPr id="6" name="TextBox 5">
+              <a:extLst>
+                <a:ext uri="{FF2B5EF4-FFF2-40B4-BE49-F238E27FC236}">
+                  <a16:creationId xmlns:a16="http://schemas.microsoft.com/office/drawing/2014/main" id="{973F8A71-14FD-3C8E-0E87-87E218E5EB4D}"/>
+                </a:ext>
+              </a:extLst>
+            </p:cNvPr>
+            <p:cNvSpPr txBox="1"/>
+            <p:nvPr/>
+          </p:nvSpPr>
+          <p:spPr>
+            <a:xfrm rot="16200000">
+              <a:off x="4681727" y="4559468"/>
+              <a:ext cx="542135" cy="215444"/>
+            </a:xfrm>
+            <a:prstGeom prst="rect">
+              <a:avLst/>
+            </a:prstGeom>
+            <a:noFill/>
+            <a:ln>
+              <a:noFill/>
+            </a:ln>
+          </p:spPr>
+          <p:txBody>
+            <a:bodyPr wrap="none" rtlCol="0">
+              <a:spAutoFit/>
+            </a:bodyPr>
+            <a:lstStyle/>
+            <a:p>
+              <a:pPr algn="ctr"/>
+              <a:r>
+                <a:rPr lang="en-US" sz="800" dirty="0">
+                  <a:solidFill>
+                    <a:schemeClr val="tx1"/>
+                  </a:solidFill>
+                  <a:latin typeface="+mn-lt"/>
+                </a:rPr>
+                <a:t>(z-score)</a:t>
+              </a:r>
+            </a:p>
+          </p:txBody>
+        </p:sp>
+      </p:grpSp>
+      <p:grpSp>
+        <p:nvGrpSpPr>
+          <p:cNvPr id="7" name="Group 6">
+            <a:extLst>
+              <a:ext uri="{FF2B5EF4-FFF2-40B4-BE49-F238E27FC236}">
+                <a16:creationId xmlns:a16="http://schemas.microsoft.com/office/drawing/2014/main" id="{8B681E65-C397-5406-AA87-8D4D83A2A493}"/>
+              </a:ext>
+            </a:extLst>
+          </p:cNvPr>
+          <p:cNvGrpSpPr/>
+          <p:nvPr/>
+        </p:nvGrpSpPr>
+        <p:grpSpPr>
+          <a:xfrm>
+            <a:off x="4800600" y="3352801"/>
+            <a:ext cx="4091487" cy="2953397"/>
+            <a:chOff x="613101" y="3657600"/>
+            <a:chExt cx="4091487" cy="2953397"/>
           </a:xfrm>
         </p:grpSpPr>
         <p:pic>
@@ -31865,36 +31960,6 @@
             <p:nvPr/>
           </p:nvPicPr>
           <p:blipFill>
-            <a:blip r:embed="rId3"/>
-            <a:stretch>
-              <a:fillRect/>
-            </a:stretch>
-          </p:blipFill>
-          <p:spPr>
-            <a:xfrm>
-              <a:off x="630936" y="3733800"/>
-              <a:ext cx="4073652" cy="2953397"/>
-            </a:xfrm>
-            <a:prstGeom prst="rect">
-              <a:avLst/>
-            </a:prstGeom>
-          </p:spPr>
-        </p:pic>
-        <p:pic>
-          <p:nvPicPr>
-            <p:cNvPr id="2" name="Picture 1">
-              <a:extLst>
-                <a:ext uri="{FF2B5EF4-FFF2-40B4-BE49-F238E27FC236}">
-                  <a16:creationId xmlns:a16="http://schemas.microsoft.com/office/drawing/2014/main" id="{F3E98438-E302-4C50-B264-197CAB138398}"/>
-                </a:ext>
-              </a:extLst>
-            </p:cNvPr>
-            <p:cNvPicPr>
-              <a:picLocks noChangeAspect="1"/>
-            </p:cNvPicPr>
-            <p:nvPr/>
-          </p:nvPicPr>
-          <p:blipFill>
             <a:blip r:embed="rId4"/>
             <a:stretch>
               <a:fillRect/>
@@ -31902,8 +31967,8 @@
           </p:blipFill>
           <p:spPr>
             <a:xfrm>
-              <a:off x="4877699" y="3749155"/>
-              <a:ext cx="4073652" cy="2912660"/>
+              <a:off x="630936" y="3657600"/>
+              <a:ext cx="4073652" cy="2953397"/>
             </a:xfrm>
             <a:prstGeom prst="rect">
               <a:avLst/>
@@ -31924,7 +31989,7 @@
           </p:nvSpPr>
           <p:spPr>
             <a:xfrm rot="16200000">
-              <a:off x="449755" y="4554871"/>
+              <a:off x="449755" y="4478671"/>
               <a:ext cx="542135" cy="215444"/>
             </a:xfrm>
             <a:prstGeom prst="rect">
@@ -31958,96 +32023,56 @@
             </a:p>
           </p:txBody>
         </p:sp>
-        <p:sp>
-          <p:nvSpPr>
-            <p:cNvPr id="6" name="TextBox 5">
-              <a:extLst>
-                <a:ext uri="{FF2B5EF4-FFF2-40B4-BE49-F238E27FC236}">
-                  <a16:creationId xmlns:a16="http://schemas.microsoft.com/office/drawing/2014/main" id="{973F8A71-14FD-3C8E-0E87-87E218E5EB4D}"/>
-                </a:ext>
-              </a:extLst>
-            </p:cNvPr>
-            <p:cNvSpPr txBox="1"/>
-            <p:nvPr/>
-          </p:nvSpPr>
-          <p:spPr>
-            <a:xfrm rot="16200000">
-              <a:off x="4681727" y="4635668"/>
-              <a:ext cx="542135" cy="215444"/>
-            </a:xfrm>
-            <a:prstGeom prst="rect">
-              <a:avLst/>
-            </a:prstGeom>
-            <a:noFill/>
-            <a:ln>
-              <a:noFill/>
-            </a:ln>
-          </p:spPr>
-          <p:txBody>
-            <a:bodyPr wrap="none" rtlCol="0">
-              <a:spAutoFit/>
-            </a:bodyPr>
-            <a:lstStyle/>
-            <a:p>
-              <a:pPr algn="ctr"/>
-              <a:r>
-                <a:rPr lang="en-US" sz="800" dirty="0">
-                  <a:solidFill>
-                    <a:schemeClr val="tx1"/>
-                  </a:solidFill>
-                  <a:latin typeface="+mn-lt"/>
-                </a:rPr>
-                <a:t>(z-score)</a:t>
-              </a:r>
-            </a:p>
-          </p:txBody>
-        </p:sp>
       </p:grpSp>
       <p:sp>
         <p:nvSpPr>
-          <p:cNvPr id="8" name="TextBox 7">
+          <p:cNvPr id="10" name="Speech Bubble: Rectangle with Corners Rounded 9">
             <a:extLst>
               <a:ext uri="{FF2B5EF4-FFF2-40B4-BE49-F238E27FC236}">
-                <a16:creationId xmlns:a16="http://schemas.microsoft.com/office/drawing/2014/main" id="{71674B28-63A1-A223-25A2-B89F5FE28954}"/>
+                <a16:creationId xmlns:a16="http://schemas.microsoft.com/office/drawing/2014/main" id="{F9FA27EA-B56E-EF59-E48F-33AF111ACE28}"/>
               </a:ext>
             </a:extLst>
           </p:cNvPr>
-          <p:cNvSpPr txBox="1"/>
+          <p:cNvSpPr/>
           <p:nvPr/>
         </p:nvSpPr>
         <p:spPr>
           <a:xfrm>
-            <a:off x="5638800" y="3388998"/>
-            <a:ext cx="2286000" cy="341632"/>
+            <a:off x="7060005" y="6244364"/>
+            <a:ext cx="1447800" cy="295103"/>
           </a:xfrm>
-          <a:prstGeom prst="rect">
-            <a:avLst/>
+          <a:prstGeom prst="wedgeRoundRectCallout">
+            <a:avLst>
+              <a:gd name="adj1" fmla="val -61369"/>
+              <a:gd name="adj2" fmla="val -44682"/>
+              <a:gd name="adj3" fmla="val 16667"/>
+            </a:avLst>
           </a:prstGeom>
-          <a:noFill/>
         </p:spPr>
+        <p:style>
+          <a:lnRef idx="2">
+            <a:schemeClr val="accent1">
+              <a:shade val="15000"/>
+            </a:schemeClr>
+          </a:lnRef>
+          <a:fillRef idx="1">
+            <a:schemeClr val="accent1"/>
+          </a:fillRef>
+          <a:effectRef idx="0">
+            <a:schemeClr val="accent1"/>
+          </a:effectRef>
+          <a:fontRef idx="minor">
+            <a:schemeClr val="lt1"/>
+          </a:fontRef>
+        </p:style>
         <p:txBody>
-          <a:bodyPr wrap="square">
-            <a:spAutoFit/>
-          </a:bodyPr>
+          <a:bodyPr rtlCol="0" anchor="ctr"/>
           <a:lstStyle/>
           <a:p>
-            <a:pPr defTabSz="914400" eaLnBrk="1" hangingPunct="1">
-              <a:lnSpc>
-                <a:spcPct val="90000"/>
-              </a:lnSpc>
-              <a:spcBef>
-                <a:spcPts val="1000"/>
-              </a:spcBef>
-            </a:pPr>
+            <a:pPr algn="ctr"/>
             <a:r>
-              <a:rPr lang="en-US" altLang="en-US" sz="1800" dirty="0">
-                <a:solidFill>
-                  <a:schemeClr val="tx1"/>
-                </a:solidFill>
-                <a:latin typeface="+mn-lt"/>
-                <a:cs typeface="+mn-cs"/>
-              </a:rPr>
-              <a:t>+ Reordered features</a:t>
+              <a:rPr lang="en-US" sz="1100" dirty="0"/>
+              <a:t>Reordered features</a:t>
             </a:r>
           </a:p>
         </p:txBody>
@@ -32500,443 +32525,6 @@
           </a:p>
         </p:txBody>
       </p:sp>
-      <p:pic>
-        <p:nvPicPr>
-          <p:cNvPr id="39938" name="Picture 2">
-            <a:extLst>
-              <a:ext uri="{FF2B5EF4-FFF2-40B4-BE49-F238E27FC236}">
-                <a16:creationId xmlns:a16="http://schemas.microsoft.com/office/drawing/2014/main" id="{C8C8ACD9-6F86-4BAB-BC91-13368B0E5F62}"/>
-              </a:ext>
-            </a:extLst>
-          </p:cNvPr>
-          <p:cNvPicPr>
-            <a:picLocks noChangeAspect="1" noChangeArrowheads="1"/>
-          </p:cNvPicPr>
-          <p:nvPr/>
-        </p:nvPicPr>
-        <p:blipFill>
-          <a:blip r:embed="rId3">
-            <a:extLst>
-              <a:ext uri="{28A0092B-C50C-407E-A947-70E740481C1C}">
-                <a14:useLocalDpi xmlns:a14="http://schemas.microsoft.com/office/drawing/2010/main" val="0"/>
-              </a:ext>
-            </a:extLst>
-          </a:blip>
-          <a:srcRect l="13719" t="18289" r="6218" b="17873"/>
-          <a:stretch>
-            <a:fillRect/>
-          </a:stretch>
-        </p:blipFill>
-        <p:spPr bwMode="auto">
-          <a:xfrm>
-            <a:off x="1104648" y="3608007"/>
-            <a:ext cx="3467352" cy="2072546"/>
-          </a:xfrm>
-          <a:prstGeom prst="rect">
-            <a:avLst/>
-          </a:prstGeom>
-          <a:noFill/>
-          <a:ln>
-            <a:noFill/>
-          </a:ln>
-          <a:effectLst/>
-          <a:extLst>
-            <a:ext uri="{909E8E84-426E-40DD-AFC4-6F175D3DCCD1}">
-              <a14:hiddenFill xmlns:a14="http://schemas.microsoft.com/office/drawing/2010/main">
-                <a:blipFill dpi="0" rotWithShape="0">
-                  <a:blip/>
-                  <a:srcRect l="13719" t="18289" r="6218" b="17873"/>
-                  <a:stretch>
-                    <a:fillRect/>
-                  </a:stretch>
-                </a:blipFill>
-              </a14:hiddenFill>
-            </a:ext>
-            <a:ext uri="{91240B29-F687-4F45-9708-019B960494DF}">
-              <a14:hiddenLine xmlns:a14="http://schemas.microsoft.com/office/drawing/2010/main" w="9525" cap="flat">
-                <a:solidFill>
-                  <a:srgbClr val="808080"/>
-                </a:solidFill>
-                <a:round/>
-                <a:headEnd/>
-                <a:tailEnd/>
-              </a14:hiddenLine>
-            </a:ext>
-            <a:ext uri="{AF507438-7753-43E0-B8FC-AC1667EBCBE1}">
-              <a14:hiddenEffects xmlns:a14="http://schemas.microsoft.com/office/drawing/2010/main">
-                <a:effectLst>
-                  <a:outerShdw dist="35921" dir="2700000" algn="ctr" rotWithShape="0">
-                    <a:srgbClr val="808080"/>
-                  </a:outerShdw>
-                </a:effectLst>
-              </a14:hiddenEffects>
-            </a:ext>
-          </a:extLst>
-        </p:spPr>
-      </p:pic>
-      <p:pic>
-        <p:nvPicPr>
-          <p:cNvPr id="2" name="Picture 2">
-            <a:extLst>
-              <a:ext uri="{FF2B5EF4-FFF2-40B4-BE49-F238E27FC236}">
-                <a16:creationId xmlns:a16="http://schemas.microsoft.com/office/drawing/2014/main" id="{39E2AC1E-C76D-4C3E-0537-3E660873E619}"/>
-              </a:ext>
-            </a:extLst>
-          </p:cNvPr>
-          <p:cNvPicPr>
-            <a:picLocks noChangeAspect="1" noChangeArrowheads="1"/>
-          </p:cNvPicPr>
-          <p:nvPr/>
-        </p:nvPicPr>
-        <p:blipFill>
-          <a:blip r:embed="rId4">
-            <a:extLst>
-              <a:ext uri="{28A0092B-C50C-407E-A947-70E740481C1C}">
-                <a14:useLocalDpi xmlns:a14="http://schemas.microsoft.com/office/drawing/2010/main" val="0"/>
-              </a:ext>
-            </a:extLst>
-          </a:blip>
-          <a:srcRect l="18521" t="24207" r="14159" b="19347"/>
-          <a:stretch>
-            <a:fillRect/>
-          </a:stretch>
-        </p:blipFill>
-        <p:spPr bwMode="auto">
-          <a:xfrm>
-            <a:off x="4930988" y="3582991"/>
-            <a:ext cx="3378026" cy="2124326"/>
-          </a:xfrm>
-          <a:prstGeom prst="rect">
-            <a:avLst/>
-          </a:prstGeom>
-          <a:noFill/>
-          <a:ln>
-            <a:noFill/>
-          </a:ln>
-          <a:effectLst/>
-          <a:extLst>
-            <a:ext uri="{909E8E84-426E-40DD-AFC4-6F175D3DCCD1}">
-              <a14:hiddenFill xmlns:a14="http://schemas.microsoft.com/office/drawing/2010/main">
-                <a:blipFill dpi="0" rotWithShape="0">
-                  <a:blip/>
-                  <a:srcRect l="18521" t="24207" r="14159" b="19347"/>
-                  <a:stretch>
-                    <a:fillRect/>
-                  </a:stretch>
-                </a:blipFill>
-              </a14:hiddenFill>
-            </a:ext>
-            <a:ext uri="{91240B29-F687-4F45-9708-019B960494DF}">
-              <a14:hiddenLine xmlns:a14="http://schemas.microsoft.com/office/drawing/2010/main" w="9525" cap="flat">
-                <a:solidFill>
-                  <a:srgbClr val="808080"/>
-                </a:solidFill>
-                <a:round/>
-                <a:headEnd/>
-                <a:tailEnd/>
-              </a14:hiddenLine>
-            </a:ext>
-            <a:ext uri="{AF507438-7753-43E0-B8FC-AC1667EBCBE1}">
-              <a14:hiddenEffects xmlns:a14="http://schemas.microsoft.com/office/drawing/2010/main">
-                <a:effectLst>
-                  <a:outerShdw dist="35921" dir="2700000" algn="ctr" rotWithShape="0">
-                    <a:srgbClr val="808080"/>
-                  </a:outerShdw>
-                </a:effectLst>
-              </a14:hiddenEffects>
-            </a:ext>
-          </a:extLst>
-        </p:spPr>
-      </p:pic>
-      <p:sp>
-        <p:nvSpPr>
-          <p:cNvPr id="3" name="Rectangle 3">
-            <a:extLst>
-              <a:ext uri="{FF2B5EF4-FFF2-40B4-BE49-F238E27FC236}">
-                <a16:creationId xmlns:a16="http://schemas.microsoft.com/office/drawing/2014/main" id="{CEDB6F68-1AC0-80A8-43EE-B1D9EBFFD133}"/>
-              </a:ext>
-            </a:extLst>
-          </p:cNvPr>
-          <p:cNvSpPr txBox="1">
-            <a:spLocks noChangeArrowheads="1"/>
-          </p:cNvSpPr>
-          <p:nvPr/>
-        </p:nvSpPr>
-        <p:spPr>
-          <a:xfrm>
-            <a:off x="76200" y="3878517"/>
-            <a:ext cx="1123188" cy="1988883"/>
-          </a:xfrm>
-          <a:prstGeom prst="rect">
-            <a:avLst/>
-          </a:prstGeom>
-        </p:spPr>
-        <p:txBody>
-          <a:bodyPr vert="horz" lIns="91440" tIns="45720" rIns="91440" bIns="45720" rtlCol="0">
-            <a:normAutofit/>
-          </a:bodyPr>
-          <a:lstStyle>
-            <a:lvl1pPr marL="342900" indent="-342900" algn="l" defTabSz="685800" rtl="0" eaLnBrk="1" latinLnBrk="0" hangingPunct="1">
-              <a:lnSpc>
-                <a:spcPct val="90000"/>
-              </a:lnSpc>
-              <a:spcBef>
-                <a:spcPts val="750"/>
-              </a:spcBef>
-              <a:buClr>
-                <a:schemeClr val="accent1"/>
-              </a:buClr>
-              <a:buFont typeface="Wingdings" panose="05000000000000000000" pitchFamily="2" charset="2"/>
-              <a:buChar char="§"/>
-              <a:defRPr sz="2100" kern="1200">
-                <a:solidFill>
-                  <a:schemeClr val="tx1"/>
-                </a:solidFill>
-                <a:latin typeface="+mn-lt"/>
-                <a:ea typeface="+mn-ea"/>
-                <a:cs typeface="+mn-cs"/>
-              </a:defRPr>
-            </a:lvl1pPr>
-            <a:lvl2pPr marL="514350" indent="-171450" algn="l" defTabSz="685800" rtl="0" eaLnBrk="1" latinLnBrk="0" hangingPunct="1">
-              <a:lnSpc>
-                <a:spcPct val="90000"/>
-              </a:lnSpc>
-              <a:spcBef>
-                <a:spcPts val="375"/>
-              </a:spcBef>
-              <a:buClr>
-                <a:schemeClr val="accent1"/>
-              </a:buClr>
-              <a:buFont typeface="Calibri" panose="020F0502020204030204" pitchFamily="34" charset="0"/>
-              <a:buChar char="—"/>
-              <a:defRPr sz="1800" kern="1200">
-                <a:solidFill>
-                  <a:schemeClr val="tx1"/>
-                </a:solidFill>
-                <a:latin typeface="+mn-lt"/>
-                <a:ea typeface="+mn-ea"/>
-                <a:cs typeface="+mn-cs"/>
-              </a:defRPr>
-            </a:lvl2pPr>
-            <a:lvl3pPr marL="857250" indent="-171450" algn="l" defTabSz="685800" rtl="0" eaLnBrk="1" latinLnBrk="0" hangingPunct="1">
-              <a:lnSpc>
-                <a:spcPct val="90000"/>
-              </a:lnSpc>
-              <a:spcBef>
-                <a:spcPts val="375"/>
-              </a:spcBef>
-              <a:buFont typeface="Arial" panose="020B0604020202020204" pitchFamily="34" charset="0"/>
-              <a:buChar char="•"/>
-              <a:defRPr sz="1500" kern="1200">
-                <a:solidFill>
-                  <a:schemeClr val="tx1"/>
-                </a:solidFill>
-                <a:latin typeface="+mn-lt"/>
-                <a:ea typeface="+mn-ea"/>
-                <a:cs typeface="+mn-cs"/>
-              </a:defRPr>
-            </a:lvl3pPr>
-            <a:lvl4pPr marL="1200150" indent="-171450" algn="l" defTabSz="685800" rtl="0" eaLnBrk="1" latinLnBrk="0" hangingPunct="1">
-              <a:lnSpc>
-                <a:spcPct val="90000"/>
-              </a:lnSpc>
-              <a:spcBef>
-                <a:spcPts val="375"/>
-              </a:spcBef>
-              <a:buFont typeface="Arial" panose="020B0604020202020204" pitchFamily="34" charset="0"/>
-              <a:buChar char="•"/>
-              <a:defRPr sz="1350" kern="1200">
-                <a:solidFill>
-                  <a:schemeClr val="tx1"/>
-                </a:solidFill>
-                <a:latin typeface="+mn-lt"/>
-                <a:ea typeface="+mn-ea"/>
-                <a:cs typeface="+mn-cs"/>
-              </a:defRPr>
-            </a:lvl4pPr>
-            <a:lvl5pPr marL="1543050" indent="-171450" algn="l" defTabSz="685800" rtl="0" eaLnBrk="1" latinLnBrk="0" hangingPunct="1">
-              <a:lnSpc>
-                <a:spcPct val="90000"/>
-              </a:lnSpc>
-              <a:spcBef>
-                <a:spcPts val="375"/>
-              </a:spcBef>
-              <a:buFont typeface="Arial" panose="020B0604020202020204" pitchFamily="34" charset="0"/>
-              <a:buChar char="•"/>
-              <a:defRPr sz="1350" kern="1200">
-                <a:solidFill>
-                  <a:schemeClr val="tx1"/>
-                </a:solidFill>
-                <a:latin typeface="+mn-lt"/>
-                <a:ea typeface="+mn-ea"/>
-                <a:cs typeface="+mn-cs"/>
-              </a:defRPr>
-            </a:lvl5pPr>
-            <a:lvl6pPr marL="1885950" indent="-171450" algn="l" defTabSz="685800" rtl="0" eaLnBrk="1" latinLnBrk="0" hangingPunct="1">
-              <a:lnSpc>
-                <a:spcPct val="90000"/>
-              </a:lnSpc>
-              <a:spcBef>
-                <a:spcPts val="375"/>
-              </a:spcBef>
-              <a:buFont typeface="Arial" panose="020B0604020202020204" pitchFamily="34" charset="0"/>
-              <a:buChar char="•"/>
-              <a:defRPr sz="1350" kern="1200">
-                <a:solidFill>
-                  <a:schemeClr val="tx1"/>
-                </a:solidFill>
-                <a:latin typeface="+mn-lt"/>
-                <a:ea typeface="+mn-ea"/>
-                <a:cs typeface="+mn-cs"/>
-              </a:defRPr>
-            </a:lvl6pPr>
-            <a:lvl7pPr marL="2228850" indent="-171450" algn="l" defTabSz="685800" rtl="0" eaLnBrk="1" latinLnBrk="0" hangingPunct="1">
-              <a:lnSpc>
-                <a:spcPct val="90000"/>
-              </a:lnSpc>
-              <a:spcBef>
-                <a:spcPts val="375"/>
-              </a:spcBef>
-              <a:buFont typeface="Arial" panose="020B0604020202020204" pitchFamily="34" charset="0"/>
-              <a:buChar char="•"/>
-              <a:defRPr sz="1350" kern="1200">
-                <a:solidFill>
-                  <a:schemeClr val="tx1"/>
-                </a:solidFill>
-                <a:latin typeface="+mn-lt"/>
-                <a:ea typeface="+mn-ea"/>
-                <a:cs typeface="+mn-cs"/>
-              </a:defRPr>
-            </a:lvl7pPr>
-            <a:lvl8pPr marL="2571750" indent="-171450" algn="l" defTabSz="685800" rtl="0" eaLnBrk="1" latinLnBrk="0" hangingPunct="1">
-              <a:lnSpc>
-                <a:spcPct val="90000"/>
-              </a:lnSpc>
-              <a:spcBef>
-                <a:spcPts val="375"/>
-              </a:spcBef>
-              <a:buFont typeface="Arial" panose="020B0604020202020204" pitchFamily="34" charset="0"/>
-              <a:buChar char="•"/>
-              <a:defRPr sz="1350" kern="1200">
-                <a:solidFill>
-                  <a:schemeClr val="tx1"/>
-                </a:solidFill>
-                <a:latin typeface="+mn-lt"/>
-                <a:ea typeface="+mn-ea"/>
-                <a:cs typeface="+mn-cs"/>
-              </a:defRPr>
-            </a:lvl8pPr>
-            <a:lvl9pPr marL="2914650" indent="-171450" algn="l" defTabSz="685800" rtl="0" eaLnBrk="1" latinLnBrk="0" hangingPunct="1">
-              <a:lnSpc>
-                <a:spcPct val="90000"/>
-              </a:lnSpc>
-              <a:spcBef>
-                <a:spcPts val="375"/>
-              </a:spcBef>
-              <a:buFont typeface="Arial" panose="020B0604020202020204" pitchFamily="34" charset="0"/>
-              <a:buChar char="•"/>
-              <a:defRPr sz="1350" kern="1200">
-                <a:solidFill>
-                  <a:schemeClr val="tx1"/>
-                </a:solidFill>
-                <a:latin typeface="+mn-lt"/>
-                <a:ea typeface="+mn-ea"/>
-                <a:cs typeface="+mn-cs"/>
-              </a:defRPr>
-            </a:lvl9pPr>
-          </a:lstStyle>
-          <a:p>
-            <a:pPr marL="0" indent="0" fontAlgn="auto">
-              <a:spcAft>
-                <a:spcPts val="0"/>
-              </a:spcAft>
-              <a:buSzTx/>
-              <a:buNone/>
-            </a:pPr>
-            <a:r>
-              <a:rPr lang="en-US" altLang="en-US" sz="1600" dirty="0" err="1"/>
-              <a:t>Setosa</a:t>
-            </a:r>
-            <a:endParaRPr lang="en-US" altLang="en-US" sz="1600" dirty="0"/>
-          </a:p>
-          <a:p>
-            <a:pPr marL="0" indent="0" fontAlgn="auto">
-              <a:spcAft>
-                <a:spcPts val="0"/>
-              </a:spcAft>
-              <a:buSzTx/>
-              <a:buNone/>
-            </a:pPr>
-            <a:endParaRPr lang="en-US" altLang="en-US" sz="1600" dirty="0"/>
-          </a:p>
-          <a:p>
-            <a:pPr marL="0" indent="0" fontAlgn="auto">
-              <a:spcAft>
-                <a:spcPts val="0"/>
-              </a:spcAft>
-              <a:buSzTx/>
-              <a:buNone/>
-            </a:pPr>
-            <a:r>
-              <a:rPr lang="en-US" altLang="en-US" sz="1600" dirty="0"/>
-              <a:t>Versicolor</a:t>
-            </a:r>
-          </a:p>
-          <a:p>
-            <a:pPr marL="0" indent="0" fontAlgn="auto">
-              <a:spcAft>
-                <a:spcPts val="0"/>
-              </a:spcAft>
-              <a:buSzTx/>
-              <a:buNone/>
-            </a:pPr>
-            <a:endParaRPr lang="en-US" altLang="en-US" sz="1600" dirty="0"/>
-          </a:p>
-          <a:p>
-            <a:pPr marL="0" indent="0" fontAlgn="auto">
-              <a:spcAft>
-                <a:spcPts val="0"/>
-              </a:spcAft>
-              <a:buSzTx/>
-              <a:buNone/>
-            </a:pPr>
-            <a:r>
-              <a:rPr lang="en-US" altLang="en-US" sz="1600" dirty="0"/>
-              <a:t>Virginica</a:t>
-            </a:r>
-          </a:p>
-          <a:p>
-            <a:pPr marL="0" indent="0" fontAlgn="auto">
-              <a:spcAft>
-                <a:spcPts val="0"/>
-              </a:spcAft>
-              <a:buSzTx/>
-              <a:buNone/>
-            </a:pPr>
-            <a:endParaRPr lang="en-US" altLang="en-US" sz="1600" dirty="0"/>
-          </a:p>
-          <a:p>
-            <a:pPr marL="0" indent="0" fontAlgn="auto">
-              <a:spcAft>
-                <a:spcPts val="0"/>
-              </a:spcAft>
-              <a:buSzTx/>
-              <a:buNone/>
-            </a:pPr>
-            <a:endParaRPr lang="en-US" altLang="en-US" sz="1600" dirty="0"/>
-          </a:p>
-          <a:p>
-            <a:pPr marL="0" indent="0" fontAlgn="auto">
-              <a:spcAft>
-                <a:spcPts val="0"/>
-              </a:spcAft>
-              <a:buSzTx/>
-              <a:buNone/>
-            </a:pPr>
-            <a:endParaRPr lang="en-US" altLang="en-US" sz="1600" dirty="0"/>
-          </a:p>
-        </p:txBody>
-      </p:sp>
       <p:sp>
         <p:nvSpPr>
           <p:cNvPr id="4" name="Speech Bubble: Rectangle with Corners Rounded 3">
@@ -32951,13 +32539,13 @@
         </p:nvSpPr>
         <p:spPr>
           <a:xfrm>
-            <a:off x="2209800" y="5933197"/>
-            <a:ext cx="1447800" cy="875046"/>
+            <a:off x="3609412" y="2709885"/>
+            <a:ext cx="1447800" cy="543803"/>
           </a:xfrm>
           <a:prstGeom prst="wedgeRoundRectCallout">
             <a:avLst>
-              <a:gd name="adj1" fmla="val -45790"/>
-              <a:gd name="adj2" fmla="val -99301"/>
+              <a:gd name="adj1" fmla="val -82059"/>
+              <a:gd name="adj2" fmla="val 103809"/>
               <a:gd name="adj3" fmla="val 16667"/>
             </a:avLst>
           </a:prstGeom>
@@ -32984,98 +32572,556 @@
           <a:p>
             <a:pPr algn="ctr"/>
             <a:r>
-              <a:rPr lang="en-US" sz="1800" dirty="0"/>
+              <a:rPr lang="en-US" sz="1400" dirty="0"/>
               <a:t>Also called radar charts</a:t>
             </a:r>
           </a:p>
         </p:txBody>
       </p:sp>
-      <p:sp>
-        <p:nvSpPr>
-          <p:cNvPr id="6" name="TextBox 5">
+      <p:grpSp>
+        <p:nvGrpSpPr>
+          <p:cNvPr id="5" name="Group 4">
             <a:extLst>
               <a:ext uri="{FF2B5EF4-FFF2-40B4-BE49-F238E27FC236}">
-                <a16:creationId xmlns:a16="http://schemas.microsoft.com/office/drawing/2014/main" id="{EED6DAA7-AC1F-71F2-7DD0-D2588BF6B79D}"/>
+                <a16:creationId xmlns:a16="http://schemas.microsoft.com/office/drawing/2014/main" id="{A1B23F3D-29A5-6C19-3E80-840D8A43A358}"/>
               </a:ext>
             </a:extLst>
           </p:cNvPr>
-          <p:cNvSpPr txBox="1"/>
+          <p:cNvGrpSpPr/>
           <p:nvPr/>
-        </p:nvSpPr>
-        <p:spPr>
+        </p:nvGrpSpPr>
+        <p:grpSpPr>
           <a:xfrm>
-            <a:off x="2172929" y="3021595"/>
-            <a:ext cx="1447800" cy="461665"/>
+            <a:off x="334435" y="3463555"/>
+            <a:ext cx="8232814" cy="2845805"/>
+            <a:chOff x="76200" y="3478795"/>
+            <a:chExt cx="8232814" cy="2845805"/>
           </a:xfrm>
-          <a:prstGeom prst="rect">
-            <a:avLst/>
-          </a:prstGeom>
-          <a:noFill/>
-        </p:spPr>
-        <p:txBody>
-          <a:bodyPr wrap="square">
-            <a:spAutoFit/>
-          </a:bodyPr>
-          <a:lstStyle/>
-          <a:p>
-            <a:r>
-              <a:rPr lang="en-US" altLang="en-US" dirty="0">
+        </p:grpSpPr>
+        <p:pic>
+          <p:nvPicPr>
+            <p:cNvPr id="39938" name="Picture 2">
+              <a:extLst>
+                <a:ext uri="{FF2B5EF4-FFF2-40B4-BE49-F238E27FC236}">
+                  <a16:creationId xmlns:a16="http://schemas.microsoft.com/office/drawing/2014/main" id="{C8C8ACD9-6F86-4BAB-BC91-13368B0E5F62}"/>
+                </a:ext>
+              </a:extLst>
+            </p:cNvPr>
+            <p:cNvPicPr>
+              <a:picLocks noChangeAspect="1" noChangeArrowheads="1"/>
+            </p:cNvPicPr>
+            <p:nvPr/>
+          </p:nvPicPr>
+          <p:blipFill>
+            <a:blip r:embed="rId3">
+              <a:extLst>
+                <a:ext uri="{28A0092B-C50C-407E-A947-70E740481C1C}">
+                  <a14:useLocalDpi xmlns:a14="http://schemas.microsoft.com/office/drawing/2010/main" val="0"/>
+                </a:ext>
+              </a:extLst>
+            </a:blip>
+            <a:srcRect l="13719" t="18289" r="6218" b="17873"/>
+            <a:stretch>
+              <a:fillRect/>
+            </a:stretch>
+          </p:blipFill>
+          <p:spPr bwMode="auto">
+            <a:xfrm>
+              <a:off x="1104648" y="4065207"/>
+              <a:ext cx="3467352" cy="2072546"/>
+            </a:xfrm>
+            <a:prstGeom prst="rect">
+              <a:avLst/>
+            </a:prstGeom>
+            <a:noFill/>
+            <a:ln>
+              <a:noFill/>
+            </a:ln>
+            <a:effectLst/>
+            <a:extLst>
+              <a:ext uri="{909E8E84-426E-40DD-AFC4-6F175D3DCCD1}">
+                <a14:hiddenFill xmlns:a14="http://schemas.microsoft.com/office/drawing/2010/main">
+                  <a:blipFill dpi="0" rotWithShape="0">
+                    <a:blip/>
+                    <a:srcRect l="13719" t="18289" r="6218" b="17873"/>
+                    <a:stretch>
+                      <a:fillRect/>
+                    </a:stretch>
+                  </a:blipFill>
+                </a14:hiddenFill>
+              </a:ext>
+              <a:ext uri="{91240B29-F687-4F45-9708-019B960494DF}">
+                <a14:hiddenLine xmlns:a14="http://schemas.microsoft.com/office/drawing/2010/main" w="9525" cap="flat">
+                  <a:solidFill>
+                    <a:srgbClr val="808080"/>
+                  </a:solidFill>
+                  <a:round/>
+                  <a:headEnd/>
+                  <a:tailEnd/>
+                </a14:hiddenLine>
+              </a:ext>
+              <a:ext uri="{AF507438-7753-43E0-B8FC-AC1667EBCBE1}">
+                <a14:hiddenEffects xmlns:a14="http://schemas.microsoft.com/office/drawing/2010/main">
+                  <a:effectLst>
+                    <a:outerShdw dist="35921" dir="2700000" algn="ctr" rotWithShape="0">
+                      <a:srgbClr val="808080"/>
+                    </a:outerShdw>
+                  </a:effectLst>
+                </a14:hiddenEffects>
+              </a:ext>
+            </a:extLst>
+          </p:spPr>
+        </p:pic>
+        <p:pic>
+          <p:nvPicPr>
+            <p:cNvPr id="2" name="Picture 2">
+              <a:extLst>
+                <a:ext uri="{FF2B5EF4-FFF2-40B4-BE49-F238E27FC236}">
+                  <a16:creationId xmlns:a16="http://schemas.microsoft.com/office/drawing/2014/main" id="{39E2AC1E-C76D-4C3E-0537-3E660873E619}"/>
+                </a:ext>
+              </a:extLst>
+            </p:cNvPr>
+            <p:cNvPicPr>
+              <a:picLocks noChangeAspect="1" noChangeArrowheads="1"/>
+            </p:cNvPicPr>
+            <p:nvPr/>
+          </p:nvPicPr>
+          <p:blipFill>
+            <a:blip r:embed="rId4">
+              <a:extLst>
+                <a:ext uri="{28A0092B-C50C-407E-A947-70E740481C1C}">
+                  <a14:useLocalDpi xmlns:a14="http://schemas.microsoft.com/office/drawing/2010/main" val="0"/>
+                </a:ext>
+              </a:extLst>
+            </a:blip>
+            <a:srcRect l="18521" t="24207" r="14159" b="19347"/>
+            <a:stretch>
+              <a:fillRect/>
+            </a:stretch>
+          </p:blipFill>
+          <p:spPr bwMode="auto">
+            <a:xfrm>
+              <a:off x="4930988" y="4040191"/>
+              <a:ext cx="3378026" cy="2124326"/>
+            </a:xfrm>
+            <a:prstGeom prst="rect">
+              <a:avLst/>
+            </a:prstGeom>
+            <a:noFill/>
+            <a:ln>
+              <a:noFill/>
+            </a:ln>
+            <a:effectLst/>
+            <a:extLst>
+              <a:ext uri="{909E8E84-426E-40DD-AFC4-6F175D3DCCD1}">
+                <a14:hiddenFill xmlns:a14="http://schemas.microsoft.com/office/drawing/2010/main">
+                  <a:blipFill dpi="0" rotWithShape="0">
+                    <a:blip/>
+                    <a:srcRect l="18521" t="24207" r="14159" b="19347"/>
+                    <a:stretch>
+                      <a:fillRect/>
+                    </a:stretch>
+                  </a:blipFill>
+                </a14:hiddenFill>
+              </a:ext>
+              <a:ext uri="{91240B29-F687-4F45-9708-019B960494DF}">
+                <a14:hiddenLine xmlns:a14="http://schemas.microsoft.com/office/drawing/2010/main" w="9525" cap="flat">
+                  <a:solidFill>
+                    <a:srgbClr val="808080"/>
+                  </a:solidFill>
+                  <a:round/>
+                  <a:headEnd/>
+                  <a:tailEnd/>
+                </a14:hiddenLine>
+              </a:ext>
+              <a:ext uri="{AF507438-7753-43E0-B8FC-AC1667EBCBE1}">
+                <a14:hiddenEffects xmlns:a14="http://schemas.microsoft.com/office/drawing/2010/main">
+                  <a:effectLst>
+                    <a:outerShdw dist="35921" dir="2700000" algn="ctr" rotWithShape="0">
+                      <a:srgbClr val="808080"/>
+                    </a:outerShdw>
+                  </a:effectLst>
+                </a14:hiddenEffects>
+              </a:ext>
+            </a:extLst>
+          </p:spPr>
+        </p:pic>
+        <p:sp>
+          <p:nvSpPr>
+            <p:cNvPr id="3" name="Rectangle 3">
+              <a:extLst>
+                <a:ext uri="{FF2B5EF4-FFF2-40B4-BE49-F238E27FC236}">
+                  <a16:creationId xmlns:a16="http://schemas.microsoft.com/office/drawing/2014/main" id="{CEDB6F68-1AC0-80A8-43EE-B1D9EBFFD133}"/>
+                </a:ext>
+              </a:extLst>
+            </p:cNvPr>
+            <p:cNvSpPr txBox="1">
+              <a:spLocks noChangeArrowheads="1"/>
+            </p:cNvSpPr>
+            <p:nvPr/>
+          </p:nvSpPr>
+          <p:spPr>
+            <a:xfrm>
+              <a:off x="76200" y="4335717"/>
+              <a:ext cx="1123188" cy="1988883"/>
+            </a:xfrm>
+            <a:prstGeom prst="rect">
+              <a:avLst/>
+            </a:prstGeom>
+          </p:spPr>
+          <p:txBody>
+            <a:bodyPr vert="horz" lIns="91440" tIns="45720" rIns="91440" bIns="45720" rtlCol="0">
+              <a:normAutofit/>
+            </a:bodyPr>
+            <a:lstStyle>
+              <a:lvl1pPr marL="342900" indent="-342900" algn="l" defTabSz="685800" rtl="0" eaLnBrk="1" latinLnBrk="0" hangingPunct="1">
+                <a:lnSpc>
+                  <a:spcPct val="90000"/>
+                </a:lnSpc>
+                <a:spcBef>
+                  <a:spcPts val="750"/>
+                </a:spcBef>
+                <a:buClr>
+                  <a:schemeClr val="accent1"/>
+                </a:buClr>
+                <a:buFont typeface="Wingdings" panose="05000000000000000000" pitchFamily="2" charset="2"/>
+                <a:buChar char="§"/>
+                <a:defRPr sz="2100" kern="1200">
+                  <a:solidFill>
+                    <a:schemeClr val="tx1"/>
+                  </a:solidFill>
+                  <a:latin typeface="+mn-lt"/>
+                  <a:ea typeface="+mn-ea"/>
+                  <a:cs typeface="+mn-cs"/>
+                </a:defRPr>
+              </a:lvl1pPr>
+              <a:lvl2pPr marL="514350" indent="-171450" algn="l" defTabSz="685800" rtl="0" eaLnBrk="1" latinLnBrk="0" hangingPunct="1">
+                <a:lnSpc>
+                  <a:spcPct val="90000"/>
+                </a:lnSpc>
+                <a:spcBef>
+                  <a:spcPts val="375"/>
+                </a:spcBef>
+                <a:buClr>
+                  <a:schemeClr val="accent1"/>
+                </a:buClr>
+                <a:buFont typeface="Calibri" panose="020F0502020204030204" pitchFamily="34" charset="0"/>
+                <a:buChar char="—"/>
+                <a:defRPr sz="1800" kern="1200">
+                  <a:solidFill>
+                    <a:schemeClr val="tx1"/>
+                  </a:solidFill>
+                  <a:latin typeface="+mn-lt"/>
+                  <a:ea typeface="+mn-ea"/>
+                  <a:cs typeface="+mn-cs"/>
+                </a:defRPr>
+              </a:lvl2pPr>
+              <a:lvl3pPr marL="857250" indent="-171450" algn="l" defTabSz="685800" rtl="0" eaLnBrk="1" latinLnBrk="0" hangingPunct="1">
+                <a:lnSpc>
+                  <a:spcPct val="90000"/>
+                </a:lnSpc>
+                <a:spcBef>
+                  <a:spcPts val="375"/>
+                </a:spcBef>
+                <a:buFont typeface="Arial" panose="020B0604020202020204" pitchFamily="34" charset="0"/>
+                <a:buChar char="•"/>
+                <a:defRPr sz="1500" kern="1200">
+                  <a:solidFill>
+                    <a:schemeClr val="tx1"/>
+                  </a:solidFill>
+                  <a:latin typeface="+mn-lt"/>
+                  <a:ea typeface="+mn-ea"/>
+                  <a:cs typeface="+mn-cs"/>
+                </a:defRPr>
+              </a:lvl3pPr>
+              <a:lvl4pPr marL="1200150" indent="-171450" algn="l" defTabSz="685800" rtl="0" eaLnBrk="1" latinLnBrk="0" hangingPunct="1">
+                <a:lnSpc>
+                  <a:spcPct val="90000"/>
+                </a:lnSpc>
+                <a:spcBef>
+                  <a:spcPts val="375"/>
+                </a:spcBef>
+                <a:buFont typeface="Arial" panose="020B0604020202020204" pitchFamily="34" charset="0"/>
+                <a:buChar char="•"/>
+                <a:defRPr sz="1350" kern="1200">
+                  <a:solidFill>
+                    <a:schemeClr val="tx1"/>
+                  </a:solidFill>
+                  <a:latin typeface="+mn-lt"/>
+                  <a:ea typeface="+mn-ea"/>
+                  <a:cs typeface="+mn-cs"/>
+                </a:defRPr>
+              </a:lvl4pPr>
+              <a:lvl5pPr marL="1543050" indent="-171450" algn="l" defTabSz="685800" rtl="0" eaLnBrk="1" latinLnBrk="0" hangingPunct="1">
+                <a:lnSpc>
+                  <a:spcPct val="90000"/>
+                </a:lnSpc>
+                <a:spcBef>
+                  <a:spcPts val="375"/>
+                </a:spcBef>
+                <a:buFont typeface="Arial" panose="020B0604020202020204" pitchFamily="34" charset="0"/>
+                <a:buChar char="•"/>
+                <a:defRPr sz="1350" kern="1200">
+                  <a:solidFill>
+                    <a:schemeClr val="tx1"/>
+                  </a:solidFill>
+                  <a:latin typeface="+mn-lt"/>
+                  <a:ea typeface="+mn-ea"/>
+                  <a:cs typeface="+mn-cs"/>
+                </a:defRPr>
+              </a:lvl5pPr>
+              <a:lvl6pPr marL="1885950" indent="-171450" algn="l" defTabSz="685800" rtl="0" eaLnBrk="1" latinLnBrk="0" hangingPunct="1">
+                <a:lnSpc>
+                  <a:spcPct val="90000"/>
+                </a:lnSpc>
+                <a:spcBef>
+                  <a:spcPts val="375"/>
+                </a:spcBef>
+                <a:buFont typeface="Arial" panose="020B0604020202020204" pitchFamily="34" charset="0"/>
+                <a:buChar char="•"/>
+                <a:defRPr sz="1350" kern="1200">
+                  <a:solidFill>
+                    <a:schemeClr val="tx1"/>
+                  </a:solidFill>
+                  <a:latin typeface="+mn-lt"/>
+                  <a:ea typeface="+mn-ea"/>
+                  <a:cs typeface="+mn-cs"/>
+                </a:defRPr>
+              </a:lvl6pPr>
+              <a:lvl7pPr marL="2228850" indent="-171450" algn="l" defTabSz="685800" rtl="0" eaLnBrk="1" latinLnBrk="0" hangingPunct="1">
+                <a:lnSpc>
+                  <a:spcPct val="90000"/>
+                </a:lnSpc>
+                <a:spcBef>
+                  <a:spcPts val="375"/>
+                </a:spcBef>
+                <a:buFont typeface="Arial" panose="020B0604020202020204" pitchFamily="34" charset="0"/>
+                <a:buChar char="•"/>
+                <a:defRPr sz="1350" kern="1200">
+                  <a:solidFill>
+                    <a:schemeClr val="tx1"/>
+                  </a:solidFill>
+                  <a:latin typeface="+mn-lt"/>
+                  <a:ea typeface="+mn-ea"/>
+                  <a:cs typeface="+mn-cs"/>
+                </a:defRPr>
+              </a:lvl7pPr>
+              <a:lvl8pPr marL="2571750" indent="-171450" algn="l" defTabSz="685800" rtl="0" eaLnBrk="1" latinLnBrk="0" hangingPunct="1">
+                <a:lnSpc>
+                  <a:spcPct val="90000"/>
+                </a:lnSpc>
+                <a:spcBef>
+                  <a:spcPts val="375"/>
+                </a:spcBef>
+                <a:buFont typeface="Arial" panose="020B0604020202020204" pitchFamily="34" charset="0"/>
+                <a:buChar char="•"/>
+                <a:defRPr sz="1350" kern="1200">
+                  <a:solidFill>
+                    <a:schemeClr val="tx1"/>
+                  </a:solidFill>
+                  <a:latin typeface="+mn-lt"/>
+                  <a:ea typeface="+mn-ea"/>
+                  <a:cs typeface="+mn-cs"/>
+                </a:defRPr>
+              </a:lvl8pPr>
+              <a:lvl9pPr marL="2914650" indent="-171450" algn="l" defTabSz="685800" rtl="0" eaLnBrk="1" latinLnBrk="0" hangingPunct="1">
+                <a:lnSpc>
+                  <a:spcPct val="90000"/>
+                </a:lnSpc>
+                <a:spcBef>
+                  <a:spcPts val="375"/>
+                </a:spcBef>
+                <a:buFont typeface="Arial" panose="020B0604020202020204" pitchFamily="34" charset="0"/>
+                <a:buChar char="•"/>
+                <a:defRPr sz="1350" kern="1200">
+                  <a:solidFill>
+                    <a:schemeClr val="tx1"/>
+                  </a:solidFill>
+                  <a:latin typeface="+mn-lt"/>
+                  <a:ea typeface="+mn-ea"/>
+                  <a:cs typeface="+mn-cs"/>
+                </a:defRPr>
+              </a:lvl9pPr>
+            </a:lstStyle>
+            <a:p>
+              <a:pPr marL="0" indent="0" fontAlgn="auto">
+                <a:spcAft>
+                  <a:spcPts val="0"/>
+                </a:spcAft>
+                <a:buSzTx/>
+                <a:buNone/>
+              </a:pPr>
+              <a:r>
+                <a:rPr lang="en-US" altLang="en-US" sz="1600" dirty="0" err="1"/>
+                <a:t>Setosa</a:t>
+              </a:r>
+              <a:endParaRPr lang="en-US" altLang="en-US" sz="1600" dirty="0"/>
+            </a:p>
+            <a:p>
+              <a:pPr marL="0" indent="0" fontAlgn="auto">
+                <a:spcAft>
+                  <a:spcPts val="0"/>
+                </a:spcAft>
+                <a:buSzTx/>
+                <a:buNone/>
+              </a:pPr>
+              <a:endParaRPr lang="en-US" altLang="en-US" sz="1600" dirty="0"/>
+            </a:p>
+            <a:p>
+              <a:pPr marL="0" indent="0" fontAlgn="auto">
+                <a:spcAft>
+                  <a:spcPts val="0"/>
+                </a:spcAft>
+                <a:buSzTx/>
+                <a:buNone/>
+              </a:pPr>
+              <a:r>
+                <a:rPr lang="en-US" altLang="en-US" sz="1600" dirty="0"/>
+                <a:t>Versicolor</a:t>
+              </a:r>
+            </a:p>
+            <a:p>
+              <a:pPr marL="0" indent="0" fontAlgn="auto">
+                <a:spcAft>
+                  <a:spcPts val="0"/>
+                </a:spcAft>
+                <a:buSzTx/>
+                <a:buNone/>
+              </a:pPr>
+              <a:endParaRPr lang="en-US" altLang="en-US" sz="1600" dirty="0"/>
+            </a:p>
+            <a:p>
+              <a:pPr marL="0" indent="0" fontAlgn="auto">
+                <a:spcAft>
+                  <a:spcPts val="0"/>
+                </a:spcAft>
+                <a:buSzTx/>
+                <a:buNone/>
+              </a:pPr>
+              <a:r>
+                <a:rPr lang="en-US" altLang="en-US" sz="1600" dirty="0"/>
+                <a:t>Virginica</a:t>
+              </a:r>
+            </a:p>
+            <a:p>
+              <a:pPr marL="0" indent="0" fontAlgn="auto">
+                <a:spcAft>
+                  <a:spcPts val="0"/>
+                </a:spcAft>
+                <a:buSzTx/>
+                <a:buNone/>
+              </a:pPr>
+              <a:endParaRPr lang="en-US" altLang="en-US" sz="1600" dirty="0"/>
+            </a:p>
+            <a:p>
+              <a:pPr marL="0" indent="0" fontAlgn="auto">
+                <a:spcAft>
+                  <a:spcPts val="0"/>
+                </a:spcAft>
+                <a:buSzTx/>
+                <a:buNone/>
+              </a:pPr>
+              <a:endParaRPr lang="en-US" altLang="en-US" sz="1600" dirty="0"/>
+            </a:p>
+            <a:p>
+              <a:pPr marL="0" indent="0" fontAlgn="auto">
+                <a:spcAft>
+                  <a:spcPts val="0"/>
+                </a:spcAft>
+                <a:buSzTx/>
+                <a:buNone/>
+              </a:pPr>
+              <a:endParaRPr lang="en-US" altLang="en-US" sz="1600" dirty="0"/>
+            </a:p>
+          </p:txBody>
+        </p:sp>
+        <p:sp>
+          <p:nvSpPr>
+            <p:cNvPr id="6" name="TextBox 5">
+              <a:extLst>
+                <a:ext uri="{FF2B5EF4-FFF2-40B4-BE49-F238E27FC236}">
+                  <a16:creationId xmlns:a16="http://schemas.microsoft.com/office/drawing/2014/main" id="{EED6DAA7-AC1F-71F2-7DD0-D2588BF6B79D}"/>
+                </a:ext>
+              </a:extLst>
+            </p:cNvPr>
+            <p:cNvSpPr txBox="1"/>
+            <p:nvPr/>
+          </p:nvSpPr>
+          <p:spPr>
+            <a:xfrm>
+              <a:off x="2172929" y="3478795"/>
+              <a:ext cx="1447800" cy="461665"/>
+            </a:xfrm>
+            <a:prstGeom prst="rect">
+              <a:avLst/>
+            </a:prstGeom>
+            <a:noFill/>
+          </p:spPr>
+          <p:txBody>
+            <a:bodyPr wrap="square">
+              <a:spAutoFit/>
+            </a:bodyPr>
+            <a:lstStyle/>
+            <a:p>
+              <a:r>
+                <a:rPr lang="en-US" altLang="en-US" dirty="0">
+                  <a:solidFill>
+                    <a:schemeClr val="tx1"/>
+                  </a:solidFill>
+                  <a:latin typeface="+mj-lt"/>
+                </a:rPr>
+                <a:t>Star Plots</a:t>
+              </a:r>
+            </a:p>
+          </p:txBody>
+        </p:sp>
+        <p:sp>
+          <p:nvSpPr>
+            <p:cNvPr id="8" name="TextBox 7">
+              <a:extLst>
+                <a:ext uri="{FF2B5EF4-FFF2-40B4-BE49-F238E27FC236}">
+                  <a16:creationId xmlns:a16="http://schemas.microsoft.com/office/drawing/2014/main" id="{C0D7541D-8161-C321-CD74-1E3C2A03A019}"/>
+                </a:ext>
+              </a:extLst>
+            </p:cNvPr>
+            <p:cNvSpPr txBox="1"/>
+            <p:nvPr/>
+          </p:nvSpPr>
+          <p:spPr>
+            <a:xfrm>
+              <a:off x="5410200" y="3518768"/>
+              <a:ext cx="2548890" cy="461665"/>
+            </a:xfrm>
+            <a:prstGeom prst="rect">
+              <a:avLst/>
+            </a:prstGeom>
+            <a:noFill/>
+          </p:spPr>
+          <p:txBody>
+            <a:bodyPr wrap="square">
+              <a:spAutoFit/>
+            </a:bodyPr>
+            <a:lstStyle/>
+            <a:p>
+              <a:r>
+                <a:rPr lang="en-US" altLang="en-US" dirty="0">
+                  <a:solidFill>
+                    <a:schemeClr val="tx1"/>
+                  </a:solidFill>
+                  <a:latin typeface="+mj-lt"/>
+                </a:rPr>
+                <a:t>Chernoff Faces</a:t>
+              </a:r>
+              <a:endParaRPr lang="en-US" dirty="0">
                 <a:solidFill>
                   <a:schemeClr val="tx1"/>
                 </a:solidFill>
                 <a:latin typeface="+mj-lt"/>
-              </a:rPr>
-              <a:t>Star Plots</a:t>
-            </a:r>
-          </a:p>
-        </p:txBody>
-      </p:sp>
-      <p:sp>
-        <p:nvSpPr>
-          <p:cNvPr id="8" name="TextBox 7">
-            <a:extLst>
-              <a:ext uri="{FF2B5EF4-FFF2-40B4-BE49-F238E27FC236}">
-                <a16:creationId xmlns:a16="http://schemas.microsoft.com/office/drawing/2014/main" id="{C0D7541D-8161-C321-CD74-1E3C2A03A019}"/>
-              </a:ext>
-            </a:extLst>
-          </p:cNvPr>
-          <p:cNvSpPr txBox="1"/>
-          <p:nvPr/>
-        </p:nvSpPr>
-        <p:spPr>
-          <a:xfrm>
-            <a:off x="5715000" y="3090253"/>
-            <a:ext cx="2057400" cy="461665"/>
-          </a:xfrm>
-          <a:prstGeom prst="rect">
-            <a:avLst/>
-          </a:prstGeom>
-          <a:noFill/>
-        </p:spPr>
-        <p:txBody>
-          <a:bodyPr wrap="square">
-            <a:spAutoFit/>
-          </a:bodyPr>
-          <a:lstStyle/>
-          <a:p>
-            <a:r>
-              <a:rPr lang="en-US" altLang="en-US" dirty="0">
-                <a:solidFill>
-                  <a:schemeClr val="tx1"/>
-                </a:solidFill>
-                <a:latin typeface="+mj-lt"/>
-              </a:rPr>
-              <a:t>Chernoff Faces</a:t>
-            </a:r>
-            <a:endParaRPr lang="en-US" dirty="0">
-              <a:solidFill>
-                <a:schemeClr val="tx1"/>
-              </a:solidFill>
-              <a:latin typeface="+mj-lt"/>
-            </a:endParaRPr>
-          </a:p>
-        </p:txBody>
-      </p:sp>
+              </a:endParaRPr>
+            </a:p>
+          </p:txBody>
+        </p:sp>
+      </p:grpSp>
     </p:spTree>
   </p:cSld>
   <p:clrMapOvr>

--- a/slides/chap2_exploration.pptx
+++ b/slides/chap2_exploration.pptx
@@ -11523,7 +11523,7 @@
           <a:p>
             <a:fld id="{AEE3A5ED-0979-46C2-BDB3-6C1F641153D0}" type="datetimeFigureOut">
               <a:rPr lang="en-US" smtClean="0"/>
-              <a:t>2/24/2025</a:t>
+              <a:t>2/26/2025</a:t>
             </a:fld>
             <a:endParaRPr lang="en-US"/>
           </a:p>
@@ -11721,7 +11721,7 @@
           <a:p>
             <a:fld id="{AEE3A5ED-0979-46C2-BDB3-6C1F641153D0}" type="datetimeFigureOut">
               <a:rPr lang="en-US" smtClean="0"/>
-              <a:t>2/24/2025</a:t>
+              <a:t>2/26/2025</a:t>
             </a:fld>
             <a:endParaRPr lang="en-US"/>
           </a:p>
@@ -11929,7 +11929,7 @@
           <a:p>
             <a:fld id="{AEE3A5ED-0979-46C2-BDB3-6C1F641153D0}" type="datetimeFigureOut">
               <a:rPr lang="en-US" smtClean="0"/>
-              <a:t>2/24/2025</a:t>
+              <a:t>2/26/2025</a:t>
             </a:fld>
             <a:endParaRPr lang="en-US"/>
           </a:p>
@@ -12829,7 +12829,7 @@
           <a:p>
             <a:fld id="{AEE3A5ED-0979-46C2-BDB3-6C1F641153D0}" type="datetimeFigureOut">
               <a:rPr lang="en-US" smtClean="0"/>
-              <a:t>2/24/2025</a:t>
+              <a:t>2/26/2025</a:t>
             </a:fld>
             <a:endParaRPr lang="en-US"/>
           </a:p>
@@ -13104,7 +13104,7 @@
           <a:p>
             <a:fld id="{AEE3A5ED-0979-46C2-BDB3-6C1F641153D0}" type="datetimeFigureOut">
               <a:rPr lang="en-US" smtClean="0"/>
-              <a:t>2/24/2025</a:t>
+              <a:t>2/26/2025</a:t>
             </a:fld>
             <a:endParaRPr lang="en-US"/>
           </a:p>
@@ -13369,7 +13369,7 @@
           <a:p>
             <a:fld id="{AEE3A5ED-0979-46C2-BDB3-6C1F641153D0}" type="datetimeFigureOut">
               <a:rPr lang="en-US" smtClean="0"/>
-              <a:t>2/24/2025</a:t>
+              <a:t>2/26/2025</a:t>
             </a:fld>
             <a:endParaRPr lang="en-US"/>
           </a:p>
@@ -13781,7 +13781,7 @@
           <a:p>
             <a:fld id="{AEE3A5ED-0979-46C2-BDB3-6C1F641153D0}" type="datetimeFigureOut">
               <a:rPr lang="en-US" smtClean="0"/>
-              <a:t>2/24/2025</a:t>
+              <a:t>2/26/2025</a:t>
             </a:fld>
             <a:endParaRPr lang="en-US"/>
           </a:p>
@@ -13922,7 +13922,7 @@
           <a:p>
             <a:fld id="{AEE3A5ED-0979-46C2-BDB3-6C1F641153D0}" type="datetimeFigureOut">
               <a:rPr lang="en-US" smtClean="0"/>
-              <a:t>2/24/2025</a:t>
+              <a:t>2/26/2025</a:t>
             </a:fld>
             <a:endParaRPr lang="en-US"/>
           </a:p>
@@ -14035,7 +14035,7 @@
           <a:p>
             <a:fld id="{AEE3A5ED-0979-46C2-BDB3-6C1F641153D0}" type="datetimeFigureOut">
               <a:rPr lang="en-US" smtClean="0"/>
-              <a:t>2/24/2025</a:t>
+              <a:t>2/26/2025</a:t>
             </a:fld>
             <a:endParaRPr lang="en-US"/>
           </a:p>
@@ -14346,7 +14346,7 @@
           <a:p>
             <a:fld id="{AEE3A5ED-0979-46C2-BDB3-6C1F641153D0}" type="datetimeFigureOut">
               <a:rPr lang="en-US" smtClean="0"/>
-              <a:t>2/24/2025</a:t>
+              <a:t>2/26/2025</a:t>
             </a:fld>
             <a:endParaRPr lang="en-US"/>
           </a:p>
@@ -14634,7 +14634,7 @@
           <a:p>
             <a:fld id="{AEE3A5ED-0979-46C2-BDB3-6C1F641153D0}" type="datetimeFigureOut">
               <a:rPr lang="en-US" smtClean="0"/>
-              <a:t>2/24/2025</a:t>
+              <a:t>2/26/2025</a:t>
             </a:fld>
             <a:endParaRPr lang="en-US"/>
           </a:p>
@@ -14875,7 +14875,7 @@
           <a:p>
             <a:fld id="{AEE3A5ED-0979-46C2-BDB3-6C1F641153D0}" type="datetimeFigureOut">
               <a:rPr lang="en-US" smtClean="0"/>
-              <a:t>2/24/2025</a:t>
+              <a:t>2/26/2025</a:t>
             </a:fld>
             <a:endParaRPr lang="en-US"/>
           </a:p>
@@ -15861,141 +15861,161 @@
           </a:p>
         </p:txBody>
       </p:sp>
-      <p:pic>
-        <p:nvPicPr>
-          <p:cNvPr id="3" name="Picture 4" descr="Creative Commons License">
+      <p:grpSp>
+        <p:nvGrpSpPr>
+          <p:cNvPr id="5" name="Group 4">
             <a:extLst>
               <a:ext uri="{FF2B5EF4-FFF2-40B4-BE49-F238E27FC236}">
-                <a16:creationId xmlns:a16="http://schemas.microsoft.com/office/drawing/2014/main" id="{3D155F94-C047-8CEE-2E27-3047EEFD060E}"/>
+                <a16:creationId xmlns:a16="http://schemas.microsoft.com/office/drawing/2014/main" id="{F25D312E-41E3-F1FA-3832-771F49035CD0}"/>
               </a:ext>
             </a:extLst>
           </p:cNvPr>
-          <p:cNvPicPr>
-            <a:picLocks noChangeAspect="1" noChangeArrowheads="1"/>
-          </p:cNvPicPr>
+          <p:cNvGrpSpPr/>
           <p:nvPr/>
-        </p:nvPicPr>
-        <p:blipFill>
-          <a:blip r:embed="rId4">
-            <a:extLst>
-              <a:ext uri="{28A0092B-C50C-407E-A947-70E740481C1C}">
-                <a14:useLocalDpi xmlns:a14="http://schemas.microsoft.com/office/drawing/2010/main" val="0"/>
-              </a:ext>
-            </a:extLst>
-          </a:blip>
-          <a:srcRect/>
-          <a:stretch>
-            <a:fillRect/>
-          </a:stretch>
-        </p:blipFill>
-        <p:spPr bwMode="auto">
+        </p:nvGrpSpPr>
+        <p:grpSpPr>
           <a:xfrm>
-            <a:off x="468312" y="6281489"/>
-            <a:ext cx="838200" cy="295275"/>
+            <a:off x="468312" y="6172200"/>
+            <a:ext cx="3817729" cy="430887"/>
+            <a:chOff x="468312" y="6172200"/>
+            <a:chExt cx="3817729" cy="430887"/>
           </a:xfrm>
-          <a:prstGeom prst="rect">
-            <a:avLst/>
-          </a:prstGeom>
-          <a:noFill/>
-          <a:extLst>
-            <a:ext uri="{909E8E84-426E-40DD-AFC4-6F175D3DCCD1}">
-              <a14:hiddenFill xmlns:a14="http://schemas.microsoft.com/office/drawing/2010/main">
-                <a:solidFill>
-                  <a:srgbClr val="FFFFFF"/>
-                </a:solidFill>
-              </a14:hiddenFill>
-            </a:ext>
-          </a:extLst>
-        </p:spPr>
-      </p:pic>
-      <p:sp>
-        <p:nvSpPr>
-          <p:cNvPr id="4" name="TextBox 3">
-            <a:extLst>
-              <a:ext uri="{FF2B5EF4-FFF2-40B4-BE49-F238E27FC236}">
-                <a16:creationId xmlns:a16="http://schemas.microsoft.com/office/drawing/2014/main" id="{8817F148-9C6D-7783-69AB-3A3B6F5E2CAD}"/>
-              </a:ext>
-            </a:extLst>
-          </p:cNvPr>
-          <p:cNvSpPr txBox="1"/>
-          <p:nvPr/>
-        </p:nvSpPr>
-        <p:spPr>
-          <a:xfrm>
-            <a:off x="1268520" y="6172200"/>
-            <a:ext cx="3017521" cy="430887"/>
-          </a:xfrm>
-          <a:prstGeom prst="rect">
-            <a:avLst/>
-          </a:prstGeom>
-          <a:noFill/>
-        </p:spPr>
-        <p:txBody>
-          <a:bodyPr wrap="square">
-            <a:spAutoFit/>
-          </a:bodyPr>
-          <a:lstStyle/>
-          <a:p>
-            <a:pPr>
-              <a:spcAft>
-                <a:spcPts val="600"/>
-              </a:spcAft>
-            </a:pPr>
-            <a:r>
-              <a:rPr lang="en-US" sz="1100" dirty="0">
-                <a:latin typeface="source sans pro" panose="020B0503030403020204" pitchFamily="34" charset="0"/>
-              </a:rPr>
-              <a:t>This work is licensed under a </a:t>
-            </a:r>
-            <a:r>
-              <a:rPr lang="en-US" sz="1100" dirty="0">
-                <a:latin typeface="source sans pro" panose="020B0503030403020204" pitchFamily="34" charset="0"/>
-                <a:hlinkClick r:id="rId5">
-                  <a:extLst>
-                    <a:ext uri="{A12FA001-AC4F-418D-AE19-62706E023703}">
-                      <ahyp:hlinkClr xmlns:ahyp="http://schemas.microsoft.com/office/drawing/2018/hyperlinkcolor" val="tx"/>
-                    </a:ext>
-                  </a:extLst>
-                </a:hlinkClick>
-              </a:rPr>
-              <a:t>Creative Commons Attribution-</a:t>
-            </a:r>
-            <a:r>
-              <a:rPr lang="en-US" sz="1100" dirty="0" err="1">
-                <a:latin typeface="source sans pro" panose="020B0503030403020204" pitchFamily="34" charset="0"/>
-                <a:hlinkClick r:id="rId5">
-                  <a:extLst>
-                    <a:ext uri="{A12FA001-AC4F-418D-AE19-62706E023703}">
-                      <ahyp:hlinkClr xmlns:ahyp="http://schemas.microsoft.com/office/drawing/2018/hyperlinkcolor" val="tx"/>
-                    </a:ext>
-                  </a:extLst>
-                </a:hlinkClick>
-              </a:rPr>
-              <a:t>ShareAlike</a:t>
-            </a:r>
-            <a:r>
-              <a:rPr lang="en-US" sz="1100" dirty="0">
-                <a:latin typeface="source sans pro" panose="020B0503030403020204" pitchFamily="34" charset="0"/>
-                <a:hlinkClick r:id="rId5">
-                  <a:extLst>
-                    <a:ext uri="{A12FA001-AC4F-418D-AE19-62706E023703}">
-                      <ahyp:hlinkClr xmlns:ahyp="http://schemas.microsoft.com/office/drawing/2018/hyperlinkcolor" val="tx"/>
-                    </a:ext>
-                  </a:extLst>
-                </a:hlinkClick>
-              </a:rPr>
-              <a:t> 4.0 International License</a:t>
-            </a:r>
-            <a:r>
-              <a:rPr lang="en-US" sz="1100" dirty="0">
-                <a:latin typeface="source sans pro" panose="020B0503030403020204" pitchFamily="34" charset="0"/>
-              </a:rPr>
-              <a:t>.</a:t>
-            </a:r>
-            <a:endParaRPr lang="en-US" sz="1100" dirty="0"/>
-          </a:p>
-        </p:txBody>
-      </p:sp>
+        </p:grpSpPr>
+        <p:pic>
+          <p:nvPicPr>
+            <p:cNvPr id="3" name="Picture 4" descr="Creative Commons License">
+              <a:extLst>
+                <a:ext uri="{FF2B5EF4-FFF2-40B4-BE49-F238E27FC236}">
+                  <a16:creationId xmlns:a16="http://schemas.microsoft.com/office/drawing/2014/main" id="{3D155F94-C047-8CEE-2E27-3047EEFD060E}"/>
+                </a:ext>
+              </a:extLst>
+            </p:cNvPr>
+            <p:cNvPicPr>
+              <a:picLocks noChangeAspect="1" noChangeArrowheads="1"/>
+            </p:cNvPicPr>
+            <p:nvPr/>
+          </p:nvPicPr>
+          <p:blipFill>
+            <a:blip r:embed="rId4">
+              <a:extLst>
+                <a:ext uri="{28A0092B-C50C-407E-A947-70E740481C1C}">
+                  <a14:useLocalDpi xmlns:a14="http://schemas.microsoft.com/office/drawing/2010/main" val="0"/>
+                </a:ext>
+              </a:extLst>
+            </a:blip>
+            <a:srcRect/>
+            <a:stretch>
+              <a:fillRect/>
+            </a:stretch>
+          </p:blipFill>
+          <p:spPr bwMode="auto">
+            <a:xfrm>
+              <a:off x="468312" y="6240005"/>
+              <a:ext cx="838200" cy="295275"/>
+            </a:xfrm>
+            <a:prstGeom prst="rect">
+              <a:avLst/>
+            </a:prstGeom>
+            <a:noFill/>
+            <a:extLst>
+              <a:ext uri="{909E8E84-426E-40DD-AFC4-6F175D3DCCD1}">
+                <a14:hiddenFill xmlns:a14="http://schemas.microsoft.com/office/drawing/2010/main">
+                  <a:solidFill>
+                    <a:srgbClr val="FFFFFF"/>
+                  </a:solidFill>
+                </a14:hiddenFill>
+              </a:ext>
+            </a:extLst>
+          </p:spPr>
+        </p:pic>
+        <p:sp>
+          <p:nvSpPr>
+            <p:cNvPr id="4" name="TextBox 3">
+              <a:extLst>
+                <a:ext uri="{FF2B5EF4-FFF2-40B4-BE49-F238E27FC236}">
+                  <a16:creationId xmlns:a16="http://schemas.microsoft.com/office/drawing/2014/main" id="{8817F148-9C6D-7783-69AB-3A3B6F5E2CAD}"/>
+                </a:ext>
+              </a:extLst>
+            </p:cNvPr>
+            <p:cNvSpPr txBox="1"/>
+            <p:nvPr/>
+          </p:nvSpPr>
+          <p:spPr>
+            <a:xfrm>
+              <a:off x="1268520" y="6172200"/>
+              <a:ext cx="3017521" cy="430887"/>
+            </a:xfrm>
+            <a:prstGeom prst="rect">
+              <a:avLst/>
+            </a:prstGeom>
+            <a:noFill/>
+          </p:spPr>
+          <p:txBody>
+            <a:bodyPr wrap="square">
+              <a:spAutoFit/>
+            </a:bodyPr>
+            <a:lstStyle/>
+            <a:p>
+              <a:pPr>
+                <a:spcAft>
+                  <a:spcPts val="600"/>
+                </a:spcAft>
+              </a:pPr>
+              <a:r>
+                <a:rPr lang="en-US" sz="1100" dirty="0">
+                  <a:latin typeface="+mj-lt"/>
+                </a:rPr>
+                <a:t>This work is licensed under a </a:t>
+              </a:r>
+              <a:r>
+                <a:rPr lang="en-US" sz="1100" dirty="0">
+                  <a:latin typeface="+mj-lt"/>
+                  <a:hlinkClick r:id="rId5">
+                    <a:extLst>
+                      <a:ext uri="{A12FA001-AC4F-418D-AE19-62706E023703}">
+                        <ahyp:hlinkClr xmlns:ahyp="http://schemas.microsoft.com/office/drawing/2018/hyperlinkcolor" val="tx"/>
+                      </a:ext>
+                    </a:extLst>
+                  </a:hlinkClick>
+                </a:rPr>
+                <a:t>Creative Commons Attribution-</a:t>
+              </a:r>
+              <a:r>
+                <a:rPr lang="en-US" sz="1100" dirty="0" err="1">
+                  <a:latin typeface="+mj-lt"/>
+                  <a:hlinkClick r:id="rId5">
+                    <a:extLst>
+                      <a:ext uri="{A12FA001-AC4F-418D-AE19-62706E023703}">
+                        <ahyp:hlinkClr xmlns:ahyp="http://schemas.microsoft.com/office/drawing/2018/hyperlinkcolor" val="tx"/>
+                      </a:ext>
+                    </a:extLst>
+                  </a:hlinkClick>
+                </a:rPr>
+                <a:t>ShareAlike</a:t>
+              </a:r>
+              <a:r>
+                <a:rPr lang="en-US" sz="1100" dirty="0">
+                  <a:latin typeface="+mj-lt"/>
+                  <a:hlinkClick r:id="rId5">
+                    <a:extLst>
+                      <a:ext uri="{A12FA001-AC4F-418D-AE19-62706E023703}">
+                        <ahyp:hlinkClr xmlns:ahyp="http://schemas.microsoft.com/office/drawing/2018/hyperlinkcolor" val="tx"/>
+                      </a:ext>
+                    </a:extLst>
+                  </a:hlinkClick>
+                </a:rPr>
+                <a:t> 4.0 International License</a:t>
+              </a:r>
+              <a:r>
+                <a:rPr lang="en-US" sz="1100" dirty="0">
+                  <a:latin typeface="+mj-lt"/>
+                </a:rPr>
+                <a:t>.</a:t>
+              </a:r>
+            </a:p>
+          </p:txBody>
+        </p:sp>
+      </p:grpSp>
       <p:cxnSp>
         <p:nvCxnSpPr>
           <p:cNvPr id="8" name="Straight Connector 7">
